--- a/SOLID Principles - Step By Step Code/SOLID Principles Presentation.pptx
+++ b/SOLID Principles - Step By Step Code/SOLID Principles Presentation.pptx
@@ -5,56 +5,62 @@
     <p:sldMasterId id="2147483822" r:id="rId4"/>
   </p:sldMasterIdLst>
   <p:notesMasterIdLst>
-    <p:notesMasterId r:id="rId39"/>
+    <p:notesMasterId r:id="rId45"/>
   </p:notesMasterIdLst>
   <p:handoutMasterIdLst>
-    <p:handoutMasterId r:id="rId40"/>
+    <p:handoutMasterId r:id="rId46"/>
   </p:handoutMasterIdLst>
   <p:sldIdLst>
-    <p:sldId id="256" r:id="rId5"/>
-    <p:sldId id="257" r:id="rId6"/>
-    <p:sldId id="285" r:id="rId7"/>
-    <p:sldId id="284" r:id="rId8"/>
-    <p:sldId id="280" r:id="rId9"/>
-    <p:sldId id="258" r:id="rId10"/>
-    <p:sldId id="261" r:id="rId11"/>
-    <p:sldId id="260" r:id="rId12"/>
-    <p:sldId id="275" r:id="rId13"/>
-    <p:sldId id="276" r:id="rId14"/>
-    <p:sldId id="262" r:id="rId15"/>
-    <p:sldId id="263" r:id="rId16"/>
-    <p:sldId id="264" r:id="rId17"/>
-    <p:sldId id="265" r:id="rId18"/>
-    <p:sldId id="266" r:id="rId19"/>
-    <p:sldId id="267" r:id="rId20"/>
-    <p:sldId id="277" r:id="rId21"/>
-    <p:sldId id="271" r:id="rId22"/>
-    <p:sldId id="272" r:id="rId23"/>
-    <p:sldId id="273" r:id="rId24"/>
-    <p:sldId id="268" r:id="rId25"/>
-    <p:sldId id="269" r:id="rId26"/>
-    <p:sldId id="286" r:id="rId27"/>
-    <p:sldId id="290" r:id="rId28"/>
-    <p:sldId id="288" r:id="rId29"/>
-    <p:sldId id="287" r:id="rId30"/>
-    <p:sldId id="270" r:id="rId31"/>
-    <p:sldId id="278" r:id="rId32"/>
-    <p:sldId id="279" r:id="rId33"/>
-    <p:sldId id="281" r:id="rId34"/>
-    <p:sldId id="282" r:id="rId35"/>
-    <p:sldId id="283" r:id="rId36"/>
-    <p:sldId id="259" r:id="rId37"/>
-    <p:sldId id="274" r:id="rId38"/>
+    <p:sldId id="292" r:id="rId5"/>
+    <p:sldId id="256" r:id="rId6"/>
+    <p:sldId id="257" r:id="rId7"/>
+    <p:sldId id="285" r:id="rId8"/>
+    <p:sldId id="284" r:id="rId9"/>
+    <p:sldId id="280" r:id="rId10"/>
+    <p:sldId id="258" r:id="rId11"/>
+    <p:sldId id="261" r:id="rId12"/>
+    <p:sldId id="260" r:id="rId13"/>
+    <p:sldId id="291" r:id="rId14"/>
+    <p:sldId id="275" r:id="rId15"/>
+    <p:sldId id="276" r:id="rId16"/>
+    <p:sldId id="262" r:id="rId17"/>
+    <p:sldId id="263" r:id="rId18"/>
+    <p:sldId id="293" r:id="rId19"/>
+    <p:sldId id="264" r:id="rId20"/>
+    <p:sldId id="265" r:id="rId21"/>
+    <p:sldId id="266" r:id="rId22"/>
+    <p:sldId id="295" r:id="rId23"/>
+    <p:sldId id="267" r:id="rId24"/>
+    <p:sldId id="277" r:id="rId25"/>
+    <p:sldId id="271" r:id="rId26"/>
+    <p:sldId id="272" r:id="rId27"/>
+    <p:sldId id="294" r:id="rId28"/>
+    <p:sldId id="273" r:id="rId29"/>
+    <p:sldId id="268" r:id="rId30"/>
+    <p:sldId id="269" r:id="rId31"/>
+    <p:sldId id="296" r:id="rId32"/>
+    <p:sldId id="286" r:id="rId33"/>
+    <p:sldId id="290" r:id="rId34"/>
+    <p:sldId id="288" r:id="rId35"/>
+    <p:sldId id="287" r:id="rId36"/>
+    <p:sldId id="270" r:id="rId37"/>
+    <p:sldId id="278" r:id="rId38"/>
+    <p:sldId id="279" r:id="rId39"/>
+    <p:sldId id="281" r:id="rId40"/>
+    <p:sldId id="282" r:id="rId41"/>
+    <p:sldId id="283" r:id="rId42"/>
+    <p:sldId id="259" r:id="rId43"/>
+    <p:sldId id="274" r:id="rId44"/>
   </p:sldIdLst>
   <p:sldSz cx="9144000" cy="6858000" type="screen4x3"/>
   <p:notesSz cx="7010400" cy="9296400"/>
   <p:embeddedFontLst>
     <p:embeddedFont>
       <p:font typeface="Calibri" pitchFamily="34" charset="0"/>
-      <p:regular r:id="rId41"/>
-      <p:bold r:id="rId42"/>
-      <p:italic r:id="rId43"/>
-      <p:boldItalic r:id="rId44"/>
+      <p:regular r:id="rId47"/>
+      <p:bold r:id="rId48"/>
+      <p:italic r:id="rId49"/>
+      <p:boldItalic r:id="rId50"/>
     </p:embeddedFont>
   </p:embeddedFontLst>
   <p:defaultTextStyle>
@@ -276,7 +282,7 @@
               <a:pPr>
                 <a:defRPr/>
               </a:pPr>
-              <a:t>10/14/2008</a:t>
+              <a:t>5/28/2009</a:t>
             </a:fld>
             <a:endParaRPr lang="en-US"/>
           </a:p>
@@ -454,7 +460,7 @@
               <a:pPr>
                 <a:defRPr/>
               </a:pPr>
-              <a:t>10/14/2008</a:t>
+              <a:t>5/28/2009</a:t>
             </a:fld>
             <a:endParaRPr lang="en-US"/>
           </a:p>
@@ -831,7 +837,7 @@
               <a:pPr>
                 <a:defRPr/>
               </a:pPr>
-              <a:t>2</a:t>
+              <a:t>1</a:t>
             </a:fld>
             <a:endParaRPr lang="en-US"/>
           </a:p>
@@ -1093,6 +1099,93 @@
                 <a:defRPr/>
               </a:pPr>
               <a:t>5</a:t>
+            </a:fld>
+            <a:endParaRPr lang="en-US"/>
+          </a:p>
+        </p:txBody>
+      </p:sp>
+    </p:spTree>
+  </p:cSld>
+  <p:clrMapOvr>
+    <a:masterClrMapping/>
+  </p:clrMapOvr>
+</p:notes>
+</file>
+
+<file path=ppt/notesSlides/notesSlide5.xml><?xml version="1.0" encoding="utf-8"?>
+<p:notes xmlns:a="http://schemas.openxmlformats.org/drawingml/2006/main" xmlns:r="http://schemas.openxmlformats.org/officeDocument/2006/relationships" xmlns:p="http://schemas.openxmlformats.org/presentationml/2006/main">
+  <p:cSld>
+    <p:spTree>
+      <p:nvGrpSpPr>
+        <p:cNvPr id="1" name=""/>
+        <p:cNvGrpSpPr/>
+        <p:nvPr/>
+      </p:nvGrpSpPr>
+      <p:grpSpPr>
+        <a:xfrm>
+          <a:off x="0" y="0"/>
+          <a:ext cx="0" cy="0"/>
+          <a:chOff x="0" y="0"/>
+          <a:chExt cx="0" cy="0"/>
+        </a:xfrm>
+      </p:grpSpPr>
+      <p:sp>
+        <p:nvSpPr>
+          <p:cNvPr id="2" name="Slide Image Placeholder 1"/>
+          <p:cNvSpPr>
+            <a:spLocks noGrp="1" noRot="1" noChangeAspect="1"/>
+          </p:cNvSpPr>
+          <p:nvPr>
+            <p:ph type="sldImg"/>
+          </p:nvPr>
+        </p:nvSpPr>
+        <p:spPr/>
+      </p:sp>
+      <p:sp>
+        <p:nvSpPr>
+          <p:cNvPr id="3" name="Notes Placeholder 2"/>
+          <p:cNvSpPr>
+            <a:spLocks noGrp="1"/>
+          </p:cNvSpPr>
+          <p:nvPr>
+            <p:ph type="body" idx="1"/>
+          </p:nvPr>
+        </p:nvSpPr>
+        <p:spPr/>
+        <p:txBody>
+          <a:bodyPr>
+            <a:normAutofit/>
+          </a:bodyPr>
+          <a:lstStyle/>
+          <a:p>
+            <a:endParaRPr lang="en-US" dirty="0"/>
+          </a:p>
+        </p:txBody>
+      </p:sp>
+      <p:sp>
+        <p:nvSpPr>
+          <p:cNvPr id="4" name="Slide Number Placeholder 3"/>
+          <p:cNvSpPr>
+            <a:spLocks noGrp="1"/>
+          </p:cNvSpPr>
+          <p:nvPr>
+            <p:ph type="sldNum" sz="quarter" idx="10"/>
+          </p:nvPr>
+        </p:nvSpPr>
+        <p:spPr/>
+        <p:txBody>
+          <a:bodyPr/>
+          <a:lstStyle/>
+          <a:p>
+            <a:pPr>
+              <a:defRPr/>
+            </a:pPr>
+            <a:fld id="{1931C8FD-CC35-423B-99F4-64D81D6A80AE}" type="slidenum">
+              <a:rPr lang="en-US" smtClean="0"/>
+              <a:pPr>
+                <a:defRPr/>
+              </a:pPr>
+              <a:t>6</a:t>
             </a:fld>
             <a:endParaRPr lang="en-US"/>
           </a:p>
@@ -1977,6 +2070,3048 @@
 </file>
 
 <file path=ppt/slides/slide1.xml><?xml version="1.0" encoding="utf-8"?>
+<p:sld xmlns:a="http://schemas.openxmlformats.org/drawingml/2006/main" xmlns:r="http://schemas.openxmlformats.org/officeDocument/2006/relationships" xmlns:p="http://schemas.openxmlformats.org/presentationml/2006/main" showMasterSp="0">
+  <p:cSld>
+    <p:spTree>
+      <p:nvGrpSpPr>
+        <p:cNvPr id="1" name=""/>
+        <p:cNvGrpSpPr/>
+        <p:nvPr/>
+      </p:nvGrpSpPr>
+      <p:grpSpPr>
+        <a:xfrm>
+          <a:off x="0" y="0"/>
+          <a:ext cx="0" cy="0"/>
+          <a:chOff x="0" y="0"/>
+          <a:chExt cx="0" cy="0"/>
+        </a:xfrm>
+      </p:grpSpPr>
+      <p:pic>
+        <p:nvPicPr>
+          <p:cNvPr id="2050" name="Picture 2"/>
+          <p:cNvPicPr>
+            <a:picLocks noChangeAspect="1" noChangeArrowheads="1"/>
+          </p:cNvPicPr>
+          <p:nvPr/>
+        </p:nvPicPr>
+        <p:blipFill>
+          <a:blip r:embed="rId3"/>
+          <a:srcRect/>
+          <a:stretch>
+            <a:fillRect/>
+          </a:stretch>
+        </p:blipFill>
+        <p:spPr bwMode="auto">
+          <a:xfrm>
+            <a:off x="1000125" y="571500"/>
+            <a:ext cx="7143750" cy="5715000"/>
+          </a:xfrm>
+          <a:prstGeom prst="rect">
+            <a:avLst/>
+          </a:prstGeom>
+          <a:noFill/>
+          <a:ln w="9525">
+            <a:noFill/>
+            <a:miter lim="800000"/>
+            <a:headEnd/>
+            <a:tailEnd/>
+          </a:ln>
+          <a:effectLst/>
+        </p:spPr>
+      </p:pic>
+    </p:spTree>
+  </p:cSld>
+  <p:clrMapOvr>
+    <a:masterClrMapping/>
+  </p:clrMapOvr>
+  <p:timing>
+    <p:tnLst>
+      <p:par>
+        <p:cTn id="1" dur="indefinite" restart="never" nodeType="tmRoot"/>
+      </p:par>
+    </p:tnLst>
+  </p:timing>
+</p:sld>
+</file>
+
+<file path=ppt/slides/slide10.xml><?xml version="1.0" encoding="utf-8"?>
+<p:sld xmlns:a="http://schemas.openxmlformats.org/drawingml/2006/main" xmlns:r="http://schemas.openxmlformats.org/officeDocument/2006/relationships" xmlns:p="http://schemas.openxmlformats.org/presentationml/2006/main">
+  <p:cSld>
+    <p:spTree>
+      <p:nvGrpSpPr>
+        <p:cNvPr id="1" name=""/>
+        <p:cNvGrpSpPr/>
+        <p:nvPr/>
+      </p:nvGrpSpPr>
+      <p:grpSpPr>
+        <a:xfrm>
+          <a:off x="0" y="0"/>
+          <a:ext cx="0" cy="0"/>
+          <a:chOff x="0" y="0"/>
+          <a:chExt cx="0" cy="0"/>
+        </a:xfrm>
+      </p:grpSpPr>
+      <p:sp>
+        <p:nvSpPr>
+          <p:cNvPr id="3074" name="Title 1"/>
+          <p:cNvSpPr>
+            <a:spLocks noGrp="1"/>
+          </p:cNvSpPr>
+          <p:nvPr>
+            <p:ph type="title"/>
+          </p:nvPr>
+        </p:nvSpPr>
+        <p:spPr bwMode="auto">
+          <a:noFill/>
+          <a:ln>
+            <a:miter lim="800000"/>
+            <a:headEnd/>
+            <a:tailEnd/>
+          </a:ln>
+        </p:spPr>
+        <p:txBody>
+          <a:bodyPr vert="horz" wrap="square" lIns="91440" tIns="45720" rIns="91440" bIns="45720" numCol="1" anchor="t" anchorCtr="0" compatLnSpc="1">
+            <a:prstTxWarp prst="textNoShape">
+              <a:avLst/>
+            </a:prstTxWarp>
+          </a:bodyPr>
+          <a:lstStyle/>
+          <a:p>
+            <a:pPr eaLnBrk="1" hangingPunct="1"/>
+            <a:r>
+              <a:rPr lang="en-US" dirty="0" smtClean="0"/>
+              <a:t>SRP: Single Responsibility</a:t>
+            </a:r>
+          </a:p>
+        </p:txBody>
+      </p:sp>
+      <p:sp>
+        <p:nvSpPr>
+          <p:cNvPr id="3075" name="Text Placeholder 2"/>
+          <p:cNvSpPr>
+            <a:spLocks noGrp="1"/>
+          </p:cNvSpPr>
+          <p:nvPr>
+            <p:ph type="body" sz="quarter" idx="10"/>
+          </p:nvPr>
+        </p:nvSpPr>
+        <p:spPr>
+          <a:xfrm>
+            <a:off x="228600" y="1143000"/>
+            <a:ext cx="8686800" cy="457200"/>
+          </a:xfrm>
+        </p:spPr>
+        <p:txBody>
+          <a:bodyPr/>
+          <a:lstStyle/>
+          <a:p>
+            <a:pPr eaLnBrk="1" hangingPunct="1">
+              <a:buNone/>
+            </a:pPr>
+            <a:r>
+              <a:rPr lang="en-US" dirty="0" smtClean="0"/>
+              <a:t>Example App: Read A Flat File And Send An Email</a:t>
+            </a:r>
+          </a:p>
+          <a:p>
+            <a:pPr eaLnBrk="1" hangingPunct="1">
+              <a:buNone/>
+            </a:pPr>
+            <a:endParaRPr lang="en-US" dirty="0" smtClean="0"/>
+          </a:p>
+          <a:p>
+            <a:pPr eaLnBrk="1" hangingPunct="1">
+              <a:buNone/>
+            </a:pPr>
+            <a:endParaRPr lang="en-US" dirty="0" smtClean="0"/>
+          </a:p>
+          <a:p>
+            <a:pPr eaLnBrk="1" hangingPunct="1">
+              <a:buNone/>
+            </a:pPr>
+            <a:endParaRPr lang="en-US" dirty="0" smtClean="0"/>
+          </a:p>
+          <a:p>
+            <a:pPr eaLnBrk="1" hangingPunct="1">
+              <a:buNone/>
+            </a:pPr>
+            <a:endParaRPr lang="en-US" dirty="0" smtClean="0"/>
+          </a:p>
+        </p:txBody>
+      </p:sp>
+      <p:grpSp>
+        <p:nvGrpSpPr>
+          <p:cNvPr id="2" name="Group 10"/>
+          <p:cNvGrpSpPr/>
+          <p:nvPr/>
+        </p:nvGrpSpPr>
+        <p:grpSpPr>
+          <a:xfrm>
+            <a:off x="3733800" y="2590800"/>
+            <a:ext cx="1676400" cy="2590800"/>
+            <a:chOff x="3733800" y="2590800"/>
+            <a:chExt cx="1676400" cy="2590800"/>
+          </a:xfrm>
+          <a:scene3d>
+            <a:camera prst="perspectiveAbove"/>
+            <a:lightRig rig="threePt" dir="t"/>
+          </a:scene3d>
+        </p:grpSpPr>
+        <p:grpSp>
+          <p:nvGrpSpPr>
+            <p:cNvPr id="3" name="Group 7"/>
+            <p:cNvGrpSpPr/>
+            <p:nvPr/>
+          </p:nvGrpSpPr>
+          <p:grpSpPr>
+            <a:xfrm>
+              <a:off x="3733800" y="2590800"/>
+              <a:ext cx="1676400" cy="2590800"/>
+              <a:chOff x="1219200" y="2667000"/>
+              <a:chExt cx="1676400" cy="2590800"/>
+            </a:xfrm>
+          </p:grpSpPr>
+          <p:sp>
+            <p:nvSpPr>
+              <p:cNvPr id="4" name="Rectangle 3"/>
+              <p:cNvSpPr/>
+              <p:nvPr/>
+            </p:nvSpPr>
+            <p:spPr>
+              <a:xfrm>
+                <a:off x="1219200" y="2667000"/>
+                <a:ext cx="1676400" cy="990600"/>
+              </a:xfrm>
+              <a:prstGeom prst="rect">
+                <a:avLst/>
+              </a:prstGeom>
+            </p:spPr>
+            <p:style>
+              <a:lnRef idx="1">
+                <a:schemeClr val="accent1"/>
+              </a:lnRef>
+              <a:fillRef idx="3">
+                <a:schemeClr val="accent1"/>
+              </a:fillRef>
+              <a:effectRef idx="2">
+                <a:schemeClr val="accent1"/>
+              </a:effectRef>
+              <a:fontRef idx="minor">
+                <a:schemeClr val="lt1"/>
+              </a:fontRef>
+            </p:style>
+            <p:txBody>
+              <a:bodyPr rtlCol="0" anchor="ctr"/>
+              <a:lstStyle/>
+              <a:p>
+                <a:pPr algn="ctr"/>
+                <a:r>
+                  <a:rPr lang="en-US" dirty="0" smtClean="0"/>
+                  <a:t>Email Sending App</a:t>
+                </a:r>
+                <a:endParaRPr lang="en-US" dirty="0"/>
+              </a:p>
+            </p:txBody>
+          </p:sp>
+          <p:sp>
+            <p:nvSpPr>
+              <p:cNvPr id="5" name="Snip Single Corner Rectangle 4"/>
+              <p:cNvSpPr/>
+              <p:nvPr/>
+            </p:nvSpPr>
+            <p:spPr>
+              <a:xfrm>
+                <a:off x="1219200" y="4267200"/>
+                <a:ext cx="1676400" cy="990600"/>
+              </a:xfrm>
+              <a:prstGeom prst="snip1Rect">
+                <a:avLst/>
+              </a:prstGeom>
+            </p:spPr>
+            <p:style>
+              <a:lnRef idx="1">
+                <a:schemeClr val="accent1"/>
+              </a:lnRef>
+              <a:fillRef idx="3">
+                <a:schemeClr val="accent1"/>
+              </a:fillRef>
+              <a:effectRef idx="2">
+                <a:schemeClr val="accent1"/>
+              </a:effectRef>
+              <a:fontRef idx="minor">
+                <a:schemeClr val="lt1"/>
+              </a:fontRef>
+            </p:style>
+            <p:txBody>
+              <a:bodyPr rtlCol="0" anchor="ctr"/>
+              <a:lstStyle/>
+              <a:p>
+                <a:pPr algn="ctr"/>
+                <a:r>
+                  <a:rPr lang="en-US" dirty="0" smtClean="0"/>
+                  <a:t>File</a:t>
+                </a:r>
+                <a:endParaRPr lang="en-US" dirty="0"/>
+              </a:p>
+            </p:txBody>
+          </p:sp>
+        </p:grpSp>
+        <p:cxnSp>
+          <p:nvCxnSpPr>
+            <p:cNvPr id="10" name="Elbow Connector 9"/>
+            <p:cNvCxnSpPr>
+              <a:stCxn id="5" idx="3"/>
+              <a:endCxn id="4" idx="2"/>
+            </p:cNvCxnSpPr>
+            <p:nvPr/>
+          </p:nvCxnSpPr>
+          <p:spPr>
+            <a:xfrm rot="5400000" flipH="1" flipV="1">
+              <a:off x="4267200" y="3886200"/>
+              <a:ext cx="609600" cy="1588"/>
+            </a:xfrm>
+            <a:prstGeom prst="bentConnector3">
+              <a:avLst>
+                <a:gd name="adj1" fmla="val 50000"/>
+              </a:avLst>
+            </a:prstGeom>
+            <a:ln>
+              <a:tailEnd type="arrow"/>
+            </a:ln>
+          </p:spPr>
+          <p:style>
+            <a:lnRef idx="1">
+              <a:schemeClr val="accent1"/>
+            </a:lnRef>
+            <a:fillRef idx="3">
+              <a:schemeClr val="accent1"/>
+            </a:fillRef>
+            <a:effectRef idx="2">
+              <a:schemeClr val="accent1"/>
+            </a:effectRef>
+            <a:fontRef idx="minor">
+              <a:schemeClr val="lt1"/>
+            </a:fontRef>
+          </p:style>
+        </p:cxnSp>
+      </p:grpSp>
+    </p:spTree>
+  </p:cSld>
+  <p:clrMapOvr>
+    <a:masterClrMapping/>
+  </p:clrMapOvr>
+  <p:timing>
+    <p:tnLst>
+      <p:par>
+        <p:cTn id="1" dur="indefinite" restart="never" nodeType="tmRoot"/>
+      </p:par>
+    </p:tnLst>
+  </p:timing>
+</p:sld>
+</file>
+
+<file path=ppt/slides/slide11.xml><?xml version="1.0" encoding="utf-8"?>
+<p:sld xmlns:a="http://schemas.openxmlformats.org/drawingml/2006/main" xmlns:r="http://schemas.openxmlformats.org/officeDocument/2006/relationships" xmlns:p="http://schemas.openxmlformats.org/presentationml/2006/main">
+  <p:cSld>
+    <p:spTree>
+      <p:nvGrpSpPr>
+        <p:cNvPr id="1" name=""/>
+        <p:cNvGrpSpPr/>
+        <p:nvPr/>
+      </p:nvGrpSpPr>
+      <p:grpSpPr>
+        <a:xfrm>
+          <a:off x="0" y="0"/>
+          <a:ext cx="0" cy="0"/>
+          <a:chOff x="0" y="0"/>
+          <a:chExt cx="0" cy="0"/>
+        </a:xfrm>
+      </p:grpSpPr>
+      <p:sp>
+        <p:nvSpPr>
+          <p:cNvPr id="3074" name="Title 1"/>
+          <p:cNvSpPr>
+            <a:spLocks noGrp="1"/>
+          </p:cNvSpPr>
+          <p:nvPr>
+            <p:ph type="title"/>
+          </p:nvPr>
+        </p:nvSpPr>
+        <p:spPr bwMode="auto">
+          <a:noFill/>
+          <a:ln>
+            <a:miter lim="800000"/>
+            <a:headEnd/>
+            <a:tailEnd/>
+          </a:ln>
+        </p:spPr>
+        <p:txBody>
+          <a:bodyPr vert="horz" wrap="square" lIns="91440" tIns="45720" rIns="91440" bIns="45720" numCol="1" anchor="t" anchorCtr="0" compatLnSpc="1">
+            <a:prstTxWarp prst="textNoShape">
+              <a:avLst/>
+            </a:prstTxWarp>
+          </a:bodyPr>
+          <a:lstStyle/>
+          <a:p>
+            <a:pPr eaLnBrk="1" hangingPunct="1"/>
+            <a:r>
+              <a:rPr lang="en-US" dirty="0" smtClean="0"/>
+              <a:t>SRP: Single Responsibility</a:t>
+            </a:r>
+          </a:p>
+        </p:txBody>
+      </p:sp>
+      <p:sp>
+        <p:nvSpPr>
+          <p:cNvPr id="3075" name="Text Placeholder 2"/>
+          <p:cNvSpPr>
+            <a:spLocks noGrp="1"/>
+          </p:cNvSpPr>
+          <p:nvPr>
+            <p:ph type="body" sz="quarter" idx="10"/>
+          </p:nvPr>
+        </p:nvSpPr>
+        <p:spPr>
+          <a:xfrm>
+            <a:off x="228600" y="1143000"/>
+            <a:ext cx="8686800" cy="457200"/>
+          </a:xfrm>
+        </p:spPr>
+        <p:txBody>
+          <a:bodyPr/>
+          <a:lstStyle/>
+          <a:p>
+            <a:pPr eaLnBrk="1" hangingPunct="1">
+              <a:buNone/>
+            </a:pPr>
+            <a:r>
+              <a:rPr lang="en-US" dirty="0" smtClean="0"/>
+              <a:t>Example App New Requirements: </a:t>
+            </a:r>
+          </a:p>
+          <a:p>
+            <a:pPr eaLnBrk="1" hangingPunct="1"/>
+            <a:r>
+              <a:rPr lang="en-US" dirty="0" smtClean="0"/>
+              <a:t>Send From Non-</a:t>
+            </a:r>
+            <a:r>
+              <a:rPr lang="en-US" dirty="0" err="1" smtClean="0"/>
+              <a:t>WinForms</a:t>
+            </a:r>
+            <a:r>
+              <a:rPr lang="en-US" dirty="0" smtClean="0"/>
+              <a:t> App.</a:t>
+            </a:r>
+          </a:p>
+          <a:p>
+            <a:pPr eaLnBrk="1" hangingPunct="1"/>
+            <a:r>
+              <a:rPr lang="en-US" dirty="0" smtClean="0"/>
+              <a:t>Read XML Or Flat File</a:t>
+            </a:r>
+          </a:p>
+          <a:p>
+            <a:pPr eaLnBrk="1" hangingPunct="1">
+              <a:buNone/>
+            </a:pPr>
+            <a:endParaRPr lang="en-US" dirty="0" smtClean="0"/>
+          </a:p>
+          <a:p>
+            <a:pPr eaLnBrk="1" hangingPunct="1">
+              <a:buNone/>
+            </a:pPr>
+            <a:endParaRPr lang="en-US" dirty="0" smtClean="0"/>
+          </a:p>
+          <a:p>
+            <a:pPr eaLnBrk="1" hangingPunct="1">
+              <a:buNone/>
+            </a:pPr>
+            <a:endParaRPr lang="en-US" dirty="0" smtClean="0"/>
+          </a:p>
+          <a:p>
+            <a:pPr eaLnBrk="1" hangingPunct="1">
+              <a:buNone/>
+            </a:pPr>
+            <a:endParaRPr lang="en-US" dirty="0" smtClean="0"/>
+          </a:p>
+        </p:txBody>
+      </p:sp>
+      <p:grpSp>
+        <p:nvGrpSpPr>
+          <p:cNvPr id="14" name="Group 13"/>
+          <p:cNvGrpSpPr/>
+          <p:nvPr/>
+        </p:nvGrpSpPr>
+        <p:grpSpPr>
+          <a:xfrm>
+            <a:off x="3962400" y="2286000"/>
+            <a:ext cx="3657600" cy="3810000"/>
+            <a:chOff x="2743200" y="1371600"/>
+            <a:chExt cx="3657600" cy="3810000"/>
+          </a:xfrm>
+          <a:scene3d>
+            <a:camera prst="perspectiveAbove"/>
+            <a:lightRig rig="threePt" dir="t"/>
+          </a:scene3d>
+        </p:grpSpPr>
+        <p:sp>
+          <p:nvSpPr>
+            <p:cNvPr id="4" name="Rectangle 3"/>
+            <p:cNvSpPr/>
+            <p:nvPr/>
+          </p:nvSpPr>
+          <p:spPr>
+            <a:xfrm>
+              <a:off x="3733800" y="2590800"/>
+              <a:ext cx="1676400" cy="990600"/>
+            </a:xfrm>
+            <a:prstGeom prst="rect">
+              <a:avLst/>
+            </a:prstGeom>
+          </p:spPr>
+          <p:style>
+            <a:lnRef idx="1">
+              <a:schemeClr val="accent2"/>
+            </a:lnRef>
+            <a:fillRef idx="3">
+              <a:schemeClr val="accent2"/>
+            </a:fillRef>
+            <a:effectRef idx="2">
+              <a:schemeClr val="accent2"/>
+            </a:effectRef>
+            <a:fontRef idx="minor">
+              <a:schemeClr val="lt1"/>
+            </a:fontRef>
+          </p:style>
+          <p:txBody>
+            <a:bodyPr rtlCol="0" anchor="ctr"/>
+            <a:lstStyle/>
+            <a:p>
+              <a:pPr algn="ctr"/>
+              <a:r>
+                <a:rPr lang="en-US" dirty="0" smtClean="0"/>
+                <a:t>Email Sender</a:t>
+              </a:r>
+              <a:endParaRPr lang="en-US" dirty="0"/>
+            </a:p>
+          </p:txBody>
+        </p:sp>
+        <p:sp>
+          <p:nvSpPr>
+            <p:cNvPr id="5" name="Snip Single Corner Rectangle 4"/>
+            <p:cNvSpPr/>
+            <p:nvPr/>
+          </p:nvSpPr>
+          <p:spPr>
+            <a:xfrm>
+              <a:off x="2743200" y="4191000"/>
+              <a:ext cx="1676400" cy="990600"/>
+            </a:xfrm>
+            <a:prstGeom prst="snip1Rect">
+              <a:avLst/>
+            </a:prstGeom>
+          </p:spPr>
+          <p:style>
+            <a:lnRef idx="1">
+              <a:schemeClr val="accent1"/>
+            </a:lnRef>
+            <a:fillRef idx="3">
+              <a:schemeClr val="accent1"/>
+            </a:fillRef>
+            <a:effectRef idx="2">
+              <a:schemeClr val="accent1"/>
+            </a:effectRef>
+            <a:fontRef idx="minor">
+              <a:schemeClr val="lt1"/>
+            </a:fontRef>
+          </p:style>
+          <p:txBody>
+            <a:bodyPr rtlCol="0" anchor="ctr"/>
+            <a:lstStyle/>
+            <a:p>
+              <a:pPr algn="ctr"/>
+              <a:r>
+                <a:rPr lang="en-US" dirty="0" smtClean="0"/>
+                <a:t>Flat File</a:t>
+              </a:r>
+              <a:endParaRPr lang="en-US" dirty="0"/>
+            </a:p>
+          </p:txBody>
+        </p:sp>
+        <p:sp>
+          <p:nvSpPr>
+            <p:cNvPr id="8" name="Snip Single Corner Rectangle 7"/>
+            <p:cNvSpPr/>
+            <p:nvPr/>
+          </p:nvSpPr>
+          <p:spPr>
+            <a:xfrm>
+              <a:off x="4724400" y="4191000"/>
+              <a:ext cx="1676400" cy="990600"/>
+            </a:xfrm>
+            <a:prstGeom prst="snip1Rect">
+              <a:avLst/>
+            </a:prstGeom>
+          </p:spPr>
+          <p:style>
+            <a:lnRef idx="1">
+              <a:schemeClr val="accent2"/>
+            </a:lnRef>
+            <a:fillRef idx="3">
+              <a:schemeClr val="accent2"/>
+            </a:fillRef>
+            <a:effectRef idx="2">
+              <a:schemeClr val="accent2"/>
+            </a:effectRef>
+            <a:fontRef idx="minor">
+              <a:schemeClr val="lt1"/>
+            </a:fontRef>
+          </p:style>
+          <p:txBody>
+            <a:bodyPr rtlCol="0" anchor="ctr"/>
+            <a:lstStyle/>
+            <a:p>
+              <a:pPr algn="ctr"/>
+              <a:r>
+                <a:rPr lang="en-US" dirty="0" smtClean="0"/>
+                <a:t>XML File</a:t>
+              </a:r>
+              <a:endParaRPr lang="en-US" dirty="0"/>
+            </a:p>
+          </p:txBody>
+        </p:sp>
+        <p:cxnSp>
+          <p:nvCxnSpPr>
+            <p:cNvPr id="15" name="Elbow Connector 14"/>
+            <p:cNvCxnSpPr>
+              <a:stCxn id="5" idx="3"/>
+              <a:endCxn id="4" idx="2"/>
+            </p:cNvCxnSpPr>
+            <p:nvPr/>
+          </p:nvCxnSpPr>
+          <p:spPr>
+            <a:xfrm rot="5400000" flipH="1" flipV="1">
+              <a:off x="3771900" y="3390900"/>
+              <a:ext cx="609600" cy="990600"/>
+            </a:xfrm>
+            <a:prstGeom prst="bentConnector3">
+              <a:avLst>
+                <a:gd name="adj1" fmla="val 50000"/>
+              </a:avLst>
+            </a:prstGeom>
+            <a:ln>
+              <a:tailEnd type="arrow"/>
+            </a:ln>
+          </p:spPr>
+          <p:style>
+            <a:lnRef idx="1">
+              <a:schemeClr val="accent1"/>
+            </a:lnRef>
+            <a:fillRef idx="3">
+              <a:schemeClr val="accent1"/>
+            </a:fillRef>
+            <a:effectRef idx="2">
+              <a:schemeClr val="accent1"/>
+            </a:effectRef>
+            <a:fontRef idx="minor">
+              <a:schemeClr val="lt1"/>
+            </a:fontRef>
+          </p:style>
+        </p:cxnSp>
+        <p:cxnSp>
+          <p:nvCxnSpPr>
+            <p:cNvPr id="16" name="Elbow Connector 15"/>
+            <p:cNvCxnSpPr>
+              <a:stCxn id="8" idx="3"/>
+              <a:endCxn id="4" idx="2"/>
+            </p:cNvCxnSpPr>
+            <p:nvPr/>
+          </p:nvCxnSpPr>
+          <p:spPr>
+            <a:xfrm rot="16200000" flipV="1">
+              <a:off x="4762500" y="3390900"/>
+              <a:ext cx="609600" cy="990600"/>
+            </a:xfrm>
+            <a:prstGeom prst="bentConnector3">
+              <a:avLst>
+                <a:gd name="adj1" fmla="val 50000"/>
+              </a:avLst>
+            </a:prstGeom>
+            <a:ln>
+              <a:tailEnd type="arrow"/>
+            </a:ln>
+          </p:spPr>
+          <p:style>
+            <a:lnRef idx="1">
+              <a:schemeClr val="accent1"/>
+            </a:lnRef>
+            <a:fillRef idx="3">
+              <a:schemeClr val="accent1"/>
+            </a:fillRef>
+            <a:effectRef idx="2">
+              <a:schemeClr val="accent1"/>
+            </a:effectRef>
+            <a:fontRef idx="minor">
+              <a:schemeClr val="lt1"/>
+            </a:fontRef>
+          </p:style>
+        </p:cxnSp>
+        <p:sp>
+          <p:nvSpPr>
+            <p:cNvPr id="10" name="Rectangle 9"/>
+            <p:cNvSpPr/>
+            <p:nvPr/>
+          </p:nvSpPr>
+          <p:spPr>
+            <a:xfrm>
+              <a:off x="3733800" y="1371600"/>
+              <a:ext cx="1676400" cy="990600"/>
+            </a:xfrm>
+            <a:prstGeom prst="rect">
+              <a:avLst/>
+            </a:prstGeom>
+          </p:spPr>
+          <p:style>
+            <a:lnRef idx="1">
+              <a:schemeClr val="accent1"/>
+            </a:lnRef>
+            <a:fillRef idx="3">
+              <a:schemeClr val="accent1"/>
+            </a:fillRef>
+            <a:effectRef idx="2">
+              <a:schemeClr val="accent1"/>
+            </a:effectRef>
+            <a:fontRef idx="minor">
+              <a:schemeClr val="lt1"/>
+            </a:fontRef>
+          </p:style>
+          <p:txBody>
+            <a:bodyPr rtlCol="0" anchor="ctr"/>
+            <a:lstStyle/>
+            <a:p>
+              <a:pPr algn="ctr"/>
+              <a:r>
+                <a:rPr lang="en-US" dirty="0" smtClean="0"/>
+                <a:t>Email Sending App</a:t>
+              </a:r>
+              <a:endParaRPr lang="en-US" dirty="0"/>
+            </a:p>
+          </p:txBody>
+        </p:sp>
+        <p:cxnSp>
+          <p:nvCxnSpPr>
+            <p:cNvPr id="11" name="Elbow Connector 10"/>
+            <p:cNvCxnSpPr>
+              <a:stCxn id="4" idx="0"/>
+              <a:endCxn id="10" idx="2"/>
+            </p:cNvCxnSpPr>
+            <p:nvPr/>
+          </p:nvCxnSpPr>
+          <p:spPr>
+            <a:xfrm rot="5400000" flipH="1" flipV="1">
+              <a:off x="4457700" y="2476500"/>
+              <a:ext cx="228600" cy="1588"/>
+            </a:xfrm>
+            <a:prstGeom prst="bentConnector3">
+              <a:avLst>
+                <a:gd name="adj1" fmla="val 50000"/>
+              </a:avLst>
+            </a:prstGeom>
+            <a:ln>
+              <a:tailEnd type="arrow"/>
+            </a:ln>
+          </p:spPr>
+          <p:style>
+            <a:lnRef idx="1">
+              <a:schemeClr val="accent1"/>
+            </a:lnRef>
+            <a:fillRef idx="3">
+              <a:schemeClr val="accent1"/>
+            </a:fillRef>
+            <a:effectRef idx="2">
+              <a:schemeClr val="accent1"/>
+            </a:effectRef>
+            <a:fontRef idx="minor">
+              <a:schemeClr val="lt1"/>
+            </a:fontRef>
+          </p:style>
+        </p:cxnSp>
+      </p:grpSp>
+    </p:spTree>
+  </p:cSld>
+  <p:clrMapOvr>
+    <a:masterClrMapping/>
+  </p:clrMapOvr>
+  <p:timing>
+    <p:tnLst>
+      <p:par>
+        <p:cTn id="1" dur="indefinite" restart="never" nodeType="tmRoot"/>
+      </p:par>
+    </p:tnLst>
+  </p:timing>
+</p:sld>
+</file>
+
+<file path=ppt/slides/slide12.xml><?xml version="1.0" encoding="utf-8"?>
+<p:sld xmlns:a="http://schemas.openxmlformats.org/drawingml/2006/main" xmlns:r="http://schemas.openxmlformats.org/officeDocument/2006/relationships" xmlns:p="http://schemas.openxmlformats.org/presentationml/2006/main">
+  <p:cSld>
+    <p:spTree>
+      <p:nvGrpSpPr>
+        <p:cNvPr id="1" name=""/>
+        <p:cNvGrpSpPr/>
+        <p:nvPr/>
+      </p:nvGrpSpPr>
+      <p:grpSpPr>
+        <a:xfrm>
+          <a:off x="0" y="0"/>
+          <a:ext cx="0" cy="0"/>
+          <a:chOff x="0" y="0"/>
+          <a:chExt cx="0" cy="0"/>
+        </a:xfrm>
+      </p:grpSpPr>
+      <p:sp>
+        <p:nvSpPr>
+          <p:cNvPr id="3074" name="Title 1"/>
+          <p:cNvSpPr>
+            <a:spLocks noGrp="1"/>
+          </p:cNvSpPr>
+          <p:nvPr>
+            <p:ph type="title"/>
+          </p:nvPr>
+        </p:nvSpPr>
+        <p:spPr bwMode="auto">
+          <a:noFill/>
+          <a:ln>
+            <a:miter lim="800000"/>
+            <a:headEnd/>
+            <a:tailEnd/>
+          </a:ln>
+        </p:spPr>
+        <p:txBody>
+          <a:bodyPr vert="horz" wrap="square" lIns="91440" tIns="45720" rIns="91440" bIns="45720" numCol="1" anchor="t" anchorCtr="0" compatLnSpc="1">
+            <a:prstTxWarp prst="textNoShape">
+              <a:avLst/>
+            </a:prstTxWarp>
+          </a:bodyPr>
+          <a:lstStyle/>
+          <a:p>
+            <a:pPr eaLnBrk="1" hangingPunct="1"/>
+            <a:r>
+              <a:rPr lang="en-US" dirty="0" smtClean="0"/>
+              <a:t>SRP: Single Responsibility</a:t>
+            </a:r>
+          </a:p>
+        </p:txBody>
+      </p:sp>
+      <p:sp>
+        <p:nvSpPr>
+          <p:cNvPr id="3075" name="Text Placeholder 2"/>
+          <p:cNvSpPr>
+            <a:spLocks noGrp="1"/>
+          </p:cNvSpPr>
+          <p:nvPr>
+            <p:ph type="body" sz="quarter" idx="10"/>
+          </p:nvPr>
+        </p:nvSpPr>
+        <p:spPr>
+          <a:xfrm>
+            <a:off x="228600" y="1143000"/>
+            <a:ext cx="8686800" cy="457200"/>
+          </a:xfrm>
+        </p:spPr>
+        <p:txBody>
+          <a:bodyPr/>
+          <a:lstStyle/>
+          <a:p>
+            <a:pPr eaLnBrk="1" hangingPunct="1">
+              <a:buNone/>
+            </a:pPr>
+            <a:r>
+              <a:rPr lang="en-US" dirty="0" smtClean="0"/>
+              <a:t>Example App: A Better Structure</a:t>
+            </a:r>
+          </a:p>
+          <a:p>
+            <a:pPr eaLnBrk="1" hangingPunct="1">
+              <a:buNone/>
+            </a:pPr>
+            <a:endParaRPr lang="en-US" dirty="0" smtClean="0"/>
+          </a:p>
+          <a:p>
+            <a:pPr eaLnBrk="1" hangingPunct="1">
+              <a:buNone/>
+            </a:pPr>
+            <a:endParaRPr lang="en-US" dirty="0" smtClean="0"/>
+          </a:p>
+          <a:p>
+            <a:pPr eaLnBrk="1" hangingPunct="1">
+              <a:buNone/>
+            </a:pPr>
+            <a:endParaRPr lang="en-US" dirty="0" smtClean="0"/>
+          </a:p>
+          <a:p>
+            <a:pPr eaLnBrk="1" hangingPunct="1">
+              <a:buNone/>
+            </a:pPr>
+            <a:endParaRPr lang="en-US" dirty="0" smtClean="0"/>
+          </a:p>
+        </p:txBody>
+      </p:sp>
+      <p:grpSp>
+        <p:nvGrpSpPr>
+          <p:cNvPr id="30" name="Group 29"/>
+          <p:cNvGrpSpPr/>
+          <p:nvPr/>
+        </p:nvGrpSpPr>
+        <p:grpSpPr>
+          <a:xfrm>
+            <a:off x="2743200" y="2133600"/>
+            <a:ext cx="3657600" cy="3657600"/>
+            <a:chOff x="2743200" y="2362200"/>
+            <a:chExt cx="3657600" cy="3657600"/>
+          </a:xfrm>
+          <a:scene3d>
+            <a:camera prst="perspectiveAbove"/>
+            <a:lightRig rig="threePt" dir="t"/>
+          </a:scene3d>
+        </p:grpSpPr>
+        <p:sp>
+          <p:nvSpPr>
+            <p:cNvPr id="4" name="Rectangle 3"/>
+            <p:cNvSpPr/>
+            <p:nvPr/>
+          </p:nvSpPr>
+          <p:spPr>
+            <a:xfrm>
+              <a:off x="3733800" y="2362200"/>
+              <a:ext cx="1676400" cy="990600"/>
+            </a:xfrm>
+            <a:prstGeom prst="rect">
+              <a:avLst/>
+            </a:prstGeom>
+          </p:spPr>
+          <p:style>
+            <a:lnRef idx="1">
+              <a:schemeClr val="accent1"/>
+            </a:lnRef>
+            <a:fillRef idx="3">
+              <a:schemeClr val="accent1"/>
+            </a:fillRef>
+            <a:effectRef idx="2">
+              <a:schemeClr val="accent1"/>
+            </a:effectRef>
+            <a:fontRef idx="minor">
+              <a:schemeClr val="lt1"/>
+            </a:fontRef>
+          </p:style>
+          <p:txBody>
+            <a:bodyPr rtlCol="0" anchor="ctr"/>
+            <a:lstStyle/>
+            <a:p>
+              <a:pPr algn="ctr"/>
+              <a:r>
+                <a:rPr lang="en-US" dirty="0" smtClean="0"/>
+                <a:t>Email Sender</a:t>
+              </a:r>
+              <a:endParaRPr lang="en-US" dirty="0"/>
+            </a:p>
+          </p:txBody>
+        </p:sp>
+        <p:sp>
+          <p:nvSpPr>
+            <p:cNvPr id="5" name="Snip Single Corner Rectangle 4"/>
+            <p:cNvSpPr/>
+            <p:nvPr/>
+          </p:nvSpPr>
+          <p:spPr>
+            <a:xfrm>
+              <a:off x="2743200" y="5029200"/>
+              <a:ext cx="1676400" cy="990600"/>
+            </a:xfrm>
+            <a:prstGeom prst="snip1Rect">
+              <a:avLst/>
+            </a:prstGeom>
+          </p:spPr>
+          <p:style>
+            <a:lnRef idx="1">
+              <a:schemeClr val="accent1"/>
+            </a:lnRef>
+            <a:fillRef idx="3">
+              <a:schemeClr val="accent1"/>
+            </a:fillRef>
+            <a:effectRef idx="2">
+              <a:schemeClr val="accent1"/>
+            </a:effectRef>
+            <a:fontRef idx="minor">
+              <a:schemeClr val="lt1"/>
+            </a:fontRef>
+          </p:style>
+          <p:txBody>
+            <a:bodyPr rtlCol="0" anchor="ctr"/>
+            <a:lstStyle/>
+            <a:p>
+              <a:pPr algn="ctr"/>
+              <a:r>
+                <a:rPr lang="en-US" dirty="0" smtClean="0"/>
+                <a:t>Flat File</a:t>
+              </a:r>
+              <a:endParaRPr lang="en-US" dirty="0"/>
+            </a:p>
+          </p:txBody>
+        </p:sp>
+        <p:sp>
+          <p:nvSpPr>
+            <p:cNvPr id="8" name="Snip Single Corner Rectangle 7"/>
+            <p:cNvSpPr/>
+            <p:nvPr/>
+          </p:nvSpPr>
+          <p:spPr>
+            <a:xfrm>
+              <a:off x="4724400" y="5029200"/>
+              <a:ext cx="1676400" cy="990600"/>
+            </a:xfrm>
+            <a:prstGeom prst="snip1Rect">
+              <a:avLst/>
+            </a:prstGeom>
+          </p:spPr>
+          <p:style>
+            <a:lnRef idx="1">
+              <a:schemeClr val="accent1"/>
+            </a:lnRef>
+            <a:fillRef idx="3">
+              <a:schemeClr val="accent1"/>
+            </a:fillRef>
+            <a:effectRef idx="2">
+              <a:schemeClr val="accent1"/>
+            </a:effectRef>
+            <a:fontRef idx="minor">
+              <a:schemeClr val="lt1"/>
+            </a:fontRef>
+          </p:style>
+          <p:txBody>
+            <a:bodyPr rtlCol="0" anchor="ctr"/>
+            <a:lstStyle/>
+            <a:p>
+              <a:pPr algn="ctr"/>
+              <a:r>
+                <a:rPr lang="en-US" dirty="0" smtClean="0"/>
+                <a:t>XML File</a:t>
+              </a:r>
+              <a:endParaRPr lang="en-US" dirty="0"/>
+            </a:p>
+          </p:txBody>
+        </p:sp>
+        <p:cxnSp>
+          <p:nvCxnSpPr>
+            <p:cNvPr id="15" name="Elbow Connector 14"/>
+            <p:cNvCxnSpPr>
+              <a:stCxn id="5" idx="3"/>
+              <a:endCxn id="13" idx="2"/>
+            </p:cNvCxnSpPr>
+            <p:nvPr/>
+          </p:nvCxnSpPr>
+          <p:spPr>
+            <a:xfrm rot="5400000" flipH="1" flipV="1">
+              <a:off x="3886200" y="4343400"/>
+              <a:ext cx="381000" cy="990600"/>
+            </a:xfrm>
+            <a:prstGeom prst="bentConnector3">
+              <a:avLst>
+                <a:gd name="adj1" fmla="val 50000"/>
+              </a:avLst>
+            </a:prstGeom>
+            <a:ln>
+              <a:tailEnd type="arrow"/>
+            </a:ln>
+          </p:spPr>
+          <p:style>
+            <a:lnRef idx="1">
+              <a:schemeClr val="accent1"/>
+            </a:lnRef>
+            <a:fillRef idx="3">
+              <a:schemeClr val="accent1"/>
+            </a:fillRef>
+            <a:effectRef idx="2">
+              <a:schemeClr val="accent1"/>
+            </a:effectRef>
+            <a:fontRef idx="minor">
+              <a:schemeClr val="lt1"/>
+            </a:fontRef>
+          </p:style>
+        </p:cxnSp>
+        <p:cxnSp>
+          <p:nvCxnSpPr>
+            <p:cNvPr id="16" name="Elbow Connector 15"/>
+            <p:cNvCxnSpPr>
+              <a:stCxn id="8" idx="3"/>
+              <a:endCxn id="13" idx="2"/>
+            </p:cNvCxnSpPr>
+            <p:nvPr/>
+          </p:nvCxnSpPr>
+          <p:spPr>
+            <a:xfrm rot="16200000" flipV="1">
+              <a:off x="4876800" y="4343400"/>
+              <a:ext cx="381000" cy="990600"/>
+            </a:xfrm>
+            <a:prstGeom prst="bentConnector3">
+              <a:avLst>
+                <a:gd name="adj1" fmla="val 50000"/>
+              </a:avLst>
+            </a:prstGeom>
+            <a:ln>
+              <a:tailEnd type="arrow"/>
+            </a:ln>
+          </p:spPr>
+          <p:style>
+            <a:lnRef idx="1">
+              <a:schemeClr val="accent1"/>
+            </a:lnRef>
+            <a:fillRef idx="3">
+              <a:schemeClr val="accent1"/>
+            </a:fillRef>
+            <a:effectRef idx="2">
+              <a:schemeClr val="accent1"/>
+            </a:effectRef>
+            <a:fontRef idx="minor">
+              <a:schemeClr val="lt1"/>
+            </a:fontRef>
+          </p:style>
+        </p:cxnSp>
+        <p:sp>
+          <p:nvSpPr>
+            <p:cNvPr id="13" name="Rectangle 12"/>
+            <p:cNvSpPr/>
+            <p:nvPr/>
+          </p:nvSpPr>
+          <p:spPr>
+            <a:xfrm>
+              <a:off x="3733800" y="3657600"/>
+              <a:ext cx="1676400" cy="990600"/>
+            </a:xfrm>
+            <a:prstGeom prst="rect">
+              <a:avLst/>
+            </a:prstGeom>
+          </p:spPr>
+          <p:style>
+            <a:lnRef idx="1">
+              <a:schemeClr val="accent2"/>
+            </a:lnRef>
+            <a:fillRef idx="3">
+              <a:schemeClr val="accent2"/>
+            </a:fillRef>
+            <a:effectRef idx="2">
+              <a:schemeClr val="accent2"/>
+            </a:effectRef>
+            <a:fontRef idx="minor">
+              <a:schemeClr val="lt1"/>
+            </a:fontRef>
+          </p:style>
+          <p:txBody>
+            <a:bodyPr rtlCol="0" anchor="ctr"/>
+            <a:lstStyle/>
+            <a:p>
+              <a:pPr algn="ctr"/>
+              <a:r>
+                <a:rPr lang="en-US" dirty="0" smtClean="0"/>
+                <a:t>Format Reader</a:t>
+              </a:r>
+              <a:endParaRPr lang="en-US" dirty="0"/>
+            </a:p>
+          </p:txBody>
+        </p:sp>
+        <p:cxnSp>
+          <p:nvCxnSpPr>
+            <p:cNvPr id="19" name="Elbow Connector 18"/>
+            <p:cNvCxnSpPr>
+              <a:stCxn id="13" idx="0"/>
+              <a:endCxn id="4" idx="2"/>
+            </p:cNvCxnSpPr>
+            <p:nvPr/>
+          </p:nvCxnSpPr>
+          <p:spPr>
+            <a:xfrm rot="5400000" flipH="1" flipV="1">
+              <a:off x="4419600" y="3505200"/>
+              <a:ext cx="304800" cy="1588"/>
+            </a:xfrm>
+            <a:prstGeom prst="bentConnector3">
+              <a:avLst>
+                <a:gd name="adj1" fmla="val 50000"/>
+              </a:avLst>
+            </a:prstGeom>
+            <a:ln>
+              <a:tailEnd type="arrow"/>
+            </a:ln>
+          </p:spPr>
+          <p:style>
+            <a:lnRef idx="1">
+              <a:schemeClr val="accent1"/>
+            </a:lnRef>
+            <a:fillRef idx="3">
+              <a:schemeClr val="accent1"/>
+            </a:fillRef>
+            <a:effectRef idx="2">
+              <a:schemeClr val="accent1"/>
+            </a:effectRef>
+            <a:fontRef idx="minor">
+              <a:schemeClr val="lt1"/>
+            </a:fontRef>
+          </p:style>
+        </p:cxnSp>
+      </p:grpSp>
+    </p:spTree>
+  </p:cSld>
+  <p:clrMapOvr>
+    <a:masterClrMapping/>
+  </p:clrMapOvr>
+  <p:timing>
+    <p:tnLst>
+      <p:par>
+        <p:cTn id="1" dur="indefinite" restart="never" nodeType="tmRoot"/>
+      </p:par>
+    </p:tnLst>
+  </p:timing>
+</p:sld>
+</file>
+
+<file path=ppt/slides/slide13.xml><?xml version="1.0" encoding="utf-8"?>
+<p:sld xmlns:a="http://schemas.openxmlformats.org/drawingml/2006/main" xmlns:r="http://schemas.openxmlformats.org/officeDocument/2006/relationships" xmlns:p="http://schemas.openxmlformats.org/presentationml/2006/main">
+  <p:cSld>
+    <p:spTree>
+      <p:nvGrpSpPr>
+        <p:cNvPr id="1" name=""/>
+        <p:cNvGrpSpPr/>
+        <p:nvPr/>
+      </p:nvGrpSpPr>
+      <p:grpSpPr>
+        <a:xfrm>
+          <a:off x="0" y="0"/>
+          <a:ext cx="0" cy="0"/>
+          <a:chOff x="0" y="0"/>
+          <a:chExt cx="0" cy="0"/>
+        </a:xfrm>
+      </p:grpSpPr>
+      <p:sp>
+        <p:nvSpPr>
+          <p:cNvPr id="4" name="Rectangle 3"/>
+          <p:cNvSpPr/>
+          <p:nvPr/>
+        </p:nvSpPr>
+        <p:spPr>
+          <a:xfrm>
+            <a:off x="0" y="0"/>
+            <a:ext cx="9144000" cy="4648200"/>
+          </a:xfrm>
+          <a:prstGeom prst="rect">
+            <a:avLst/>
+          </a:prstGeom>
+          <a:solidFill>
+            <a:srgbClr val="0069AA"/>
+          </a:solidFill>
+          <a:ln>
+            <a:noFill/>
+          </a:ln>
+        </p:spPr>
+        <p:style>
+          <a:lnRef idx="2">
+            <a:schemeClr val="accent1">
+              <a:shade val="50000"/>
+            </a:schemeClr>
+          </a:lnRef>
+          <a:fillRef idx="1">
+            <a:schemeClr val="accent1"/>
+          </a:fillRef>
+          <a:effectRef idx="0">
+            <a:schemeClr val="accent1"/>
+          </a:effectRef>
+          <a:fontRef idx="minor">
+            <a:schemeClr val="lt1"/>
+          </a:fontRef>
+        </p:style>
+        <p:txBody>
+          <a:bodyPr anchor="ctr"/>
+          <a:lstStyle/>
+          <a:p>
+            <a:pPr algn="ctr">
+              <a:defRPr/>
+            </a:pPr>
+            <a:endParaRPr lang="en-US"/>
+          </a:p>
+        </p:txBody>
+      </p:sp>
+      <p:pic>
+        <p:nvPicPr>
+          <p:cNvPr id="4099" name="Picture 4" descr="MAT logo 1 CMYK"/>
+          <p:cNvPicPr>
+            <a:picLocks noChangeAspect="1" noChangeArrowheads="1"/>
+          </p:cNvPicPr>
+          <p:nvPr/>
+        </p:nvPicPr>
+        <p:blipFill>
+          <a:blip r:embed="rId2">
+            <a:clrChange>
+              <a:clrFrom>
+                <a:srgbClr val="FDFDFD"/>
+              </a:clrFrom>
+              <a:clrTo>
+                <a:srgbClr val="FDFDFD">
+                  <a:alpha val="0"/>
+                </a:srgbClr>
+              </a:clrTo>
+            </a:clrChange>
+          </a:blip>
+          <a:srcRect/>
+          <a:stretch>
+            <a:fillRect/>
+          </a:stretch>
+        </p:blipFill>
+        <p:spPr bwMode="auto">
+          <a:xfrm>
+            <a:off x="2971800" y="4800600"/>
+            <a:ext cx="2819400" cy="1338263"/>
+          </a:xfrm>
+          <a:prstGeom prst="rect">
+            <a:avLst/>
+          </a:prstGeom>
+          <a:noFill/>
+          <a:ln w="9525">
+            <a:noFill/>
+            <a:miter lim="800000"/>
+            <a:headEnd/>
+            <a:tailEnd/>
+          </a:ln>
+        </p:spPr>
+      </p:pic>
+      <p:sp>
+        <p:nvSpPr>
+          <p:cNvPr id="5" name="Rectangle 4"/>
+          <p:cNvSpPr/>
+          <p:nvPr/>
+        </p:nvSpPr>
+        <p:spPr>
+          <a:xfrm>
+            <a:off x="0" y="4724400"/>
+            <a:ext cx="9144000" cy="2133600"/>
+          </a:xfrm>
+          <a:prstGeom prst="rect">
+            <a:avLst/>
+          </a:prstGeom>
+          <a:solidFill>
+            <a:srgbClr val="E31937"/>
+          </a:solidFill>
+          <a:ln>
+            <a:noFill/>
+          </a:ln>
+        </p:spPr>
+        <p:style>
+          <a:lnRef idx="2">
+            <a:schemeClr val="accent1">
+              <a:shade val="50000"/>
+            </a:schemeClr>
+          </a:lnRef>
+          <a:fillRef idx="1">
+            <a:schemeClr val="accent1"/>
+          </a:fillRef>
+          <a:effectRef idx="0">
+            <a:schemeClr val="accent1"/>
+          </a:effectRef>
+          <a:fontRef idx="minor">
+            <a:schemeClr val="lt1"/>
+          </a:fontRef>
+        </p:style>
+        <p:txBody>
+          <a:bodyPr anchor="ctr"/>
+          <a:lstStyle/>
+          <a:p>
+            <a:pPr algn="ctr">
+              <a:defRPr/>
+            </a:pPr>
+            <a:endParaRPr lang="en-US"/>
+          </a:p>
+        </p:txBody>
+      </p:sp>
+      <p:sp>
+        <p:nvSpPr>
+          <p:cNvPr id="10" name="Rectangle 9"/>
+          <p:cNvSpPr/>
+          <p:nvPr/>
+        </p:nvSpPr>
+        <p:spPr bwMode="auto">
+          <a:xfrm>
+            <a:off x="228600" y="0"/>
+            <a:ext cx="104775" cy="2325688"/>
+          </a:xfrm>
+          <a:prstGeom prst="rect">
+            <a:avLst/>
+          </a:prstGeom>
+          <a:solidFill>
+            <a:srgbClr val="E31937"/>
+          </a:solidFill>
+          <a:ln>
+            <a:noFill/>
+          </a:ln>
+        </p:spPr>
+        <p:style>
+          <a:lnRef idx="2">
+            <a:schemeClr val="accent1">
+              <a:shade val="50000"/>
+            </a:schemeClr>
+          </a:lnRef>
+          <a:fillRef idx="1">
+            <a:schemeClr val="accent1"/>
+          </a:fillRef>
+          <a:effectRef idx="0">
+            <a:schemeClr val="accent1"/>
+          </a:effectRef>
+          <a:fontRef idx="minor">
+            <a:schemeClr val="lt1"/>
+          </a:fontRef>
+        </p:style>
+        <p:txBody>
+          <a:bodyPr anchor="ctr"/>
+          <a:lstStyle/>
+          <a:p>
+            <a:pPr algn="ctr">
+              <a:defRPr/>
+            </a:pPr>
+            <a:endParaRPr lang="en-US"/>
+          </a:p>
+        </p:txBody>
+      </p:sp>
+      <p:pic>
+        <p:nvPicPr>
+          <p:cNvPr id="4103" name="Picture 7" descr="MAT logo vertical_red.emf"/>
+          <p:cNvPicPr>
+            <a:picLocks noChangeAspect="1"/>
+          </p:cNvPicPr>
+          <p:nvPr/>
+        </p:nvPicPr>
+        <p:blipFill>
+          <a:blip r:embed="rId3"/>
+          <a:srcRect/>
+          <a:stretch>
+            <a:fillRect/>
+          </a:stretch>
+        </p:blipFill>
+        <p:spPr bwMode="auto">
+          <a:xfrm>
+            <a:off x="3600450" y="5334000"/>
+            <a:ext cx="1981200" cy="969963"/>
+          </a:xfrm>
+          <a:prstGeom prst="rect">
+            <a:avLst/>
+          </a:prstGeom>
+          <a:noFill/>
+          <a:ln w="9525">
+            <a:noFill/>
+            <a:miter lim="800000"/>
+            <a:headEnd/>
+            <a:tailEnd/>
+          </a:ln>
+        </p:spPr>
+      </p:pic>
+      <p:sp>
+        <p:nvSpPr>
+          <p:cNvPr id="8" name="TextBox 7"/>
+          <p:cNvSpPr txBox="1"/>
+          <p:nvPr/>
+        </p:nvSpPr>
+        <p:spPr>
+          <a:xfrm>
+            <a:off x="381000" y="1447800"/>
+            <a:ext cx="8610600" cy="646331"/>
+          </a:xfrm>
+          <a:prstGeom prst="rect">
+            <a:avLst/>
+          </a:prstGeom>
+          <a:noFill/>
+        </p:spPr>
+        <p:txBody>
+          <a:bodyPr>
+            <a:spAutoFit/>
+          </a:bodyPr>
+          <a:lstStyle/>
+          <a:p>
+            <a:pPr>
+              <a:defRPr/>
+            </a:pPr>
+            <a:r>
+              <a:rPr lang="en-US" sz="3600" spc="60" dirty="0" smtClean="0">
+                <a:solidFill>
+                  <a:schemeClr val="bg1"/>
+                </a:solidFill>
+                <a:latin typeface="Calibri" pitchFamily="34" charset="0"/>
+              </a:rPr>
+              <a:t>OCP: Open Closed Principle</a:t>
+            </a:r>
+            <a:endParaRPr lang="en-US" sz="3600" spc="60" dirty="0">
+              <a:solidFill>
+                <a:schemeClr val="bg1"/>
+              </a:solidFill>
+              <a:latin typeface="Calibri" pitchFamily="34" charset="0"/>
+            </a:endParaRPr>
+          </a:p>
+        </p:txBody>
+      </p:sp>
+      <p:sp>
+        <p:nvSpPr>
+          <p:cNvPr id="9" name="TextBox 8"/>
+          <p:cNvSpPr txBox="1"/>
+          <p:nvPr/>
+        </p:nvSpPr>
+        <p:spPr>
+          <a:xfrm>
+            <a:off x="381000" y="2057400"/>
+            <a:ext cx="7543800" cy="338554"/>
+          </a:xfrm>
+          <a:prstGeom prst="rect">
+            <a:avLst/>
+          </a:prstGeom>
+          <a:noFill/>
+        </p:spPr>
+        <p:txBody>
+          <a:bodyPr wrap="square">
+            <a:spAutoFit/>
+          </a:bodyPr>
+          <a:lstStyle/>
+          <a:p>
+            <a:pPr>
+              <a:defRPr/>
+            </a:pPr>
+            <a:r>
+              <a:rPr lang="en-US" sz="1600" dirty="0" smtClean="0">
+                <a:solidFill>
+                  <a:schemeClr val="bg1"/>
+                </a:solidFill>
+                <a:latin typeface="+mn-lt"/>
+              </a:rPr>
+              <a:t>Open For Extension, Closed For Modification</a:t>
+            </a:r>
+            <a:endParaRPr lang="en-US" sz="1600" dirty="0">
+              <a:solidFill>
+                <a:schemeClr val="bg1"/>
+              </a:solidFill>
+              <a:latin typeface="+mn-lt"/>
+            </a:endParaRPr>
+          </a:p>
+        </p:txBody>
+      </p:sp>
+    </p:spTree>
+  </p:cSld>
+  <p:clrMapOvr>
+    <a:masterClrMapping/>
+  </p:clrMapOvr>
+  <p:timing>
+    <p:tnLst>
+      <p:par>
+        <p:cTn id="1" dur="indefinite" restart="never" nodeType="tmRoot"/>
+      </p:par>
+    </p:tnLst>
+  </p:timing>
+</p:sld>
+</file>
+
+<file path=ppt/slides/slide14.xml><?xml version="1.0" encoding="utf-8"?>
+<p:sld xmlns:a="http://schemas.openxmlformats.org/drawingml/2006/main" xmlns:r="http://schemas.openxmlformats.org/officeDocument/2006/relationships" xmlns:p="http://schemas.openxmlformats.org/presentationml/2006/main">
+  <p:cSld>
+    <p:spTree>
+      <p:nvGrpSpPr>
+        <p:cNvPr id="1" name=""/>
+        <p:cNvGrpSpPr/>
+        <p:nvPr/>
+      </p:nvGrpSpPr>
+      <p:grpSpPr>
+        <a:xfrm>
+          <a:off x="0" y="0"/>
+          <a:ext cx="0" cy="0"/>
+          <a:chOff x="0" y="0"/>
+          <a:chExt cx="0" cy="0"/>
+        </a:xfrm>
+      </p:grpSpPr>
+      <p:sp>
+        <p:nvSpPr>
+          <p:cNvPr id="3074" name="Title 1"/>
+          <p:cNvSpPr>
+            <a:spLocks noGrp="1"/>
+          </p:cNvSpPr>
+          <p:nvPr>
+            <p:ph type="title"/>
+          </p:nvPr>
+        </p:nvSpPr>
+        <p:spPr bwMode="auto">
+          <a:noFill/>
+          <a:ln>
+            <a:miter lim="800000"/>
+            <a:headEnd/>
+            <a:tailEnd/>
+          </a:ln>
+        </p:spPr>
+        <p:txBody>
+          <a:bodyPr vert="horz" wrap="square" lIns="91440" tIns="45720" rIns="91440" bIns="45720" numCol="1" anchor="t" anchorCtr="0" compatLnSpc="1">
+            <a:prstTxWarp prst="textNoShape">
+              <a:avLst/>
+            </a:prstTxWarp>
+          </a:bodyPr>
+          <a:lstStyle/>
+          <a:p>
+            <a:pPr eaLnBrk="1" hangingPunct="1"/>
+            <a:r>
+              <a:rPr lang="en-US" dirty="0" smtClean="0"/>
+              <a:t>OCP: Open Closed Principle</a:t>
+            </a:r>
+          </a:p>
+        </p:txBody>
+      </p:sp>
+      <p:sp>
+        <p:nvSpPr>
+          <p:cNvPr id="3075" name="Text Placeholder 2"/>
+          <p:cNvSpPr>
+            <a:spLocks noGrp="1"/>
+          </p:cNvSpPr>
+          <p:nvPr>
+            <p:ph type="body" sz="quarter" idx="10"/>
+          </p:nvPr>
+        </p:nvSpPr>
+        <p:spPr/>
+        <p:txBody>
+          <a:bodyPr/>
+          <a:lstStyle/>
+          <a:p>
+            <a:pPr marL="0" indent="0" eaLnBrk="1" hangingPunct="1">
+              <a:buNone/>
+            </a:pPr>
+            <a:r>
+              <a:rPr lang="en-US" sz="2000" i="1" dirty="0" smtClean="0"/>
+              <a:t>Modules that conform to the open-closed principle have two primary attributes.</a:t>
+            </a:r>
+          </a:p>
+          <a:p>
+            <a:pPr marL="0" indent="0" eaLnBrk="1" hangingPunct="1">
+              <a:buNone/>
+            </a:pPr>
+            <a:endParaRPr lang="en-US" sz="2000" i="1" dirty="0" smtClean="0"/>
+          </a:p>
+          <a:p>
+            <a:pPr marL="457200" indent="-457200">
+              <a:buFont typeface="+mj-lt"/>
+              <a:buAutoNum type="arabicPeriod"/>
+            </a:pPr>
+            <a:r>
+              <a:rPr lang="en-US" sz="2000" i="1" dirty="0" smtClean="0"/>
+              <a:t>They are “Open For Extension”. </a:t>
+            </a:r>
+            <a:br>
+              <a:rPr lang="en-US" sz="2000" i="1" dirty="0" smtClean="0"/>
+            </a:br>
+            <a:r>
+              <a:rPr lang="en-US" sz="2000" i="1" dirty="0" smtClean="0"/>
+              <a:t>This means that the behavior of the module can be extended. That we can make the module behave in new and different ways as the requirements of the application change, or to meet the needs of new applications.</a:t>
+            </a:r>
+            <a:br>
+              <a:rPr lang="en-US" sz="2000" i="1" dirty="0" smtClean="0"/>
+            </a:br>
+            <a:endParaRPr lang="en-US" sz="2000" i="1" dirty="0" smtClean="0"/>
+          </a:p>
+          <a:p>
+            <a:pPr marL="457200" indent="-457200">
+              <a:buFont typeface="+mj-lt"/>
+              <a:buAutoNum type="arabicPeriod"/>
+            </a:pPr>
+            <a:r>
+              <a:rPr lang="en-US" sz="2000" i="1" dirty="0" smtClean="0"/>
+              <a:t>They are “Closed for Modification”.</a:t>
+            </a:r>
+            <a:br>
+              <a:rPr lang="en-US" sz="2000" i="1" dirty="0" smtClean="0"/>
+            </a:br>
+            <a:r>
+              <a:rPr lang="en-US" sz="2000" i="1" dirty="0" smtClean="0"/>
+              <a:t>The source code of such a module is inviolate. No one is allowed to make source code changes to it.</a:t>
+            </a:r>
+          </a:p>
+          <a:p>
+            <a:pPr marL="457200" indent="-457200">
+              <a:buNone/>
+            </a:pPr>
+            <a:endParaRPr lang="en-US" sz="2000" dirty="0" smtClean="0"/>
+          </a:p>
+          <a:p>
+            <a:pPr marL="857250" lvl="1" indent="-457200">
+              <a:buNone/>
+            </a:pPr>
+            <a:r>
+              <a:rPr lang="en-US" sz="2000" dirty="0" smtClean="0"/>
+              <a:t>- Robert C. Martin</a:t>
+            </a:r>
+          </a:p>
+        </p:txBody>
+      </p:sp>
+    </p:spTree>
+  </p:cSld>
+  <p:clrMapOvr>
+    <a:masterClrMapping/>
+  </p:clrMapOvr>
+  <p:timing>
+    <p:tnLst>
+      <p:par>
+        <p:cTn id="1" dur="indefinite" restart="never" nodeType="tmRoot"/>
+      </p:par>
+    </p:tnLst>
+  </p:timing>
+</p:sld>
+</file>
+
+<file path=ppt/slides/slide15.xml><?xml version="1.0" encoding="utf-8"?>
+<p:sld xmlns:a="http://schemas.openxmlformats.org/drawingml/2006/main" xmlns:r="http://schemas.openxmlformats.org/officeDocument/2006/relationships" xmlns:p="http://schemas.openxmlformats.org/presentationml/2006/main" showMasterSp="0">
+  <p:cSld>
+    <p:spTree>
+      <p:nvGrpSpPr>
+        <p:cNvPr id="1" name=""/>
+        <p:cNvGrpSpPr/>
+        <p:nvPr/>
+      </p:nvGrpSpPr>
+      <p:grpSpPr>
+        <a:xfrm>
+          <a:off x="0" y="0"/>
+          <a:ext cx="0" cy="0"/>
+          <a:chOff x="0" y="0"/>
+          <a:chExt cx="0" cy="0"/>
+        </a:xfrm>
+      </p:grpSpPr>
+      <p:pic>
+        <p:nvPicPr>
+          <p:cNvPr id="2" name="Picture 2"/>
+          <p:cNvPicPr>
+            <a:picLocks noChangeAspect="1" noChangeArrowheads="1"/>
+          </p:cNvPicPr>
+          <p:nvPr/>
+        </p:nvPicPr>
+        <p:blipFill>
+          <a:blip r:embed="rId2"/>
+          <a:srcRect/>
+          <a:stretch>
+            <a:fillRect/>
+          </a:stretch>
+        </p:blipFill>
+        <p:spPr bwMode="auto">
+          <a:xfrm>
+            <a:off x="1000125" y="571500"/>
+            <a:ext cx="7143750" cy="5715000"/>
+          </a:xfrm>
+          <a:prstGeom prst="rect">
+            <a:avLst/>
+          </a:prstGeom>
+          <a:noFill/>
+          <a:ln w="9525">
+            <a:noFill/>
+            <a:miter lim="800000"/>
+            <a:headEnd/>
+            <a:tailEnd/>
+          </a:ln>
+          <a:effectLst/>
+        </p:spPr>
+      </p:pic>
+    </p:spTree>
+  </p:cSld>
+  <p:clrMapOvr>
+    <a:masterClrMapping/>
+  </p:clrMapOvr>
+  <p:timing>
+    <p:tnLst>
+      <p:par>
+        <p:cTn id="1" dur="indefinite" restart="never" nodeType="tmRoot"/>
+      </p:par>
+    </p:tnLst>
+  </p:timing>
+</p:sld>
+</file>
+
+<file path=ppt/slides/slide16.xml><?xml version="1.0" encoding="utf-8"?>
+<p:sld xmlns:a="http://schemas.openxmlformats.org/drawingml/2006/main" xmlns:r="http://schemas.openxmlformats.org/officeDocument/2006/relationships" xmlns:p="http://schemas.openxmlformats.org/presentationml/2006/main">
+  <p:cSld>
+    <p:spTree>
+      <p:nvGrpSpPr>
+        <p:cNvPr id="1" name=""/>
+        <p:cNvGrpSpPr/>
+        <p:nvPr/>
+      </p:nvGrpSpPr>
+      <p:grpSpPr>
+        <a:xfrm>
+          <a:off x="0" y="0"/>
+          <a:ext cx="0" cy="0"/>
+          <a:chOff x="0" y="0"/>
+          <a:chExt cx="0" cy="0"/>
+        </a:xfrm>
+      </p:grpSpPr>
+      <p:sp>
+        <p:nvSpPr>
+          <p:cNvPr id="3074" name="Title 1"/>
+          <p:cNvSpPr>
+            <a:spLocks noGrp="1"/>
+          </p:cNvSpPr>
+          <p:nvPr>
+            <p:ph type="title"/>
+          </p:nvPr>
+        </p:nvSpPr>
+        <p:spPr bwMode="auto">
+          <a:noFill/>
+          <a:ln>
+            <a:miter lim="800000"/>
+            <a:headEnd/>
+            <a:tailEnd/>
+          </a:ln>
+        </p:spPr>
+        <p:txBody>
+          <a:bodyPr vert="horz" wrap="square" lIns="91440" tIns="45720" rIns="91440" bIns="45720" numCol="1" anchor="t" anchorCtr="0" compatLnSpc="1">
+            <a:prstTxWarp prst="textNoShape">
+              <a:avLst/>
+            </a:prstTxWarp>
+          </a:bodyPr>
+          <a:lstStyle/>
+          <a:p>
+            <a:pPr eaLnBrk="1" hangingPunct="1"/>
+            <a:r>
+              <a:rPr lang="en-US" dirty="0" smtClean="0"/>
+              <a:t>OCP: Open Closed Principle</a:t>
+            </a:r>
+          </a:p>
+        </p:txBody>
+      </p:sp>
+      <p:sp>
+        <p:nvSpPr>
+          <p:cNvPr id="3075" name="Text Placeholder 2"/>
+          <p:cNvSpPr>
+            <a:spLocks noGrp="1"/>
+          </p:cNvSpPr>
+          <p:nvPr>
+            <p:ph type="body" sz="quarter" idx="10"/>
+          </p:nvPr>
+        </p:nvSpPr>
+        <p:spPr/>
+        <p:txBody>
+          <a:bodyPr/>
+          <a:lstStyle/>
+          <a:p>
+            <a:pPr eaLnBrk="1" hangingPunct="1">
+              <a:buNone/>
+            </a:pPr>
+            <a:r>
+              <a:rPr lang="en-US" dirty="0" smtClean="0"/>
+              <a:t>Example App: Restructuring For OCP</a:t>
+            </a:r>
+          </a:p>
+          <a:p>
+            <a:pPr eaLnBrk="1" hangingPunct="1">
+              <a:buNone/>
+            </a:pPr>
+            <a:endParaRPr lang="en-US" dirty="0" smtClean="0"/>
+          </a:p>
+        </p:txBody>
+      </p:sp>
+      <p:grpSp>
+        <p:nvGrpSpPr>
+          <p:cNvPr id="31" name="Group 30"/>
+          <p:cNvGrpSpPr/>
+          <p:nvPr/>
+        </p:nvGrpSpPr>
+        <p:grpSpPr>
+          <a:xfrm>
+            <a:off x="2286000" y="2057400"/>
+            <a:ext cx="4572000" cy="3657600"/>
+            <a:chOff x="2743200" y="2133600"/>
+            <a:chExt cx="4572000" cy="3657600"/>
+          </a:xfrm>
+          <a:scene3d>
+            <a:camera prst="perspectiveAbove"/>
+            <a:lightRig rig="threePt" dir="t"/>
+          </a:scene3d>
+        </p:grpSpPr>
+        <p:sp>
+          <p:nvSpPr>
+            <p:cNvPr id="5" name="Rectangle 4"/>
+            <p:cNvSpPr/>
+            <p:nvPr/>
+          </p:nvSpPr>
+          <p:spPr>
+            <a:xfrm>
+              <a:off x="5638800" y="2133600"/>
+              <a:ext cx="1676400" cy="990600"/>
+            </a:xfrm>
+            <a:prstGeom prst="rect">
+              <a:avLst/>
+            </a:prstGeom>
+          </p:spPr>
+          <p:style>
+            <a:lnRef idx="1">
+              <a:schemeClr val="accent1"/>
+            </a:lnRef>
+            <a:fillRef idx="3">
+              <a:schemeClr val="accent1"/>
+            </a:fillRef>
+            <a:effectRef idx="2">
+              <a:schemeClr val="accent1"/>
+            </a:effectRef>
+            <a:fontRef idx="minor">
+              <a:schemeClr val="lt1"/>
+            </a:fontRef>
+          </p:style>
+          <p:txBody>
+            <a:bodyPr rtlCol="0" anchor="ctr"/>
+            <a:lstStyle/>
+            <a:p>
+              <a:pPr algn="ctr"/>
+              <a:r>
+                <a:rPr lang="en-US" dirty="0" smtClean="0"/>
+                <a:t>Email Sender</a:t>
+              </a:r>
+              <a:endParaRPr lang="en-US" dirty="0"/>
+            </a:p>
+          </p:txBody>
+        </p:sp>
+        <p:sp>
+          <p:nvSpPr>
+            <p:cNvPr id="6" name="Snip Single Corner Rectangle 5"/>
+            <p:cNvSpPr/>
+            <p:nvPr/>
+          </p:nvSpPr>
+          <p:spPr>
+            <a:xfrm>
+              <a:off x="2743200" y="4800600"/>
+              <a:ext cx="1676400" cy="990600"/>
+            </a:xfrm>
+            <a:prstGeom prst="snip1Rect">
+              <a:avLst/>
+            </a:prstGeom>
+          </p:spPr>
+          <p:style>
+            <a:lnRef idx="1">
+              <a:schemeClr val="accent1"/>
+            </a:lnRef>
+            <a:fillRef idx="3">
+              <a:schemeClr val="accent1"/>
+            </a:fillRef>
+            <a:effectRef idx="2">
+              <a:schemeClr val="accent1"/>
+            </a:effectRef>
+            <a:fontRef idx="minor">
+              <a:schemeClr val="lt1"/>
+            </a:fontRef>
+          </p:style>
+          <p:txBody>
+            <a:bodyPr rtlCol="0" anchor="ctr"/>
+            <a:lstStyle/>
+            <a:p>
+              <a:pPr algn="ctr"/>
+              <a:r>
+                <a:rPr lang="en-US" dirty="0" smtClean="0"/>
+                <a:t>Flat File</a:t>
+              </a:r>
+              <a:endParaRPr lang="en-US" dirty="0"/>
+            </a:p>
+          </p:txBody>
+        </p:sp>
+        <p:sp>
+          <p:nvSpPr>
+            <p:cNvPr id="7" name="Snip Single Corner Rectangle 6"/>
+            <p:cNvSpPr/>
+            <p:nvPr/>
+          </p:nvSpPr>
+          <p:spPr>
+            <a:xfrm>
+              <a:off x="4724400" y="4800600"/>
+              <a:ext cx="1676400" cy="990600"/>
+            </a:xfrm>
+            <a:prstGeom prst="snip1Rect">
+              <a:avLst/>
+            </a:prstGeom>
+          </p:spPr>
+          <p:style>
+            <a:lnRef idx="1">
+              <a:schemeClr val="accent1"/>
+            </a:lnRef>
+            <a:fillRef idx="3">
+              <a:schemeClr val="accent1"/>
+            </a:fillRef>
+            <a:effectRef idx="2">
+              <a:schemeClr val="accent1"/>
+            </a:effectRef>
+            <a:fontRef idx="minor">
+              <a:schemeClr val="lt1"/>
+            </a:fontRef>
+          </p:style>
+          <p:txBody>
+            <a:bodyPr rtlCol="0" anchor="ctr"/>
+            <a:lstStyle/>
+            <a:p>
+              <a:pPr algn="ctr"/>
+              <a:r>
+                <a:rPr lang="en-US" dirty="0" smtClean="0"/>
+                <a:t>XML File</a:t>
+              </a:r>
+              <a:endParaRPr lang="en-US" dirty="0"/>
+            </a:p>
+          </p:txBody>
+        </p:sp>
+        <p:cxnSp>
+          <p:nvCxnSpPr>
+            <p:cNvPr id="8" name="Elbow Connector 7"/>
+            <p:cNvCxnSpPr>
+              <a:stCxn id="6" idx="3"/>
+              <a:endCxn id="10" idx="2"/>
+            </p:cNvCxnSpPr>
+            <p:nvPr/>
+          </p:nvCxnSpPr>
+          <p:spPr>
+            <a:xfrm rot="5400000" flipH="1" flipV="1">
+              <a:off x="3848100" y="4152900"/>
+              <a:ext cx="381000" cy="914400"/>
+            </a:xfrm>
+            <a:prstGeom prst="bentConnector3">
+              <a:avLst>
+                <a:gd name="adj1" fmla="val 50000"/>
+              </a:avLst>
+            </a:prstGeom>
+            <a:ln>
+              <a:tailEnd type="arrow"/>
+            </a:ln>
+          </p:spPr>
+          <p:style>
+            <a:lnRef idx="1">
+              <a:schemeClr val="accent1"/>
+            </a:lnRef>
+            <a:fillRef idx="3">
+              <a:schemeClr val="accent1"/>
+            </a:fillRef>
+            <a:effectRef idx="2">
+              <a:schemeClr val="accent1"/>
+            </a:effectRef>
+            <a:fontRef idx="minor">
+              <a:schemeClr val="lt1"/>
+            </a:fontRef>
+          </p:style>
+        </p:cxnSp>
+        <p:cxnSp>
+          <p:nvCxnSpPr>
+            <p:cNvPr id="9" name="Elbow Connector 8"/>
+            <p:cNvCxnSpPr>
+              <a:stCxn id="7" idx="3"/>
+              <a:endCxn id="10" idx="2"/>
+            </p:cNvCxnSpPr>
+            <p:nvPr/>
+          </p:nvCxnSpPr>
+          <p:spPr>
+            <a:xfrm rot="16200000" flipV="1">
+              <a:off x="4838700" y="4076700"/>
+              <a:ext cx="381000" cy="1066800"/>
+            </a:xfrm>
+            <a:prstGeom prst="bentConnector3">
+              <a:avLst>
+                <a:gd name="adj1" fmla="val 50000"/>
+              </a:avLst>
+            </a:prstGeom>
+            <a:ln>
+              <a:tailEnd type="arrow"/>
+            </a:ln>
+          </p:spPr>
+          <p:style>
+            <a:lnRef idx="1">
+              <a:schemeClr val="accent1"/>
+            </a:lnRef>
+            <a:fillRef idx="3">
+              <a:schemeClr val="accent1"/>
+            </a:fillRef>
+            <a:effectRef idx="2">
+              <a:schemeClr val="accent1"/>
+            </a:effectRef>
+            <a:fontRef idx="minor">
+              <a:schemeClr val="lt1"/>
+            </a:fontRef>
+          </p:style>
+        </p:cxnSp>
+        <p:sp>
+          <p:nvSpPr>
+            <p:cNvPr id="10" name="Rectangle 9"/>
+            <p:cNvSpPr/>
+            <p:nvPr/>
+          </p:nvSpPr>
+          <p:spPr>
+            <a:xfrm>
+              <a:off x="3657600" y="3429000"/>
+              <a:ext cx="1676400" cy="990600"/>
+            </a:xfrm>
+            <a:prstGeom prst="rect">
+              <a:avLst/>
+            </a:prstGeom>
+          </p:spPr>
+          <p:style>
+            <a:lnRef idx="1">
+              <a:schemeClr val="accent2"/>
+            </a:lnRef>
+            <a:fillRef idx="3">
+              <a:schemeClr val="accent2"/>
+            </a:fillRef>
+            <a:effectRef idx="2">
+              <a:schemeClr val="accent2"/>
+            </a:effectRef>
+            <a:fontRef idx="minor">
+              <a:schemeClr val="lt1"/>
+            </a:fontRef>
+          </p:style>
+          <p:txBody>
+            <a:bodyPr rtlCol="0" anchor="ctr"/>
+            <a:lstStyle/>
+            <a:p>
+              <a:pPr algn="ctr"/>
+              <a:r>
+                <a:rPr lang="en-US" dirty="0" err="1" smtClean="0"/>
+                <a:t>IFileFormat</a:t>
+              </a:r>
+              <a:r>
+                <a:rPr lang="en-US" dirty="0" smtClean="0"/>
+                <a:t> Reader</a:t>
+              </a:r>
+              <a:endParaRPr lang="en-US" dirty="0"/>
+            </a:p>
+          </p:txBody>
+        </p:sp>
+        <p:cxnSp>
+          <p:nvCxnSpPr>
+            <p:cNvPr id="11" name="Elbow Connector 10"/>
+            <p:cNvCxnSpPr>
+              <a:stCxn id="25" idx="3"/>
+              <a:endCxn id="5" idx="1"/>
+            </p:cNvCxnSpPr>
+            <p:nvPr/>
+          </p:nvCxnSpPr>
+          <p:spPr>
+            <a:xfrm>
+              <a:off x="5334000" y="2628900"/>
+              <a:ext cx="304800" cy="1588"/>
+            </a:xfrm>
+            <a:prstGeom prst="bentConnector3">
+              <a:avLst>
+                <a:gd name="adj1" fmla="val 50000"/>
+              </a:avLst>
+            </a:prstGeom>
+            <a:ln>
+              <a:tailEnd type="arrow"/>
+            </a:ln>
+          </p:spPr>
+          <p:style>
+            <a:lnRef idx="1">
+              <a:schemeClr val="accent1"/>
+            </a:lnRef>
+            <a:fillRef idx="3">
+              <a:schemeClr val="accent1"/>
+            </a:fillRef>
+            <a:effectRef idx="2">
+              <a:schemeClr val="accent1"/>
+            </a:effectRef>
+            <a:fontRef idx="minor">
+              <a:schemeClr val="lt1"/>
+            </a:fontRef>
+          </p:style>
+        </p:cxnSp>
+        <p:sp>
+          <p:nvSpPr>
+            <p:cNvPr id="25" name="Rectangle 24"/>
+            <p:cNvSpPr/>
+            <p:nvPr/>
+          </p:nvSpPr>
+          <p:spPr>
+            <a:xfrm>
+              <a:off x="3657600" y="2133600"/>
+              <a:ext cx="1676400" cy="990600"/>
+            </a:xfrm>
+            <a:prstGeom prst="rect">
+              <a:avLst/>
+            </a:prstGeom>
+          </p:spPr>
+          <p:style>
+            <a:lnRef idx="1">
+              <a:schemeClr val="accent1"/>
+            </a:lnRef>
+            <a:fillRef idx="3">
+              <a:schemeClr val="accent1"/>
+            </a:fillRef>
+            <a:effectRef idx="2">
+              <a:schemeClr val="accent1"/>
+            </a:effectRef>
+            <a:fontRef idx="minor">
+              <a:schemeClr val="lt1"/>
+            </a:fontRef>
+          </p:style>
+          <p:txBody>
+            <a:bodyPr rtlCol="0" anchor="ctr"/>
+            <a:lstStyle/>
+            <a:p>
+              <a:pPr algn="ctr"/>
+              <a:r>
+                <a:rPr lang="en-US" dirty="0" err="1" smtClean="0"/>
+                <a:t>FileReader</a:t>
+              </a:r>
+              <a:endParaRPr lang="en-US" dirty="0" smtClean="0"/>
+            </a:p>
+            <a:p>
+              <a:pPr algn="ctr"/>
+              <a:r>
+                <a:rPr lang="en-US" dirty="0" smtClean="0"/>
+                <a:t>Service</a:t>
+              </a:r>
+              <a:endParaRPr lang="en-US" dirty="0"/>
+            </a:p>
+          </p:txBody>
+        </p:sp>
+        <p:cxnSp>
+          <p:nvCxnSpPr>
+            <p:cNvPr id="27" name="Elbow Connector 26"/>
+            <p:cNvCxnSpPr>
+              <a:stCxn id="10" idx="0"/>
+              <a:endCxn id="25" idx="2"/>
+            </p:cNvCxnSpPr>
+            <p:nvPr/>
+          </p:nvCxnSpPr>
+          <p:spPr>
+            <a:xfrm rot="5400000" flipH="1" flipV="1">
+              <a:off x="4343400" y="3276600"/>
+              <a:ext cx="304800" cy="1588"/>
+            </a:xfrm>
+            <a:prstGeom prst="bentConnector3">
+              <a:avLst>
+                <a:gd name="adj1" fmla="val 50000"/>
+              </a:avLst>
+            </a:prstGeom>
+            <a:ln>
+              <a:tailEnd type="arrow"/>
+            </a:ln>
+          </p:spPr>
+          <p:style>
+            <a:lnRef idx="1">
+              <a:schemeClr val="accent1"/>
+            </a:lnRef>
+            <a:fillRef idx="3">
+              <a:schemeClr val="accent1"/>
+            </a:fillRef>
+            <a:effectRef idx="2">
+              <a:schemeClr val="accent1"/>
+            </a:effectRef>
+            <a:fontRef idx="minor">
+              <a:schemeClr val="lt1"/>
+            </a:fontRef>
+          </p:style>
+        </p:cxnSp>
+      </p:grpSp>
+    </p:spTree>
+  </p:cSld>
+  <p:clrMapOvr>
+    <a:masterClrMapping/>
+  </p:clrMapOvr>
+  <p:timing>
+    <p:tnLst>
+      <p:par>
+        <p:cTn id="1" dur="indefinite" restart="never" nodeType="tmRoot"/>
+      </p:par>
+    </p:tnLst>
+  </p:timing>
+</p:sld>
+</file>
+
+<file path=ppt/slides/slide17.xml><?xml version="1.0" encoding="utf-8"?>
+<p:sld xmlns:a="http://schemas.openxmlformats.org/drawingml/2006/main" xmlns:r="http://schemas.openxmlformats.org/officeDocument/2006/relationships" xmlns:p="http://schemas.openxmlformats.org/presentationml/2006/main">
+  <p:cSld>
+    <p:spTree>
+      <p:nvGrpSpPr>
+        <p:cNvPr id="1" name=""/>
+        <p:cNvGrpSpPr/>
+        <p:nvPr/>
+      </p:nvGrpSpPr>
+      <p:grpSpPr>
+        <a:xfrm>
+          <a:off x="0" y="0"/>
+          <a:ext cx="0" cy="0"/>
+          <a:chOff x="0" y="0"/>
+          <a:chExt cx="0" cy="0"/>
+        </a:xfrm>
+      </p:grpSpPr>
+      <p:sp>
+        <p:nvSpPr>
+          <p:cNvPr id="4" name="Rectangle 3"/>
+          <p:cNvSpPr/>
+          <p:nvPr/>
+        </p:nvSpPr>
+        <p:spPr>
+          <a:xfrm>
+            <a:off x="0" y="0"/>
+            <a:ext cx="9144000" cy="4648200"/>
+          </a:xfrm>
+          <a:prstGeom prst="rect">
+            <a:avLst/>
+          </a:prstGeom>
+          <a:solidFill>
+            <a:srgbClr val="0069AA"/>
+          </a:solidFill>
+          <a:ln>
+            <a:noFill/>
+          </a:ln>
+        </p:spPr>
+        <p:style>
+          <a:lnRef idx="2">
+            <a:schemeClr val="accent1">
+              <a:shade val="50000"/>
+            </a:schemeClr>
+          </a:lnRef>
+          <a:fillRef idx="1">
+            <a:schemeClr val="accent1"/>
+          </a:fillRef>
+          <a:effectRef idx="0">
+            <a:schemeClr val="accent1"/>
+          </a:effectRef>
+          <a:fontRef idx="minor">
+            <a:schemeClr val="lt1"/>
+          </a:fontRef>
+        </p:style>
+        <p:txBody>
+          <a:bodyPr anchor="ctr"/>
+          <a:lstStyle/>
+          <a:p>
+            <a:pPr algn="ctr">
+              <a:defRPr/>
+            </a:pPr>
+            <a:endParaRPr lang="en-US"/>
+          </a:p>
+        </p:txBody>
+      </p:sp>
+      <p:pic>
+        <p:nvPicPr>
+          <p:cNvPr id="4099" name="Picture 4" descr="MAT logo 1 CMYK"/>
+          <p:cNvPicPr>
+            <a:picLocks noChangeAspect="1" noChangeArrowheads="1"/>
+          </p:cNvPicPr>
+          <p:nvPr/>
+        </p:nvPicPr>
+        <p:blipFill>
+          <a:blip r:embed="rId2">
+            <a:clrChange>
+              <a:clrFrom>
+                <a:srgbClr val="FDFDFD"/>
+              </a:clrFrom>
+              <a:clrTo>
+                <a:srgbClr val="FDFDFD">
+                  <a:alpha val="0"/>
+                </a:srgbClr>
+              </a:clrTo>
+            </a:clrChange>
+          </a:blip>
+          <a:srcRect/>
+          <a:stretch>
+            <a:fillRect/>
+          </a:stretch>
+        </p:blipFill>
+        <p:spPr bwMode="auto">
+          <a:xfrm>
+            <a:off x="2971800" y="4800600"/>
+            <a:ext cx="2819400" cy="1338263"/>
+          </a:xfrm>
+          <a:prstGeom prst="rect">
+            <a:avLst/>
+          </a:prstGeom>
+          <a:noFill/>
+          <a:ln w="9525">
+            <a:noFill/>
+            <a:miter lim="800000"/>
+            <a:headEnd/>
+            <a:tailEnd/>
+          </a:ln>
+        </p:spPr>
+      </p:pic>
+      <p:sp>
+        <p:nvSpPr>
+          <p:cNvPr id="5" name="Rectangle 4"/>
+          <p:cNvSpPr/>
+          <p:nvPr/>
+        </p:nvSpPr>
+        <p:spPr>
+          <a:xfrm>
+            <a:off x="0" y="4724400"/>
+            <a:ext cx="9144000" cy="2133600"/>
+          </a:xfrm>
+          <a:prstGeom prst="rect">
+            <a:avLst/>
+          </a:prstGeom>
+          <a:solidFill>
+            <a:srgbClr val="E31937"/>
+          </a:solidFill>
+          <a:ln>
+            <a:noFill/>
+          </a:ln>
+        </p:spPr>
+        <p:style>
+          <a:lnRef idx="2">
+            <a:schemeClr val="accent1">
+              <a:shade val="50000"/>
+            </a:schemeClr>
+          </a:lnRef>
+          <a:fillRef idx="1">
+            <a:schemeClr val="accent1"/>
+          </a:fillRef>
+          <a:effectRef idx="0">
+            <a:schemeClr val="accent1"/>
+          </a:effectRef>
+          <a:fontRef idx="minor">
+            <a:schemeClr val="lt1"/>
+          </a:fontRef>
+        </p:style>
+        <p:txBody>
+          <a:bodyPr anchor="ctr"/>
+          <a:lstStyle/>
+          <a:p>
+            <a:pPr algn="ctr">
+              <a:defRPr/>
+            </a:pPr>
+            <a:endParaRPr lang="en-US"/>
+          </a:p>
+        </p:txBody>
+      </p:sp>
+      <p:sp>
+        <p:nvSpPr>
+          <p:cNvPr id="10" name="Rectangle 9"/>
+          <p:cNvSpPr/>
+          <p:nvPr/>
+        </p:nvSpPr>
+        <p:spPr bwMode="auto">
+          <a:xfrm>
+            <a:off x="228600" y="0"/>
+            <a:ext cx="104775" cy="2325688"/>
+          </a:xfrm>
+          <a:prstGeom prst="rect">
+            <a:avLst/>
+          </a:prstGeom>
+          <a:solidFill>
+            <a:srgbClr val="E31937"/>
+          </a:solidFill>
+          <a:ln>
+            <a:noFill/>
+          </a:ln>
+        </p:spPr>
+        <p:style>
+          <a:lnRef idx="2">
+            <a:schemeClr val="accent1">
+              <a:shade val="50000"/>
+            </a:schemeClr>
+          </a:lnRef>
+          <a:fillRef idx="1">
+            <a:schemeClr val="accent1"/>
+          </a:fillRef>
+          <a:effectRef idx="0">
+            <a:schemeClr val="accent1"/>
+          </a:effectRef>
+          <a:fontRef idx="minor">
+            <a:schemeClr val="lt1"/>
+          </a:fontRef>
+        </p:style>
+        <p:txBody>
+          <a:bodyPr anchor="ctr"/>
+          <a:lstStyle/>
+          <a:p>
+            <a:pPr algn="ctr">
+              <a:defRPr/>
+            </a:pPr>
+            <a:endParaRPr lang="en-US"/>
+          </a:p>
+        </p:txBody>
+      </p:sp>
+      <p:pic>
+        <p:nvPicPr>
+          <p:cNvPr id="4103" name="Picture 7" descr="MAT logo vertical_red.emf"/>
+          <p:cNvPicPr>
+            <a:picLocks noChangeAspect="1"/>
+          </p:cNvPicPr>
+          <p:nvPr/>
+        </p:nvPicPr>
+        <p:blipFill>
+          <a:blip r:embed="rId3"/>
+          <a:srcRect/>
+          <a:stretch>
+            <a:fillRect/>
+          </a:stretch>
+        </p:blipFill>
+        <p:spPr bwMode="auto">
+          <a:xfrm>
+            <a:off x="3600450" y="5334000"/>
+            <a:ext cx="1981200" cy="969963"/>
+          </a:xfrm>
+          <a:prstGeom prst="rect">
+            <a:avLst/>
+          </a:prstGeom>
+          <a:noFill/>
+          <a:ln w="9525">
+            <a:noFill/>
+            <a:miter lim="800000"/>
+            <a:headEnd/>
+            <a:tailEnd/>
+          </a:ln>
+        </p:spPr>
+      </p:pic>
+      <p:sp>
+        <p:nvSpPr>
+          <p:cNvPr id="8" name="TextBox 7"/>
+          <p:cNvSpPr txBox="1"/>
+          <p:nvPr/>
+        </p:nvSpPr>
+        <p:spPr>
+          <a:xfrm>
+            <a:off x="381000" y="1447800"/>
+            <a:ext cx="8610600" cy="646331"/>
+          </a:xfrm>
+          <a:prstGeom prst="rect">
+            <a:avLst/>
+          </a:prstGeom>
+          <a:noFill/>
+        </p:spPr>
+        <p:txBody>
+          <a:bodyPr>
+            <a:spAutoFit/>
+          </a:bodyPr>
+          <a:lstStyle/>
+          <a:p>
+            <a:pPr>
+              <a:defRPr/>
+            </a:pPr>
+            <a:r>
+              <a:rPr lang="en-US" sz="3600" spc="60" dirty="0" smtClean="0">
+                <a:solidFill>
+                  <a:schemeClr val="bg1"/>
+                </a:solidFill>
+                <a:latin typeface="Calibri" pitchFamily="34" charset="0"/>
+              </a:rPr>
+              <a:t>LSP: </a:t>
+            </a:r>
+            <a:r>
+              <a:rPr lang="en-US" sz="3600" spc="60" dirty="0" err="1" smtClean="0">
+                <a:solidFill>
+                  <a:schemeClr val="bg1"/>
+                </a:solidFill>
+                <a:latin typeface="Calibri" pitchFamily="34" charset="0"/>
+              </a:rPr>
+              <a:t>Liskov</a:t>
+            </a:r>
+            <a:r>
+              <a:rPr lang="en-US" sz="3600" spc="60" dirty="0" smtClean="0">
+                <a:solidFill>
+                  <a:schemeClr val="bg1"/>
+                </a:solidFill>
+                <a:latin typeface="Calibri" pitchFamily="34" charset="0"/>
+              </a:rPr>
+              <a:t> Substitution Principle</a:t>
+            </a:r>
+            <a:endParaRPr lang="en-US" sz="3600" spc="60" dirty="0">
+              <a:solidFill>
+                <a:schemeClr val="bg1"/>
+              </a:solidFill>
+              <a:latin typeface="Calibri" pitchFamily="34" charset="0"/>
+            </a:endParaRPr>
+          </a:p>
+        </p:txBody>
+      </p:sp>
+      <p:sp>
+        <p:nvSpPr>
+          <p:cNvPr id="9" name="TextBox 8"/>
+          <p:cNvSpPr txBox="1"/>
+          <p:nvPr/>
+        </p:nvSpPr>
+        <p:spPr>
+          <a:xfrm>
+            <a:off x="381000" y="2057400"/>
+            <a:ext cx="7543800" cy="338554"/>
+          </a:xfrm>
+          <a:prstGeom prst="rect">
+            <a:avLst/>
+          </a:prstGeom>
+          <a:noFill/>
+        </p:spPr>
+        <p:txBody>
+          <a:bodyPr wrap="square">
+            <a:spAutoFit/>
+          </a:bodyPr>
+          <a:lstStyle/>
+          <a:p>
+            <a:pPr>
+              <a:defRPr/>
+            </a:pPr>
+            <a:r>
+              <a:rPr lang="en-US" sz="1600" dirty="0" smtClean="0">
+                <a:solidFill>
+                  <a:schemeClr val="bg1"/>
+                </a:solidFill>
+                <a:latin typeface="+mn-lt"/>
+              </a:rPr>
+              <a:t>Derived Classes Must Be Semantically Substitutable For Their Base Classes.</a:t>
+            </a:r>
+            <a:endParaRPr lang="en-US" sz="1600" dirty="0">
+              <a:solidFill>
+                <a:schemeClr val="bg1"/>
+              </a:solidFill>
+              <a:latin typeface="+mn-lt"/>
+            </a:endParaRPr>
+          </a:p>
+        </p:txBody>
+      </p:sp>
+    </p:spTree>
+  </p:cSld>
+  <p:clrMapOvr>
+    <a:masterClrMapping/>
+  </p:clrMapOvr>
+  <p:timing>
+    <p:tnLst>
+      <p:par>
+        <p:cTn id="1" dur="indefinite" restart="never" nodeType="tmRoot"/>
+      </p:par>
+    </p:tnLst>
+  </p:timing>
+</p:sld>
+</file>
+
+<file path=ppt/slides/slide18.xml><?xml version="1.0" encoding="utf-8"?>
+<p:sld xmlns:a="http://schemas.openxmlformats.org/drawingml/2006/main" xmlns:r="http://schemas.openxmlformats.org/officeDocument/2006/relationships" xmlns:p="http://schemas.openxmlformats.org/presentationml/2006/main">
+  <p:cSld>
+    <p:spTree>
+      <p:nvGrpSpPr>
+        <p:cNvPr id="1" name=""/>
+        <p:cNvGrpSpPr/>
+        <p:nvPr/>
+      </p:nvGrpSpPr>
+      <p:grpSpPr>
+        <a:xfrm>
+          <a:off x="0" y="0"/>
+          <a:ext cx="0" cy="0"/>
+          <a:chOff x="0" y="0"/>
+          <a:chExt cx="0" cy="0"/>
+        </a:xfrm>
+      </p:grpSpPr>
+      <p:sp>
+        <p:nvSpPr>
+          <p:cNvPr id="3074" name="Title 1"/>
+          <p:cNvSpPr>
+            <a:spLocks noGrp="1"/>
+          </p:cNvSpPr>
+          <p:nvPr>
+            <p:ph type="title"/>
+          </p:nvPr>
+        </p:nvSpPr>
+        <p:spPr bwMode="auto">
+          <a:noFill/>
+          <a:ln>
+            <a:miter lim="800000"/>
+            <a:headEnd/>
+            <a:tailEnd/>
+          </a:ln>
+        </p:spPr>
+        <p:txBody>
+          <a:bodyPr vert="horz" wrap="square" lIns="91440" tIns="45720" rIns="91440" bIns="45720" numCol="1" anchor="t" anchorCtr="0" compatLnSpc="1">
+            <a:prstTxWarp prst="textNoShape">
+              <a:avLst/>
+            </a:prstTxWarp>
+          </a:bodyPr>
+          <a:lstStyle/>
+          <a:p>
+            <a:pPr eaLnBrk="1" hangingPunct="1"/>
+            <a:r>
+              <a:rPr lang="en-US" dirty="0" smtClean="0"/>
+              <a:t>LSP: </a:t>
+            </a:r>
+            <a:r>
+              <a:rPr lang="en-US" dirty="0" err="1" smtClean="0"/>
+              <a:t>Liskov</a:t>
+            </a:r>
+            <a:r>
+              <a:rPr lang="en-US" dirty="0" smtClean="0"/>
+              <a:t> Substitution Principle</a:t>
+            </a:r>
+          </a:p>
+        </p:txBody>
+      </p:sp>
+      <p:sp>
+        <p:nvSpPr>
+          <p:cNvPr id="3075" name="Text Placeholder 2"/>
+          <p:cNvSpPr>
+            <a:spLocks noGrp="1"/>
+          </p:cNvSpPr>
+          <p:nvPr>
+            <p:ph type="body" sz="quarter" idx="10"/>
+          </p:nvPr>
+        </p:nvSpPr>
+        <p:spPr/>
+        <p:txBody>
+          <a:bodyPr/>
+          <a:lstStyle/>
+          <a:p>
+            <a:pPr marL="0" indent="0" eaLnBrk="1" hangingPunct="1">
+              <a:buNone/>
+            </a:pPr>
+            <a:r>
+              <a:rPr lang="en-US" sz="2000" i="1" dirty="0" smtClean="0"/>
+              <a:t>“If for each object o1 of type S there is an object o2 of type T such that for all programs P defined in terms of T, the behavior of P is unchanged when o1 is substituted for o2 then S is a subtype of T.”</a:t>
+            </a:r>
+            <a:endParaRPr lang="en-US" sz="2000" dirty="0" smtClean="0"/>
+          </a:p>
+          <a:p>
+            <a:pPr marL="0" indent="0" eaLnBrk="1" hangingPunct="1">
+              <a:buNone/>
+            </a:pPr>
+            <a:endParaRPr lang="en-US" sz="2000" dirty="0" smtClean="0"/>
+          </a:p>
+          <a:p>
+            <a:pPr marL="0" indent="0" eaLnBrk="1" hangingPunct="1">
+              <a:buNone/>
+            </a:pPr>
+            <a:r>
+              <a:rPr lang="en-US" sz="2000" dirty="0" smtClean="0"/>
+              <a:t>	- Barbara </a:t>
+            </a:r>
+            <a:r>
+              <a:rPr lang="en-US" sz="2000" dirty="0" err="1" smtClean="0"/>
+              <a:t>Liskov</a:t>
+            </a:r>
+            <a:endParaRPr lang="en-US" sz="2000" dirty="0" smtClean="0"/>
+          </a:p>
+          <a:p>
+            <a:pPr marL="0" indent="0" eaLnBrk="1" hangingPunct="1">
+              <a:buNone/>
+            </a:pPr>
+            <a:endParaRPr lang="en-US" sz="2000" dirty="0" smtClean="0"/>
+          </a:p>
+        </p:txBody>
+      </p:sp>
+      <p:grpSp>
+        <p:nvGrpSpPr>
+          <p:cNvPr id="12" name="Group 11"/>
+          <p:cNvGrpSpPr/>
+          <p:nvPr/>
+        </p:nvGrpSpPr>
+        <p:grpSpPr>
+          <a:xfrm>
+            <a:off x="2628900" y="3495675"/>
+            <a:ext cx="3581400" cy="2295525"/>
+            <a:chOff x="2628900" y="3276600"/>
+            <a:chExt cx="3581400" cy="2295525"/>
+          </a:xfrm>
+        </p:grpSpPr>
+        <p:grpSp>
+          <p:nvGrpSpPr>
+            <p:cNvPr id="7" name="Group 6"/>
+            <p:cNvGrpSpPr/>
+            <p:nvPr/>
+          </p:nvGrpSpPr>
+          <p:grpSpPr>
+            <a:xfrm>
+              <a:off x="2933700" y="3276600"/>
+              <a:ext cx="3276600" cy="914400"/>
+              <a:chOff x="762000" y="3733800"/>
+              <a:chExt cx="3276600" cy="914400"/>
+            </a:xfrm>
+          </p:grpSpPr>
+          <p:sp>
+            <p:nvSpPr>
+              <p:cNvPr id="4" name="Rectangle 3"/>
+              <p:cNvSpPr/>
+              <p:nvPr/>
+            </p:nvSpPr>
+            <p:spPr>
+              <a:xfrm>
+                <a:off x="762000" y="3733800"/>
+                <a:ext cx="914400" cy="914400"/>
+              </a:xfrm>
+              <a:prstGeom prst="rect">
+                <a:avLst/>
+              </a:prstGeom>
+            </p:spPr>
+            <p:style>
+              <a:lnRef idx="1">
+                <a:schemeClr val="accent2"/>
+              </a:lnRef>
+              <a:fillRef idx="3">
+                <a:schemeClr val="accent2"/>
+              </a:fillRef>
+              <a:effectRef idx="2">
+                <a:schemeClr val="accent2"/>
+              </a:effectRef>
+              <a:fontRef idx="minor">
+                <a:schemeClr val="lt1"/>
+              </a:fontRef>
+            </p:style>
+            <p:txBody>
+              <a:bodyPr rtlCol="0" anchor="ctr"/>
+              <a:lstStyle/>
+              <a:p>
+                <a:pPr algn="ctr"/>
+                <a:r>
+                  <a:rPr lang="en-US" dirty="0" smtClean="0"/>
+                  <a:t>Square</a:t>
+                </a:r>
+                <a:endParaRPr lang="en-US" dirty="0"/>
+              </a:p>
+            </p:txBody>
+          </p:sp>
+          <p:sp>
+            <p:nvSpPr>
+              <p:cNvPr id="5" name="Rectangle 4"/>
+              <p:cNvSpPr/>
+              <p:nvPr/>
+            </p:nvSpPr>
+            <p:spPr>
+              <a:xfrm>
+                <a:off x="2438400" y="3733800"/>
+                <a:ext cx="1600200" cy="914400"/>
+              </a:xfrm>
+              <a:prstGeom prst="rect">
+                <a:avLst/>
+              </a:prstGeom>
+            </p:spPr>
+            <p:style>
+              <a:lnRef idx="1">
+                <a:schemeClr val="accent1"/>
+              </a:lnRef>
+              <a:fillRef idx="3">
+                <a:schemeClr val="accent1"/>
+              </a:fillRef>
+              <a:effectRef idx="2">
+                <a:schemeClr val="accent1"/>
+              </a:effectRef>
+              <a:fontRef idx="minor">
+                <a:schemeClr val="lt1"/>
+              </a:fontRef>
+            </p:style>
+            <p:txBody>
+              <a:bodyPr rtlCol="0" anchor="ctr"/>
+              <a:lstStyle/>
+              <a:p>
+                <a:pPr algn="ctr"/>
+                <a:r>
+                  <a:rPr lang="en-US" dirty="0" smtClean="0"/>
+                  <a:t>Rectangle</a:t>
+                </a:r>
+                <a:endParaRPr lang="en-US" dirty="0"/>
+              </a:p>
+            </p:txBody>
+          </p:sp>
+          <p:sp>
+            <p:nvSpPr>
+              <p:cNvPr id="6" name="TextBox 5"/>
+              <p:cNvSpPr txBox="1"/>
+              <p:nvPr/>
+            </p:nvSpPr>
+            <p:spPr>
+              <a:xfrm>
+                <a:off x="1752600" y="3810000"/>
+                <a:ext cx="606256" cy="707886"/>
+              </a:xfrm>
+              <a:prstGeom prst="rect">
+                <a:avLst/>
+              </a:prstGeom>
+              <a:noFill/>
+            </p:spPr>
+            <p:txBody>
+              <a:bodyPr wrap="none" rtlCol="0">
+                <a:spAutoFit/>
+              </a:bodyPr>
+              <a:lstStyle/>
+              <a:p>
+                <a:r>
+                  <a:rPr lang="en-US" sz="4000" dirty="0" smtClean="0">
+                    <a:solidFill>
+                      <a:schemeClr val="accent1"/>
+                    </a:solidFill>
+                    <a:latin typeface="+mn-lt"/>
+                  </a:rPr>
+                  <a:t>!=</a:t>
+                </a:r>
+              </a:p>
+            </p:txBody>
+          </p:sp>
+        </p:grpSp>
+        <p:grpSp>
+          <p:nvGrpSpPr>
+            <p:cNvPr id="11" name="Group 10"/>
+            <p:cNvGrpSpPr/>
+            <p:nvPr/>
+          </p:nvGrpSpPr>
+          <p:grpSpPr>
+            <a:xfrm>
+              <a:off x="2628900" y="4495800"/>
+              <a:ext cx="3467100" cy="1076325"/>
+              <a:chOff x="2590800" y="4495800"/>
+              <a:chExt cx="3467100" cy="1076325"/>
+            </a:xfrm>
+          </p:grpSpPr>
+          <p:pic>
+            <p:nvPicPr>
+              <p:cNvPr id="1026" name="Picture 2" descr="C:\Documents and Settings\derickb\Desktop\images2.jpg"/>
+              <p:cNvPicPr>
+                <a:picLocks noChangeAspect="1" noChangeArrowheads="1"/>
+              </p:cNvPicPr>
+              <p:nvPr/>
+            </p:nvPicPr>
+            <p:blipFill>
+              <a:blip r:embed="rId2"/>
+              <a:srcRect/>
+              <a:stretch>
+                <a:fillRect/>
+              </a:stretch>
+            </p:blipFill>
+            <p:spPr bwMode="auto">
+              <a:xfrm>
+                <a:off x="4724400" y="4572000"/>
+                <a:ext cx="1333500" cy="1000125"/>
+              </a:xfrm>
+              <a:prstGeom prst="rect">
+                <a:avLst/>
+              </a:prstGeom>
+              <a:noFill/>
+            </p:spPr>
+          </p:pic>
+          <p:pic>
+            <p:nvPicPr>
+              <p:cNvPr id="1027" name="Picture 3" descr="C:\Documents and Settings\derickb\Desktop\images.jpg"/>
+              <p:cNvPicPr>
+                <a:picLocks noChangeAspect="1" noChangeArrowheads="1"/>
+              </p:cNvPicPr>
+              <p:nvPr/>
+            </p:nvPicPr>
+            <p:blipFill>
+              <a:blip r:embed="rId3"/>
+              <a:srcRect/>
+              <a:stretch>
+                <a:fillRect/>
+              </a:stretch>
+            </p:blipFill>
+            <p:spPr bwMode="auto">
+              <a:xfrm>
+                <a:off x="2590800" y="4495800"/>
+                <a:ext cx="1428750" cy="1076325"/>
+              </a:xfrm>
+              <a:prstGeom prst="rect">
+                <a:avLst/>
+              </a:prstGeom>
+              <a:noFill/>
+            </p:spPr>
+          </p:pic>
+          <p:sp>
+            <p:nvSpPr>
+              <p:cNvPr id="10" name="TextBox 9"/>
+              <p:cNvSpPr txBox="1"/>
+              <p:nvPr/>
+            </p:nvSpPr>
+            <p:spPr>
+              <a:xfrm>
+                <a:off x="3886200" y="4702314"/>
+                <a:ext cx="606256" cy="707886"/>
+              </a:xfrm>
+              <a:prstGeom prst="rect">
+                <a:avLst/>
+              </a:prstGeom>
+              <a:noFill/>
+            </p:spPr>
+            <p:txBody>
+              <a:bodyPr wrap="none" rtlCol="0">
+                <a:spAutoFit/>
+              </a:bodyPr>
+              <a:lstStyle/>
+              <a:p>
+                <a:r>
+                  <a:rPr lang="en-US" sz="4000" dirty="0" smtClean="0">
+                    <a:solidFill>
+                      <a:schemeClr val="accent1"/>
+                    </a:solidFill>
+                    <a:latin typeface="+mn-lt"/>
+                  </a:rPr>
+                  <a:t>!=</a:t>
+                </a:r>
+              </a:p>
+            </p:txBody>
+          </p:sp>
+        </p:grpSp>
+      </p:grpSp>
+    </p:spTree>
+  </p:cSld>
+  <p:clrMapOvr>
+    <a:masterClrMapping/>
+  </p:clrMapOvr>
+  <p:timing>
+    <p:tnLst>
+      <p:par>
+        <p:cTn id="1" dur="indefinite" restart="never" nodeType="tmRoot"/>
+      </p:par>
+    </p:tnLst>
+  </p:timing>
+</p:sld>
+</file>
+
+<file path=ppt/slides/slide19.xml><?xml version="1.0" encoding="utf-8"?>
+<p:sld xmlns:a="http://schemas.openxmlformats.org/drawingml/2006/main" xmlns:r="http://schemas.openxmlformats.org/officeDocument/2006/relationships" xmlns:p="http://schemas.openxmlformats.org/presentationml/2006/main" showMasterSp="0">
+  <p:cSld>
+    <p:spTree>
+      <p:nvGrpSpPr>
+        <p:cNvPr id="1" name=""/>
+        <p:cNvGrpSpPr/>
+        <p:nvPr/>
+      </p:nvGrpSpPr>
+      <p:grpSpPr>
+        <a:xfrm>
+          <a:off x="0" y="0"/>
+          <a:ext cx="0" cy="0"/>
+          <a:chOff x="0" y="0"/>
+          <a:chExt cx="0" cy="0"/>
+        </a:xfrm>
+      </p:grpSpPr>
+      <p:pic>
+        <p:nvPicPr>
+          <p:cNvPr id="4098" name="Picture 2"/>
+          <p:cNvPicPr>
+            <a:picLocks noChangeAspect="1" noChangeArrowheads="1"/>
+          </p:cNvPicPr>
+          <p:nvPr/>
+        </p:nvPicPr>
+        <p:blipFill>
+          <a:blip r:embed="rId2"/>
+          <a:srcRect/>
+          <a:stretch>
+            <a:fillRect/>
+          </a:stretch>
+        </p:blipFill>
+        <p:spPr bwMode="auto">
+          <a:xfrm>
+            <a:off x="1000125" y="571500"/>
+            <a:ext cx="7143750" cy="5715000"/>
+          </a:xfrm>
+          <a:prstGeom prst="rect">
+            <a:avLst/>
+          </a:prstGeom>
+          <a:noFill/>
+          <a:ln w="9525">
+            <a:noFill/>
+            <a:miter lim="800000"/>
+            <a:headEnd/>
+            <a:tailEnd/>
+          </a:ln>
+          <a:effectLst/>
+        </p:spPr>
+      </p:pic>
+    </p:spTree>
+  </p:cSld>
+  <p:clrMapOvr>
+    <a:masterClrMapping/>
+  </p:clrMapOvr>
+  <p:timing>
+    <p:tnLst>
+      <p:par>
+        <p:cTn id="1" dur="indefinite" restart="never" nodeType="tmRoot"/>
+      </p:par>
+    </p:tnLst>
+  </p:timing>
+</p:sld>
+</file>
+
+<file path=ppt/slides/slide2.xml><?xml version="1.0" encoding="utf-8"?>
 <p:sld xmlns:a="http://schemas.openxmlformats.org/drawingml/2006/main" xmlns:r="http://schemas.openxmlformats.org/officeDocument/2006/relationships" xmlns:p="http://schemas.openxmlformats.org/presentationml/2006/main">
   <p:cSld>
     <p:spTree>
@@ -2426,2135 +5561,7 @@
 </p:sld>
 </file>
 
-<file path=ppt/slides/slide10.xml><?xml version="1.0" encoding="utf-8"?>
-<p:sld xmlns:a="http://schemas.openxmlformats.org/drawingml/2006/main" xmlns:r="http://schemas.openxmlformats.org/officeDocument/2006/relationships" xmlns:p="http://schemas.openxmlformats.org/presentationml/2006/main">
-  <p:cSld>
-    <p:spTree>
-      <p:nvGrpSpPr>
-        <p:cNvPr id="1" name=""/>
-        <p:cNvGrpSpPr/>
-        <p:nvPr/>
-      </p:nvGrpSpPr>
-      <p:grpSpPr>
-        <a:xfrm>
-          <a:off x="0" y="0"/>
-          <a:ext cx="0" cy="0"/>
-          <a:chOff x="0" y="0"/>
-          <a:chExt cx="0" cy="0"/>
-        </a:xfrm>
-      </p:grpSpPr>
-      <p:sp>
-        <p:nvSpPr>
-          <p:cNvPr id="3074" name="Title 1"/>
-          <p:cNvSpPr>
-            <a:spLocks noGrp="1"/>
-          </p:cNvSpPr>
-          <p:nvPr>
-            <p:ph type="title"/>
-          </p:nvPr>
-        </p:nvSpPr>
-        <p:spPr bwMode="auto">
-          <a:noFill/>
-          <a:ln>
-            <a:miter lim="800000"/>
-            <a:headEnd/>
-            <a:tailEnd/>
-          </a:ln>
-        </p:spPr>
-        <p:txBody>
-          <a:bodyPr vert="horz" wrap="square" lIns="91440" tIns="45720" rIns="91440" bIns="45720" numCol="1" anchor="t" anchorCtr="0" compatLnSpc="1">
-            <a:prstTxWarp prst="textNoShape">
-              <a:avLst/>
-            </a:prstTxWarp>
-          </a:bodyPr>
-          <a:lstStyle/>
-          <a:p>
-            <a:pPr eaLnBrk="1" hangingPunct="1"/>
-            <a:r>
-              <a:rPr lang="en-US" dirty="0" smtClean="0"/>
-              <a:t>SRP: Single Responsibility</a:t>
-            </a:r>
-          </a:p>
-        </p:txBody>
-      </p:sp>
-      <p:sp>
-        <p:nvSpPr>
-          <p:cNvPr id="3075" name="Text Placeholder 2"/>
-          <p:cNvSpPr>
-            <a:spLocks noGrp="1"/>
-          </p:cNvSpPr>
-          <p:nvPr>
-            <p:ph type="body" sz="quarter" idx="10"/>
-          </p:nvPr>
-        </p:nvSpPr>
-        <p:spPr>
-          <a:xfrm>
-            <a:off x="228600" y="1143000"/>
-            <a:ext cx="8686800" cy="457200"/>
-          </a:xfrm>
-        </p:spPr>
-        <p:txBody>
-          <a:bodyPr/>
-          <a:lstStyle/>
-          <a:p>
-            <a:pPr eaLnBrk="1" hangingPunct="1">
-              <a:buNone/>
-            </a:pPr>
-            <a:r>
-              <a:rPr lang="en-US" dirty="0" smtClean="0"/>
-              <a:t>Example App: A Better Structure</a:t>
-            </a:r>
-          </a:p>
-          <a:p>
-            <a:pPr eaLnBrk="1" hangingPunct="1">
-              <a:buNone/>
-            </a:pPr>
-            <a:endParaRPr lang="en-US" dirty="0" smtClean="0"/>
-          </a:p>
-          <a:p>
-            <a:pPr eaLnBrk="1" hangingPunct="1">
-              <a:buNone/>
-            </a:pPr>
-            <a:endParaRPr lang="en-US" dirty="0" smtClean="0"/>
-          </a:p>
-          <a:p>
-            <a:pPr eaLnBrk="1" hangingPunct="1">
-              <a:buNone/>
-            </a:pPr>
-            <a:endParaRPr lang="en-US" dirty="0" smtClean="0"/>
-          </a:p>
-          <a:p>
-            <a:pPr eaLnBrk="1" hangingPunct="1">
-              <a:buNone/>
-            </a:pPr>
-            <a:endParaRPr lang="en-US" dirty="0" smtClean="0"/>
-          </a:p>
-        </p:txBody>
-      </p:sp>
-      <p:grpSp>
-        <p:nvGrpSpPr>
-          <p:cNvPr id="30" name="Group 29"/>
-          <p:cNvGrpSpPr/>
-          <p:nvPr/>
-        </p:nvGrpSpPr>
-        <p:grpSpPr>
-          <a:xfrm>
-            <a:off x="2743200" y="2133600"/>
-            <a:ext cx="3657600" cy="3657600"/>
-            <a:chOff x="2743200" y="2362200"/>
-            <a:chExt cx="3657600" cy="3657600"/>
-          </a:xfrm>
-          <a:scene3d>
-            <a:camera prst="perspectiveAbove"/>
-            <a:lightRig rig="threePt" dir="t"/>
-          </a:scene3d>
-        </p:grpSpPr>
-        <p:sp>
-          <p:nvSpPr>
-            <p:cNvPr id="4" name="Rectangle 3"/>
-            <p:cNvSpPr/>
-            <p:nvPr/>
-          </p:nvSpPr>
-          <p:spPr>
-            <a:xfrm>
-              <a:off x="3733800" y="2362200"/>
-              <a:ext cx="1676400" cy="990600"/>
-            </a:xfrm>
-            <a:prstGeom prst="rect">
-              <a:avLst/>
-            </a:prstGeom>
-          </p:spPr>
-          <p:style>
-            <a:lnRef idx="1">
-              <a:schemeClr val="accent1"/>
-            </a:lnRef>
-            <a:fillRef idx="3">
-              <a:schemeClr val="accent1"/>
-            </a:fillRef>
-            <a:effectRef idx="2">
-              <a:schemeClr val="accent1"/>
-            </a:effectRef>
-            <a:fontRef idx="minor">
-              <a:schemeClr val="lt1"/>
-            </a:fontRef>
-          </p:style>
-          <p:txBody>
-            <a:bodyPr rtlCol="0" anchor="ctr"/>
-            <a:lstStyle/>
-            <a:p>
-              <a:pPr algn="ctr"/>
-              <a:r>
-                <a:rPr lang="en-US" dirty="0" smtClean="0"/>
-                <a:t>Email Sender</a:t>
-              </a:r>
-              <a:endParaRPr lang="en-US" dirty="0"/>
-            </a:p>
-          </p:txBody>
-        </p:sp>
-        <p:sp>
-          <p:nvSpPr>
-            <p:cNvPr id="5" name="Snip Single Corner Rectangle 4"/>
-            <p:cNvSpPr/>
-            <p:nvPr/>
-          </p:nvSpPr>
-          <p:spPr>
-            <a:xfrm>
-              <a:off x="2743200" y="5029200"/>
-              <a:ext cx="1676400" cy="990600"/>
-            </a:xfrm>
-            <a:prstGeom prst="snip1Rect">
-              <a:avLst/>
-            </a:prstGeom>
-          </p:spPr>
-          <p:style>
-            <a:lnRef idx="1">
-              <a:schemeClr val="accent1"/>
-            </a:lnRef>
-            <a:fillRef idx="3">
-              <a:schemeClr val="accent1"/>
-            </a:fillRef>
-            <a:effectRef idx="2">
-              <a:schemeClr val="accent1"/>
-            </a:effectRef>
-            <a:fontRef idx="minor">
-              <a:schemeClr val="lt1"/>
-            </a:fontRef>
-          </p:style>
-          <p:txBody>
-            <a:bodyPr rtlCol="0" anchor="ctr"/>
-            <a:lstStyle/>
-            <a:p>
-              <a:pPr algn="ctr"/>
-              <a:r>
-                <a:rPr lang="en-US" dirty="0" smtClean="0"/>
-                <a:t>Flat File</a:t>
-              </a:r>
-              <a:endParaRPr lang="en-US" dirty="0"/>
-            </a:p>
-          </p:txBody>
-        </p:sp>
-        <p:sp>
-          <p:nvSpPr>
-            <p:cNvPr id="8" name="Snip Single Corner Rectangle 7"/>
-            <p:cNvSpPr/>
-            <p:nvPr/>
-          </p:nvSpPr>
-          <p:spPr>
-            <a:xfrm>
-              <a:off x="4724400" y="5029200"/>
-              <a:ext cx="1676400" cy="990600"/>
-            </a:xfrm>
-            <a:prstGeom prst="snip1Rect">
-              <a:avLst/>
-            </a:prstGeom>
-          </p:spPr>
-          <p:style>
-            <a:lnRef idx="1">
-              <a:schemeClr val="accent1"/>
-            </a:lnRef>
-            <a:fillRef idx="3">
-              <a:schemeClr val="accent1"/>
-            </a:fillRef>
-            <a:effectRef idx="2">
-              <a:schemeClr val="accent1"/>
-            </a:effectRef>
-            <a:fontRef idx="minor">
-              <a:schemeClr val="lt1"/>
-            </a:fontRef>
-          </p:style>
-          <p:txBody>
-            <a:bodyPr rtlCol="0" anchor="ctr"/>
-            <a:lstStyle/>
-            <a:p>
-              <a:pPr algn="ctr"/>
-              <a:r>
-                <a:rPr lang="en-US" dirty="0" smtClean="0"/>
-                <a:t>XML File</a:t>
-              </a:r>
-              <a:endParaRPr lang="en-US" dirty="0"/>
-            </a:p>
-          </p:txBody>
-        </p:sp>
-        <p:cxnSp>
-          <p:nvCxnSpPr>
-            <p:cNvPr id="15" name="Elbow Connector 14"/>
-            <p:cNvCxnSpPr>
-              <a:stCxn id="5" idx="3"/>
-              <a:endCxn id="13" idx="2"/>
-            </p:cNvCxnSpPr>
-            <p:nvPr/>
-          </p:nvCxnSpPr>
-          <p:spPr>
-            <a:xfrm rot="5400000" flipH="1" flipV="1">
-              <a:off x="3886200" y="4343400"/>
-              <a:ext cx="381000" cy="990600"/>
-            </a:xfrm>
-            <a:prstGeom prst="bentConnector3">
-              <a:avLst>
-                <a:gd name="adj1" fmla="val 50000"/>
-              </a:avLst>
-            </a:prstGeom>
-            <a:ln>
-              <a:tailEnd type="arrow"/>
-            </a:ln>
-          </p:spPr>
-          <p:style>
-            <a:lnRef idx="1">
-              <a:schemeClr val="accent1"/>
-            </a:lnRef>
-            <a:fillRef idx="3">
-              <a:schemeClr val="accent1"/>
-            </a:fillRef>
-            <a:effectRef idx="2">
-              <a:schemeClr val="accent1"/>
-            </a:effectRef>
-            <a:fontRef idx="minor">
-              <a:schemeClr val="lt1"/>
-            </a:fontRef>
-          </p:style>
-        </p:cxnSp>
-        <p:cxnSp>
-          <p:nvCxnSpPr>
-            <p:cNvPr id="16" name="Elbow Connector 15"/>
-            <p:cNvCxnSpPr>
-              <a:stCxn id="8" idx="3"/>
-              <a:endCxn id="13" idx="2"/>
-            </p:cNvCxnSpPr>
-            <p:nvPr/>
-          </p:nvCxnSpPr>
-          <p:spPr>
-            <a:xfrm rot="16200000" flipV="1">
-              <a:off x="4876800" y="4343400"/>
-              <a:ext cx="381000" cy="990600"/>
-            </a:xfrm>
-            <a:prstGeom prst="bentConnector3">
-              <a:avLst>
-                <a:gd name="adj1" fmla="val 50000"/>
-              </a:avLst>
-            </a:prstGeom>
-            <a:ln>
-              <a:tailEnd type="arrow"/>
-            </a:ln>
-          </p:spPr>
-          <p:style>
-            <a:lnRef idx="1">
-              <a:schemeClr val="accent1"/>
-            </a:lnRef>
-            <a:fillRef idx="3">
-              <a:schemeClr val="accent1"/>
-            </a:fillRef>
-            <a:effectRef idx="2">
-              <a:schemeClr val="accent1"/>
-            </a:effectRef>
-            <a:fontRef idx="minor">
-              <a:schemeClr val="lt1"/>
-            </a:fontRef>
-          </p:style>
-        </p:cxnSp>
-        <p:sp>
-          <p:nvSpPr>
-            <p:cNvPr id="13" name="Rectangle 12"/>
-            <p:cNvSpPr/>
-            <p:nvPr/>
-          </p:nvSpPr>
-          <p:spPr>
-            <a:xfrm>
-              <a:off x="3733800" y="3657600"/>
-              <a:ext cx="1676400" cy="990600"/>
-            </a:xfrm>
-            <a:prstGeom prst="rect">
-              <a:avLst/>
-            </a:prstGeom>
-          </p:spPr>
-          <p:style>
-            <a:lnRef idx="1">
-              <a:schemeClr val="accent2"/>
-            </a:lnRef>
-            <a:fillRef idx="3">
-              <a:schemeClr val="accent2"/>
-            </a:fillRef>
-            <a:effectRef idx="2">
-              <a:schemeClr val="accent2"/>
-            </a:effectRef>
-            <a:fontRef idx="minor">
-              <a:schemeClr val="lt1"/>
-            </a:fontRef>
-          </p:style>
-          <p:txBody>
-            <a:bodyPr rtlCol="0" anchor="ctr"/>
-            <a:lstStyle/>
-            <a:p>
-              <a:pPr algn="ctr"/>
-              <a:r>
-                <a:rPr lang="en-US" dirty="0" smtClean="0"/>
-                <a:t>Format Reader</a:t>
-              </a:r>
-              <a:endParaRPr lang="en-US" dirty="0"/>
-            </a:p>
-          </p:txBody>
-        </p:sp>
-        <p:cxnSp>
-          <p:nvCxnSpPr>
-            <p:cNvPr id="19" name="Elbow Connector 18"/>
-            <p:cNvCxnSpPr>
-              <a:stCxn id="13" idx="0"/>
-              <a:endCxn id="4" idx="2"/>
-            </p:cNvCxnSpPr>
-            <p:nvPr/>
-          </p:nvCxnSpPr>
-          <p:spPr>
-            <a:xfrm rot="5400000" flipH="1" flipV="1">
-              <a:off x="4419600" y="3505200"/>
-              <a:ext cx="304800" cy="1588"/>
-            </a:xfrm>
-            <a:prstGeom prst="bentConnector3">
-              <a:avLst>
-                <a:gd name="adj1" fmla="val 50000"/>
-              </a:avLst>
-            </a:prstGeom>
-            <a:ln>
-              <a:tailEnd type="arrow"/>
-            </a:ln>
-          </p:spPr>
-          <p:style>
-            <a:lnRef idx="1">
-              <a:schemeClr val="accent1"/>
-            </a:lnRef>
-            <a:fillRef idx="3">
-              <a:schemeClr val="accent1"/>
-            </a:fillRef>
-            <a:effectRef idx="2">
-              <a:schemeClr val="accent1"/>
-            </a:effectRef>
-            <a:fontRef idx="minor">
-              <a:schemeClr val="lt1"/>
-            </a:fontRef>
-          </p:style>
-        </p:cxnSp>
-      </p:grpSp>
-    </p:spTree>
-  </p:cSld>
-  <p:clrMapOvr>
-    <a:masterClrMapping/>
-  </p:clrMapOvr>
-  <p:timing>
-    <p:tnLst>
-      <p:par>
-        <p:cTn id="1" dur="indefinite" restart="never" nodeType="tmRoot"/>
-      </p:par>
-    </p:tnLst>
-  </p:timing>
-</p:sld>
-</file>
-
-<file path=ppt/slides/slide11.xml><?xml version="1.0" encoding="utf-8"?>
-<p:sld xmlns:a="http://schemas.openxmlformats.org/drawingml/2006/main" xmlns:r="http://schemas.openxmlformats.org/officeDocument/2006/relationships" xmlns:p="http://schemas.openxmlformats.org/presentationml/2006/main">
-  <p:cSld>
-    <p:spTree>
-      <p:nvGrpSpPr>
-        <p:cNvPr id="1" name=""/>
-        <p:cNvGrpSpPr/>
-        <p:nvPr/>
-      </p:nvGrpSpPr>
-      <p:grpSpPr>
-        <a:xfrm>
-          <a:off x="0" y="0"/>
-          <a:ext cx="0" cy="0"/>
-          <a:chOff x="0" y="0"/>
-          <a:chExt cx="0" cy="0"/>
-        </a:xfrm>
-      </p:grpSpPr>
-      <p:sp>
-        <p:nvSpPr>
-          <p:cNvPr id="4" name="Rectangle 3"/>
-          <p:cNvSpPr/>
-          <p:nvPr/>
-        </p:nvSpPr>
-        <p:spPr>
-          <a:xfrm>
-            <a:off x="0" y="0"/>
-            <a:ext cx="9144000" cy="4648200"/>
-          </a:xfrm>
-          <a:prstGeom prst="rect">
-            <a:avLst/>
-          </a:prstGeom>
-          <a:solidFill>
-            <a:srgbClr val="0069AA"/>
-          </a:solidFill>
-          <a:ln>
-            <a:noFill/>
-          </a:ln>
-        </p:spPr>
-        <p:style>
-          <a:lnRef idx="2">
-            <a:schemeClr val="accent1">
-              <a:shade val="50000"/>
-            </a:schemeClr>
-          </a:lnRef>
-          <a:fillRef idx="1">
-            <a:schemeClr val="accent1"/>
-          </a:fillRef>
-          <a:effectRef idx="0">
-            <a:schemeClr val="accent1"/>
-          </a:effectRef>
-          <a:fontRef idx="minor">
-            <a:schemeClr val="lt1"/>
-          </a:fontRef>
-        </p:style>
-        <p:txBody>
-          <a:bodyPr anchor="ctr"/>
-          <a:lstStyle/>
-          <a:p>
-            <a:pPr algn="ctr">
-              <a:defRPr/>
-            </a:pPr>
-            <a:endParaRPr lang="en-US"/>
-          </a:p>
-        </p:txBody>
-      </p:sp>
-      <p:pic>
-        <p:nvPicPr>
-          <p:cNvPr id="4099" name="Picture 4" descr="MAT logo 1 CMYK"/>
-          <p:cNvPicPr>
-            <a:picLocks noChangeAspect="1" noChangeArrowheads="1"/>
-          </p:cNvPicPr>
-          <p:nvPr/>
-        </p:nvPicPr>
-        <p:blipFill>
-          <a:blip r:embed="rId2">
-            <a:clrChange>
-              <a:clrFrom>
-                <a:srgbClr val="FDFDFD"/>
-              </a:clrFrom>
-              <a:clrTo>
-                <a:srgbClr val="FDFDFD">
-                  <a:alpha val="0"/>
-                </a:srgbClr>
-              </a:clrTo>
-            </a:clrChange>
-          </a:blip>
-          <a:srcRect/>
-          <a:stretch>
-            <a:fillRect/>
-          </a:stretch>
-        </p:blipFill>
-        <p:spPr bwMode="auto">
-          <a:xfrm>
-            <a:off x="2971800" y="4800600"/>
-            <a:ext cx="2819400" cy="1338263"/>
-          </a:xfrm>
-          <a:prstGeom prst="rect">
-            <a:avLst/>
-          </a:prstGeom>
-          <a:noFill/>
-          <a:ln w="9525">
-            <a:noFill/>
-            <a:miter lim="800000"/>
-            <a:headEnd/>
-            <a:tailEnd/>
-          </a:ln>
-        </p:spPr>
-      </p:pic>
-      <p:sp>
-        <p:nvSpPr>
-          <p:cNvPr id="5" name="Rectangle 4"/>
-          <p:cNvSpPr/>
-          <p:nvPr/>
-        </p:nvSpPr>
-        <p:spPr>
-          <a:xfrm>
-            <a:off x="0" y="4724400"/>
-            <a:ext cx="9144000" cy="2133600"/>
-          </a:xfrm>
-          <a:prstGeom prst="rect">
-            <a:avLst/>
-          </a:prstGeom>
-          <a:solidFill>
-            <a:srgbClr val="E31937"/>
-          </a:solidFill>
-          <a:ln>
-            <a:noFill/>
-          </a:ln>
-        </p:spPr>
-        <p:style>
-          <a:lnRef idx="2">
-            <a:schemeClr val="accent1">
-              <a:shade val="50000"/>
-            </a:schemeClr>
-          </a:lnRef>
-          <a:fillRef idx="1">
-            <a:schemeClr val="accent1"/>
-          </a:fillRef>
-          <a:effectRef idx="0">
-            <a:schemeClr val="accent1"/>
-          </a:effectRef>
-          <a:fontRef idx="minor">
-            <a:schemeClr val="lt1"/>
-          </a:fontRef>
-        </p:style>
-        <p:txBody>
-          <a:bodyPr anchor="ctr"/>
-          <a:lstStyle/>
-          <a:p>
-            <a:pPr algn="ctr">
-              <a:defRPr/>
-            </a:pPr>
-            <a:endParaRPr lang="en-US"/>
-          </a:p>
-        </p:txBody>
-      </p:sp>
-      <p:sp>
-        <p:nvSpPr>
-          <p:cNvPr id="10" name="Rectangle 9"/>
-          <p:cNvSpPr/>
-          <p:nvPr/>
-        </p:nvSpPr>
-        <p:spPr bwMode="auto">
-          <a:xfrm>
-            <a:off x="228600" y="0"/>
-            <a:ext cx="104775" cy="2325688"/>
-          </a:xfrm>
-          <a:prstGeom prst="rect">
-            <a:avLst/>
-          </a:prstGeom>
-          <a:solidFill>
-            <a:srgbClr val="E31937"/>
-          </a:solidFill>
-          <a:ln>
-            <a:noFill/>
-          </a:ln>
-        </p:spPr>
-        <p:style>
-          <a:lnRef idx="2">
-            <a:schemeClr val="accent1">
-              <a:shade val="50000"/>
-            </a:schemeClr>
-          </a:lnRef>
-          <a:fillRef idx="1">
-            <a:schemeClr val="accent1"/>
-          </a:fillRef>
-          <a:effectRef idx="0">
-            <a:schemeClr val="accent1"/>
-          </a:effectRef>
-          <a:fontRef idx="minor">
-            <a:schemeClr val="lt1"/>
-          </a:fontRef>
-        </p:style>
-        <p:txBody>
-          <a:bodyPr anchor="ctr"/>
-          <a:lstStyle/>
-          <a:p>
-            <a:pPr algn="ctr">
-              <a:defRPr/>
-            </a:pPr>
-            <a:endParaRPr lang="en-US"/>
-          </a:p>
-        </p:txBody>
-      </p:sp>
-      <p:pic>
-        <p:nvPicPr>
-          <p:cNvPr id="4103" name="Picture 7" descr="MAT logo vertical_red.emf"/>
-          <p:cNvPicPr>
-            <a:picLocks noChangeAspect="1"/>
-          </p:cNvPicPr>
-          <p:nvPr/>
-        </p:nvPicPr>
-        <p:blipFill>
-          <a:blip r:embed="rId3"/>
-          <a:srcRect/>
-          <a:stretch>
-            <a:fillRect/>
-          </a:stretch>
-        </p:blipFill>
-        <p:spPr bwMode="auto">
-          <a:xfrm>
-            <a:off x="3600450" y="5334000"/>
-            <a:ext cx="1981200" cy="969963"/>
-          </a:xfrm>
-          <a:prstGeom prst="rect">
-            <a:avLst/>
-          </a:prstGeom>
-          <a:noFill/>
-          <a:ln w="9525">
-            <a:noFill/>
-            <a:miter lim="800000"/>
-            <a:headEnd/>
-            <a:tailEnd/>
-          </a:ln>
-        </p:spPr>
-      </p:pic>
-      <p:sp>
-        <p:nvSpPr>
-          <p:cNvPr id="8" name="TextBox 7"/>
-          <p:cNvSpPr txBox="1"/>
-          <p:nvPr/>
-        </p:nvSpPr>
-        <p:spPr>
-          <a:xfrm>
-            <a:off x="381000" y="1447800"/>
-            <a:ext cx="8610600" cy="646331"/>
-          </a:xfrm>
-          <a:prstGeom prst="rect">
-            <a:avLst/>
-          </a:prstGeom>
-          <a:noFill/>
-        </p:spPr>
-        <p:txBody>
-          <a:bodyPr>
-            <a:spAutoFit/>
-          </a:bodyPr>
-          <a:lstStyle/>
-          <a:p>
-            <a:pPr>
-              <a:defRPr/>
-            </a:pPr>
-            <a:r>
-              <a:rPr lang="en-US" sz="3600" spc="60" dirty="0" smtClean="0">
-                <a:solidFill>
-                  <a:schemeClr val="bg1"/>
-                </a:solidFill>
-                <a:latin typeface="Calibri" pitchFamily="34" charset="0"/>
-              </a:rPr>
-              <a:t>OCP: Open Closed Principle</a:t>
-            </a:r>
-            <a:endParaRPr lang="en-US" sz="3600" spc="60" dirty="0">
-              <a:solidFill>
-                <a:schemeClr val="bg1"/>
-              </a:solidFill>
-              <a:latin typeface="Calibri" pitchFamily="34" charset="0"/>
-            </a:endParaRPr>
-          </a:p>
-        </p:txBody>
-      </p:sp>
-      <p:sp>
-        <p:nvSpPr>
-          <p:cNvPr id="9" name="TextBox 8"/>
-          <p:cNvSpPr txBox="1"/>
-          <p:nvPr/>
-        </p:nvSpPr>
-        <p:spPr>
-          <a:xfrm>
-            <a:off x="381000" y="2057400"/>
-            <a:ext cx="7543800" cy="338554"/>
-          </a:xfrm>
-          <a:prstGeom prst="rect">
-            <a:avLst/>
-          </a:prstGeom>
-          <a:noFill/>
-        </p:spPr>
-        <p:txBody>
-          <a:bodyPr wrap="square">
-            <a:spAutoFit/>
-          </a:bodyPr>
-          <a:lstStyle/>
-          <a:p>
-            <a:pPr>
-              <a:defRPr/>
-            </a:pPr>
-            <a:r>
-              <a:rPr lang="en-US" sz="1600" dirty="0" smtClean="0">
-                <a:solidFill>
-                  <a:schemeClr val="bg1"/>
-                </a:solidFill>
-                <a:latin typeface="+mn-lt"/>
-              </a:rPr>
-              <a:t>Open For Extension, Closed For Modification</a:t>
-            </a:r>
-            <a:endParaRPr lang="en-US" sz="1600" dirty="0">
-              <a:solidFill>
-                <a:schemeClr val="bg1"/>
-              </a:solidFill>
-              <a:latin typeface="+mn-lt"/>
-            </a:endParaRPr>
-          </a:p>
-        </p:txBody>
-      </p:sp>
-    </p:spTree>
-  </p:cSld>
-  <p:clrMapOvr>
-    <a:masterClrMapping/>
-  </p:clrMapOvr>
-  <p:timing>
-    <p:tnLst>
-      <p:par>
-        <p:cTn id="1" dur="indefinite" restart="never" nodeType="tmRoot"/>
-      </p:par>
-    </p:tnLst>
-  </p:timing>
-</p:sld>
-</file>
-
-<file path=ppt/slides/slide12.xml><?xml version="1.0" encoding="utf-8"?>
-<p:sld xmlns:a="http://schemas.openxmlformats.org/drawingml/2006/main" xmlns:r="http://schemas.openxmlformats.org/officeDocument/2006/relationships" xmlns:p="http://schemas.openxmlformats.org/presentationml/2006/main">
-  <p:cSld>
-    <p:spTree>
-      <p:nvGrpSpPr>
-        <p:cNvPr id="1" name=""/>
-        <p:cNvGrpSpPr/>
-        <p:nvPr/>
-      </p:nvGrpSpPr>
-      <p:grpSpPr>
-        <a:xfrm>
-          <a:off x="0" y="0"/>
-          <a:ext cx="0" cy="0"/>
-          <a:chOff x="0" y="0"/>
-          <a:chExt cx="0" cy="0"/>
-        </a:xfrm>
-      </p:grpSpPr>
-      <p:sp>
-        <p:nvSpPr>
-          <p:cNvPr id="3074" name="Title 1"/>
-          <p:cNvSpPr>
-            <a:spLocks noGrp="1"/>
-          </p:cNvSpPr>
-          <p:nvPr>
-            <p:ph type="title"/>
-          </p:nvPr>
-        </p:nvSpPr>
-        <p:spPr bwMode="auto">
-          <a:noFill/>
-          <a:ln>
-            <a:miter lim="800000"/>
-            <a:headEnd/>
-            <a:tailEnd/>
-          </a:ln>
-        </p:spPr>
-        <p:txBody>
-          <a:bodyPr vert="horz" wrap="square" lIns="91440" tIns="45720" rIns="91440" bIns="45720" numCol="1" anchor="t" anchorCtr="0" compatLnSpc="1">
-            <a:prstTxWarp prst="textNoShape">
-              <a:avLst/>
-            </a:prstTxWarp>
-          </a:bodyPr>
-          <a:lstStyle/>
-          <a:p>
-            <a:pPr eaLnBrk="1" hangingPunct="1"/>
-            <a:r>
-              <a:rPr lang="en-US" dirty="0" smtClean="0"/>
-              <a:t>OCP: Open Closed Principle</a:t>
-            </a:r>
-          </a:p>
-        </p:txBody>
-      </p:sp>
-      <p:sp>
-        <p:nvSpPr>
-          <p:cNvPr id="3075" name="Text Placeholder 2"/>
-          <p:cNvSpPr>
-            <a:spLocks noGrp="1"/>
-          </p:cNvSpPr>
-          <p:nvPr>
-            <p:ph type="body" sz="quarter" idx="10"/>
-          </p:nvPr>
-        </p:nvSpPr>
-        <p:spPr/>
-        <p:txBody>
-          <a:bodyPr/>
-          <a:lstStyle/>
-          <a:p>
-            <a:pPr marL="0" indent="0" eaLnBrk="1" hangingPunct="1">
-              <a:buNone/>
-            </a:pPr>
-            <a:r>
-              <a:rPr lang="en-US" sz="2000" i="1" dirty="0" smtClean="0"/>
-              <a:t>Modules that conform to the open-closed principle have two primary attributes.</a:t>
-            </a:r>
-          </a:p>
-          <a:p>
-            <a:pPr marL="0" indent="0" eaLnBrk="1" hangingPunct="1">
-              <a:buNone/>
-            </a:pPr>
-            <a:endParaRPr lang="en-US" sz="2000" i="1" dirty="0" smtClean="0"/>
-          </a:p>
-          <a:p>
-            <a:pPr marL="457200" indent="-457200">
-              <a:buFont typeface="+mj-lt"/>
-              <a:buAutoNum type="arabicPeriod"/>
-            </a:pPr>
-            <a:r>
-              <a:rPr lang="en-US" sz="2000" i="1" dirty="0" smtClean="0"/>
-              <a:t>They are “Open For Extension”. </a:t>
-            </a:r>
-            <a:br>
-              <a:rPr lang="en-US" sz="2000" i="1" dirty="0" smtClean="0"/>
-            </a:br>
-            <a:r>
-              <a:rPr lang="en-US" sz="2000" i="1" dirty="0" smtClean="0"/>
-              <a:t>This means that the behavior of the module can be extended. That we can make the module behave in new and different ways as the requirements of the application change, or to meet the needs of new applications.</a:t>
-            </a:r>
-            <a:br>
-              <a:rPr lang="en-US" sz="2000" i="1" dirty="0" smtClean="0"/>
-            </a:br>
-            <a:endParaRPr lang="en-US" sz="2000" i="1" dirty="0" smtClean="0"/>
-          </a:p>
-          <a:p>
-            <a:pPr marL="457200" indent="-457200">
-              <a:buFont typeface="+mj-lt"/>
-              <a:buAutoNum type="arabicPeriod"/>
-            </a:pPr>
-            <a:r>
-              <a:rPr lang="en-US" sz="2000" i="1" dirty="0" smtClean="0"/>
-              <a:t>They are “Closed for Modification”.</a:t>
-            </a:r>
-            <a:br>
-              <a:rPr lang="en-US" sz="2000" i="1" dirty="0" smtClean="0"/>
-            </a:br>
-            <a:r>
-              <a:rPr lang="en-US" sz="2000" i="1" dirty="0" smtClean="0"/>
-              <a:t>The source code of such a module is inviolate. No one is allowed to make source code changes to it.</a:t>
-            </a:r>
-          </a:p>
-          <a:p>
-            <a:pPr marL="457200" indent="-457200">
-              <a:buNone/>
-            </a:pPr>
-            <a:endParaRPr lang="en-US" sz="2000" dirty="0" smtClean="0"/>
-          </a:p>
-          <a:p>
-            <a:pPr marL="857250" lvl="1" indent="-457200">
-              <a:buNone/>
-            </a:pPr>
-            <a:r>
-              <a:rPr lang="en-US" sz="2000" dirty="0" smtClean="0"/>
-              <a:t>- Robert C. Martin</a:t>
-            </a:r>
-          </a:p>
-        </p:txBody>
-      </p:sp>
-    </p:spTree>
-  </p:cSld>
-  <p:clrMapOvr>
-    <a:masterClrMapping/>
-  </p:clrMapOvr>
-  <p:timing>
-    <p:tnLst>
-      <p:par>
-        <p:cTn id="1" dur="indefinite" restart="never" nodeType="tmRoot"/>
-      </p:par>
-    </p:tnLst>
-  </p:timing>
-</p:sld>
-</file>
-
-<file path=ppt/slides/slide13.xml><?xml version="1.0" encoding="utf-8"?>
-<p:sld xmlns:a="http://schemas.openxmlformats.org/drawingml/2006/main" xmlns:r="http://schemas.openxmlformats.org/officeDocument/2006/relationships" xmlns:p="http://schemas.openxmlformats.org/presentationml/2006/main">
-  <p:cSld>
-    <p:spTree>
-      <p:nvGrpSpPr>
-        <p:cNvPr id="1" name=""/>
-        <p:cNvGrpSpPr/>
-        <p:nvPr/>
-      </p:nvGrpSpPr>
-      <p:grpSpPr>
-        <a:xfrm>
-          <a:off x="0" y="0"/>
-          <a:ext cx="0" cy="0"/>
-          <a:chOff x="0" y="0"/>
-          <a:chExt cx="0" cy="0"/>
-        </a:xfrm>
-      </p:grpSpPr>
-      <p:sp>
-        <p:nvSpPr>
-          <p:cNvPr id="3074" name="Title 1"/>
-          <p:cNvSpPr>
-            <a:spLocks noGrp="1"/>
-          </p:cNvSpPr>
-          <p:nvPr>
-            <p:ph type="title"/>
-          </p:nvPr>
-        </p:nvSpPr>
-        <p:spPr bwMode="auto">
-          <a:noFill/>
-          <a:ln>
-            <a:miter lim="800000"/>
-            <a:headEnd/>
-            <a:tailEnd/>
-          </a:ln>
-        </p:spPr>
-        <p:txBody>
-          <a:bodyPr vert="horz" wrap="square" lIns="91440" tIns="45720" rIns="91440" bIns="45720" numCol="1" anchor="t" anchorCtr="0" compatLnSpc="1">
-            <a:prstTxWarp prst="textNoShape">
-              <a:avLst/>
-            </a:prstTxWarp>
-          </a:bodyPr>
-          <a:lstStyle/>
-          <a:p>
-            <a:pPr eaLnBrk="1" hangingPunct="1"/>
-            <a:r>
-              <a:rPr lang="en-US" dirty="0" smtClean="0"/>
-              <a:t>OCP: Open Closed Principle</a:t>
-            </a:r>
-          </a:p>
-        </p:txBody>
-      </p:sp>
-      <p:sp>
-        <p:nvSpPr>
-          <p:cNvPr id="3075" name="Text Placeholder 2"/>
-          <p:cNvSpPr>
-            <a:spLocks noGrp="1"/>
-          </p:cNvSpPr>
-          <p:nvPr>
-            <p:ph type="body" sz="quarter" idx="10"/>
-          </p:nvPr>
-        </p:nvSpPr>
-        <p:spPr/>
-        <p:txBody>
-          <a:bodyPr/>
-          <a:lstStyle/>
-          <a:p>
-            <a:pPr eaLnBrk="1" hangingPunct="1">
-              <a:buNone/>
-            </a:pPr>
-            <a:r>
-              <a:rPr lang="en-US" dirty="0" smtClean="0"/>
-              <a:t>Example App: Restructuring For OCP</a:t>
-            </a:r>
-          </a:p>
-          <a:p>
-            <a:pPr eaLnBrk="1" hangingPunct="1">
-              <a:buNone/>
-            </a:pPr>
-            <a:endParaRPr lang="en-US" dirty="0" smtClean="0"/>
-          </a:p>
-        </p:txBody>
-      </p:sp>
-      <p:grpSp>
-        <p:nvGrpSpPr>
-          <p:cNvPr id="31" name="Group 30"/>
-          <p:cNvGrpSpPr/>
-          <p:nvPr/>
-        </p:nvGrpSpPr>
-        <p:grpSpPr>
-          <a:xfrm>
-            <a:off x="2286000" y="2057400"/>
-            <a:ext cx="4572000" cy="3657600"/>
-            <a:chOff x="2743200" y="2133600"/>
-            <a:chExt cx="4572000" cy="3657600"/>
-          </a:xfrm>
-          <a:scene3d>
-            <a:camera prst="perspectiveAbove"/>
-            <a:lightRig rig="threePt" dir="t"/>
-          </a:scene3d>
-        </p:grpSpPr>
-        <p:sp>
-          <p:nvSpPr>
-            <p:cNvPr id="5" name="Rectangle 4"/>
-            <p:cNvSpPr/>
-            <p:nvPr/>
-          </p:nvSpPr>
-          <p:spPr>
-            <a:xfrm>
-              <a:off x="5638800" y="2133600"/>
-              <a:ext cx="1676400" cy="990600"/>
-            </a:xfrm>
-            <a:prstGeom prst="rect">
-              <a:avLst/>
-            </a:prstGeom>
-          </p:spPr>
-          <p:style>
-            <a:lnRef idx="1">
-              <a:schemeClr val="accent1"/>
-            </a:lnRef>
-            <a:fillRef idx="3">
-              <a:schemeClr val="accent1"/>
-            </a:fillRef>
-            <a:effectRef idx="2">
-              <a:schemeClr val="accent1"/>
-            </a:effectRef>
-            <a:fontRef idx="minor">
-              <a:schemeClr val="lt1"/>
-            </a:fontRef>
-          </p:style>
-          <p:txBody>
-            <a:bodyPr rtlCol="0" anchor="ctr"/>
-            <a:lstStyle/>
-            <a:p>
-              <a:pPr algn="ctr"/>
-              <a:r>
-                <a:rPr lang="en-US" dirty="0" smtClean="0"/>
-                <a:t>Email Sender</a:t>
-              </a:r>
-              <a:endParaRPr lang="en-US" dirty="0"/>
-            </a:p>
-          </p:txBody>
-        </p:sp>
-        <p:sp>
-          <p:nvSpPr>
-            <p:cNvPr id="6" name="Snip Single Corner Rectangle 5"/>
-            <p:cNvSpPr/>
-            <p:nvPr/>
-          </p:nvSpPr>
-          <p:spPr>
-            <a:xfrm>
-              <a:off x="2743200" y="4800600"/>
-              <a:ext cx="1676400" cy="990600"/>
-            </a:xfrm>
-            <a:prstGeom prst="snip1Rect">
-              <a:avLst/>
-            </a:prstGeom>
-          </p:spPr>
-          <p:style>
-            <a:lnRef idx="1">
-              <a:schemeClr val="accent1"/>
-            </a:lnRef>
-            <a:fillRef idx="3">
-              <a:schemeClr val="accent1"/>
-            </a:fillRef>
-            <a:effectRef idx="2">
-              <a:schemeClr val="accent1"/>
-            </a:effectRef>
-            <a:fontRef idx="minor">
-              <a:schemeClr val="lt1"/>
-            </a:fontRef>
-          </p:style>
-          <p:txBody>
-            <a:bodyPr rtlCol="0" anchor="ctr"/>
-            <a:lstStyle/>
-            <a:p>
-              <a:pPr algn="ctr"/>
-              <a:r>
-                <a:rPr lang="en-US" dirty="0" smtClean="0"/>
-                <a:t>Flat File</a:t>
-              </a:r>
-              <a:endParaRPr lang="en-US" dirty="0"/>
-            </a:p>
-          </p:txBody>
-        </p:sp>
-        <p:sp>
-          <p:nvSpPr>
-            <p:cNvPr id="7" name="Snip Single Corner Rectangle 6"/>
-            <p:cNvSpPr/>
-            <p:nvPr/>
-          </p:nvSpPr>
-          <p:spPr>
-            <a:xfrm>
-              <a:off x="4724400" y="4800600"/>
-              <a:ext cx="1676400" cy="990600"/>
-            </a:xfrm>
-            <a:prstGeom prst="snip1Rect">
-              <a:avLst/>
-            </a:prstGeom>
-          </p:spPr>
-          <p:style>
-            <a:lnRef idx="1">
-              <a:schemeClr val="accent1"/>
-            </a:lnRef>
-            <a:fillRef idx="3">
-              <a:schemeClr val="accent1"/>
-            </a:fillRef>
-            <a:effectRef idx="2">
-              <a:schemeClr val="accent1"/>
-            </a:effectRef>
-            <a:fontRef idx="minor">
-              <a:schemeClr val="lt1"/>
-            </a:fontRef>
-          </p:style>
-          <p:txBody>
-            <a:bodyPr rtlCol="0" anchor="ctr"/>
-            <a:lstStyle/>
-            <a:p>
-              <a:pPr algn="ctr"/>
-              <a:r>
-                <a:rPr lang="en-US" dirty="0" smtClean="0"/>
-                <a:t>XML File</a:t>
-              </a:r>
-              <a:endParaRPr lang="en-US" dirty="0"/>
-            </a:p>
-          </p:txBody>
-        </p:sp>
-        <p:cxnSp>
-          <p:nvCxnSpPr>
-            <p:cNvPr id="8" name="Elbow Connector 7"/>
-            <p:cNvCxnSpPr>
-              <a:stCxn id="6" idx="3"/>
-              <a:endCxn id="10" idx="2"/>
-            </p:cNvCxnSpPr>
-            <p:nvPr/>
-          </p:nvCxnSpPr>
-          <p:spPr>
-            <a:xfrm rot="5400000" flipH="1" flipV="1">
-              <a:off x="3848100" y="4152900"/>
-              <a:ext cx="381000" cy="914400"/>
-            </a:xfrm>
-            <a:prstGeom prst="bentConnector3">
-              <a:avLst>
-                <a:gd name="adj1" fmla="val 50000"/>
-              </a:avLst>
-            </a:prstGeom>
-            <a:ln>
-              <a:tailEnd type="arrow"/>
-            </a:ln>
-          </p:spPr>
-          <p:style>
-            <a:lnRef idx="1">
-              <a:schemeClr val="accent1"/>
-            </a:lnRef>
-            <a:fillRef idx="3">
-              <a:schemeClr val="accent1"/>
-            </a:fillRef>
-            <a:effectRef idx="2">
-              <a:schemeClr val="accent1"/>
-            </a:effectRef>
-            <a:fontRef idx="minor">
-              <a:schemeClr val="lt1"/>
-            </a:fontRef>
-          </p:style>
-        </p:cxnSp>
-        <p:cxnSp>
-          <p:nvCxnSpPr>
-            <p:cNvPr id="9" name="Elbow Connector 8"/>
-            <p:cNvCxnSpPr>
-              <a:stCxn id="7" idx="3"/>
-              <a:endCxn id="10" idx="2"/>
-            </p:cNvCxnSpPr>
-            <p:nvPr/>
-          </p:nvCxnSpPr>
-          <p:spPr>
-            <a:xfrm rot="16200000" flipV="1">
-              <a:off x="4838700" y="4076700"/>
-              <a:ext cx="381000" cy="1066800"/>
-            </a:xfrm>
-            <a:prstGeom prst="bentConnector3">
-              <a:avLst>
-                <a:gd name="adj1" fmla="val 50000"/>
-              </a:avLst>
-            </a:prstGeom>
-            <a:ln>
-              <a:tailEnd type="arrow"/>
-            </a:ln>
-          </p:spPr>
-          <p:style>
-            <a:lnRef idx="1">
-              <a:schemeClr val="accent1"/>
-            </a:lnRef>
-            <a:fillRef idx="3">
-              <a:schemeClr val="accent1"/>
-            </a:fillRef>
-            <a:effectRef idx="2">
-              <a:schemeClr val="accent1"/>
-            </a:effectRef>
-            <a:fontRef idx="minor">
-              <a:schemeClr val="lt1"/>
-            </a:fontRef>
-          </p:style>
-        </p:cxnSp>
-        <p:sp>
-          <p:nvSpPr>
-            <p:cNvPr id="10" name="Rectangle 9"/>
-            <p:cNvSpPr/>
-            <p:nvPr/>
-          </p:nvSpPr>
-          <p:spPr>
-            <a:xfrm>
-              <a:off x="3657600" y="3429000"/>
-              <a:ext cx="1676400" cy="990600"/>
-            </a:xfrm>
-            <a:prstGeom prst="rect">
-              <a:avLst/>
-            </a:prstGeom>
-          </p:spPr>
-          <p:style>
-            <a:lnRef idx="1">
-              <a:schemeClr val="accent2"/>
-            </a:lnRef>
-            <a:fillRef idx="3">
-              <a:schemeClr val="accent2"/>
-            </a:fillRef>
-            <a:effectRef idx="2">
-              <a:schemeClr val="accent2"/>
-            </a:effectRef>
-            <a:fontRef idx="minor">
-              <a:schemeClr val="lt1"/>
-            </a:fontRef>
-          </p:style>
-          <p:txBody>
-            <a:bodyPr rtlCol="0" anchor="ctr"/>
-            <a:lstStyle/>
-            <a:p>
-              <a:pPr algn="ctr"/>
-              <a:r>
-                <a:rPr lang="en-US" dirty="0" err="1" smtClean="0"/>
-                <a:t>IFileFormat</a:t>
-              </a:r>
-              <a:r>
-                <a:rPr lang="en-US" dirty="0" smtClean="0"/>
-                <a:t> Reader</a:t>
-              </a:r>
-              <a:endParaRPr lang="en-US" dirty="0"/>
-            </a:p>
-          </p:txBody>
-        </p:sp>
-        <p:cxnSp>
-          <p:nvCxnSpPr>
-            <p:cNvPr id="11" name="Elbow Connector 10"/>
-            <p:cNvCxnSpPr>
-              <a:stCxn id="25" idx="3"/>
-              <a:endCxn id="5" idx="1"/>
-            </p:cNvCxnSpPr>
-            <p:nvPr/>
-          </p:nvCxnSpPr>
-          <p:spPr>
-            <a:xfrm>
-              <a:off x="5334000" y="2628900"/>
-              <a:ext cx="304800" cy="1588"/>
-            </a:xfrm>
-            <a:prstGeom prst="bentConnector3">
-              <a:avLst>
-                <a:gd name="adj1" fmla="val 50000"/>
-              </a:avLst>
-            </a:prstGeom>
-            <a:ln>
-              <a:tailEnd type="arrow"/>
-            </a:ln>
-          </p:spPr>
-          <p:style>
-            <a:lnRef idx="1">
-              <a:schemeClr val="accent1"/>
-            </a:lnRef>
-            <a:fillRef idx="3">
-              <a:schemeClr val="accent1"/>
-            </a:fillRef>
-            <a:effectRef idx="2">
-              <a:schemeClr val="accent1"/>
-            </a:effectRef>
-            <a:fontRef idx="minor">
-              <a:schemeClr val="lt1"/>
-            </a:fontRef>
-          </p:style>
-        </p:cxnSp>
-        <p:sp>
-          <p:nvSpPr>
-            <p:cNvPr id="25" name="Rectangle 24"/>
-            <p:cNvSpPr/>
-            <p:nvPr/>
-          </p:nvSpPr>
-          <p:spPr>
-            <a:xfrm>
-              <a:off x="3657600" y="2133600"/>
-              <a:ext cx="1676400" cy="990600"/>
-            </a:xfrm>
-            <a:prstGeom prst="rect">
-              <a:avLst/>
-            </a:prstGeom>
-          </p:spPr>
-          <p:style>
-            <a:lnRef idx="1">
-              <a:schemeClr val="accent1"/>
-            </a:lnRef>
-            <a:fillRef idx="3">
-              <a:schemeClr val="accent1"/>
-            </a:fillRef>
-            <a:effectRef idx="2">
-              <a:schemeClr val="accent1"/>
-            </a:effectRef>
-            <a:fontRef idx="minor">
-              <a:schemeClr val="lt1"/>
-            </a:fontRef>
-          </p:style>
-          <p:txBody>
-            <a:bodyPr rtlCol="0" anchor="ctr"/>
-            <a:lstStyle/>
-            <a:p>
-              <a:pPr algn="ctr"/>
-              <a:r>
-                <a:rPr lang="en-US" dirty="0" err="1" smtClean="0"/>
-                <a:t>FileReader</a:t>
-              </a:r>
-              <a:endParaRPr lang="en-US" dirty="0" smtClean="0"/>
-            </a:p>
-            <a:p>
-              <a:pPr algn="ctr"/>
-              <a:r>
-                <a:rPr lang="en-US" dirty="0" smtClean="0"/>
-                <a:t>Service</a:t>
-              </a:r>
-              <a:endParaRPr lang="en-US" dirty="0"/>
-            </a:p>
-          </p:txBody>
-        </p:sp>
-        <p:cxnSp>
-          <p:nvCxnSpPr>
-            <p:cNvPr id="27" name="Elbow Connector 26"/>
-            <p:cNvCxnSpPr>
-              <a:stCxn id="10" idx="0"/>
-              <a:endCxn id="25" idx="2"/>
-            </p:cNvCxnSpPr>
-            <p:nvPr/>
-          </p:nvCxnSpPr>
-          <p:spPr>
-            <a:xfrm rot="5400000" flipH="1" flipV="1">
-              <a:off x="4343400" y="3276600"/>
-              <a:ext cx="304800" cy="1588"/>
-            </a:xfrm>
-            <a:prstGeom prst="bentConnector3">
-              <a:avLst>
-                <a:gd name="adj1" fmla="val 50000"/>
-              </a:avLst>
-            </a:prstGeom>
-            <a:ln>
-              <a:tailEnd type="arrow"/>
-            </a:ln>
-          </p:spPr>
-          <p:style>
-            <a:lnRef idx="1">
-              <a:schemeClr val="accent1"/>
-            </a:lnRef>
-            <a:fillRef idx="3">
-              <a:schemeClr val="accent1"/>
-            </a:fillRef>
-            <a:effectRef idx="2">
-              <a:schemeClr val="accent1"/>
-            </a:effectRef>
-            <a:fontRef idx="minor">
-              <a:schemeClr val="lt1"/>
-            </a:fontRef>
-          </p:style>
-        </p:cxnSp>
-      </p:grpSp>
-    </p:spTree>
-  </p:cSld>
-  <p:clrMapOvr>
-    <a:masterClrMapping/>
-  </p:clrMapOvr>
-  <p:timing>
-    <p:tnLst>
-      <p:par>
-        <p:cTn id="1" dur="indefinite" restart="never" nodeType="tmRoot"/>
-      </p:par>
-    </p:tnLst>
-  </p:timing>
-</p:sld>
-</file>
-
-<file path=ppt/slides/slide14.xml><?xml version="1.0" encoding="utf-8"?>
-<p:sld xmlns:a="http://schemas.openxmlformats.org/drawingml/2006/main" xmlns:r="http://schemas.openxmlformats.org/officeDocument/2006/relationships" xmlns:p="http://schemas.openxmlformats.org/presentationml/2006/main">
-  <p:cSld>
-    <p:spTree>
-      <p:nvGrpSpPr>
-        <p:cNvPr id="1" name=""/>
-        <p:cNvGrpSpPr/>
-        <p:nvPr/>
-      </p:nvGrpSpPr>
-      <p:grpSpPr>
-        <a:xfrm>
-          <a:off x="0" y="0"/>
-          <a:ext cx="0" cy="0"/>
-          <a:chOff x="0" y="0"/>
-          <a:chExt cx="0" cy="0"/>
-        </a:xfrm>
-      </p:grpSpPr>
-      <p:sp>
-        <p:nvSpPr>
-          <p:cNvPr id="4" name="Rectangle 3"/>
-          <p:cNvSpPr/>
-          <p:nvPr/>
-        </p:nvSpPr>
-        <p:spPr>
-          <a:xfrm>
-            <a:off x="0" y="0"/>
-            <a:ext cx="9144000" cy="4648200"/>
-          </a:xfrm>
-          <a:prstGeom prst="rect">
-            <a:avLst/>
-          </a:prstGeom>
-          <a:solidFill>
-            <a:srgbClr val="0069AA"/>
-          </a:solidFill>
-          <a:ln>
-            <a:noFill/>
-          </a:ln>
-        </p:spPr>
-        <p:style>
-          <a:lnRef idx="2">
-            <a:schemeClr val="accent1">
-              <a:shade val="50000"/>
-            </a:schemeClr>
-          </a:lnRef>
-          <a:fillRef idx="1">
-            <a:schemeClr val="accent1"/>
-          </a:fillRef>
-          <a:effectRef idx="0">
-            <a:schemeClr val="accent1"/>
-          </a:effectRef>
-          <a:fontRef idx="minor">
-            <a:schemeClr val="lt1"/>
-          </a:fontRef>
-        </p:style>
-        <p:txBody>
-          <a:bodyPr anchor="ctr"/>
-          <a:lstStyle/>
-          <a:p>
-            <a:pPr algn="ctr">
-              <a:defRPr/>
-            </a:pPr>
-            <a:endParaRPr lang="en-US"/>
-          </a:p>
-        </p:txBody>
-      </p:sp>
-      <p:pic>
-        <p:nvPicPr>
-          <p:cNvPr id="4099" name="Picture 4" descr="MAT logo 1 CMYK"/>
-          <p:cNvPicPr>
-            <a:picLocks noChangeAspect="1" noChangeArrowheads="1"/>
-          </p:cNvPicPr>
-          <p:nvPr/>
-        </p:nvPicPr>
-        <p:blipFill>
-          <a:blip r:embed="rId2">
-            <a:clrChange>
-              <a:clrFrom>
-                <a:srgbClr val="FDFDFD"/>
-              </a:clrFrom>
-              <a:clrTo>
-                <a:srgbClr val="FDFDFD">
-                  <a:alpha val="0"/>
-                </a:srgbClr>
-              </a:clrTo>
-            </a:clrChange>
-          </a:blip>
-          <a:srcRect/>
-          <a:stretch>
-            <a:fillRect/>
-          </a:stretch>
-        </p:blipFill>
-        <p:spPr bwMode="auto">
-          <a:xfrm>
-            <a:off x="2971800" y="4800600"/>
-            <a:ext cx="2819400" cy="1338263"/>
-          </a:xfrm>
-          <a:prstGeom prst="rect">
-            <a:avLst/>
-          </a:prstGeom>
-          <a:noFill/>
-          <a:ln w="9525">
-            <a:noFill/>
-            <a:miter lim="800000"/>
-            <a:headEnd/>
-            <a:tailEnd/>
-          </a:ln>
-        </p:spPr>
-      </p:pic>
-      <p:sp>
-        <p:nvSpPr>
-          <p:cNvPr id="5" name="Rectangle 4"/>
-          <p:cNvSpPr/>
-          <p:nvPr/>
-        </p:nvSpPr>
-        <p:spPr>
-          <a:xfrm>
-            <a:off x="0" y="4724400"/>
-            <a:ext cx="9144000" cy="2133600"/>
-          </a:xfrm>
-          <a:prstGeom prst="rect">
-            <a:avLst/>
-          </a:prstGeom>
-          <a:solidFill>
-            <a:srgbClr val="E31937"/>
-          </a:solidFill>
-          <a:ln>
-            <a:noFill/>
-          </a:ln>
-        </p:spPr>
-        <p:style>
-          <a:lnRef idx="2">
-            <a:schemeClr val="accent1">
-              <a:shade val="50000"/>
-            </a:schemeClr>
-          </a:lnRef>
-          <a:fillRef idx="1">
-            <a:schemeClr val="accent1"/>
-          </a:fillRef>
-          <a:effectRef idx="0">
-            <a:schemeClr val="accent1"/>
-          </a:effectRef>
-          <a:fontRef idx="minor">
-            <a:schemeClr val="lt1"/>
-          </a:fontRef>
-        </p:style>
-        <p:txBody>
-          <a:bodyPr anchor="ctr"/>
-          <a:lstStyle/>
-          <a:p>
-            <a:pPr algn="ctr">
-              <a:defRPr/>
-            </a:pPr>
-            <a:endParaRPr lang="en-US"/>
-          </a:p>
-        </p:txBody>
-      </p:sp>
-      <p:sp>
-        <p:nvSpPr>
-          <p:cNvPr id="10" name="Rectangle 9"/>
-          <p:cNvSpPr/>
-          <p:nvPr/>
-        </p:nvSpPr>
-        <p:spPr bwMode="auto">
-          <a:xfrm>
-            <a:off x="228600" y="0"/>
-            <a:ext cx="104775" cy="2325688"/>
-          </a:xfrm>
-          <a:prstGeom prst="rect">
-            <a:avLst/>
-          </a:prstGeom>
-          <a:solidFill>
-            <a:srgbClr val="E31937"/>
-          </a:solidFill>
-          <a:ln>
-            <a:noFill/>
-          </a:ln>
-        </p:spPr>
-        <p:style>
-          <a:lnRef idx="2">
-            <a:schemeClr val="accent1">
-              <a:shade val="50000"/>
-            </a:schemeClr>
-          </a:lnRef>
-          <a:fillRef idx="1">
-            <a:schemeClr val="accent1"/>
-          </a:fillRef>
-          <a:effectRef idx="0">
-            <a:schemeClr val="accent1"/>
-          </a:effectRef>
-          <a:fontRef idx="minor">
-            <a:schemeClr val="lt1"/>
-          </a:fontRef>
-        </p:style>
-        <p:txBody>
-          <a:bodyPr anchor="ctr"/>
-          <a:lstStyle/>
-          <a:p>
-            <a:pPr algn="ctr">
-              <a:defRPr/>
-            </a:pPr>
-            <a:endParaRPr lang="en-US"/>
-          </a:p>
-        </p:txBody>
-      </p:sp>
-      <p:pic>
-        <p:nvPicPr>
-          <p:cNvPr id="4103" name="Picture 7" descr="MAT logo vertical_red.emf"/>
-          <p:cNvPicPr>
-            <a:picLocks noChangeAspect="1"/>
-          </p:cNvPicPr>
-          <p:nvPr/>
-        </p:nvPicPr>
-        <p:blipFill>
-          <a:blip r:embed="rId3"/>
-          <a:srcRect/>
-          <a:stretch>
-            <a:fillRect/>
-          </a:stretch>
-        </p:blipFill>
-        <p:spPr bwMode="auto">
-          <a:xfrm>
-            <a:off x="3600450" y="5334000"/>
-            <a:ext cx="1981200" cy="969963"/>
-          </a:xfrm>
-          <a:prstGeom prst="rect">
-            <a:avLst/>
-          </a:prstGeom>
-          <a:noFill/>
-          <a:ln w="9525">
-            <a:noFill/>
-            <a:miter lim="800000"/>
-            <a:headEnd/>
-            <a:tailEnd/>
-          </a:ln>
-        </p:spPr>
-      </p:pic>
-      <p:sp>
-        <p:nvSpPr>
-          <p:cNvPr id="8" name="TextBox 7"/>
-          <p:cNvSpPr txBox="1"/>
-          <p:nvPr/>
-        </p:nvSpPr>
-        <p:spPr>
-          <a:xfrm>
-            <a:off x="381000" y="1447800"/>
-            <a:ext cx="8610600" cy="646331"/>
-          </a:xfrm>
-          <a:prstGeom prst="rect">
-            <a:avLst/>
-          </a:prstGeom>
-          <a:noFill/>
-        </p:spPr>
-        <p:txBody>
-          <a:bodyPr>
-            <a:spAutoFit/>
-          </a:bodyPr>
-          <a:lstStyle/>
-          <a:p>
-            <a:pPr>
-              <a:defRPr/>
-            </a:pPr>
-            <a:r>
-              <a:rPr lang="en-US" sz="3600" spc="60" dirty="0" smtClean="0">
-                <a:solidFill>
-                  <a:schemeClr val="bg1"/>
-                </a:solidFill>
-                <a:latin typeface="Calibri" pitchFamily="34" charset="0"/>
-              </a:rPr>
-              <a:t>LSP: </a:t>
-            </a:r>
-            <a:r>
-              <a:rPr lang="en-US" sz="3600" spc="60" dirty="0" err="1" smtClean="0">
-                <a:solidFill>
-                  <a:schemeClr val="bg1"/>
-                </a:solidFill>
-                <a:latin typeface="Calibri" pitchFamily="34" charset="0"/>
-              </a:rPr>
-              <a:t>Liskov</a:t>
-            </a:r>
-            <a:r>
-              <a:rPr lang="en-US" sz="3600" spc="60" dirty="0" smtClean="0">
-                <a:solidFill>
-                  <a:schemeClr val="bg1"/>
-                </a:solidFill>
-                <a:latin typeface="Calibri" pitchFamily="34" charset="0"/>
-              </a:rPr>
-              <a:t> Substitution Principle</a:t>
-            </a:r>
-            <a:endParaRPr lang="en-US" sz="3600" spc="60" dirty="0">
-              <a:solidFill>
-                <a:schemeClr val="bg1"/>
-              </a:solidFill>
-              <a:latin typeface="Calibri" pitchFamily="34" charset="0"/>
-            </a:endParaRPr>
-          </a:p>
-        </p:txBody>
-      </p:sp>
-      <p:sp>
-        <p:nvSpPr>
-          <p:cNvPr id="9" name="TextBox 8"/>
-          <p:cNvSpPr txBox="1"/>
-          <p:nvPr/>
-        </p:nvSpPr>
-        <p:spPr>
-          <a:xfrm>
-            <a:off x="381000" y="2057400"/>
-            <a:ext cx="7543800" cy="338554"/>
-          </a:xfrm>
-          <a:prstGeom prst="rect">
-            <a:avLst/>
-          </a:prstGeom>
-          <a:noFill/>
-        </p:spPr>
-        <p:txBody>
-          <a:bodyPr wrap="square">
-            <a:spAutoFit/>
-          </a:bodyPr>
-          <a:lstStyle/>
-          <a:p>
-            <a:pPr>
-              <a:defRPr/>
-            </a:pPr>
-            <a:r>
-              <a:rPr lang="en-US" sz="1600" dirty="0" smtClean="0">
-                <a:solidFill>
-                  <a:schemeClr val="bg1"/>
-                </a:solidFill>
-                <a:latin typeface="+mn-lt"/>
-              </a:rPr>
-              <a:t>Derived Classes Must Be Semantically Substitutable For Their Base Classes.</a:t>
-            </a:r>
-            <a:endParaRPr lang="en-US" sz="1600" dirty="0">
-              <a:solidFill>
-                <a:schemeClr val="bg1"/>
-              </a:solidFill>
-              <a:latin typeface="+mn-lt"/>
-            </a:endParaRPr>
-          </a:p>
-        </p:txBody>
-      </p:sp>
-    </p:spTree>
-  </p:cSld>
-  <p:clrMapOvr>
-    <a:masterClrMapping/>
-  </p:clrMapOvr>
-  <p:timing>
-    <p:tnLst>
-      <p:par>
-        <p:cTn id="1" dur="indefinite" restart="never" nodeType="tmRoot"/>
-      </p:par>
-    </p:tnLst>
-  </p:timing>
-</p:sld>
-</file>
-
-<file path=ppt/slides/slide15.xml><?xml version="1.0" encoding="utf-8"?>
-<p:sld xmlns:a="http://schemas.openxmlformats.org/drawingml/2006/main" xmlns:r="http://schemas.openxmlformats.org/officeDocument/2006/relationships" xmlns:p="http://schemas.openxmlformats.org/presentationml/2006/main">
-  <p:cSld>
-    <p:spTree>
-      <p:nvGrpSpPr>
-        <p:cNvPr id="1" name=""/>
-        <p:cNvGrpSpPr/>
-        <p:nvPr/>
-      </p:nvGrpSpPr>
-      <p:grpSpPr>
-        <a:xfrm>
-          <a:off x="0" y="0"/>
-          <a:ext cx="0" cy="0"/>
-          <a:chOff x="0" y="0"/>
-          <a:chExt cx="0" cy="0"/>
-        </a:xfrm>
-      </p:grpSpPr>
-      <p:sp>
-        <p:nvSpPr>
-          <p:cNvPr id="3074" name="Title 1"/>
-          <p:cNvSpPr>
-            <a:spLocks noGrp="1"/>
-          </p:cNvSpPr>
-          <p:nvPr>
-            <p:ph type="title"/>
-          </p:nvPr>
-        </p:nvSpPr>
-        <p:spPr bwMode="auto">
-          <a:noFill/>
-          <a:ln>
-            <a:miter lim="800000"/>
-            <a:headEnd/>
-            <a:tailEnd/>
-          </a:ln>
-        </p:spPr>
-        <p:txBody>
-          <a:bodyPr vert="horz" wrap="square" lIns="91440" tIns="45720" rIns="91440" bIns="45720" numCol="1" anchor="t" anchorCtr="0" compatLnSpc="1">
-            <a:prstTxWarp prst="textNoShape">
-              <a:avLst/>
-            </a:prstTxWarp>
-          </a:bodyPr>
-          <a:lstStyle/>
-          <a:p>
-            <a:pPr eaLnBrk="1" hangingPunct="1"/>
-            <a:r>
-              <a:rPr lang="en-US" dirty="0" smtClean="0"/>
-              <a:t>LSP: </a:t>
-            </a:r>
-            <a:r>
-              <a:rPr lang="en-US" dirty="0" err="1" smtClean="0"/>
-              <a:t>Liskov</a:t>
-            </a:r>
-            <a:r>
-              <a:rPr lang="en-US" dirty="0" smtClean="0"/>
-              <a:t> Substitution Principle</a:t>
-            </a:r>
-          </a:p>
-        </p:txBody>
-      </p:sp>
-      <p:sp>
-        <p:nvSpPr>
-          <p:cNvPr id="3075" name="Text Placeholder 2"/>
-          <p:cNvSpPr>
-            <a:spLocks noGrp="1"/>
-          </p:cNvSpPr>
-          <p:nvPr>
-            <p:ph type="body" sz="quarter" idx="10"/>
-          </p:nvPr>
-        </p:nvSpPr>
-        <p:spPr/>
-        <p:txBody>
-          <a:bodyPr/>
-          <a:lstStyle/>
-          <a:p>
-            <a:pPr marL="0" indent="0" eaLnBrk="1" hangingPunct="1">
-              <a:buNone/>
-            </a:pPr>
-            <a:r>
-              <a:rPr lang="en-US" sz="2000" i="1" dirty="0" smtClean="0"/>
-              <a:t>“If for each object o1 of type S there is an object o2 of type T such that for all programs P defined in terms of T, the behavior of P is unchanged when o1 is substituted for o2 then S is a subtype of T.”</a:t>
-            </a:r>
-            <a:endParaRPr lang="en-US" sz="2000" dirty="0" smtClean="0"/>
-          </a:p>
-          <a:p>
-            <a:pPr marL="0" indent="0" eaLnBrk="1" hangingPunct="1">
-              <a:buNone/>
-            </a:pPr>
-            <a:endParaRPr lang="en-US" sz="2000" dirty="0" smtClean="0"/>
-          </a:p>
-          <a:p>
-            <a:pPr marL="0" indent="0" eaLnBrk="1" hangingPunct="1">
-              <a:buNone/>
-            </a:pPr>
-            <a:r>
-              <a:rPr lang="en-US" sz="2000" dirty="0" smtClean="0"/>
-              <a:t>	- Barbara </a:t>
-            </a:r>
-            <a:r>
-              <a:rPr lang="en-US" sz="2000" dirty="0" err="1" smtClean="0"/>
-              <a:t>Liskov</a:t>
-            </a:r>
-            <a:endParaRPr lang="en-US" sz="2000" dirty="0" smtClean="0"/>
-          </a:p>
-          <a:p>
-            <a:pPr marL="0" indent="0" eaLnBrk="1" hangingPunct="1">
-              <a:buNone/>
-            </a:pPr>
-            <a:endParaRPr lang="en-US" sz="2000" dirty="0" smtClean="0"/>
-          </a:p>
-        </p:txBody>
-      </p:sp>
-      <p:grpSp>
-        <p:nvGrpSpPr>
-          <p:cNvPr id="12" name="Group 11"/>
-          <p:cNvGrpSpPr/>
-          <p:nvPr/>
-        </p:nvGrpSpPr>
-        <p:grpSpPr>
-          <a:xfrm>
-            <a:off x="2628900" y="3495675"/>
-            <a:ext cx="3581400" cy="2295525"/>
-            <a:chOff x="2628900" y="3276600"/>
-            <a:chExt cx="3581400" cy="2295525"/>
-          </a:xfrm>
-        </p:grpSpPr>
-        <p:grpSp>
-          <p:nvGrpSpPr>
-            <p:cNvPr id="7" name="Group 6"/>
-            <p:cNvGrpSpPr/>
-            <p:nvPr/>
-          </p:nvGrpSpPr>
-          <p:grpSpPr>
-            <a:xfrm>
-              <a:off x="2933700" y="3276600"/>
-              <a:ext cx="3276600" cy="914400"/>
-              <a:chOff x="762000" y="3733800"/>
-              <a:chExt cx="3276600" cy="914400"/>
-            </a:xfrm>
-          </p:grpSpPr>
-          <p:sp>
-            <p:nvSpPr>
-              <p:cNvPr id="4" name="Rectangle 3"/>
-              <p:cNvSpPr/>
-              <p:nvPr/>
-            </p:nvSpPr>
-            <p:spPr>
-              <a:xfrm>
-                <a:off x="762000" y="3733800"/>
-                <a:ext cx="914400" cy="914400"/>
-              </a:xfrm>
-              <a:prstGeom prst="rect">
-                <a:avLst/>
-              </a:prstGeom>
-            </p:spPr>
-            <p:style>
-              <a:lnRef idx="1">
-                <a:schemeClr val="accent2"/>
-              </a:lnRef>
-              <a:fillRef idx="3">
-                <a:schemeClr val="accent2"/>
-              </a:fillRef>
-              <a:effectRef idx="2">
-                <a:schemeClr val="accent2"/>
-              </a:effectRef>
-              <a:fontRef idx="minor">
-                <a:schemeClr val="lt1"/>
-              </a:fontRef>
-            </p:style>
-            <p:txBody>
-              <a:bodyPr rtlCol="0" anchor="ctr"/>
-              <a:lstStyle/>
-              <a:p>
-                <a:pPr algn="ctr"/>
-                <a:r>
-                  <a:rPr lang="en-US" dirty="0" smtClean="0"/>
-                  <a:t>Square</a:t>
-                </a:r>
-                <a:endParaRPr lang="en-US" dirty="0"/>
-              </a:p>
-            </p:txBody>
-          </p:sp>
-          <p:sp>
-            <p:nvSpPr>
-              <p:cNvPr id="5" name="Rectangle 4"/>
-              <p:cNvSpPr/>
-              <p:nvPr/>
-            </p:nvSpPr>
-            <p:spPr>
-              <a:xfrm>
-                <a:off x="2438400" y="3733800"/>
-                <a:ext cx="1600200" cy="914400"/>
-              </a:xfrm>
-              <a:prstGeom prst="rect">
-                <a:avLst/>
-              </a:prstGeom>
-            </p:spPr>
-            <p:style>
-              <a:lnRef idx="1">
-                <a:schemeClr val="accent1"/>
-              </a:lnRef>
-              <a:fillRef idx="3">
-                <a:schemeClr val="accent1"/>
-              </a:fillRef>
-              <a:effectRef idx="2">
-                <a:schemeClr val="accent1"/>
-              </a:effectRef>
-              <a:fontRef idx="minor">
-                <a:schemeClr val="lt1"/>
-              </a:fontRef>
-            </p:style>
-            <p:txBody>
-              <a:bodyPr rtlCol="0" anchor="ctr"/>
-              <a:lstStyle/>
-              <a:p>
-                <a:pPr algn="ctr"/>
-                <a:r>
-                  <a:rPr lang="en-US" dirty="0" smtClean="0"/>
-                  <a:t>Rectangle</a:t>
-                </a:r>
-                <a:endParaRPr lang="en-US" dirty="0"/>
-              </a:p>
-            </p:txBody>
-          </p:sp>
-          <p:sp>
-            <p:nvSpPr>
-              <p:cNvPr id="6" name="TextBox 5"/>
-              <p:cNvSpPr txBox="1"/>
-              <p:nvPr/>
-            </p:nvSpPr>
-            <p:spPr>
-              <a:xfrm>
-                <a:off x="1752600" y="3810000"/>
-                <a:ext cx="606256" cy="707886"/>
-              </a:xfrm>
-              <a:prstGeom prst="rect">
-                <a:avLst/>
-              </a:prstGeom>
-              <a:noFill/>
-            </p:spPr>
-            <p:txBody>
-              <a:bodyPr wrap="none" rtlCol="0">
-                <a:spAutoFit/>
-              </a:bodyPr>
-              <a:lstStyle/>
-              <a:p>
-                <a:r>
-                  <a:rPr lang="en-US" sz="4000" dirty="0" smtClean="0">
-                    <a:solidFill>
-                      <a:schemeClr val="accent1"/>
-                    </a:solidFill>
-                    <a:latin typeface="+mn-lt"/>
-                  </a:rPr>
-                  <a:t>!=</a:t>
-                </a:r>
-              </a:p>
-            </p:txBody>
-          </p:sp>
-        </p:grpSp>
-        <p:grpSp>
-          <p:nvGrpSpPr>
-            <p:cNvPr id="11" name="Group 10"/>
-            <p:cNvGrpSpPr/>
-            <p:nvPr/>
-          </p:nvGrpSpPr>
-          <p:grpSpPr>
-            <a:xfrm>
-              <a:off x="2628900" y="4495800"/>
-              <a:ext cx="3467100" cy="1076325"/>
-              <a:chOff x="2590800" y="4495800"/>
-              <a:chExt cx="3467100" cy="1076325"/>
-            </a:xfrm>
-          </p:grpSpPr>
-          <p:pic>
-            <p:nvPicPr>
-              <p:cNvPr id="1026" name="Picture 2" descr="C:\Documents and Settings\derickb\Desktop\images2.jpg"/>
-              <p:cNvPicPr>
-                <a:picLocks noChangeAspect="1" noChangeArrowheads="1"/>
-              </p:cNvPicPr>
-              <p:nvPr/>
-            </p:nvPicPr>
-            <p:blipFill>
-              <a:blip r:embed="rId2"/>
-              <a:srcRect/>
-              <a:stretch>
-                <a:fillRect/>
-              </a:stretch>
-            </p:blipFill>
-            <p:spPr bwMode="auto">
-              <a:xfrm>
-                <a:off x="4724400" y="4572000"/>
-                <a:ext cx="1333500" cy="1000125"/>
-              </a:xfrm>
-              <a:prstGeom prst="rect">
-                <a:avLst/>
-              </a:prstGeom>
-              <a:noFill/>
-            </p:spPr>
-          </p:pic>
-          <p:pic>
-            <p:nvPicPr>
-              <p:cNvPr id="1027" name="Picture 3" descr="C:\Documents and Settings\derickb\Desktop\images.jpg"/>
-              <p:cNvPicPr>
-                <a:picLocks noChangeAspect="1" noChangeArrowheads="1"/>
-              </p:cNvPicPr>
-              <p:nvPr/>
-            </p:nvPicPr>
-            <p:blipFill>
-              <a:blip r:embed="rId3"/>
-              <a:srcRect/>
-              <a:stretch>
-                <a:fillRect/>
-              </a:stretch>
-            </p:blipFill>
-            <p:spPr bwMode="auto">
-              <a:xfrm>
-                <a:off x="2590800" y="4495800"/>
-                <a:ext cx="1428750" cy="1076325"/>
-              </a:xfrm>
-              <a:prstGeom prst="rect">
-                <a:avLst/>
-              </a:prstGeom>
-              <a:noFill/>
-            </p:spPr>
-          </p:pic>
-          <p:sp>
-            <p:nvSpPr>
-              <p:cNvPr id="10" name="TextBox 9"/>
-              <p:cNvSpPr txBox="1"/>
-              <p:nvPr/>
-            </p:nvSpPr>
-            <p:spPr>
-              <a:xfrm>
-                <a:off x="3886200" y="4702314"/>
-                <a:ext cx="606256" cy="707886"/>
-              </a:xfrm>
-              <a:prstGeom prst="rect">
-                <a:avLst/>
-              </a:prstGeom>
-              <a:noFill/>
-            </p:spPr>
-            <p:txBody>
-              <a:bodyPr wrap="none" rtlCol="0">
-                <a:spAutoFit/>
-              </a:bodyPr>
-              <a:lstStyle/>
-              <a:p>
-                <a:r>
-                  <a:rPr lang="en-US" sz="4000" dirty="0" smtClean="0">
-                    <a:solidFill>
-                      <a:schemeClr val="accent1"/>
-                    </a:solidFill>
-                    <a:latin typeface="+mn-lt"/>
-                  </a:rPr>
-                  <a:t>!=</a:t>
-                </a:r>
-              </a:p>
-            </p:txBody>
-          </p:sp>
-        </p:grpSp>
-      </p:grpSp>
-    </p:spTree>
-  </p:cSld>
-  <p:clrMapOvr>
-    <a:masterClrMapping/>
-  </p:clrMapOvr>
-  <p:timing>
-    <p:tnLst>
-      <p:par>
-        <p:cTn id="1" dur="indefinite" restart="never" nodeType="tmRoot"/>
-      </p:par>
-    </p:tnLst>
-  </p:timing>
-</p:sld>
-</file>
-
-<file path=ppt/slides/slide16.xml><?xml version="1.0" encoding="utf-8"?>
+<file path=ppt/slides/slide20.xml><?xml version="1.0" encoding="utf-8"?>
 <p:sld xmlns:a="http://schemas.openxmlformats.org/drawingml/2006/main" xmlns:r="http://schemas.openxmlformats.org/officeDocument/2006/relationships" xmlns:p="http://schemas.openxmlformats.org/presentationml/2006/main">
   <p:cSld>
     <p:spTree>
@@ -5206,7 +6213,7 @@
 </p:sld>
 </file>
 
-<file path=ppt/slides/slide17.xml><?xml version="1.0" encoding="utf-8"?>
+<file path=ppt/slides/slide21.xml><?xml version="1.0" encoding="utf-8"?>
 <p:sld xmlns:a="http://schemas.openxmlformats.org/drawingml/2006/main" xmlns:r="http://schemas.openxmlformats.org/officeDocument/2006/relationships" xmlns:p="http://schemas.openxmlformats.org/presentationml/2006/main">
   <p:cSld>
     <p:spTree>
@@ -5872,7 +6879,7 @@
 </p:sld>
 </file>
 
-<file path=ppt/slides/slide18.xml><?xml version="1.0" encoding="utf-8"?>
+<file path=ppt/slides/slide22.xml><?xml version="1.0" encoding="utf-8"?>
 <p:sld xmlns:a="http://schemas.openxmlformats.org/drawingml/2006/main" xmlns:r="http://schemas.openxmlformats.org/officeDocument/2006/relationships" xmlns:p="http://schemas.openxmlformats.org/presentationml/2006/main">
   <p:cSld>
     <p:spTree>
@@ -6209,7 +7216,7 @@
 </p:sld>
 </file>
 
-<file path=ppt/slides/slide19.xml><?xml version="1.0" encoding="utf-8"?>
+<file path=ppt/slides/slide23.xml><?xml version="1.0" encoding="utf-8"?>
 <p:sld xmlns:a="http://schemas.openxmlformats.org/drawingml/2006/main" xmlns:r="http://schemas.openxmlformats.org/officeDocument/2006/relationships" xmlns:p="http://schemas.openxmlformats.org/presentationml/2006/main">
   <p:cSld>
     <p:spTree>
@@ -6356,8 +7363,8 @@
 </p:sld>
 </file>
 
-<file path=ppt/slides/slide2.xml><?xml version="1.0" encoding="utf-8"?>
-<p:sld xmlns:a="http://schemas.openxmlformats.org/drawingml/2006/main" xmlns:r="http://schemas.openxmlformats.org/officeDocument/2006/relationships" xmlns:p="http://schemas.openxmlformats.org/presentationml/2006/main">
+<file path=ppt/slides/slide24.xml><?xml version="1.0" encoding="utf-8"?>
+<p:sld xmlns:a="http://schemas.openxmlformats.org/drawingml/2006/main" xmlns:r="http://schemas.openxmlformats.org/officeDocument/2006/relationships" xmlns:p="http://schemas.openxmlformats.org/presentationml/2006/main" showMasterSp="0">
   <p:cSld>
     <p:spTree>
       <p:nvGrpSpPr>
@@ -6373,96 +7380,16 @@
           <a:chExt cx="0" cy="0"/>
         </a:xfrm>
       </p:grpSpPr>
-      <p:sp>
-        <p:nvSpPr>
-          <p:cNvPr id="3075" name="Text Placeholder 2"/>
-          <p:cNvSpPr>
-            <a:spLocks noGrp="1"/>
-          </p:cNvSpPr>
-          <p:nvPr>
-            <p:ph type="body" sz="quarter" idx="10"/>
-          </p:nvPr>
-        </p:nvSpPr>
-        <p:spPr>
-          <a:xfrm>
-            <a:off x="685800" y="1066800"/>
-            <a:ext cx="8229600" cy="1219200"/>
-          </a:xfrm>
-        </p:spPr>
-        <p:txBody>
-          <a:bodyPr/>
-          <a:lstStyle/>
-          <a:p>
-            <a:pPr eaLnBrk="1" hangingPunct="1">
-              <a:buNone/>
-            </a:pPr>
-            <a:r>
-              <a:rPr lang="en-US" dirty="0" smtClean="0"/>
-              <a:t>Cohesion:</a:t>
-            </a:r>
-          </a:p>
-          <a:p>
-            <a:pPr lvl="1" eaLnBrk="1" hangingPunct="1">
-              <a:buNone/>
-            </a:pPr>
-            <a:r>
-              <a:rPr lang="en-US" sz="2000" dirty="0" smtClean="0"/>
-              <a:t>“A measure of how strongly-related and focused the various responsibilities of a software module are” - </a:t>
-            </a:r>
-            <a:r>
-              <a:rPr lang="en-US" sz="2000" dirty="0" smtClean="0">
-                <a:hlinkClick r:id="rId3"/>
-              </a:rPr>
-              <a:t>Wikipedia</a:t>
-            </a:r>
-            <a:endParaRPr lang="en-US" sz="2000" dirty="0" smtClean="0"/>
-          </a:p>
-        </p:txBody>
-      </p:sp>
-      <p:sp>
-        <p:nvSpPr>
-          <p:cNvPr id="3074" name="Title 1"/>
-          <p:cNvSpPr>
-            <a:spLocks noGrp="1"/>
-          </p:cNvSpPr>
-          <p:nvPr>
-            <p:ph type="title"/>
-          </p:nvPr>
-        </p:nvSpPr>
-        <p:spPr bwMode="auto">
-          <a:noFill/>
-          <a:ln>
-            <a:miter lim="800000"/>
-            <a:headEnd/>
-            <a:tailEnd/>
-          </a:ln>
-        </p:spPr>
-        <p:txBody>
-          <a:bodyPr vert="horz" wrap="square" lIns="91440" tIns="45720" rIns="91440" bIns="45720" numCol="1" anchor="t" anchorCtr="0" compatLnSpc="1">
-            <a:prstTxWarp prst="textNoShape">
-              <a:avLst/>
-            </a:prstTxWarp>
-          </a:bodyPr>
-          <a:lstStyle/>
-          <a:p>
-            <a:pPr eaLnBrk="1" hangingPunct="1"/>
-            <a:r>
-              <a:rPr lang="en-US" dirty="0" smtClean="0"/>
-              <a:t>Object Oriented Principles</a:t>
-            </a:r>
-          </a:p>
-        </p:txBody>
-      </p:sp>
       <p:pic>
         <p:nvPicPr>
-          <p:cNvPr id="1026" name="Picture 2"/>
+          <p:cNvPr id="5122" name="Picture 2"/>
           <p:cNvPicPr>
             <a:picLocks noChangeAspect="1" noChangeArrowheads="1"/>
           </p:cNvPicPr>
           <p:nvPr/>
         </p:nvPicPr>
         <p:blipFill>
-          <a:blip r:embed="rId4"/>
+          <a:blip r:embed="rId2"/>
           <a:srcRect/>
           <a:stretch>
             <a:fillRect/>
@@ -6470,8 +7397,8 @@
         </p:blipFill>
         <p:spPr bwMode="auto">
           <a:xfrm>
-            <a:off x="2428875" y="2762250"/>
-            <a:ext cx="4286250" cy="3333750"/>
+            <a:off x="1000125" y="571500"/>
+            <a:ext cx="7143750" cy="5715000"/>
           </a:xfrm>
           <a:prstGeom prst="rect">
             <a:avLst/>
@@ -6491,17 +7418,10 @@
   <p:clrMapOvr>
     <a:masterClrMapping/>
   </p:clrMapOvr>
-  <p:timing>
-    <p:tnLst>
-      <p:par>
-        <p:cTn id="1" dur="indefinite" restart="never" nodeType="tmRoot"/>
-      </p:par>
-    </p:tnLst>
-  </p:timing>
 </p:sld>
 </file>
 
-<file path=ppt/slides/slide20.xml><?xml version="1.0" encoding="utf-8"?>
+<file path=ppt/slides/slide25.xml><?xml version="1.0" encoding="utf-8"?>
 <p:sld xmlns:a="http://schemas.openxmlformats.org/drawingml/2006/main" xmlns:r="http://schemas.openxmlformats.org/officeDocument/2006/relationships" xmlns:p="http://schemas.openxmlformats.org/presentationml/2006/main">
   <p:cSld>
     <p:spTree>
@@ -7206,7 +8126,7 @@
 </p:sld>
 </file>
 
-<file path=ppt/slides/slide21.xml><?xml version="1.0" encoding="utf-8"?>
+<file path=ppt/slides/slide26.xml><?xml version="1.0" encoding="utf-8"?>
 <p:sld xmlns:a="http://schemas.openxmlformats.org/drawingml/2006/main" xmlns:r="http://schemas.openxmlformats.org/officeDocument/2006/relationships" xmlns:p="http://schemas.openxmlformats.org/presentationml/2006/main">
   <p:cSld>
     <p:spTree>
@@ -7543,7 +8463,7 @@
 </p:sld>
 </file>
 
-<file path=ppt/slides/slide22.xml><?xml version="1.0" encoding="utf-8"?>
+<file path=ppt/slides/slide27.xml><?xml version="1.0" encoding="utf-8"?>
 <p:sld xmlns:a="http://schemas.openxmlformats.org/drawingml/2006/main" xmlns:r="http://schemas.openxmlformats.org/officeDocument/2006/relationships" xmlns:p="http://schemas.openxmlformats.org/presentationml/2006/main">
   <p:cSld>
     <p:spTree>
@@ -7753,7 +8673,72 @@
 </p:sld>
 </file>
 
-<file path=ppt/slides/slide23.xml><?xml version="1.0" encoding="utf-8"?>
+<file path=ppt/slides/slide28.xml><?xml version="1.0" encoding="utf-8"?>
+<p:sld xmlns:a="http://schemas.openxmlformats.org/drawingml/2006/main" xmlns:r="http://schemas.openxmlformats.org/officeDocument/2006/relationships" xmlns:p="http://schemas.openxmlformats.org/presentationml/2006/main" showMasterSp="0">
+  <p:cSld>
+    <p:spTree>
+      <p:nvGrpSpPr>
+        <p:cNvPr id="1" name=""/>
+        <p:cNvGrpSpPr/>
+        <p:nvPr/>
+      </p:nvGrpSpPr>
+      <p:grpSpPr>
+        <a:xfrm>
+          <a:off x="0" y="0"/>
+          <a:ext cx="0" cy="0"/>
+          <a:chOff x="0" y="0"/>
+          <a:chExt cx="0" cy="0"/>
+        </a:xfrm>
+      </p:grpSpPr>
+      <p:pic>
+        <p:nvPicPr>
+          <p:cNvPr id="6146" name="Picture 2"/>
+          <p:cNvPicPr>
+            <a:picLocks noChangeAspect="1" noChangeArrowheads="1"/>
+          </p:cNvPicPr>
+          <p:nvPr/>
+        </p:nvPicPr>
+        <p:blipFill>
+          <a:blip r:embed="rId2"/>
+          <a:srcRect/>
+          <a:stretch>
+            <a:fillRect/>
+          </a:stretch>
+        </p:blipFill>
+        <p:spPr bwMode="auto">
+          <a:xfrm>
+            <a:off x="1000125" y="571500"/>
+            <a:ext cx="7143750" cy="5715000"/>
+          </a:xfrm>
+          <a:prstGeom prst="rect">
+            <a:avLst/>
+          </a:prstGeom>
+          <a:noFill/>
+          <a:ln w="9525">
+            <a:noFill/>
+            <a:miter lim="800000"/>
+            <a:headEnd/>
+            <a:tailEnd/>
+          </a:ln>
+          <a:effectLst/>
+        </p:spPr>
+      </p:pic>
+    </p:spTree>
+  </p:cSld>
+  <p:clrMapOvr>
+    <a:masterClrMapping/>
+  </p:clrMapOvr>
+  <p:timing>
+    <p:tnLst>
+      <p:par>
+        <p:cTn id="1" dur="indefinite" restart="never" nodeType="tmRoot"/>
+      </p:par>
+    </p:tnLst>
+  </p:timing>
+</p:sld>
+</file>
+
+<file path=ppt/slides/slide29.xml><?xml version="1.0" encoding="utf-8"?>
 <p:sld xmlns:a="http://schemas.openxmlformats.org/drawingml/2006/main" xmlns:r="http://schemas.openxmlformats.org/officeDocument/2006/relationships" xmlns:p="http://schemas.openxmlformats.org/presentationml/2006/main">
   <p:cSld>
     <p:spTree>
@@ -8049,7 +9034,152 @@
 </p:sld>
 </file>
 
-<file path=ppt/slides/slide24.xml><?xml version="1.0" encoding="utf-8"?>
+<file path=ppt/slides/slide3.xml><?xml version="1.0" encoding="utf-8"?>
+<p:sld xmlns:a="http://schemas.openxmlformats.org/drawingml/2006/main" xmlns:r="http://schemas.openxmlformats.org/officeDocument/2006/relationships" xmlns:p="http://schemas.openxmlformats.org/presentationml/2006/main">
+  <p:cSld>
+    <p:spTree>
+      <p:nvGrpSpPr>
+        <p:cNvPr id="1" name=""/>
+        <p:cNvGrpSpPr/>
+        <p:nvPr/>
+      </p:nvGrpSpPr>
+      <p:grpSpPr>
+        <a:xfrm>
+          <a:off x="0" y="0"/>
+          <a:ext cx="0" cy="0"/>
+          <a:chOff x="0" y="0"/>
+          <a:chExt cx="0" cy="0"/>
+        </a:xfrm>
+      </p:grpSpPr>
+      <p:sp>
+        <p:nvSpPr>
+          <p:cNvPr id="3075" name="Text Placeholder 2"/>
+          <p:cNvSpPr>
+            <a:spLocks noGrp="1"/>
+          </p:cNvSpPr>
+          <p:nvPr>
+            <p:ph type="body" sz="quarter" idx="10"/>
+          </p:nvPr>
+        </p:nvSpPr>
+        <p:spPr>
+          <a:xfrm>
+            <a:off x="685800" y="1066800"/>
+            <a:ext cx="8229600" cy="1219200"/>
+          </a:xfrm>
+        </p:spPr>
+        <p:txBody>
+          <a:bodyPr/>
+          <a:lstStyle/>
+          <a:p>
+            <a:pPr eaLnBrk="1" hangingPunct="1">
+              <a:buNone/>
+            </a:pPr>
+            <a:r>
+              <a:rPr lang="en-US" dirty="0" smtClean="0"/>
+              <a:t>Cohesion:</a:t>
+            </a:r>
+          </a:p>
+          <a:p>
+            <a:pPr lvl="1" eaLnBrk="1" hangingPunct="1">
+              <a:buNone/>
+            </a:pPr>
+            <a:r>
+              <a:rPr lang="en-US" sz="2000" dirty="0" smtClean="0"/>
+              <a:t>“A measure of how strongly-related and focused the various responsibilities of a software module are” - </a:t>
+            </a:r>
+            <a:r>
+              <a:rPr lang="en-US" sz="2000" dirty="0" smtClean="0">
+                <a:hlinkClick r:id="rId3"/>
+              </a:rPr>
+              <a:t>Wikipedia</a:t>
+            </a:r>
+            <a:endParaRPr lang="en-US" sz="2000" dirty="0" smtClean="0"/>
+          </a:p>
+        </p:txBody>
+      </p:sp>
+      <p:sp>
+        <p:nvSpPr>
+          <p:cNvPr id="3074" name="Title 1"/>
+          <p:cNvSpPr>
+            <a:spLocks noGrp="1"/>
+          </p:cNvSpPr>
+          <p:nvPr>
+            <p:ph type="title"/>
+          </p:nvPr>
+        </p:nvSpPr>
+        <p:spPr bwMode="auto">
+          <a:noFill/>
+          <a:ln>
+            <a:miter lim="800000"/>
+            <a:headEnd/>
+            <a:tailEnd/>
+          </a:ln>
+        </p:spPr>
+        <p:txBody>
+          <a:bodyPr vert="horz" wrap="square" lIns="91440" tIns="45720" rIns="91440" bIns="45720" numCol="1" anchor="t" anchorCtr="0" compatLnSpc="1">
+            <a:prstTxWarp prst="textNoShape">
+              <a:avLst/>
+            </a:prstTxWarp>
+          </a:bodyPr>
+          <a:lstStyle/>
+          <a:p>
+            <a:pPr eaLnBrk="1" hangingPunct="1"/>
+            <a:r>
+              <a:rPr lang="en-US" dirty="0" smtClean="0"/>
+              <a:t>Object Oriented Principles</a:t>
+            </a:r>
+          </a:p>
+        </p:txBody>
+      </p:sp>
+      <p:pic>
+        <p:nvPicPr>
+          <p:cNvPr id="1026" name="Picture 2"/>
+          <p:cNvPicPr>
+            <a:picLocks noChangeAspect="1" noChangeArrowheads="1"/>
+          </p:cNvPicPr>
+          <p:nvPr/>
+        </p:nvPicPr>
+        <p:blipFill>
+          <a:blip r:embed="rId4"/>
+          <a:srcRect/>
+          <a:stretch>
+            <a:fillRect/>
+          </a:stretch>
+        </p:blipFill>
+        <p:spPr bwMode="auto">
+          <a:xfrm>
+            <a:off x="2428875" y="2762250"/>
+            <a:ext cx="4286250" cy="3333750"/>
+          </a:xfrm>
+          <a:prstGeom prst="rect">
+            <a:avLst/>
+          </a:prstGeom>
+          <a:noFill/>
+          <a:ln w="9525">
+            <a:noFill/>
+            <a:miter lim="800000"/>
+            <a:headEnd/>
+            <a:tailEnd/>
+          </a:ln>
+          <a:effectLst/>
+        </p:spPr>
+      </p:pic>
+    </p:spTree>
+  </p:cSld>
+  <p:clrMapOvr>
+    <a:masterClrMapping/>
+  </p:clrMapOvr>
+  <p:timing>
+    <p:tnLst>
+      <p:par>
+        <p:cTn id="1" dur="indefinite" restart="never" nodeType="tmRoot"/>
+      </p:par>
+    </p:tnLst>
+  </p:timing>
+</p:sld>
+</file>
+
+<file path=ppt/slides/slide30.xml><?xml version="1.0" encoding="utf-8"?>
 <p:sld xmlns:a="http://schemas.openxmlformats.org/drawingml/2006/main" xmlns:r="http://schemas.openxmlformats.org/officeDocument/2006/relationships" xmlns:p="http://schemas.openxmlformats.org/presentationml/2006/main">
   <p:cSld>
     <p:spTree>
@@ -8344,7 +9474,7 @@
 </p:sld>
 </file>
 
-<file path=ppt/slides/slide25.xml><?xml version="1.0" encoding="utf-8"?>
+<file path=ppt/slides/slide31.xml><?xml version="1.0" encoding="utf-8"?>
 <p:sld xmlns:a="http://schemas.openxmlformats.org/drawingml/2006/main" xmlns:r="http://schemas.openxmlformats.org/officeDocument/2006/relationships" xmlns:p="http://schemas.openxmlformats.org/presentationml/2006/main">
   <p:cSld>
     <p:spTree>
@@ -8840,7 +9970,7 @@
 </p:sld>
 </file>
 
-<file path=ppt/slides/slide26.xml><?xml version="1.0" encoding="utf-8"?>
+<file path=ppt/slides/slide32.xml><?xml version="1.0" encoding="utf-8"?>
 <p:sld xmlns:a="http://schemas.openxmlformats.org/drawingml/2006/main" xmlns:r="http://schemas.openxmlformats.org/officeDocument/2006/relationships" xmlns:p="http://schemas.openxmlformats.org/presentationml/2006/main">
   <p:cSld>
     <p:spTree>
@@ -9349,7 +10479,7 @@
 </p:sld>
 </file>
 
-<file path=ppt/slides/slide27.xml><?xml version="1.0" encoding="utf-8"?>
+<file path=ppt/slides/slide33.xml><?xml version="1.0" encoding="utf-8"?>
 <p:sld xmlns:a="http://schemas.openxmlformats.org/drawingml/2006/main" xmlns:r="http://schemas.openxmlformats.org/officeDocument/2006/relationships" xmlns:p="http://schemas.openxmlformats.org/presentationml/2006/main">
   <p:cSld>
     <p:spTree>
@@ -10036,7 +11166,7 @@
 </p:sld>
 </file>
 
-<file path=ppt/slides/slide28.xml><?xml version="1.0" encoding="utf-8"?>
+<file path=ppt/slides/slide34.xml><?xml version="1.0" encoding="utf-8"?>
 <p:sld xmlns:a="http://schemas.openxmlformats.org/drawingml/2006/main" xmlns:r="http://schemas.openxmlformats.org/officeDocument/2006/relationships" xmlns:p="http://schemas.openxmlformats.org/presentationml/2006/main">
   <p:cSld>
     <p:spTree>
@@ -10373,7 +11503,7 @@
 </p:sld>
 </file>
 
-<file path=ppt/slides/slide29.xml><?xml version="1.0" encoding="utf-8"?>
+<file path=ppt/slides/slide35.xml><?xml version="1.0" encoding="utf-8"?>
 <p:sld xmlns:a="http://schemas.openxmlformats.org/drawingml/2006/main" xmlns:r="http://schemas.openxmlformats.org/officeDocument/2006/relationships" xmlns:p="http://schemas.openxmlformats.org/presentationml/2006/main">
   <p:cSld>
     <p:spTree>
@@ -11612,1409 +12742,7 @@
 </p:sld>
 </file>
 
-<file path=ppt/slides/slide3.xml><?xml version="1.0" encoding="utf-8"?>
-<p:sld xmlns:a="http://schemas.openxmlformats.org/drawingml/2006/main" xmlns:r="http://schemas.openxmlformats.org/officeDocument/2006/relationships" xmlns:p="http://schemas.openxmlformats.org/presentationml/2006/main">
-  <p:cSld>
-    <p:spTree>
-      <p:nvGrpSpPr>
-        <p:cNvPr id="1" name=""/>
-        <p:cNvGrpSpPr/>
-        <p:nvPr/>
-      </p:nvGrpSpPr>
-      <p:grpSpPr>
-        <a:xfrm>
-          <a:off x="0" y="0"/>
-          <a:ext cx="0" cy="0"/>
-          <a:chOff x="0" y="0"/>
-          <a:chExt cx="0" cy="0"/>
-        </a:xfrm>
-      </p:grpSpPr>
-      <p:sp>
-        <p:nvSpPr>
-          <p:cNvPr id="3075" name="Text Placeholder 2"/>
-          <p:cNvSpPr>
-            <a:spLocks noGrp="1"/>
-          </p:cNvSpPr>
-          <p:nvPr>
-            <p:ph type="body" sz="quarter" idx="10"/>
-          </p:nvPr>
-        </p:nvSpPr>
-        <p:spPr>
-          <a:xfrm>
-            <a:off x="685800" y="1066800"/>
-            <a:ext cx="8229600" cy="1295400"/>
-          </a:xfrm>
-        </p:spPr>
-        <p:txBody>
-          <a:bodyPr/>
-          <a:lstStyle/>
-          <a:p>
-            <a:pPr eaLnBrk="1" hangingPunct="1">
-              <a:buNone/>
-            </a:pPr>
-            <a:r>
-              <a:rPr lang="en-US" dirty="0" smtClean="0"/>
-              <a:t>Coupling:</a:t>
-            </a:r>
-          </a:p>
-          <a:p>
-            <a:pPr lvl="1" eaLnBrk="1" hangingPunct="1">
-              <a:buNone/>
-            </a:pPr>
-            <a:r>
-              <a:rPr lang="en-US" sz="2000" dirty="0" smtClean="0"/>
-              <a:t>“The degree to which each program module relies on each one of the other modules” – </a:t>
-            </a:r>
-            <a:r>
-              <a:rPr lang="en-US" sz="2000" dirty="0" smtClean="0">
-                <a:hlinkClick r:id="rId3"/>
-              </a:rPr>
-              <a:t>Wikipedia</a:t>
-            </a:r>
-          </a:p>
-        </p:txBody>
-      </p:sp>
-      <p:sp>
-        <p:nvSpPr>
-          <p:cNvPr id="3074" name="Title 1"/>
-          <p:cNvSpPr>
-            <a:spLocks noGrp="1"/>
-          </p:cNvSpPr>
-          <p:nvPr>
-            <p:ph type="title"/>
-          </p:nvPr>
-        </p:nvSpPr>
-        <p:spPr bwMode="auto">
-          <a:noFill/>
-          <a:ln>
-            <a:miter lim="800000"/>
-            <a:headEnd/>
-            <a:tailEnd/>
-          </a:ln>
-        </p:spPr>
-        <p:txBody>
-          <a:bodyPr vert="horz" wrap="square" lIns="91440" tIns="45720" rIns="91440" bIns="45720" numCol="1" anchor="t" anchorCtr="0" compatLnSpc="1">
-            <a:prstTxWarp prst="textNoShape">
-              <a:avLst/>
-            </a:prstTxWarp>
-          </a:bodyPr>
-          <a:lstStyle/>
-          <a:p>
-            <a:pPr eaLnBrk="1" hangingPunct="1"/>
-            <a:r>
-              <a:rPr lang="en-US" dirty="0" smtClean="0"/>
-              <a:t>Object Oriented Principles</a:t>
-            </a:r>
-          </a:p>
-        </p:txBody>
-      </p:sp>
-      <p:grpSp>
-        <p:nvGrpSpPr>
-          <p:cNvPr id="4" name="Group 3"/>
-          <p:cNvGrpSpPr/>
-          <p:nvPr/>
-        </p:nvGrpSpPr>
-        <p:grpSpPr>
-          <a:xfrm>
-            <a:off x="1257300" y="2971800"/>
-            <a:ext cx="6629400" cy="2743200"/>
-            <a:chOff x="609600" y="3124200"/>
-            <a:chExt cx="6629400" cy="2743200"/>
-          </a:xfrm>
-          <a:scene3d>
-            <a:camera prst="perspectiveAbove"/>
-            <a:lightRig rig="threePt" dir="t"/>
-          </a:scene3d>
-        </p:grpSpPr>
-        <p:sp>
-          <p:nvSpPr>
-            <p:cNvPr id="5" name="Rectangle 4"/>
-            <p:cNvSpPr/>
-            <p:nvPr/>
-          </p:nvSpPr>
-          <p:spPr>
-            <a:xfrm>
-              <a:off x="1524000" y="3352800"/>
-              <a:ext cx="990600" cy="533400"/>
-            </a:xfrm>
-            <a:prstGeom prst="rect">
-              <a:avLst/>
-            </a:prstGeom>
-          </p:spPr>
-          <p:style>
-            <a:lnRef idx="1">
-              <a:schemeClr val="accent1"/>
-            </a:lnRef>
-            <a:fillRef idx="3">
-              <a:schemeClr val="accent1"/>
-            </a:fillRef>
-            <a:effectRef idx="2">
-              <a:schemeClr val="accent1"/>
-            </a:effectRef>
-            <a:fontRef idx="minor">
-              <a:schemeClr val="lt1"/>
-            </a:fontRef>
-          </p:style>
-          <p:txBody>
-            <a:bodyPr rtlCol="0" anchor="ctr"/>
-            <a:lstStyle/>
-            <a:p>
-              <a:pPr algn="ctr"/>
-              <a:endParaRPr lang="en-US"/>
-            </a:p>
-          </p:txBody>
-        </p:sp>
-        <p:sp>
-          <p:nvSpPr>
-            <p:cNvPr id="6" name="Rectangle 5"/>
-            <p:cNvSpPr/>
-            <p:nvPr/>
-          </p:nvSpPr>
-          <p:spPr>
-            <a:xfrm>
-              <a:off x="2667000" y="4495800"/>
-              <a:ext cx="990600" cy="533400"/>
-            </a:xfrm>
-            <a:prstGeom prst="rect">
-              <a:avLst/>
-            </a:prstGeom>
-          </p:spPr>
-          <p:style>
-            <a:lnRef idx="1">
-              <a:schemeClr val="accent2"/>
-            </a:lnRef>
-            <a:fillRef idx="3">
-              <a:schemeClr val="accent2"/>
-            </a:fillRef>
-            <a:effectRef idx="2">
-              <a:schemeClr val="accent2"/>
-            </a:effectRef>
-            <a:fontRef idx="minor">
-              <a:schemeClr val="lt1"/>
-            </a:fontRef>
-          </p:style>
-          <p:txBody>
-            <a:bodyPr rtlCol="0" anchor="ctr"/>
-            <a:lstStyle/>
-            <a:p>
-              <a:pPr algn="ctr"/>
-              <a:endParaRPr lang="en-US"/>
-            </a:p>
-          </p:txBody>
-        </p:sp>
-        <p:sp>
-          <p:nvSpPr>
-            <p:cNvPr id="7" name="Rectangle 6"/>
-            <p:cNvSpPr/>
-            <p:nvPr/>
-          </p:nvSpPr>
-          <p:spPr>
-            <a:xfrm>
-              <a:off x="3200400" y="3124200"/>
-              <a:ext cx="990600" cy="533400"/>
-            </a:xfrm>
-            <a:prstGeom prst="rect">
-              <a:avLst/>
-            </a:prstGeom>
-          </p:spPr>
-          <p:style>
-            <a:lnRef idx="1">
-              <a:schemeClr val="accent1"/>
-            </a:lnRef>
-            <a:fillRef idx="3">
-              <a:schemeClr val="accent1"/>
-            </a:fillRef>
-            <a:effectRef idx="2">
-              <a:schemeClr val="accent1"/>
-            </a:effectRef>
-            <a:fontRef idx="minor">
-              <a:schemeClr val="lt1"/>
-            </a:fontRef>
-          </p:style>
-          <p:txBody>
-            <a:bodyPr rtlCol="0" anchor="ctr"/>
-            <a:lstStyle/>
-            <a:p>
-              <a:pPr algn="ctr"/>
-              <a:endParaRPr lang="en-US"/>
-            </a:p>
-          </p:txBody>
-        </p:sp>
-        <p:sp>
-          <p:nvSpPr>
-            <p:cNvPr id="8" name="Rectangle 7"/>
-            <p:cNvSpPr/>
-            <p:nvPr/>
-          </p:nvSpPr>
-          <p:spPr>
-            <a:xfrm>
-              <a:off x="1447800" y="5181600"/>
-              <a:ext cx="990600" cy="533400"/>
-            </a:xfrm>
-            <a:prstGeom prst="rect">
-              <a:avLst/>
-            </a:prstGeom>
-          </p:spPr>
-          <p:style>
-            <a:lnRef idx="1">
-              <a:schemeClr val="accent1"/>
-            </a:lnRef>
-            <a:fillRef idx="3">
-              <a:schemeClr val="accent1"/>
-            </a:fillRef>
-            <a:effectRef idx="2">
-              <a:schemeClr val="accent1"/>
-            </a:effectRef>
-            <a:fontRef idx="minor">
-              <a:schemeClr val="lt1"/>
-            </a:fontRef>
-          </p:style>
-          <p:txBody>
-            <a:bodyPr rtlCol="0" anchor="ctr"/>
-            <a:lstStyle/>
-            <a:p>
-              <a:pPr algn="ctr"/>
-              <a:endParaRPr lang="en-US"/>
-            </a:p>
-          </p:txBody>
-        </p:sp>
-        <p:sp>
-          <p:nvSpPr>
-            <p:cNvPr id="9" name="Rectangle 8"/>
-            <p:cNvSpPr/>
-            <p:nvPr/>
-          </p:nvSpPr>
-          <p:spPr>
-            <a:xfrm>
-              <a:off x="3352800" y="5334000"/>
-              <a:ext cx="990600" cy="533400"/>
-            </a:xfrm>
-            <a:prstGeom prst="rect">
-              <a:avLst/>
-            </a:prstGeom>
-          </p:spPr>
-          <p:style>
-            <a:lnRef idx="1">
-              <a:schemeClr val="accent1"/>
-            </a:lnRef>
-            <a:fillRef idx="3">
-              <a:schemeClr val="accent1"/>
-            </a:fillRef>
-            <a:effectRef idx="2">
-              <a:schemeClr val="accent1"/>
-            </a:effectRef>
-            <a:fontRef idx="minor">
-              <a:schemeClr val="lt1"/>
-            </a:fontRef>
-          </p:style>
-          <p:txBody>
-            <a:bodyPr rtlCol="0" anchor="ctr"/>
-            <a:lstStyle/>
-            <a:p>
-              <a:pPr algn="ctr"/>
-              <a:endParaRPr lang="en-US"/>
-            </a:p>
-          </p:txBody>
-        </p:sp>
-        <p:sp>
-          <p:nvSpPr>
-            <p:cNvPr id="10" name="Rectangle 9"/>
-            <p:cNvSpPr/>
-            <p:nvPr/>
-          </p:nvSpPr>
-          <p:spPr>
-            <a:xfrm>
-              <a:off x="4038600" y="4191000"/>
-              <a:ext cx="990600" cy="533400"/>
-            </a:xfrm>
-            <a:prstGeom prst="rect">
-              <a:avLst/>
-            </a:prstGeom>
-          </p:spPr>
-          <p:style>
-            <a:lnRef idx="1">
-              <a:schemeClr val="accent1"/>
-            </a:lnRef>
-            <a:fillRef idx="3">
-              <a:schemeClr val="accent1"/>
-            </a:fillRef>
-            <a:effectRef idx="2">
-              <a:schemeClr val="accent1"/>
-            </a:effectRef>
-            <a:fontRef idx="minor">
-              <a:schemeClr val="lt1"/>
-            </a:fontRef>
-          </p:style>
-          <p:txBody>
-            <a:bodyPr rtlCol="0" anchor="ctr"/>
-            <a:lstStyle/>
-            <a:p>
-              <a:pPr algn="ctr"/>
-              <a:endParaRPr lang="en-US"/>
-            </a:p>
-          </p:txBody>
-        </p:sp>
-        <p:sp>
-          <p:nvSpPr>
-            <p:cNvPr id="11" name="Rectangle 10"/>
-            <p:cNvSpPr/>
-            <p:nvPr/>
-          </p:nvSpPr>
-          <p:spPr>
-            <a:xfrm>
-              <a:off x="5105400" y="3276600"/>
-              <a:ext cx="990600" cy="533400"/>
-            </a:xfrm>
-            <a:prstGeom prst="rect">
-              <a:avLst/>
-            </a:prstGeom>
-          </p:spPr>
-          <p:style>
-            <a:lnRef idx="1">
-              <a:schemeClr val="accent1"/>
-            </a:lnRef>
-            <a:fillRef idx="3">
-              <a:schemeClr val="accent1"/>
-            </a:fillRef>
-            <a:effectRef idx="2">
-              <a:schemeClr val="accent1"/>
-            </a:effectRef>
-            <a:fontRef idx="minor">
-              <a:schemeClr val="lt1"/>
-            </a:fontRef>
-          </p:style>
-          <p:txBody>
-            <a:bodyPr rtlCol="0" anchor="ctr"/>
-            <a:lstStyle/>
-            <a:p>
-              <a:pPr algn="ctr"/>
-              <a:endParaRPr lang="en-US"/>
-            </a:p>
-          </p:txBody>
-        </p:sp>
-        <p:sp>
-          <p:nvSpPr>
-            <p:cNvPr id="12" name="Rectangle 11"/>
-            <p:cNvSpPr/>
-            <p:nvPr/>
-          </p:nvSpPr>
-          <p:spPr>
-            <a:xfrm>
-              <a:off x="609600" y="4191000"/>
-              <a:ext cx="990600" cy="533400"/>
-            </a:xfrm>
-            <a:prstGeom prst="rect">
-              <a:avLst/>
-            </a:prstGeom>
-          </p:spPr>
-          <p:style>
-            <a:lnRef idx="1">
-              <a:schemeClr val="accent1"/>
-            </a:lnRef>
-            <a:fillRef idx="3">
-              <a:schemeClr val="accent1"/>
-            </a:fillRef>
-            <a:effectRef idx="2">
-              <a:schemeClr val="accent1"/>
-            </a:effectRef>
-            <a:fontRef idx="minor">
-              <a:schemeClr val="lt1"/>
-            </a:fontRef>
-          </p:style>
-          <p:txBody>
-            <a:bodyPr rtlCol="0" anchor="ctr"/>
-            <a:lstStyle/>
-            <a:p>
-              <a:pPr algn="ctr"/>
-              <a:endParaRPr lang="en-US"/>
-            </a:p>
-          </p:txBody>
-        </p:sp>
-        <p:sp>
-          <p:nvSpPr>
-            <p:cNvPr id="13" name="Rectangle 12"/>
-            <p:cNvSpPr/>
-            <p:nvPr/>
-          </p:nvSpPr>
-          <p:spPr>
-            <a:xfrm>
-              <a:off x="5257800" y="5181600"/>
-              <a:ext cx="990600" cy="533400"/>
-            </a:xfrm>
-            <a:prstGeom prst="rect">
-              <a:avLst/>
-            </a:prstGeom>
-          </p:spPr>
-          <p:style>
-            <a:lnRef idx="1">
-              <a:schemeClr val="accent1"/>
-            </a:lnRef>
-            <a:fillRef idx="3">
-              <a:schemeClr val="accent1"/>
-            </a:fillRef>
-            <a:effectRef idx="2">
-              <a:schemeClr val="accent1"/>
-            </a:effectRef>
-            <a:fontRef idx="minor">
-              <a:schemeClr val="lt1"/>
-            </a:fontRef>
-          </p:style>
-          <p:txBody>
-            <a:bodyPr rtlCol="0" anchor="ctr"/>
-            <a:lstStyle/>
-            <a:p>
-              <a:pPr algn="ctr"/>
-              <a:endParaRPr lang="en-US"/>
-            </a:p>
-          </p:txBody>
-        </p:sp>
-        <p:sp>
-          <p:nvSpPr>
-            <p:cNvPr id="14" name="Rectangle 13"/>
-            <p:cNvSpPr/>
-            <p:nvPr/>
-          </p:nvSpPr>
-          <p:spPr>
-            <a:xfrm>
-              <a:off x="6248400" y="4191000"/>
-              <a:ext cx="990600" cy="533400"/>
-            </a:xfrm>
-            <a:prstGeom prst="rect">
-              <a:avLst/>
-            </a:prstGeom>
-          </p:spPr>
-          <p:style>
-            <a:lnRef idx="1">
-              <a:schemeClr val="accent1"/>
-            </a:lnRef>
-            <a:fillRef idx="3">
-              <a:schemeClr val="accent1"/>
-            </a:fillRef>
-            <a:effectRef idx="2">
-              <a:schemeClr val="accent1"/>
-            </a:effectRef>
-            <a:fontRef idx="minor">
-              <a:schemeClr val="lt1"/>
-            </a:fontRef>
-          </p:style>
-          <p:txBody>
-            <a:bodyPr rtlCol="0" anchor="ctr"/>
-            <a:lstStyle/>
-            <a:p>
-              <a:pPr algn="ctr"/>
-              <a:endParaRPr lang="en-US"/>
-            </a:p>
-          </p:txBody>
-        </p:sp>
-        <p:cxnSp>
-          <p:nvCxnSpPr>
-            <p:cNvPr id="15" name="Elbow Connector 14"/>
-            <p:cNvCxnSpPr>
-              <a:stCxn id="5" idx="3"/>
-              <a:endCxn id="6" idx="0"/>
-            </p:cNvCxnSpPr>
-            <p:nvPr/>
-          </p:nvCxnSpPr>
-          <p:spPr>
-            <a:xfrm>
-              <a:off x="2514600" y="3619500"/>
-              <a:ext cx="647700" cy="876300"/>
-            </a:xfrm>
-            <a:prstGeom prst="bentConnector2">
-              <a:avLst/>
-            </a:prstGeom>
-            <a:ln>
-              <a:tailEnd type="arrow"/>
-            </a:ln>
-          </p:spPr>
-          <p:style>
-            <a:lnRef idx="1">
-              <a:schemeClr val="accent1"/>
-            </a:lnRef>
-            <a:fillRef idx="3">
-              <a:schemeClr val="accent1"/>
-            </a:fillRef>
-            <a:effectRef idx="2">
-              <a:schemeClr val="accent1"/>
-            </a:effectRef>
-            <a:fontRef idx="minor">
-              <a:schemeClr val="lt1"/>
-            </a:fontRef>
-          </p:style>
-        </p:cxnSp>
-        <p:cxnSp>
-          <p:nvCxnSpPr>
-            <p:cNvPr id="16" name="Elbow Connector 14"/>
-            <p:cNvCxnSpPr>
-              <a:stCxn id="5" idx="1"/>
-              <a:endCxn id="12" idx="0"/>
-            </p:cNvCxnSpPr>
-            <p:nvPr/>
-          </p:nvCxnSpPr>
-          <p:spPr>
-            <a:xfrm rot="10800000" flipV="1">
-              <a:off x="1104900" y="3619500"/>
-              <a:ext cx="419100" cy="571500"/>
-            </a:xfrm>
-            <a:prstGeom prst="bentConnector2">
-              <a:avLst/>
-            </a:prstGeom>
-            <a:ln>
-              <a:tailEnd type="arrow"/>
-            </a:ln>
-          </p:spPr>
-          <p:style>
-            <a:lnRef idx="1">
-              <a:schemeClr val="accent1"/>
-            </a:lnRef>
-            <a:fillRef idx="3">
-              <a:schemeClr val="accent1"/>
-            </a:fillRef>
-            <a:effectRef idx="2">
-              <a:schemeClr val="accent1"/>
-            </a:effectRef>
-            <a:fontRef idx="minor">
-              <a:schemeClr val="lt1"/>
-            </a:fontRef>
-          </p:style>
-        </p:cxnSp>
-        <p:cxnSp>
-          <p:nvCxnSpPr>
-            <p:cNvPr id="17" name="Elbow Connector 14"/>
-            <p:cNvCxnSpPr>
-              <a:stCxn id="6" idx="1"/>
-              <a:endCxn id="5" idx="2"/>
-            </p:cNvCxnSpPr>
-            <p:nvPr/>
-          </p:nvCxnSpPr>
-          <p:spPr>
-            <a:xfrm rot="10800000">
-              <a:off x="2019300" y="3886200"/>
-              <a:ext cx="647700" cy="876300"/>
-            </a:xfrm>
-            <a:prstGeom prst="bentConnector2">
-              <a:avLst/>
-            </a:prstGeom>
-            <a:ln>
-              <a:tailEnd type="arrow"/>
-            </a:ln>
-          </p:spPr>
-          <p:style>
-            <a:lnRef idx="1">
-              <a:schemeClr val="accent1"/>
-            </a:lnRef>
-            <a:fillRef idx="3">
-              <a:schemeClr val="accent1"/>
-            </a:fillRef>
-            <a:effectRef idx="2">
-              <a:schemeClr val="accent1"/>
-            </a:effectRef>
-            <a:fontRef idx="minor">
-              <a:schemeClr val="lt1"/>
-            </a:fontRef>
-          </p:style>
-        </p:cxnSp>
-        <p:cxnSp>
-          <p:nvCxnSpPr>
-            <p:cNvPr id="18" name="Elbow Connector 14"/>
-            <p:cNvCxnSpPr>
-              <a:stCxn id="7" idx="2"/>
-              <a:endCxn id="6" idx="0"/>
-            </p:cNvCxnSpPr>
-            <p:nvPr/>
-          </p:nvCxnSpPr>
-          <p:spPr>
-            <a:xfrm rot="5400000">
-              <a:off x="3009900" y="3810000"/>
-              <a:ext cx="838200" cy="533400"/>
-            </a:xfrm>
-            <a:prstGeom prst="bentConnector3">
-              <a:avLst>
-                <a:gd name="adj1" fmla="val 50000"/>
-              </a:avLst>
-            </a:prstGeom>
-            <a:ln>
-              <a:tailEnd type="arrow"/>
-            </a:ln>
-          </p:spPr>
-          <p:style>
-            <a:lnRef idx="1">
-              <a:schemeClr val="accent1"/>
-            </a:lnRef>
-            <a:fillRef idx="3">
-              <a:schemeClr val="accent1"/>
-            </a:fillRef>
-            <a:effectRef idx="2">
-              <a:schemeClr val="accent1"/>
-            </a:effectRef>
-            <a:fontRef idx="minor">
-              <a:schemeClr val="lt1"/>
-            </a:fontRef>
-          </p:style>
-        </p:cxnSp>
-        <p:cxnSp>
-          <p:nvCxnSpPr>
-            <p:cNvPr id="19" name="Elbow Connector 14"/>
-            <p:cNvCxnSpPr>
-              <a:stCxn id="10" idx="0"/>
-              <a:endCxn id="7" idx="3"/>
-            </p:cNvCxnSpPr>
-            <p:nvPr/>
-          </p:nvCxnSpPr>
-          <p:spPr>
-            <a:xfrm rot="16200000" flipV="1">
-              <a:off x="3962400" y="3619500"/>
-              <a:ext cx="800100" cy="342900"/>
-            </a:xfrm>
-            <a:prstGeom prst="bentConnector2">
-              <a:avLst/>
-            </a:prstGeom>
-            <a:ln>
-              <a:tailEnd type="arrow"/>
-            </a:ln>
-          </p:spPr>
-          <p:style>
-            <a:lnRef idx="1">
-              <a:schemeClr val="accent1"/>
-            </a:lnRef>
-            <a:fillRef idx="3">
-              <a:schemeClr val="accent1"/>
-            </a:fillRef>
-            <a:effectRef idx="2">
-              <a:schemeClr val="accent1"/>
-            </a:effectRef>
-            <a:fontRef idx="minor">
-              <a:schemeClr val="lt1"/>
-            </a:fontRef>
-          </p:style>
-        </p:cxnSp>
-        <p:cxnSp>
-          <p:nvCxnSpPr>
-            <p:cNvPr id="20" name="Elbow Connector 14"/>
-            <p:cNvCxnSpPr>
-              <a:stCxn id="8" idx="3"/>
-              <a:endCxn id="9" idx="1"/>
-            </p:cNvCxnSpPr>
-            <p:nvPr/>
-          </p:nvCxnSpPr>
-          <p:spPr>
-            <a:xfrm>
-              <a:off x="2438400" y="5448300"/>
-              <a:ext cx="914400" cy="152400"/>
-            </a:xfrm>
-            <a:prstGeom prst="bentConnector3">
-              <a:avLst>
-                <a:gd name="adj1" fmla="val 50000"/>
-              </a:avLst>
-            </a:prstGeom>
-            <a:ln>
-              <a:tailEnd type="arrow"/>
-            </a:ln>
-          </p:spPr>
-          <p:style>
-            <a:lnRef idx="1">
-              <a:schemeClr val="accent1"/>
-            </a:lnRef>
-            <a:fillRef idx="3">
-              <a:schemeClr val="accent1"/>
-            </a:fillRef>
-            <a:effectRef idx="2">
-              <a:schemeClr val="accent1"/>
-            </a:effectRef>
-            <a:fontRef idx="minor">
-              <a:schemeClr val="lt1"/>
-            </a:fontRef>
-          </p:style>
-        </p:cxnSp>
-        <p:cxnSp>
-          <p:nvCxnSpPr>
-            <p:cNvPr id="21" name="Elbow Connector 14"/>
-            <p:cNvCxnSpPr>
-              <a:stCxn id="9" idx="0"/>
-              <a:endCxn id="6" idx="2"/>
-            </p:cNvCxnSpPr>
-            <p:nvPr/>
-          </p:nvCxnSpPr>
-          <p:spPr>
-            <a:xfrm rot="16200000" flipV="1">
-              <a:off x="3352800" y="4838700"/>
-              <a:ext cx="304800" cy="685800"/>
-            </a:xfrm>
-            <a:prstGeom prst="bentConnector3">
-              <a:avLst>
-                <a:gd name="adj1" fmla="val 50000"/>
-              </a:avLst>
-            </a:prstGeom>
-            <a:ln>
-              <a:tailEnd type="arrow"/>
-            </a:ln>
-          </p:spPr>
-          <p:style>
-            <a:lnRef idx="1">
-              <a:schemeClr val="accent1"/>
-            </a:lnRef>
-            <a:fillRef idx="3">
-              <a:schemeClr val="accent1"/>
-            </a:fillRef>
-            <a:effectRef idx="2">
-              <a:schemeClr val="accent1"/>
-            </a:effectRef>
-            <a:fontRef idx="minor">
-              <a:schemeClr val="lt1"/>
-            </a:fontRef>
-          </p:style>
-        </p:cxnSp>
-        <p:cxnSp>
-          <p:nvCxnSpPr>
-            <p:cNvPr id="22" name="Elbow Connector 14"/>
-            <p:cNvCxnSpPr>
-              <a:stCxn id="12" idx="3"/>
-              <a:endCxn id="8" idx="0"/>
-            </p:cNvCxnSpPr>
-            <p:nvPr/>
-          </p:nvCxnSpPr>
-          <p:spPr>
-            <a:xfrm>
-              <a:off x="1600200" y="4457700"/>
-              <a:ext cx="342900" cy="723900"/>
-            </a:xfrm>
-            <a:prstGeom prst="bentConnector2">
-              <a:avLst/>
-            </a:prstGeom>
-            <a:ln>
-              <a:tailEnd type="arrow"/>
-            </a:ln>
-          </p:spPr>
-          <p:style>
-            <a:lnRef idx="1">
-              <a:schemeClr val="accent1"/>
-            </a:lnRef>
-            <a:fillRef idx="3">
-              <a:schemeClr val="accent1"/>
-            </a:fillRef>
-            <a:effectRef idx="2">
-              <a:schemeClr val="accent1"/>
-            </a:effectRef>
-            <a:fontRef idx="minor">
-              <a:schemeClr val="lt1"/>
-            </a:fontRef>
-          </p:style>
-        </p:cxnSp>
-        <p:cxnSp>
-          <p:nvCxnSpPr>
-            <p:cNvPr id="23" name="Elbow Connector 14"/>
-            <p:cNvCxnSpPr>
-              <a:stCxn id="6" idx="1"/>
-              <a:endCxn id="8" idx="0"/>
-            </p:cNvCxnSpPr>
-            <p:nvPr/>
-          </p:nvCxnSpPr>
-          <p:spPr>
-            <a:xfrm rot="10800000" flipV="1">
-              <a:off x="1943100" y="4762500"/>
-              <a:ext cx="723900" cy="419100"/>
-            </a:xfrm>
-            <a:prstGeom prst="bentConnector2">
-              <a:avLst/>
-            </a:prstGeom>
-            <a:ln>
-              <a:tailEnd type="arrow"/>
-            </a:ln>
-          </p:spPr>
-          <p:style>
-            <a:lnRef idx="1">
-              <a:schemeClr val="accent1"/>
-            </a:lnRef>
-            <a:fillRef idx="3">
-              <a:schemeClr val="accent1"/>
-            </a:fillRef>
-            <a:effectRef idx="2">
-              <a:schemeClr val="accent1"/>
-            </a:effectRef>
-            <a:fontRef idx="minor">
-              <a:schemeClr val="lt1"/>
-            </a:fontRef>
-          </p:style>
-        </p:cxnSp>
-        <p:cxnSp>
-          <p:nvCxnSpPr>
-            <p:cNvPr id="24" name="Elbow Connector 14"/>
-            <p:cNvCxnSpPr>
-              <a:stCxn id="10" idx="1"/>
-              <a:endCxn id="6" idx="3"/>
-            </p:cNvCxnSpPr>
-            <p:nvPr/>
-          </p:nvCxnSpPr>
-          <p:spPr>
-            <a:xfrm rot="10800000" flipV="1">
-              <a:off x="3657600" y="4457700"/>
-              <a:ext cx="381000" cy="304800"/>
-            </a:xfrm>
-            <a:prstGeom prst="bentConnector3">
-              <a:avLst>
-                <a:gd name="adj1" fmla="val 50000"/>
-              </a:avLst>
-            </a:prstGeom>
-            <a:ln>
-              <a:tailEnd type="arrow"/>
-            </a:ln>
-          </p:spPr>
-          <p:style>
-            <a:lnRef idx="1">
-              <a:schemeClr val="accent1"/>
-            </a:lnRef>
-            <a:fillRef idx="3">
-              <a:schemeClr val="accent1"/>
-            </a:fillRef>
-            <a:effectRef idx="2">
-              <a:schemeClr val="accent1"/>
-            </a:effectRef>
-            <a:fontRef idx="minor">
-              <a:schemeClr val="lt1"/>
-            </a:fontRef>
-          </p:style>
-        </p:cxnSp>
-        <p:cxnSp>
-          <p:nvCxnSpPr>
-            <p:cNvPr id="25" name="Elbow Connector 14"/>
-            <p:cNvCxnSpPr>
-              <a:stCxn id="10" idx="2"/>
-              <a:endCxn id="9" idx="3"/>
-            </p:cNvCxnSpPr>
-            <p:nvPr/>
-          </p:nvCxnSpPr>
-          <p:spPr>
-            <a:xfrm rot="5400000">
-              <a:off x="4000500" y="5067300"/>
-              <a:ext cx="876300" cy="190500"/>
-            </a:xfrm>
-            <a:prstGeom prst="bentConnector2">
-              <a:avLst/>
-            </a:prstGeom>
-            <a:ln>
-              <a:tailEnd type="arrow"/>
-            </a:ln>
-          </p:spPr>
-          <p:style>
-            <a:lnRef idx="1">
-              <a:schemeClr val="accent1"/>
-            </a:lnRef>
-            <a:fillRef idx="3">
-              <a:schemeClr val="accent1"/>
-            </a:fillRef>
-            <a:effectRef idx="2">
-              <a:schemeClr val="accent1"/>
-            </a:effectRef>
-            <a:fontRef idx="minor">
-              <a:schemeClr val="lt1"/>
-            </a:fontRef>
-          </p:style>
-        </p:cxnSp>
-        <p:cxnSp>
-          <p:nvCxnSpPr>
-            <p:cNvPr id="26" name="Elbow Connector 14"/>
-            <p:cNvCxnSpPr>
-              <a:stCxn id="13" idx="0"/>
-              <a:endCxn id="10" idx="3"/>
-            </p:cNvCxnSpPr>
-            <p:nvPr/>
-          </p:nvCxnSpPr>
-          <p:spPr>
-            <a:xfrm rot="16200000" flipV="1">
-              <a:off x="5029200" y="4457700"/>
-              <a:ext cx="723900" cy="723900"/>
-            </a:xfrm>
-            <a:prstGeom prst="bentConnector2">
-              <a:avLst/>
-            </a:prstGeom>
-            <a:ln>
-              <a:tailEnd type="arrow"/>
-            </a:ln>
-          </p:spPr>
-          <p:style>
-            <a:lnRef idx="1">
-              <a:schemeClr val="accent1"/>
-            </a:lnRef>
-            <a:fillRef idx="3">
-              <a:schemeClr val="accent1"/>
-            </a:fillRef>
-            <a:effectRef idx="2">
-              <a:schemeClr val="accent1"/>
-            </a:effectRef>
-            <a:fontRef idx="minor">
-              <a:schemeClr val="lt1"/>
-            </a:fontRef>
-          </p:style>
-        </p:cxnSp>
-        <p:cxnSp>
-          <p:nvCxnSpPr>
-            <p:cNvPr id="27" name="Elbow Connector 14"/>
-            <p:cNvCxnSpPr>
-              <a:stCxn id="11" idx="2"/>
-              <a:endCxn id="10" idx="3"/>
-            </p:cNvCxnSpPr>
-            <p:nvPr/>
-          </p:nvCxnSpPr>
-          <p:spPr>
-            <a:xfrm rot="5400000">
-              <a:off x="4991100" y="3848100"/>
-              <a:ext cx="647700" cy="571500"/>
-            </a:xfrm>
-            <a:prstGeom prst="bentConnector2">
-              <a:avLst/>
-            </a:prstGeom>
-            <a:ln>
-              <a:tailEnd type="arrow"/>
-            </a:ln>
-          </p:spPr>
-          <p:style>
-            <a:lnRef idx="1">
-              <a:schemeClr val="accent1"/>
-            </a:lnRef>
-            <a:fillRef idx="3">
-              <a:schemeClr val="accent1"/>
-            </a:fillRef>
-            <a:effectRef idx="2">
-              <a:schemeClr val="accent1"/>
-            </a:effectRef>
-            <a:fontRef idx="minor">
-              <a:schemeClr val="lt1"/>
-            </a:fontRef>
-          </p:style>
-        </p:cxnSp>
-        <p:cxnSp>
-          <p:nvCxnSpPr>
-            <p:cNvPr id="28" name="Elbow Connector 14"/>
-            <p:cNvCxnSpPr>
-              <a:stCxn id="14" idx="0"/>
-              <a:endCxn id="11" idx="3"/>
-            </p:cNvCxnSpPr>
-            <p:nvPr/>
-          </p:nvCxnSpPr>
-          <p:spPr>
-            <a:xfrm rot="16200000" flipV="1">
-              <a:off x="6096000" y="3543300"/>
-              <a:ext cx="647700" cy="647700"/>
-            </a:xfrm>
-            <a:prstGeom prst="bentConnector2">
-              <a:avLst/>
-            </a:prstGeom>
-            <a:ln>
-              <a:tailEnd type="arrow"/>
-            </a:ln>
-          </p:spPr>
-          <p:style>
-            <a:lnRef idx="1">
-              <a:schemeClr val="accent1"/>
-            </a:lnRef>
-            <a:fillRef idx="3">
-              <a:schemeClr val="accent1"/>
-            </a:fillRef>
-            <a:effectRef idx="2">
-              <a:schemeClr val="accent1"/>
-            </a:effectRef>
-            <a:fontRef idx="minor">
-              <a:schemeClr val="lt1"/>
-            </a:fontRef>
-          </p:style>
-        </p:cxnSp>
-        <p:cxnSp>
-          <p:nvCxnSpPr>
-            <p:cNvPr id="29" name="Elbow Connector 14"/>
-            <p:cNvCxnSpPr>
-              <a:stCxn id="13" idx="3"/>
-              <a:endCxn id="14" idx="2"/>
-            </p:cNvCxnSpPr>
-            <p:nvPr/>
-          </p:nvCxnSpPr>
-          <p:spPr>
-            <a:xfrm flipV="1">
-              <a:off x="6248400" y="4724400"/>
-              <a:ext cx="495300" cy="723900"/>
-            </a:xfrm>
-            <a:prstGeom prst="bentConnector2">
-              <a:avLst/>
-            </a:prstGeom>
-            <a:ln>
-              <a:tailEnd type="arrow"/>
-            </a:ln>
-          </p:spPr>
-          <p:style>
-            <a:lnRef idx="1">
-              <a:schemeClr val="accent1"/>
-            </a:lnRef>
-            <a:fillRef idx="3">
-              <a:schemeClr val="accent1"/>
-            </a:fillRef>
-            <a:effectRef idx="2">
-              <a:schemeClr val="accent1"/>
-            </a:effectRef>
-            <a:fontRef idx="minor">
-              <a:schemeClr val="lt1"/>
-            </a:fontRef>
-          </p:style>
-        </p:cxnSp>
-        <p:cxnSp>
-          <p:nvCxnSpPr>
-            <p:cNvPr id="30" name="Elbow Connector 14"/>
-            <p:cNvCxnSpPr>
-              <a:stCxn id="14" idx="1"/>
-              <a:endCxn id="10" idx="3"/>
-            </p:cNvCxnSpPr>
-            <p:nvPr/>
-          </p:nvCxnSpPr>
-          <p:spPr>
-            <a:xfrm rot="10800000">
-              <a:off x="5029200" y="4457700"/>
-              <a:ext cx="1219200" cy="1588"/>
-            </a:xfrm>
-            <a:prstGeom prst="bentConnector3">
-              <a:avLst>
-                <a:gd name="adj1" fmla="val 50000"/>
-              </a:avLst>
-            </a:prstGeom>
-            <a:ln>
-              <a:tailEnd type="arrow"/>
-            </a:ln>
-          </p:spPr>
-          <p:style>
-            <a:lnRef idx="1">
-              <a:schemeClr val="accent1"/>
-            </a:lnRef>
-            <a:fillRef idx="3">
-              <a:schemeClr val="accent1"/>
-            </a:fillRef>
-            <a:effectRef idx="2">
-              <a:schemeClr val="accent1"/>
-            </a:effectRef>
-            <a:fontRef idx="minor">
-              <a:schemeClr val="lt1"/>
-            </a:fontRef>
-          </p:style>
-        </p:cxnSp>
-        <p:cxnSp>
-          <p:nvCxnSpPr>
-            <p:cNvPr id="31" name="Elbow Connector 14"/>
-            <p:cNvCxnSpPr>
-              <a:stCxn id="14" idx="0"/>
-              <a:endCxn id="7" idx="0"/>
-            </p:cNvCxnSpPr>
-            <p:nvPr/>
-          </p:nvCxnSpPr>
-          <p:spPr>
-            <a:xfrm rot="16200000" flipV="1">
-              <a:off x="4686300" y="2133600"/>
-              <a:ext cx="1066800" cy="3048000"/>
-            </a:xfrm>
-            <a:prstGeom prst="bentConnector3">
-              <a:avLst>
-                <a:gd name="adj1" fmla="val 121429"/>
-              </a:avLst>
-            </a:prstGeom>
-            <a:ln>
-              <a:tailEnd type="arrow"/>
-            </a:ln>
-          </p:spPr>
-          <p:style>
-            <a:lnRef idx="1">
-              <a:schemeClr val="accent1"/>
-            </a:lnRef>
-            <a:fillRef idx="3">
-              <a:schemeClr val="accent1"/>
-            </a:fillRef>
-            <a:effectRef idx="2">
-              <a:schemeClr val="accent1"/>
-            </a:effectRef>
-            <a:fontRef idx="minor">
-              <a:schemeClr val="lt1"/>
-            </a:fontRef>
-          </p:style>
-        </p:cxnSp>
-        <p:cxnSp>
-          <p:nvCxnSpPr>
-            <p:cNvPr id="32" name="Elbow Connector 14"/>
-            <p:cNvCxnSpPr>
-              <a:stCxn id="9" idx="2"/>
-              <a:endCxn id="12" idx="2"/>
-            </p:cNvCxnSpPr>
-            <p:nvPr/>
-          </p:nvCxnSpPr>
-          <p:spPr>
-            <a:xfrm rot="5400000" flipH="1">
-              <a:off x="1905000" y="3924300"/>
-              <a:ext cx="1143000" cy="2743200"/>
-            </a:xfrm>
-            <a:prstGeom prst="bentConnector3">
-              <a:avLst>
-                <a:gd name="adj1" fmla="val -20000"/>
-              </a:avLst>
-            </a:prstGeom>
-            <a:ln>
-              <a:tailEnd type="arrow"/>
-            </a:ln>
-          </p:spPr>
-          <p:style>
-            <a:lnRef idx="1">
-              <a:schemeClr val="accent1"/>
-            </a:lnRef>
-            <a:fillRef idx="3">
-              <a:schemeClr val="accent1"/>
-            </a:fillRef>
-            <a:effectRef idx="2">
-              <a:schemeClr val="accent1"/>
-            </a:effectRef>
-            <a:fontRef idx="minor">
-              <a:schemeClr val="lt1"/>
-            </a:fontRef>
-          </p:style>
-        </p:cxnSp>
-        <p:cxnSp>
-          <p:nvCxnSpPr>
-            <p:cNvPr id="33" name="Elbow Connector 14"/>
-            <p:cNvCxnSpPr>
-              <a:stCxn id="9" idx="2"/>
-              <a:endCxn id="13" idx="2"/>
-            </p:cNvCxnSpPr>
-            <p:nvPr/>
-          </p:nvCxnSpPr>
-          <p:spPr>
-            <a:xfrm rot="5400000" flipH="1" flipV="1">
-              <a:off x="4724400" y="4838700"/>
-              <a:ext cx="152400" cy="1905000"/>
-            </a:xfrm>
-            <a:prstGeom prst="bentConnector3">
-              <a:avLst>
-                <a:gd name="adj1" fmla="val -150000"/>
-              </a:avLst>
-            </a:prstGeom>
-            <a:ln>
-              <a:tailEnd type="arrow"/>
-            </a:ln>
-          </p:spPr>
-          <p:style>
-            <a:lnRef idx="1">
-              <a:schemeClr val="accent1"/>
-            </a:lnRef>
-            <a:fillRef idx="3">
-              <a:schemeClr val="accent1"/>
-            </a:fillRef>
-            <a:effectRef idx="2">
-              <a:schemeClr val="accent1"/>
-            </a:effectRef>
-            <a:fontRef idx="minor">
-              <a:schemeClr val="lt1"/>
-            </a:fontRef>
-          </p:style>
-        </p:cxnSp>
-        <p:cxnSp>
-          <p:nvCxnSpPr>
-            <p:cNvPr id="34" name="Elbow Connector 14"/>
-            <p:cNvCxnSpPr>
-              <a:stCxn id="13" idx="1"/>
-              <a:endCxn id="9" idx="3"/>
-            </p:cNvCxnSpPr>
-            <p:nvPr/>
-          </p:nvCxnSpPr>
-          <p:spPr>
-            <a:xfrm rot="10800000" flipV="1">
-              <a:off x="4343400" y="5448300"/>
-              <a:ext cx="914400" cy="152400"/>
-            </a:xfrm>
-            <a:prstGeom prst="bentConnector3">
-              <a:avLst>
-                <a:gd name="adj1" fmla="val 50000"/>
-              </a:avLst>
-            </a:prstGeom>
-            <a:ln>
-              <a:tailEnd type="arrow"/>
-            </a:ln>
-          </p:spPr>
-          <p:style>
-            <a:lnRef idx="1">
-              <a:schemeClr val="accent1"/>
-            </a:lnRef>
-            <a:fillRef idx="3">
-              <a:schemeClr val="accent1"/>
-            </a:fillRef>
-            <a:effectRef idx="2">
-              <a:schemeClr val="accent1"/>
-            </a:effectRef>
-            <a:fontRef idx="minor">
-              <a:schemeClr val="lt1"/>
-            </a:fontRef>
-          </p:style>
-        </p:cxnSp>
-        <p:cxnSp>
-          <p:nvCxnSpPr>
-            <p:cNvPr id="35" name="Elbow Connector 14"/>
-            <p:cNvCxnSpPr>
-              <a:stCxn id="14" idx="3"/>
-              <a:endCxn id="13" idx="2"/>
-            </p:cNvCxnSpPr>
-            <p:nvPr/>
-          </p:nvCxnSpPr>
-          <p:spPr>
-            <a:xfrm flipH="1">
-              <a:off x="5753100" y="4457700"/>
-              <a:ext cx="1485900" cy="1257300"/>
-            </a:xfrm>
-            <a:prstGeom prst="bentConnector4">
-              <a:avLst>
-                <a:gd name="adj1" fmla="val -15385"/>
-                <a:gd name="adj2" fmla="val 118182"/>
-              </a:avLst>
-            </a:prstGeom>
-            <a:ln>
-              <a:tailEnd type="arrow"/>
-            </a:ln>
-          </p:spPr>
-          <p:style>
-            <a:lnRef idx="1">
-              <a:schemeClr val="accent1"/>
-            </a:lnRef>
-            <a:fillRef idx="3">
-              <a:schemeClr val="accent1"/>
-            </a:fillRef>
-            <a:effectRef idx="2">
-              <a:schemeClr val="accent1"/>
-            </a:effectRef>
-            <a:fontRef idx="minor">
-              <a:schemeClr val="lt1"/>
-            </a:fontRef>
-          </p:style>
-        </p:cxnSp>
-        <p:cxnSp>
-          <p:nvCxnSpPr>
-            <p:cNvPr id="36" name="Elbow Connector 14"/>
-            <p:cNvCxnSpPr>
-              <a:stCxn id="11" idx="1"/>
-              <a:endCxn id="7" idx="3"/>
-            </p:cNvCxnSpPr>
-            <p:nvPr/>
-          </p:nvCxnSpPr>
-          <p:spPr>
-            <a:xfrm rot="10800000">
-              <a:off x="4191000" y="3390900"/>
-              <a:ext cx="914400" cy="152400"/>
-            </a:xfrm>
-            <a:prstGeom prst="bentConnector3">
-              <a:avLst>
-                <a:gd name="adj1" fmla="val 50000"/>
-              </a:avLst>
-            </a:prstGeom>
-            <a:ln>
-              <a:tailEnd type="arrow"/>
-            </a:ln>
-          </p:spPr>
-          <p:style>
-            <a:lnRef idx="1">
-              <a:schemeClr val="accent1"/>
-            </a:lnRef>
-            <a:fillRef idx="3">
-              <a:schemeClr val="accent1"/>
-            </a:fillRef>
-            <a:effectRef idx="2">
-              <a:schemeClr val="accent1"/>
-            </a:effectRef>
-            <a:fontRef idx="minor">
-              <a:schemeClr val="lt1"/>
-            </a:fontRef>
-          </p:style>
-        </p:cxnSp>
-        <p:cxnSp>
-          <p:nvCxnSpPr>
-            <p:cNvPr id="37" name="Elbow Connector 14"/>
-            <p:cNvCxnSpPr>
-              <a:stCxn id="5" idx="0"/>
-              <a:endCxn id="11" idx="0"/>
-            </p:cNvCxnSpPr>
-            <p:nvPr/>
-          </p:nvCxnSpPr>
-          <p:spPr>
-            <a:xfrm rot="5400000" flipH="1" flipV="1">
-              <a:off x="3771900" y="1524000"/>
-              <a:ext cx="76200" cy="3581400"/>
-            </a:xfrm>
-            <a:prstGeom prst="bentConnector3">
-              <a:avLst>
-                <a:gd name="adj1" fmla="val 481554"/>
-              </a:avLst>
-            </a:prstGeom>
-            <a:ln>
-              <a:tailEnd type="arrow"/>
-            </a:ln>
-          </p:spPr>
-          <p:style>
-            <a:lnRef idx="1">
-              <a:schemeClr val="accent1"/>
-            </a:lnRef>
-            <a:fillRef idx="3">
-              <a:schemeClr val="accent1"/>
-            </a:fillRef>
-            <a:effectRef idx="2">
-              <a:schemeClr val="accent1"/>
-            </a:effectRef>
-            <a:fontRef idx="minor">
-              <a:schemeClr val="lt1"/>
-            </a:fontRef>
-          </p:style>
-        </p:cxnSp>
-        <p:cxnSp>
-          <p:nvCxnSpPr>
-            <p:cNvPr id="38" name="Elbow Connector 14"/>
-            <p:cNvCxnSpPr>
-              <a:stCxn id="7" idx="0"/>
-              <a:endCxn id="12" idx="1"/>
-            </p:cNvCxnSpPr>
-            <p:nvPr/>
-          </p:nvCxnSpPr>
-          <p:spPr>
-            <a:xfrm rot="16200000" flipH="1" flipV="1">
-              <a:off x="1485900" y="2247900"/>
-              <a:ext cx="1333500" cy="3086100"/>
-            </a:xfrm>
-            <a:prstGeom prst="bentConnector4">
-              <a:avLst>
-                <a:gd name="adj1" fmla="val -17143"/>
-                <a:gd name="adj2" fmla="val 107407"/>
-              </a:avLst>
-            </a:prstGeom>
-            <a:ln>
-              <a:tailEnd type="arrow"/>
-            </a:ln>
-          </p:spPr>
-          <p:style>
-            <a:lnRef idx="1">
-              <a:schemeClr val="accent1"/>
-            </a:lnRef>
-            <a:fillRef idx="3">
-              <a:schemeClr val="accent1"/>
-            </a:fillRef>
-            <a:effectRef idx="2">
-              <a:schemeClr val="accent1"/>
-            </a:effectRef>
-            <a:fontRef idx="minor">
-              <a:schemeClr val="lt1"/>
-            </a:fontRef>
-          </p:style>
-        </p:cxnSp>
-      </p:grpSp>
-    </p:spTree>
-  </p:cSld>
-  <p:clrMapOvr>
-    <a:masterClrMapping/>
-  </p:clrMapOvr>
-  <p:timing>
-    <p:tnLst>
-      <p:par>
-        <p:cTn id="1" dur="indefinite" restart="never" nodeType="tmRoot"/>
-      </p:par>
-    </p:tnLst>
-  </p:timing>
-</p:sld>
-</file>
-
-<file path=ppt/slides/slide30.xml><?xml version="1.0" encoding="utf-8"?>
+<file path=ppt/slides/slide36.xml><?xml version="1.0" encoding="utf-8"?>
 <p:sld xmlns:a="http://schemas.openxmlformats.org/drawingml/2006/main" xmlns:r="http://schemas.openxmlformats.org/officeDocument/2006/relationships" xmlns:p="http://schemas.openxmlformats.org/presentationml/2006/main">
   <p:cSld>
     <p:spTree>
@@ -13956,7 +13684,7 @@
 </p:sld>
 </file>
 
-<file path=ppt/slides/slide31.xml><?xml version="1.0" encoding="utf-8"?>
+<file path=ppt/slides/slide37.xml><?xml version="1.0" encoding="utf-8"?>
 <p:sld xmlns:a="http://schemas.openxmlformats.org/drawingml/2006/main" xmlns:r="http://schemas.openxmlformats.org/officeDocument/2006/relationships" xmlns:p="http://schemas.openxmlformats.org/presentationml/2006/main">
   <p:cSld>
     <p:spTree>
@@ -14898,7 +14626,7 @@
 </p:sld>
 </file>
 
-<file path=ppt/slides/slide32.xml><?xml version="1.0" encoding="utf-8"?>
+<file path=ppt/slides/slide38.xml><?xml version="1.0" encoding="utf-8"?>
 <p:sld xmlns:a="http://schemas.openxmlformats.org/drawingml/2006/main" xmlns:r="http://schemas.openxmlformats.org/officeDocument/2006/relationships" xmlns:p="http://schemas.openxmlformats.org/presentationml/2006/main">
   <p:cSld>
     <p:spTree>
@@ -15840,7 +15568,7 @@
 </p:sld>
 </file>
 
-<file path=ppt/slides/slide33.xml><?xml version="1.0" encoding="utf-8"?>
+<file path=ppt/slides/slide39.xml><?xml version="1.0" encoding="utf-8"?>
 <p:sld xmlns:a="http://schemas.openxmlformats.org/drawingml/2006/main" xmlns:r="http://schemas.openxmlformats.org/officeDocument/2006/relationships" xmlns:p="http://schemas.openxmlformats.org/presentationml/2006/main">
   <p:cSld>
     <p:spTree>
@@ -16325,7 +16053,1409 @@
 </p:sld>
 </file>
 
-<file path=ppt/slides/slide34.xml><?xml version="1.0" encoding="utf-8"?>
+<file path=ppt/slides/slide4.xml><?xml version="1.0" encoding="utf-8"?>
+<p:sld xmlns:a="http://schemas.openxmlformats.org/drawingml/2006/main" xmlns:r="http://schemas.openxmlformats.org/officeDocument/2006/relationships" xmlns:p="http://schemas.openxmlformats.org/presentationml/2006/main">
+  <p:cSld>
+    <p:spTree>
+      <p:nvGrpSpPr>
+        <p:cNvPr id="1" name=""/>
+        <p:cNvGrpSpPr/>
+        <p:nvPr/>
+      </p:nvGrpSpPr>
+      <p:grpSpPr>
+        <a:xfrm>
+          <a:off x="0" y="0"/>
+          <a:ext cx="0" cy="0"/>
+          <a:chOff x="0" y="0"/>
+          <a:chExt cx="0" cy="0"/>
+        </a:xfrm>
+      </p:grpSpPr>
+      <p:sp>
+        <p:nvSpPr>
+          <p:cNvPr id="3075" name="Text Placeholder 2"/>
+          <p:cNvSpPr>
+            <a:spLocks noGrp="1"/>
+          </p:cNvSpPr>
+          <p:nvPr>
+            <p:ph type="body" sz="quarter" idx="10"/>
+          </p:nvPr>
+        </p:nvSpPr>
+        <p:spPr>
+          <a:xfrm>
+            <a:off x="685800" y="1066800"/>
+            <a:ext cx="8229600" cy="1295400"/>
+          </a:xfrm>
+        </p:spPr>
+        <p:txBody>
+          <a:bodyPr/>
+          <a:lstStyle/>
+          <a:p>
+            <a:pPr eaLnBrk="1" hangingPunct="1">
+              <a:buNone/>
+            </a:pPr>
+            <a:r>
+              <a:rPr lang="en-US" dirty="0" smtClean="0"/>
+              <a:t>Coupling:</a:t>
+            </a:r>
+          </a:p>
+          <a:p>
+            <a:pPr lvl="1" eaLnBrk="1" hangingPunct="1">
+              <a:buNone/>
+            </a:pPr>
+            <a:r>
+              <a:rPr lang="en-US" sz="2000" dirty="0" smtClean="0"/>
+              <a:t>“The degree to which each program module relies on each one of the other modules” – </a:t>
+            </a:r>
+            <a:r>
+              <a:rPr lang="en-US" sz="2000" dirty="0" smtClean="0">
+                <a:hlinkClick r:id="rId3"/>
+              </a:rPr>
+              <a:t>Wikipedia</a:t>
+            </a:r>
+          </a:p>
+        </p:txBody>
+      </p:sp>
+      <p:sp>
+        <p:nvSpPr>
+          <p:cNvPr id="3074" name="Title 1"/>
+          <p:cNvSpPr>
+            <a:spLocks noGrp="1"/>
+          </p:cNvSpPr>
+          <p:nvPr>
+            <p:ph type="title"/>
+          </p:nvPr>
+        </p:nvSpPr>
+        <p:spPr bwMode="auto">
+          <a:noFill/>
+          <a:ln>
+            <a:miter lim="800000"/>
+            <a:headEnd/>
+            <a:tailEnd/>
+          </a:ln>
+        </p:spPr>
+        <p:txBody>
+          <a:bodyPr vert="horz" wrap="square" lIns="91440" tIns="45720" rIns="91440" bIns="45720" numCol="1" anchor="t" anchorCtr="0" compatLnSpc="1">
+            <a:prstTxWarp prst="textNoShape">
+              <a:avLst/>
+            </a:prstTxWarp>
+          </a:bodyPr>
+          <a:lstStyle/>
+          <a:p>
+            <a:pPr eaLnBrk="1" hangingPunct="1"/>
+            <a:r>
+              <a:rPr lang="en-US" dirty="0" smtClean="0"/>
+              <a:t>Object Oriented Principles</a:t>
+            </a:r>
+          </a:p>
+        </p:txBody>
+      </p:sp>
+      <p:grpSp>
+        <p:nvGrpSpPr>
+          <p:cNvPr id="4" name="Group 3"/>
+          <p:cNvGrpSpPr/>
+          <p:nvPr/>
+        </p:nvGrpSpPr>
+        <p:grpSpPr>
+          <a:xfrm>
+            <a:off x="1257300" y="2971800"/>
+            <a:ext cx="6629400" cy="2743200"/>
+            <a:chOff x="609600" y="3124200"/>
+            <a:chExt cx="6629400" cy="2743200"/>
+          </a:xfrm>
+          <a:scene3d>
+            <a:camera prst="perspectiveAbove"/>
+            <a:lightRig rig="threePt" dir="t"/>
+          </a:scene3d>
+        </p:grpSpPr>
+        <p:sp>
+          <p:nvSpPr>
+            <p:cNvPr id="5" name="Rectangle 4"/>
+            <p:cNvSpPr/>
+            <p:nvPr/>
+          </p:nvSpPr>
+          <p:spPr>
+            <a:xfrm>
+              <a:off x="1524000" y="3352800"/>
+              <a:ext cx="990600" cy="533400"/>
+            </a:xfrm>
+            <a:prstGeom prst="rect">
+              <a:avLst/>
+            </a:prstGeom>
+          </p:spPr>
+          <p:style>
+            <a:lnRef idx="1">
+              <a:schemeClr val="accent1"/>
+            </a:lnRef>
+            <a:fillRef idx="3">
+              <a:schemeClr val="accent1"/>
+            </a:fillRef>
+            <a:effectRef idx="2">
+              <a:schemeClr val="accent1"/>
+            </a:effectRef>
+            <a:fontRef idx="minor">
+              <a:schemeClr val="lt1"/>
+            </a:fontRef>
+          </p:style>
+          <p:txBody>
+            <a:bodyPr rtlCol="0" anchor="ctr"/>
+            <a:lstStyle/>
+            <a:p>
+              <a:pPr algn="ctr"/>
+              <a:endParaRPr lang="en-US"/>
+            </a:p>
+          </p:txBody>
+        </p:sp>
+        <p:sp>
+          <p:nvSpPr>
+            <p:cNvPr id="6" name="Rectangle 5"/>
+            <p:cNvSpPr/>
+            <p:nvPr/>
+          </p:nvSpPr>
+          <p:spPr>
+            <a:xfrm>
+              <a:off x="2667000" y="4495800"/>
+              <a:ext cx="990600" cy="533400"/>
+            </a:xfrm>
+            <a:prstGeom prst="rect">
+              <a:avLst/>
+            </a:prstGeom>
+          </p:spPr>
+          <p:style>
+            <a:lnRef idx="1">
+              <a:schemeClr val="accent2"/>
+            </a:lnRef>
+            <a:fillRef idx="3">
+              <a:schemeClr val="accent2"/>
+            </a:fillRef>
+            <a:effectRef idx="2">
+              <a:schemeClr val="accent2"/>
+            </a:effectRef>
+            <a:fontRef idx="minor">
+              <a:schemeClr val="lt1"/>
+            </a:fontRef>
+          </p:style>
+          <p:txBody>
+            <a:bodyPr rtlCol="0" anchor="ctr"/>
+            <a:lstStyle/>
+            <a:p>
+              <a:pPr algn="ctr"/>
+              <a:endParaRPr lang="en-US"/>
+            </a:p>
+          </p:txBody>
+        </p:sp>
+        <p:sp>
+          <p:nvSpPr>
+            <p:cNvPr id="7" name="Rectangle 6"/>
+            <p:cNvSpPr/>
+            <p:nvPr/>
+          </p:nvSpPr>
+          <p:spPr>
+            <a:xfrm>
+              <a:off x="3200400" y="3124200"/>
+              <a:ext cx="990600" cy="533400"/>
+            </a:xfrm>
+            <a:prstGeom prst="rect">
+              <a:avLst/>
+            </a:prstGeom>
+          </p:spPr>
+          <p:style>
+            <a:lnRef idx="1">
+              <a:schemeClr val="accent1"/>
+            </a:lnRef>
+            <a:fillRef idx="3">
+              <a:schemeClr val="accent1"/>
+            </a:fillRef>
+            <a:effectRef idx="2">
+              <a:schemeClr val="accent1"/>
+            </a:effectRef>
+            <a:fontRef idx="minor">
+              <a:schemeClr val="lt1"/>
+            </a:fontRef>
+          </p:style>
+          <p:txBody>
+            <a:bodyPr rtlCol="0" anchor="ctr"/>
+            <a:lstStyle/>
+            <a:p>
+              <a:pPr algn="ctr"/>
+              <a:endParaRPr lang="en-US"/>
+            </a:p>
+          </p:txBody>
+        </p:sp>
+        <p:sp>
+          <p:nvSpPr>
+            <p:cNvPr id="8" name="Rectangle 7"/>
+            <p:cNvSpPr/>
+            <p:nvPr/>
+          </p:nvSpPr>
+          <p:spPr>
+            <a:xfrm>
+              <a:off x="1447800" y="5181600"/>
+              <a:ext cx="990600" cy="533400"/>
+            </a:xfrm>
+            <a:prstGeom prst="rect">
+              <a:avLst/>
+            </a:prstGeom>
+          </p:spPr>
+          <p:style>
+            <a:lnRef idx="1">
+              <a:schemeClr val="accent1"/>
+            </a:lnRef>
+            <a:fillRef idx="3">
+              <a:schemeClr val="accent1"/>
+            </a:fillRef>
+            <a:effectRef idx="2">
+              <a:schemeClr val="accent1"/>
+            </a:effectRef>
+            <a:fontRef idx="minor">
+              <a:schemeClr val="lt1"/>
+            </a:fontRef>
+          </p:style>
+          <p:txBody>
+            <a:bodyPr rtlCol="0" anchor="ctr"/>
+            <a:lstStyle/>
+            <a:p>
+              <a:pPr algn="ctr"/>
+              <a:endParaRPr lang="en-US"/>
+            </a:p>
+          </p:txBody>
+        </p:sp>
+        <p:sp>
+          <p:nvSpPr>
+            <p:cNvPr id="9" name="Rectangle 8"/>
+            <p:cNvSpPr/>
+            <p:nvPr/>
+          </p:nvSpPr>
+          <p:spPr>
+            <a:xfrm>
+              <a:off x="3352800" y="5334000"/>
+              <a:ext cx="990600" cy="533400"/>
+            </a:xfrm>
+            <a:prstGeom prst="rect">
+              <a:avLst/>
+            </a:prstGeom>
+          </p:spPr>
+          <p:style>
+            <a:lnRef idx="1">
+              <a:schemeClr val="accent1"/>
+            </a:lnRef>
+            <a:fillRef idx="3">
+              <a:schemeClr val="accent1"/>
+            </a:fillRef>
+            <a:effectRef idx="2">
+              <a:schemeClr val="accent1"/>
+            </a:effectRef>
+            <a:fontRef idx="minor">
+              <a:schemeClr val="lt1"/>
+            </a:fontRef>
+          </p:style>
+          <p:txBody>
+            <a:bodyPr rtlCol="0" anchor="ctr"/>
+            <a:lstStyle/>
+            <a:p>
+              <a:pPr algn="ctr"/>
+              <a:endParaRPr lang="en-US"/>
+            </a:p>
+          </p:txBody>
+        </p:sp>
+        <p:sp>
+          <p:nvSpPr>
+            <p:cNvPr id="10" name="Rectangle 9"/>
+            <p:cNvSpPr/>
+            <p:nvPr/>
+          </p:nvSpPr>
+          <p:spPr>
+            <a:xfrm>
+              <a:off x="4038600" y="4191000"/>
+              <a:ext cx="990600" cy="533400"/>
+            </a:xfrm>
+            <a:prstGeom prst="rect">
+              <a:avLst/>
+            </a:prstGeom>
+          </p:spPr>
+          <p:style>
+            <a:lnRef idx="1">
+              <a:schemeClr val="accent1"/>
+            </a:lnRef>
+            <a:fillRef idx="3">
+              <a:schemeClr val="accent1"/>
+            </a:fillRef>
+            <a:effectRef idx="2">
+              <a:schemeClr val="accent1"/>
+            </a:effectRef>
+            <a:fontRef idx="minor">
+              <a:schemeClr val="lt1"/>
+            </a:fontRef>
+          </p:style>
+          <p:txBody>
+            <a:bodyPr rtlCol="0" anchor="ctr"/>
+            <a:lstStyle/>
+            <a:p>
+              <a:pPr algn="ctr"/>
+              <a:endParaRPr lang="en-US"/>
+            </a:p>
+          </p:txBody>
+        </p:sp>
+        <p:sp>
+          <p:nvSpPr>
+            <p:cNvPr id="11" name="Rectangle 10"/>
+            <p:cNvSpPr/>
+            <p:nvPr/>
+          </p:nvSpPr>
+          <p:spPr>
+            <a:xfrm>
+              <a:off x="5105400" y="3276600"/>
+              <a:ext cx="990600" cy="533400"/>
+            </a:xfrm>
+            <a:prstGeom prst="rect">
+              <a:avLst/>
+            </a:prstGeom>
+          </p:spPr>
+          <p:style>
+            <a:lnRef idx="1">
+              <a:schemeClr val="accent1"/>
+            </a:lnRef>
+            <a:fillRef idx="3">
+              <a:schemeClr val="accent1"/>
+            </a:fillRef>
+            <a:effectRef idx="2">
+              <a:schemeClr val="accent1"/>
+            </a:effectRef>
+            <a:fontRef idx="minor">
+              <a:schemeClr val="lt1"/>
+            </a:fontRef>
+          </p:style>
+          <p:txBody>
+            <a:bodyPr rtlCol="0" anchor="ctr"/>
+            <a:lstStyle/>
+            <a:p>
+              <a:pPr algn="ctr"/>
+              <a:endParaRPr lang="en-US"/>
+            </a:p>
+          </p:txBody>
+        </p:sp>
+        <p:sp>
+          <p:nvSpPr>
+            <p:cNvPr id="12" name="Rectangle 11"/>
+            <p:cNvSpPr/>
+            <p:nvPr/>
+          </p:nvSpPr>
+          <p:spPr>
+            <a:xfrm>
+              <a:off x="609600" y="4191000"/>
+              <a:ext cx="990600" cy="533400"/>
+            </a:xfrm>
+            <a:prstGeom prst="rect">
+              <a:avLst/>
+            </a:prstGeom>
+          </p:spPr>
+          <p:style>
+            <a:lnRef idx="1">
+              <a:schemeClr val="accent1"/>
+            </a:lnRef>
+            <a:fillRef idx="3">
+              <a:schemeClr val="accent1"/>
+            </a:fillRef>
+            <a:effectRef idx="2">
+              <a:schemeClr val="accent1"/>
+            </a:effectRef>
+            <a:fontRef idx="minor">
+              <a:schemeClr val="lt1"/>
+            </a:fontRef>
+          </p:style>
+          <p:txBody>
+            <a:bodyPr rtlCol="0" anchor="ctr"/>
+            <a:lstStyle/>
+            <a:p>
+              <a:pPr algn="ctr"/>
+              <a:endParaRPr lang="en-US"/>
+            </a:p>
+          </p:txBody>
+        </p:sp>
+        <p:sp>
+          <p:nvSpPr>
+            <p:cNvPr id="13" name="Rectangle 12"/>
+            <p:cNvSpPr/>
+            <p:nvPr/>
+          </p:nvSpPr>
+          <p:spPr>
+            <a:xfrm>
+              <a:off x="5257800" y="5181600"/>
+              <a:ext cx="990600" cy="533400"/>
+            </a:xfrm>
+            <a:prstGeom prst="rect">
+              <a:avLst/>
+            </a:prstGeom>
+          </p:spPr>
+          <p:style>
+            <a:lnRef idx="1">
+              <a:schemeClr val="accent1"/>
+            </a:lnRef>
+            <a:fillRef idx="3">
+              <a:schemeClr val="accent1"/>
+            </a:fillRef>
+            <a:effectRef idx="2">
+              <a:schemeClr val="accent1"/>
+            </a:effectRef>
+            <a:fontRef idx="minor">
+              <a:schemeClr val="lt1"/>
+            </a:fontRef>
+          </p:style>
+          <p:txBody>
+            <a:bodyPr rtlCol="0" anchor="ctr"/>
+            <a:lstStyle/>
+            <a:p>
+              <a:pPr algn="ctr"/>
+              <a:endParaRPr lang="en-US"/>
+            </a:p>
+          </p:txBody>
+        </p:sp>
+        <p:sp>
+          <p:nvSpPr>
+            <p:cNvPr id="14" name="Rectangle 13"/>
+            <p:cNvSpPr/>
+            <p:nvPr/>
+          </p:nvSpPr>
+          <p:spPr>
+            <a:xfrm>
+              <a:off x="6248400" y="4191000"/>
+              <a:ext cx="990600" cy="533400"/>
+            </a:xfrm>
+            <a:prstGeom prst="rect">
+              <a:avLst/>
+            </a:prstGeom>
+          </p:spPr>
+          <p:style>
+            <a:lnRef idx="1">
+              <a:schemeClr val="accent1"/>
+            </a:lnRef>
+            <a:fillRef idx="3">
+              <a:schemeClr val="accent1"/>
+            </a:fillRef>
+            <a:effectRef idx="2">
+              <a:schemeClr val="accent1"/>
+            </a:effectRef>
+            <a:fontRef idx="minor">
+              <a:schemeClr val="lt1"/>
+            </a:fontRef>
+          </p:style>
+          <p:txBody>
+            <a:bodyPr rtlCol="0" anchor="ctr"/>
+            <a:lstStyle/>
+            <a:p>
+              <a:pPr algn="ctr"/>
+              <a:endParaRPr lang="en-US"/>
+            </a:p>
+          </p:txBody>
+        </p:sp>
+        <p:cxnSp>
+          <p:nvCxnSpPr>
+            <p:cNvPr id="15" name="Elbow Connector 14"/>
+            <p:cNvCxnSpPr>
+              <a:stCxn id="5" idx="3"/>
+              <a:endCxn id="6" idx="0"/>
+            </p:cNvCxnSpPr>
+            <p:nvPr/>
+          </p:nvCxnSpPr>
+          <p:spPr>
+            <a:xfrm>
+              <a:off x="2514600" y="3619500"/>
+              <a:ext cx="647700" cy="876300"/>
+            </a:xfrm>
+            <a:prstGeom prst="bentConnector2">
+              <a:avLst/>
+            </a:prstGeom>
+            <a:ln>
+              <a:tailEnd type="arrow"/>
+            </a:ln>
+          </p:spPr>
+          <p:style>
+            <a:lnRef idx="1">
+              <a:schemeClr val="accent1"/>
+            </a:lnRef>
+            <a:fillRef idx="3">
+              <a:schemeClr val="accent1"/>
+            </a:fillRef>
+            <a:effectRef idx="2">
+              <a:schemeClr val="accent1"/>
+            </a:effectRef>
+            <a:fontRef idx="minor">
+              <a:schemeClr val="lt1"/>
+            </a:fontRef>
+          </p:style>
+        </p:cxnSp>
+        <p:cxnSp>
+          <p:nvCxnSpPr>
+            <p:cNvPr id="16" name="Elbow Connector 14"/>
+            <p:cNvCxnSpPr>
+              <a:stCxn id="5" idx="1"/>
+              <a:endCxn id="12" idx="0"/>
+            </p:cNvCxnSpPr>
+            <p:nvPr/>
+          </p:nvCxnSpPr>
+          <p:spPr>
+            <a:xfrm rot="10800000" flipV="1">
+              <a:off x="1104900" y="3619500"/>
+              <a:ext cx="419100" cy="571500"/>
+            </a:xfrm>
+            <a:prstGeom prst="bentConnector2">
+              <a:avLst/>
+            </a:prstGeom>
+            <a:ln>
+              <a:tailEnd type="arrow"/>
+            </a:ln>
+          </p:spPr>
+          <p:style>
+            <a:lnRef idx="1">
+              <a:schemeClr val="accent1"/>
+            </a:lnRef>
+            <a:fillRef idx="3">
+              <a:schemeClr val="accent1"/>
+            </a:fillRef>
+            <a:effectRef idx="2">
+              <a:schemeClr val="accent1"/>
+            </a:effectRef>
+            <a:fontRef idx="minor">
+              <a:schemeClr val="lt1"/>
+            </a:fontRef>
+          </p:style>
+        </p:cxnSp>
+        <p:cxnSp>
+          <p:nvCxnSpPr>
+            <p:cNvPr id="17" name="Elbow Connector 14"/>
+            <p:cNvCxnSpPr>
+              <a:stCxn id="6" idx="1"/>
+              <a:endCxn id="5" idx="2"/>
+            </p:cNvCxnSpPr>
+            <p:nvPr/>
+          </p:nvCxnSpPr>
+          <p:spPr>
+            <a:xfrm rot="10800000">
+              <a:off x="2019300" y="3886200"/>
+              <a:ext cx="647700" cy="876300"/>
+            </a:xfrm>
+            <a:prstGeom prst="bentConnector2">
+              <a:avLst/>
+            </a:prstGeom>
+            <a:ln>
+              <a:tailEnd type="arrow"/>
+            </a:ln>
+          </p:spPr>
+          <p:style>
+            <a:lnRef idx="1">
+              <a:schemeClr val="accent1"/>
+            </a:lnRef>
+            <a:fillRef idx="3">
+              <a:schemeClr val="accent1"/>
+            </a:fillRef>
+            <a:effectRef idx="2">
+              <a:schemeClr val="accent1"/>
+            </a:effectRef>
+            <a:fontRef idx="minor">
+              <a:schemeClr val="lt1"/>
+            </a:fontRef>
+          </p:style>
+        </p:cxnSp>
+        <p:cxnSp>
+          <p:nvCxnSpPr>
+            <p:cNvPr id="18" name="Elbow Connector 14"/>
+            <p:cNvCxnSpPr>
+              <a:stCxn id="7" idx="2"/>
+              <a:endCxn id="6" idx="0"/>
+            </p:cNvCxnSpPr>
+            <p:nvPr/>
+          </p:nvCxnSpPr>
+          <p:spPr>
+            <a:xfrm rot="5400000">
+              <a:off x="3009900" y="3810000"/>
+              <a:ext cx="838200" cy="533400"/>
+            </a:xfrm>
+            <a:prstGeom prst="bentConnector3">
+              <a:avLst>
+                <a:gd name="adj1" fmla="val 50000"/>
+              </a:avLst>
+            </a:prstGeom>
+            <a:ln>
+              <a:tailEnd type="arrow"/>
+            </a:ln>
+          </p:spPr>
+          <p:style>
+            <a:lnRef idx="1">
+              <a:schemeClr val="accent1"/>
+            </a:lnRef>
+            <a:fillRef idx="3">
+              <a:schemeClr val="accent1"/>
+            </a:fillRef>
+            <a:effectRef idx="2">
+              <a:schemeClr val="accent1"/>
+            </a:effectRef>
+            <a:fontRef idx="minor">
+              <a:schemeClr val="lt1"/>
+            </a:fontRef>
+          </p:style>
+        </p:cxnSp>
+        <p:cxnSp>
+          <p:nvCxnSpPr>
+            <p:cNvPr id="19" name="Elbow Connector 14"/>
+            <p:cNvCxnSpPr>
+              <a:stCxn id="10" idx="0"/>
+              <a:endCxn id="7" idx="3"/>
+            </p:cNvCxnSpPr>
+            <p:nvPr/>
+          </p:nvCxnSpPr>
+          <p:spPr>
+            <a:xfrm rot="16200000" flipV="1">
+              <a:off x="3962400" y="3619500"/>
+              <a:ext cx="800100" cy="342900"/>
+            </a:xfrm>
+            <a:prstGeom prst="bentConnector2">
+              <a:avLst/>
+            </a:prstGeom>
+            <a:ln>
+              <a:tailEnd type="arrow"/>
+            </a:ln>
+          </p:spPr>
+          <p:style>
+            <a:lnRef idx="1">
+              <a:schemeClr val="accent1"/>
+            </a:lnRef>
+            <a:fillRef idx="3">
+              <a:schemeClr val="accent1"/>
+            </a:fillRef>
+            <a:effectRef idx="2">
+              <a:schemeClr val="accent1"/>
+            </a:effectRef>
+            <a:fontRef idx="minor">
+              <a:schemeClr val="lt1"/>
+            </a:fontRef>
+          </p:style>
+        </p:cxnSp>
+        <p:cxnSp>
+          <p:nvCxnSpPr>
+            <p:cNvPr id="20" name="Elbow Connector 14"/>
+            <p:cNvCxnSpPr>
+              <a:stCxn id="8" idx="3"/>
+              <a:endCxn id="9" idx="1"/>
+            </p:cNvCxnSpPr>
+            <p:nvPr/>
+          </p:nvCxnSpPr>
+          <p:spPr>
+            <a:xfrm>
+              <a:off x="2438400" y="5448300"/>
+              <a:ext cx="914400" cy="152400"/>
+            </a:xfrm>
+            <a:prstGeom prst="bentConnector3">
+              <a:avLst>
+                <a:gd name="adj1" fmla="val 50000"/>
+              </a:avLst>
+            </a:prstGeom>
+            <a:ln>
+              <a:tailEnd type="arrow"/>
+            </a:ln>
+          </p:spPr>
+          <p:style>
+            <a:lnRef idx="1">
+              <a:schemeClr val="accent1"/>
+            </a:lnRef>
+            <a:fillRef idx="3">
+              <a:schemeClr val="accent1"/>
+            </a:fillRef>
+            <a:effectRef idx="2">
+              <a:schemeClr val="accent1"/>
+            </a:effectRef>
+            <a:fontRef idx="minor">
+              <a:schemeClr val="lt1"/>
+            </a:fontRef>
+          </p:style>
+        </p:cxnSp>
+        <p:cxnSp>
+          <p:nvCxnSpPr>
+            <p:cNvPr id="21" name="Elbow Connector 14"/>
+            <p:cNvCxnSpPr>
+              <a:stCxn id="9" idx="0"/>
+              <a:endCxn id="6" idx="2"/>
+            </p:cNvCxnSpPr>
+            <p:nvPr/>
+          </p:nvCxnSpPr>
+          <p:spPr>
+            <a:xfrm rot="16200000" flipV="1">
+              <a:off x="3352800" y="4838700"/>
+              <a:ext cx="304800" cy="685800"/>
+            </a:xfrm>
+            <a:prstGeom prst="bentConnector3">
+              <a:avLst>
+                <a:gd name="adj1" fmla="val 50000"/>
+              </a:avLst>
+            </a:prstGeom>
+            <a:ln>
+              <a:tailEnd type="arrow"/>
+            </a:ln>
+          </p:spPr>
+          <p:style>
+            <a:lnRef idx="1">
+              <a:schemeClr val="accent1"/>
+            </a:lnRef>
+            <a:fillRef idx="3">
+              <a:schemeClr val="accent1"/>
+            </a:fillRef>
+            <a:effectRef idx="2">
+              <a:schemeClr val="accent1"/>
+            </a:effectRef>
+            <a:fontRef idx="minor">
+              <a:schemeClr val="lt1"/>
+            </a:fontRef>
+          </p:style>
+        </p:cxnSp>
+        <p:cxnSp>
+          <p:nvCxnSpPr>
+            <p:cNvPr id="22" name="Elbow Connector 14"/>
+            <p:cNvCxnSpPr>
+              <a:stCxn id="12" idx="3"/>
+              <a:endCxn id="8" idx="0"/>
+            </p:cNvCxnSpPr>
+            <p:nvPr/>
+          </p:nvCxnSpPr>
+          <p:spPr>
+            <a:xfrm>
+              <a:off x="1600200" y="4457700"/>
+              <a:ext cx="342900" cy="723900"/>
+            </a:xfrm>
+            <a:prstGeom prst="bentConnector2">
+              <a:avLst/>
+            </a:prstGeom>
+            <a:ln>
+              <a:tailEnd type="arrow"/>
+            </a:ln>
+          </p:spPr>
+          <p:style>
+            <a:lnRef idx="1">
+              <a:schemeClr val="accent1"/>
+            </a:lnRef>
+            <a:fillRef idx="3">
+              <a:schemeClr val="accent1"/>
+            </a:fillRef>
+            <a:effectRef idx="2">
+              <a:schemeClr val="accent1"/>
+            </a:effectRef>
+            <a:fontRef idx="minor">
+              <a:schemeClr val="lt1"/>
+            </a:fontRef>
+          </p:style>
+        </p:cxnSp>
+        <p:cxnSp>
+          <p:nvCxnSpPr>
+            <p:cNvPr id="23" name="Elbow Connector 14"/>
+            <p:cNvCxnSpPr>
+              <a:stCxn id="6" idx="1"/>
+              <a:endCxn id="8" idx="0"/>
+            </p:cNvCxnSpPr>
+            <p:nvPr/>
+          </p:nvCxnSpPr>
+          <p:spPr>
+            <a:xfrm rot="10800000" flipV="1">
+              <a:off x="1943100" y="4762500"/>
+              <a:ext cx="723900" cy="419100"/>
+            </a:xfrm>
+            <a:prstGeom prst="bentConnector2">
+              <a:avLst/>
+            </a:prstGeom>
+            <a:ln>
+              <a:tailEnd type="arrow"/>
+            </a:ln>
+          </p:spPr>
+          <p:style>
+            <a:lnRef idx="1">
+              <a:schemeClr val="accent1"/>
+            </a:lnRef>
+            <a:fillRef idx="3">
+              <a:schemeClr val="accent1"/>
+            </a:fillRef>
+            <a:effectRef idx="2">
+              <a:schemeClr val="accent1"/>
+            </a:effectRef>
+            <a:fontRef idx="minor">
+              <a:schemeClr val="lt1"/>
+            </a:fontRef>
+          </p:style>
+        </p:cxnSp>
+        <p:cxnSp>
+          <p:nvCxnSpPr>
+            <p:cNvPr id="24" name="Elbow Connector 14"/>
+            <p:cNvCxnSpPr>
+              <a:stCxn id="10" idx="1"/>
+              <a:endCxn id="6" idx="3"/>
+            </p:cNvCxnSpPr>
+            <p:nvPr/>
+          </p:nvCxnSpPr>
+          <p:spPr>
+            <a:xfrm rot="10800000" flipV="1">
+              <a:off x="3657600" y="4457700"/>
+              <a:ext cx="381000" cy="304800"/>
+            </a:xfrm>
+            <a:prstGeom prst="bentConnector3">
+              <a:avLst>
+                <a:gd name="adj1" fmla="val 50000"/>
+              </a:avLst>
+            </a:prstGeom>
+            <a:ln>
+              <a:tailEnd type="arrow"/>
+            </a:ln>
+          </p:spPr>
+          <p:style>
+            <a:lnRef idx="1">
+              <a:schemeClr val="accent1"/>
+            </a:lnRef>
+            <a:fillRef idx="3">
+              <a:schemeClr val="accent1"/>
+            </a:fillRef>
+            <a:effectRef idx="2">
+              <a:schemeClr val="accent1"/>
+            </a:effectRef>
+            <a:fontRef idx="minor">
+              <a:schemeClr val="lt1"/>
+            </a:fontRef>
+          </p:style>
+        </p:cxnSp>
+        <p:cxnSp>
+          <p:nvCxnSpPr>
+            <p:cNvPr id="25" name="Elbow Connector 14"/>
+            <p:cNvCxnSpPr>
+              <a:stCxn id="10" idx="2"/>
+              <a:endCxn id="9" idx="3"/>
+            </p:cNvCxnSpPr>
+            <p:nvPr/>
+          </p:nvCxnSpPr>
+          <p:spPr>
+            <a:xfrm rot="5400000">
+              <a:off x="4000500" y="5067300"/>
+              <a:ext cx="876300" cy="190500"/>
+            </a:xfrm>
+            <a:prstGeom prst="bentConnector2">
+              <a:avLst/>
+            </a:prstGeom>
+            <a:ln>
+              <a:tailEnd type="arrow"/>
+            </a:ln>
+          </p:spPr>
+          <p:style>
+            <a:lnRef idx="1">
+              <a:schemeClr val="accent1"/>
+            </a:lnRef>
+            <a:fillRef idx="3">
+              <a:schemeClr val="accent1"/>
+            </a:fillRef>
+            <a:effectRef idx="2">
+              <a:schemeClr val="accent1"/>
+            </a:effectRef>
+            <a:fontRef idx="minor">
+              <a:schemeClr val="lt1"/>
+            </a:fontRef>
+          </p:style>
+        </p:cxnSp>
+        <p:cxnSp>
+          <p:nvCxnSpPr>
+            <p:cNvPr id="26" name="Elbow Connector 14"/>
+            <p:cNvCxnSpPr>
+              <a:stCxn id="13" idx="0"/>
+              <a:endCxn id="10" idx="3"/>
+            </p:cNvCxnSpPr>
+            <p:nvPr/>
+          </p:nvCxnSpPr>
+          <p:spPr>
+            <a:xfrm rot="16200000" flipV="1">
+              <a:off x="5029200" y="4457700"/>
+              <a:ext cx="723900" cy="723900"/>
+            </a:xfrm>
+            <a:prstGeom prst="bentConnector2">
+              <a:avLst/>
+            </a:prstGeom>
+            <a:ln>
+              <a:tailEnd type="arrow"/>
+            </a:ln>
+          </p:spPr>
+          <p:style>
+            <a:lnRef idx="1">
+              <a:schemeClr val="accent1"/>
+            </a:lnRef>
+            <a:fillRef idx="3">
+              <a:schemeClr val="accent1"/>
+            </a:fillRef>
+            <a:effectRef idx="2">
+              <a:schemeClr val="accent1"/>
+            </a:effectRef>
+            <a:fontRef idx="minor">
+              <a:schemeClr val="lt1"/>
+            </a:fontRef>
+          </p:style>
+        </p:cxnSp>
+        <p:cxnSp>
+          <p:nvCxnSpPr>
+            <p:cNvPr id="27" name="Elbow Connector 14"/>
+            <p:cNvCxnSpPr>
+              <a:stCxn id="11" idx="2"/>
+              <a:endCxn id="10" idx="3"/>
+            </p:cNvCxnSpPr>
+            <p:nvPr/>
+          </p:nvCxnSpPr>
+          <p:spPr>
+            <a:xfrm rot="5400000">
+              <a:off x="4991100" y="3848100"/>
+              <a:ext cx="647700" cy="571500"/>
+            </a:xfrm>
+            <a:prstGeom prst="bentConnector2">
+              <a:avLst/>
+            </a:prstGeom>
+            <a:ln>
+              <a:tailEnd type="arrow"/>
+            </a:ln>
+          </p:spPr>
+          <p:style>
+            <a:lnRef idx="1">
+              <a:schemeClr val="accent1"/>
+            </a:lnRef>
+            <a:fillRef idx="3">
+              <a:schemeClr val="accent1"/>
+            </a:fillRef>
+            <a:effectRef idx="2">
+              <a:schemeClr val="accent1"/>
+            </a:effectRef>
+            <a:fontRef idx="minor">
+              <a:schemeClr val="lt1"/>
+            </a:fontRef>
+          </p:style>
+        </p:cxnSp>
+        <p:cxnSp>
+          <p:nvCxnSpPr>
+            <p:cNvPr id="28" name="Elbow Connector 14"/>
+            <p:cNvCxnSpPr>
+              <a:stCxn id="14" idx="0"/>
+              <a:endCxn id="11" idx="3"/>
+            </p:cNvCxnSpPr>
+            <p:nvPr/>
+          </p:nvCxnSpPr>
+          <p:spPr>
+            <a:xfrm rot="16200000" flipV="1">
+              <a:off x="6096000" y="3543300"/>
+              <a:ext cx="647700" cy="647700"/>
+            </a:xfrm>
+            <a:prstGeom prst="bentConnector2">
+              <a:avLst/>
+            </a:prstGeom>
+            <a:ln>
+              <a:tailEnd type="arrow"/>
+            </a:ln>
+          </p:spPr>
+          <p:style>
+            <a:lnRef idx="1">
+              <a:schemeClr val="accent1"/>
+            </a:lnRef>
+            <a:fillRef idx="3">
+              <a:schemeClr val="accent1"/>
+            </a:fillRef>
+            <a:effectRef idx="2">
+              <a:schemeClr val="accent1"/>
+            </a:effectRef>
+            <a:fontRef idx="minor">
+              <a:schemeClr val="lt1"/>
+            </a:fontRef>
+          </p:style>
+        </p:cxnSp>
+        <p:cxnSp>
+          <p:nvCxnSpPr>
+            <p:cNvPr id="29" name="Elbow Connector 14"/>
+            <p:cNvCxnSpPr>
+              <a:stCxn id="13" idx="3"/>
+              <a:endCxn id="14" idx="2"/>
+            </p:cNvCxnSpPr>
+            <p:nvPr/>
+          </p:nvCxnSpPr>
+          <p:spPr>
+            <a:xfrm flipV="1">
+              <a:off x="6248400" y="4724400"/>
+              <a:ext cx="495300" cy="723900"/>
+            </a:xfrm>
+            <a:prstGeom prst="bentConnector2">
+              <a:avLst/>
+            </a:prstGeom>
+            <a:ln>
+              <a:tailEnd type="arrow"/>
+            </a:ln>
+          </p:spPr>
+          <p:style>
+            <a:lnRef idx="1">
+              <a:schemeClr val="accent1"/>
+            </a:lnRef>
+            <a:fillRef idx="3">
+              <a:schemeClr val="accent1"/>
+            </a:fillRef>
+            <a:effectRef idx="2">
+              <a:schemeClr val="accent1"/>
+            </a:effectRef>
+            <a:fontRef idx="minor">
+              <a:schemeClr val="lt1"/>
+            </a:fontRef>
+          </p:style>
+        </p:cxnSp>
+        <p:cxnSp>
+          <p:nvCxnSpPr>
+            <p:cNvPr id="30" name="Elbow Connector 14"/>
+            <p:cNvCxnSpPr>
+              <a:stCxn id="14" idx="1"/>
+              <a:endCxn id="10" idx="3"/>
+            </p:cNvCxnSpPr>
+            <p:nvPr/>
+          </p:nvCxnSpPr>
+          <p:spPr>
+            <a:xfrm rot="10800000">
+              <a:off x="5029200" y="4457700"/>
+              <a:ext cx="1219200" cy="1588"/>
+            </a:xfrm>
+            <a:prstGeom prst="bentConnector3">
+              <a:avLst>
+                <a:gd name="adj1" fmla="val 50000"/>
+              </a:avLst>
+            </a:prstGeom>
+            <a:ln>
+              <a:tailEnd type="arrow"/>
+            </a:ln>
+          </p:spPr>
+          <p:style>
+            <a:lnRef idx="1">
+              <a:schemeClr val="accent1"/>
+            </a:lnRef>
+            <a:fillRef idx="3">
+              <a:schemeClr val="accent1"/>
+            </a:fillRef>
+            <a:effectRef idx="2">
+              <a:schemeClr val="accent1"/>
+            </a:effectRef>
+            <a:fontRef idx="minor">
+              <a:schemeClr val="lt1"/>
+            </a:fontRef>
+          </p:style>
+        </p:cxnSp>
+        <p:cxnSp>
+          <p:nvCxnSpPr>
+            <p:cNvPr id="31" name="Elbow Connector 14"/>
+            <p:cNvCxnSpPr>
+              <a:stCxn id="14" idx="0"/>
+              <a:endCxn id="7" idx="0"/>
+            </p:cNvCxnSpPr>
+            <p:nvPr/>
+          </p:nvCxnSpPr>
+          <p:spPr>
+            <a:xfrm rot="16200000" flipV="1">
+              <a:off x="4686300" y="2133600"/>
+              <a:ext cx="1066800" cy="3048000"/>
+            </a:xfrm>
+            <a:prstGeom prst="bentConnector3">
+              <a:avLst>
+                <a:gd name="adj1" fmla="val 121429"/>
+              </a:avLst>
+            </a:prstGeom>
+            <a:ln>
+              <a:tailEnd type="arrow"/>
+            </a:ln>
+          </p:spPr>
+          <p:style>
+            <a:lnRef idx="1">
+              <a:schemeClr val="accent1"/>
+            </a:lnRef>
+            <a:fillRef idx="3">
+              <a:schemeClr val="accent1"/>
+            </a:fillRef>
+            <a:effectRef idx="2">
+              <a:schemeClr val="accent1"/>
+            </a:effectRef>
+            <a:fontRef idx="minor">
+              <a:schemeClr val="lt1"/>
+            </a:fontRef>
+          </p:style>
+        </p:cxnSp>
+        <p:cxnSp>
+          <p:nvCxnSpPr>
+            <p:cNvPr id="32" name="Elbow Connector 14"/>
+            <p:cNvCxnSpPr>
+              <a:stCxn id="9" idx="2"/>
+              <a:endCxn id="12" idx="2"/>
+            </p:cNvCxnSpPr>
+            <p:nvPr/>
+          </p:nvCxnSpPr>
+          <p:spPr>
+            <a:xfrm rot="5400000" flipH="1">
+              <a:off x="1905000" y="3924300"/>
+              <a:ext cx="1143000" cy="2743200"/>
+            </a:xfrm>
+            <a:prstGeom prst="bentConnector3">
+              <a:avLst>
+                <a:gd name="adj1" fmla="val -20000"/>
+              </a:avLst>
+            </a:prstGeom>
+            <a:ln>
+              <a:tailEnd type="arrow"/>
+            </a:ln>
+          </p:spPr>
+          <p:style>
+            <a:lnRef idx="1">
+              <a:schemeClr val="accent1"/>
+            </a:lnRef>
+            <a:fillRef idx="3">
+              <a:schemeClr val="accent1"/>
+            </a:fillRef>
+            <a:effectRef idx="2">
+              <a:schemeClr val="accent1"/>
+            </a:effectRef>
+            <a:fontRef idx="minor">
+              <a:schemeClr val="lt1"/>
+            </a:fontRef>
+          </p:style>
+        </p:cxnSp>
+        <p:cxnSp>
+          <p:nvCxnSpPr>
+            <p:cNvPr id="33" name="Elbow Connector 14"/>
+            <p:cNvCxnSpPr>
+              <a:stCxn id="9" idx="2"/>
+              <a:endCxn id="13" idx="2"/>
+            </p:cNvCxnSpPr>
+            <p:nvPr/>
+          </p:nvCxnSpPr>
+          <p:spPr>
+            <a:xfrm rot="5400000" flipH="1" flipV="1">
+              <a:off x="4724400" y="4838700"/>
+              <a:ext cx="152400" cy="1905000"/>
+            </a:xfrm>
+            <a:prstGeom prst="bentConnector3">
+              <a:avLst>
+                <a:gd name="adj1" fmla="val -150000"/>
+              </a:avLst>
+            </a:prstGeom>
+            <a:ln>
+              <a:tailEnd type="arrow"/>
+            </a:ln>
+          </p:spPr>
+          <p:style>
+            <a:lnRef idx="1">
+              <a:schemeClr val="accent1"/>
+            </a:lnRef>
+            <a:fillRef idx="3">
+              <a:schemeClr val="accent1"/>
+            </a:fillRef>
+            <a:effectRef idx="2">
+              <a:schemeClr val="accent1"/>
+            </a:effectRef>
+            <a:fontRef idx="minor">
+              <a:schemeClr val="lt1"/>
+            </a:fontRef>
+          </p:style>
+        </p:cxnSp>
+        <p:cxnSp>
+          <p:nvCxnSpPr>
+            <p:cNvPr id="34" name="Elbow Connector 14"/>
+            <p:cNvCxnSpPr>
+              <a:stCxn id="13" idx="1"/>
+              <a:endCxn id="9" idx="3"/>
+            </p:cNvCxnSpPr>
+            <p:nvPr/>
+          </p:nvCxnSpPr>
+          <p:spPr>
+            <a:xfrm rot="10800000" flipV="1">
+              <a:off x="4343400" y="5448300"/>
+              <a:ext cx="914400" cy="152400"/>
+            </a:xfrm>
+            <a:prstGeom prst="bentConnector3">
+              <a:avLst>
+                <a:gd name="adj1" fmla="val 50000"/>
+              </a:avLst>
+            </a:prstGeom>
+            <a:ln>
+              <a:tailEnd type="arrow"/>
+            </a:ln>
+          </p:spPr>
+          <p:style>
+            <a:lnRef idx="1">
+              <a:schemeClr val="accent1"/>
+            </a:lnRef>
+            <a:fillRef idx="3">
+              <a:schemeClr val="accent1"/>
+            </a:fillRef>
+            <a:effectRef idx="2">
+              <a:schemeClr val="accent1"/>
+            </a:effectRef>
+            <a:fontRef idx="minor">
+              <a:schemeClr val="lt1"/>
+            </a:fontRef>
+          </p:style>
+        </p:cxnSp>
+        <p:cxnSp>
+          <p:nvCxnSpPr>
+            <p:cNvPr id="35" name="Elbow Connector 14"/>
+            <p:cNvCxnSpPr>
+              <a:stCxn id="14" idx="3"/>
+              <a:endCxn id="13" idx="2"/>
+            </p:cNvCxnSpPr>
+            <p:nvPr/>
+          </p:nvCxnSpPr>
+          <p:spPr>
+            <a:xfrm flipH="1">
+              <a:off x="5753100" y="4457700"/>
+              <a:ext cx="1485900" cy="1257300"/>
+            </a:xfrm>
+            <a:prstGeom prst="bentConnector4">
+              <a:avLst>
+                <a:gd name="adj1" fmla="val -15385"/>
+                <a:gd name="adj2" fmla="val 118182"/>
+              </a:avLst>
+            </a:prstGeom>
+            <a:ln>
+              <a:tailEnd type="arrow"/>
+            </a:ln>
+          </p:spPr>
+          <p:style>
+            <a:lnRef idx="1">
+              <a:schemeClr val="accent1"/>
+            </a:lnRef>
+            <a:fillRef idx="3">
+              <a:schemeClr val="accent1"/>
+            </a:fillRef>
+            <a:effectRef idx="2">
+              <a:schemeClr val="accent1"/>
+            </a:effectRef>
+            <a:fontRef idx="minor">
+              <a:schemeClr val="lt1"/>
+            </a:fontRef>
+          </p:style>
+        </p:cxnSp>
+        <p:cxnSp>
+          <p:nvCxnSpPr>
+            <p:cNvPr id="36" name="Elbow Connector 14"/>
+            <p:cNvCxnSpPr>
+              <a:stCxn id="11" idx="1"/>
+              <a:endCxn id="7" idx="3"/>
+            </p:cNvCxnSpPr>
+            <p:nvPr/>
+          </p:nvCxnSpPr>
+          <p:spPr>
+            <a:xfrm rot="10800000">
+              <a:off x="4191000" y="3390900"/>
+              <a:ext cx="914400" cy="152400"/>
+            </a:xfrm>
+            <a:prstGeom prst="bentConnector3">
+              <a:avLst>
+                <a:gd name="adj1" fmla="val 50000"/>
+              </a:avLst>
+            </a:prstGeom>
+            <a:ln>
+              <a:tailEnd type="arrow"/>
+            </a:ln>
+          </p:spPr>
+          <p:style>
+            <a:lnRef idx="1">
+              <a:schemeClr val="accent1"/>
+            </a:lnRef>
+            <a:fillRef idx="3">
+              <a:schemeClr val="accent1"/>
+            </a:fillRef>
+            <a:effectRef idx="2">
+              <a:schemeClr val="accent1"/>
+            </a:effectRef>
+            <a:fontRef idx="minor">
+              <a:schemeClr val="lt1"/>
+            </a:fontRef>
+          </p:style>
+        </p:cxnSp>
+        <p:cxnSp>
+          <p:nvCxnSpPr>
+            <p:cNvPr id="37" name="Elbow Connector 14"/>
+            <p:cNvCxnSpPr>
+              <a:stCxn id="5" idx="0"/>
+              <a:endCxn id="11" idx="0"/>
+            </p:cNvCxnSpPr>
+            <p:nvPr/>
+          </p:nvCxnSpPr>
+          <p:spPr>
+            <a:xfrm rot="5400000" flipH="1" flipV="1">
+              <a:off x="3771900" y="1524000"/>
+              <a:ext cx="76200" cy="3581400"/>
+            </a:xfrm>
+            <a:prstGeom prst="bentConnector3">
+              <a:avLst>
+                <a:gd name="adj1" fmla="val 481554"/>
+              </a:avLst>
+            </a:prstGeom>
+            <a:ln>
+              <a:tailEnd type="arrow"/>
+            </a:ln>
+          </p:spPr>
+          <p:style>
+            <a:lnRef idx="1">
+              <a:schemeClr val="accent1"/>
+            </a:lnRef>
+            <a:fillRef idx="3">
+              <a:schemeClr val="accent1"/>
+            </a:fillRef>
+            <a:effectRef idx="2">
+              <a:schemeClr val="accent1"/>
+            </a:effectRef>
+            <a:fontRef idx="minor">
+              <a:schemeClr val="lt1"/>
+            </a:fontRef>
+          </p:style>
+        </p:cxnSp>
+        <p:cxnSp>
+          <p:nvCxnSpPr>
+            <p:cNvPr id="38" name="Elbow Connector 14"/>
+            <p:cNvCxnSpPr>
+              <a:stCxn id="7" idx="0"/>
+              <a:endCxn id="12" idx="1"/>
+            </p:cNvCxnSpPr>
+            <p:nvPr/>
+          </p:nvCxnSpPr>
+          <p:spPr>
+            <a:xfrm rot="16200000" flipH="1" flipV="1">
+              <a:off x="1485900" y="2247900"/>
+              <a:ext cx="1333500" cy="3086100"/>
+            </a:xfrm>
+            <a:prstGeom prst="bentConnector4">
+              <a:avLst>
+                <a:gd name="adj1" fmla="val -17143"/>
+                <a:gd name="adj2" fmla="val 107407"/>
+              </a:avLst>
+            </a:prstGeom>
+            <a:ln>
+              <a:tailEnd type="arrow"/>
+            </a:ln>
+          </p:spPr>
+          <p:style>
+            <a:lnRef idx="1">
+              <a:schemeClr val="accent1"/>
+            </a:lnRef>
+            <a:fillRef idx="3">
+              <a:schemeClr val="accent1"/>
+            </a:fillRef>
+            <a:effectRef idx="2">
+              <a:schemeClr val="accent1"/>
+            </a:effectRef>
+            <a:fontRef idx="minor">
+              <a:schemeClr val="lt1"/>
+            </a:fontRef>
+          </p:style>
+        </p:cxnSp>
+      </p:grpSp>
+    </p:spTree>
+  </p:cSld>
+  <p:clrMapOvr>
+    <a:masterClrMapping/>
+  </p:clrMapOvr>
+  <p:timing>
+    <p:tnLst>
+      <p:par>
+        <p:cTn id="1" dur="indefinite" restart="never" nodeType="tmRoot"/>
+      </p:par>
+    </p:tnLst>
+  </p:timing>
+</p:sld>
+</file>
+
+<file path=ppt/slides/slide40.xml><?xml version="1.0" encoding="utf-8"?>
 <p:sld xmlns:a="http://schemas.openxmlformats.org/drawingml/2006/main" xmlns:r="http://schemas.openxmlformats.org/officeDocument/2006/relationships" xmlns:p="http://schemas.openxmlformats.org/presentationml/2006/main">
   <p:cSld>
     <p:spTree>
@@ -16689,15 +17819,7 @@
                   <a:schemeClr val="bg1"/>
                 </a:solidFill>
               </a:rPr>
-              <a:t>Personal Blog, </a:t>
-            </a:r>
-            <a:r>
-              <a:rPr lang="en-US" sz="1800" dirty="0" smtClean="0">
-                <a:solidFill>
-                  <a:schemeClr val="bg1"/>
-                </a:solidFill>
-              </a:rPr>
-              <a:t>Etc: </a:t>
+              <a:t>Personal Blog, Etc: </a:t>
             </a:r>
             <a:br>
               <a:rPr lang="en-US" sz="1800" dirty="0" smtClean="0">
@@ -16729,11 +17851,6 @@
               </a:rPr>
               <a:t>derickbailey.lostechies.com</a:t>
             </a:r>
-            <a:endParaRPr lang="en-US" sz="1800" dirty="0" smtClean="0">
-              <a:solidFill>
-                <a:schemeClr val="bg1"/>
-              </a:solidFill>
-            </a:endParaRPr>
           </a:p>
           <a:p>
             <a:pPr eaLnBrk="1" hangingPunct="1">
@@ -16765,14 +17882,6 @@
               </a:rPr>
               <a:t>Email: </a:t>
             </a:r>
-            <a:r>
-              <a:rPr lang="en-US" sz="1800" dirty="0" smtClean="0">
-                <a:solidFill>
-                  <a:schemeClr val="bg1"/>
-                </a:solidFill>
-              </a:rPr>
-              <a:t/>
-            </a:r>
             <a:br>
               <a:rPr lang="en-US" sz="1800" dirty="0" smtClean="0">
                 <a:solidFill>
@@ -16803,11 +17912,6 @@
               </a:rPr>
               <a:t>derick@derickbailey.com</a:t>
             </a:r>
-            <a:endParaRPr lang="en-US" sz="1800" dirty="0" smtClean="0">
-              <a:solidFill>
-                <a:schemeClr val="bg1"/>
-              </a:solidFill>
-            </a:endParaRPr>
           </a:p>
           <a:p>
             <a:pPr lvl="1" eaLnBrk="1" hangingPunct="1">
@@ -16838,14 +17942,6 @@
                 </a:solidFill>
               </a:rPr>
               <a:t>Twitter: </a:t>
-            </a:r>
-            <a:r>
-              <a:rPr lang="en-US" sz="1800" dirty="0" smtClean="0">
-                <a:solidFill>
-                  <a:schemeClr val="bg1"/>
-                </a:solidFill>
-              </a:rPr>
-              <a:t/>
             </a:r>
             <a:br>
               <a:rPr lang="en-US" sz="1800" dirty="0" smtClean="0">
@@ -17219,7 +18315,7 @@
 </p:sld>
 </file>
 
-<file path=ppt/slides/slide4.xml><?xml version="1.0" encoding="utf-8"?>
+<file path=ppt/slides/slide5.xml><?xml version="1.0" encoding="utf-8"?>
 <p:sld xmlns:a="http://schemas.openxmlformats.org/drawingml/2006/main" xmlns:r="http://schemas.openxmlformats.org/officeDocument/2006/relationships" xmlns:p="http://schemas.openxmlformats.org/presentationml/2006/main">
   <p:cSld>
     <p:spTree>
@@ -18119,7 +19215,7 @@
 </p:sld>
 </file>
 
-<file path=ppt/slides/slide5.xml><?xml version="1.0" encoding="utf-8"?>
+<file path=ppt/slides/slide6.xml><?xml version="1.0" encoding="utf-8"?>
 <p:sld xmlns:a="http://schemas.openxmlformats.org/drawingml/2006/main" xmlns:r="http://schemas.openxmlformats.org/officeDocument/2006/relationships" xmlns:p="http://schemas.openxmlformats.org/presentationml/2006/main">
   <p:cSld>
     <p:spTree>
@@ -18362,7 +19458,7 @@
 </p:sld>
 </file>
 
-<file path=ppt/slides/slide6.xml><?xml version="1.0" encoding="utf-8"?>
+<file path=ppt/slides/slide7.xml><?xml version="1.0" encoding="utf-8"?>
 <p:sld xmlns:a="http://schemas.openxmlformats.org/drawingml/2006/main" xmlns:r="http://schemas.openxmlformats.org/officeDocument/2006/relationships" xmlns:p="http://schemas.openxmlformats.org/presentationml/2006/main">
   <p:cSld>
     <p:spTree>
@@ -18699,7 +19795,7 @@
 </p:sld>
 </file>
 
-<file path=ppt/slides/slide7.xml><?xml version="1.0" encoding="utf-8"?>
+<file path=ppt/slides/slide8.xml><?xml version="1.0" encoding="utf-8"?>
 <p:sld xmlns:a="http://schemas.openxmlformats.org/drawingml/2006/main" xmlns:r="http://schemas.openxmlformats.org/officeDocument/2006/relationships" xmlns:p="http://schemas.openxmlformats.org/presentationml/2006/main">
   <p:cSld>
     <p:spTree>
@@ -18847,8 +19943,8 @@
 </p:sld>
 </file>
 
-<file path=ppt/slides/slide8.xml><?xml version="1.0" encoding="utf-8"?>
-<p:sld xmlns:a="http://schemas.openxmlformats.org/drawingml/2006/main" xmlns:r="http://schemas.openxmlformats.org/officeDocument/2006/relationships" xmlns:p="http://schemas.openxmlformats.org/presentationml/2006/main">
+<file path=ppt/slides/slide9.xml><?xml version="1.0" encoding="utf-8"?>
+<p:sld xmlns:a="http://schemas.openxmlformats.org/drawingml/2006/main" xmlns:r="http://schemas.openxmlformats.org/officeDocument/2006/relationships" xmlns:p="http://schemas.openxmlformats.org/presentationml/2006/main" showMasterSp="0">
   <p:cSld>
     <p:spTree>
       <p:nvGrpSpPr>
@@ -18864,693 +19960,39 @@
           <a:chExt cx="0" cy="0"/>
         </a:xfrm>
       </p:grpSpPr>
-      <p:sp>
-        <p:nvSpPr>
-          <p:cNvPr id="3074" name="Title 1"/>
-          <p:cNvSpPr>
-            <a:spLocks noGrp="1"/>
-          </p:cNvSpPr>
-          <p:nvPr>
-            <p:ph type="title"/>
-          </p:nvPr>
-        </p:nvSpPr>
+      <p:pic>
+        <p:nvPicPr>
+          <p:cNvPr id="1026" name="Picture 2"/>
+          <p:cNvPicPr>
+            <a:picLocks noChangeAspect="1" noChangeArrowheads="1"/>
+          </p:cNvPicPr>
+          <p:nvPr/>
+        </p:nvPicPr>
+        <p:blipFill>
+          <a:blip r:embed="rId2"/>
+          <a:srcRect/>
+          <a:stretch>
+            <a:fillRect/>
+          </a:stretch>
+        </p:blipFill>
         <p:spPr bwMode="auto">
+          <a:xfrm>
+            <a:off x="1000125" y="571500"/>
+            <a:ext cx="7143750" cy="5715000"/>
+          </a:xfrm>
+          <a:prstGeom prst="rect">
+            <a:avLst/>
+          </a:prstGeom>
           <a:noFill/>
-          <a:ln>
+          <a:ln w="9525">
+            <a:noFill/>
             <a:miter lim="800000"/>
             <a:headEnd/>
             <a:tailEnd/>
           </a:ln>
+          <a:effectLst/>
         </p:spPr>
-        <p:txBody>
-          <a:bodyPr vert="horz" wrap="square" lIns="91440" tIns="45720" rIns="91440" bIns="45720" numCol="1" anchor="t" anchorCtr="0" compatLnSpc="1">
-            <a:prstTxWarp prst="textNoShape">
-              <a:avLst/>
-            </a:prstTxWarp>
-          </a:bodyPr>
-          <a:lstStyle/>
-          <a:p>
-            <a:pPr eaLnBrk="1" hangingPunct="1"/>
-            <a:r>
-              <a:rPr lang="en-US" dirty="0" smtClean="0"/>
-              <a:t>SRP: Single Responsibility</a:t>
-            </a:r>
-          </a:p>
-        </p:txBody>
-      </p:sp>
-      <p:sp>
-        <p:nvSpPr>
-          <p:cNvPr id="3075" name="Text Placeholder 2"/>
-          <p:cNvSpPr>
-            <a:spLocks noGrp="1"/>
-          </p:cNvSpPr>
-          <p:nvPr>
-            <p:ph type="body" sz="quarter" idx="10"/>
-          </p:nvPr>
-        </p:nvSpPr>
-        <p:spPr>
-          <a:xfrm>
-            <a:off x="228600" y="1143000"/>
-            <a:ext cx="8686800" cy="457200"/>
-          </a:xfrm>
-        </p:spPr>
-        <p:txBody>
-          <a:bodyPr/>
-          <a:lstStyle/>
-          <a:p>
-            <a:pPr eaLnBrk="1" hangingPunct="1">
-              <a:buNone/>
-            </a:pPr>
-            <a:r>
-              <a:rPr lang="en-US" dirty="0" smtClean="0"/>
-              <a:t>Example App: Read A Flat File And Send An Email</a:t>
-            </a:r>
-          </a:p>
-          <a:p>
-            <a:pPr eaLnBrk="1" hangingPunct="1">
-              <a:buNone/>
-            </a:pPr>
-            <a:endParaRPr lang="en-US" dirty="0" smtClean="0"/>
-          </a:p>
-          <a:p>
-            <a:pPr eaLnBrk="1" hangingPunct="1">
-              <a:buNone/>
-            </a:pPr>
-            <a:endParaRPr lang="en-US" dirty="0" smtClean="0"/>
-          </a:p>
-          <a:p>
-            <a:pPr eaLnBrk="1" hangingPunct="1">
-              <a:buNone/>
-            </a:pPr>
-            <a:endParaRPr lang="en-US" dirty="0" smtClean="0"/>
-          </a:p>
-          <a:p>
-            <a:pPr eaLnBrk="1" hangingPunct="1">
-              <a:buNone/>
-            </a:pPr>
-            <a:endParaRPr lang="en-US" dirty="0" smtClean="0"/>
-          </a:p>
-        </p:txBody>
-      </p:sp>
-      <p:grpSp>
-        <p:nvGrpSpPr>
-          <p:cNvPr id="11" name="Group 10"/>
-          <p:cNvGrpSpPr/>
-          <p:nvPr/>
-        </p:nvGrpSpPr>
-        <p:grpSpPr>
-          <a:xfrm>
-            <a:off x="3733800" y="2590800"/>
-            <a:ext cx="1676400" cy="2590800"/>
-            <a:chOff x="3733800" y="2590800"/>
-            <a:chExt cx="1676400" cy="2590800"/>
-          </a:xfrm>
-          <a:scene3d>
-            <a:camera prst="perspectiveAbove"/>
-            <a:lightRig rig="threePt" dir="t"/>
-          </a:scene3d>
-        </p:grpSpPr>
-        <p:grpSp>
-          <p:nvGrpSpPr>
-            <p:cNvPr id="8" name="Group 7"/>
-            <p:cNvGrpSpPr/>
-            <p:nvPr/>
-          </p:nvGrpSpPr>
-          <p:grpSpPr>
-            <a:xfrm>
-              <a:off x="3733800" y="2590800"/>
-              <a:ext cx="1676400" cy="2590800"/>
-              <a:chOff x="1219200" y="2667000"/>
-              <a:chExt cx="1676400" cy="2590800"/>
-            </a:xfrm>
-          </p:grpSpPr>
-          <p:sp>
-            <p:nvSpPr>
-              <p:cNvPr id="4" name="Rectangle 3"/>
-              <p:cNvSpPr/>
-              <p:nvPr/>
-            </p:nvSpPr>
-            <p:spPr>
-              <a:xfrm>
-                <a:off x="1219200" y="2667000"/>
-                <a:ext cx="1676400" cy="990600"/>
-              </a:xfrm>
-              <a:prstGeom prst="rect">
-                <a:avLst/>
-              </a:prstGeom>
-            </p:spPr>
-            <p:style>
-              <a:lnRef idx="1">
-                <a:schemeClr val="accent1"/>
-              </a:lnRef>
-              <a:fillRef idx="3">
-                <a:schemeClr val="accent1"/>
-              </a:fillRef>
-              <a:effectRef idx="2">
-                <a:schemeClr val="accent1"/>
-              </a:effectRef>
-              <a:fontRef idx="minor">
-                <a:schemeClr val="lt1"/>
-              </a:fontRef>
-            </p:style>
-            <p:txBody>
-              <a:bodyPr rtlCol="0" anchor="ctr"/>
-              <a:lstStyle/>
-              <a:p>
-                <a:pPr algn="ctr"/>
-                <a:r>
-                  <a:rPr lang="en-US" dirty="0" smtClean="0"/>
-                  <a:t>Email Sending App</a:t>
-                </a:r>
-                <a:endParaRPr lang="en-US" dirty="0"/>
-              </a:p>
-            </p:txBody>
-          </p:sp>
-          <p:sp>
-            <p:nvSpPr>
-              <p:cNvPr id="5" name="Snip Single Corner Rectangle 4"/>
-              <p:cNvSpPr/>
-              <p:nvPr/>
-            </p:nvSpPr>
-            <p:spPr>
-              <a:xfrm>
-                <a:off x="1219200" y="4267200"/>
-                <a:ext cx="1676400" cy="990600"/>
-              </a:xfrm>
-              <a:prstGeom prst="snip1Rect">
-                <a:avLst/>
-              </a:prstGeom>
-            </p:spPr>
-            <p:style>
-              <a:lnRef idx="1">
-                <a:schemeClr val="accent1"/>
-              </a:lnRef>
-              <a:fillRef idx="3">
-                <a:schemeClr val="accent1"/>
-              </a:fillRef>
-              <a:effectRef idx="2">
-                <a:schemeClr val="accent1"/>
-              </a:effectRef>
-              <a:fontRef idx="minor">
-                <a:schemeClr val="lt1"/>
-              </a:fontRef>
-            </p:style>
-            <p:txBody>
-              <a:bodyPr rtlCol="0" anchor="ctr"/>
-              <a:lstStyle/>
-              <a:p>
-                <a:pPr algn="ctr"/>
-                <a:r>
-                  <a:rPr lang="en-US" dirty="0" smtClean="0"/>
-                  <a:t>File</a:t>
-                </a:r>
-                <a:endParaRPr lang="en-US" dirty="0"/>
-              </a:p>
-            </p:txBody>
-          </p:sp>
-        </p:grpSp>
-        <p:cxnSp>
-          <p:nvCxnSpPr>
-            <p:cNvPr id="10" name="Elbow Connector 9"/>
-            <p:cNvCxnSpPr>
-              <a:stCxn id="5" idx="3"/>
-              <a:endCxn id="4" idx="2"/>
-            </p:cNvCxnSpPr>
-            <p:nvPr/>
-          </p:nvCxnSpPr>
-          <p:spPr>
-            <a:xfrm rot="5400000" flipH="1" flipV="1">
-              <a:off x="4267200" y="3886200"/>
-              <a:ext cx="609600" cy="1588"/>
-            </a:xfrm>
-            <a:prstGeom prst="bentConnector3">
-              <a:avLst>
-                <a:gd name="adj1" fmla="val 50000"/>
-              </a:avLst>
-            </a:prstGeom>
-            <a:ln>
-              <a:tailEnd type="arrow"/>
-            </a:ln>
-          </p:spPr>
-          <p:style>
-            <a:lnRef idx="1">
-              <a:schemeClr val="accent1"/>
-            </a:lnRef>
-            <a:fillRef idx="3">
-              <a:schemeClr val="accent1"/>
-            </a:fillRef>
-            <a:effectRef idx="2">
-              <a:schemeClr val="accent1"/>
-            </a:effectRef>
-            <a:fontRef idx="minor">
-              <a:schemeClr val="lt1"/>
-            </a:fontRef>
-          </p:style>
-        </p:cxnSp>
-      </p:grpSp>
-    </p:spTree>
-  </p:cSld>
-  <p:clrMapOvr>
-    <a:masterClrMapping/>
-  </p:clrMapOvr>
-  <p:timing>
-    <p:tnLst>
-      <p:par>
-        <p:cTn id="1" dur="indefinite" restart="never" nodeType="tmRoot"/>
-      </p:par>
-    </p:tnLst>
-  </p:timing>
-</p:sld>
-</file>
-
-<file path=ppt/slides/slide9.xml><?xml version="1.0" encoding="utf-8"?>
-<p:sld xmlns:a="http://schemas.openxmlformats.org/drawingml/2006/main" xmlns:r="http://schemas.openxmlformats.org/officeDocument/2006/relationships" xmlns:p="http://schemas.openxmlformats.org/presentationml/2006/main">
-  <p:cSld>
-    <p:spTree>
-      <p:nvGrpSpPr>
-        <p:cNvPr id="1" name=""/>
-        <p:cNvGrpSpPr/>
-        <p:nvPr/>
-      </p:nvGrpSpPr>
-      <p:grpSpPr>
-        <a:xfrm>
-          <a:off x="0" y="0"/>
-          <a:ext cx="0" cy="0"/>
-          <a:chOff x="0" y="0"/>
-          <a:chExt cx="0" cy="0"/>
-        </a:xfrm>
-      </p:grpSpPr>
-      <p:sp>
-        <p:nvSpPr>
-          <p:cNvPr id="3074" name="Title 1"/>
-          <p:cNvSpPr>
-            <a:spLocks noGrp="1"/>
-          </p:cNvSpPr>
-          <p:nvPr>
-            <p:ph type="title"/>
-          </p:nvPr>
-        </p:nvSpPr>
-        <p:spPr bwMode="auto">
-          <a:noFill/>
-          <a:ln>
-            <a:miter lim="800000"/>
-            <a:headEnd/>
-            <a:tailEnd/>
-          </a:ln>
-        </p:spPr>
-        <p:txBody>
-          <a:bodyPr vert="horz" wrap="square" lIns="91440" tIns="45720" rIns="91440" bIns="45720" numCol="1" anchor="t" anchorCtr="0" compatLnSpc="1">
-            <a:prstTxWarp prst="textNoShape">
-              <a:avLst/>
-            </a:prstTxWarp>
-          </a:bodyPr>
-          <a:lstStyle/>
-          <a:p>
-            <a:pPr eaLnBrk="1" hangingPunct="1"/>
-            <a:r>
-              <a:rPr lang="en-US" dirty="0" smtClean="0"/>
-              <a:t>SRP: Single Responsibility</a:t>
-            </a:r>
-          </a:p>
-        </p:txBody>
-      </p:sp>
-      <p:sp>
-        <p:nvSpPr>
-          <p:cNvPr id="3075" name="Text Placeholder 2"/>
-          <p:cNvSpPr>
-            <a:spLocks noGrp="1"/>
-          </p:cNvSpPr>
-          <p:nvPr>
-            <p:ph type="body" sz="quarter" idx="10"/>
-          </p:nvPr>
-        </p:nvSpPr>
-        <p:spPr>
-          <a:xfrm>
-            <a:off x="228600" y="1143000"/>
-            <a:ext cx="8686800" cy="457200"/>
-          </a:xfrm>
-        </p:spPr>
-        <p:txBody>
-          <a:bodyPr/>
-          <a:lstStyle/>
-          <a:p>
-            <a:pPr eaLnBrk="1" hangingPunct="1">
-              <a:buNone/>
-            </a:pPr>
-            <a:r>
-              <a:rPr lang="en-US" dirty="0" smtClean="0"/>
-              <a:t>Example App New Requirements: </a:t>
-            </a:r>
-          </a:p>
-          <a:p>
-            <a:pPr eaLnBrk="1" hangingPunct="1"/>
-            <a:r>
-              <a:rPr lang="en-US" dirty="0" smtClean="0"/>
-              <a:t>Send From Non-</a:t>
-            </a:r>
-            <a:r>
-              <a:rPr lang="en-US" dirty="0" err="1" smtClean="0"/>
-              <a:t>WinForms</a:t>
-            </a:r>
-            <a:r>
-              <a:rPr lang="en-US" dirty="0" smtClean="0"/>
-              <a:t> App.</a:t>
-            </a:r>
-          </a:p>
-          <a:p>
-            <a:pPr eaLnBrk="1" hangingPunct="1"/>
-            <a:r>
-              <a:rPr lang="en-US" dirty="0" smtClean="0"/>
-              <a:t>Read XML Or Flat File</a:t>
-            </a:r>
-          </a:p>
-          <a:p>
-            <a:pPr eaLnBrk="1" hangingPunct="1">
-              <a:buNone/>
-            </a:pPr>
-            <a:endParaRPr lang="en-US" dirty="0" smtClean="0"/>
-          </a:p>
-          <a:p>
-            <a:pPr eaLnBrk="1" hangingPunct="1">
-              <a:buNone/>
-            </a:pPr>
-            <a:endParaRPr lang="en-US" dirty="0" smtClean="0"/>
-          </a:p>
-          <a:p>
-            <a:pPr eaLnBrk="1" hangingPunct="1">
-              <a:buNone/>
-            </a:pPr>
-            <a:endParaRPr lang="en-US" dirty="0" smtClean="0"/>
-          </a:p>
-          <a:p>
-            <a:pPr eaLnBrk="1" hangingPunct="1">
-              <a:buNone/>
-            </a:pPr>
-            <a:endParaRPr lang="en-US" dirty="0" smtClean="0"/>
-          </a:p>
-        </p:txBody>
-      </p:sp>
-      <p:grpSp>
-        <p:nvGrpSpPr>
-          <p:cNvPr id="14" name="Group 13"/>
-          <p:cNvGrpSpPr/>
-          <p:nvPr/>
-        </p:nvGrpSpPr>
-        <p:grpSpPr>
-          <a:xfrm>
-            <a:off x="3962400" y="2286000"/>
-            <a:ext cx="3657600" cy="3810000"/>
-            <a:chOff x="2743200" y="1371600"/>
-            <a:chExt cx="3657600" cy="3810000"/>
-          </a:xfrm>
-          <a:scene3d>
-            <a:camera prst="perspectiveAbove"/>
-            <a:lightRig rig="threePt" dir="t"/>
-          </a:scene3d>
-        </p:grpSpPr>
-        <p:sp>
-          <p:nvSpPr>
-            <p:cNvPr id="4" name="Rectangle 3"/>
-            <p:cNvSpPr/>
-            <p:nvPr/>
-          </p:nvSpPr>
-          <p:spPr>
-            <a:xfrm>
-              <a:off x="3733800" y="2590800"/>
-              <a:ext cx="1676400" cy="990600"/>
-            </a:xfrm>
-            <a:prstGeom prst="rect">
-              <a:avLst/>
-            </a:prstGeom>
-          </p:spPr>
-          <p:style>
-            <a:lnRef idx="1">
-              <a:schemeClr val="accent2"/>
-            </a:lnRef>
-            <a:fillRef idx="3">
-              <a:schemeClr val="accent2"/>
-            </a:fillRef>
-            <a:effectRef idx="2">
-              <a:schemeClr val="accent2"/>
-            </a:effectRef>
-            <a:fontRef idx="minor">
-              <a:schemeClr val="lt1"/>
-            </a:fontRef>
-          </p:style>
-          <p:txBody>
-            <a:bodyPr rtlCol="0" anchor="ctr"/>
-            <a:lstStyle/>
-            <a:p>
-              <a:pPr algn="ctr"/>
-              <a:r>
-                <a:rPr lang="en-US" dirty="0" smtClean="0"/>
-                <a:t>Email Sender</a:t>
-              </a:r>
-              <a:endParaRPr lang="en-US" dirty="0"/>
-            </a:p>
-          </p:txBody>
-        </p:sp>
-        <p:sp>
-          <p:nvSpPr>
-            <p:cNvPr id="5" name="Snip Single Corner Rectangle 4"/>
-            <p:cNvSpPr/>
-            <p:nvPr/>
-          </p:nvSpPr>
-          <p:spPr>
-            <a:xfrm>
-              <a:off x="2743200" y="4191000"/>
-              <a:ext cx="1676400" cy="990600"/>
-            </a:xfrm>
-            <a:prstGeom prst="snip1Rect">
-              <a:avLst/>
-            </a:prstGeom>
-          </p:spPr>
-          <p:style>
-            <a:lnRef idx="1">
-              <a:schemeClr val="accent1"/>
-            </a:lnRef>
-            <a:fillRef idx="3">
-              <a:schemeClr val="accent1"/>
-            </a:fillRef>
-            <a:effectRef idx="2">
-              <a:schemeClr val="accent1"/>
-            </a:effectRef>
-            <a:fontRef idx="minor">
-              <a:schemeClr val="lt1"/>
-            </a:fontRef>
-          </p:style>
-          <p:txBody>
-            <a:bodyPr rtlCol="0" anchor="ctr"/>
-            <a:lstStyle/>
-            <a:p>
-              <a:pPr algn="ctr"/>
-              <a:r>
-                <a:rPr lang="en-US" dirty="0" smtClean="0"/>
-                <a:t>Flat File</a:t>
-              </a:r>
-              <a:endParaRPr lang="en-US" dirty="0"/>
-            </a:p>
-          </p:txBody>
-        </p:sp>
-        <p:sp>
-          <p:nvSpPr>
-            <p:cNvPr id="8" name="Snip Single Corner Rectangle 7"/>
-            <p:cNvSpPr/>
-            <p:nvPr/>
-          </p:nvSpPr>
-          <p:spPr>
-            <a:xfrm>
-              <a:off x="4724400" y="4191000"/>
-              <a:ext cx="1676400" cy="990600"/>
-            </a:xfrm>
-            <a:prstGeom prst="snip1Rect">
-              <a:avLst/>
-            </a:prstGeom>
-          </p:spPr>
-          <p:style>
-            <a:lnRef idx="1">
-              <a:schemeClr val="accent2"/>
-            </a:lnRef>
-            <a:fillRef idx="3">
-              <a:schemeClr val="accent2"/>
-            </a:fillRef>
-            <a:effectRef idx="2">
-              <a:schemeClr val="accent2"/>
-            </a:effectRef>
-            <a:fontRef idx="minor">
-              <a:schemeClr val="lt1"/>
-            </a:fontRef>
-          </p:style>
-          <p:txBody>
-            <a:bodyPr rtlCol="0" anchor="ctr"/>
-            <a:lstStyle/>
-            <a:p>
-              <a:pPr algn="ctr"/>
-              <a:r>
-                <a:rPr lang="en-US" dirty="0" smtClean="0"/>
-                <a:t>XML File</a:t>
-              </a:r>
-              <a:endParaRPr lang="en-US" dirty="0"/>
-            </a:p>
-          </p:txBody>
-        </p:sp>
-        <p:cxnSp>
-          <p:nvCxnSpPr>
-            <p:cNvPr id="15" name="Elbow Connector 14"/>
-            <p:cNvCxnSpPr>
-              <a:stCxn id="5" idx="3"/>
-              <a:endCxn id="4" idx="2"/>
-            </p:cNvCxnSpPr>
-            <p:nvPr/>
-          </p:nvCxnSpPr>
-          <p:spPr>
-            <a:xfrm rot="5400000" flipH="1" flipV="1">
-              <a:off x="3771900" y="3390900"/>
-              <a:ext cx="609600" cy="990600"/>
-            </a:xfrm>
-            <a:prstGeom prst="bentConnector3">
-              <a:avLst>
-                <a:gd name="adj1" fmla="val 50000"/>
-              </a:avLst>
-            </a:prstGeom>
-            <a:ln>
-              <a:tailEnd type="arrow"/>
-            </a:ln>
-          </p:spPr>
-          <p:style>
-            <a:lnRef idx="1">
-              <a:schemeClr val="accent1"/>
-            </a:lnRef>
-            <a:fillRef idx="3">
-              <a:schemeClr val="accent1"/>
-            </a:fillRef>
-            <a:effectRef idx="2">
-              <a:schemeClr val="accent1"/>
-            </a:effectRef>
-            <a:fontRef idx="minor">
-              <a:schemeClr val="lt1"/>
-            </a:fontRef>
-          </p:style>
-        </p:cxnSp>
-        <p:cxnSp>
-          <p:nvCxnSpPr>
-            <p:cNvPr id="16" name="Elbow Connector 15"/>
-            <p:cNvCxnSpPr>
-              <a:stCxn id="8" idx="3"/>
-              <a:endCxn id="4" idx="2"/>
-            </p:cNvCxnSpPr>
-            <p:nvPr/>
-          </p:nvCxnSpPr>
-          <p:spPr>
-            <a:xfrm rot="16200000" flipV="1">
-              <a:off x="4762500" y="3390900"/>
-              <a:ext cx="609600" cy="990600"/>
-            </a:xfrm>
-            <a:prstGeom prst="bentConnector3">
-              <a:avLst>
-                <a:gd name="adj1" fmla="val 50000"/>
-              </a:avLst>
-            </a:prstGeom>
-            <a:ln>
-              <a:tailEnd type="arrow"/>
-            </a:ln>
-          </p:spPr>
-          <p:style>
-            <a:lnRef idx="1">
-              <a:schemeClr val="accent1"/>
-            </a:lnRef>
-            <a:fillRef idx="3">
-              <a:schemeClr val="accent1"/>
-            </a:fillRef>
-            <a:effectRef idx="2">
-              <a:schemeClr val="accent1"/>
-            </a:effectRef>
-            <a:fontRef idx="minor">
-              <a:schemeClr val="lt1"/>
-            </a:fontRef>
-          </p:style>
-        </p:cxnSp>
-        <p:sp>
-          <p:nvSpPr>
-            <p:cNvPr id="10" name="Rectangle 9"/>
-            <p:cNvSpPr/>
-            <p:nvPr/>
-          </p:nvSpPr>
-          <p:spPr>
-            <a:xfrm>
-              <a:off x="3733800" y="1371600"/>
-              <a:ext cx="1676400" cy="990600"/>
-            </a:xfrm>
-            <a:prstGeom prst="rect">
-              <a:avLst/>
-            </a:prstGeom>
-          </p:spPr>
-          <p:style>
-            <a:lnRef idx="1">
-              <a:schemeClr val="accent1"/>
-            </a:lnRef>
-            <a:fillRef idx="3">
-              <a:schemeClr val="accent1"/>
-            </a:fillRef>
-            <a:effectRef idx="2">
-              <a:schemeClr val="accent1"/>
-            </a:effectRef>
-            <a:fontRef idx="minor">
-              <a:schemeClr val="lt1"/>
-            </a:fontRef>
-          </p:style>
-          <p:txBody>
-            <a:bodyPr rtlCol="0" anchor="ctr"/>
-            <a:lstStyle/>
-            <a:p>
-              <a:pPr algn="ctr"/>
-              <a:r>
-                <a:rPr lang="en-US" dirty="0" smtClean="0"/>
-                <a:t>Email Sending App</a:t>
-              </a:r>
-              <a:endParaRPr lang="en-US" dirty="0"/>
-            </a:p>
-          </p:txBody>
-        </p:sp>
-        <p:cxnSp>
-          <p:nvCxnSpPr>
-            <p:cNvPr id="11" name="Elbow Connector 10"/>
-            <p:cNvCxnSpPr>
-              <a:stCxn id="4" idx="0"/>
-              <a:endCxn id="10" idx="2"/>
-            </p:cNvCxnSpPr>
-            <p:nvPr/>
-          </p:nvCxnSpPr>
-          <p:spPr>
-            <a:xfrm rot="5400000" flipH="1" flipV="1">
-              <a:off x="4457700" y="2476500"/>
-              <a:ext cx="228600" cy="1588"/>
-            </a:xfrm>
-            <a:prstGeom prst="bentConnector3">
-              <a:avLst>
-                <a:gd name="adj1" fmla="val 50000"/>
-              </a:avLst>
-            </a:prstGeom>
-            <a:ln>
-              <a:tailEnd type="arrow"/>
-            </a:ln>
-          </p:spPr>
-          <p:style>
-            <a:lnRef idx="1">
-              <a:schemeClr val="accent1"/>
-            </a:lnRef>
-            <a:fillRef idx="3">
-              <a:schemeClr val="accent1"/>
-            </a:fillRef>
-            <a:effectRef idx="2">
-              <a:schemeClr val="accent1"/>
-            </a:effectRef>
-            <a:fontRef idx="minor">
-              <a:schemeClr val="lt1"/>
-            </a:fontRef>
-          </p:style>
-        </p:cxnSp>
-      </p:grpSp>
+      </p:pic>
     </p:spTree>
   </p:cSld>
   <p:clrMapOvr>
@@ -20432,6 +20874,21 @@
 </file>
 
 <file path=customXml/item1.xml><?xml version="1.0" encoding="utf-8"?>
+<p:properties xmlns:p="http://schemas.microsoft.com/office/2006/metadata/properties" xmlns:xsi="http://www.w3.org/2001/XMLSchema-instance">
+  <documentManagement/>
+</p:properties>
+</file>
+
+<file path=customXml/item2.xml><?xml version="1.0" encoding="utf-8"?>
+<?mso-contentType ?>
+<FormTemplates xmlns="http://schemas.microsoft.com/sharepoint/v3/contenttype/forms">
+  <Display>DocumentLibraryForm</Display>
+  <Edit>DocumentLibraryForm</Edit>
+  <New>DocumentLibraryForm</New>
+</FormTemplates>
+</file>
+
+<file path=customXml/item3.xml><?xml version="1.0" encoding="utf-8"?>
 <ct:contentTypeSchema xmlns:ct="http://schemas.microsoft.com/office/2006/metadata/contentType" xmlns:ma="http://schemas.microsoft.com/office/2006/metadata/properties/metaAttributes" ct:_="" ma:_="" ma:contentTypeName="Document" ma:contentTypeID="0x0101005857B3975182FB47B67FAAA67052062C" ma:contentTypeVersion="0" ma:contentTypeDescription="Create a new document." ma:contentTypeScope="" ma:versionID="a1781edd533abf786dc62ee7dded643a">
   <xsd:schema xmlns:xsd="http://www.w3.org/2001/XMLSchema" xmlns:p="http://schemas.microsoft.com/office/2006/metadata/properties" targetNamespace="http://schemas.microsoft.com/office/2006/metadata/properties" ma:root="true" ma:fieldsID="4aeb20c0e3442673af7ee10786458764">
     <xsd:element name="properties">
@@ -20480,32 +20937,10 @@
 </ct:contentTypeSchema>
 </file>
 
-<file path=customXml/item2.xml><?xml version="1.0" encoding="utf-8"?>
-<?mso-contentType ?>
-<FormTemplates xmlns="http://schemas.microsoft.com/sharepoint/v3/contenttype/forms">
-  <Display>DocumentLibraryForm</Display>
-  <Edit>DocumentLibraryForm</Edit>
-  <New>DocumentLibraryForm</New>
-</FormTemplates>
-</file>
-
-<file path=customXml/item3.xml><?xml version="1.0" encoding="utf-8"?>
-<p:properties xmlns:p="http://schemas.microsoft.com/office/2006/metadata/properties" xmlns:xsi="http://www.w3.org/2001/XMLSchema-instance">
-  <documentManagement/>
-</p:properties>
-</file>
-
 <file path=customXml/itemProps1.xml><?xml version="1.0" encoding="utf-8"?>
-<ds:datastoreItem xmlns:ds="http://schemas.openxmlformats.org/officeDocument/2006/customXml" ds:itemID="{D3EBC05E-93E3-47EC-A4AA-B305F2941009}">
+<ds:datastoreItem xmlns:ds="http://schemas.openxmlformats.org/officeDocument/2006/customXml" ds:itemID="{F8AADC7F-5DC4-46F2-A809-0679B041C012}">
   <ds:schemaRefs>
-    <ds:schemaRef ds:uri="http://schemas.microsoft.com/office/2006/metadata/contentType"/>
-    <ds:schemaRef ds:uri="http://schemas.microsoft.com/office/2006/metadata/properties/metaAttributes"/>
-    <ds:schemaRef ds:uri="http://www.w3.org/2001/XMLSchema"/>
     <ds:schemaRef ds:uri="http://schemas.microsoft.com/office/2006/metadata/properties"/>
-    <ds:schemaRef ds:uri="http://schemas.openxmlformats.org/package/2006/metadata/core-properties"/>
-    <ds:schemaRef ds:uri="http://purl.org/dc/elements/1.1/"/>
-    <ds:schemaRef ds:uri="http://purl.org/dc/terms/"/>
-    <ds:schemaRef ds:uri="http://schemas.microsoft.com/office/internal/2005/internalDocumentation"/>
   </ds:schemaRefs>
 </ds:datastoreItem>
 </file>
@@ -20519,9 +20954,16 @@
 </file>
 
 <file path=customXml/itemProps3.xml><?xml version="1.0" encoding="utf-8"?>
-<ds:datastoreItem xmlns:ds="http://schemas.openxmlformats.org/officeDocument/2006/customXml" ds:itemID="{F8AADC7F-5DC4-46F2-A809-0679B041C012}">
+<ds:datastoreItem xmlns:ds="http://schemas.openxmlformats.org/officeDocument/2006/customXml" ds:itemID="{D3EBC05E-93E3-47EC-A4AA-B305F2941009}">
   <ds:schemaRefs>
+    <ds:schemaRef ds:uri="http://schemas.microsoft.com/office/2006/metadata/contentType"/>
+    <ds:schemaRef ds:uri="http://schemas.microsoft.com/office/2006/metadata/properties/metaAttributes"/>
+    <ds:schemaRef ds:uri="http://www.w3.org/2001/XMLSchema"/>
     <ds:schemaRef ds:uri="http://schemas.microsoft.com/office/2006/metadata/properties"/>
+    <ds:schemaRef ds:uri="http://schemas.openxmlformats.org/package/2006/metadata/core-properties"/>
+    <ds:schemaRef ds:uri="http://purl.org/dc/elements/1.1/"/>
+    <ds:schemaRef ds:uri="http://purl.org/dc/terms/"/>
+    <ds:schemaRef ds:uri="http://schemas.microsoft.com/office/internal/2005/internalDocumentation"/>
   </ds:schemaRefs>
 </ds:datastoreItem>
 </file>
--- a/SOLID Principles - Step By Step Code/SOLID Principles Presentation.pptx
+++ b/SOLID Principles - Step By Step Code/SOLID Principles Presentation.pptx
@@ -282,7 +282,7 @@
               <a:pPr>
                 <a:defRPr/>
               </a:pPr>
-              <a:t>5/28/2009</a:t>
+              <a:t>6/3/2009</a:t>
             </a:fld>
             <a:endParaRPr lang="en-US"/>
           </a:p>
@@ -460,7 +460,7 @@
               <a:pPr>
                 <a:defRPr/>
               </a:pPr>
-              <a:t>5/28/2009</a:t>
+              <a:t>6/3/2009</a:t>
             </a:fld>
             <a:endParaRPr lang="en-US"/>
           </a:p>
@@ -4784,252 +4784,136 @@
       </p:sp>
       <p:grpSp>
         <p:nvGrpSpPr>
-          <p:cNvPr id="12" name="Group 11"/>
+          <p:cNvPr id="7" name="Group 6"/>
           <p:cNvGrpSpPr/>
           <p:nvPr/>
         </p:nvGrpSpPr>
         <p:grpSpPr>
           <a:xfrm>
-            <a:off x="2628900" y="3495675"/>
-            <a:ext cx="3581400" cy="2295525"/>
-            <a:chOff x="2628900" y="3276600"/>
-            <a:chExt cx="3581400" cy="2295525"/>
+            <a:off x="2933700" y="4114800"/>
+            <a:ext cx="3276600" cy="914400"/>
+            <a:chOff x="762000" y="3733800"/>
+            <a:chExt cx="3276600" cy="914400"/>
           </a:xfrm>
         </p:grpSpPr>
-        <p:grpSp>
-          <p:nvGrpSpPr>
-            <p:cNvPr id="7" name="Group 6"/>
-            <p:cNvGrpSpPr/>
-            <p:nvPr/>
-          </p:nvGrpSpPr>
-          <p:grpSpPr>
+        <p:sp>
+          <p:nvSpPr>
+            <p:cNvPr id="4" name="Rectangle 3"/>
+            <p:cNvSpPr/>
+            <p:nvPr/>
+          </p:nvSpPr>
+          <p:spPr>
             <a:xfrm>
-              <a:off x="2933700" y="3276600"/>
-              <a:ext cx="3276600" cy="914400"/>
-              <a:chOff x="762000" y="3733800"/>
-              <a:chExt cx="3276600" cy="914400"/>
-            </a:xfrm>
-          </p:grpSpPr>
-          <p:sp>
-            <p:nvSpPr>
-              <p:cNvPr id="4" name="Rectangle 3"/>
-              <p:cNvSpPr/>
-              <p:nvPr/>
-            </p:nvSpPr>
-            <p:spPr>
-              <a:xfrm>
-                <a:off x="762000" y="3733800"/>
-                <a:ext cx="914400" cy="914400"/>
-              </a:xfrm>
-              <a:prstGeom prst="rect">
-                <a:avLst/>
-              </a:prstGeom>
-            </p:spPr>
-            <p:style>
-              <a:lnRef idx="1">
-                <a:schemeClr val="accent2"/>
-              </a:lnRef>
-              <a:fillRef idx="3">
-                <a:schemeClr val="accent2"/>
-              </a:fillRef>
-              <a:effectRef idx="2">
-                <a:schemeClr val="accent2"/>
-              </a:effectRef>
-              <a:fontRef idx="minor">
-                <a:schemeClr val="lt1"/>
-              </a:fontRef>
-            </p:style>
-            <p:txBody>
-              <a:bodyPr rtlCol="0" anchor="ctr"/>
-              <a:lstStyle/>
-              <a:p>
-                <a:pPr algn="ctr"/>
-                <a:r>
-                  <a:rPr lang="en-US" dirty="0" smtClean="0"/>
-                  <a:t>Square</a:t>
-                </a:r>
-                <a:endParaRPr lang="en-US" dirty="0"/>
-              </a:p>
-            </p:txBody>
-          </p:sp>
-          <p:sp>
-            <p:nvSpPr>
-              <p:cNvPr id="5" name="Rectangle 4"/>
-              <p:cNvSpPr/>
-              <p:nvPr/>
-            </p:nvSpPr>
-            <p:spPr>
-              <a:xfrm>
-                <a:off x="2438400" y="3733800"/>
-                <a:ext cx="1600200" cy="914400"/>
-              </a:xfrm>
-              <a:prstGeom prst="rect">
-                <a:avLst/>
-              </a:prstGeom>
-            </p:spPr>
-            <p:style>
-              <a:lnRef idx="1">
-                <a:schemeClr val="accent1"/>
-              </a:lnRef>
-              <a:fillRef idx="3">
-                <a:schemeClr val="accent1"/>
-              </a:fillRef>
-              <a:effectRef idx="2">
-                <a:schemeClr val="accent1"/>
-              </a:effectRef>
-              <a:fontRef idx="minor">
-                <a:schemeClr val="lt1"/>
-              </a:fontRef>
-            </p:style>
-            <p:txBody>
-              <a:bodyPr rtlCol="0" anchor="ctr"/>
-              <a:lstStyle/>
-              <a:p>
-                <a:pPr algn="ctr"/>
-                <a:r>
-                  <a:rPr lang="en-US" dirty="0" smtClean="0"/>
-                  <a:t>Rectangle</a:t>
-                </a:r>
-                <a:endParaRPr lang="en-US" dirty="0"/>
-              </a:p>
-            </p:txBody>
-          </p:sp>
-          <p:sp>
-            <p:nvSpPr>
-              <p:cNvPr id="6" name="TextBox 5"/>
-              <p:cNvSpPr txBox="1"/>
-              <p:nvPr/>
-            </p:nvSpPr>
-            <p:spPr>
-              <a:xfrm>
-                <a:off x="1752600" y="3810000"/>
-                <a:ext cx="606256" cy="707886"/>
-              </a:xfrm>
-              <a:prstGeom prst="rect">
-                <a:avLst/>
-              </a:prstGeom>
-              <a:noFill/>
-            </p:spPr>
-            <p:txBody>
-              <a:bodyPr wrap="none" rtlCol="0">
-                <a:spAutoFit/>
-              </a:bodyPr>
-              <a:lstStyle/>
-              <a:p>
-                <a:r>
-                  <a:rPr lang="en-US" sz="4000" dirty="0" smtClean="0">
-                    <a:solidFill>
-                      <a:schemeClr val="accent1"/>
-                    </a:solidFill>
-                    <a:latin typeface="+mn-lt"/>
-                  </a:rPr>
-                  <a:t>!=</a:t>
-                </a:r>
-              </a:p>
-            </p:txBody>
-          </p:sp>
-        </p:grpSp>
-        <p:grpSp>
-          <p:nvGrpSpPr>
-            <p:cNvPr id="11" name="Group 10"/>
-            <p:cNvGrpSpPr/>
-            <p:nvPr/>
-          </p:nvGrpSpPr>
-          <p:grpSpPr>
+              <a:off x="762000" y="3733800"/>
+              <a:ext cx="914400" cy="914400"/>
+            </a:xfrm>
+            <a:prstGeom prst="rect">
+              <a:avLst/>
+            </a:prstGeom>
+          </p:spPr>
+          <p:style>
+            <a:lnRef idx="1">
+              <a:schemeClr val="accent2"/>
+            </a:lnRef>
+            <a:fillRef idx="3">
+              <a:schemeClr val="accent2"/>
+            </a:fillRef>
+            <a:effectRef idx="2">
+              <a:schemeClr val="accent2"/>
+            </a:effectRef>
+            <a:fontRef idx="minor">
+              <a:schemeClr val="lt1"/>
+            </a:fontRef>
+          </p:style>
+          <p:txBody>
+            <a:bodyPr rtlCol="0" anchor="ctr"/>
+            <a:lstStyle/>
+            <a:p>
+              <a:pPr algn="ctr"/>
+              <a:r>
+                <a:rPr lang="en-US" dirty="0" smtClean="0"/>
+                <a:t>Square</a:t>
+              </a:r>
+              <a:endParaRPr lang="en-US" dirty="0"/>
+            </a:p>
+          </p:txBody>
+        </p:sp>
+        <p:sp>
+          <p:nvSpPr>
+            <p:cNvPr id="5" name="Rectangle 4"/>
+            <p:cNvSpPr/>
+            <p:nvPr/>
+          </p:nvSpPr>
+          <p:spPr>
             <a:xfrm>
-              <a:off x="2628900" y="4495800"/>
-              <a:ext cx="3467100" cy="1076325"/>
-              <a:chOff x="2590800" y="4495800"/>
-              <a:chExt cx="3467100" cy="1076325"/>
-            </a:xfrm>
-          </p:grpSpPr>
-          <p:pic>
-            <p:nvPicPr>
-              <p:cNvPr id="1026" name="Picture 2" descr="C:\Documents and Settings\derickb\Desktop\images2.jpg"/>
-              <p:cNvPicPr>
-                <a:picLocks noChangeAspect="1" noChangeArrowheads="1"/>
-              </p:cNvPicPr>
-              <p:nvPr/>
-            </p:nvPicPr>
-            <p:blipFill>
-              <a:blip r:embed="rId2"/>
-              <a:srcRect/>
-              <a:stretch>
-                <a:fillRect/>
-              </a:stretch>
-            </p:blipFill>
-            <p:spPr bwMode="auto">
-              <a:xfrm>
-                <a:off x="4724400" y="4572000"/>
-                <a:ext cx="1333500" cy="1000125"/>
-              </a:xfrm>
-              <a:prstGeom prst="rect">
-                <a:avLst/>
-              </a:prstGeom>
-              <a:noFill/>
-            </p:spPr>
-          </p:pic>
-          <p:pic>
-            <p:nvPicPr>
-              <p:cNvPr id="1027" name="Picture 3" descr="C:\Documents and Settings\derickb\Desktop\images.jpg"/>
-              <p:cNvPicPr>
-                <a:picLocks noChangeAspect="1" noChangeArrowheads="1"/>
-              </p:cNvPicPr>
-              <p:nvPr/>
-            </p:nvPicPr>
-            <p:blipFill>
-              <a:blip r:embed="rId3"/>
-              <a:srcRect/>
-              <a:stretch>
-                <a:fillRect/>
-              </a:stretch>
-            </p:blipFill>
-            <p:spPr bwMode="auto">
-              <a:xfrm>
-                <a:off x="2590800" y="4495800"/>
-                <a:ext cx="1428750" cy="1076325"/>
-              </a:xfrm>
-              <a:prstGeom prst="rect">
-                <a:avLst/>
-              </a:prstGeom>
-              <a:noFill/>
-            </p:spPr>
-          </p:pic>
-          <p:sp>
-            <p:nvSpPr>
-              <p:cNvPr id="10" name="TextBox 9"/>
-              <p:cNvSpPr txBox="1"/>
-              <p:nvPr/>
-            </p:nvSpPr>
-            <p:spPr>
-              <a:xfrm>
-                <a:off x="3886200" y="4702314"/>
-                <a:ext cx="606256" cy="707886"/>
-              </a:xfrm>
-              <a:prstGeom prst="rect">
-                <a:avLst/>
-              </a:prstGeom>
-              <a:noFill/>
-            </p:spPr>
-            <p:txBody>
-              <a:bodyPr wrap="none" rtlCol="0">
-                <a:spAutoFit/>
-              </a:bodyPr>
-              <a:lstStyle/>
-              <a:p>
-                <a:r>
-                  <a:rPr lang="en-US" sz="4000" dirty="0" smtClean="0">
-                    <a:solidFill>
-                      <a:schemeClr val="accent1"/>
-                    </a:solidFill>
-                    <a:latin typeface="+mn-lt"/>
-                  </a:rPr>
-                  <a:t>!=</a:t>
-                </a:r>
-              </a:p>
-            </p:txBody>
-          </p:sp>
-        </p:grpSp>
+              <a:off x="2438400" y="3733800"/>
+              <a:ext cx="1600200" cy="914400"/>
+            </a:xfrm>
+            <a:prstGeom prst="rect">
+              <a:avLst/>
+            </a:prstGeom>
+          </p:spPr>
+          <p:style>
+            <a:lnRef idx="1">
+              <a:schemeClr val="accent1"/>
+            </a:lnRef>
+            <a:fillRef idx="3">
+              <a:schemeClr val="accent1"/>
+            </a:fillRef>
+            <a:effectRef idx="2">
+              <a:schemeClr val="accent1"/>
+            </a:effectRef>
+            <a:fontRef idx="minor">
+              <a:schemeClr val="lt1"/>
+            </a:fontRef>
+          </p:style>
+          <p:txBody>
+            <a:bodyPr rtlCol="0" anchor="ctr"/>
+            <a:lstStyle/>
+            <a:p>
+              <a:pPr algn="ctr"/>
+              <a:r>
+                <a:rPr lang="en-US" dirty="0" smtClean="0"/>
+                <a:t>Rectangle</a:t>
+              </a:r>
+              <a:endParaRPr lang="en-US" dirty="0"/>
+            </a:p>
+          </p:txBody>
+        </p:sp>
+        <p:sp>
+          <p:nvSpPr>
+            <p:cNvPr id="6" name="TextBox 5"/>
+            <p:cNvSpPr txBox="1"/>
+            <p:nvPr/>
+          </p:nvSpPr>
+          <p:spPr>
+            <a:xfrm>
+              <a:off x="1752600" y="3810000"/>
+              <a:ext cx="606256" cy="707886"/>
+            </a:xfrm>
+            <a:prstGeom prst="rect">
+              <a:avLst/>
+            </a:prstGeom>
+            <a:noFill/>
+          </p:spPr>
+          <p:txBody>
+            <a:bodyPr wrap="none" rtlCol="0">
+              <a:spAutoFit/>
+            </a:bodyPr>
+            <a:lstStyle/>
+            <a:p>
+              <a:r>
+                <a:rPr lang="en-US" sz="4000" dirty="0" smtClean="0">
+                  <a:solidFill>
+                    <a:schemeClr val="accent1"/>
+                  </a:solidFill>
+                  <a:latin typeface="+mn-lt"/>
+                </a:rPr>
+                <a:t>!=</a:t>
+              </a:r>
+            </a:p>
+          </p:txBody>
+        </p:sp>
       </p:grpSp>
     </p:spTree>
   </p:cSld>
@@ -15772,6 +15656,11 @@
               </a:rPr>
               <a:t>http://butunclebob.com/ArticleS.UncleBob.PrinciplesOfOod</a:t>
             </a:r>
+            <a:endParaRPr lang="en-US" sz="1000" dirty="0" smtClean="0">
+              <a:solidFill>
+                <a:schemeClr val="bg1"/>
+              </a:solidFill>
+            </a:endParaRPr>
           </a:p>
           <a:p>
             <a:pPr eaLnBrk="1" hangingPunct="1">
@@ -15780,7 +15669,7 @@
               </a:lnSpc>
               <a:buNone/>
             </a:pPr>
-            <a:endParaRPr lang="en-US" sz="2000" dirty="0" smtClean="0">
+            <a:endParaRPr lang="en-US" sz="1000" dirty="0" smtClean="0">
               <a:solidFill>
                 <a:schemeClr val="bg1"/>
               </a:solidFill>
@@ -15817,6 +15706,11 @@
               </a:rPr>
               <a:t>http://www.lostechies.com/blogs/chad_myers/archive/2008/03/07/pablo-s-topic-of-the-month-march-solid-principles.aspx</a:t>
             </a:r>
+            <a:endParaRPr lang="en-US" sz="1000" dirty="0" smtClean="0">
+              <a:solidFill>
+                <a:schemeClr val="bg1"/>
+              </a:solidFill>
+            </a:endParaRPr>
           </a:p>
           <a:p>
             <a:pPr eaLnBrk="1" hangingPunct="1">
@@ -15825,7 +15719,7 @@
               </a:lnSpc>
               <a:buNone/>
             </a:pPr>
-            <a:endParaRPr lang="en-US" sz="2000" dirty="0" smtClean="0">
+            <a:endParaRPr lang="en-US" sz="1000" dirty="0" smtClean="0">
               <a:solidFill>
                 <a:schemeClr val="bg1"/>
               </a:solidFill>
@@ -15860,15 +15754,7 @@
                   <a:schemeClr val="bg1"/>
                 </a:solidFill>
               </a:rPr>
-              <a:t>by Robert </a:t>
-            </a:r>
-            <a:r>
-              <a:rPr lang="en-US" sz="2000" smtClean="0">
-                <a:solidFill>
-                  <a:schemeClr val="bg1"/>
-                </a:solidFill>
-              </a:rPr>
-              <a:t>(Uncle Bob) </a:t>
+              <a:t>by Robert (Uncle Bob) Martin and Micah </a:t>
             </a:r>
             <a:r>
               <a:rPr lang="en-US" sz="2000" dirty="0" smtClean="0">
@@ -15876,8 +15762,84 @@
                   <a:schemeClr val="bg1"/>
                 </a:solidFill>
               </a:rPr>
-              <a:t>Martin and Micah Martin</a:t>
+              <a:t>Martin</a:t>
             </a:r>
+            <a:endParaRPr lang="en-US" sz="1000" dirty="0" smtClean="0">
+              <a:solidFill>
+                <a:schemeClr val="bg1"/>
+              </a:solidFill>
+            </a:endParaRPr>
+          </a:p>
+          <a:p>
+            <a:pPr eaLnBrk="1" hangingPunct="1">
+              <a:lnSpc>
+                <a:spcPct val="80000"/>
+              </a:lnSpc>
+              <a:buNone/>
+            </a:pPr>
+            <a:endParaRPr lang="en-US" sz="1000" dirty="0" smtClean="0">
+              <a:solidFill>
+                <a:schemeClr val="bg1"/>
+              </a:solidFill>
+            </a:endParaRPr>
+          </a:p>
+          <a:p>
+            <a:pPr eaLnBrk="1" hangingPunct="1">
+              <a:lnSpc>
+                <a:spcPct val="80000"/>
+              </a:lnSpc>
+              <a:buNone/>
+            </a:pPr>
+            <a:r>
+              <a:rPr lang="en-US" sz="2000" dirty="0" smtClean="0">
+                <a:solidFill>
+                  <a:schemeClr val="bg1"/>
+                </a:solidFill>
+              </a:rPr>
+              <a:t>Pablo’s SOLID E-Book</a:t>
+            </a:r>
+            <a:endParaRPr lang="en-US" sz="2000" dirty="0" smtClean="0">
+              <a:solidFill>
+                <a:schemeClr val="bg1"/>
+              </a:solidFill>
+            </a:endParaRPr>
+          </a:p>
+          <a:p>
+            <a:pPr lvl="1" eaLnBrk="1" hangingPunct="1">
+              <a:lnSpc>
+                <a:spcPct val="80000"/>
+              </a:lnSpc>
+              <a:buNone/>
+            </a:pPr>
+            <a:r>
+              <a:rPr lang="en-US" sz="2000" dirty="0" smtClean="0">
+                <a:solidFill>
+                  <a:schemeClr val="bg1"/>
+                </a:solidFill>
+              </a:rPr>
+              <a:t>http://www.lostechies.com/content/pablo_ebook.aspx</a:t>
+            </a:r>
+          </a:p>
+          <a:p>
+            <a:pPr eaLnBrk="1" hangingPunct="1">
+              <a:lnSpc>
+                <a:spcPct val="80000"/>
+              </a:lnSpc>
+              <a:buNone/>
+            </a:pPr>
+            <a:r>
+              <a:rPr lang="en-US" sz="2000" dirty="0" smtClean="0">
+                <a:solidFill>
+                  <a:schemeClr val="bg1"/>
+                </a:solidFill>
+              </a:rPr>
+              <a:t>	</a:t>
+            </a:r>
+            <a:endParaRPr lang="en-US" sz="2000" dirty="0" smtClean="0">
+              <a:solidFill>
+                <a:schemeClr val="bg1"/>
+              </a:solidFill>
+            </a:endParaRPr>
           </a:p>
         </p:txBody>
       </p:sp>
@@ -20874,21 +20836,6 @@
 </file>
 
 <file path=customXml/item1.xml><?xml version="1.0" encoding="utf-8"?>
-<p:properties xmlns:p="http://schemas.microsoft.com/office/2006/metadata/properties" xmlns:xsi="http://www.w3.org/2001/XMLSchema-instance">
-  <documentManagement/>
-</p:properties>
-</file>
-
-<file path=customXml/item2.xml><?xml version="1.0" encoding="utf-8"?>
-<?mso-contentType ?>
-<FormTemplates xmlns="http://schemas.microsoft.com/sharepoint/v3/contenttype/forms">
-  <Display>DocumentLibraryForm</Display>
-  <Edit>DocumentLibraryForm</Edit>
-  <New>DocumentLibraryForm</New>
-</FormTemplates>
-</file>
-
-<file path=customXml/item3.xml><?xml version="1.0" encoding="utf-8"?>
 <ct:contentTypeSchema xmlns:ct="http://schemas.microsoft.com/office/2006/metadata/contentType" xmlns:ma="http://schemas.microsoft.com/office/2006/metadata/properties/metaAttributes" ct:_="" ma:_="" ma:contentTypeName="Document" ma:contentTypeID="0x0101005857B3975182FB47B67FAAA67052062C" ma:contentTypeVersion="0" ma:contentTypeDescription="Create a new document." ma:contentTypeScope="" ma:versionID="a1781edd533abf786dc62ee7dded643a">
   <xsd:schema xmlns:xsd="http://www.w3.org/2001/XMLSchema" xmlns:p="http://schemas.microsoft.com/office/2006/metadata/properties" targetNamespace="http://schemas.microsoft.com/office/2006/metadata/properties" ma:root="true" ma:fieldsID="4aeb20c0e3442673af7ee10786458764">
     <xsd:element name="properties">
@@ -20937,10 +20884,32 @@
 </ct:contentTypeSchema>
 </file>
 
+<file path=customXml/item2.xml><?xml version="1.0" encoding="utf-8"?>
+<?mso-contentType ?>
+<FormTemplates xmlns="http://schemas.microsoft.com/sharepoint/v3/contenttype/forms">
+  <Display>DocumentLibraryForm</Display>
+  <Edit>DocumentLibraryForm</Edit>
+  <New>DocumentLibraryForm</New>
+</FormTemplates>
+</file>
+
+<file path=customXml/item3.xml><?xml version="1.0" encoding="utf-8"?>
+<p:properties xmlns:p="http://schemas.microsoft.com/office/2006/metadata/properties" xmlns:xsi="http://www.w3.org/2001/XMLSchema-instance">
+  <documentManagement/>
+</p:properties>
+</file>
+
 <file path=customXml/itemProps1.xml><?xml version="1.0" encoding="utf-8"?>
-<ds:datastoreItem xmlns:ds="http://schemas.openxmlformats.org/officeDocument/2006/customXml" ds:itemID="{F8AADC7F-5DC4-46F2-A809-0679B041C012}">
+<ds:datastoreItem xmlns:ds="http://schemas.openxmlformats.org/officeDocument/2006/customXml" ds:itemID="{D3EBC05E-93E3-47EC-A4AA-B305F2941009}">
   <ds:schemaRefs>
+    <ds:schemaRef ds:uri="http://schemas.microsoft.com/office/2006/metadata/contentType"/>
+    <ds:schemaRef ds:uri="http://schemas.microsoft.com/office/2006/metadata/properties/metaAttributes"/>
+    <ds:schemaRef ds:uri="http://www.w3.org/2001/XMLSchema"/>
     <ds:schemaRef ds:uri="http://schemas.microsoft.com/office/2006/metadata/properties"/>
+    <ds:schemaRef ds:uri="http://schemas.openxmlformats.org/package/2006/metadata/core-properties"/>
+    <ds:schemaRef ds:uri="http://purl.org/dc/elements/1.1/"/>
+    <ds:schemaRef ds:uri="http://purl.org/dc/terms/"/>
+    <ds:schemaRef ds:uri="http://schemas.microsoft.com/office/internal/2005/internalDocumentation"/>
   </ds:schemaRefs>
 </ds:datastoreItem>
 </file>
@@ -20954,16 +20923,9 @@
 </file>
 
 <file path=customXml/itemProps3.xml><?xml version="1.0" encoding="utf-8"?>
-<ds:datastoreItem xmlns:ds="http://schemas.openxmlformats.org/officeDocument/2006/customXml" ds:itemID="{D3EBC05E-93E3-47EC-A4AA-B305F2941009}">
+<ds:datastoreItem xmlns:ds="http://schemas.openxmlformats.org/officeDocument/2006/customXml" ds:itemID="{F8AADC7F-5DC4-46F2-A809-0679B041C012}">
   <ds:schemaRefs>
-    <ds:schemaRef ds:uri="http://schemas.microsoft.com/office/2006/metadata/contentType"/>
-    <ds:schemaRef ds:uri="http://schemas.microsoft.com/office/2006/metadata/properties/metaAttributes"/>
-    <ds:schemaRef ds:uri="http://www.w3.org/2001/XMLSchema"/>
     <ds:schemaRef ds:uri="http://schemas.microsoft.com/office/2006/metadata/properties"/>
-    <ds:schemaRef ds:uri="http://schemas.openxmlformats.org/package/2006/metadata/core-properties"/>
-    <ds:schemaRef ds:uri="http://purl.org/dc/elements/1.1/"/>
-    <ds:schemaRef ds:uri="http://purl.org/dc/terms/"/>
-    <ds:schemaRef ds:uri="http://schemas.microsoft.com/office/internal/2005/internalDocumentation"/>
   </ds:schemaRefs>
 </ds:datastoreItem>
 </file>
--- a/SOLID Principles - Step By Step Code/SOLID Principles Presentation.pptx
+++ b/SOLID Principles - Step By Step Code/SOLID Principles Presentation.pptx
@@ -13,8 +13,8 @@
   <p:sldIdLst>
     <p:sldId id="292" r:id="rId5"/>
     <p:sldId id="256" r:id="rId6"/>
-    <p:sldId id="257" r:id="rId7"/>
-    <p:sldId id="285" r:id="rId8"/>
+    <p:sldId id="285" r:id="rId7"/>
+    <p:sldId id="257" r:id="rId8"/>
     <p:sldId id="284" r:id="rId9"/>
     <p:sldId id="280" r:id="rId10"/>
     <p:sldId id="258" r:id="rId11"/>
@@ -282,7 +282,7 @@
               <a:pPr>
                 <a:defRPr/>
               </a:pPr>
-              <a:t>6/3/2009</a:t>
+              <a:t>7/8/2009</a:t>
             </a:fld>
             <a:endParaRPr lang="en-US"/>
           </a:p>
@@ -460,7 +460,7 @@
               <a:pPr>
                 <a:defRPr/>
               </a:pPr>
-              <a:t>6/3/2009</a:t>
+              <a:t>7/8/2009</a:t>
             </a:fld>
             <a:endParaRPr lang="en-US"/>
           </a:p>
@@ -8948,7 +8948,7 @@
         <p:spPr>
           <a:xfrm>
             <a:off x="685800" y="1066800"/>
-            <a:ext cx="8229600" cy="1219200"/>
+            <a:ext cx="8229600" cy="1295400"/>
           </a:xfrm>
         </p:spPr>
         <p:txBody>
@@ -8960,7 +8960,7 @@
             </a:pPr>
             <a:r>
               <a:rPr lang="en-US" dirty="0" smtClean="0"/>
-              <a:t>Cohesion:</a:t>
+              <a:t>Coupling:</a:t>
             </a:r>
           </a:p>
           <a:p>
@@ -8969,7 +8969,7 @@
             </a:pPr>
             <a:r>
               <a:rPr lang="en-US" sz="2000" dirty="0" smtClean="0"/>
-              <a:t>“A measure of how strongly-related and focused the various responsibilities of a software module are” - </a:t>
+              <a:t>“The degree to which each program module relies on each one of the other modules” – </a:t>
             </a:r>
             <a:r>
               <a:rPr lang="en-US" sz="2000" dirty="0" smtClean="0">
@@ -8977,7 +8977,6 @@
               </a:rPr>
               <a:t>Wikipedia</a:t>
             </a:r>
-            <a:endParaRPr lang="en-US" sz="2000" dirty="0" smtClean="0"/>
           </a:p>
         </p:txBody>
       </p:sp>
@@ -9015,39 +9014,1297 @@
           </a:p>
         </p:txBody>
       </p:sp>
-      <p:pic>
-        <p:nvPicPr>
-          <p:cNvPr id="1026" name="Picture 2"/>
-          <p:cNvPicPr>
-            <a:picLocks noChangeAspect="1" noChangeArrowheads="1"/>
-          </p:cNvPicPr>
+      <p:grpSp>
+        <p:nvGrpSpPr>
+          <p:cNvPr id="4" name="Group 3"/>
+          <p:cNvGrpSpPr/>
           <p:nvPr/>
-        </p:nvPicPr>
-        <p:blipFill>
-          <a:blip r:embed="rId4"/>
-          <a:srcRect/>
-          <a:stretch>
-            <a:fillRect/>
-          </a:stretch>
-        </p:blipFill>
-        <p:spPr bwMode="auto">
+        </p:nvGrpSpPr>
+        <p:grpSpPr>
           <a:xfrm>
-            <a:off x="2428875" y="2762250"/>
-            <a:ext cx="4286250" cy="3333750"/>
+            <a:off x="1257300" y="2971800"/>
+            <a:ext cx="6629400" cy="2743200"/>
+            <a:chOff x="609600" y="3124200"/>
+            <a:chExt cx="6629400" cy="2743200"/>
           </a:xfrm>
-          <a:prstGeom prst="rect">
-            <a:avLst/>
-          </a:prstGeom>
-          <a:noFill/>
-          <a:ln w="9525">
-            <a:noFill/>
-            <a:miter lim="800000"/>
-            <a:headEnd/>
-            <a:tailEnd/>
-          </a:ln>
-          <a:effectLst/>
-        </p:spPr>
-      </p:pic>
+          <a:scene3d>
+            <a:camera prst="perspectiveAbove"/>
+            <a:lightRig rig="threePt" dir="t"/>
+          </a:scene3d>
+        </p:grpSpPr>
+        <p:sp>
+          <p:nvSpPr>
+            <p:cNvPr id="5" name="Rectangle 4"/>
+            <p:cNvSpPr/>
+            <p:nvPr/>
+          </p:nvSpPr>
+          <p:spPr>
+            <a:xfrm>
+              <a:off x="1524000" y="3352800"/>
+              <a:ext cx="990600" cy="533400"/>
+            </a:xfrm>
+            <a:prstGeom prst="rect">
+              <a:avLst/>
+            </a:prstGeom>
+          </p:spPr>
+          <p:style>
+            <a:lnRef idx="1">
+              <a:schemeClr val="accent1"/>
+            </a:lnRef>
+            <a:fillRef idx="3">
+              <a:schemeClr val="accent1"/>
+            </a:fillRef>
+            <a:effectRef idx="2">
+              <a:schemeClr val="accent1"/>
+            </a:effectRef>
+            <a:fontRef idx="minor">
+              <a:schemeClr val="lt1"/>
+            </a:fontRef>
+          </p:style>
+          <p:txBody>
+            <a:bodyPr rtlCol="0" anchor="ctr"/>
+            <a:lstStyle/>
+            <a:p>
+              <a:pPr algn="ctr"/>
+              <a:endParaRPr lang="en-US"/>
+            </a:p>
+          </p:txBody>
+        </p:sp>
+        <p:sp>
+          <p:nvSpPr>
+            <p:cNvPr id="6" name="Rectangle 5"/>
+            <p:cNvSpPr/>
+            <p:nvPr/>
+          </p:nvSpPr>
+          <p:spPr>
+            <a:xfrm>
+              <a:off x="2667000" y="4495800"/>
+              <a:ext cx="990600" cy="533400"/>
+            </a:xfrm>
+            <a:prstGeom prst="rect">
+              <a:avLst/>
+            </a:prstGeom>
+          </p:spPr>
+          <p:style>
+            <a:lnRef idx="1">
+              <a:schemeClr val="accent2"/>
+            </a:lnRef>
+            <a:fillRef idx="3">
+              <a:schemeClr val="accent2"/>
+            </a:fillRef>
+            <a:effectRef idx="2">
+              <a:schemeClr val="accent2"/>
+            </a:effectRef>
+            <a:fontRef idx="minor">
+              <a:schemeClr val="lt1"/>
+            </a:fontRef>
+          </p:style>
+          <p:txBody>
+            <a:bodyPr rtlCol="0" anchor="ctr"/>
+            <a:lstStyle/>
+            <a:p>
+              <a:pPr algn="ctr"/>
+              <a:endParaRPr lang="en-US"/>
+            </a:p>
+          </p:txBody>
+        </p:sp>
+        <p:sp>
+          <p:nvSpPr>
+            <p:cNvPr id="7" name="Rectangle 6"/>
+            <p:cNvSpPr/>
+            <p:nvPr/>
+          </p:nvSpPr>
+          <p:spPr>
+            <a:xfrm>
+              <a:off x="3200400" y="3124200"/>
+              <a:ext cx="990600" cy="533400"/>
+            </a:xfrm>
+            <a:prstGeom prst="rect">
+              <a:avLst/>
+            </a:prstGeom>
+          </p:spPr>
+          <p:style>
+            <a:lnRef idx="1">
+              <a:schemeClr val="accent1"/>
+            </a:lnRef>
+            <a:fillRef idx="3">
+              <a:schemeClr val="accent1"/>
+            </a:fillRef>
+            <a:effectRef idx="2">
+              <a:schemeClr val="accent1"/>
+            </a:effectRef>
+            <a:fontRef idx="minor">
+              <a:schemeClr val="lt1"/>
+            </a:fontRef>
+          </p:style>
+          <p:txBody>
+            <a:bodyPr rtlCol="0" anchor="ctr"/>
+            <a:lstStyle/>
+            <a:p>
+              <a:pPr algn="ctr"/>
+              <a:endParaRPr lang="en-US"/>
+            </a:p>
+          </p:txBody>
+        </p:sp>
+        <p:sp>
+          <p:nvSpPr>
+            <p:cNvPr id="8" name="Rectangle 7"/>
+            <p:cNvSpPr/>
+            <p:nvPr/>
+          </p:nvSpPr>
+          <p:spPr>
+            <a:xfrm>
+              <a:off x="1447800" y="5181600"/>
+              <a:ext cx="990600" cy="533400"/>
+            </a:xfrm>
+            <a:prstGeom prst="rect">
+              <a:avLst/>
+            </a:prstGeom>
+          </p:spPr>
+          <p:style>
+            <a:lnRef idx="1">
+              <a:schemeClr val="accent1"/>
+            </a:lnRef>
+            <a:fillRef idx="3">
+              <a:schemeClr val="accent1"/>
+            </a:fillRef>
+            <a:effectRef idx="2">
+              <a:schemeClr val="accent1"/>
+            </a:effectRef>
+            <a:fontRef idx="minor">
+              <a:schemeClr val="lt1"/>
+            </a:fontRef>
+          </p:style>
+          <p:txBody>
+            <a:bodyPr rtlCol="0" anchor="ctr"/>
+            <a:lstStyle/>
+            <a:p>
+              <a:pPr algn="ctr"/>
+              <a:endParaRPr lang="en-US"/>
+            </a:p>
+          </p:txBody>
+        </p:sp>
+        <p:sp>
+          <p:nvSpPr>
+            <p:cNvPr id="9" name="Rectangle 8"/>
+            <p:cNvSpPr/>
+            <p:nvPr/>
+          </p:nvSpPr>
+          <p:spPr>
+            <a:xfrm>
+              <a:off x="3352800" y="5334000"/>
+              <a:ext cx="990600" cy="533400"/>
+            </a:xfrm>
+            <a:prstGeom prst="rect">
+              <a:avLst/>
+            </a:prstGeom>
+          </p:spPr>
+          <p:style>
+            <a:lnRef idx="1">
+              <a:schemeClr val="accent1"/>
+            </a:lnRef>
+            <a:fillRef idx="3">
+              <a:schemeClr val="accent1"/>
+            </a:fillRef>
+            <a:effectRef idx="2">
+              <a:schemeClr val="accent1"/>
+            </a:effectRef>
+            <a:fontRef idx="minor">
+              <a:schemeClr val="lt1"/>
+            </a:fontRef>
+          </p:style>
+          <p:txBody>
+            <a:bodyPr rtlCol="0" anchor="ctr"/>
+            <a:lstStyle/>
+            <a:p>
+              <a:pPr algn="ctr"/>
+              <a:endParaRPr lang="en-US"/>
+            </a:p>
+          </p:txBody>
+        </p:sp>
+        <p:sp>
+          <p:nvSpPr>
+            <p:cNvPr id="10" name="Rectangle 9"/>
+            <p:cNvSpPr/>
+            <p:nvPr/>
+          </p:nvSpPr>
+          <p:spPr>
+            <a:xfrm>
+              <a:off x="4038600" y="4191000"/>
+              <a:ext cx="990600" cy="533400"/>
+            </a:xfrm>
+            <a:prstGeom prst="rect">
+              <a:avLst/>
+            </a:prstGeom>
+          </p:spPr>
+          <p:style>
+            <a:lnRef idx="1">
+              <a:schemeClr val="accent1"/>
+            </a:lnRef>
+            <a:fillRef idx="3">
+              <a:schemeClr val="accent1"/>
+            </a:fillRef>
+            <a:effectRef idx="2">
+              <a:schemeClr val="accent1"/>
+            </a:effectRef>
+            <a:fontRef idx="minor">
+              <a:schemeClr val="lt1"/>
+            </a:fontRef>
+          </p:style>
+          <p:txBody>
+            <a:bodyPr rtlCol="0" anchor="ctr"/>
+            <a:lstStyle/>
+            <a:p>
+              <a:pPr algn="ctr"/>
+              <a:endParaRPr lang="en-US"/>
+            </a:p>
+          </p:txBody>
+        </p:sp>
+        <p:sp>
+          <p:nvSpPr>
+            <p:cNvPr id="11" name="Rectangle 10"/>
+            <p:cNvSpPr/>
+            <p:nvPr/>
+          </p:nvSpPr>
+          <p:spPr>
+            <a:xfrm>
+              <a:off x="5105400" y="3276600"/>
+              <a:ext cx="990600" cy="533400"/>
+            </a:xfrm>
+            <a:prstGeom prst="rect">
+              <a:avLst/>
+            </a:prstGeom>
+          </p:spPr>
+          <p:style>
+            <a:lnRef idx="1">
+              <a:schemeClr val="accent1"/>
+            </a:lnRef>
+            <a:fillRef idx="3">
+              <a:schemeClr val="accent1"/>
+            </a:fillRef>
+            <a:effectRef idx="2">
+              <a:schemeClr val="accent1"/>
+            </a:effectRef>
+            <a:fontRef idx="minor">
+              <a:schemeClr val="lt1"/>
+            </a:fontRef>
+          </p:style>
+          <p:txBody>
+            <a:bodyPr rtlCol="0" anchor="ctr"/>
+            <a:lstStyle/>
+            <a:p>
+              <a:pPr algn="ctr"/>
+              <a:endParaRPr lang="en-US"/>
+            </a:p>
+          </p:txBody>
+        </p:sp>
+        <p:sp>
+          <p:nvSpPr>
+            <p:cNvPr id="12" name="Rectangle 11"/>
+            <p:cNvSpPr/>
+            <p:nvPr/>
+          </p:nvSpPr>
+          <p:spPr>
+            <a:xfrm>
+              <a:off x="609600" y="4191000"/>
+              <a:ext cx="990600" cy="533400"/>
+            </a:xfrm>
+            <a:prstGeom prst="rect">
+              <a:avLst/>
+            </a:prstGeom>
+          </p:spPr>
+          <p:style>
+            <a:lnRef idx="1">
+              <a:schemeClr val="accent1"/>
+            </a:lnRef>
+            <a:fillRef idx="3">
+              <a:schemeClr val="accent1"/>
+            </a:fillRef>
+            <a:effectRef idx="2">
+              <a:schemeClr val="accent1"/>
+            </a:effectRef>
+            <a:fontRef idx="minor">
+              <a:schemeClr val="lt1"/>
+            </a:fontRef>
+          </p:style>
+          <p:txBody>
+            <a:bodyPr rtlCol="0" anchor="ctr"/>
+            <a:lstStyle/>
+            <a:p>
+              <a:pPr algn="ctr"/>
+              <a:endParaRPr lang="en-US"/>
+            </a:p>
+          </p:txBody>
+        </p:sp>
+        <p:sp>
+          <p:nvSpPr>
+            <p:cNvPr id="13" name="Rectangle 12"/>
+            <p:cNvSpPr/>
+            <p:nvPr/>
+          </p:nvSpPr>
+          <p:spPr>
+            <a:xfrm>
+              <a:off x="5257800" y="5181600"/>
+              <a:ext cx="990600" cy="533400"/>
+            </a:xfrm>
+            <a:prstGeom prst="rect">
+              <a:avLst/>
+            </a:prstGeom>
+          </p:spPr>
+          <p:style>
+            <a:lnRef idx="1">
+              <a:schemeClr val="accent1"/>
+            </a:lnRef>
+            <a:fillRef idx="3">
+              <a:schemeClr val="accent1"/>
+            </a:fillRef>
+            <a:effectRef idx="2">
+              <a:schemeClr val="accent1"/>
+            </a:effectRef>
+            <a:fontRef idx="minor">
+              <a:schemeClr val="lt1"/>
+            </a:fontRef>
+          </p:style>
+          <p:txBody>
+            <a:bodyPr rtlCol="0" anchor="ctr"/>
+            <a:lstStyle/>
+            <a:p>
+              <a:pPr algn="ctr"/>
+              <a:endParaRPr lang="en-US"/>
+            </a:p>
+          </p:txBody>
+        </p:sp>
+        <p:sp>
+          <p:nvSpPr>
+            <p:cNvPr id="14" name="Rectangle 13"/>
+            <p:cNvSpPr/>
+            <p:nvPr/>
+          </p:nvSpPr>
+          <p:spPr>
+            <a:xfrm>
+              <a:off x="6248400" y="4191000"/>
+              <a:ext cx="990600" cy="533400"/>
+            </a:xfrm>
+            <a:prstGeom prst="rect">
+              <a:avLst/>
+            </a:prstGeom>
+          </p:spPr>
+          <p:style>
+            <a:lnRef idx="1">
+              <a:schemeClr val="accent1"/>
+            </a:lnRef>
+            <a:fillRef idx="3">
+              <a:schemeClr val="accent1"/>
+            </a:fillRef>
+            <a:effectRef idx="2">
+              <a:schemeClr val="accent1"/>
+            </a:effectRef>
+            <a:fontRef idx="minor">
+              <a:schemeClr val="lt1"/>
+            </a:fontRef>
+          </p:style>
+          <p:txBody>
+            <a:bodyPr rtlCol="0" anchor="ctr"/>
+            <a:lstStyle/>
+            <a:p>
+              <a:pPr algn="ctr"/>
+              <a:endParaRPr lang="en-US"/>
+            </a:p>
+          </p:txBody>
+        </p:sp>
+        <p:cxnSp>
+          <p:nvCxnSpPr>
+            <p:cNvPr id="15" name="Elbow Connector 14"/>
+            <p:cNvCxnSpPr>
+              <a:stCxn id="5" idx="3"/>
+              <a:endCxn id="6" idx="0"/>
+            </p:cNvCxnSpPr>
+            <p:nvPr/>
+          </p:nvCxnSpPr>
+          <p:spPr>
+            <a:xfrm>
+              <a:off x="2514600" y="3619500"/>
+              <a:ext cx="647700" cy="876300"/>
+            </a:xfrm>
+            <a:prstGeom prst="bentConnector2">
+              <a:avLst/>
+            </a:prstGeom>
+            <a:ln>
+              <a:tailEnd type="arrow"/>
+            </a:ln>
+          </p:spPr>
+          <p:style>
+            <a:lnRef idx="1">
+              <a:schemeClr val="accent1"/>
+            </a:lnRef>
+            <a:fillRef idx="3">
+              <a:schemeClr val="accent1"/>
+            </a:fillRef>
+            <a:effectRef idx="2">
+              <a:schemeClr val="accent1"/>
+            </a:effectRef>
+            <a:fontRef idx="minor">
+              <a:schemeClr val="lt1"/>
+            </a:fontRef>
+          </p:style>
+        </p:cxnSp>
+        <p:cxnSp>
+          <p:nvCxnSpPr>
+            <p:cNvPr id="16" name="Elbow Connector 14"/>
+            <p:cNvCxnSpPr>
+              <a:stCxn id="5" idx="1"/>
+              <a:endCxn id="12" idx="0"/>
+            </p:cNvCxnSpPr>
+            <p:nvPr/>
+          </p:nvCxnSpPr>
+          <p:spPr>
+            <a:xfrm rot="10800000" flipV="1">
+              <a:off x="1104900" y="3619500"/>
+              <a:ext cx="419100" cy="571500"/>
+            </a:xfrm>
+            <a:prstGeom prst="bentConnector2">
+              <a:avLst/>
+            </a:prstGeom>
+            <a:ln>
+              <a:tailEnd type="arrow"/>
+            </a:ln>
+          </p:spPr>
+          <p:style>
+            <a:lnRef idx="1">
+              <a:schemeClr val="accent1"/>
+            </a:lnRef>
+            <a:fillRef idx="3">
+              <a:schemeClr val="accent1"/>
+            </a:fillRef>
+            <a:effectRef idx="2">
+              <a:schemeClr val="accent1"/>
+            </a:effectRef>
+            <a:fontRef idx="minor">
+              <a:schemeClr val="lt1"/>
+            </a:fontRef>
+          </p:style>
+        </p:cxnSp>
+        <p:cxnSp>
+          <p:nvCxnSpPr>
+            <p:cNvPr id="17" name="Elbow Connector 14"/>
+            <p:cNvCxnSpPr>
+              <a:stCxn id="6" idx="1"/>
+              <a:endCxn id="5" idx="2"/>
+            </p:cNvCxnSpPr>
+            <p:nvPr/>
+          </p:nvCxnSpPr>
+          <p:spPr>
+            <a:xfrm rot="10800000">
+              <a:off x="2019300" y="3886200"/>
+              <a:ext cx="647700" cy="876300"/>
+            </a:xfrm>
+            <a:prstGeom prst="bentConnector2">
+              <a:avLst/>
+            </a:prstGeom>
+            <a:ln>
+              <a:tailEnd type="arrow"/>
+            </a:ln>
+          </p:spPr>
+          <p:style>
+            <a:lnRef idx="1">
+              <a:schemeClr val="accent1"/>
+            </a:lnRef>
+            <a:fillRef idx="3">
+              <a:schemeClr val="accent1"/>
+            </a:fillRef>
+            <a:effectRef idx="2">
+              <a:schemeClr val="accent1"/>
+            </a:effectRef>
+            <a:fontRef idx="minor">
+              <a:schemeClr val="lt1"/>
+            </a:fontRef>
+          </p:style>
+        </p:cxnSp>
+        <p:cxnSp>
+          <p:nvCxnSpPr>
+            <p:cNvPr id="18" name="Elbow Connector 14"/>
+            <p:cNvCxnSpPr>
+              <a:stCxn id="7" idx="2"/>
+              <a:endCxn id="6" idx="0"/>
+            </p:cNvCxnSpPr>
+            <p:nvPr/>
+          </p:nvCxnSpPr>
+          <p:spPr>
+            <a:xfrm rot="5400000">
+              <a:off x="3009900" y="3810000"/>
+              <a:ext cx="838200" cy="533400"/>
+            </a:xfrm>
+            <a:prstGeom prst="bentConnector3">
+              <a:avLst>
+                <a:gd name="adj1" fmla="val 50000"/>
+              </a:avLst>
+            </a:prstGeom>
+            <a:ln>
+              <a:tailEnd type="arrow"/>
+            </a:ln>
+          </p:spPr>
+          <p:style>
+            <a:lnRef idx="1">
+              <a:schemeClr val="accent1"/>
+            </a:lnRef>
+            <a:fillRef idx="3">
+              <a:schemeClr val="accent1"/>
+            </a:fillRef>
+            <a:effectRef idx="2">
+              <a:schemeClr val="accent1"/>
+            </a:effectRef>
+            <a:fontRef idx="minor">
+              <a:schemeClr val="lt1"/>
+            </a:fontRef>
+          </p:style>
+        </p:cxnSp>
+        <p:cxnSp>
+          <p:nvCxnSpPr>
+            <p:cNvPr id="19" name="Elbow Connector 14"/>
+            <p:cNvCxnSpPr>
+              <a:stCxn id="10" idx="0"/>
+              <a:endCxn id="7" idx="3"/>
+            </p:cNvCxnSpPr>
+            <p:nvPr/>
+          </p:nvCxnSpPr>
+          <p:spPr>
+            <a:xfrm rot="16200000" flipV="1">
+              <a:off x="3962400" y="3619500"/>
+              <a:ext cx="800100" cy="342900"/>
+            </a:xfrm>
+            <a:prstGeom prst="bentConnector2">
+              <a:avLst/>
+            </a:prstGeom>
+            <a:ln>
+              <a:tailEnd type="arrow"/>
+            </a:ln>
+          </p:spPr>
+          <p:style>
+            <a:lnRef idx="1">
+              <a:schemeClr val="accent1"/>
+            </a:lnRef>
+            <a:fillRef idx="3">
+              <a:schemeClr val="accent1"/>
+            </a:fillRef>
+            <a:effectRef idx="2">
+              <a:schemeClr val="accent1"/>
+            </a:effectRef>
+            <a:fontRef idx="minor">
+              <a:schemeClr val="lt1"/>
+            </a:fontRef>
+          </p:style>
+        </p:cxnSp>
+        <p:cxnSp>
+          <p:nvCxnSpPr>
+            <p:cNvPr id="20" name="Elbow Connector 14"/>
+            <p:cNvCxnSpPr>
+              <a:stCxn id="8" idx="3"/>
+              <a:endCxn id="9" idx="1"/>
+            </p:cNvCxnSpPr>
+            <p:nvPr/>
+          </p:nvCxnSpPr>
+          <p:spPr>
+            <a:xfrm>
+              <a:off x="2438400" y="5448300"/>
+              <a:ext cx="914400" cy="152400"/>
+            </a:xfrm>
+            <a:prstGeom prst="bentConnector3">
+              <a:avLst>
+                <a:gd name="adj1" fmla="val 50000"/>
+              </a:avLst>
+            </a:prstGeom>
+            <a:ln>
+              <a:tailEnd type="arrow"/>
+            </a:ln>
+          </p:spPr>
+          <p:style>
+            <a:lnRef idx="1">
+              <a:schemeClr val="accent1"/>
+            </a:lnRef>
+            <a:fillRef idx="3">
+              <a:schemeClr val="accent1"/>
+            </a:fillRef>
+            <a:effectRef idx="2">
+              <a:schemeClr val="accent1"/>
+            </a:effectRef>
+            <a:fontRef idx="minor">
+              <a:schemeClr val="lt1"/>
+            </a:fontRef>
+          </p:style>
+        </p:cxnSp>
+        <p:cxnSp>
+          <p:nvCxnSpPr>
+            <p:cNvPr id="21" name="Elbow Connector 14"/>
+            <p:cNvCxnSpPr>
+              <a:stCxn id="9" idx="0"/>
+              <a:endCxn id="6" idx="2"/>
+            </p:cNvCxnSpPr>
+            <p:nvPr/>
+          </p:nvCxnSpPr>
+          <p:spPr>
+            <a:xfrm rot="16200000" flipV="1">
+              <a:off x="3352800" y="4838700"/>
+              <a:ext cx="304800" cy="685800"/>
+            </a:xfrm>
+            <a:prstGeom prst="bentConnector3">
+              <a:avLst>
+                <a:gd name="adj1" fmla="val 50000"/>
+              </a:avLst>
+            </a:prstGeom>
+            <a:ln>
+              <a:tailEnd type="arrow"/>
+            </a:ln>
+          </p:spPr>
+          <p:style>
+            <a:lnRef idx="1">
+              <a:schemeClr val="accent1"/>
+            </a:lnRef>
+            <a:fillRef idx="3">
+              <a:schemeClr val="accent1"/>
+            </a:fillRef>
+            <a:effectRef idx="2">
+              <a:schemeClr val="accent1"/>
+            </a:effectRef>
+            <a:fontRef idx="minor">
+              <a:schemeClr val="lt1"/>
+            </a:fontRef>
+          </p:style>
+        </p:cxnSp>
+        <p:cxnSp>
+          <p:nvCxnSpPr>
+            <p:cNvPr id="22" name="Elbow Connector 14"/>
+            <p:cNvCxnSpPr>
+              <a:stCxn id="12" idx="3"/>
+              <a:endCxn id="8" idx="0"/>
+            </p:cNvCxnSpPr>
+            <p:nvPr/>
+          </p:nvCxnSpPr>
+          <p:spPr>
+            <a:xfrm>
+              <a:off x="1600200" y="4457700"/>
+              <a:ext cx="342900" cy="723900"/>
+            </a:xfrm>
+            <a:prstGeom prst="bentConnector2">
+              <a:avLst/>
+            </a:prstGeom>
+            <a:ln>
+              <a:tailEnd type="arrow"/>
+            </a:ln>
+          </p:spPr>
+          <p:style>
+            <a:lnRef idx="1">
+              <a:schemeClr val="accent1"/>
+            </a:lnRef>
+            <a:fillRef idx="3">
+              <a:schemeClr val="accent1"/>
+            </a:fillRef>
+            <a:effectRef idx="2">
+              <a:schemeClr val="accent1"/>
+            </a:effectRef>
+            <a:fontRef idx="minor">
+              <a:schemeClr val="lt1"/>
+            </a:fontRef>
+          </p:style>
+        </p:cxnSp>
+        <p:cxnSp>
+          <p:nvCxnSpPr>
+            <p:cNvPr id="23" name="Elbow Connector 14"/>
+            <p:cNvCxnSpPr>
+              <a:stCxn id="6" idx="1"/>
+              <a:endCxn id="8" idx="0"/>
+            </p:cNvCxnSpPr>
+            <p:nvPr/>
+          </p:nvCxnSpPr>
+          <p:spPr>
+            <a:xfrm rot="10800000" flipV="1">
+              <a:off x="1943100" y="4762500"/>
+              <a:ext cx="723900" cy="419100"/>
+            </a:xfrm>
+            <a:prstGeom prst="bentConnector2">
+              <a:avLst/>
+            </a:prstGeom>
+            <a:ln>
+              <a:tailEnd type="arrow"/>
+            </a:ln>
+          </p:spPr>
+          <p:style>
+            <a:lnRef idx="1">
+              <a:schemeClr val="accent1"/>
+            </a:lnRef>
+            <a:fillRef idx="3">
+              <a:schemeClr val="accent1"/>
+            </a:fillRef>
+            <a:effectRef idx="2">
+              <a:schemeClr val="accent1"/>
+            </a:effectRef>
+            <a:fontRef idx="minor">
+              <a:schemeClr val="lt1"/>
+            </a:fontRef>
+          </p:style>
+        </p:cxnSp>
+        <p:cxnSp>
+          <p:nvCxnSpPr>
+            <p:cNvPr id="24" name="Elbow Connector 14"/>
+            <p:cNvCxnSpPr>
+              <a:stCxn id="10" idx="1"/>
+              <a:endCxn id="6" idx="3"/>
+            </p:cNvCxnSpPr>
+            <p:nvPr/>
+          </p:nvCxnSpPr>
+          <p:spPr>
+            <a:xfrm rot="10800000" flipV="1">
+              <a:off x="3657600" y="4457700"/>
+              <a:ext cx="381000" cy="304800"/>
+            </a:xfrm>
+            <a:prstGeom prst="bentConnector3">
+              <a:avLst>
+                <a:gd name="adj1" fmla="val 50000"/>
+              </a:avLst>
+            </a:prstGeom>
+            <a:ln>
+              <a:tailEnd type="arrow"/>
+            </a:ln>
+          </p:spPr>
+          <p:style>
+            <a:lnRef idx="1">
+              <a:schemeClr val="accent1"/>
+            </a:lnRef>
+            <a:fillRef idx="3">
+              <a:schemeClr val="accent1"/>
+            </a:fillRef>
+            <a:effectRef idx="2">
+              <a:schemeClr val="accent1"/>
+            </a:effectRef>
+            <a:fontRef idx="minor">
+              <a:schemeClr val="lt1"/>
+            </a:fontRef>
+          </p:style>
+        </p:cxnSp>
+        <p:cxnSp>
+          <p:nvCxnSpPr>
+            <p:cNvPr id="25" name="Elbow Connector 14"/>
+            <p:cNvCxnSpPr>
+              <a:stCxn id="10" idx="2"/>
+              <a:endCxn id="9" idx="3"/>
+            </p:cNvCxnSpPr>
+            <p:nvPr/>
+          </p:nvCxnSpPr>
+          <p:spPr>
+            <a:xfrm rot="5400000">
+              <a:off x="4000500" y="5067300"/>
+              <a:ext cx="876300" cy="190500"/>
+            </a:xfrm>
+            <a:prstGeom prst="bentConnector2">
+              <a:avLst/>
+            </a:prstGeom>
+            <a:ln>
+              <a:tailEnd type="arrow"/>
+            </a:ln>
+          </p:spPr>
+          <p:style>
+            <a:lnRef idx="1">
+              <a:schemeClr val="accent1"/>
+            </a:lnRef>
+            <a:fillRef idx="3">
+              <a:schemeClr val="accent1"/>
+            </a:fillRef>
+            <a:effectRef idx="2">
+              <a:schemeClr val="accent1"/>
+            </a:effectRef>
+            <a:fontRef idx="minor">
+              <a:schemeClr val="lt1"/>
+            </a:fontRef>
+          </p:style>
+        </p:cxnSp>
+        <p:cxnSp>
+          <p:nvCxnSpPr>
+            <p:cNvPr id="26" name="Elbow Connector 14"/>
+            <p:cNvCxnSpPr>
+              <a:stCxn id="13" idx="0"/>
+              <a:endCxn id="10" idx="3"/>
+            </p:cNvCxnSpPr>
+            <p:nvPr/>
+          </p:nvCxnSpPr>
+          <p:spPr>
+            <a:xfrm rot="16200000" flipV="1">
+              <a:off x="5029200" y="4457700"/>
+              <a:ext cx="723900" cy="723900"/>
+            </a:xfrm>
+            <a:prstGeom prst="bentConnector2">
+              <a:avLst/>
+            </a:prstGeom>
+            <a:ln>
+              <a:tailEnd type="arrow"/>
+            </a:ln>
+          </p:spPr>
+          <p:style>
+            <a:lnRef idx="1">
+              <a:schemeClr val="accent1"/>
+            </a:lnRef>
+            <a:fillRef idx="3">
+              <a:schemeClr val="accent1"/>
+            </a:fillRef>
+            <a:effectRef idx="2">
+              <a:schemeClr val="accent1"/>
+            </a:effectRef>
+            <a:fontRef idx="minor">
+              <a:schemeClr val="lt1"/>
+            </a:fontRef>
+          </p:style>
+        </p:cxnSp>
+        <p:cxnSp>
+          <p:nvCxnSpPr>
+            <p:cNvPr id="27" name="Elbow Connector 14"/>
+            <p:cNvCxnSpPr>
+              <a:stCxn id="11" idx="2"/>
+              <a:endCxn id="10" idx="3"/>
+            </p:cNvCxnSpPr>
+            <p:nvPr/>
+          </p:nvCxnSpPr>
+          <p:spPr>
+            <a:xfrm rot="5400000">
+              <a:off x="4991100" y="3848100"/>
+              <a:ext cx="647700" cy="571500"/>
+            </a:xfrm>
+            <a:prstGeom prst="bentConnector2">
+              <a:avLst/>
+            </a:prstGeom>
+            <a:ln>
+              <a:tailEnd type="arrow"/>
+            </a:ln>
+          </p:spPr>
+          <p:style>
+            <a:lnRef idx="1">
+              <a:schemeClr val="accent1"/>
+            </a:lnRef>
+            <a:fillRef idx="3">
+              <a:schemeClr val="accent1"/>
+            </a:fillRef>
+            <a:effectRef idx="2">
+              <a:schemeClr val="accent1"/>
+            </a:effectRef>
+            <a:fontRef idx="minor">
+              <a:schemeClr val="lt1"/>
+            </a:fontRef>
+          </p:style>
+        </p:cxnSp>
+        <p:cxnSp>
+          <p:nvCxnSpPr>
+            <p:cNvPr id="28" name="Elbow Connector 14"/>
+            <p:cNvCxnSpPr>
+              <a:stCxn id="14" idx="0"/>
+              <a:endCxn id="11" idx="3"/>
+            </p:cNvCxnSpPr>
+            <p:nvPr/>
+          </p:nvCxnSpPr>
+          <p:spPr>
+            <a:xfrm rot="16200000" flipV="1">
+              <a:off x="6096000" y="3543300"/>
+              <a:ext cx="647700" cy="647700"/>
+            </a:xfrm>
+            <a:prstGeom prst="bentConnector2">
+              <a:avLst/>
+            </a:prstGeom>
+            <a:ln>
+              <a:tailEnd type="arrow"/>
+            </a:ln>
+          </p:spPr>
+          <p:style>
+            <a:lnRef idx="1">
+              <a:schemeClr val="accent1"/>
+            </a:lnRef>
+            <a:fillRef idx="3">
+              <a:schemeClr val="accent1"/>
+            </a:fillRef>
+            <a:effectRef idx="2">
+              <a:schemeClr val="accent1"/>
+            </a:effectRef>
+            <a:fontRef idx="minor">
+              <a:schemeClr val="lt1"/>
+            </a:fontRef>
+          </p:style>
+        </p:cxnSp>
+        <p:cxnSp>
+          <p:nvCxnSpPr>
+            <p:cNvPr id="29" name="Elbow Connector 14"/>
+            <p:cNvCxnSpPr>
+              <a:stCxn id="13" idx="3"/>
+              <a:endCxn id="14" idx="2"/>
+            </p:cNvCxnSpPr>
+            <p:nvPr/>
+          </p:nvCxnSpPr>
+          <p:spPr>
+            <a:xfrm flipV="1">
+              <a:off x="6248400" y="4724400"/>
+              <a:ext cx="495300" cy="723900"/>
+            </a:xfrm>
+            <a:prstGeom prst="bentConnector2">
+              <a:avLst/>
+            </a:prstGeom>
+            <a:ln>
+              <a:tailEnd type="arrow"/>
+            </a:ln>
+          </p:spPr>
+          <p:style>
+            <a:lnRef idx="1">
+              <a:schemeClr val="accent1"/>
+            </a:lnRef>
+            <a:fillRef idx="3">
+              <a:schemeClr val="accent1"/>
+            </a:fillRef>
+            <a:effectRef idx="2">
+              <a:schemeClr val="accent1"/>
+            </a:effectRef>
+            <a:fontRef idx="minor">
+              <a:schemeClr val="lt1"/>
+            </a:fontRef>
+          </p:style>
+        </p:cxnSp>
+        <p:cxnSp>
+          <p:nvCxnSpPr>
+            <p:cNvPr id="30" name="Elbow Connector 14"/>
+            <p:cNvCxnSpPr>
+              <a:stCxn id="14" idx="1"/>
+              <a:endCxn id="10" idx="3"/>
+            </p:cNvCxnSpPr>
+            <p:nvPr/>
+          </p:nvCxnSpPr>
+          <p:spPr>
+            <a:xfrm rot="10800000">
+              <a:off x="5029200" y="4457700"/>
+              <a:ext cx="1219200" cy="1588"/>
+            </a:xfrm>
+            <a:prstGeom prst="bentConnector3">
+              <a:avLst>
+                <a:gd name="adj1" fmla="val 50000"/>
+              </a:avLst>
+            </a:prstGeom>
+            <a:ln>
+              <a:tailEnd type="arrow"/>
+            </a:ln>
+          </p:spPr>
+          <p:style>
+            <a:lnRef idx="1">
+              <a:schemeClr val="accent1"/>
+            </a:lnRef>
+            <a:fillRef idx="3">
+              <a:schemeClr val="accent1"/>
+            </a:fillRef>
+            <a:effectRef idx="2">
+              <a:schemeClr val="accent1"/>
+            </a:effectRef>
+            <a:fontRef idx="minor">
+              <a:schemeClr val="lt1"/>
+            </a:fontRef>
+          </p:style>
+        </p:cxnSp>
+        <p:cxnSp>
+          <p:nvCxnSpPr>
+            <p:cNvPr id="31" name="Elbow Connector 14"/>
+            <p:cNvCxnSpPr>
+              <a:stCxn id="14" idx="0"/>
+              <a:endCxn id="7" idx="0"/>
+            </p:cNvCxnSpPr>
+            <p:nvPr/>
+          </p:nvCxnSpPr>
+          <p:spPr>
+            <a:xfrm rot="16200000" flipV="1">
+              <a:off x="4686300" y="2133600"/>
+              <a:ext cx="1066800" cy="3048000"/>
+            </a:xfrm>
+            <a:prstGeom prst="bentConnector3">
+              <a:avLst>
+                <a:gd name="adj1" fmla="val 121429"/>
+              </a:avLst>
+            </a:prstGeom>
+            <a:ln>
+              <a:tailEnd type="arrow"/>
+            </a:ln>
+          </p:spPr>
+          <p:style>
+            <a:lnRef idx="1">
+              <a:schemeClr val="accent1"/>
+            </a:lnRef>
+            <a:fillRef idx="3">
+              <a:schemeClr val="accent1"/>
+            </a:fillRef>
+            <a:effectRef idx="2">
+              <a:schemeClr val="accent1"/>
+            </a:effectRef>
+            <a:fontRef idx="minor">
+              <a:schemeClr val="lt1"/>
+            </a:fontRef>
+          </p:style>
+        </p:cxnSp>
+        <p:cxnSp>
+          <p:nvCxnSpPr>
+            <p:cNvPr id="32" name="Elbow Connector 14"/>
+            <p:cNvCxnSpPr>
+              <a:stCxn id="9" idx="2"/>
+              <a:endCxn id="12" idx="2"/>
+            </p:cNvCxnSpPr>
+            <p:nvPr/>
+          </p:nvCxnSpPr>
+          <p:spPr>
+            <a:xfrm rot="5400000" flipH="1">
+              <a:off x="1905000" y="3924300"/>
+              <a:ext cx="1143000" cy="2743200"/>
+            </a:xfrm>
+            <a:prstGeom prst="bentConnector3">
+              <a:avLst>
+                <a:gd name="adj1" fmla="val -20000"/>
+              </a:avLst>
+            </a:prstGeom>
+            <a:ln>
+              <a:tailEnd type="arrow"/>
+            </a:ln>
+          </p:spPr>
+          <p:style>
+            <a:lnRef idx="1">
+              <a:schemeClr val="accent1"/>
+            </a:lnRef>
+            <a:fillRef idx="3">
+              <a:schemeClr val="accent1"/>
+            </a:fillRef>
+            <a:effectRef idx="2">
+              <a:schemeClr val="accent1"/>
+            </a:effectRef>
+            <a:fontRef idx="minor">
+              <a:schemeClr val="lt1"/>
+            </a:fontRef>
+          </p:style>
+        </p:cxnSp>
+        <p:cxnSp>
+          <p:nvCxnSpPr>
+            <p:cNvPr id="33" name="Elbow Connector 14"/>
+            <p:cNvCxnSpPr>
+              <a:stCxn id="9" idx="2"/>
+              <a:endCxn id="13" idx="2"/>
+            </p:cNvCxnSpPr>
+            <p:nvPr/>
+          </p:nvCxnSpPr>
+          <p:spPr>
+            <a:xfrm rot="5400000" flipH="1" flipV="1">
+              <a:off x="4724400" y="4838700"/>
+              <a:ext cx="152400" cy="1905000"/>
+            </a:xfrm>
+            <a:prstGeom prst="bentConnector3">
+              <a:avLst>
+                <a:gd name="adj1" fmla="val -150000"/>
+              </a:avLst>
+            </a:prstGeom>
+            <a:ln>
+              <a:tailEnd type="arrow"/>
+            </a:ln>
+          </p:spPr>
+          <p:style>
+            <a:lnRef idx="1">
+              <a:schemeClr val="accent1"/>
+            </a:lnRef>
+            <a:fillRef idx="3">
+              <a:schemeClr val="accent1"/>
+            </a:fillRef>
+            <a:effectRef idx="2">
+              <a:schemeClr val="accent1"/>
+            </a:effectRef>
+            <a:fontRef idx="minor">
+              <a:schemeClr val="lt1"/>
+            </a:fontRef>
+          </p:style>
+        </p:cxnSp>
+        <p:cxnSp>
+          <p:nvCxnSpPr>
+            <p:cNvPr id="34" name="Elbow Connector 14"/>
+            <p:cNvCxnSpPr>
+              <a:stCxn id="13" idx="1"/>
+              <a:endCxn id="9" idx="3"/>
+            </p:cNvCxnSpPr>
+            <p:nvPr/>
+          </p:nvCxnSpPr>
+          <p:spPr>
+            <a:xfrm rot="10800000" flipV="1">
+              <a:off x="4343400" y="5448300"/>
+              <a:ext cx="914400" cy="152400"/>
+            </a:xfrm>
+            <a:prstGeom prst="bentConnector3">
+              <a:avLst>
+                <a:gd name="adj1" fmla="val 50000"/>
+              </a:avLst>
+            </a:prstGeom>
+            <a:ln>
+              <a:tailEnd type="arrow"/>
+            </a:ln>
+          </p:spPr>
+          <p:style>
+            <a:lnRef idx="1">
+              <a:schemeClr val="accent1"/>
+            </a:lnRef>
+            <a:fillRef idx="3">
+              <a:schemeClr val="accent1"/>
+            </a:fillRef>
+            <a:effectRef idx="2">
+              <a:schemeClr val="accent1"/>
+            </a:effectRef>
+            <a:fontRef idx="minor">
+              <a:schemeClr val="lt1"/>
+            </a:fontRef>
+          </p:style>
+        </p:cxnSp>
+        <p:cxnSp>
+          <p:nvCxnSpPr>
+            <p:cNvPr id="35" name="Elbow Connector 14"/>
+            <p:cNvCxnSpPr>
+              <a:stCxn id="14" idx="3"/>
+              <a:endCxn id="13" idx="2"/>
+            </p:cNvCxnSpPr>
+            <p:nvPr/>
+          </p:nvCxnSpPr>
+          <p:spPr>
+            <a:xfrm flipH="1">
+              <a:off x="5753100" y="4457700"/>
+              <a:ext cx="1485900" cy="1257300"/>
+            </a:xfrm>
+            <a:prstGeom prst="bentConnector4">
+              <a:avLst>
+                <a:gd name="adj1" fmla="val -15385"/>
+                <a:gd name="adj2" fmla="val 118182"/>
+              </a:avLst>
+            </a:prstGeom>
+            <a:ln>
+              <a:tailEnd type="arrow"/>
+            </a:ln>
+          </p:spPr>
+          <p:style>
+            <a:lnRef idx="1">
+              <a:schemeClr val="accent1"/>
+            </a:lnRef>
+            <a:fillRef idx="3">
+              <a:schemeClr val="accent1"/>
+            </a:fillRef>
+            <a:effectRef idx="2">
+              <a:schemeClr val="accent1"/>
+            </a:effectRef>
+            <a:fontRef idx="minor">
+              <a:schemeClr val="lt1"/>
+            </a:fontRef>
+          </p:style>
+        </p:cxnSp>
+        <p:cxnSp>
+          <p:nvCxnSpPr>
+            <p:cNvPr id="36" name="Elbow Connector 14"/>
+            <p:cNvCxnSpPr>
+              <a:stCxn id="11" idx="1"/>
+              <a:endCxn id="7" idx="3"/>
+            </p:cNvCxnSpPr>
+            <p:nvPr/>
+          </p:nvCxnSpPr>
+          <p:spPr>
+            <a:xfrm rot="10800000">
+              <a:off x="4191000" y="3390900"/>
+              <a:ext cx="914400" cy="152400"/>
+            </a:xfrm>
+            <a:prstGeom prst="bentConnector3">
+              <a:avLst>
+                <a:gd name="adj1" fmla="val 50000"/>
+              </a:avLst>
+            </a:prstGeom>
+            <a:ln>
+              <a:tailEnd type="arrow"/>
+            </a:ln>
+          </p:spPr>
+          <p:style>
+            <a:lnRef idx="1">
+              <a:schemeClr val="accent1"/>
+            </a:lnRef>
+            <a:fillRef idx="3">
+              <a:schemeClr val="accent1"/>
+            </a:fillRef>
+            <a:effectRef idx="2">
+              <a:schemeClr val="accent1"/>
+            </a:effectRef>
+            <a:fontRef idx="minor">
+              <a:schemeClr val="lt1"/>
+            </a:fontRef>
+          </p:style>
+        </p:cxnSp>
+        <p:cxnSp>
+          <p:nvCxnSpPr>
+            <p:cNvPr id="37" name="Elbow Connector 14"/>
+            <p:cNvCxnSpPr>
+              <a:stCxn id="5" idx="0"/>
+              <a:endCxn id="11" idx="0"/>
+            </p:cNvCxnSpPr>
+            <p:nvPr/>
+          </p:nvCxnSpPr>
+          <p:spPr>
+            <a:xfrm rot="5400000" flipH="1" flipV="1">
+              <a:off x="3771900" y="1524000"/>
+              <a:ext cx="76200" cy="3581400"/>
+            </a:xfrm>
+            <a:prstGeom prst="bentConnector3">
+              <a:avLst>
+                <a:gd name="adj1" fmla="val 481554"/>
+              </a:avLst>
+            </a:prstGeom>
+            <a:ln>
+              <a:tailEnd type="arrow"/>
+            </a:ln>
+          </p:spPr>
+          <p:style>
+            <a:lnRef idx="1">
+              <a:schemeClr val="accent1"/>
+            </a:lnRef>
+            <a:fillRef idx="3">
+              <a:schemeClr val="accent1"/>
+            </a:fillRef>
+            <a:effectRef idx="2">
+              <a:schemeClr val="accent1"/>
+            </a:effectRef>
+            <a:fontRef idx="minor">
+              <a:schemeClr val="lt1"/>
+            </a:fontRef>
+          </p:style>
+        </p:cxnSp>
+        <p:cxnSp>
+          <p:nvCxnSpPr>
+            <p:cNvPr id="38" name="Elbow Connector 14"/>
+            <p:cNvCxnSpPr>
+              <a:stCxn id="7" idx="0"/>
+              <a:endCxn id="12" idx="1"/>
+            </p:cNvCxnSpPr>
+            <p:nvPr/>
+          </p:nvCxnSpPr>
+          <p:spPr>
+            <a:xfrm rot="16200000" flipH="1" flipV="1">
+              <a:off x="1485900" y="2247900"/>
+              <a:ext cx="1333500" cy="3086100"/>
+            </a:xfrm>
+            <a:prstGeom prst="bentConnector4">
+              <a:avLst>
+                <a:gd name="adj1" fmla="val -17143"/>
+                <a:gd name="adj2" fmla="val 107407"/>
+              </a:avLst>
+            </a:prstGeom>
+            <a:ln>
+              <a:tailEnd type="arrow"/>
+            </a:ln>
+          </p:spPr>
+          <p:style>
+            <a:lnRef idx="1">
+              <a:schemeClr val="accent1"/>
+            </a:lnRef>
+            <a:fillRef idx="3">
+              <a:schemeClr val="accent1"/>
+            </a:fillRef>
+            <a:effectRef idx="2">
+              <a:schemeClr val="accent1"/>
+            </a:effectRef>
+            <a:fontRef idx="minor">
+              <a:schemeClr val="lt1"/>
+            </a:fontRef>
+          </p:style>
+        </p:cxnSp>
+      </p:grpSp>
     </p:spTree>
   </p:cSld>
   <p:clrMapOvr>
@@ -12382,7 +13639,7 @@
               <a:pPr algn="ctr"/>
               <a:r>
                 <a:rPr lang="en-US" sz="1200" dirty="0" smtClean="0"/>
-                <a:t>Service</a:t>
+                <a:t>Sender</a:t>
               </a:r>
               <a:endParaRPr lang="en-US" sz="1200" dirty="0"/>
             </a:p>
@@ -13473,7 +14730,7 @@
               <a:pPr algn="ctr"/>
               <a:r>
                 <a:rPr lang="en-US" sz="1200" dirty="0" smtClean="0"/>
-                <a:t>Service</a:t>
+                <a:t>Sender</a:t>
               </a:r>
               <a:endParaRPr lang="en-US" sz="1200" dirty="0"/>
             </a:p>
@@ -14415,7 +15672,7 @@
               <a:pPr algn="ctr"/>
               <a:r>
                 <a:rPr lang="en-US" sz="1200" dirty="0" smtClean="0"/>
-                <a:t>Service</a:t>
+                <a:t>Sender</a:t>
               </a:r>
               <a:endParaRPr lang="en-US" sz="1200" dirty="0"/>
             </a:p>
@@ -15754,15 +17011,7 @@
                   <a:schemeClr val="bg1"/>
                 </a:solidFill>
               </a:rPr>
-              <a:t>by Robert (Uncle Bob) Martin and Micah </a:t>
-            </a:r>
-            <a:r>
-              <a:rPr lang="en-US" sz="2000" dirty="0" smtClean="0">
-                <a:solidFill>
-                  <a:schemeClr val="bg1"/>
-                </a:solidFill>
-              </a:rPr>
-              <a:t>Martin</a:t>
+              <a:t>by Robert (Uncle Bob) Martin and Micah Martin</a:t>
             </a:r>
             <a:endParaRPr lang="en-US" sz="1000" dirty="0" smtClean="0">
               <a:solidFill>
@@ -15798,11 +17047,6 @@
               </a:rPr>
               <a:t>Pablo’s SOLID E-Book</a:t>
             </a:r>
-            <a:endParaRPr lang="en-US" sz="2000" dirty="0" smtClean="0">
-              <a:solidFill>
-                <a:schemeClr val="bg1"/>
-              </a:solidFill>
-            </a:endParaRPr>
           </a:p>
           <a:p>
             <a:pPr lvl="1" eaLnBrk="1" hangingPunct="1">
@@ -15835,11 +17079,6 @@
               </a:rPr>
               <a:t>	</a:t>
             </a:r>
-            <a:endParaRPr lang="en-US" sz="2000" dirty="0" smtClean="0">
-              <a:solidFill>
-                <a:schemeClr val="bg1"/>
-              </a:solidFill>
-            </a:endParaRPr>
           </a:p>
         </p:txBody>
       </p:sp>
@@ -16045,7 +17284,7 @@
         <p:spPr>
           <a:xfrm>
             <a:off x="685800" y="1066800"/>
-            <a:ext cx="8229600" cy="1295400"/>
+            <a:ext cx="8229600" cy="1219200"/>
           </a:xfrm>
         </p:spPr>
         <p:txBody>
@@ -16057,7 +17296,7 @@
             </a:pPr>
             <a:r>
               <a:rPr lang="en-US" dirty="0" smtClean="0"/>
-              <a:t>Coupling:</a:t>
+              <a:t>Cohesion:</a:t>
             </a:r>
           </a:p>
           <a:p>
@@ -16066,7 +17305,7 @@
             </a:pPr>
             <a:r>
               <a:rPr lang="en-US" sz="2000" dirty="0" smtClean="0"/>
-              <a:t>“The degree to which each program module relies on each one of the other modules” – </a:t>
+              <a:t>“A measure of how strongly-related and focused the various responsibilities of a software module are” - </a:t>
             </a:r>
             <a:r>
               <a:rPr lang="en-US" sz="2000" dirty="0" smtClean="0">
@@ -16074,6 +17313,7 @@
               </a:rPr>
               <a:t>Wikipedia</a:t>
             </a:r>
+            <a:endParaRPr lang="en-US" sz="2000" dirty="0" smtClean="0"/>
           </a:p>
         </p:txBody>
       </p:sp>
@@ -16111,1297 +17351,39 @@
           </a:p>
         </p:txBody>
       </p:sp>
-      <p:grpSp>
-        <p:nvGrpSpPr>
-          <p:cNvPr id="4" name="Group 3"/>
-          <p:cNvGrpSpPr/>
+      <p:pic>
+        <p:nvPicPr>
+          <p:cNvPr id="1026" name="Picture 2"/>
+          <p:cNvPicPr>
+            <a:picLocks noChangeAspect="1" noChangeArrowheads="1"/>
+          </p:cNvPicPr>
           <p:nvPr/>
-        </p:nvGrpSpPr>
-        <p:grpSpPr>
+        </p:nvPicPr>
+        <p:blipFill>
+          <a:blip r:embed="rId4"/>
+          <a:srcRect/>
+          <a:stretch>
+            <a:fillRect/>
+          </a:stretch>
+        </p:blipFill>
+        <p:spPr bwMode="auto">
           <a:xfrm>
-            <a:off x="1257300" y="2971800"/>
-            <a:ext cx="6629400" cy="2743200"/>
-            <a:chOff x="609600" y="3124200"/>
-            <a:chExt cx="6629400" cy="2743200"/>
+            <a:off x="2428875" y="2762250"/>
+            <a:ext cx="4286250" cy="3333750"/>
           </a:xfrm>
-          <a:scene3d>
-            <a:camera prst="perspectiveAbove"/>
-            <a:lightRig rig="threePt" dir="t"/>
-          </a:scene3d>
-        </p:grpSpPr>
-        <p:sp>
-          <p:nvSpPr>
-            <p:cNvPr id="5" name="Rectangle 4"/>
-            <p:cNvSpPr/>
-            <p:nvPr/>
-          </p:nvSpPr>
-          <p:spPr>
-            <a:xfrm>
-              <a:off x="1524000" y="3352800"/>
-              <a:ext cx="990600" cy="533400"/>
-            </a:xfrm>
-            <a:prstGeom prst="rect">
-              <a:avLst/>
-            </a:prstGeom>
-          </p:spPr>
-          <p:style>
-            <a:lnRef idx="1">
-              <a:schemeClr val="accent1"/>
-            </a:lnRef>
-            <a:fillRef idx="3">
-              <a:schemeClr val="accent1"/>
-            </a:fillRef>
-            <a:effectRef idx="2">
-              <a:schemeClr val="accent1"/>
-            </a:effectRef>
-            <a:fontRef idx="minor">
-              <a:schemeClr val="lt1"/>
-            </a:fontRef>
-          </p:style>
-          <p:txBody>
-            <a:bodyPr rtlCol="0" anchor="ctr"/>
-            <a:lstStyle/>
-            <a:p>
-              <a:pPr algn="ctr"/>
-              <a:endParaRPr lang="en-US"/>
-            </a:p>
-          </p:txBody>
-        </p:sp>
-        <p:sp>
-          <p:nvSpPr>
-            <p:cNvPr id="6" name="Rectangle 5"/>
-            <p:cNvSpPr/>
-            <p:nvPr/>
-          </p:nvSpPr>
-          <p:spPr>
-            <a:xfrm>
-              <a:off x="2667000" y="4495800"/>
-              <a:ext cx="990600" cy="533400"/>
-            </a:xfrm>
-            <a:prstGeom prst="rect">
-              <a:avLst/>
-            </a:prstGeom>
-          </p:spPr>
-          <p:style>
-            <a:lnRef idx="1">
-              <a:schemeClr val="accent2"/>
-            </a:lnRef>
-            <a:fillRef idx="3">
-              <a:schemeClr val="accent2"/>
-            </a:fillRef>
-            <a:effectRef idx="2">
-              <a:schemeClr val="accent2"/>
-            </a:effectRef>
-            <a:fontRef idx="minor">
-              <a:schemeClr val="lt1"/>
-            </a:fontRef>
-          </p:style>
-          <p:txBody>
-            <a:bodyPr rtlCol="0" anchor="ctr"/>
-            <a:lstStyle/>
-            <a:p>
-              <a:pPr algn="ctr"/>
-              <a:endParaRPr lang="en-US"/>
-            </a:p>
-          </p:txBody>
-        </p:sp>
-        <p:sp>
-          <p:nvSpPr>
-            <p:cNvPr id="7" name="Rectangle 6"/>
-            <p:cNvSpPr/>
-            <p:nvPr/>
-          </p:nvSpPr>
-          <p:spPr>
-            <a:xfrm>
-              <a:off x="3200400" y="3124200"/>
-              <a:ext cx="990600" cy="533400"/>
-            </a:xfrm>
-            <a:prstGeom prst="rect">
-              <a:avLst/>
-            </a:prstGeom>
-          </p:spPr>
-          <p:style>
-            <a:lnRef idx="1">
-              <a:schemeClr val="accent1"/>
-            </a:lnRef>
-            <a:fillRef idx="3">
-              <a:schemeClr val="accent1"/>
-            </a:fillRef>
-            <a:effectRef idx="2">
-              <a:schemeClr val="accent1"/>
-            </a:effectRef>
-            <a:fontRef idx="minor">
-              <a:schemeClr val="lt1"/>
-            </a:fontRef>
-          </p:style>
-          <p:txBody>
-            <a:bodyPr rtlCol="0" anchor="ctr"/>
-            <a:lstStyle/>
-            <a:p>
-              <a:pPr algn="ctr"/>
-              <a:endParaRPr lang="en-US"/>
-            </a:p>
-          </p:txBody>
-        </p:sp>
-        <p:sp>
-          <p:nvSpPr>
-            <p:cNvPr id="8" name="Rectangle 7"/>
-            <p:cNvSpPr/>
-            <p:nvPr/>
-          </p:nvSpPr>
-          <p:spPr>
-            <a:xfrm>
-              <a:off x="1447800" y="5181600"/>
-              <a:ext cx="990600" cy="533400"/>
-            </a:xfrm>
-            <a:prstGeom prst="rect">
-              <a:avLst/>
-            </a:prstGeom>
-          </p:spPr>
-          <p:style>
-            <a:lnRef idx="1">
-              <a:schemeClr val="accent1"/>
-            </a:lnRef>
-            <a:fillRef idx="3">
-              <a:schemeClr val="accent1"/>
-            </a:fillRef>
-            <a:effectRef idx="2">
-              <a:schemeClr val="accent1"/>
-            </a:effectRef>
-            <a:fontRef idx="minor">
-              <a:schemeClr val="lt1"/>
-            </a:fontRef>
-          </p:style>
-          <p:txBody>
-            <a:bodyPr rtlCol="0" anchor="ctr"/>
-            <a:lstStyle/>
-            <a:p>
-              <a:pPr algn="ctr"/>
-              <a:endParaRPr lang="en-US"/>
-            </a:p>
-          </p:txBody>
-        </p:sp>
-        <p:sp>
-          <p:nvSpPr>
-            <p:cNvPr id="9" name="Rectangle 8"/>
-            <p:cNvSpPr/>
-            <p:nvPr/>
-          </p:nvSpPr>
-          <p:spPr>
-            <a:xfrm>
-              <a:off x="3352800" y="5334000"/>
-              <a:ext cx="990600" cy="533400"/>
-            </a:xfrm>
-            <a:prstGeom prst="rect">
-              <a:avLst/>
-            </a:prstGeom>
-          </p:spPr>
-          <p:style>
-            <a:lnRef idx="1">
-              <a:schemeClr val="accent1"/>
-            </a:lnRef>
-            <a:fillRef idx="3">
-              <a:schemeClr val="accent1"/>
-            </a:fillRef>
-            <a:effectRef idx="2">
-              <a:schemeClr val="accent1"/>
-            </a:effectRef>
-            <a:fontRef idx="minor">
-              <a:schemeClr val="lt1"/>
-            </a:fontRef>
-          </p:style>
-          <p:txBody>
-            <a:bodyPr rtlCol="0" anchor="ctr"/>
-            <a:lstStyle/>
-            <a:p>
-              <a:pPr algn="ctr"/>
-              <a:endParaRPr lang="en-US"/>
-            </a:p>
-          </p:txBody>
-        </p:sp>
-        <p:sp>
-          <p:nvSpPr>
-            <p:cNvPr id="10" name="Rectangle 9"/>
-            <p:cNvSpPr/>
-            <p:nvPr/>
-          </p:nvSpPr>
-          <p:spPr>
-            <a:xfrm>
-              <a:off x="4038600" y="4191000"/>
-              <a:ext cx="990600" cy="533400"/>
-            </a:xfrm>
-            <a:prstGeom prst="rect">
-              <a:avLst/>
-            </a:prstGeom>
-          </p:spPr>
-          <p:style>
-            <a:lnRef idx="1">
-              <a:schemeClr val="accent1"/>
-            </a:lnRef>
-            <a:fillRef idx="3">
-              <a:schemeClr val="accent1"/>
-            </a:fillRef>
-            <a:effectRef idx="2">
-              <a:schemeClr val="accent1"/>
-            </a:effectRef>
-            <a:fontRef idx="minor">
-              <a:schemeClr val="lt1"/>
-            </a:fontRef>
-          </p:style>
-          <p:txBody>
-            <a:bodyPr rtlCol="0" anchor="ctr"/>
-            <a:lstStyle/>
-            <a:p>
-              <a:pPr algn="ctr"/>
-              <a:endParaRPr lang="en-US"/>
-            </a:p>
-          </p:txBody>
-        </p:sp>
-        <p:sp>
-          <p:nvSpPr>
-            <p:cNvPr id="11" name="Rectangle 10"/>
-            <p:cNvSpPr/>
-            <p:nvPr/>
-          </p:nvSpPr>
-          <p:spPr>
-            <a:xfrm>
-              <a:off x="5105400" y="3276600"/>
-              <a:ext cx="990600" cy="533400"/>
-            </a:xfrm>
-            <a:prstGeom prst="rect">
-              <a:avLst/>
-            </a:prstGeom>
-          </p:spPr>
-          <p:style>
-            <a:lnRef idx="1">
-              <a:schemeClr val="accent1"/>
-            </a:lnRef>
-            <a:fillRef idx="3">
-              <a:schemeClr val="accent1"/>
-            </a:fillRef>
-            <a:effectRef idx="2">
-              <a:schemeClr val="accent1"/>
-            </a:effectRef>
-            <a:fontRef idx="minor">
-              <a:schemeClr val="lt1"/>
-            </a:fontRef>
-          </p:style>
-          <p:txBody>
-            <a:bodyPr rtlCol="0" anchor="ctr"/>
-            <a:lstStyle/>
-            <a:p>
-              <a:pPr algn="ctr"/>
-              <a:endParaRPr lang="en-US"/>
-            </a:p>
-          </p:txBody>
-        </p:sp>
-        <p:sp>
-          <p:nvSpPr>
-            <p:cNvPr id="12" name="Rectangle 11"/>
-            <p:cNvSpPr/>
-            <p:nvPr/>
-          </p:nvSpPr>
-          <p:spPr>
-            <a:xfrm>
-              <a:off x="609600" y="4191000"/>
-              <a:ext cx="990600" cy="533400"/>
-            </a:xfrm>
-            <a:prstGeom prst="rect">
-              <a:avLst/>
-            </a:prstGeom>
-          </p:spPr>
-          <p:style>
-            <a:lnRef idx="1">
-              <a:schemeClr val="accent1"/>
-            </a:lnRef>
-            <a:fillRef idx="3">
-              <a:schemeClr val="accent1"/>
-            </a:fillRef>
-            <a:effectRef idx="2">
-              <a:schemeClr val="accent1"/>
-            </a:effectRef>
-            <a:fontRef idx="minor">
-              <a:schemeClr val="lt1"/>
-            </a:fontRef>
-          </p:style>
-          <p:txBody>
-            <a:bodyPr rtlCol="0" anchor="ctr"/>
-            <a:lstStyle/>
-            <a:p>
-              <a:pPr algn="ctr"/>
-              <a:endParaRPr lang="en-US"/>
-            </a:p>
-          </p:txBody>
-        </p:sp>
-        <p:sp>
-          <p:nvSpPr>
-            <p:cNvPr id="13" name="Rectangle 12"/>
-            <p:cNvSpPr/>
-            <p:nvPr/>
-          </p:nvSpPr>
-          <p:spPr>
-            <a:xfrm>
-              <a:off x="5257800" y="5181600"/>
-              <a:ext cx="990600" cy="533400"/>
-            </a:xfrm>
-            <a:prstGeom prst="rect">
-              <a:avLst/>
-            </a:prstGeom>
-          </p:spPr>
-          <p:style>
-            <a:lnRef idx="1">
-              <a:schemeClr val="accent1"/>
-            </a:lnRef>
-            <a:fillRef idx="3">
-              <a:schemeClr val="accent1"/>
-            </a:fillRef>
-            <a:effectRef idx="2">
-              <a:schemeClr val="accent1"/>
-            </a:effectRef>
-            <a:fontRef idx="minor">
-              <a:schemeClr val="lt1"/>
-            </a:fontRef>
-          </p:style>
-          <p:txBody>
-            <a:bodyPr rtlCol="0" anchor="ctr"/>
-            <a:lstStyle/>
-            <a:p>
-              <a:pPr algn="ctr"/>
-              <a:endParaRPr lang="en-US"/>
-            </a:p>
-          </p:txBody>
-        </p:sp>
-        <p:sp>
-          <p:nvSpPr>
-            <p:cNvPr id="14" name="Rectangle 13"/>
-            <p:cNvSpPr/>
-            <p:nvPr/>
-          </p:nvSpPr>
-          <p:spPr>
-            <a:xfrm>
-              <a:off x="6248400" y="4191000"/>
-              <a:ext cx="990600" cy="533400"/>
-            </a:xfrm>
-            <a:prstGeom prst="rect">
-              <a:avLst/>
-            </a:prstGeom>
-          </p:spPr>
-          <p:style>
-            <a:lnRef idx="1">
-              <a:schemeClr val="accent1"/>
-            </a:lnRef>
-            <a:fillRef idx="3">
-              <a:schemeClr val="accent1"/>
-            </a:fillRef>
-            <a:effectRef idx="2">
-              <a:schemeClr val="accent1"/>
-            </a:effectRef>
-            <a:fontRef idx="minor">
-              <a:schemeClr val="lt1"/>
-            </a:fontRef>
-          </p:style>
-          <p:txBody>
-            <a:bodyPr rtlCol="0" anchor="ctr"/>
-            <a:lstStyle/>
-            <a:p>
-              <a:pPr algn="ctr"/>
-              <a:endParaRPr lang="en-US"/>
-            </a:p>
-          </p:txBody>
-        </p:sp>
-        <p:cxnSp>
-          <p:nvCxnSpPr>
-            <p:cNvPr id="15" name="Elbow Connector 14"/>
-            <p:cNvCxnSpPr>
-              <a:stCxn id="5" idx="3"/>
-              <a:endCxn id="6" idx="0"/>
-            </p:cNvCxnSpPr>
-            <p:nvPr/>
-          </p:nvCxnSpPr>
-          <p:spPr>
-            <a:xfrm>
-              <a:off x="2514600" y="3619500"/>
-              <a:ext cx="647700" cy="876300"/>
-            </a:xfrm>
-            <a:prstGeom prst="bentConnector2">
-              <a:avLst/>
-            </a:prstGeom>
-            <a:ln>
-              <a:tailEnd type="arrow"/>
-            </a:ln>
-          </p:spPr>
-          <p:style>
-            <a:lnRef idx="1">
-              <a:schemeClr val="accent1"/>
-            </a:lnRef>
-            <a:fillRef idx="3">
-              <a:schemeClr val="accent1"/>
-            </a:fillRef>
-            <a:effectRef idx="2">
-              <a:schemeClr val="accent1"/>
-            </a:effectRef>
-            <a:fontRef idx="minor">
-              <a:schemeClr val="lt1"/>
-            </a:fontRef>
-          </p:style>
-        </p:cxnSp>
-        <p:cxnSp>
-          <p:nvCxnSpPr>
-            <p:cNvPr id="16" name="Elbow Connector 14"/>
-            <p:cNvCxnSpPr>
-              <a:stCxn id="5" idx="1"/>
-              <a:endCxn id="12" idx="0"/>
-            </p:cNvCxnSpPr>
-            <p:nvPr/>
-          </p:nvCxnSpPr>
-          <p:spPr>
-            <a:xfrm rot="10800000" flipV="1">
-              <a:off x="1104900" y="3619500"/>
-              <a:ext cx="419100" cy="571500"/>
-            </a:xfrm>
-            <a:prstGeom prst="bentConnector2">
-              <a:avLst/>
-            </a:prstGeom>
-            <a:ln>
-              <a:tailEnd type="arrow"/>
-            </a:ln>
-          </p:spPr>
-          <p:style>
-            <a:lnRef idx="1">
-              <a:schemeClr val="accent1"/>
-            </a:lnRef>
-            <a:fillRef idx="3">
-              <a:schemeClr val="accent1"/>
-            </a:fillRef>
-            <a:effectRef idx="2">
-              <a:schemeClr val="accent1"/>
-            </a:effectRef>
-            <a:fontRef idx="minor">
-              <a:schemeClr val="lt1"/>
-            </a:fontRef>
-          </p:style>
-        </p:cxnSp>
-        <p:cxnSp>
-          <p:nvCxnSpPr>
-            <p:cNvPr id="17" name="Elbow Connector 14"/>
-            <p:cNvCxnSpPr>
-              <a:stCxn id="6" idx="1"/>
-              <a:endCxn id="5" idx="2"/>
-            </p:cNvCxnSpPr>
-            <p:nvPr/>
-          </p:nvCxnSpPr>
-          <p:spPr>
-            <a:xfrm rot="10800000">
-              <a:off x="2019300" y="3886200"/>
-              <a:ext cx="647700" cy="876300"/>
-            </a:xfrm>
-            <a:prstGeom prst="bentConnector2">
-              <a:avLst/>
-            </a:prstGeom>
-            <a:ln>
-              <a:tailEnd type="arrow"/>
-            </a:ln>
-          </p:spPr>
-          <p:style>
-            <a:lnRef idx="1">
-              <a:schemeClr val="accent1"/>
-            </a:lnRef>
-            <a:fillRef idx="3">
-              <a:schemeClr val="accent1"/>
-            </a:fillRef>
-            <a:effectRef idx="2">
-              <a:schemeClr val="accent1"/>
-            </a:effectRef>
-            <a:fontRef idx="minor">
-              <a:schemeClr val="lt1"/>
-            </a:fontRef>
-          </p:style>
-        </p:cxnSp>
-        <p:cxnSp>
-          <p:nvCxnSpPr>
-            <p:cNvPr id="18" name="Elbow Connector 14"/>
-            <p:cNvCxnSpPr>
-              <a:stCxn id="7" idx="2"/>
-              <a:endCxn id="6" idx="0"/>
-            </p:cNvCxnSpPr>
-            <p:nvPr/>
-          </p:nvCxnSpPr>
-          <p:spPr>
-            <a:xfrm rot="5400000">
-              <a:off x="3009900" y="3810000"/>
-              <a:ext cx="838200" cy="533400"/>
-            </a:xfrm>
-            <a:prstGeom prst="bentConnector3">
-              <a:avLst>
-                <a:gd name="adj1" fmla="val 50000"/>
-              </a:avLst>
-            </a:prstGeom>
-            <a:ln>
-              <a:tailEnd type="arrow"/>
-            </a:ln>
-          </p:spPr>
-          <p:style>
-            <a:lnRef idx="1">
-              <a:schemeClr val="accent1"/>
-            </a:lnRef>
-            <a:fillRef idx="3">
-              <a:schemeClr val="accent1"/>
-            </a:fillRef>
-            <a:effectRef idx="2">
-              <a:schemeClr val="accent1"/>
-            </a:effectRef>
-            <a:fontRef idx="minor">
-              <a:schemeClr val="lt1"/>
-            </a:fontRef>
-          </p:style>
-        </p:cxnSp>
-        <p:cxnSp>
-          <p:nvCxnSpPr>
-            <p:cNvPr id="19" name="Elbow Connector 14"/>
-            <p:cNvCxnSpPr>
-              <a:stCxn id="10" idx="0"/>
-              <a:endCxn id="7" idx="3"/>
-            </p:cNvCxnSpPr>
-            <p:nvPr/>
-          </p:nvCxnSpPr>
-          <p:spPr>
-            <a:xfrm rot="16200000" flipV="1">
-              <a:off x="3962400" y="3619500"/>
-              <a:ext cx="800100" cy="342900"/>
-            </a:xfrm>
-            <a:prstGeom prst="bentConnector2">
-              <a:avLst/>
-            </a:prstGeom>
-            <a:ln>
-              <a:tailEnd type="arrow"/>
-            </a:ln>
-          </p:spPr>
-          <p:style>
-            <a:lnRef idx="1">
-              <a:schemeClr val="accent1"/>
-            </a:lnRef>
-            <a:fillRef idx="3">
-              <a:schemeClr val="accent1"/>
-            </a:fillRef>
-            <a:effectRef idx="2">
-              <a:schemeClr val="accent1"/>
-            </a:effectRef>
-            <a:fontRef idx="minor">
-              <a:schemeClr val="lt1"/>
-            </a:fontRef>
-          </p:style>
-        </p:cxnSp>
-        <p:cxnSp>
-          <p:nvCxnSpPr>
-            <p:cNvPr id="20" name="Elbow Connector 14"/>
-            <p:cNvCxnSpPr>
-              <a:stCxn id="8" idx="3"/>
-              <a:endCxn id="9" idx="1"/>
-            </p:cNvCxnSpPr>
-            <p:nvPr/>
-          </p:nvCxnSpPr>
-          <p:spPr>
-            <a:xfrm>
-              <a:off x="2438400" y="5448300"/>
-              <a:ext cx="914400" cy="152400"/>
-            </a:xfrm>
-            <a:prstGeom prst="bentConnector3">
-              <a:avLst>
-                <a:gd name="adj1" fmla="val 50000"/>
-              </a:avLst>
-            </a:prstGeom>
-            <a:ln>
-              <a:tailEnd type="arrow"/>
-            </a:ln>
-          </p:spPr>
-          <p:style>
-            <a:lnRef idx="1">
-              <a:schemeClr val="accent1"/>
-            </a:lnRef>
-            <a:fillRef idx="3">
-              <a:schemeClr val="accent1"/>
-            </a:fillRef>
-            <a:effectRef idx="2">
-              <a:schemeClr val="accent1"/>
-            </a:effectRef>
-            <a:fontRef idx="minor">
-              <a:schemeClr val="lt1"/>
-            </a:fontRef>
-          </p:style>
-        </p:cxnSp>
-        <p:cxnSp>
-          <p:nvCxnSpPr>
-            <p:cNvPr id="21" name="Elbow Connector 14"/>
-            <p:cNvCxnSpPr>
-              <a:stCxn id="9" idx="0"/>
-              <a:endCxn id="6" idx="2"/>
-            </p:cNvCxnSpPr>
-            <p:nvPr/>
-          </p:nvCxnSpPr>
-          <p:spPr>
-            <a:xfrm rot="16200000" flipV="1">
-              <a:off x="3352800" y="4838700"/>
-              <a:ext cx="304800" cy="685800"/>
-            </a:xfrm>
-            <a:prstGeom prst="bentConnector3">
-              <a:avLst>
-                <a:gd name="adj1" fmla="val 50000"/>
-              </a:avLst>
-            </a:prstGeom>
-            <a:ln>
-              <a:tailEnd type="arrow"/>
-            </a:ln>
-          </p:spPr>
-          <p:style>
-            <a:lnRef idx="1">
-              <a:schemeClr val="accent1"/>
-            </a:lnRef>
-            <a:fillRef idx="3">
-              <a:schemeClr val="accent1"/>
-            </a:fillRef>
-            <a:effectRef idx="2">
-              <a:schemeClr val="accent1"/>
-            </a:effectRef>
-            <a:fontRef idx="minor">
-              <a:schemeClr val="lt1"/>
-            </a:fontRef>
-          </p:style>
-        </p:cxnSp>
-        <p:cxnSp>
-          <p:nvCxnSpPr>
-            <p:cNvPr id="22" name="Elbow Connector 14"/>
-            <p:cNvCxnSpPr>
-              <a:stCxn id="12" idx="3"/>
-              <a:endCxn id="8" idx="0"/>
-            </p:cNvCxnSpPr>
-            <p:nvPr/>
-          </p:nvCxnSpPr>
-          <p:spPr>
-            <a:xfrm>
-              <a:off x="1600200" y="4457700"/>
-              <a:ext cx="342900" cy="723900"/>
-            </a:xfrm>
-            <a:prstGeom prst="bentConnector2">
-              <a:avLst/>
-            </a:prstGeom>
-            <a:ln>
-              <a:tailEnd type="arrow"/>
-            </a:ln>
-          </p:spPr>
-          <p:style>
-            <a:lnRef idx="1">
-              <a:schemeClr val="accent1"/>
-            </a:lnRef>
-            <a:fillRef idx="3">
-              <a:schemeClr val="accent1"/>
-            </a:fillRef>
-            <a:effectRef idx="2">
-              <a:schemeClr val="accent1"/>
-            </a:effectRef>
-            <a:fontRef idx="minor">
-              <a:schemeClr val="lt1"/>
-            </a:fontRef>
-          </p:style>
-        </p:cxnSp>
-        <p:cxnSp>
-          <p:nvCxnSpPr>
-            <p:cNvPr id="23" name="Elbow Connector 14"/>
-            <p:cNvCxnSpPr>
-              <a:stCxn id="6" idx="1"/>
-              <a:endCxn id="8" idx="0"/>
-            </p:cNvCxnSpPr>
-            <p:nvPr/>
-          </p:nvCxnSpPr>
-          <p:spPr>
-            <a:xfrm rot="10800000" flipV="1">
-              <a:off x="1943100" y="4762500"/>
-              <a:ext cx="723900" cy="419100"/>
-            </a:xfrm>
-            <a:prstGeom prst="bentConnector2">
-              <a:avLst/>
-            </a:prstGeom>
-            <a:ln>
-              <a:tailEnd type="arrow"/>
-            </a:ln>
-          </p:spPr>
-          <p:style>
-            <a:lnRef idx="1">
-              <a:schemeClr val="accent1"/>
-            </a:lnRef>
-            <a:fillRef idx="3">
-              <a:schemeClr val="accent1"/>
-            </a:fillRef>
-            <a:effectRef idx="2">
-              <a:schemeClr val="accent1"/>
-            </a:effectRef>
-            <a:fontRef idx="minor">
-              <a:schemeClr val="lt1"/>
-            </a:fontRef>
-          </p:style>
-        </p:cxnSp>
-        <p:cxnSp>
-          <p:nvCxnSpPr>
-            <p:cNvPr id="24" name="Elbow Connector 14"/>
-            <p:cNvCxnSpPr>
-              <a:stCxn id="10" idx="1"/>
-              <a:endCxn id="6" idx="3"/>
-            </p:cNvCxnSpPr>
-            <p:nvPr/>
-          </p:nvCxnSpPr>
-          <p:spPr>
-            <a:xfrm rot="10800000" flipV="1">
-              <a:off x="3657600" y="4457700"/>
-              <a:ext cx="381000" cy="304800"/>
-            </a:xfrm>
-            <a:prstGeom prst="bentConnector3">
-              <a:avLst>
-                <a:gd name="adj1" fmla="val 50000"/>
-              </a:avLst>
-            </a:prstGeom>
-            <a:ln>
-              <a:tailEnd type="arrow"/>
-            </a:ln>
-          </p:spPr>
-          <p:style>
-            <a:lnRef idx="1">
-              <a:schemeClr val="accent1"/>
-            </a:lnRef>
-            <a:fillRef idx="3">
-              <a:schemeClr val="accent1"/>
-            </a:fillRef>
-            <a:effectRef idx="2">
-              <a:schemeClr val="accent1"/>
-            </a:effectRef>
-            <a:fontRef idx="minor">
-              <a:schemeClr val="lt1"/>
-            </a:fontRef>
-          </p:style>
-        </p:cxnSp>
-        <p:cxnSp>
-          <p:nvCxnSpPr>
-            <p:cNvPr id="25" name="Elbow Connector 14"/>
-            <p:cNvCxnSpPr>
-              <a:stCxn id="10" idx="2"/>
-              <a:endCxn id="9" idx="3"/>
-            </p:cNvCxnSpPr>
-            <p:nvPr/>
-          </p:nvCxnSpPr>
-          <p:spPr>
-            <a:xfrm rot="5400000">
-              <a:off x="4000500" y="5067300"/>
-              <a:ext cx="876300" cy="190500"/>
-            </a:xfrm>
-            <a:prstGeom prst="bentConnector2">
-              <a:avLst/>
-            </a:prstGeom>
-            <a:ln>
-              <a:tailEnd type="arrow"/>
-            </a:ln>
-          </p:spPr>
-          <p:style>
-            <a:lnRef idx="1">
-              <a:schemeClr val="accent1"/>
-            </a:lnRef>
-            <a:fillRef idx="3">
-              <a:schemeClr val="accent1"/>
-            </a:fillRef>
-            <a:effectRef idx="2">
-              <a:schemeClr val="accent1"/>
-            </a:effectRef>
-            <a:fontRef idx="minor">
-              <a:schemeClr val="lt1"/>
-            </a:fontRef>
-          </p:style>
-        </p:cxnSp>
-        <p:cxnSp>
-          <p:nvCxnSpPr>
-            <p:cNvPr id="26" name="Elbow Connector 14"/>
-            <p:cNvCxnSpPr>
-              <a:stCxn id="13" idx="0"/>
-              <a:endCxn id="10" idx="3"/>
-            </p:cNvCxnSpPr>
-            <p:nvPr/>
-          </p:nvCxnSpPr>
-          <p:spPr>
-            <a:xfrm rot="16200000" flipV="1">
-              <a:off x="5029200" y="4457700"/>
-              <a:ext cx="723900" cy="723900"/>
-            </a:xfrm>
-            <a:prstGeom prst="bentConnector2">
-              <a:avLst/>
-            </a:prstGeom>
-            <a:ln>
-              <a:tailEnd type="arrow"/>
-            </a:ln>
-          </p:spPr>
-          <p:style>
-            <a:lnRef idx="1">
-              <a:schemeClr val="accent1"/>
-            </a:lnRef>
-            <a:fillRef idx="3">
-              <a:schemeClr val="accent1"/>
-            </a:fillRef>
-            <a:effectRef idx="2">
-              <a:schemeClr val="accent1"/>
-            </a:effectRef>
-            <a:fontRef idx="minor">
-              <a:schemeClr val="lt1"/>
-            </a:fontRef>
-          </p:style>
-        </p:cxnSp>
-        <p:cxnSp>
-          <p:nvCxnSpPr>
-            <p:cNvPr id="27" name="Elbow Connector 14"/>
-            <p:cNvCxnSpPr>
-              <a:stCxn id="11" idx="2"/>
-              <a:endCxn id="10" idx="3"/>
-            </p:cNvCxnSpPr>
-            <p:nvPr/>
-          </p:nvCxnSpPr>
-          <p:spPr>
-            <a:xfrm rot="5400000">
-              <a:off x="4991100" y="3848100"/>
-              <a:ext cx="647700" cy="571500"/>
-            </a:xfrm>
-            <a:prstGeom prst="bentConnector2">
-              <a:avLst/>
-            </a:prstGeom>
-            <a:ln>
-              <a:tailEnd type="arrow"/>
-            </a:ln>
-          </p:spPr>
-          <p:style>
-            <a:lnRef idx="1">
-              <a:schemeClr val="accent1"/>
-            </a:lnRef>
-            <a:fillRef idx="3">
-              <a:schemeClr val="accent1"/>
-            </a:fillRef>
-            <a:effectRef idx="2">
-              <a:schemeClr val="accent1"/>
-            </a:effectRef>
-            <a:fontRef idx="minor">
-              <a:schemeClr val="lt1"/>
-            </a:fontRef>
-          </p:style>
-        </p:cxnSp>
-        <p:cxnSp>
-          <p:nvCxnSpPr>
-            <p:cNvPr id="28" name="Elbow Connector 14"/>
-            <p:cNvCxnSpPr>
-              <a:stCxn id="14" idx="0"/>
-              <a:endCxn id="11" idx="3"/>
-            </p:cNvCxnSpPr>
-            <p:nvPr/>
-          </p:nvCxnSpPr>
-          <p:spPr>
-            <a:xfrm rot="16200000" flipV="1">
-              <a:off x="6096000" y="3543300"/>
-              <a:ext cx="647700" cy="647700"/>
-            </a:xfrm>
-            <a:prstGeom prst="bentConnector2">
-              <a:avLst/>
-            </a:prstGeom>
-            <a:ln>
-              <a:tailEnd type="arrow"/>
-            </a:ln>
-          </p:spPr>
-          <p:style>
-            <a:lnRef idx="1">
-              <a:schemeClr val="accent1"/>
-            </a:lnRef>
-            <a:fillRef idx="3">
-              <a:schemeClr val="accent1"/>
-            </a:fillRef>
-            <a:effectRef idx="2">
-              <a:schemeClr val="accent1"/>
-            </a:effectRef>
-            <a:fontRef idx="minor">
-              <a:schemeClr val="lt1"/>
-            </a:fontRef>
-          </p:style>
-        </p:cxnSp>
-        <p:cxnSp>
-          <p:nvCxnSpPr>
-            <p:cNvPr id="29" name="Elbow Connector 14"/>
-            <p:cNvCxnSpPr>
-              <a:stCxn id="13" idx="3"/>
-              <a:endCxn id="14" idx="2"/>
-            </p:cNvCxnSpPr>
-            <p:nvPr/>
-          </p:nvCxnSpPr>
-          <p:spPr>
-            <a:xfrm flipV="1">
-              <a:off x="6248400" y="4724400"/>
-              <a:ext cx="495300" cy="723900"/>
-            </a:xfrm>
-            <a:prstGeom prst="bentConnector2">
-              <a:avLst/>
-            </a:prstGeom>
-            <a:ln>
-              <a:tailEnd type="arrow"/>
-            </a:ln>
-          </p:spPr>
-          <p:style>
-            <a:lnRef idx="1">
-              <a:schemeClr val="accent1"/>
-            </a:lnRef>
-            <a:fillRef idx="3">
-              <a:schemeClr val="accent1"/>
-            </a:fillRef>
-            <a:effectRef idx="2">
-              <a:schemeClr val="accent1"/>
-            </a:effectRef>
-            <a:fontRef idx="minor">
-              <a:schemeClr val="lt1"/>
-            </a:fontRef>
-          </p:style>
-        </p:cxnSp>
-        <p:cxnSp>
-          <p:nvCxnSpPr>
-            <p:cNvPr id="30" name="Elbow Connector 14"/>
-            <p:cNvCxnSpPr>
-              <a:stCxn id="14" idx="1"/>
-              <a:endCxn id="10" idx="3"/>
-            </p:cNvCxnSpPr>
-            <p:nvPr/>
-          </p:nvCxnSpPr>
-          <p:spPr>
-            <a:xfrm rot="10800000">
-              <a:off x="5029200" y="4457700"/>
-              <a:ext cx="1219200" cy="1588"/>
-            </a:xfrm>
-            <a:prstGeom prst="bentConnector3">
-              <a:avLst>
-                <a:gd name="adj1" fmla="val 50000"/>
-              </a:avLst>
-            </a:prstGeom>
-            <a:ln>
-              <a:tailEnd type="arrow"/>
-            </a:ln>
-          </p:spPr>
-          <p:style>
-            <a:lnRef idx="1">
-              <a:schemeClr val="accent1"/>
-            </a:lnRef>
-            <a:fillRef idx="3">
-              <a:schemeClr val="accent1"/>
-            </a:fillRef>
-            <a:effectRef idx="2">
-              <a:schemeClr val="accent1"/>
-            </a:effectRef>
-            <a:fontRef idx="minor">
-              <a:schemeClr val="lt1"/>
-            </a:fontRef>
-          </p:style>
-        </p:cxnSp>
-        <p:cxnSp>
-          <p:nvCxnSpPr>
-            <p:cNvPr id="31" name="Elbow Connector 14"/>
-            <p:cNvCxnSpPr>
-              <a:stCxn id="14" idx="0"/>
-              <a:endCxn id="7" idx="0"/>
-            </p:cNvCxnSpPr>
-            <p:nvPr/>
-          </p:nvCxnSpPr>
-          <p:spPr>
-            <a:xfrm rot="16200000" flipV="1">
-              <a:off x="4686300" y="2133600"/>
-              <a:ext cx="1066800" cy="3048000"/>
-            </a:xfrm>
-            <a:prstGeom prst="bentConnector3">
-              <a:avLst>
-                <a:gd name="adj1" fmla="val 121429"/>
-              </a:avLst>
-            </a:prstGeom>
-            <a:ln>
-              <a:tailEnd type="arrow"/>
-            </a:ln>
-          </p:spPr>
-          <p:style>
-            <a:lnRef idx="1">
-              <a:schemeClr val="accent1"/>
-            </a:lnRef>
-            <a:fillRef idx="3">
-              <a:schemeClr val="accent1"/>
-            </a:fillRef>
-            <a:effectRef idx="2">
-              <a:schemeClr val="accent1"/>
-            </a:effectRef>
-            <a:fontRef idx="minor">
-              <a:schemeClr val="lt1"/>
-            </a:fontRef>
-          </p:style>
-        </p:cxnSp>
-        <p:cxnSp>
-          <p:nvCxnSpPr>
-            <p:cNvPr id="32" name="Elbow Connector 14"/>
-            <p:cNvCxnSpPr>
-              <a:stCxn id="9" idx="2"/>
-              <a:endCxn id="12" idx="2"/>
-            </p:cNvCxnSpPr>
-            <p:nvPr/>
-          </p:nvCxnSpPr>
-          <p:spPr>
-            <a:xfrm rot="5400000" flipH="1">
-              <a:off x="1905000" y="3924300"/>
-              <a:ext cx="1143000" cy="2743200"/>
-            </a:xfrm>
-            <a:prstGeom prst="bentConnector3">
-              <a:avLst>
-                <a:gd name="adj1" fmla="val -20000"/>
-              </a:avLst>
-            </a:prstGeom>
-            <a:ln>
-              <a:tailEnd type="arrow"/>
-            </a:ln>
-          </p:spPr>
-          <p:style>
-            <a:lnRef idx="1">
-              <a:schemeClr val="accent1"/>
-            </a:lnRef>
-            <a:fillRef idx="3">
-              <a:schemeClr val="accent1"/>
-            </a:fillRef>
-            <a:effectRef idx="2">
-              <a:schemeClr val="accent1"/>
-            </a:effectRef>
-            <a:fontRef idx="minor">
-              <a:schemeClr val="lt1"/>
-            </a:fontRef>
-          </p:style>
-        </p:cxnSp>
-        <p:cxnSp>
-          <p:nvCxnSpPr>
-            <p:cNvPr id="33" name="Elbow Connector 14"/>
-            <p:cNvCxnSpPr>
-              <a:stCxn id="9" idx="2"/>
-              <a:endCxn id="13" idx="2"/>
-            </p:cNvCxnSpPr>
-            <p:nvPr/>
-          </p:nvCxnSpPr>
-          <p:spPr>
-            <a:xfrm rot="5400000" flipH="1" flipV="1">
-              <a:off x="4724400" y="4838700"/>
-              <a:ext cx="152400" cy="1905000"/>
-            </a:xfrm>
-            <a:prstGeom prst="bentConnector3">
-              <a:avLst>
-                <a:gd name="adj1" fmla="val -150000"/>
-              </a:avLst>
-            </a:prstGeom>
-            <a:ln>
-              <a:tailEnd type="arrow"/>
-            </a:ln>
-          </p:spPr>
-          <p:style>
-            <a:lnRef idx="1">
-              <a:schemeClr val="accent1"/>
-            </a:lnRef>
-            <a:fillRef idx="3">
-              <a:schemeClr val="accent1"/>
-            </a:fillRef>
-            <a:effectRef idx="2">
-              <a:schemeClr val="accent1"/>
-            </a:effectRef>
-            <a:fontRef idx="minor">
-              <a:schemeClr val="lt1"/>
-            </a:fontRef>
-          </p:style>
-        </p:cxnSp>
-        <p:cxnSp>
-          <p:nvCxnSpPr>
-            <p:cNvPr id="34" name="Elbow Connector 14"/>
-            <p:cNvCxnSpPr>
-              <a:stCxn id="13" idx="1"/>
-              <a:endCxn id="9" idx="3"/>
-            </p:cNvCxnSpPr>
-            <p:nvPr/>
-          </p:nvCxnSpPr>
-          <p:spPr>
-            <a:xfrm rot="10800000" flipV="1">
-              <a:off x="4343400" y="5448300"/>
-              <a:ext cx="914400" cy="152400"/>
-            </a:xfrm>
-            <a:prstGeom prst="bentConnector3">
-              <a:avLst>
-                <a:gd name="adj1" fmla="val 50000"/>
-              </a:avLst>
-            </a:prstGeom>
-            <a:ln>
-              <a:tailEnd type="arrow"/>
-            </a:ln>
-          </p:spPr>
-          <p:style>
-            <a:lnRef idx="1">
-              <a:schemeClr val="accent1"/>
-            </a:lnRef>
-            <a:fillRef idx="3">
-              <a:schemeClr val="accent1"/>
-            </a:fillRef>
-            <a:effectRef idx="2">
-              <a:schemeClr val="accent1"/>
-            </a:effectRef>
-            <a:fontRef idx="minor">
-              <a:schemeClr val="lt1"/>
-            </a:fontRef>
-          </p:style>
-        </p:cxnSp>
-        <p:cxnSp>
-          <p:nvCxnSpPr>
-            <p:cNvPr id="35" name="Elbow Connector 14"/>
-            <p:cNvCxnSpPr>
-              <a:stCxn id="14" idx="3"/>
-              <a:endCxn id="13" idx="2"/>
-            </p:cNvCxnSpPr>
-            <p:nvPr/>
-          </p:nvCxnSpPr>
-          <p:spPr>
-            <a:xfrm flipH="1">
-              <a:off x="5753100" y="4457700"/>
-              <a:ext cx="1485900" cy="1257300"/>
-            </a:xfrm>
-            <a:prstGeom prst="bentConnector4">
-              <a:avLst>
-                <a:gd name="adj1" fmla="val -15385"/>
-                <a:gd name="adj2" fmla="val 118182"/>
-              </a:avLst>
-            </a:prstGeom>
-            <a:ln>
-              <a:tailEnd type="arrow"/>
-            </a:ln>
-          </p:spPr>
-          <p:style>
-            <a:lnRef idx="1">
-              <a:schemeClr val="accent1"/>
-            </a:lnRef>
-            <a:fillRef idx="3">
-              <a:schemeClr val="accent1"/>
-            </a:fillRef>
-            <a:effectRef idx="2">
-              <a:schemeClr val="accent1"/>
-            </a:effectRef>
-            <a:fontRef idx="minor">
-              <a:schemeClr val="lt1"/>
-            </a:fontRef>
-          </p:style>
-        </p:cxnSp>
-        <p:cxnSp>
-          <p:nvCxnSpPr>
-            <p:cNvPr id="36" name="Elbow Connector 14"/>
-            <p:cNvCxnSpPr>
-              <a:stCxn id="11" idx="1"/>
-              <a:endCxn id="7" idx="3"/>
-            </p:cNvCxnSpPr>
-            <p:nvPr/>
-          </p:nvCxnSpPr>
-          <p:spPr>
-            <a:xfrm rot="10800000">
-              <a:off x="4191000" y="3390900"/>
-              <a:ext cx="914400" cy="152400"/>
-            </a:xfrm>
-            <a:prstGeom prst="bentConnector3">
-              <a:avLst>
-                <a:gd name="adj1" fmla="val 50000"/>
-              </a:avLst>
-            </a:prstGeom>
-            <a:ln>
-              <a:tailEnd type="arrow"/>
-            </a:ln>
-          </p:spPr>
-          <p:style>
-            <a:lnRef idx="1">
-              <a:schemeClr val="accent1"/>
-            </a:lnRef>
-            <a:fillRef idx="3">
-              <a:schemeClr val="accent1"/>
-            </a:fillRef>
-            <a:effectRef idx="2">
-              <a:schemeClr val="accent1"/>
-            </a:effectRef>
-            <a:fontRef idx="minor">
-              <a:schemeClr val="lt1"/>
-            </a:fontRef>
-          </p:style>
-        </p:cxnSp>
-        <p:cxnSp>
-          <p:nvCxnSpPr>
-            <p:cNvPr id="37" name="Elbow Connector 14"/>
-            <p:cNvCxnSpPr>
-              <a:stCxn id="5" idx="0"/>
-              <a:endCxn id="11" idx="0"/>
-            </p:cNvCxnSpPr>
-            <p:nvPr/>
-          </p:nvCxnSpPr>
-          <p:spPr>
-            <a:xfrm rot="5400000" flipH="1" flipV="1">
-              <a:off x="3771900" y="1524000"/>
-              <a:ext cx="76200" cy="3581400"/>
-            </a:xfrm>
-            <a:prstGeom prst="bentConnector3">
-              <a:avLst>
-                <a:gd name="adj1" fmla="val 481554"/>
-              </a:avLst>
-            </a:prstGeom>
-            <a:ln>
-              <a:tailEnd type="arrow"/>
-            </a:ln>
-          </p:spPr>
-          <p:style>
-            <a:lnRef idx="1">
-              <a:schemeClr val="accent1"/>
-            </a:lnRef>
-            <a:fillRef idx="3">
-              <a:schemeClr val="accent1"/>
-            </a:fillRef>
-            <a:effectRef idx="2">
-              <a:schemeClr val="accent1"/>
-            </a:effectRef>
-            <a:fontRef idx="minor">
-              <a:schemeClr val="lt1"/>
-            </a:fontRef>
-          </p:style>
-        </p:cxnSp>
-        <p:cxnSp>
-          <p:nvCxnSpPr>
-            <p:cNvPr id="38" name="Elbow Connector 14"/>
-            <p:cNvCxnSpPr>
-              <a:stCxn id="7" idx="0"/>
-              <a:endCxn id="12" idx="1"/>
-            </p:cNvCxnSpPr>
-            <p:nvPr/>
-          </p:nvCxnSpPr>
-          <p:spPr>
-            <a:xfrm rot="16200000" flipH="1" flipV="1">
-              <a:off x="1485900" y="2247900"/>
-              <a:ext cx="1333500" cy="3086100"/>
-            </a:xfrm>
-            <a:prstGeom prst="bentConnector4">
-              <a:avLst>
-                <a:gd name="adj1" fmla="val -17143"/>
-                <a:gd name="adj2" fmla="val 107407"/>
-              </a:avLst>
-            </a:prstGeom>
-            <a:ln>
-              <a:tailEnd type="arrow"/>
-            </a:ln>
-          </p:spPr>
-          <p:style>
-            <a:lnRef idx="1">
-              <a:schemeClr val="accent1"/>
-            </a:lnRef>
-            <a:fillRef idx="3">
-              <a:schemeClr val="accent1"/>
-            </a:fillRef>
-            <a:effectRef idx="2">
-              <a:schemeClr val="accent1"/>
-            </a:effectRef>
-            <a:fontRef idx="minor">
-              <a:schemeClr val="lt1"/>
-            </a:fontRef>
-          </p:style>
-        </p:cxnSp>
-      </p:grpSp>
+          <a:prstGeom prst="rect">
+            <a:avLst/>
+          </a:prstGeom>
+          <a:noFill/>
+          <a:ln w="9525">
+            <a:noFill/>
+            <a:miter lim="800000"/>
+            <a:headEnd/>
+            <a:tailEnd/>
+          </a:ln>
+          <a:effectLst/>
+        </p:spPr>
+      </p:pic>
     </p:spTree>
   </p:cSld>
   <p:clrMapOvr>

--- a/SOLID Principles - Step By Step Code/SOLID Principles Presentation.pptx
+++ b/SOLID Principles - Step By Step Code/SOLID Principles Presentation.pptx
@@ -5,10 +5,10 @@
     <p:sldMasterId id="2147483822" r:id="rId4"/>
   </p:sldMasterIdLst>
   <p:notesMasterIdLst>
-    <p:notesMasterId r:id="rId45"/>
+    <p:notesMasterId r:id="rId44"/>
   </p:notesMasterIdLst>
   <p:handoutMasterIdLst>
-    <p:handoutMasterId r:id="rId46"/>
+    <p:handoutMasterId r:id="rId45"/>
   </p:handoutMasterIdLst>
   <p:sldIdLst>
     <p:sldId id="292" r:id="rId5"/>
@@ -41,26 +41,25 @@
     <p:sldId id="296" r:id="rId32"/>
     <p:sldId id="286" r:id="rId33"/>
     <p:sldId id="290" r:id="rId34"/>
-    <p:sldId id="288" r:id="rId35"/>
-    <p:sldId id="287" r:id="rId36"/>
-    <p:sldId id="270" r:id="rId37"/>
-    <p:sldId id="278" r:id="rId38"/>
-    <p:sldId id="279" r:id="rId39"/>
-    <p:sldId id="281" r:id="rId40"/>
-    <p:sldId id="282" r:id="rId41"/>
-    <p:sldId id="283" r:id="rId42"/>
-    <p:sldId id="259" r:id="rId43"/>
-    <p:sldId id="274" r:id="rId44"/>
+    <p:sldId id="297" r:id="rId35"/>
+    <p:sldId id="270" r:id="rId36"/>
+    <p:sldId id="278" r:id="rId37"/>
+    <p:sldId id="279" r:id="rId38"/>
+    <p:sldId id="281" r:id="rId39"/>
+    <p:sldId id="282" r:id="rId40"/>
+    <p:sldId id="283" r:id="rId41"/>
+    <p:sldId id="259" r:id="rId42"/>
+    <p:sldId id="274" r:id="rId43"/>
   </p:sldIdLst>
   <p:sldSz cx="9144000" cy="6858000" type="screen4x3"/>
   <p:notesSz cx="7010400" cy="9296400"/>
   <p:embeddedFontLst>
     <p:embeddedFont>
       <p:font typeface="Calibri" pitchFamily="34" charset="0"/>
-      <p:regular r:id="rId47"/>
-      <p:bold r:id="rId48"/>
-      <p:italic r:id="rId49"/>
-      <p:boldItalic r:id="rId50"/>
+      <p:regular r:id="rId46"/>
+      <p:bold r:id="rId47"/>
+      <p:italic r:id="rId48"/>
+      <p:boldItalic r:id="rId49"/>
     </p:embeddedFont>
   </p:embeddedFontLst>
   <p:defaultTextStyle>
@@ -282,7 +281,7 @@
               <a:pPr>
                 <a:defRPr/>
               </a:pPr>
-              <a:t>7/8/2009</a:t>
+              <a:t>7/31/2009</a:t>
             </a:fld>
             <a:endParaRPr lang="en-US"/>
           </a:p>
@@ -460,7 +459,7 @@
               <a:pPr>
                 <a:defRPr/>
               </a:pPr>
-              <a:t>7/8/2009</a:t>
+              <a:t>7/31/2009</a:t>
             </a:fld>
             <a:endParaRPr lang="en-US"/>
           </a:p>
@@ -2395,6 +2394,54 @@
           </p:style>
         </p:cxnSp>
       </p:grpSp>
+      <p:sp>
+        <p:nvSpPr>
+          <p:cNvPr id="9" name="Rectangle 8"/>
+          <p:cNvSpPr/>
+          <p:nvPr/>
+        </p:nvSpPr>
+        <p:spPr>
+          <a:xfrm>
+            <a:off x="2514600" y="6553200"/>
+            <a:ext cx="4114800" cy="228600"/>
+          </a:xfrm>
+          <a:prstGeom prst="rect">
+            <a:avLst/>
+          </a:prstGeom>
+          <a:solidFill>
+            <a:schemeClr val="bg1"/>
+          </a:solidFill>
+          <a:ln>
+            <a:solidFill>
+              <a:schemeClr val="bg1"/>
+            </a:solidFill>
+          </a:ln>
+        </p:spPr>
+        <p:style>
+          <a:lnRef idx="2">
+            <a:schemeClr val="accent1">
+              <a:shade val="50000"/>
+            </a:schemeClr>
+          </a:lnRef>
+          <a:fillRef idx="1">
+            <a:schemeClr val="accent1"/>
+          </a:fillRef>
+          <a:effectRef idx="0">
+            <a:schemeClr val="accent1"/>
+          </a:effectRef>
+          <a:fontRef idx="minor">
+            <a:schemeClr val="lt1"/>
+          </a:fontRef>
+        </p:style>
+        <p:txBody>
+          <a:bodyPr rtlCol="0" anchor="ctr"/>
+          <a:lstStyle/>
+          <a:p>
+            <a:pPr algn="ctr"/>
+            <a:endParaRPr lang="en-US"/>
+          </a:p>
+        </p:txBody>
+      </p:sp>
     </p:spTree>
   </p:cSld>
   <p:clrMapOvr>
@@ -2838,6 +2885,54 @@
           </p:style>
         </p:cxnSp>
       </p:grpSp>
+      <p:sp>
+        <p:nvSpPr>
+          <p:cNvPr id="12" name="Rectangle 11"/>
+          <p:cNvSpPr/>
+          <p:nvPr/>
+        </p:nvSpPr>
+        <p:spPr>
+          <a:xfrm>
+            <a:off x="2514600" y="6553200"/>
+            <a:ext cx="4114800" cy="228600"/>
+          </a:xfrm>
+          <a:prstGeom prst="rect">
+            <a:avLst/>
+          </a:prstGeom>
+          <a:solidFill>
+            <a:schemeClr val="bg1"/>
+          </a:solidFill>
+          <a:ln>
+            <a:solidFill>
+              <a:schemeClr val="bg1"/>
+            </a:solidFill>
+          </a:ln>
+        </p:spPr>
+        <p:style>
+          <a:lnRef idx="2">
+            <a:schemeClr val="accent1">
+              <a:shade val="50000"/>
+            </a:schemeClr>
+          </a:lnRef>
+          <a:fillRef idx="1">
+            <a:schemeClr val="accent1"/>
+          </a:fillRef>
+          <a:effectRef idx="0">
+            <a:schemeClr val="accent1"/>
+          </a:effectRef>
+          <a:fontRef idx="minor">
+            <a:schemeClr val="lt1"/>
+          </a:fontRef>
+        </p:style>
+        <p:txBody>
+          <a:bodyPr rtlCol="0" anchor="ctr"/>
+          <a:lstStyle/>
+          <a:p>
+            <a:pPr algn="ctr"/>
+            <a:endParaRPr lang="en-US"/>
+          </a:p>
+        </p:txBody>
+      </p:sp>
     </p:spTree>
   </p:cSld>
   <p:clrMapOvr>
@@ -3259,6 +3354,54 @@
           </p:style>
         </p:cxnSp>
       </p:grpSp>
+      <p:sp>
+        <p:nvSpPr>
+          <p:cNvPr id="12" name="Rectangle 11"/>
+          <p:cNvSpPr/>
+          <p:nvPr/>
+        </p:nvSpPr>
+        <p:spPr>
+          <a:xfrm>
+            <a:off x="2514600" y="6553200"/>
+            <a:ext cx="4114800" cy="228600"/>
+          </a:xfrm>
+          <a:prstGeom prst="rect">
+            <a:avLst/>
+          </a:prstGeom>
+          <a:solidFill>
+            <a:schemeClr val="bg1"/>
+          </a:solidFill>
+          <a:ln>
+            <a:solidFill>
+              <a:schemeClr val="bg1"/>
+            </a:solidFill>
+          </a:ln>
+        </p:spPr>
+        <p:style>
+          <a:lnRef idx="2">
+            <a:schemeClr val="accent1">
+              <a:shade val="50000"/>
+            </a:schemeClr>
+          </a:lnRef>
+          <a:fillRef idx="1">
+            <a:schemeClr val="accent1"/>
+          </a:fillRef>
+          <a:effectRef idx="0">
+            <a:schemeClr val="accent1"/>
+          </a:effectRef>
+          <a:fontRef idx="minor">
+            <a:schemeClr val="lt1"/>
+          </a:fontRef>
+        </p:style>
+        <p:txBody>
+          <a:bodyPr rtlCol="0" anchor="ctr"/>
+          <a:lstStyle/>
+          <a:p>
+            <a:pPr algn="ctr"/>
+            <a:endParaRPr lang="en-US"/>
+          </a:p>
+        </p:txBody>
+      </p:sp>
     </p:spTree>
   </p:cSld>
   <p:clrMapOvr>
@@ -3743,6 +3886,54 @@
               <a:rPr lang="en-US" sz="2000" dirty="0" smtClean="0"/>
               <a:t>- Robert C. Martin</a:t>
             </a:r>
+          </a:p>
+        </p:txBody>
+      </p:sp>
+      <p:sp>
+        <p:nvSpPr>
+          <p:cNvPr id="4" name="Rectangle 3"/>
+          <p:cNvSpPr/>
+          <p:nvPr/>
+        </p:nvSpPr>
+        <p:spPr>
+          <a:xfrm>
+            <a:off x="2514600" y="6553200"/>
+            <a:ext cx="4114800" cy="228600"/>
+          </a:xfrm>
+          <a:prstGeom prst="rect">
+            <a:avLst/>
+          </a:prstGeom>
+          <a:solidFill>
+            <a:schemeClr val="bg1"/>
+          </a:solidFill>
+          <a:ln>
+            <a:solidFill>
+              <a:schemeClr val="bg1"/>
+            </a:solidFill>
+          </a:ln>
+        </p:spPr>
+        <p:style>
+          <a:lnRef idx="2">
+            <a:schemeClr val="accent1">
+              <a:shade val="50000"/>
+            </a:schemeClr>
+          </a:lnRef>
+          <a:fillRef idx="1">
+            <a:schemeClr val="accent1"/>
+          </a:fillRef>
+          <a:effectRef idx="0">
+            <a:schemeClr val="accent1"/>
+          </a:effectRef>
+          <a:fontRef idx="minor">
+            <a:schemeClr val="lt1"/>
+          </a:fontRef>
+        </p:style>
+        <p:txBody>
+          <a:bodyPr rtlCol="0" anchor="ctr"/>
+          <a:lstStyle/>
+          <a:p>
+            <a:pPr algn="ctr"/>
+            <a:endParaRPr lang="en-US"/>
           </a:p>
         </p:txBody>
       </p:sp>
@@ -4163,12 +4354,8 @@
             <a:p>
               <a:pPr algn="ctr"/>
               <a:r>
-                <a:rPr lang="en-US" dirty="0" err="1" smtClean="0"/>
-                <a:t>IFileFormat</a:t>
-              </a:r>
-              <a:r>
                 <a:rPr lang="en-US" dirty="0" smtClean="0"/>
-                <a:t> Reader</a:t>
+                <a:t>IFile Format Reader</a:t>
               </a:r>
               <a:endParaRPr lang="en-US" dirty="0"/>
             </a:p>
@@ -4247,10 +4434,9 @@
             <a:p>
               <a:pPr algn="ctr"/>
               <a:r>
-                <a:rPr lang="en-US" dirty="0" err="1" smtClean="0"/>
-                <a:t>FileReader</a:t>
+                <a:rPr lang="en-US" dirty="0" smtClean="0"/>
+                <a:t>File Reader</a:t>
               </a:r>
-              <a:endParaRPr lang="en-US" dirty="0" smtClean="0"/>
             </a:p>
             <a:p>
               <a:pPr algn="ctr"/>
@@ -4301,6 +4487,54 @@
           </p:style>
         </p:cxnSp>
       </p:grpSp>
+      <p:sp>
+        <p:nvSpPr>
+          <p:cNvPr id="14" name="Rectangle 13"/>
+          <p:cNvSpPr/>
+          <p:nvPr/>
+        </p:nvSpPr>
+        <p:spPr>
+          <a:xfrm>
+            <a:off x="2514600" y="6553200"/>
+            <a:ext cx="4114800" cy="228600"/>
+          </a:xfrm>
+          <a:prstGeom prst="rect">
+            <a:avLst/>
+          </a:prstGeom>
+          <a:solidFill>
+            <a:schemeClr val="bg1"/>
+          </a:solidFill>
+          <a:ln>
+            <a:solidFill>
+              <a:schemeClr val="bg1"/>
+            </a:solidFill>
+          </a:ln>
+        </p:spPr>
+        <p:style>
+          <a:lnRef idx="2">
+            <a:schemeClr val="accent1">
+              <a:shade val="50000"/>
+            </a:schemeClr>
+          </a:lnRef>
+          <a:fillRef idx="1">
+            <a:schemeClr val="accent1"/>
+          </a:fillRef>
+          <a:effectRef idx="0">
+            <a:schemeClr val="accent1"/>
+          </a:effectRef>
+          <a:fontRef idx="minor">
+            <a:schemeClr val="lt1"/>
+          </a:fontRef>
+        </p:style>
+        <p:txBody>
+          <a:bodyPr rtlCol="0" anchor="ctr"/>
+          <a:lstStyle/>
+          <a:p>
+            <a:pPr algn="ctr"/>
+            <a:endParaRPr lang="en-US"/>
+          </a:p>
+        </p:txBody>
+      </p:sp>
     </p:spTree>
   </p:cSld>
   <p:clrMapOvr>
@@ -4915,6 +5149,54 @@
           </p:txBody>
         </p:sp>
       </p:grpSp>
+      <p:sp>
+        <p:nvSpPr>
+          <p:cNvPr id="8" name="Rectangle 7"/>
+          <p:cNvSpPr/>
+          <p:nvPr/>
+        </p:nvSpPr>
+        <p:spPr>
+          <a:xfrm>
+            <a:off x="2514600" y="6553200"/>
+            <a:ext cx="4114800" cy="228600"/>
+          </a:xfrm>
+          <a:prstGeom prst="rect">
+            <a:avLst/>
+          </a:prstGeom>
+          <a:solidFill>
+            <a:schemeClr val="bg1"/>
+          </a:solidFill>
+          <a:ln>
+            <a:solidFill>
+              <a:schemeClr val="bg1"/>
+            </a:solidFill>
+          </a:ln>
+        </p:spPr>
+        <p:style>
+          <a:lnRef idx="2">
+            <a:schemeClr val="accent1">
+              <a:shade val="50000"/>
+            </a:schemeClr>
+          </a:lnRef>
+          <a:fillRef idx="1">
+            <a:schemeClr val="accent1"/>
+          </a:fillRef>
+          <a:effectRef idx="0">
+            <a:schemeClr val="accent1"/>
+          </a:effectRef>
+          <a:fontRef idx="minor">
+            <a:schemeClr val="lt1"/>
+          </a:fontRef>
+        </p:style>
+        <p:txBody>
+          <a:bodyPr rtlCol="0" anchor="ctr"/>
+          <a:lstStyle/>
+          <a:p>
+            <a:pPr algn="ctr"/>
+            <a:endParaRPr lang="en-US"/>
+          </a:p>
+        </p:txBody>
+      </p:sp>
     </p:spTree>
   </p:cSld>
   <p:clrMapOvr>
@@ -5784,12 +6066,8 @@
             <a:p>
               <a:pPr algn="ctr"/>
               <a:r>
-                <a:rPr lang="en-US" dirty="0" err="1" smtClean="0"/>
-                <a:t>IFileFormat</a:t>
-              </a:r>
-              <a:r>
                 <a:rPr lang="en-US" dirty="0" smtClean="0"/>
-                <a:t> Reader</a:t>
+                <a:t>IFileFormat Reader</a:t>
               </a:r>
               <a:endParaRPr lang="en-US" dirty="0"/>
             </a:p>
@@ -5868,10 +6146,9 @@
             <a:p>
               <a:pPr algn="ctr"/>
               <a:r>
-                <a:rPr lang="en-US" dirty="0" err="1" smtClean="0"/>
+                <a:rPr lang="en-US" dirty="0" smtClean="0"/>
                 <a:t>FileReader</a:t>
               </a:r>
-              <a:endParaRPr lang="en-US" dirty="0" smtClean="0"/>
             </a:p>
             <a:p>
               <a:pPr algn="ctr"/>
@@ -6082,6 +6359,54 @@
           </p:style>
         </p:cxnSp>
       </p:grpSp>
+      <p:sp>
+        <p:nvSpPr>
+          <p:cNvPr id="18" name="Rectangle 17"/>
+          <p:cNvSpPr/>
+          <p:nvPr/>
+        </p:nvSpPr>
+        <p:spPr>
+          <a:xfrm>
+            <a:off x="2514600" y="6553200"/>
+            <a:ext cx="4114800" cy="228600"/>
+          </a:xfrm>
+          <a:prstGeom prst="rect">
+            <a:avLst/>
+          </a:prstGeom>
+          <a:solidFill>
+            <a:schemeClr val="bg1"/>
+          </a:solidFill>
+          <a:ln>
+            <a:solidFill>
+              <a:schemeClr val="bg1"/>
+            </a:solidFill>
+          </a:ln>
+        </p:spPr>
+        <p:style>
+          <a:lnRef idx="2">
+            <a:schemeClr val="accent1">
+              <a:shade val="50000"/>
+            </a:schemeClr>
+          </a:lnRef>
+          <a:fillRef idx="1">
+            <a:schemeClr val="accent1"/>
+          </a:fillRef>
+          <a:effectRef idx="0">
+            <a:schemeClr val="accent1"/>
+          </a:effectRef>
+          <a:fontRef idx="minor">
+            <a:schemeClr val="lt1"/>
+          </a:fontRef>
+        </p:style>
+        <p:txBody>
+          <a:bodyPr rtlCol="0" anchor="ctr"/>
+          <a:lstStyle/>
+          <a:p>
+            <a:pPr algn="ctr"/>
+            <a:endParaRPr lang="en-US"/>
+          </a:p>
+        </p:txBody>
+      </p:sp>
     </p:spTree>
   </p:cSld>
   <p:clrMapOvr>
@@ -6436,12 +6761,8 @@
             <a:p>
               <a:pPr algn="ctr"/>
               <a:r>
-                <a:rPr lang="en-US" dirty="0" err="1" smtClean="0"/>
-                <a:t>IFileFormat</a:t>
-              </a:r>
-              <a:r>
                 <a:rPr lang="en-US" dirty="0" smtClean="0"/>
-                <a:t> Reader</a:t>
+                <a:t>IFileFormat Reader</a:t>
               </a:r>
               <a:endParaRPr lang="en-US" dirty="0"/>
             </a:p>
@@ -6520,10 +6841,9 @@
             <a:p>
               <a:pPr algn="ctr"/>
               <a:r>
-                <a:rPr lang="en-US" dirty="0" err="1" smtClean="0"/>
+                <a:rPr lang="en-US" dirty="0" smtClean="0"/>
                 <a:t>FileReader</a:t>
               </a:r>
-              <a:endParaRPr lang="en-US" dirty="0" smtClean="0"/>
             </a:p>
             <a:p>
               <a:pPr algn="ctr"/>
@@ -6748,6 +7068,54 @@
           </p:style>
         </p:cxnSp>
       </p:grpSp>
+      <p:sp>
+        <p:nvSpPr>
+          <p:cNvPr id="18" name="Rectangle 17"/>
+          <p:cNvSpPr/>
+          <p:nvPr/>
+        </p:nvSpPr>
+        <p:spPr>
+          <a:xfrm>
+            <a:off x="2514600" y="6553200"/>
+            <a:ext cx="4114800" cy="228600"/>
+          </a:xfrm>
+          <a:prstGeom prst="rect">
+            <a:avLst/>
+          </a:prstGeom>
+          <a:solidFill>
+            <a:schemeClr val="bg1"/>
+          </a:solidFill>
+          <a:ln>
+            <a:solidFill>
+              <a:schemeClr val="bg1"/>
+            </a:solidFill>
+          </a:ln>
+        </p:spPr>
+        <p:style>
+          <a:lnRef idx="2">
+            <a:schemeClr val="accent1">
+              <a:shade val="50000"/>
+            </a:schemeClr>
+          </a:lnRef>
+          <a:fillRef idx="1">
+            <a:schemeClr val="accent1"/>
+          </a:fillRef>
+          <a:effectRef idx="0">
+            <a:schemeClr val="accent1"/>
+          </a:effectRef>
+          <a:fontRef idx="minor">
+            <a:schemeClr val="lt1"/>
+          </a:fontRef>
+        </p:style>
+        <p:txBody>
+          <a:bodyPr rtlCol="0" anchor="ctr"/>
+          <a:lstStyle/>
+          <a:p>
+            <a:pPr algn="ctr"/>
+            <a:endParaRPr lang="en-US"/>
+          </a:p>
+        </p:txBody>
+      </p:sp>
     </p:spTree>
   </p:cSld>
   <p:clrMapOvr>
@@ -7239,6 +7607,54 @@
           </a:scene3d>
         </p:spPr>
       </p:pic>
+      <p:sp>
+        <p:nvSpPr>
+          <p:cNvPr id="5" name="Rectangle 4"/>
+          <p:cNvSpPr/>
+          <p:nvPr/>
+        </p:nvSpPr>
+        <p:spPr>
+          <a:xfrm>
+            <a:off x="2514600" y="6553200"/>
+            <a:ext cx="4114800" cy="228600"/>
+          </a:xfrm>
+          <a:prstGeom prst="rect">
+            <a:avLst/>
+          </a:prstGeom>
+          <a:solidFill>
+            <a:schemeClr val="bg1"/>
+          </a:solidFill>
+          <a:ln>
+            <a:solidFill>
+              <a:schemeClr val="bg1"/>
+            </a:solidFill>
+          </a:ln>
+        </p:spPr>
+        <p:style>
+          <a:lnRef idx="2">
+            <a:schemeClr val="accent1">
+              <a:shade val="50000"/>
+            </a:schemeClr>
+          </a:lnRef>
+          <a:fillRef idx="1">
+            <a:schemeClr val="accent1"/>
+          </a:fillRef>
+          <a:effectRef idx="0">
+            <a:schemeClr val="accent1"/>
+          </a:effectRef>
+          <a:fontRef idx="minor">
+            <a:schemeClr val="lt1"/>
+          </a:fontRef>
+        </p:style>
+        <p:txBody>
+          <a:bodyPr rtlCol="0" anchor="ctr"/>
+          <a:lstStyle/>
+          <a:p>
+            <a:pPr algn="ctr"/>
+            <a:endParaRPr lang="en-US"/>
+          </a:p>
+        </p:txBody>
+      </p:sp>
     </p:spTree>
   </p:cSld>
   <p:clrMapOvr>
@@ -7921,10 +8337,9 @@
               <a:p>
                 <a:pPr algn="ctr"/>
                 <a:r>
-                  <a:rPr lang="en-US" dirty="0" err="1" smtClean="0"/>
+                  <a:rPr lang="en-US" dirty="0" smtClean="0"/>
                   <a:t>FileReader</a:t>
                 </a:r>
-                <a:endParaRPr lang="en-US" dirty="0" smtClean="0"/>
               </a:p>
               <a:p>
                 <a:pPr algn="ctr"/>
@@ -7995,6 +8410,54 @@
           </p:sp>
         </p:grpSp>
       </p:grpSp>
+      <p:sp>
+        <p:nvSpPr>
+          <p:cNvPr id="20" name="Rectangle 19"/>
+          <p:cNvSpPr/>
+          <p:nvPr/>
+        </p:nvSpPr>
+        <p:spPr>
+          <a:xfrm>
+            <a:off x="2514600" y="6553200"/>
+            <a:ext cx="4114800" cy="228600"/>
+          </a:xfrm>
+          <a:prstGeom prst="rect">
+            <a:avLst/>
+          </a:prstGeom>
+          <a:solidFill>
+            <a:schemeClr val="bg1"/>
+          </a:solidFill>
+          <a:ln>
+            <a:solidFill>
+              <a:schemeClr val="bg1"/>
+            </a:solidFill>
+          </a:ln>
+        </p:spPr>
+        <p:style>
+          <a:lnRef idx="2">
+            <a:schemeClr val="accent1">
+              <a:shade val="50000"/>
+            </a:schemeClr>
+          </a:lnRef>
+          <a:fillRef idx="1">
+            <a:schemeClr val="accent1"/>
+          </a:fillRef>
+          <a:effectRef idx="0">
+            <a:schemeClr val="accent1"/>
+          </a:effectRef>
+          <a:fontRef idx="minor">
+            <a:schemeClr val="lt1"/>
+          </a:fontRef>
+        </p:style>
+        <p:txBody>
+          <a:bodyPr rtlCol="0" anchor="ctr"/>
+          <a:lstStyle/>
+          <a:p>
+            <a:pPr algn="ctr"/>
+            <a:endParaRPr lang="en-US"/>
+          </a:p>
+        </p:txBody>
+      </p:sp>
     </p:spTree>
   </p:cSld>
   <p:clrMapOvr>
@@ -8542,6 +9005,54 @@
           </p:txBody>
         </p:sp>
       </p:grpSp>
+      <p:sp>
+        <p:nvSpPr>
+          <p:cNvPr id="8" name="Rectangle 7"/>
+          <p:cNvSpPr/>
+          <p:nvPr/>
+        </p:nvSpPr>
+        <p:spPr>
+          <a:xfrm>
+            <a:off x="2514600" y="6553200"/>
+            <a:ext cx="4114800" cy="228600"/>
+          </a:xfrm>
+          <a:prstGeom prst="rect">
+            <a:avLst/>
+          </a:prstGeom>
+          <a:solidFill>
+            <a:schemeClr val="bg1"/>
+          </a:solidFill>
+          <a:ln>
+            <a:solidFill>
+              <a:schemeClr val="bg1"/>
+            </a:solidFill>
+          </a:ln>
+        </p:spPr>
+        <p:style>
+          <a:lnRef idx="2">
+            <a:schemeClr val="accent1">
+              <a:shade val="50000"/>
+            </a:schemeClr>
+          </a:lnRef>
+          <a:fillRef idx="1">
+            <a:schemeClr val="accent1"/>
+          </a:fillRef>
+          <a:effectRef idx="0">
+            <a:schemeClr val="accent1"/>
+          </a:effectRef>
+          <a:fontRef idx="minor">
+            <a:schemeClr val="lt1"/>
+          </a:fontRef>
+        </p:style>
+        <p:txBody>
+          <a:bodyPr rtlCol="0" anchor="ctr"/>
+          <a:lstStyle/>
+          <a:p>
+            <a:pPr algn="ctr"/>
+            <a:endParaRPr lang="en-US"/>
+          </a:p>
+        </p:txBody>
+      </p:sp>
     </p:spTree>
   </p:cSld>
   <p:clrMapOvr>
@@ -8681,10 +9192,10 @@
         </p:nvGrpSpPr>
         <p:grpSpPr>
           <a:xfrm>
-            <a:off x="2057400" y="2438400"/>
-            <a:ext cx="5257800" cy="2362200"/>
+            <a:off x="2819400" y="2819400"/>
+            <a:ext cx="3505200" cy="1524000"/>
             <a:chOff x="2057400" y="1905000"/>
-            <a:chExt cx="5257800" cy="2362200"/>
+            <a:chExt cx="3505200" cy="1524000"/>
           </a:xfrm>
           <a:effectLst>
             <a:outerShdw blurRad="50800" dist="38100" dir="2700000" algn="tl" rotWithShape="0">
@@ -8698,45 +9209,6 @@
             <a:lightRig rig="threePt" dir="t"/>
           </a:scene3d>
         </p:grpSpPr>
-        <p:cxnSp>
-          <p:nvCxnSpPr>
-            <p:cNvPr id="9" name="Shape 8"/>
-            <p:cNvCxnSpPr>
-              <a:stCxn id="12" idx="2"/>
-              <a:endCxn id="11" idx="1"/>
-            </p:cNvCxnSpPr>
-            <p:nvPr/>
-          </p:nvCxnSpPr>
-          <p:spPr>
-            <a:xfrm rot="16200000" flipH="1">
-              <a:off x="4876800" y="3238500"/>
-              <a:ext cx="495300" cy="876300"/>
-            </a:xfrm>
-            <a:prstGeom prst="bentConnector2">
-              <a:avLst/>
-            </a:prstGeom>
-            <a:ln w="57150">
-              <a:solidFill>
-                <a:schemeClr val="accent3"/>
-              </a:solidFill>
-              <a:tailEnd type="arrow"/>
-            </a:ln>
-          </p:spPr>
-          <p:style>
-            <a:lnRef idx="1">
-              <a:schemeClr val="accent1"/>
-            </a:lnRef>
-            <a:fillRef idx="0">
-              <a:schemeClr val="accent1"/>
-            </a:fillRef>
-            <a:effectRef idx="0">
-              <a:schemeClr val="accent1"/>
-            </a:effectRef>
-            <a:fontRef idx="minor">
-              <a:schemeClr val="tx1"/>
-            </a:fontRef>
-          </p:style>
-        </p:cxnSp>
         <p:cxnSp>
           <p:nvCxnSpPr>
             <p:cNvPr id="10" name="Shape 9"/>
@@ -8778,48 +9250,6 @@
         </p:cxnSp>
         <p:sp>
           <p:nvSpPr>
-            <p:cNvPr id="11" name="Rectangle 10"/>
-            <p:cNvSpPr/>
-            <p:nvPr/>
-          </p:nvSpPr>
-          <p:spPr>
-            <a:xfrm>
-              <a:off x="5562600" y="3581400"/>
-              <a:ext cx="1752600" cy="685800"/>
-            </a:xfrm>
-            <a:prstGeom prst="rect">
-              <a:avLst/>
-            </a:prstGeom>
-          </p:spPr>
-          <p:style>
-            <a:lnRef idx="1">
-              <a:schemeClr val="accent1"/>
-            </a:lnRef>
-            <a:fillRef idx="3">
-              <a:schemeClr val="accent1"/>
-            </a:fillRef>
-            <a:effectRef idx="2">
-              <a:schemeClr val="accent1"/>
-            </a:effectRef>
-            <a:fontRef idx="minor">
-              <a:schemeClr val="lt1"/>
-            </a:fontRef>
-          </p:style>
-          <p:txBody>
-            <a:bodyPr rtlCol="0" anchor="ctr"/>
-            <a:lstStyle/>
-            <a:p>
-              <a:pPr algn="ctr"/>
-              <a:r>
-                <a:rPr lang="en-US" dirty="0" err="1" smtClean="0"/>
-                <a:t>AnotherClass</a:t>
-              </a:r>
-              <a:endParaRPr lang="en-US" dirty="0"/>
-            </a:p>
-          </p:txBody>
-        </p:sp>
-        <p:sp>
-          <p:nvSpPr>
             <p:cNvPr id="12" name="Rectangle 11"/>
             <p:cNvSpPr/>
             <p:nvPr/>
@@ -8853,8 +9283,8 @@
             <a:p>
               <a:pPr algn="ctr"/>
               <a:r>
-                <a:rPr lang="en-US" dirty="0" err="1" smtClean="0"/>
-                <a:t>ThatClass</a:t>
+                <a:rPr lang="en-US" dirty="0" smtClean="0"/>
+                <a:t>Bar</a:t>
               </a:r>
               <a:endParaRPr lang="en-US" dirty="0"/>
             </a:p>
@@ -8895,14 +9325,62 @@
             <a:p>
               <a:pPr algn="ctr"/>
               <a:r>
-                <a:rPr lang="en-US" dirty="0" err="1" smtClean="0"/>
-                <a:t>ThisClass</a:t>
+                <a:rPr lang="en-US" dirty="0" smtClean="0"/>
+                <a:t>Foo</a:t>
               </a:r>
               <a:endParaRPr lang="en-US" dirty="0"/>
             </a:p>
           </p:txBody>
         </p:sp>
       </p:grpSp>
+      <p:sp>
+        <p:nvSpPr>
+          <p:cNvPr id="14" name="Rectangle 13"/>
+          <p:cNvSpPr/>
+          <p:nvPr/>
+        </p:nvSpPr>
+        <p:spPr>
+          <a:xfrm>
+            <a:off x="2514600" y="6553200"/>
+            <a:ext cx="4114800" cy="228600"/>
+          </a:xfrm>
+          <a:prstGeom prst="rect">
+            <a:avLst/>
+          </a:prstGeom>
+          <a:solidFill>
+            <a:schemeClr val="bg1"/>
+          </a:solidFill>
+          <a:ln>
+            <a:solidFill>
+              <a:schemeClr val="bg1"/>
+            </a:solidFill>
+          </a:ln>
+        </p:spPr>
+        <p:style>
+          <a:lnRef idx="2">
+            <a:schemeClr val="accent1">
+              <a:shade val="50000"/>
+            </a:schemeClr>
+          </a:lnRef>
+          <a:fillRef idx="1">
+            <a:schemeClr val="accent1"/>
+          </a:fillRef>
+          <a:effectRef idx="0">
+            <a:schemeClr val="accent1"/>
+          </a:effectRef>
+          <a:fontRef idx="minor">
+            <a:schemeClr val="lt1"/>
+          </a:fontRef>
+        </p:style>
+        <p:txBody>
+          <a:bodyPr rtlCol="0" anchor="ctr"/>
+          <a:lstStyle/>
+          <a:p>
+            <a:pPr algn="ctr"/>
+            <a:endParaRPr lang="en-US"/>
+          </a:p>
+        </p:txBody>
+      </p:sp>
     </p:spTree>
   </p:cSld>
   <p:clrMapOvr>
@@ -10305,6 +10783,54 @@
           </p:style>
         </p:cxnSp>
       </p:grpSp>
+      <p:sp>
+        <p:nvSpPr>
+          <p:cNvPr id="39" name="Rectangle 38"/>
+          <p:cNvSpPr/>
+          <p:nvPr/>
+        </p:nvSpPr>
+        <p:spPr>
+          <a:xfrm>
+            <a:off x="2514600" y="6553200"/>
+            <a:ext cx="4114800" cy="228600"/>
+          </a:xfrm>
+          <a:prstGeom prst="rect">
+            <a:avLst/>
+          </a:prstGeom>
+          <a:solidFill>
+            <a:schemeClr val="bg1"/>
+          </a:solidFill>
+          <a:ln>
+            <a:solidFill>
+              <a:schemeClr val="bg1"/>
+            </a:solidFill>
+          </a:ln>
+        </p:spPr>
+        <p:style>
+          <a:lnRef idx="2">
+            <a:schemeClr val="accent1">
+              <a:shade val="50000"/>
+            </a:schemeClr>
+          </a:lnRef>
+          <a:fillRef idx="1">
+            <a:schemeClr val="accent1"/>
+          </a:fillRef>
+          <a:effectRef idx="0">
+            <a:schemeClr val="accent1"/>
+          </a:effectRef>
+          <a:fontRef idx="minor">
+            <a:schemeClr val="lt1"/>
+          </a:fontRef>
+        </p:style>
+        <p:txBody>
+          <a:bodyPr rtlCol="0" anchor="ctr"/>
+          <a:lstStyle/>
+          <a:p>
+            <a:pPr algn="ctr"/>
+            <a:endParaRPr lang="en-US"/>
+          </a:p>
+        </p:txBody>
+      </p:sp>
     </p:spTree>
   </p:cSld>
   <p:clrMapOvr>
@@ -10373,16 +10899,16 @@
       </p:sp>
       <p:grpSp>
         <p:nvGrpSpPr>
-          <p:cNvPr id="15" name="Group 14"/>
+          <p:cNvPr id="26" name="Group 25"/>
           <p:cNvGrpSpPr/>
           <p:nvPr/>
         </p:nvGrpSpPr>
         <p:grpSpPr>
           <a:xfrm>
-            <a:off x="1943100" y="1828800"/>
-            <a:ext cx="5257800" cy="3771900"/>
-            <a:chOff x="1943100" y="1943100"/>
-            <a:chExt cx="5257800" cy="3771900"/>
+            <a:off x="2514600" y="2286000"/>
+            <a:ext cx="4114800" cy="2971800"/>
+            <a:chOff x="2438400" y="2819400"/>
+            <a:chExt cx="4114800" cy="2971800"/>
           </a:xfrm>
           <a:scene3d>
             <a:camera prst="perspectiveAbove"/>
@@ -10391,31 +10917,34 @@
         </p:grpSpPr>
         <p:sp>
           <p:nvSpPr>
-            <p:cNvPr id="10" name="Rectangle 9"/>
+            <p:cNvPr id="25" name="Rectangle 24"/>
             <p:cNvSpPr/>
             <p:nvPr/>
           </p:nvSpPr>
           <p:spPr>
             <a:xfrm>
-              <a:off x="3695700" y="4038600"/>
-              <a:ext cx="1752600" cy="762000"/>
+              <a:off x="4343400" y="3352800"/>
+              <a:ext cx="2209800" cy="2438400"/>
             </a:xfrm>
             <a:prstGeom prst="rect">
               <a:avLst/>
             </a:prstGeom>
+            <a:ln w="19050">
+              <a:prstDash val="sysDot"/>
+            </a:ln>
           </p:spPr>
           <p:style>
-            <a:lnRef idx="1">
-              <a:schemeClr val="accent1"/>
+            <a:lnRef idx="2">
+              <a:schemeClr val="accent2"/>
             </a:lnRef>
-            <a:fillRef idx="3">
-              <a:schemeClr val="accent1"/>
+            <a:fillRef idx="1">
+              <a:schemeClr val="lt1"/>
             </a:fillRef>
-            <a:effectRef idx="2">
-              <a:schemeClr val="accent1"/>
+            <a:effectRef idx="0">
+              <a:schemeClr val="accent2"/>
             </a:effectRef>
             <a:fontRef idx="minor">
-              <a:schemeClr val="lt1"/>
+              <a:schemeClr val="dk1"/>
             </a:fontRef>
           </p:style>
           <p:txBody>
@@ -10423,26 +10952,61 @@
             <a:lstStyle/>
             <a:p>
               <a:pPr algn="ctr"/>
-              <a:r>
-                <a:rPr lang="en-US" dirty="0" err="1" smtClean="0"/>
-                <a:t>ThatClass</a:t>
-              </a:r>
-              <a:endParaRPr lang="en-US" dirty="0"/>
+              <a:endParaRPr lang="en-US"/>
             </a:p>
           </p:txBody>
         </p:sp>
+        <p:cxnSp>
+          <p:nvCxnSpPr>
+            <p:cNvPr id="16" name="Shape 15"/>
+            <p:cNvCxnSpPr>
+              <a:stCxn id="18" idx="2"/>
+              <a:endCxn id="17" idx="1"/>
+            </p:cNvCxnSpPr>
+            <p:nvPr/>
+          </p:nvCxnSpPr>
+          <p:spPr>
+            <a:xfrm rot="16200000" flipH="1">
+              <a:off x="3695700" y="3124200"/>
+              <a:ext cx="495300" cy="1257300"/>
+            </a:xfrm>
+            <a:prstGeom prst="bentConnector2">
+              <a:avLst/>
+            </a:prstGeom>
+            <a:ln w="57150">
+              <a:solidFill>
+                <a:schemeClr val="accent3"/>
+              </a:solidFill>
+              <a:tailEnd type="arrow"/>
+            </a:ln>
+          </p:spPr>
+          <p:style>
+            <a:lnRef idx="1">
+              <a:schemeClr val="accent1"/>
+            </a:lnRef>
+            <a:fillRef idx="0">
+              <a:schemeClr val="accent1"/>
+            </a:fillRef>
+            <a:effectRef idx="0">
+              <a:schemeClr val="accent1"/>
+            </a:effectRef>
+            <a:fontRef idx="minor">
+              <a:schemeClr val="tx1"/>
+            </a:fontRef>
+          </p:style>
+        </p:cxnSp>
         <p:sp>
           <p:nvSpPr>
-            <p:cNvPr id="11" name="Down Arrow Callout 10"/>
+            <p:cNvPr id="17" name="Rectangle 16"/>
             <p:cNvSpPr/>
             <p:nvPr/>
           </p:nvSpPr>
           <p:spPr>
             <a:xfrm>
-              <a:off x="3695700" y="3429000"/>
-              <a:ext cx="1752600" cy="914400"/>
+              <a:off x="4572000" y="3657600"/>
+              <a:ext cx="1752600" cy="685800"/>
             </a:xfrm>
-            <a:prstGeom prst="downArrowCallout">
+            <a:prstGeom prst="rect">
               <a:avLst/>
             </a:prstGeom>
           </p:spPr>
@@ -10466,8 +11030,8 @@
             <a:p>
               <a:pPr algn="ctr"/>
               <a:r>
-                <a:rPr lang="en-US" dirty="0" err="1" smtClean="0"/>
-                <a:t>IWhatever</a:t>
+                <a:rPr lang="en-US" dirty="0" smtClean="0"/>
+                <a:t>IBar</a:t>
               </a:r>
               <a:endParaRPr lang="en-US" dirty="0"/>
             </a:p>
@@ -10475,14 +11039,14 @@
         </p:sp>
         <p:sp>
           <p:nvSpPr>
-            <p:cNvPr id="12" name="Rectangle 11"/>
+            <p:cNvPr id="18" name="Rectangle 17"/>
             <p:cNvSpPr/>
             <p:nvPr/>
           </p:nvSpPr>
           <p:spPr>
             <a:xfrm>
-              <a:off x="1943100" y="2552700"/>
-              <a:ext cx="1752600" cy="762000"/>
+              <a:off x="2438400" y="2819400"/>
+              <a:ext cx="1752600" cy="685800"/>
             </a:xfrm>
             <a:prstGeom prst="rect">
               <a:avLst/>
@@ -10508,8 +11072,8 @@
             <a:p>
               <a:pPr algn="ctr"/>
               <a:r>
-                <a:rPr lang="en-US" dirty="0" err="1" smtClean="0"/>
-                <a:t>ThisClass</a:t>
+                <a:rPr lang="en-US" dirty="0" smtClean="0"/>
+                <a:t>Foo</a:t>
               </a:r>
               <a:endParaRPr lang="en-US" dirty="0"/>
             </a:p>
@@ -10517,28 +11081,28 @@
         </p:sp>
         <p:sp>
           <p:nvSpPr>
-            <p:cNvPr id="13" name="Down Arrow Callout 12"/>
+            <p:cNvPr id="20" name="Rectangle 19"/>
             <p:cNvSpPr/>
             <p:nvPr/>
           </p:nvSpPr>
           <p:spPr>
             <a:xfrm>
-              <a:off x="1943100" y="1943100"/>
-              <a:ext cx="1752600" cy="914400"/>
+              <a:off x="4572000" y="4876800"/>
+              <a:ext cx="1752600" cy="685800"/>
             </a:xfrm>
-            <a:prstGeom prst="downArrowCallout">
+            <a:prstGeom prst="rect">
               <a:avLst/>
             </a:prstGeom>
           </p:spPr>
           <p:style>
             <a:lnRef idx="1">
-              <a:schemeClr val="accent2"/>
+              <a:schemeClr val="accent1"/>
             </a:lnRef>
             <a:fillRef idx="3">
-              <a:schemeClr val="accent2"/>
+              <a:schemeClr val="accent1"/>
             </a:fillRef>
             <a:effectRef idx="2">
-              <a:schemeClr val="accent2"/>
+              <a:schemeClr val="accent1"/>
             </a:effectRef>
             <a:fontRef idx="minor">
               <a:schemeClr val="lt1"/>
@@ -10550,56 +11114,103 @@
             <a:p>
               <a:pPr algn="ctr"/>
               <a:r>
-                <a:rPr lang="en-US" dirty="0" err="1" smtClean="0"/>
-                <a:t>IDoSomething</a:t>
+                <a:rPr lang="en-US" dirty="0" smtClean="0"/>
+                <a:t>Bar</a:t>
               </a:r>
               <a:endParaRPr lang="en-US" dirty="0"/>
             </a:p>
           </p:txBody>
         </p:sp>
-        <p:sp>
-          <p:nvSpPr>
-            <p:cNvPr id="14" name="Rectangle 13"/>
-            <p:cNvSpPr/>
+        <p:cxnSp>
+          <p:nvCxnSpPr>
+            <p:cNvPr id="22" name="Shape 21"/>
+            <p:cNvCxnSpPr>
+              <a:stCxn id="20" idx="0"/>
+              <a:endCxn id="17" idx="2"/>
+            </p:cNvCxnSpPr>
             <p:nvPr/>
-          </p:nvSpPr>
+          </p:nvCxnSpPr>
           <p:spPr>
-            <a:xfrm>
-              <a:off x="5448300" y="4953000"/>
-              <a:ext cx="1752600" cy="762000"/>
+            <a:xfrm rot="5400000" flipH="1" flipV="1">
+              <a:off x="5181600" y="4610100"/>
+              <a:ext cx="533400" cy="1588"/>
             </a:xfrm>
-            <a:prstGeom prst="rect">
-              <a:avLst/>
+            <a:prstGeom prst="bentConnector3">
+              <a:avLst>
+                <a:gd name="adj1" fmla="val 50000"/>
+              </a:avLst>
             </a:prstGeom>
+            <a:ln w="57150">
+              <a:solidFill>
+                <a:schemeClr val="accent3"/>
+              </a:solidFill>
+              <a:tailEnd type="arrow"/>
+            </a:ln>
           </p:spPr>
           <p:style>
             <a:lnRef idx="1">
               <a:schemeClr val="accent1"/>
             </a:lnRef>
-            <a:fillRef idx="3">
+            <a:fillRef idx="0">
               <a:schemeClr val="accent1"/>
             </a:fillRef>
-            <a:effectRef idx="2">
+            <a:effectRef idx="0">
               <a:schemeClr val="accent1"/>
             </a:effectRef>
             <a:fontRef idx="minor">
-              <a:schemeClr val="lt1"/>
+              <a:schemeClr val="tx1"/>
             </a:fontRef>
           </p:style>
-          <p:txBody>
-            <a:bodyPr rtlCol="0" anchor="ctr"/>
-            <a:lstStyle/>
-            <a:p>
-              <a:pPr algn="ctr"/>
-              <a:r>
-                <a:rPr lang="en-US" dirty="0" err="1" smtClean="0"/>
-                <a:t>AnotherClass</a:t>
-              </a:r>
-              <a:endParaRPr lang="en-US" dirty="0"/>
-            </a:p>
-          </p:txBody>
-        </p:sp>
+        </p:cxnSp>
       </p:grpSp>
+      <p:sp>
+        <p:nvSpPr>
+          <p:cNvPr id="27" name="Rectangle 26"/>
+          <p:cNvSpPr/>
+          <p:nvPr/>
+        </p:nvSpPr>
+        <p:spPr>
+          <a:xfrm>
+            <a:off x="2514600" y="6553200"/>
+            <a:ext cx="4114800" cy="228600"/>
+          </a:xfrm>
+          <a:prstGeom prst="rect">
+            <a:avLst/>
+          </a:prstGeom>
+          <a:solidFill>
+            <a:schemeClr val="bg1"/>
+          </a:solidFill>
+          <a:ln>
+            <a:solidFill>
+              <a:schemeClr val="bg1"/>
+            </a:solidFill>
+          </a:ln>
+        </p:spPr>
+        <p:style>
+          <a:lnRef idx="2">
+            <a:schemeClr val="accent1">
+              <a:shade val="50000"/>
+            </a:schemeClr>
+          </a:lnRef>
+          <a:fillRef idx="1">
+            <a:schemeClr val="accent1"/>
+          </a:fillRef>
+          <a:effectRef idx="0">
+            <a:schemeClr val="accent1"/>
+          </a:effectRef>
+          <a:fontRef idx="minor">
+            <a:schemeClr val="lt1"/>
+          </a:fontRef>
+        </p:style>
+        <p:txBody>
+          <a:bodyPr rtlCol="0" anchor="ctr"/>
+          <a:lstStyle/>
+          <a:p>
+            <a:pPr algn="ctr"/>
+            <a:endParaRPr lang="en-US"/>
+          </a:p>
+        </p:txBody>
+      </p:sp>
     </p:spTree>
   </p:cSld>
   <p:clrMapOvr>
@@ -10666,56 +11277,18 @@
           </a:p>
         </p:txBody>
       </p:sp>
-      <p:sp>
-        <p:nvSpPr>
-          <p:cNvPr id="4" name="Cloud 3"/>
-          <p:cNvSpPr/>
-          <p:nvPr/>
-        </p:nvSpPr>
-        <p:spPr>
-          <a:xfrm>
-            <a:off x="1485900" y="1219200"/>
-            <a:ext cx="6172200" cy="5029200"/>
-          </a:xfrm>
-          <a:prstGeom prst="cloud">
-            <a:avLst/>
-          </a:prstGeom>
-        </p:spPr>
-        <p:style>
-          <a:lnRef idx="2">
-            <a:schemeClr val="accent5"/>
-          </a:lnRef>
-          <a:fillRef idx="1">
-            <a:schemeClr val="lt1"/>
-          </a:fillRef>
-          <a:effectRef idx="0">
-            <a:schemeClr val="accent5"/>
-          </a:effectRef>
-          <a:fontRef idx="minor">
-            <a:schemeClr val="dk1"/>
-          </a:fontRef>
-        </p:style>
-        <p:txBody>
-          <a:bodyPr rtlCol="0" anchor="ctr"/>
-          <a:lstStyle/>
-          <a:p>
-            <a:pPr algn="ctr"/>
-            <a:endParaRPr lang="en-US"/>
-          </a:p>
-        </p:txBody>
-      </p:sp>
       <p:grpSp>
         <p:nvGrpSpPr>
-          <p:cNvPr id="28" name="Group 27"/>
+          <p:cNvPr id="10" name="Group 9"/>
           <p:cNvGrpSpPr/>
           <p:nvPr/>
         </p:nvGrpSpPr>
         <p:grpSpPr>
           <a:xfrm>
-            <a:off x="2476500" y="1828800"/>
-            <a:ext cx="3771900" cy="3200400"/>
-            <a:chOff x="2476500" y="1981200"/>
-            <a:chExt cx="3771900" cy="3200400"/>
+            <a:off x="2819400" y="2133600"/>
+            <a:ext cx="3505200" cy="2895600"/>
+            <a:chOff x="3048000" y="2133600"/>
+            <a:chExt cx="3505200" cy="2895600"/>
           </a:xfrm>
           <a:scene3d>
             <a:camera prst="perspectiveAbove"/>
@@ -10724,14 +11297,94 @@
         </p:grpSpPr>
         <p:sp>
           <p:nvSpPr>
-            <p:cNvPr id="12" name="Rectangle 4"/>
+            <p:cNvPr id="25" name="Rectangle 24"/>
             <p:cNvSpPr/>
             <p:nvPr/>
           </p:nvSpPr>
           <p:spPr>
             <a:xfrm>
-              <a:off x="2476500" y="3962400"/>
-              <a:ext cx="1752600" cy="609600"/>
+              <a:off x="3048000" y="2133600"/>
+              <a:ext cx="3505200" cy="1828800"/>
+            </a:xfrm>
+            <a:prstGeom prst="rect">
+              <a:avLst/>
+            </a:prstGeom>
+            <a:ln w="19050">
+              <a:prstDash val="sysDot"/>
+            </a:ln>
+          </p:spPr>
+          <p:style>
+            <a:lnRef idx="2">
+              <a:schemeClr val="accent2"/>
+            </a:lnRef>
+            <a:fillRef idx="1">
+              <a:schemeClr val="lt1"/>
+            </a:fillRef>
+            <a:effectRef idx="0">
+              <a:schemeClr val="accent2"/>
+            </a:effectRef>
+            <a:fontRef idx="minor">
+              <a:schemeClr val="dk1"/>
+            </a:fontRef>
+          </p:style>
+          <p:txBody>
+            <a:bodyPr rtlCol="0" anchor="ctr"/>
+            <a:lstStyle/>
+            <a:p>
+              <a:pPr algn="ctr"/>
+              <a:endParaRPr lang="en-US"/>
+            </a:p>
+          </p:txBody>
+        </p:sp>
+        <p:cxnSp>
+          <p:nvCxnSpPr>
+            <p:cNvPr id="16" name="Shape 15"/>
+            <p:cNvCxnSpPr>
+              <a:stCxn id="18" idx="2"/>
+              <a:endCxn id="17" idx="1"/>
+            </p:cNvCxnSpPr>
+            <p:nvPr/>
+          </p:nvCxnSpPr>
+          <p:spPr>
+            <a:xfrm rot="16200000" flipH="1">
+              <a:off x="4114800" y="2933700"/>
+              <a:ext cx="495300" cy="571500"/>
+            </a:xfrm>
+            <a:prstGeom prst="bentConnector2">
+              <a:avLst/>
+            </a:prstGeom>
+            <a:ln w="57150">
+              <a:solidFill>
+                <a:schemeClr val="accent3"/>
+              </a:solidFill>
+              <a:tailEnd type="arrow"/>
+            </a:ln>
+          </p:spPr>
+          <p:style>
+            <a:lnRef idx="1">
+              <a:schemeClr val="accent1"/>
+            </a:lnRef>
+            <a:fillRef idx="0">
+              <a:schemeClr val="accent1"/>
+            </a:fillRef>
+            <a:effectRef idx="0">
+              <a:schemeClr val="accent1"/>
+            </a:effectRef>
+            <a:fontRef idx="minor">
+              <a:schemeClr val="tx1"/>
+            </a:fontRef>
+          </p:style>
+        </p:cxnSp>
+        <p:sp>
+          <p:nvSpPr>
+            <p:cNvPr id="17" name="Rectangle 16"/>
+            <p:cNvSpPr/>
+            <p:nvPr/>
+          </p:nvSpPr>
+          <p:spPr>
+            <a:xfrm>
+              <a:off x="4648200" y="3124200"/>
+              <a:ext cx="1752600" cy="685800"/>
             </a:xfrm>
             <a:prstGeom prst="rect">
               <a:avLst/>
@@ -10752,13 +11405,13 @@
             </a:fontRef>
           </p:style>
           <p:txBody>
-            <a:bodyPr rtlCol="0" anchor="b" anchorCtr="0"/>
+            <a:bodyPr rtlCol="0" anchor="ctr"/>
             <a:lstStyle/>
             <a:p>
               <a:pPr algn="ctr"/>
               <a:r>
-                <a:rPr lang="en-US" dirty="0" err="1" smtClean="0"/>
-                <a:t>IDoSomething</a:t>
+                <a:rPr lang="en-US" dirty="0" smtClean="0"/>
+                <a:t>IBar</a:t>
               </a:r>
               <a:endParaRPr lang="en-US" dirty="0"/>
             </a:p>
@@ -10766,16 +11419,16 @@
         </p:sp>
         <p:sp>
           <p:nvSpPr>
-            <p:cNvPr id="13" name="Down Arrow Callout 5"/>
+            <p:cNvPr id="18" name="Rectangle 17"/>
             <p:cNvSpPr/>
             <p:nvPr/>
           </p:nvSpPr>
           <p:spPr>
             <a:xfrm>
-              <a:off x="2476500" y="3276600"/>
-              <a:ext cx="1752600" cy="1066800"/>
+              <a:off x="3200400" y="2286000"/>
+              <a:ext cx="1752600" cy="685800"/>
             </a:xfrm>
-            <a:prstGeom prst="downArrowCallout">
+            <a:prstGeom prst="rect">
               <a:avLst/>
             </a:prstGeom>
           </p:spPr>
@@ -10799,8 +11452,8 @@
             <a:p>
               <a:pPr algn="ctr"/>
               <a:r>
-                <a:rPr lang="en-US" dirty="0" err="1" smtClean="0"/>
-                <a:t>ThatClass</a:t>
+                <a:rPr lang="en-US" dirty="0" smtClean="0"/>
+                <a:t>Foo</a:t>
               </a:r>
               <a:endParaRPr lang="en-US" dirty="0"/>
             </a:p>
@@ -10808,28 +11461,28 @@
         </p:sp>
         <p:sp>
           <p:nvSpPr>
-            <p:cNvPr id="14" name="Down Arrow Callout 3"/>
+            <p:cNvPr id="20" name="Rectangle 19"/>
             <p:cNvSpPr/>
             <p:nvPr/>
           </p:nvSpPr>
           <p:spPr>
             <a:xfrm>
-              <a:off x="2476500" y="2667000"/>
-              <a:ext cx="1752600" cy="914400"/>
+              <a:off x="4648200" y="4343400"/>
+              <a:ext cx="1752600" cy="685800"/>
             </a:xfrm>
-            <a:prstGeom prst="downArrowCallout">
+            <a:prstGeom prst="rect">
               <a:avLst/>
             </a:prstGeom>
           </p:spPr>
           <p:style>
             <a:lnRef idx="1">
-              <a:schemeClr val="accent2"/>
+              <a:schemeClr val="accent1"/>
             </a:lnRef>
             <a:fillRef idx="3">
-              <a:schemeClr val="accent2"/>
+              <a:schemeClr val="accent1"/>
             </a:fillRef>
             <a:effectRef idx="2">
-              <a:schemeClr val="accent2"/>
+              <a:schemeClr val="accent1"/>
             </a:effectRef>
             <a:fontRef idx="minor">
               <a:schemeClr val="lt1"/>
@@ -10841,182 +11494,103 @@
             <a:p>
               <a:pPr algn="ctr"/>
               <a:r>
-                <a:rPr lang="en-US" dirty="0" err="1" smtClean="0"/>
-                <a:t>IWhatever</a:t>
+                <a:rPr lang="en-US" dirty="0" smtClean="0"/>
+                <a:t>Bar</a:t>
               </a:r>
               <a:endParaRPr lang="en-US" dirty="0"/>
             </a:p>
           </p:txBody>
         </p:sp>
-        <p:sp>
-          <p:nvSpPr>
-            <p:cNvPr id="10" name="Rectangle 9"/>
-            <p:cNvSpPr/>
+        <p:cxnSp>
+          <p:nvCxnSpPr>
+            <p:cNvPr id="22" name="Shape 21"/>
+            <p:cNvCxnSpPr>
+              <a:stCxn id="20" idx="0"/>
+              <a:endCxn id="17" idx="2"/>
+            </p:cNvCxnSpPr>
             <p:nvPr/>
-          </p:nvSpPr>
+          </p:nvCxnSpPr>
           <p:spPr>
-            <a:xfrm>
-              <a:off x="4495800" y="2590800"/>
-              <a:ext cx="1752600" cy="762000"/>
+            <a:xfrm rot="5400000" flipH="1" flipV="1">
+              <a:off x="5257800" y="4076700"/>
+              <a:ext cx="533400" cy="1588"/>
             </a:xfrm>
-            <a:prstGeom prst="rect">
-              <a:avLst/>
+            <a:prstGeom prst="bentConnector3">
+              <a:avLst>
+                <a:gd name="adj1" fmla="val 50000"/>
+              </a:avLst>
             </a:prstGeom>
+            <a:ln w="57150">
+              <a:solidFill>
+                <a:schemeClr val="accent3"/>
+              </a:solidFill>
+              <a:tailEnd type="arrow"/>
+            </a:ln>
           </p:spPr>
           <p:style>
             <a:lnRef idx="1">
               <a:schemeClr val="accent1"/>
             </a:lnRef>
-            <a:fillRef idx="3">
+            <a:fillRef idx="0">
               <a:schemeClr val="accent1"/>
             </a:fillRef>
-            <a:effectRef idx="2">
+            <a:effectRef idx="0">
               <a:schemeClr val="accent1"/>
             </a:effectRef>
             <a:fontRef idx="minor">
-              <a:schemeClr val="lt1"/>
+              <a:schemeClr val="tx1"/>
             </a:fontRef>
           </p:style>
-          <p:txBody>
-            <a:bodyPr rtlCol="0" anchor="ctr"/>
-            <a:lstStyle/>
-            <a:p>
-              <a:pPr algn="ctr"/>
-              <a:r>
-                <a:rPr lang="en-US" dirty="0" err="1" smtClean="0"/>
-                <a:t>ThisClass</a:t>
-              </a:r>
-              <a:endParaRPr lang="en-US" dirty="0"/>
-            </a:p>
-          </p:txBody>
-        </p:sp>
-        <p:sp>
-          <p:nvSpPr>
-            <p:cNvPr id="11" name="Down Arrow Callout 10"/>
-            <p:cNvSpPr/>
-            <p:nvPr/>
-          </p:nvSpPr>
-          <p:spPr>
-            <a:xfrm>
-              <a:off x="4495800" y="1981200"/>
-              <a:ext cx="1752600" cy="914400"/>
-            </a:xfrm>
-            <a:prstGeom prst="downArrowCallout">
-              <a:avLst/>
-            </a:prstGeom>
-          </p:spPr>
-          <p:style>
-            <a:lnRef idx="1">
-              <a:schemeClr val="accent2"/>
-            </a:lnRef>
-            <a:fillRef idx="3">
-              <a:schemeClr val="accent2"/>
-            </a:fillRef>
-            <a:effectRef idx="2">
-              <a:schemeClr val="accent2"/>
-            </a:effectRef>
-            <a:fontRef idx="minor">
-              <a:schemeClr val="lt1"/>
-            </a:fontRef>
-          </p:style>
-          <p:txBody>
-            <a:bodyPr rtlCol="0" anchor="ctr"/>
-            <a:lstStyle/>
-            <a:p>
-              <a:pPr algn="ctr"/>
-              <a:r>
-                <a:rPr lang="en-US" dirty="0" err="1" smtClean="0"/>
-                <a:t>IDoSomething</a:t>
-              </a:r>
-              <a:endParaRPr lang="en-US" dirty="0"/>
-            </a:p>
-          </p:txBody>
-        </p:sp>
-        <p:sp>
-          <p:nvSpPr>
-            <p:cNvPr id="8" name="Rectangle 7"/>
-            <p:cNvSpPr/>
-            <p:nvPr/>
-          </p:nvSpPr>
-          <p:spPr>
-            <a:xfrm>
-              <a:off x="4457700" y="4572000"/>
-              <a:ext cx="1752600" cy="609600"/>
-            </a:xfrm>
-            <a:prstGeom prst="rect">
-              <a:avLst/>
-            </a:prstGeom>
-          </p:spPr>
-          <p:style>
-            <a:lnRef idx="1">
-              <a:schemeClr val="accent3"/>
-            </a:lnRef>
-            <a:fillRef idx="3">
-              <a:schemeClr val="accent3"/>
-            </a:fillRef>
-            <a:effectRef idx="2">
-              <a:schemeClr val="accent3"/>
-            </a:effectRef>
-            <a:fontRef idx="minor">
-              <a:schemeClr val="lt1"/>
-            </a:fontRef>
-          </p:style>
-          <p:txBody>
-            <a:bodyPr rtlCol="0" anchor="b" anchorCtr="0"/>
-            <a:lstStyle/>
-            <a:p>
-              <a:pPr algn="ctr"/>
-              <a:r>
-                <a:rPr lang="en-US" dirty="0" err="1" smtClean="0"/>
-                <a:t>IWhatever</a:t>
-              </a:r>
-              <a:endParaRPr lang="en-US" dirty="0"/>
-            </a:p>
-          </p:txBody>
-        </p:sp>
-        <p:sp>
-          <p:nvSpPr>
-            <p:cNvPr id="9" name="Down Arrow Callout 8"/>
-            <p:cNvSpPr/>
-            <p:nvPr/>
-          </p:nvSpPr>
-          <p:spPr>
-            <a:xfrm>
-              <a:off x="4457700" y="3886200"/>
-              <a:ext cx="1752600" cy="1066800"/>
-            </a:xfrm>
-            <a:prstGeom prst="downArrowCallout">
-              <a:avLst/>
-            </a:prstGeom>
-          </p:spPr>
-          <p:style>
-            <a:lnRef idx="1">
-              <a:schemeClr val="accent1"/>
-            </a:lnRef>
-            <a:fillRef idx="3">
-              <a:schemeClr val="accent1"/>
-            </a:fillRef>
-            <a:effectRef idx="2">
-              <a:schemeClr val="accent1"/>
-            </a:effectRef>
-            <a:fontRef idx="minor">
-              <a:schemeClr val="lt1"/>
-            </a:fontRef>
-          </p:style>
-          <p:txBody>
-            <a:bodyPr rtlCol="0" anchor="ctr"/>
-            <a:lstStyle/>
-            <a:p>
-              <a:pPr algn="ctr"/>
-              <a:r>
-                <a:rPr lang="en-US" dirty="0" err="1" smtClean="0"/>
-                <a:t>AnotherClass</a:t>
-              </a:r>
-              <a:endParaRPr lang="en-US" dirty="0"/>
-            </a:p>
-          </p:txBody>
-        </p:sp>
+        </p:cxnSp>
       </p:grpSp>
+      <p:sp>
+        <p:nvSpPr>
+          <p:cNvPr id="11" name="Rectangle 10"/>
+          <p:cNvSpPr/>
+          <p:nvPr/>
+        </p:nvSpPr>
+        <p:spPr>
+          <a:xfrm>
+            <a:off x="2514600" y="6553200"/>
+            <a:ext cx="4114800" cy="228600"/>
+          </a:xfrm>
+          <a:prstGeom prst="rect">
+            <a:avLst/>
+          </a:prstGeom>
+          <a:solidFill>
+            <a:schemeClr val="bg1"/>
+          </a:solidFill>
+          <a:ln>
+            <a:solidFill>
+              <a:schemeClr val="bg1"/>
+            </a:solidFill>
+          </a:ln>
+        </p:spPr>
+        <p:style>
+          <a:lnRef idx="2">
+            <a:schemeClr val="accent1">
+              <a:shade val="50000"/>
+            </a:schemeClr>
+          </a:lnRef>
+          <a:fillRef idx="1">
+            <a:schemeClr val="accent1"/>
+          </a:fillRef>
+          <a:effectRef idx="0">
+            <a:schemeClr val="accent1"/>
+          </a:effectRef>
+          <a:fontRef idx="minor">
+            <a:schemeClr val="lt1"/>
+          </a:fontRef>
+        </p:style>
+        <p:txBody>
+          <a:bodyPr rtlCol="0" anchor="ctr"/>
+          <a:lstStyle/>
+          <a:p>
+            <a:pPr algn="ctr"/>
+            <a:endParaRPr lang="en-US"/>
+          </a:p>
+        </p:txBody>
+      </p:sp>
     </p:spTree>
   </p:cSld>
   <p:clrMapOvr>
@@ -11025,88 +11599,9 @@
   <p:timing>
     <p:tnLst>
       <p:par>
-        <p:cTn id="1" dur="indefinite" restart="never" nodeType="tmRoot">
-          <p:childTnLst>
-            <p:seq concurrent="1" nextAc="seek">
-              <p:cTn id="2" dur="indefinite" nodeType="mainSeq">
-                <p:childTnLst>
-                  <p:par>
-                    <p:cTn id="3" fill="hold">
-                      <p:stCondLst>
-                        <p:cond delay="indefinite"/>
-                      </p:stCondLst>
-                      <p:childTnLst>
-                        <p:par>
-                          <p:cTn id="4" fill="hold">
-                            <p:stCondLst>
-                              <p:cond delay="0"/>
-                            </p:stCondLst>
-                            <p:childTnLst>
-                              <p:par>
-                                <p:cTn id="5" presetID="10" presetClass="entr" presetSubtype="0" fill="hold" grpId="0" nodeType="clickEffect">
-                                  <p:stCondLst>
-                                    <p:cond delay="0"/>
-                                  </p:stCondLst>
-                                  <p:childTnLst>
-                                    <p:set>
-                                      <p:cBhvr>
-                                        <p:cTn id="6" dur="1" fill="hold">
-                                          <p:stCondLst>
-                                            <p:cond delay="0"/>
-                                          </p:stCondLst>
-                                        </p:cTn>
-                                        <p:tgtEl>
-                                          <p:spTgt spid="4"/>
-                                        </p:tgtEl>
-                                        <p:attrNameLst>
-                                          <p:attrName>style.visibility</p:attrName>
-                                        </p:attrNameLst>
-                                      </p:cBhvr>
-                                      <p:to>
-                                        <p:strVal val="visible"/>
-                                      </p:to>
-                                    </p:set>
-                                    <p:animEffect transition="in" filter="fade">
-                                      <p:cBhvr>
-                                        <p:cTn id="7" dur="500"/>
-                                        <p:tgtEl>
-                                          <p:spTgt spid="4"/>
-                                        </p:tgtEl>
-                                      </p:cBhvr>
-                                    </p:animEffect>
-                                  </p:childTnLst>
-                                </p:cTn>
-                              </p:par>
-                            </p:childTnLst>
-                          </p:cTn>
-                        </p:par>
-                      </p:childTnLst>
-                    </p:cTn>
-                  </p:par>
-                </p:childTnLst>
-              </p:cTn>
-              <p:prevCondLst>
-                <p:cond evt="onPrev" delay="0">
-                  <p:tgtEl>
-                    <p:sldTgt/>
-                  </p:tgtEl>
-                </p:cond>
-              </p:prevCondLst>
-              <p:nextCondLst>
-                <p:cond evt="onNext" delay="0">
-                  <p:tgtEl>
-                    <p:sldTgt/>
-                  </p:tgtEl>
-                </p:cond>
-              </p:nextCondLst>
-            </p:seq>
-          </p:childTnLst>
-        </p:cTn>
+        <p:cTn id="1" dur="indefinite" restart="never" nodeType="tmRoot"/>
       </p:par>
     </p:tnLst>
-    <p:bldLst>
-      <p:bldP spid="4" grpId="0" animBg="1"/>
-    </p:bldLst>
   </p:timing>
 </p:sld>
 </file>
@@ -11164,725 +11659,367 @@
       </p:sp>
       <p:grpSp>
         <p:nvGrpSpPr>
-          <p:cNvPr id="3" name="Group 2"/>
+          <p:cNvPr id="29" name="Group 28"/>
           <p:cNvGrpSpPr/>
           <p:nvPr/>
         </p:nvGrpSpPr>
         <p:grpSpPr>
           <a:xfrm>
-            <a:off x="1943100" y="1219200"/>
-            <a:ext cx="5257800" cy="4876800"/>
-            <a:chOff x="2667000" y="1524000"/>
-            <a:chExt cx="5257800" cy="4876800"/>
-          </a:xfrm>
-          <a:effectLst>
-            <a:outerShdw blurRad="50800" dist="38100" dir="2700000" algn="tl" rotWithShape="0">
-              <a:prstClr val="black">
-                <a:alpha val="40000"/>
-              </a:prstClr>
-            </a:outerShdw>
-          </a:effectLst>
-          <a:scene3d>
-            <a:camera prst="perspectiveAbove"/>
-            <a:lightRig rig="threePt" dir="t"/>
-          </a:scene3d>
-        </p:grpSpPr>
-        <p:cxnSp>
-          <p:nvCxnSpPr>
-            <p:cNvPr id="4" name="Shape 3"/>
-            <p:cNvCxnSpPr>
-              <a:stCxn id="9" idx="3"/>
-              <a:endCxn id="15" idx="0"/>
-            </p:cNvCxnSpPr>
-            <p:nvPr/>
-          </p:nvCxnSpPr>
-          <p:spPr>
-            <a:xfrm>
-              <a:off x="4419600" y="2514600"/>
-              <a:ext cx="876300" cy="457200"/>
-            </a:xfrm>
-            <a:prstGeom prst="bentConnector2">
-              <a:avLst/>
-            </a:prstGeom>
-            <a:ln w="57150">
-              <a:solidFill>
-                <a:schemeClr val="accent3"/>
-              </a:solidFill>
-              <a:tailEnd type="arrow"/>
-            </a:ln>
-          </p:spPr>
-          <p:style>
-            <a:lnRef idx="1">
-              <a:schemeClr val="accent1"/>
-            </a:lnRef>
-            <a:fillRef idx="0">
-              <a:schemeClr val="accent1"/>
-            </a:fillRef>
-            <a:effectRef idx="0">
-              <a:schemeClr val="accent1"/>
-            </a:effectRef>
-            <a:fontRef idx="minor">
-              <a:schemeClr val="tx1"/>
-            </a:fontRef>
-          </p:style>
-        </p:cxnSp>
-        <p:cxnSp>
-          <p:nvCxnSpPr>
-            <p:cNvPr id="5" name="Shape 4"/>
-            <p:cNvCxnSpPr>
-              <a:stCxn id="13" idx="3"/>
-              <a:endCxn id="12" idx="0"/>
-            </p:cNvCxnSpPr>
-            <p:nvPr/>
-          </p:nvCxnSpPr>
-          <p:spPr>
-            <a:xfrm>
-              <a:off x="6172200" y="4572000"/>
-              <a:ext cx="876300" cy="457200"/>
-            </a:xfrm>
-            <a:prstGeom prst="bentConnector2">
-              <a:avLst/>
-            </a:prstGeom>
-            <a:ln w="57150">
-              <a:solidFill>
-                <a:schemeClr val="accent3"/>
-              </a:solidFill>
-              <a:tailEnd type="arrow"/>
-            </a:ln>
-          </p:spPr>
-          <p:style>
-            <a:lnRef idx="1">
-              <a:schemeClr val="accent1"/>
-            </a:lnRef>
-            <a:fillRef idx="0">
-              <a:schemeClr val="accent1"/>
-            </a:fillRef>
-            <a:effectRef idx="0">
-              <a:schemeClr val="accent1"/>
-            </a:effectRef>
-            <a:fontRef idx="minor">
-              <a:schemeClr val="tx1"/>
-            </a:fontRef>
-          </p:style>
-        </p:cxnSp>
-        <p:grpSp>
-          <p:nvGrpSpPr>
-            <p:cNvPr id="6" name="Group 11"/>
-            <p:cNvGrpSpPr/>
-            <p:nvPr/>
-          </p:nvGrpSpPr>
-          <p:grpSpPr>
-            <a:xfrm>
-              <a:off x="4419600" y="2971800"/>
-              <a:ext cx="1752600" cy="1905000"/>
-              <a:chOff x="1600200" y="1828800"/>
-              <a:chExt cx="1752600" cy="1905000"/>
-            </a:xfrm>
-          </p:grpSpPr>
-          <p:sp>
-            <p:nvSpPr>
-              <p:cNvPr id="13" name="Rectangle 4"/>
-              <p:cNvSpPr/>
-              <p:nvPr/>
-            </p:nvSpPr>
-            <p:spPr>
-              <a:xfrm>
-                <a:off x="1600200" y="3124200"/>
-                <a:ext cx="1752600" cy="609600"/>
-              </a:xfrm>
-              <a:prstGeom prst="rect">
-                <a:avLst/>
-              </a:prstGeom>
-            </p:spPr>
-            <p:style>
-              <a:lnRef idx="1">
-                <a:schemeClr val="accent3"/>
-              </a:lnRef>
-              <a:fillRef idx="3">
-                <a:schemeClr val="accent3"/>
-              </a:fillRef>
-              <a:effectRef idx="2">
-                <a:schemeClr val="accent3"/>
-              </a:effectRef>
-              <a:fontRef idx="minor">
-                <a:schemeClr val="lt1"/>
-              </a:fontRef>
-            </p:style>
-            <p:txBody>
-              <a:bodyPr rtlCol="0" anchor="b" anchorCtr="0"/>
-              <a:lstStyle/>
-              <a:p>
-                <a:pPr algn="ctr"/>
-                <a:r>
-                  <a:rPr lang="en-US" dirty="0" err="1" smtClean="0"/>
-                  <a:t>IDoSomething</a:t>
-                </a:r>
-                <a:endParaRPr lang="en-US" dirty="0"/>
-              </a:p>
-            </p:txBody>
-          </p:sp>
-          <p:sp>
-            <p:nvSpPr>
-              <p:cNvPr id="14" name="Down Arrow Callout 5"/>
-              <p:cNvSpPr/>
-              <p:nvPr/>
-            </p:nvSpPr>
-            <p:spPr>
-              <a:xfrm>
-                <a:off x="1600200" y="2438400"/>
-                <a:ext cx="1752600" cy="1066800"/>
-              </a:xfrm>
-              <a:prstGeom prst="downArrowCallout">
-                <a:avLst/>
-              </a:prstGeom>
-            </p:spPr>
-            <p:style>
-              <a:lnRef idx="1">
-                <a:schemeClr val="accent1"/>
-              </a:lnRef>
-              <a:fillRef idx="3">
-                <a:schemeClr val="accent1"/>
-              </a:fillRef>
-              <a:effectRef idx="2">
-                <a:schemeClr val="accent1"/>
-              </a:effectRef>
-              <a:fontRef idx="minor">
-                <a:schemeClr val="lt1"/>
-              </a:fontRef>
-            </p:style>
-            <p:txBody>
-              <a:bodyPr rtlCol="0" anchor="ctr"/>
-              <a:lstStyle/>
-              <a:p>
-                <a:pPr algn="ctr"/>
-                <a:r>
-                  <a:rPr lang="en-US" dirty="0" err="1" smtClean="0"/>
-                  <a:t>ThatClass</a:t>
-                </a:r>
-                <a:endParaRPr lang="en-US" dirty="0"/>
-              </a:p>
-            </p:txBody>
-          </p:sp>
-          <p:sp>
-            <p:nvSpPr>
-              <p:cNvPr id="15" name="Down Arrow Callout 3"/>
-              <p:cNvSpPr/>
-              <p:nvPr/>
-            </p:nvSpPr>
-            <p:spPr>
-              <a:xfrm>
-                <a:off x="1600200" y="1828800"/>
-                <a:ext cx="1752600" cy="914400"/>
-              </a:xfrm>
-              <a:prstGeom prst="downArrowCallout">
-                <a:avLst/>
-              </a:prstGeom>
-            </p:spPr>
-            <p:style>
-              <a:lnRef idx="1">
-                <a:schemeClr val="accent2"/>
-              </a:lnRef>
-              <a:fillRef idx="3">
-                <a:schemeClr val="accent2"/>
-              </a:fillRef>
-              <a:effectRef idx="2">
-                <a:schemeClr val="accent2"/>
-              </a:effectRef>
-              <a:fontRef idx="minor">
-                <a:schemeClr val="lt1"/>
-              </a:fontRef>
-            </p:style>
-            <p:txBody>
-              <a:bodyPr rtlCol="0" anchor="ctr"/>
-              <a:lstStyle/>
-              <a:p>
-                <a:pPr algn="ctr"/>
-                <a:r>
-                  <a:rPr lang="en-US" dirty="0" err="1" smtClean="0"/>
-                  <a:t>IWhatever</a:t>
-                </a:r>
-                <a:endParaRPr lang="en-US" dirty="0"/>
-              </a:p>
-            </p:txBody>
-          </p:sp>
-        </p:grpSp>
-        <p:grpSp>
-          <p:nvGrpSpPr>
-            <p:cNvPr id="7" name="Group 12"/>
-            <p:cNvGrpSpPr/>
-            <p:nvPr/>
-          </p:nvGrpSpPr>
-          <p:grpSpPr>
-            <a:xfrm>
-              <a:off x="6172200" y="5029200"/>
-              <a:ext cx="1752600" cy="1371600"/>
-              <a:chOff x="4648200" y="2743200"/>
-              <a:chExt cx="1752600" cy="1371600"/>
-            </a:xfrm>
-          </p:grpSpPr>
-          <p:sp>
-            <p:nvSpPr>
-              <p:cNvPr id="11" name="Rectangle 10"/>
-              <p:cNvSpPr/>
-              <p:nvPr/>
-            </p:nvSpPr>
-            <p:spPr>
-              <a:xfrm>
-                <a:off x="4648200" y="3352800"/>
-                <a:ext cx="1752600" cy="762000"/>
-              </a:xfrm>
-              <a:prstGeom prst="rect">
-                <a:avLst/>
-              </a:prstGeom>
-            </p:spPr>
-            <p:style>
-              <a:lnRef idx="1">
-                <a:schemeClr val="accent1"/>
-              </a:lnRef>
-              <a:fillRef idx="3">
-                <a:schemeClr val="accent1"/>
-              </a:fillRef>
-              <a:effectRef idx="2">
-                <a:schemeClr val="accent1"/>
-              </a:effectRef>
-              <a:fontRef idx="minor">
-                <a:schemeClr val="lt1"/>
-              </a:fontRef>
-            </p:style>
-            <p:txBody>
-              <a:bodyPr rtlCol="0" anchor="ctr"/>
-              <a:lstStyle/>
-              <a:p>
-                <a:pPr algn="ctr"/>
-                <a:r>
-                  <a:rPr lang="en-US" dirty="0" err="1" smtClean="0"/>
-                  <a:t>ThisClass</a:t>
-                </a:r>
-                <a:endParaRPr lang="en-US" dirty="0"/>
-              </a:p>
-            </p:txBody>
-          </p:sp>
-          <p:sp>
-            <p:nvSpPr>
-              <p:cNvPr id="12" name="Down Arrow Callout 11"/>
-              <p:cNvSpPr/>
-              <p:nvPr/>
-            </p:nvSpPr>
-            <p:spPr>
-              <a:xfrm>
-                <a:off x="4648200" y="2743200"/>
-                <a:ext cx="1752600" cy="914400"/>
-              </a:xfrm>
-              <a:prstGeom prst="downArrowCallout">
-                <a:avLst/>
-              </a:prstGeom>
-            </p:spPr>
-            <p:style>
-              <a:lnRef idx="1">
-                <a:schemeClr val="accent2"/>
-              </a:lnRef>
-              <a:fillRef idx="3">
-                <a:schemeClr val="accent2"/>
-              </a:fillRef>
-              <a:effectRef idx="2">
-                <a:schemeClr val="accent2"/>
-              </a:effectRef>
-              <a:fontRef idx="minor">
-                <a:schemeClr val="lt1"/>
-              </a:fontRef>
-            </p:style>
-            <p:txBody>
-              <a:bodyPr rtlCol="0" anchor="ctr"/>
-              <a:lstStyle/>
-              <a:p>
-                <a:pPr algn="ctr"/>
-                <a:r>
-                  <a:rPr lang="en-US" dirty="0" err="1" smtClean="0"/>
-                  <a:t>IDoSomething</a:t>
-                </a:r>
-                <a:endParaRPr lang="en-US" dirty="0"/>
-              </a:p>
-            </p:txBody>
-          </p:sp>
-        </p:grpSp>
-        <p:grpSp>
-          <p:nvGrpSpPr>
-            <p:cNvPr id="8" name="Group 13"/>
-            <p:cNvGrpSpPr/>
-            <p:nvPr/>
-          </p:nvGrpSpPr>
-          <p:grpSpPr>
-            <a:xfrm>
-              <a:off x="2667000" y="1524000"/>
-              <a:ext cx="1752600" cy="1295400"/>
-              <a:chOff x="2286000" y="4800600"/>
-              <a:chExt cx="1752600" cy="1295400"/>
-            </a:xfrm>
-          </p:grpSpPr>
-          <p:sp>
-            <p:nvSpPr>
-              <p:cNvPr id="9" name="Rectangle 8"/>
-              <p:cNvSpPr/>
-              <p:nvPr/>
-            </p:nvSpPr>
-            <p:spPr>
-              <a:xfrm>
-                <a:off x="2286000" y="5486400"/>
-                <a:ext cx="1752600" cy="609600"/>
-              </a:xfrm>
-              <a:prstGeom prst="rect">
-                <a:avLst/>
-              </a:prstGeom>
-            </p:spPr>
-            <p:style>
-              <a:lnRef idx="1">
-                <a:schemeClr val="accent3"/>
-              </a:lnRef>
-              <a:fillRef idx="3">
-                <a:schemeClr val="accent3"/>
-              </a:fillRef>
-              <a:effectRef idx="2">
-                <a:schemeClr val="accent3"/>
-              </a:effectRef>
-              <a:fontRef idx="minor">
-                <a:schemeClr val="lt1"/>
-              </a:fontRef>
-            </p:style>
-            <p:txBody>
-              <a:bodyPr rtlCol="0" anchor="b" anchorCtr="0"/>
-              <a:lstStyle/>
-              <a:p>
-                <a:pPr algn="ctr"/>
-                <a:r>
-                  <a:rPr lang="en-US" dirty="0" err="1" smtClean="0"/>
-                  <a:t>IWhatever</a:t>
-                </a:r>
-                <a:endParaRPr lang="en-US" dirty="0"/>
-              </a:p>
-            </p:txBody>
-          </p:sp>
-          <p:sp>
-            <p:nvSpPr>
-              <p:cNvPr id="10" name="Down Arrow Callout 9"/>
-              <p:cNvSpPr/>
-              <p:nvPr/>
-            </p:nvSpPr>
-            <p:spPr>
-              <a:xfrm>
-                <a:off x="2286000" y="4800600"/>
-                <a:ext cx="1752600" cy="1066800"/>
-              </a:xfrm>
-              <a:prstGeom prst="downArrowCallout">
-                <a:avLst/>
-              </a:prstGeom>
-            </p:spPr>
-            <p:style>
-              <a:lnRef idx="1">
-                <a:schemeClr val="accent1"/>
-              </a:lnRef>
-              <a:fillRef idx="3">
-                <a:schemeClr val="accent1"/>
-              </a:fillRef>
-              <a:effectRef idx="2">
-                <a:schemeClr val="accent1"/>
-              </a:effectRef>
-              <a:fontRef idx="minor">
-                <a:schemeClr val="lt1"/>
-              </a:fontRef>
-            </p:style>
-            <p:txBody>
-              <a:bodyPr rtlCol="0" anchor="ctr"/>
-              <a:lstStyle/>
-              <a:p>
-                <a:pPr algn="ctr"/>
-                <a:r>
-                  <a:rPr lang="en-US" dirty="0" err="1" smtClean="0"/>
-                  <a:t>AnotherClass</a:t>
-                </a:r>
-                <a:endParaRPr lang="en-US" dirty="0"/>
-              </a:p>
-            </p:txBody>
-          </p:sp>
-        </p:grpSp>
-      </p:grpSp>
-    </p:spTree>
-  </p:cSld>
-  <p:clrMapOvr>
-    <a:masterClrMapping/>
-  </p:clrMapOvr>
-  <p:timing>
-    <p:tnLst>
-      <p:par>
-        <p:cTn id="1" dur="indefinite" restart="never" nodeType="tmRoot"/>
-      </p:par>
-    </p:tnLst>
-  </p:timing>
-</p:sld>
-</file>
-
-<file path=ppt/slides/slide33.xml><?xml version="1.0" encoding="utf-8"?>
-<p:sld xmlns:a="http://schemas.openxmlformats.org/drawingml/2006/main" xmlns:r="http://schemas.openxmlformats.org/officeDocument/2006/relationships" xmlns:p="http://schemas.openxmlformats.org/presentationml/2006/main">
-  <p:cSld>
-    <p:spTree>
-      <p:nvGrpSpPr>
-        <p:cNvPr id="1" name=""/>
-        <p:cNvGrpSpPr/>
-        <p:nvPr/>
-      </p:nvGrpSpPr>
-      <p:grpSpPr>
-        <a:xfrm>
-          <a:off x="0" y="0"/>
-          <a:ext cx="0" cy="0"/>
-          <a:chOff x="0" y="0"/>
-          <a:chExt cx="0" cy="0"/>
-        </a:xfrm>
-      </p:grpSpPr>
-      <p:sp>
-        <p:nvSpPr>
-          <p:cNvPr id="3075" name="Text Placeholder 2"/>
-          <p:cNvSpPr>
-            <a:spLocks noGrp="1"/>
-          </p:cNvSpPr>
-          <p:nvPr>
-            <p:ph type="body" sz="quarter" idx="10"/>
-          </p:nvPr>
-        </p:nvSpPr>
-        <p:spPr>
-          <a:xfrm>
-            <a:off x="228600" y="1143000"/>
-            <a:ext cx="8686800" cy="5257800"/>
-          </a:xfrm>
-        </p:spPr>
-        <p:txBody>
-          <a:bodyPr/>
-          <a:lstStyle/>
-          <a:p>
-            <a:pPr marL="0" indent="0" eaLnBrk="1" hangingPunct="1">
-              <a:buNone/>
-            </a:pPr>
-            <a:r>
-              <a:rPr lang="en-US" dirty="0" smtClean="0"/>
-              <a:t>Example App: Constructor Dependencies in a Processing Service</a:t>
-            </a:r>
-          </a:p>
-        </p:txBody>
-      </p:sp>
-      <p:sp>
-        <p:nvSpPr>
-          <p:cNvPr id="3074" name="Title 1"/>
-          <p:cNvSpPr>
-            <a:spLocks noGrp="1"/>
-          </p:cNvSpPr>
-          <p:nvPr>
-            <p:ph type="title"/>
-          </p:nvPr>
-        </p:nvSpPr>
-        <p:spPr bwMode="auto">
-          <a:noFill/>
-          <a:ln>
-            <a:miter lim="800000"/>
-            <a:headEnd/>
-            <a:tailEnd/>
-          </a:ln>
-        </p:spPr>
-        <p:txBody>
-          <a:bodyPr vert="horz" wrap="square" lIns="91440" tIns="45720" rIns="91440" bIns="45720" numCol="1" anchor="t" anchorCtr="0" compatLnSpc="1">
-            <a:prstTxWarp prst="textNoShape">
-              <a:avLst/>
-            </a:prstTxWarp>
-          </a:bodyPr>
-          <a:lstStyle/>
-          <a:p>
-            <a:pPr eaLnBrk="1" hangingPunct="1"/>
-            <a:r>
-              <a:rPr lang="en-US" dirty="0" smtClean="0"/>
-              <a:t>DIP: Dependency Inversion Principle</a:t>
-            </a:r>
-          </a:p>
-        </p:txBody>
-      </p:sp>
-      <p:grpSp>
-        <p:nvGrpSpPr>
-          <p:cNvPr id="25" name="Group 24"/>
-          <p:cNvGrpSpPr/>
-          <p:nvPr/>
-        </p:nvGrpSpPr>
-        <p:grpSpPr>
-          <a:xfrm>
-            <a:off x="1905000" y="1981200"/>
-            <a:ext cx="5410200" cy="3886200"/>
-            <a:chOff x="1905000" y="1981200"/>
-            <a:chExt cx="5410200" cy="3886200"/>
+            <a:off x="1905000" y="1828800"/>
+            <a:ext cx="5410200" cy="3962400"/>
+            <a:chOff x="1905000" y="1828800"/>
+            <a:chExt cx="5410200" cy="3962400"/>
           </a:xfrm>
           <a:scene3d>
             <a:camera prst="perspectiveAbove"/>
             <a:lightRig rig="threePt" dir="t"/>
           </a:scene3d>
         </p:grpSpPr>
+        <p:sp>
+          <p:nvSpPr>
+            <p:cNvPr id="28" name="Rectangle 27"/>
+            <p:cNvSpPr/>
+            <p:nvPr/>
+          </p:nvSpPr>
+          <p:spPr>
+            <a:xfrm>
+              <a:off x="2057400" y="4114800"/>
+              <a:ext cx="5029200" cy="1676400"/>
+            </a:xfrm>
+            <a:prstGeom prst="rect">
+              <a:avLst/>
+            </a:prstGeom>
+            <a:ln w="19050">
+              <a:prstDash val="sysDot"/>
+            </a:ln>
+          </p:spPr>
+          <p:style>
+            <a:lnRef idx="2">
+              <a:schemeClr val="accent2"/>
+            </a:lnRef>
+            <a:fillRef idx="1">
+              <a:schemeClr val="lt1"/>
+            </a:fillRef>
+            <a:effectRef idx="0">
+              <a:schemeClr val="accent2"/>
+            </a:effectRef>
+            <a:fontRef idx="minor">
+              <a:schemeClr val="dk1"/>
+            </a:fontRef>
+          </p:style>
+          <p:txBody>
+            <a:bodyPr rtlCol="0" anchor="ctr"/>
+            <a:lstStyle/>
+            <a:p>
+              <a:pPr algn="ctr"/>
+              <a:endParaRPr lang="en-US"/>
+            </a:p>
+          </p:txBody>
+        </p:sp>
+        <p:sp>
+          <p:nvSpPr>
+            <p:cNvPr id="27" name="Rectangle 26"/>
+            <p:cNvSpPr/>
+            <p:nvPr/>
+          </p:nvSpPr>
+          <p:spPr>
+            <a:xfrm>
+              <a:off x="3657600" y="2438400"/>
+              <a:ext cx="1828800" cy="1600200"/>
+            </a:xfrm>
+            <a:prstGeom prst="rect">
+              <a:avLst/>
+            </a:prstGeom>
+            <a:ln w="19050">
+              <a:prstDash val="sysDot"/>
+            </a:ln>
+          </p:spPr>
+          <p:style>
+            <a:lnRef idx="2">
+              <a:schemeClr val="accent2"/>
+            </a:lnRef>
+            <a:fillRef idx="1">
+              <a:schemeClr val="lt1"/>
+            </a:fillRef>
+            <a:effectRef idx="0">
+              <a:schemeClr val="accent2"/>
+            </a:effectRef>
+            <a:fontRef idx="minor">
+              <a:schemeClr val="dk1"/>
+            </a:fontRef>
+          </p:style>
+          <p:txBody>
+            <a:bodyPr rtlCol="0" anchor="ctr"/>
+            <a:lstStyle/>
+            <a:p>
+              <a:pPr algn="ctr"/>
+              <a:endParaRPr lang="en-US"/>
+            </a:p>
+          </p:txBody>
+        </p:sp>
         <p:grpSp>
           <p:nvGrpSpPr>
-            <p:cNvPr id="9" name="Group 8"/>
+            <p:cNvPr id="25" name="Group 24"/>
             <p:cNvGrpSpPr/>
             <p:nvPr/>
           </p:nvGrpSpPr>
           <p:grpSpPr>
             <a:xfrm>
-              <a:off x="2247900" y="4419600"/>
-              <a:ext cx="4648200" cy="1447800"/>
-              <a:chOff x="3429000" y="3276600"/>
-              <a:chExt cx="4648200" cy="1447800"/>
+              <a:off x="1905000" y="1828800"/>
+              <a:ext cx="5410200" cy="3886200"/>
+              <a:chOff x="1905000" y="1981200"/>
+              <a:chExt cx="5410200" cy="3886200"/>
             </a:xfrm>
           </p:grpSpPr>
+          <p:grpSp>
+            <p:nvGrpSpPr>
+              <p:cNvPr id="9" name="Group 8"/>
+              <p:cNvGrpSpPr/>
+              <p:nvPr/>
+            </p:nvGrpSpPr>
+            <p:grpSpPr>
+              <a:xfrm>
+                <a:off x="2247900" y="4419600"/>
+                <a:ext cx="4648200" cy="1447800"/>
+                <a:chOff x="3429000" y="3276600"/>
+                <a:chExt cx="4648200" cy="1447800"/>
+              </a:xfrm>
+            </p:grpSpPr>
+            <p:sp>
+              <p:nvSpPr>
+                <p:cNvPr id="50" name="Rectangle 49"/>
+                <p:cNvSpPr/>
+                <p:nvPr/>
+              </p:nvSpPr>
+              <p:spPr>
+                <a:xfrm>
+                  <a:off x="3429000" y="3733800"/>
+                  <a:ext cx="4648200" cy="990600"/>
+                </a:xfrm>
+                <a:prstGeom prst="rect">
+                  <a:avLst/>
+                </a:prstGeom>
+              </p:spPr>
+              <p:style>
+                <a:lnRef idx="1">
+                  <a:schemeClr val="accent1"/>
+                </a:lnRef>
+                <a:fillRef idx="3">
+                  <a:schemeClr val="accent1"/>
+                </a:fillRef>
+                <a:effectRef idx="2">
+                  <a:schemeClr val="accent1"/>
+                </a:effectRef>
+                <a:fontRef idx="minor">
+                  <a:schemeClr val="lt1"/>
+                </a:fontRef>
+              </p:style>
+              <p:txBody>
+                <a:bodyPr rtlCol="0" anchor="ctr"/>
+                <a:lstStyle/>
+                <a:p>
+                  <a:pPr algn="ctr"/>
+                  <a:r>
+                    <a:rPr lang="en-US" dirty="0" smtClean="0"/>
+                    <a:t>ProcessingService</a:t>
+                  </a:r>
+                  <a:endParaRPr lang="en-US" dirty="0"/>
+                </a:p>
+              </p:txBody>
+            </p:sp>
+            <p:sp>
+              <p:nvSpPr>
+                <p:cNvPr id="33" name="Down Arrow Callout 32"/>
+                <p:cNvSpPr/>
+                <p:nvPr/>
+              </p:nvSpPr>
+              <p:spPr>
+                <a:xfrm>
+                  <a:off x="3429000" y="3276600"/>
+                  <a:ext cx="2286000" cy="685800"/>
+                </a:xfrm>
+                <a:prstGeom prst="downArrowCallout">
+                  <a:avLst/>
+                </a:prstGeom>
+              </p:spPr>
+              <p:style>
+                <a:lnRef idx="1">
+                  <a:schemeClr val="accent2"/>
+                </a:lnRef>
+                <a:fillRef idx="3">
+                  <a:schemeClr val="accent2"/>
+                </a:fillRef>
+                <a:effectRef idx="2">
+                  <a:schemeClr val="accent2"/>
+                </a:effectRef>
+                <a:fontRef idx="minor">
+                  <a:schemeClr val="lt1"/>
+                </a:fontRef>
+              </p:style>
+              <p:txBody>
+                <a:bodyPr rtlCol="0" anchor="ctr"/>
+                <a:lstStyle/>
+                <a:p>
+                  <a:pPr algn="ctr"/>
+                  <a:r>
+                    <a:rPr lang="en-US" dirty="0" smtClean="0"/>
+                    <a:t>IMessageInfoRetriever</a:t>
+                  </a:r>
+                  <a:endParaRPr lang="en-US" dirty="0"/>
+                </a:p>
+              </p:txBody>
+            </p:sp>
+            <p:sp>
+              <p:nvSpPr>
+                <p:cNvPr id="49" name="Down Arrow Callout 48"/>
+                <p:cNvSpPr/>
+                <p:nvPr/>
+              </p:nvSpPr>
+              <p:spPr>
+                <a:xfrm>
+                  <a:off x="5791200" y="3276600"/>
+                  <a:ext cx="2286000" cy="685800"/>
+                </a:xfrm>
+                <a:prstGeom prst="downArrowCallout">
+                  <a:avLst/>
+                </a:prstGeom>
+              </p:spPr>
+              <p:style>
+                <a:lnRef idx="1">
+                  <a:schemeClr val="accent2"/>
+                </a:lnRef>
+                <a:fillRef idx="3">
+                  <a:schemeClr val="accent2"/>
+                </a:fillRef>
+                <a:effectRef idx="2">
+                  <a:schemeClr val="accent2"/>
+                </a:effectRef>
+                <a:fontRef idx="minor">
+                  <a:schemeClr val="lt1"/>
+                </a:fontRef>
+              </p:style>
+              <p:txBody>
+                <a:bodyPr rtlCol="0" anchor="ctr"/>
+                <a:lstStyle/>
+                <a:p>
+                  <a:pPr algn="ctr"/>
+                  <a:r>
+                    <a:rPr lang="en-US" dirty="0" smtClean="0"/>
+                    <a:t>IEmailService</a:t>
+                  </a:r>
+                  <a:endParaRPr lang="en-US" dirty="0"/>
+                </a:p>
+              </p:txBody>
+            </p:sp>
+          </p:grpSp>
+          <p:grpSp>
+            <p:nvGrpSpPr>
+              <p:cNvPr id="13" name="Group 12"/>
+              <p:cNvGrpSpPr/>
+              <p:nvPr/>
+            </p:nvGrpSpPr>
+            <p:grpSpPr>
+              <a:xfrm>
+                <a:off x="3733800" y="2667000"/>
+                <a:ext cx="1676400" cy="1447800"/>
+                <a:chOff x="533400" y="4267200"/>
+                <a:chExt cx="1676400" cy="1447800"/>
+              </a:xfrm>
+            </p:grpSpPr>
+            <p:sp>
+              <p:nvSpPr>
+                <p:cNvPr id="11" name="Rectangle 10"/>
+                <p:cNvSpPr/>
+                <p:nvPr/>
+              </p:nvSpPr>
+              <p:spPr>
+                <a:xfrm>
+                  <a:off x="533400" y="4724400"/>
+                  <a:ext cx="1676400" cy="990600"/>
+                </a:xfrm>
+                <a:prstGeom prst="rect">
+                  <a:avLst/>
+                </a:prstGeom>
+              </p:spPr>
+              <p:style>
+                <a:lnRef idx="1">
+                  <a:schemeClr val="accent1"/>
+                </a:lnRef>
+                <a:fillRef idx="3">
+                  <a:schemeClr val="accent1"/>
+                </a:fillRef>
+                <a:effectRef idx="2">
+                  <a:schemeClr val="accent1"/>
+                </a:effectRef>
+                <a:fontRef idx="minor">
+                  <a:schemeClr val="lt1"/>
+                </a:fontRef>
+              </p:style>
+              <p:txBody>
+                <a:bodyPr rtlCol="0" anchor="ctr"/>
+                <a:lstStyle/>
+                <a:p>
+                  <a:pPr algn="ctr"/>
+                  <a:r>
+                    <a:rPr lang="en-US" dirty="0" smtClean="0"/>
+                    <a:t>File Reader Service</a:t>
+                  </a:r>
+                  <a:endParaRPr lang="en-US" dirty="0"/>
+                </a:p>
+              </p:txBody>
+            </p:sp>
+            <p:sp>
+              <p:nvSpPr>
+                <p:cNvPr id="12" name="Down Arrow Callout 11"/>
+                <p:cNvSpPr/>
+                <p:nvPr/>
+              </p:nvSpPr>
+              <p:spPr>
+                <a:xfrm>
+                  <a:off x="533400" y="4267200"/>
+                  <a:ext cx="1676400" cy="712434"/>
+                </a:xfrm>
+                <a:prstGeom prst="downArrowCallout">
+                  <a:avLst/>
+                </a:prstGeom>
+              </p:spPr>
+              <p:style>
+                <a:lnRef idx="1">
+                  <a:schemeClr val="accent2"/>
+                </a:lnRef>
+                <a:fillRef idx="3">
+                  <a:schemeClr val="accent2"/>
+                </a:fillRef>
+                <a:effectRef idx="2">
+                  <a:schemeClr val="accent2"/>
+                </a:effectRef>
+                <a:fontRef idx="minor">
+                  <a:schemeClr val="lt1"/>
+                </a:fontRef>
+              </p:style>
+              <p:txBody>
+                <a:bodyPr rtlCol="0" anchor="ctr"/>
+                <a:lstStyle/>
+                <a:p>
+                  <a:pPr algn="ctr"/>
+                  <a:r>
+                    <a:rPr lang="en-US" dirty="0" smtClean="0"/>
+                    <a:t>IFileFormat Reader</a:t>
+                  </a:r>
+                  <a:endParaRPr lang="en-US" dirty="0"/>
+                </a:p>
+              </p:txBody>
+            </p:sp>
+          </p:grpSp>
           <p:sp>
             <p:nvSpPr>
-              <p:cNvPr id="50" name="Rectangle 49"/>
+              <p:cNvPr id="14" name="Rectangle 13"/>
               <p:cNvSpPr/>
               <p:nvPr/>
             </p:nvSpPr>
             <p:spPr>
               <a:xfrm>
-                <a:off x="3429000" y="3733800"/>
-                <a:ext cx="4648200" cy="990600"/>
-              </a:xfrm>
-              <a:prstGeom prst="rect">
-                <a:avLst/>
-              </a:prstGeom>
-            </p:spPr>
-            <p:style>
-              <a:lnRef idx="1">
-                <a:schemeClr val="accent1"/>
-              </a:lnRef>
-              <a:fillRef idx="3">
-                <a:schemeClr val="accent1"/>
-              </a:fillRef>
-              <a:effectRef idx="2">
-                <a:schemeClr val="accent1"/>
-              </a:effectRef>
-              <a:fontRef idx="minor">
-                <a:schemeClr val="lt1"/>
-              </a:fontRef>
-            </p:style>
-            <p:txBody>
-              <a:bodyPr rtlCol="0" anchor="ctr"/>
-              <a:lstStyle/>
-              <a:p>
-                <a:pPr algn="ctr"/>
-                <a:r>
-                  <a:rPr lang="en-US" dirty="0" err="1" smtClean="0"/>
-                  <a:t>ProcessingService</a:t>
-                </a:r>
-                <a:endParaRPr lang="en-US" dirty="0"/>
-              </a:p>
-            </p:txBody>
-          </p:sp>
-          <p:sp>
-            <p:nvSpPr>
-              <p:cNvPr id="33" name="Down Arrow Callout 32"/>
-              <p:cNvSpPr/>
-              <p:nvPr/>
-            </p:nvSpPr>
-            <p:spPr>
-              <a:xfrm>
-                <a:off x="3429000" y="3276600"/>
-                <a:ext cx="2286000" cy="685800"/>
-              </a:xfrm>
-              <a:prstGeom prst="downArrowCallout">
-                <a:avLst/>
-              </a:prstGeom>
-            </p:spPr>
-            <p:style>
-              <a:lnRef idx="1">
-                <a:schemeClr val="accent2"/>
-              </a:lnRef>
-              <a:fillRef idx="3">
-                <a:schemeClr val="accent2"/>
-              </a:fillRef>
-              <a:effectRef idx="2">
-                <a:schemeClr val="accent2"/>
-              </a:effectRef>
-              <a:fontRef idx="minor">
-                <a:schemeClr val="lt1"/>
-              </a:fontRef>
-            </p:style>
-            <p:txBody>
-              <a:bodyPr rtlCol="0" anchor="ctr"/>
-              <a:lstStyle/>
-              <a:p>
-                <a:pPr algn="ctr"/>
-                <a:r>
-                  <a:rPr lang="en-US" dirty="0" err="1" smtClean="0"/>
-                  <a:t>IMessageInfoRetriever</a:t>
-                </a:r>
-                <a:endParaRPr lang="en-US" dirty="0"/>
-              </a:p>
-            </p:txBody>
-          </p:sp>
-          <p:sp>
-            <p:nvSpPr>
-              <p:cNvPr id="49" name="Down Arrow Callout 48"/>
-              <p:cNvSpPr/>
-              <p:nvPr/>
-            </p:nvSpPr>
-            <p:spPr>
-              <a:xfrm>
-                <a:off x="5791200" y="3276600"/>
-                <a:ext cx="2286000" cy="685800"/>
-              </a:xfrm>
-              <a:prstGeom prst="downArrowCallout">
-                <a:avLst/>
-              </a:prstGeom>
-            </p:spPr>
-            <p:style>
-              <a:lnRef idx="1">
-                <a:schemeClr val="accent2"/>
-              </a:lnRef>
-              <a:fillRef idx="3">
-                <a:schemeClr val="accent2"/>
-              </a:fillRef>
-              <a:effectRef idx="2">
-                <a:schemeClr val="accent2"/>
-              </a:effectRef>
-              <a:fontRef idx="minor">
-                <a:schemeClr val="lt1"/>
-              </a:fontRef>
-            </p:style>
-            <p:txBody>
-              <a:bodyPr rtlCol="0" anchor="ctr"/>
-              <a:lstStyle/>
-              <a:p>
-                <a:pPr algn="ctr"/>
-                <a:r>
-                  <a:rPr lang="en-US" dirty="0" err="1" smtClean="0"/>
-                  <a:t>IEmailService</a:t>
-                </a:r>
-                <a:endParaRPr lang="en-US" dirty="0"/>
-              </a:p>
-            </p:txBody>
-          </p:sp>
-        </p:grpSp>
-        <p:grpSp>
-          <p:nvGrpSpPr>
-            <p:cNvPr id="13" name="Group 12"/>
-            <p:cNvGrpSpPr/>
-            <p:nvPr/>
-          </p:nvGrpSpPr>
-          <p:grpSpPr>
-            <a:xfrm>
-              <a:off x="3733800" y="2667000"/>
-              <a:ext cx="1676400" cy="1447800"/>
-              <a:chOff x="533400" y="4267200"/>
-              <a:chExt cx="1676400" cy="1447800"/>
-            </a:xfrm>
-          </p:grpSpPr>
-          <p:sp>
-            <p:nvSpPr>
-              <p:cNvPr id="11" name="Rectangle 10"/>
-              <p:cNvSpPr/>
-              <p:nvPr/>
-            </p:nvSpPr>
-            <p:spPr>
-              <a:xfrm>
-                <a:off x="533400" y="4724400"/>
+                <a:off x="5638800" y="3124200"/>
                 <a:ext cx="1676400" cy="990600"/>
               </a:xfrm>
               <a:prstGeom prst="rect">
@@ -11910,7 +12047,7 @@
                 <a:pPr algn="ctr"/>
                 <a:r>
                   <a:rPr lang="en-US" dirty="0" smtClean="0"/>
-                  <a:t>File Reader Service</a:t>
+                  <a:t>Email Sender</a:t>
                 </a:r>
                 <a:endParaRPr lang="en-US" dirty="0"/>
               </a:p>
@@ -11918,28 +12055,68 @@
           </p:sp>
           <p:sp>
             <p:nvSpPr>
-              <p:cNvPr id="12" name="Down Arrow Callout 11"/>
+              <p:cNvPr id="16" name="Down Arrow 15"/>
               <p:cNvSpPr/>
               <p:nvPr/>
             </p:nvSpPr>
             <p:spPr>
               <a:xfrm>
-                <a:off x="533400" y="4267200"/>
-                <a:ext cx="1676400" cy="712434"/>
+                <a:off x="6324600" y="4114800"/>
+                <a:ext cx="304800" cy="304800"/>
               </a:xfrm>
-              <a:prstGeom prst="downArrowCallout">
+              <a:prstGeom prst="downArrow">
+                <a:avLst/>
+              </a:prstGeom>
+            </p:spPr>
+            <p:style>
+              <a:lnRef idx="2">
+                <a:schemeClr val="accent3">
+                  <a:shade val="50000"/>
+                </a:schemeClr>
+              </a:lnRef>
+              <a:fillRef idx="1">
+                <a:schemeClr val="accent3"/>
+              </a:fillRef>
+              <a:effectRef idx="0">
+                <a:schemeClr val="accent3"/>
+              </a:effectRef>
+              <a:fontRef idx="minor">
+                <a:schemeClr val="lt1"/>
+              </a:fontRef>
+            </p:style>
+            <p:txBody>
+              <a:bodyPr rtlCol="0" anchor="ctr"/>
+              <a:lstStyle/>
+              <a:p>
+                <a:pPr algn="ctr"/>
+                <a:endParaRPr lang="en-US"/>
+              </a:p>
+            </p:txBody>
+          </p:sp>
+          <p:sp>
+            <p:nvSpPr>
+              <p:cNvPr id="18" name="Rectangle 17"/>
+              <p:cNvSpPr/>
+              <p:nvPr/>
+            </p:nvSpPr>
+            <p:spPr>
+              <a:xfrm>
+                <a:off x="1905000" y="3124200"/>
+                <a:ext cx="1676400" cy="990600"/>
+              </a:xfrm>
+              <a:prstGeom prst="rect">
                 <a:avLst/>
               </a:prstGeom>
             </p:spPr>
             <p:style>
               <a:lnRef idx="1">
-                <a:schemeClr val="accent2"/>
+                <a:schemeClr val="accent1"/>
               </a:lnRef>
               <a:fillRef idx="3">
-                <a:schemeClr val="accent2"/>
+                <a:schemeClr val="accent1"/>
               </a:fillRef>
               <a:effectRef idx="2">
-                <a:schemeClr val="accent2"/>
+                <a:schemeClr val="accent1"/>
               </a:effectRef>
               <a:fontRef idx="minor">
                 <a:schemeClr val="lt1"/>
@@ -11951,347 +12128,267 @@
               <a:p>
                 <a:pPr algn="ctr"/>
                 <a:r>
-                  <a:rPr lang="en-US" dirty="0" err="1" smtClean="0"/>
-                  <a:t>IFileFormat</a:t>
-                </a:r>
-                <a:r>
                   <a:rPr lang="en-US" dirty="0" smtClean="0"/>
-                  <a:t> Reader</a:t>
+                  <a:t>Database Reader Service</a:t>
                 </a:r>
                 <a:endParaRPr lang="en-US" dirty="0"/>
               </a:p>
             </p:txBody>
           </p:sp>
+          <p:sp>
+            <p:nvSpPr>
+              <p:cNvPr id="15" name="Down Arrow 14"/>
+              <p:cNvSpPr/>
+              <p:nvPr/>
+            </p:nvSpPr>
+            <p:spPr>
+              <a:xfrm>
+                <a:off x="2971800" y="4114800"/>
+                <a:ext cx="304800" cy="304800"/>
+              </a:xfrm>
+              <a:prstGeom prst="downArrow">
+                <a:avLst/>
+              </a:prstGeom>
+            </p:spPr>
+            <p:style>
+              <a:lnRef idx="2">
+                <a:schemeClr val="accent3">
+                  <a:shade val="50000"/>
+                </a:schemeClr>
+              </a:lnRef>
+              <a:fillRef idx="1">
+                <a:schemeClr val="accent3"/>
+              </a:fillRef>
+              <a:effectRef idx="0">
+                <a:schemeClr val="accent3"/>
+              </a:effectRef>
+              <a:fontRef idx="minor">
+                <a:schemeClr val="lt1"/>
+              </a:fontRef>
+            </p:style>
+            <p:txBody>
+              <a:bodyPr rtlCol="0" anchor="ctr"/>
+              <a:lstStyle/>
+              <a:p>
+                <a:pPr algn="ctr"/>
+                <a:endParaRPr lang="en-US"/>
+              </a:p>
+            </p:txBody>
+          </p:sp>
+          <p:sp>
+            <p:nvSpPr>
+              <p:cNvPr id="20" name="Snip Single Corner Rectangle 19"/>
+              <p:cNvSpPr/>
+              <p:nvPr/>
+            </p:nvSpPr>
+            <p:spPr>
+              <a:xfrm>
+                <a:off x="4648200" y="1981200"/>
+                <a:ext cx="1676400" cy="381000"/>
+              </a:xfrm>
+              <a:prstGeom prst="snip1Rect">
+                <a:avLst/>
+              </a:prstGeom>
+            </p:spPr>
+            <p:style>
+              <a:lnRef idx="1">
+                <a:schemeClr val="accent1"/>
+              </a:lnRef>
+              <a:fillRef idx="3">
+                <a:schemeClr val="accent1"/>
+              </a:fillRef>
+              <a:effectRef idx="2">
+                <a:schemeClr val="accent1"/>
+              </a:effectRef>
+              <a:fontRef idx="minor">
+                <a:schemeClr val="lt1"/>
+              </a:fontRef>
+            </p:style>
+            <p:txBody>
+              <a:bodyPr rtlCol="0" anchor="ctr"/>
+              <a:lstStyle/>
+              <a:p>
+                <a:pPr algn="ctr"/>
+                <a:r>
+                  <a:rPr lang="en-US" dirty="0" smtClean="0"/>
+                  <a:t>Flat File Reader</a:t>
+                </a:r>
+                <a:endParaRPr lang="en-US" dirty="0"/>
+              </a:p>
+            </p:txBody>
+          </p:sp>
+          <p:sp>
+            <p:nvSpPr>
+              <p:cNvPr id="21" name="Snip Single Corner Rectangle 20"/>
+              <p:cNvSpPr/>
+              <p:nvPr/>
+            </p:nvSpPr>
+            <p:spPr>
+              <a:xfrm>
+                <a:off x="2819400" y="1981200"/>
+                <a:ext cx="1676400" cy="381000"/>
+              </a:xfrm>
+              <a:prstGeom prst="snip1Rect">
+                <a:avLst/>
+              </a:prstGeom>
+            </p:spPr>
+            <p:style>
+              <a:lnRef idx="1">
+                <a:schemeClr val="accent1"/>
+              </a:lnRef>
+              <a:fillRef idx="3">
+                <a:schemeClr val="accent1"/>
+              </a:fillRef>
+              <a:effectRef idx="2">
+                <a:schemeClr val="accent1"/>
+              </a:effectRef>
+              <a:fontRef idx="minor">
+                <a:schemeClr val="lt1"/>
+              </a:fontRef>
+            </p:style>
+            <p:txBody>
+              <a:bodyPr rtlCol="0" anchor="ctr"/>
+              <a:lstStyle/>
+              <a:p>
+                <a:pPr algn="ctr"/>
+                <a:r>
+                  <a:rPr lang="en-US" dirty="0" smtClean="0"/>
+                  <a:t>Xml File Reader</a:t>
+                </a:r>
+                <a:endParaRPr lang="en-US" dirty="0"/>
+              </a:p>
+            </p:txBody>
+          </p:sp>
+          <p:sp>
+            <p:nvSpPr>
+              <p:cNvPr id="22" name="Down Arrow 21"/>
+              <p:cNvSpPr/>
+              <p:nvPr/>
+            </p:nvSpPr>
+            <p:spPr>
+              <a:xfrm>
+                <a:off x="4419600" y="2362200"/>
+                <a:ext cx="304800" cy="304800"/>
+              </a:xfrm>
+              <a:prstGeom prst="downArrow">
+                <a:avLst/>
+              </a:prstGeom>
+            </p:spPr>
+            <p:style>
+              <a:lnRef idx="2">
+                <a:schemeClr val="accent3">
+                  <a:shade val="50000"/>
+                </a:schemeClr>
+              </a:lnRef>
+              <a:fillRef idx="1">
+                <a:schemeClr val="accent3"/>
+              </a:fillRef>
+              <a:effectRef idx="0">
+                <a:schemeClr val="accent3"/>
+              </a:effectRef>
+              <a:fontRef idx="minor">
+                <a:schemeClr val="lt1"/>
+              </a:fontRef>
+            </p:style>
+            <p:txBody>
+              <a:bodyPr rtlCol="0" anchor="ctr"/>
+              <a:lstStyle/>
+              <a:p>
+                <a:pPr algn="ctr"/>
+                <a:endParaRPr lang="en-US"/>
+              </a:p>
+            </p:txBody>
+          </p:sp>
+          <p:sp>
+            <p:nvSpPr>
+              <p:cNvPr id="24" name="Down Arrow 23"/>
+              <p:cNvSpPr/>
+              <p:nvPr/>
+            </p:nvSpPr>
+            <p:spPr>
+              <a:xfrm>
+                <a:off x="4038600" y="4114800"/>
+                <a:ext cx="304800" cy="304800"/>
+              </a:xfrm>
+              <a:prstGeom prst="downArrow">
+                <a:avLst/>
+              </a:prstGeom>
+            </p:spPr>
+            <p:style>
+              <a:lnRef idx="2">
+                <a:schemeClr val="accent3">
+                  <a:shade val="50000"/>
+                </a:schemeClr>
+              </a:lnRef>
+              <a:fillRef idx="1">
+                <a:schemeClr val="accent3"/>
+              </a:fillRef>
+              <a:effectRef idx="0">
+                <a:schemeClr val="accent3"/>
+              </a:effectRef>
+              <a:fontRef idx="minor">
+                <a:schemeClr val="lt1"/>
+              </a:fontRef>
+            </p:style>
+            <p:txBody>
+              <a:bodyPr rtlCol="0" anchor="ctr"/>
+              <a:lstStyle/>
+              <a:p>
+                <a:pPr algn="ctr"/>
+                <a:endParaRPr lang="en-US"/>
+              </a:p>
+            </p:txBody>
+          </p:sp>
         </p:grpSp>
-        <p:sp>
-          <p:nvSpPr>
-            <p:cNvPr id="14" name="Rectangle 13"/>
-            <p:cNvSpPr/>
-            <p:nvPr/>
-          </p:nvSpPr>
-          <p:spPr>
-            <a:xfrm>
-              <a:off x="5638800" y="3124200"/>
-              <a:ext cx="1676400" cy="990600"/>
-            </a:xfrm>
-            <a:prstGeom prst="rect">
-              <a:avLst/>
-            </a:prstGeom>
-          </p:spPr>
-          <p:style>
-            <a:lnRef idx="1">
-              <a:schemeClr val="accent1"/>
-            </a:lnRef>
-            <a:fillRef idx="3">
-              <a:schemeClr val="accent1"/>
-            </a:fillRef>
-            <a:effectRef idx="2">
-              <a:schemeClr val="accent1"/>
-            </a:effectRef>
-            <a:fontRef idx="minor">
-              <a:schemeClr val="lt1"/>
-            </a:fontRef>
-          </p:style>
-          <p:txBody>
-            <a:bodyPr rtlCol="0" anchor="ctr"/>
-            <a:lstStyle/>
-            <a:p>
-              <a:pPr algn="ctr"/>
-              <a:r>
-                <a:rPr lang="en-US" dirty="0" smtClean="0"/>
-                <a:t>Email Sender</a:t>
-              </a:r>
-              <a:endParaRPr lang="en-US" dirty="0"/>
-            </a:p>
-          </p:txBody>
-        </p:sp>
-        <p:sp>
-          <p:nvSpPr>
-            <p:cNvPr id="16" name="Down Arrow 15"/>
-            <p:cNvSpPr/>
-            <p:nvPr/>
-          </p:nvSpPr>
-          <p:spPr>
-            <a:xfrm>
-              <a:off x="6324600" y="4114800"/>
-              <a:ext cx="304800" cy="304800"/>
-            </a:xfrm>
-            <a:prstGeom prst="downArrow">
-              <a:avLst/>
-            </a:prstGeom>
-          </p:spPr>
-          <p:style>
-            <a:lnRef idx="2">
-              <a:schemeClr val="accent3">
-                <a:shade val="50000"/>
-              </a:schemeClr>
-            </a:lnRef>
-            <a:fillRef idx="1">
-              <a:schemeClr val="accent3"/>
-            </a:fillRef>
-            <a:effectRef idx="0">
-              <a:schemeClr val="accent3"/>
-            </a:effectRef>
-            <a:fontRef idx="minor">
-              <a:schemeClr val="lt1"/>
-            </a:fontRef>
-          </p:style>
-          <p:txBody>
-            <a:bodyPr rtlCol="0" anchor="ctr"/>
-            <a:lstStyle/>
-            <a:p>
-              <a:pPr algn="ctr"/>
-              <a:endParaRPr lang="en-US"/>
-            </a:p>
-          </p:txBody>
-        </p:sp>
-        <p:sp>
-          <p:nvSpPr>
-            <p:cNvPr id="18" name="Rectangle 17"/>
-            <p:cNvSpPr/>
-            <p:nvPr/>
-          </p:nvSpPr>
-          <p:spPr>
-            <a:xfrm>
-              <a:off x="1905000" y="3124200"/>
-              <a:ext cx="1676400" cy="990600"/>
-            </a:xfrm>
-            <a:prstGeom prst="rect">
-              <a:avLst/>
-            </a:prstGeom>
-          </p:spPr>
-          <p:style>
-            <a:lnRef idx="1">
-              <a:schemeClr val="accent1"/>
-            </a:lnRef>
-            <a:fillRef idx="3">
-              <a:schemeClr val="accent1"/>
-            </a:fillRef>
-            <a:effectRef idx="2">
-              <a:schemeClr val="accent1"/>
-            </a:effectRef>
-            <a:fontRef idx="minor">
-              <a:schemeClr val="lt1"/>
-            </a:fontRef>
-          </p:style>
-          <p:txBody>
-            <a:bodyPr rtlCol="0" anchor="ctr"/>
-            <a:lstStyle/>
-            <a:p>
-              <a:pPr algn="ctr"/>
-              <a:r>
-                <a:rPr lang="en-US" dirty="0" smtClean="0"/>
-                <a:t>Database Reader Service</a:t>
-              </a:r>
-              <a:endParaRPr lang="en-US" dirty="0"/>
-            </a:p>
-          </p:txBody>
-        </p:sp>
-        <p:sp>
-          <p:nvSpPr>
-            <p:cNvPr id="15" name="Down Arrow 14"/>
-            <p:cNvSpPr/>
-            <p:nvPr/>
-          </p:nvSpPr>
-          <p:spPr>
-            <a:xfrm>
-              <a:off x="2971800" y="4114800"/>
-              <a:ext cx="304800" cy="304800"/>
-            </a:xfrm>
-            <a:prstGeom prst="downArrow">
-              <a:avLst/>
-            </a:prstGeom>
-          </p:spPr>
-          <p:style>
-            <a:lnRef idx="2">
-              <a:schemeClr val="accent3">
-                <a:shade val="50000"/>
-              </a:schemeClr>
-            </a:lnRef>
-            <a:fillRef idx="1">
-              <a:schemeClr val="accent3"/>
-            </a:fillRef>
-            <a:effectRef idx="0">
-              <a:schemeClr val="accent3"/>
-            </a:effectRef>
-            <a:fontRef idx="minor">
-              <a:schemeClr val="lt1"/>
-            </a:fontRef>
-          </p:style>
-          <p:txBody>
-            <a:bodyPr rtlCol="0" anchor="ctr"/>
-            <a:lstStyle/>
-            <a:p>
-              <a:pPr algn="ctr"/>
-              <a:endParaRPr lang="en-US"/>
-            </a:p>
-          </p:txBody>
-        </p:sp>
-        <p:sp>
-          <p:nvSpPr>
-            <p:cNvPr id="20" name="Snip Single Corner Rectangle 19"/>
-            <p:cNvSpPr/>
-            <p:nvPr/>
-          </p:nvSpPr>
-          <p:spPr>
-            <a:xfrm>
-              <a:off x="4648200" y="1981200"/>
-              <a:ext cx="1676400" cy="381000"/>
-            </a:xfrm>
-            <a:prstGeom prst="snip1Rect">
-              <a:avLst/>
-            </a:prstGeom>
-          </p:spPr>
-          <p:style>
-            <a:lnRef idx="1">
-              <a:schemeClr val="accent1"/>
-            </a:lnRef>
-            <a:fillRef idx="3">
-              <a:schemeClr val="accent1"/>
-            </a:fillRef>
-            <a:effectRef idx="2">
-              <a:schemeClr val="accent1"/>
-            </a:effectRef>
-            <a:fontRef idx="minor">
-              <a:schemeClr val="lt1"/>
-            </a:fontRef>
-          </p:style>
-          <p:txBody>
-            <a:bodyPr rtlCol="0" anchor="ctr"/>
-            <a:lstStyle/>
-            <a:p>
-              <a:pPr algn="ctr"/>
-              <a:r>
-                <a:rPr lang="en-US" dirty="0" smtClean="0"/>
-                <a:t>Flat File Reader</a:t>
-              </a:r>
-              <a:endParaRPr lang="en-US" dirty="0"/>
-            </a:p>
-          </p:txBody>
-        </p:sp>
-        <p:sp>
-          <p:nvSpPr>
-            <p:cNvPr id="21" name="Snip Single Corner Rectangle 20"/>
-            <p:cNvSpPr/>
-            <p:nvPr/>
-          </p:nvSpPr>
-          <p:spPr>
-            <a:xfrm>
-              <a:off x="2819400" y="1981200"/>
-              <a:ext cx="1676400" cy="381000"/>
-            </a:xfrm>
-            <a:prstGeom prst="snip1Rect">
-              <a:avLst/>
-            </a:prstGeom>
-          </p:spPr>
-          <p:style>
-            <a:lnRef idx="1">
-              <a:schemeClr val="accent1"/>
-            </a:lnRef>
-            <a:fillRef idx="3">
-              <a:schemeClr val="accent1"/>
-            </a:fillRef>
-            <a:effectRef idx="2">
-              <a:schemeClr val="accent1"/>
-            </a:effectRef>
-            <a:fontRef idx="minor">
-              <a:schemeClr val="lt1"/>
-            </a:fontRef>
-          </p:style>
-          <p:txBody>
-            <a:bodyPr rtlCol="0" anchor="ctr"/>
-            <a:lstStyle/>
-            <a:p>
-              <a:pPr algn="ctr"/>
-              <a:r>
-                <a:rPr lang="en-US" dirty="0" smtClean="0"/>
-                <a:t>Xml File Reader</a:t>
-              </a:r>
-              <a:endParaRPr lang="en-US" dirty="0"/>
-            </a:p>
-          </p:txBody>
-        </p:sp>
-        <p:sp>
-          <p:nvSpPr>
-            <p:cNvPr id="22" name="Down Arrow 21"/>
-            <p:cNvSpPr/>
-            <p:nvPr/>
-          </p:nvSpPr>
-          <p:spPr>
-            <a:xfrm>
-              <a:off x="4419600" y="2362200"/>
-              <a:ext cx="304800" cy="304800"/>
-            </a:xfrm>
-            <a:prstGeom prst="downArrow">
-              <a:avLst/>
-            </a:prstGeom>
-          </p:spPr>
-          <p:style>
-            <a:lnRef idx="2">
-              <a:schemeClr val="accent3">
-                <a:shade val="50000"/>
-              </a:schemeClr>
-            </a:lnRef>
-            <a:fillRef idx="1">
-              <a:schemeClr val="accent3"/>
-            </a:fillRef>
-            <a:effectRef idx="0">
-              <a:schemeClr val="accent3"/>
-            </a:effectRef>
-            <a:fontRef idx="minor">
-              <a:schemeClr val="lt1"/>
-            </a:fontRef>
-          </p:style>
-          <p:txBody>
-            <a:bodyPr rtlCol="0" anchor="ctr"/>
-            <a:lstStyle/>
-            <a:p>
-              <a:pPr algn="ctr"/>
-              <a:endParaRPr lang="en-US"/>
-            </a:p>
-          </p:txBody>
-        </p:sp>
-        <p:sp>
-          <p:nvSpPr>
-            <p:cNvPr id="24" name="Down Arrow 23"/>
-            <p:cNvSpPr/>
-            <p:nvPr/>
-          </p:nvSpPr>
-          <p:spPr>
-            <a:xfrm>
-              <a:off x="4038600" y="4114800"/>
-              <a:ext cx="304800" cy="304800"/>
-            </a:xfrm>
-            <a:prstGeom prst="downArrow">
-              <a:avLst/>
-            </a:prstGeom>
-          </p:spPr>
-          <p:style>
-            <a:lnRef idx="2">
-              <a:schemeClr val="accent3">
-                <a:shade val="50000"/>
-              </a:schemeClr>
-            </a:lnRef>
-            <a:fillRef idx="1">
-              <a:schemeClr val="accent3"/>
-            </a:fillRef>
-            <a:effectRef idx="0">
-              <a:schemeClr val="accent3"/>
-            </a:effectRef>
-            <a:fontRef idx="minor">
-              <a:schemeClr val="lt1"/>
-            </a:fontRef>
-          </p:style>
-          <p:txBody>
-            <a:bodyPr rtlCol="0" anchor="ctr"/>
-            <a:lstStyle/>
-            <a:p>
-              <a:pPr algn="ctr"/>
-              <a:endParaRPr lang="en-US"/>
-            </a:p>
-          </p:txBody>
-        </p:sp>
       </p:grpSp>
+      <p:sp>
+        <p:nvSpPr>
+          <p:cNvPr id="23" name="Rectangle 22"/>
+          <p:cNvSpPr/>
+          <p:nvPr/>
+        </p:nvSpPr>
+        <p:spPr>
+          <a:xfrm>
+            <a:off x="2514600" y="6553200"/>
+            <a:ext cx="4114800" cy="228600"/>
+          </a:xfrm>
+          <a:prstGeom prst="rect">
+            <a:avLst/>
+          </a:prstGeom>
+          <a:solidFill>
+            <a:schemeClr val="bg1"/>
+          </a:solidFill>
+          <a:ln>
+            <a:solidFill>
+              <a:schemeClr val="bg1"/>
+            </a:solidFill>
+          </a:ln>
+        </p:spPr>
+        <p:style>
+          <a:lnRef idx="2">
+            <a:schemeClr val="accent1">
+              <a:shade val="50000"/>
+            </a:schemeClr>
+          </a:lnRef>
+          <a:fillRef idx="1">
+            <a:schemeClr val="accent1"/>
+          </a:fillRef>
+          <a:effectRef idx="0">
+            <a:schemeClr val="accent1"/>
+          </a:effectRef>
+          <a:fontRef idx="minor">
+            <a:schemeClr val="lt1"/>
+          </a:fontRef>
+        </p:style>
+        <p:txBody>
+          <a:bodyPr rtlCol="0" anchor="ctr"/>
+          <a:lstStyle/>
+          <a:p>
+            <a:pPr algn="ctr"/>
+            <a:endParaRPr lang="en-US"/>
+          </a:p>
+        </p:txBody>
+      </p:sp>
     </p:spTree>
   </p:cSld>
   <p:clrMapOvr>
@@ -12307,7 +12404,7 @@
 </p:sld>
 </file>
 
-<file path=ppt/slides/slide34.xml><?xml version="1.0" encoding="utf-8"?>
+<file path=ppt/slides/slide33.xml><?xml version="1.0" encoding="utf-8"?>
 <p:sld xmlns:a="http://schemas.openxmlformats.org/drawingml/2006/main" xmlns:r="http://schemas.openxmlformats.org/officeDocument/2006/relationships" xmlns:p="http://schemas.openxmlformats.org/presentationml/2006/main">
   <p:cSld>
     <p:spTree>
@@ -12644,7 +12741,7 @@
 </p:sld>
 </file>
 
-<file path=ppt/slides/slide35.xml><?xml version="1.0" encoding="utf-8"?>
+<file path=ppt/slides/slide34.xml><?xml version="1.0" encoding="utf-8"?>
 <p:sld xmlns:a="http://schemas.openxmlformats.org/drawingml/2006/main" xmlns:r="http://schemas.openxmlformats.org/officeDocument/2006/relationships" xmlns:p="http://schemas.openxmlformats.org/presentationml/2006/main">
   <p:cSld>
     <p:spTree>
@@ -12722,61 +12819,278 @@
       </p:sp>
       <p:grpSp>
         <p:nvGrpSpPr>
-          <p:cNvPr id="9" name="Group 8"/>
+          <p:cNvPr id="36" name="Group 35"/>
           <p:cNvGrpSpPr/>
           <p:nvPr/>
         </p:nvGrpSpPr>
         <p:grpSpPr>
           <a:xfrm>
             <a:off x="304800" y="2286000"/>
-            <a:ext cx="1676400" cy="2590800"/>
-            <a:chOff x="3733800" y="2590800"/>
-            <a:chExt cx="1676400" cy="2590800"/>
+            <a:ext cx="1676400" cy="3509665"/>
+            <a:chOff x="304800" y="2286000"/>
+            <a:chExt cx="1676400" cy="3509665"/>
           </a:xfrm>
-          <a:scene3d>
-            <a:camera prst="perspectiveAbove"/>
-            <a:lightRig rig="threePt" dir="t"/>
-          </a:scene3d>
         </p:grpSpPr>
         <p:grpSp>
           <p:nvGrpSpPr>
-            <p:cNvPr id="10" name="Group 7"/>
+            <p:cNvPr id="9" name="Group 8"/>
             <p:cNvGrpSpPr/>
             <p:nvPr/>
           </p:nvGrpSpPr>
           <p:grpSpPr>
             <a:xfrm>
-              <a:off x="3733800" y="2590800"/>
+              <a:off x="304800" y="2286000"/>
               <a:ext cx="1676400" cy="2590800"/>
-              <a:chOff x="1219200" y="2667000"/>
+              <a:chOff x="3733800" y="2590800"/>
               <a:chExt cx="1676400" cy="2590800"/>
             </a:xfrm>
+            <a:scene3d>
+              <a:camera prst="perspectiveAbove"/>
+              <a:lightRig rig="threePt" dir="t"/>
+            </a:scene3d>
+          </p:grpSpPr>
+          <p:grpSp>
+            <p:nvGrpSpPr>
+              <p:cNvPr id="10" name="Group 7"/>
+              <p:cNvGrpSpPr/>
+              <p:nvPr/>
+            </p:nvGrpSpPr>
+            <p:grpSpPr>
+              <a:xfrm>
+                <a:off x="3733800" y="2590800"/>
+                <a:ext cx="1676400" cy="2590800"/>
+                <a:chOff x="1219200" y="2667000"/>
+                <a:chExt cx="1676400" cy="2590800"/>
+              </a:xfrm>
+            </p:grpSpPr>
+            <p:sp>
+              <p:nvSpPr>
+                <p:cNvPr id="12" name="Rectangle 11"/>
+                <p:cNvSpPr/>
+                <p:nvPr/>
+              </p:nvSpPr>
+              <p:spPr>
+                <a:xfrm>
+                  <a:off x="1219200" y="2667000"/>
+                  <a:ext cx="1676400" cy="990600"/>
+                </a:xfrm>
+                <a:prstGeom prst="rect">
+                  <a:avLst/>
+                </a:prstGeom>
+              </p:spPr>
+              <p:style>
+                <a:lnRef idx="2">
+                  <a:schemeClr val="accent1">
+                    <a:shade val="50000"/>
+                  </a:schemeClr>
+                </a:lnRef>
+                <a:fillRef idx="1">
+                  <a:schemeClr val="accent1"/>
+                </a:fillRef>
+                <a:effectRef idx="0">
+                  <a:schemeClr val="accent1"/>
+                </a:effectRef>
+                <a:fontRef idx="minor">
+                  <a:schemeClr val="lt1"/>
+                </a:fontRef>
+              </p:style>
+              <p:txBody>
+                <a:bodyPr rtlCol="0" anchor="ctr"/>
+                <a:lstStyle/>
+                <a:p>
+                  <a:pPr algn="ctr"/>
+                  <a:r>
+                    <a:rPr lang="en-US" dirty="0" smtClean="0"/>
+                    <a:t>Email Sending App</a:t>
+                  </a:r>
+                  <a:endParaRPr lang="en-US" dirty="0"/>
+                </a:p>
+              </p:txBody>
+            </p:sp>
+            <p:sp>
+              <p:nvSpPr>
+                <p:cNvPr id="13" name="Snip Single Corner Rectangle 12"/>
+                <p:cNvSpPr/>
+                <p:nvPr/>
+              </p:nvSpPr>
+              <p:spPr>
+                <a:xfrm>
+                  <a:off x="1219200" y="4267200"/>
+                  <a:ext cx="1676400" cy="990600"/>
+                </a:xfrm>
+                <a:prstGeom prst="snip1Rect">
+                  <a:avLst/>
+                </a:prstGeom>
+              </p:spPr>
+              <p:style>
+                <a:lnRef idx="2">
+                  <a:schemeClr val="accent1">
+                    <a:shade val="50000"/>
+                  </a:schemeClr>
+                </a:lnRef>
+                <a:fillRef idx="1">
+                  <a:schemeClr val="accent1"/>
+                </a:fillRef>
+                <a:effectRef idx="0">
+                  <a:schemeClr val="accent1"/>
+                </a:effectRef>
+                <a:fontRef idx="minor">
+                  <a:schemeClr val="lt1"/>
+                </a:fontRef>
+              </p:style>
+              <p:txBody>
+                <a:bodyPr rtlCol="0" anchor="ctr"/>
+                <a:lstStyle/>
+                <a:p>
+                  <a:pPr algn="ctr"/>
+                  <a:r>
+                    <a:rPr lang="en-US" dirty="0" smtClean="0"/>
+                    <a:t>File</a:t>
+                  </a:r>
+                  <a:endParaRPr lang="en-US" dirty="0"/>
+                </a:p>
+              </p:txBody>
+            </p:sp>
+          </p:grpSp>
+          <p:cxnSp>
+            <p:nvCxnSpPr>
+              <p:cNvPr id="11" name="Elbow Connector 10"/>
+              <p:cNvCxnSpPr>
+                <a:stCxn id="13" idx="3"/>
+                <a:endCxn id="12" idx="2"/>
+              </p:cNvCxnSpPr>
+              <p:nvPr/>
+            </p:nvCxnSpPr>
+            <p:spPr>
+              <a:xfrm rot="5400000" flipH="1" flipV="1">
+                <a:off x="4267200" y="3886200"/>
+                <a:ext cx="609600" cy="1588"/>
+              </a:xfrm>
+              <a:prstGeom prst="bentConnector3">
+                <a:avLst>
+                  <a:gd name="adj1" fmla="val 50000"/>
+                </a:avLst>
+              </a:prstGeom>
+              <a:ln>
+                <a:tailEnd type="arrow"/>
+              </a:ln>
+            </p:spPr>
+            <p:style>
+              <a:lnRef idx="1">
+                <a:schemeClr val="accent1"/>
+              </a:lnRef>
+              <a:fillRef idx="0">
+                <a:schemeClr val="accent1"/>
+              </a:fillRef>
+              <a:effectRef idx="0">
+                <a:schemeClr val="accent1"/>
+              </a:effectRef>
+              <a:fontRef idx="minor">
+                <a:schemeClr val="tx1"/>
+              </a:fontRef>
+            </p:style>
+          </p:cxnSp>
+        </p:grpSp>
+        <p:sp>
+          <p:nvSpPr>
+            <p:cNvPr id="38" name="TextBox 37"/>
+            <p:cNvSpPr txBox="1"/>
+            <p:nvPr/>
+          </p:nvSpPr>
+          <p:spPr>
+            <a:xfrm>
+              <a:off x="609600" y="5334000"/>
+              <a:ext cx="1009828" cy="461665"/>
+            </a:xfrm>
+            <a:prstGeom prst="rect">
+              <a:avLst/>
+            </a:prstGeom>
+          </p:spPr>
+          <p:style>
+            <a:lnRef idx="1">
+              <a:schemeClr val="accent2"/>
+            </a:lnRef>
+            <a:fillRef idx="3">
+              <a:schemeClr val="accent2"/>
+            </a:fillRef>
+            <a:effectRef idx="2">
+              <a:schemeClr val="accent2"/>
+            </a:effectRef>
+            <a:fontRef idx="minor">
+              <a:schemeClr val="lt1"/>
+            </a:fontRef>
+          </p:style>
+          <p:txBody>
+            <a:bodyPr wrap="none" rtlCol="0">
+              <a:spAutoFit/>
+            </a:bodyPr>
+            <a:lstStyle/>
+            <a:p>
+              <a:r>
+                <a:rPr lang="en-US" sz="2400" dirty="0" smtClean="0">
+                  <a:latin typeface="+mn-lt"/>
+                </a:rPr>
+                <a:t>Before</a:t>
+              </a:r>
+            </a:p>
+          </p:txBody>
+        </p:sp>
+      </p:grpSp>
+      <p:grpSp>
+        <p:nvGrpSpPr>
+          <p:cNvPr id="37" name="Group 36"/>
+          <p:cNvGrpSpPr/>
+          <p:nvPr/>
+        </p:nvGrpSpPr>
+        <p:grpSpPr>
+          <a:xfrm>
+            <a:off x="2895600" y="2026024"/>
+            <a:ext cx="5715000" cy="3841376"/>
+            <a:chOff x="2895600" y="2026024"/>
+            <a:chExt cx="5715000" cy="3841376"/>
+          </a:xfrm>
+        </p:grpSpPr>
+        <p:grpSp>
+          <p:nvGrpSpPr>
+            <p:cNvPr id="34" name="Group 33"/>
+            <p:cNvGrpSpPr/>
+            <p:nvPr/>
+          </p:nvGrpSpPr>
+          <p:grpSpPr>
+            <a:xfrm>
+              <a:off x="2895600" y="2026024"/>
+              <a:ext cx="5715000" cy="3841376"/>
+              <a:chOff x="2895600" y="2026024"/>
+              <a:chExt cx="5715000" cy="3841376"/>
+            </a:xfrm>
+            <a:scene3d>
+              <a:camera prst="perspectiveAbove"/>
+              <a:lightRig rig="threePt" dir="t"/>
+            </a:scene3d>
           </p:grpSpPr>
           <p:sp>
             <p:nvSpPr>
-              <p:cNvPr id="12" name="Rectangle 11"/>
+              <p:cNvPr id="50" name="Rectangle 49"/>
               <p:cNvSpPr/>
               <p:nvPr/>
             </p:nvSpPr>
             <p:spPr>
               <a:xfrm>
-                <a:off x="1219200" y="2667000"/>
-                <a:ext cx="1676400" cy="990600"/>
+                <a:off x="3505200" y="2362200"/>
+                <a:ext cx="3733800" cy="728382"/>
               </a:xfrm>
               <a:prstGeom prst="rect">
                 <a:avLst/>
               </a:prstGeom>
             </p:spPr>
             <p:style>
-              <a:lnRef idx="2">
-                <a:schemeClr val="accent1">
-                  <a:shade val="50000"/>
-                </a:schemeClr>
+              <a:lnRef idx="1">
+                <a:schemeClr val="accent1"/>
               </a:lnRef>
-              <a:fillRef idx="1">
+              <a:fillRef idx="3">
                 <a:schemeClr val="accent1"/>
               </a:fillRef>
-              <a:effectRef idx="0">
+              <a:effectRef idx="2">
                 <a:schemeClr val="accent1"/>
               </a:effectRef>
               <a:fontRef idx="minor">
@@ -12789,38 +13103,36 @@
               <a:p>
                 <a:pPr algn="ctr"/>
                 <a:r>
-                  <a:rPr lang="en-US" dirty="0" smtClean="0"/>
-                  <a:t>Email Sending App</a:t>
+                  <a:rPr lang="en-US" sz="1200" dirty="0" smtClean="0"/>
+                  <a:t>EmailProcessingService</a:t>
                 </a:r>
-                <a:endParaRPr lang="en-US" dirty="0"/>
+                <a:endParaRPr lang="en-US" sz="1200" dirty="0"/>
               </a:p>
             </p:txBody>
           </p:sp>
           <p:sp>
             <p:nvSpPr>
-              <p:cNvPr id="13" name="Snip Single Corner Rectangle 12"/>
+              <p:cNvPr id="33" name="Down Arrow Callout 32"/>
               <p:cNvSpPr/>
               <p:nvPr/>
             </p:nvSpPr>
             <p:spPr>
               <a:xfrm>
-                <a:off x="1219200" y="4267200"/>
-                <a:ext cx="1676400" cy="990600"/>
+                <a:off x="3505200" y="2026024"/>
+                <a:ext cx="1680882" cy="504265"/>
               </a:xfrm>
-              <a:prstGeom prst="snip1Rect">
+              <a:prstGeom prst="downArrowCallout">
                 <a:avLst/>
               </a:prstGeom>
             </p:spPr>
             <p:style>
-              <a:lnRef idx="2">
-                <a:schemeClr val="accent1">
-                  <a:shade val="50000"/>
-                </a:schemeClr>
+              <a:lnRef idx="1">
+                <a:schemeClr val="accent1"/>
               </a:lnRef>
-              <a:fillRef idx="1">
+              <a:fillRef idx="3">
                 <a:schemeClr val="accent1"/>
               </a:fillRef>
-              <a:effectRef idx="0">
+              <a:effectRef idx="2">
                 <a:schemeClr val="accent1"/>
               </a:effectRef>
               <a:fontRef idx="minor">
@@ -12833,81 +13145,759 @@
               <a:p>
                 <a:pPr algn="ctr"/>
                 <a:r>
-                  <a:rPr lang="en-US" dirty="0" smtClean="0"/>
-                  <a:t>File</a:t>
+                  <a:rPr lang="en-US" sz="1200" dirty="0" smtClean="0"/>
+                  <a:t>IMessageInfo</a:t>
                 </a:r>
-                <a:endParaRPr lang="en-US" dirty="0"/>
+              </a:p>
+              <a:p>
+                <a:pPr algn="ctr"/>
+                <a:r>
+                  <a:rPr lang="en-US" sz="1200" dirty="0" smtClean="0"/>
+                  <a:t>Retriever</a:t>
+                </a:r>
+                <a:endParaRPr lang="en-US" sz="1200" dirty="0"/>
               </a:p>
             </p:txBody>
           </p:sp>
+          <p:sp>
+            <p:nvSpPr>
+              <p:cNvPr id="49" name="Down Arrow Callout 48"/>
+              <p:cNvSpPr/>
+              <p:nvPr/>
+            </p:nvSpPr>
+            <p:spPr>
+              <a:xfrm>
+                <a:off x="5558118" y="2026024"/>
+                <a:ext cx="1680882" cy="504265"/>
+              </a:xfrm>
+              <a:prstGeom prst="downArrowCallout">
+                <a:avLst/>
+              </a:prstGeom>
+            </p:spPr>
+            <p:style>
+              <a:lnRef idx="1">
+                <a:schemeClr val="accent1"/>
+              </a:lnRef>
+              <a:fillRef idx="3">
+                <a:schemeClr val="accent1"/>
+              </a:fillRef>
+              <a:effectRef idx="2">
+                <a:schemeClr val="accent1"/>
+              </a:effectRef>
+              <a:fontRef idx="minor">
+                <a:schemeClr val="lt1"/>
+              </a:fontRef>
+            </p:style>
+            <p:txBody>
+              <a:bodyPr rtlCol="0" anchor="ctr"/>
+              <a:lstStyle/>
+              <a:p>
+                <a:pPr algn="ctr"/>
+                <a:r>
+                  <a:rPr lang="en-US" sz="1200" dirty="0" smtClean="0"/>
+                  <a:t>IEmailSender</a:t>
+                </a:r>
+                <a:endParaRPr lang="en-US" sz="1200" dirty="0"/>
+              </a:p>
+            </p:txBody>
+          </p:sp>
+          <p:sp>
+            <p:nvSpPr>
+              <p:cNvPr id="15" name="Rectangle 14"/>
+              <p:cNvSpPr/>
+              <p:nvPr/>
+            </p:nvSpPr>
+            <p:spPr>
+              <a:xfrm>
+                <a:off x="7377953" y="3738282"/>
+                <a:ext cx="1232647" cy="728382"/>
+              </a:xfrm>
+              <a:prstGeom prst="rect">
+                <a:avLst/>
+              </a:prstGeom>
+            </p:spPr>
+            <p:style>
+              <a:lnRef idx="1">
+                <a:schemeClr val="accent1"/>
+              </a:lnRef>
+              <a:fillRef idx="3">
+                <a:schemeClr val="accent1"/>
+              </a:fillRef>
+              <a:effectRef idx="2">
+                <a:schemeClr val="accent1"/>
+              </a:effectRef>
+              <a:fontRef idx="minor">
+                <a:schemeClr val="lt1"/>
+              </a:fontRef>
+            </p:style>
+            <p:txBody>
+              <a:bodyPr rtlCol="0" anchor="ctr"/>
+              <a:lstStyle/>
+              <a:p>
+                <a:pPr algn="ctr"/>
+                <a:r>
+                  <a:rPr lang="en-US" sz="1200" dirty="0" smtClean="0"/>
+                  <a:t>IMessage</a:t>
+                </a:r>
+              </a:p>
+              <a:p>
+                <a:pPr algn="ctr"/>
+                <a:r>
+                  <a:rPr lang="en-US" sz="1200" dirty="0" smtClean="0"/>
+                  <a:t>Info</a:t>
+                </a:r>
+              </a:p>
+              <a:p>
+                <a:pPr algn="ctr"/>
+                <a:r>
+                  <a:rPr lang="en-US" sz="1200" dirty="0" smtClean="0"/>
+                  <a:t>Retriever</a:t>
+                </a:r>
+                <a:endParaRPr lang="en-US" sz="1200" dirty="0"/>
+              </a:p>
+            </p:txBody>
+          </p:sp>
+          <p:sp>
+            <p:nvSpPr>
+              <p:cNvPr id="16" name="Snip Single Corner Rectangle 15"/>
+              <p:cNvSpPr/>
+              <p:nvPr/>
+            </p:nvSpPr>
+            <p:spPr>
+              <a:xfrm>
+                <a:off x="2895600" y="3290047"/>
+                <a:ext cx="1232647" cy="728382"/>
+              </a:xfrm>
+              <a:prstGeom prst="snip1Rect">
+                <a:avLst/>
+              </a:prstGeom>
+            </p:spPr>
+            <p:style>
+              <a:lnRef idx="1">
+                <a:schemeClr val="accent1"/>
+              </a:lnRef>
+              <a:fillRef idx="3">
+                <a:schemeClr val="accent1"/>
+              </a:fillRef>
+              <a:effectRef idx="2">
+                <a:schemeClr val="accent1"/>
+              </a:effectRef>
+              <a:fontRef idx="minor">
+                <a:schemeClr val="lt1"/>
+              </a:fontRef>
+            </p:style>
+            <p:txBody>
+              <a:bodyPr rtlCol="0" anchor="ctr"/>
+              <a:lstStyle/>
+              <a:p>
+                <a:pPr algn="ctr"/>
+                <a:r>
+                  <a:rPr lang="en-US" sz="1200" dirty="0" smtClean="0"/>
+                  <a:t>Flat File</a:t>
+                </a:r>
+                <a:endParaRPr lang="en-US" sz="1200" dirty="0"/>
+              </a:p>
+            </p:txBody>
+          </p:sp>
+          <p:sp>
+            <p:nvSpPr>
+              <p:cNvPr id="17" name="Snip Single Corner Rectangle 16"/>
+              <p:cNvSpPr/>
+              <p:nvPr/>
+            </p:nvSpPr>
+            <p:spPr>
+              <a:xfrm>
+                <a:off x="2895600" y="4186518"/>
+                <a:ext cx="1232647" cy="728382"/>
+              </a:xfrm>
+              <a:prstGeom prst="snip1Rect">
+                <a:avLst/>
+              </a:prstGeom>
+            </p:spPr>
+            <p:style>
+              <a:lnRef idx="1">
+                <a:schemeClr val="accent1"/>
+              </a:lnRef>
+              <a:fillRef idx="3">
+                <a:schemeClr val="accent1"/>
+              </a:fillRef>
+              <a:effectRef idx="2">
+                <a:schemeClr val="accent1"/>
+              </a:effectRef>
+              <a:fontRef idx="minor">
+                <a:schemeClr val="lt1"/>
+              </a:fontRef>
+            </p:style>
+            <p:txBody>
+              <a:bodyPr rtlCol="0" anchor="ctr"/>
+              <a:lstStyle/>
+              <a:p>
+                <a:pPr algn="ctr"/>
+                <a:r>
+                  <a:rPr lang="en-US" sz="1200" dirty="0" smtClean="0"/>
+                  <a:t>XML File</a:t>
+                </a:r>
+                <a:endParaRPr lang="en-US" sz="1200" dirty="0"/>
+              </a:p>
+            </p:txBody>
+          </p:sp>
+          <p:cxnSp>
+            <p:nvCxnSpPr>
+              <p:cNvPr id="18" name="Elbow Connector 17"/>
+              <p:cNvCxnSpPr>
+                <a:stCxn id="16" idx="0"/>
+                <a:endCxn id="20" idx="1"/>
+              </p:cNvCxnSpPr>
+              <p:nvPr/>
+            </p:nvCxnSpPr>
+            <p:spPr>
+              <a:xfrm>
+                <a:off x="4128247" y="3654238"/>
+                <a:ext cx="392206" cy="896471"/>
+              </a:xfrm>
+              <a:prstGeom prst="bentConnector3">
+                <a:avLst>
+                  <a:gd name="adj1" fmla="val 50000"/>
+                </a:avLst>
+              </a:prstGeom>
+              <a:ln>
+                <a:tailEnd type="arrow"/>
+              </a:ln>
+            </p:spPr>
+            <p:style>
+              <a:lnRef idx="1">
+                <a:schemeClr val="accent1"/>
+              </a:lnRef>
+              <a:fillRef idx="3">
+                <a:schemeClr val="accent1"/>
+              </a:fillRef>
+              <a:effectRef idx="2">
+                <a:schemeClr val="accent1"/>
+              </a:effectRef>
+              <a:fontRef idx="minor">
+                <a:schemeClr val="lt1"/>
+              </a:fontRef>
+            </p:style>
+          </p:cxnSp>
+          <p:cxnSp>
+            <p:nvCxnSpPr>
+              <p:cNvPr id="19" name="Elbow Connector 18"/>
+              <p:cNvCxnSpPr>
+                <a:stCxn id="17" idx="0"/>
+                <a:endCxn id="20" idx="1"/>
+              </p:cNvCxnSpPr>
+              <p:nvPr/>
+            </p:nvCxnSpPr>
+            <p:spPr>
+              <a:xfrm>
+                <a:off x="4128247" y="4550709"/>
+                <a:ext cx="392206" cy="1168"/>
+              </a:xfrm>
+              <a:prstGeom prst="bentConnector3">
+                <a:avLst>
+                  <a:gd name="adj1" fmla="val 50000"/>
+                </a:avLst>
+              </a:prstGeom>
+              <a:ln>
+                <a:tailEnd type="arrow"/>
+              </a:ln>
+            </p:spPr>
+            <p:style>
+              <a:lnRef idx="1">
+                <a:schemeClr val="accent1"/>
+              </a:lnRef>
+              <a:fillRef idx="3">
+                <a:schemeClr val="accent1"/>
+              </a:fillRef>
+              <a:effectRef idx="2">
+                <a:schemeClr val="accent1"/>
+              </a:effectRef>
+              <a:fontRef idx="minor">
+                <a:schemeClr val="lt1"/>
+              </a:fontRef>
+            </p:style>
+          </p:cxnSp>
+          <p:sp>
+            <p:nvSpPr>
+              <p:cNvPr id="20" name="Rectangle 19"/>
+              <p:cNvSpPr/>
+              <p:nvPr/>
+            </p:nvSpPr>
+            <p:spPr>
+              <a:xfrm>
+                <a:off x="4520453" y="4186518"/>
+                <a:ext cx="1232647" cy="728382"/>
+              </a:xfrm>
+              <a:prstGeom prst="rect">
+                <a:avLst/>
+              </a:prstGeom>
+            </p:spPr>
+            <p:style>
+              <a:lnRef idx="1">
+                <a:schemeClr val="accent1"/>
+              </a:lnRef>
+              <a:fillRef idx="3">
+                <a:schemeClr val="accent1"/>
+              </a:fillRef>
+              <a:effectRef idx="2">
+                <a:schemeClr val="accent1"/>
+              </a:effectRef>
+              <a:fontRef idx="minor">
+                <a:schemeClr val="lt1"/>
+              </a:fontRef>
+            </p:style>
+            <p:txBody>
+              <a:bodyPr rtlCol="0" anchor="ctr"/>
+              <a:lstStyle/>
+              <a:p>
+                <a:pPr algn="ctr"/>
+                <a:r>
+                  <a:rPr lang="en-US" sz="1200" dirty="0" smtClean="0"/>
+                  <a:t>IFileFormat Reader</a:t>
+                </a:r>
+                <a:endParaRPr lang="en-US" sz="1200" dirty="0"/>
+              </a:p>
+            </p:txBody>
+          </p:sp>
+          <p:cxnSp>
+            <p:nvCxnSpPr>
+              <p:cNvPr id="21" name="Elbow Connector 20"/>
+              <p:cNvCxnSpPr>
+                <a:stCxn id="22" idx="3"/>
+                <a:endCxn id="15" idx="1"/>
+              </p:cNvCxnSpPr>
+              <p:nvPr/>
+            </p:nvCxnSpPr>
+            <p:spPr>
+              <a:xfrm flipV="1">
+                <a:off x="7209865" y="4102474"/>
+                <a:ext cx="168088" cy="448235"/>
+              </a:xfrm>
+              <a:prstGeom prst="bentConnector3">
+                <a:avLst>
+                  <a:gd name="adj1" fmla="val 50000"/>
+                </a:avLst>
+              </a:prstGeom>
+              <a:ln>
+                <a:tailEnd type="arrow"/>
+              </a:ln>
+            </p:spPr>
+            <p:style>
+              <a:lnRef idx="1">
+                <a:schemeClr val="accent1"/>
+              </a:lnRef>
+              <a:fillRef idx="3">
+                <a:schemeClr val="accent1"/>
+              </a:fillRef>
+              <a:effectRef idx="2">
+                <a:schemeClr val="accent1"/>
+              </a:effectRef>
+              <a:fontRef idx="minor">
+                <a:schemeClr val="lt1"/>
+              </a:fontRef>
+            </p:style>
+          </p:cxnSp>
+          <p:sp>
+            <p:nvSpPr>
+              <p:cNvPr id="22" name="Rectangle 21"/>
+              <p:cNvSpPr/>
+              <p:nvPr/>
+            </p:nvSpPr>
+            <p:spPr>
+              <a:xfrm>
+                <a:off x="5977218" y="4186518"/>
+                <a:ext cx="1232647" cy="728382"/>
+              </a:xfrm>
+              <a:prstGeom prst="rect">
+                <a:avLst/>
+              </a:prstGeom>
+            </p:spPr>
+            <p:style>
+              <a:lnRef idx="1">
+                <a:schemeClr val="accent1"/>
+              </a:lnRef>
+              <a:fillRef idx="3">
+                <a:schemeClr val="accent1"/>
+              </a:fillRef>
+              <a:effectRef idx="2">
+                <a:schemeClr val="accent1"/>
+              </a:effectRef>
+              <a:fontRef idx="minor">
+                <a:schemeClr val="lt1"/>
+              </a:fontRef>
+            </p:style>
+            <p:txBody>
+              <a:bodyPr rtlCol="0" anchor="ctr"/>
+              <a:lstStyle/>
+              <a:p>
+                <a:pPr algn="ctr"/>
+                <a:r>
+                  <a:rPr lang="en-US" sz="1200" dirty="0" smtClean="0"/>
+                  <a:t>FileReader</a:t>
+                </a:r>
+              </a:p>
+              <a:p>
+                <a:pPr algn="ctr"/>
+                <a:r>
+                  <a:rPr lang="en-US" sz="1200" dirty="0" smtClean="0"/>
+                  <a:t>Service</a:t>
+                </a:r>
+                <a:endParaRPr lang="en-US" sz="1200" dirty="0"/>
+              </a:p>
+            </p:txBody>
+          </p:sp>
+          <p:cxnSp>
+            <p:nvCxnSpPr>
+              <p:cNvPr id="23" name="Elbow Connector 22"/>
+              <p:cNvCxnSpPr>
+                <a:stCxn id="20" idx="3"/>
+                <a:endCxn id="22" idx="1"/>
+              </p:cNvCxnSpPr>
+              <p:nvPr/>
+            </p:nvCxnSpPr>
+            <p:spPr>
+              <a:xfrm>
+                <a:off x="5753100" y="4550709"/>
+                <a:ext cx="224118" cy="1168"/>
+              </a:xfrm>
+              <a:prstGeom prst="bentConnector3">
+                <a:avLst>
+                  <a:gd name="adj1" fmla="val 50000"/>
+                </a:avLst>
+              </a:prstGeom>
+              <a:ln>
+                <a:tailEnd type="arrow"/>
+              </a:ln>
+            </p:spPr>
+            <p:style>
+              <a:lnRef idx="1">
+                <a:schemeClr val="accent1"/>
+              </a:lnRef>
+              <a:fillRef idx="3">
+                <a:schemeClr val="accent1"/>
+              </a:fillRef>
+              <a:effectRef idx="2">
+                <a:schemeClr val="accent1"/>
+              </a:effectRef>
+              <a:fontRef idx="minor">
+                <a:schemeClr val="lt1"/>
+              </a:fontRef>
+            </p:style>
+          </p:cxnSp>
+          <p:sp>
+            <p:nvSpPr>
+              <p:cNvPr id="24" name="Can 23"/>
+              <p:cNvSpPr/>
+              <p:nvPr/>
+            </p:nvSpPr>
+            <p:spPr>
+              <a:xfrm>
+                <a:off x="4632512" y="3234018"/>
+                <a:ext cx="896471" cy="728382"/>
+              </a:xfrm>
+              <a:prstGeom prst="can">
+                <a:avLst/>
+              </a:prstGeom>
+            </p:spPr>
+            <p:style>
+              <a:lnRef idx="1">
+                <a:schemeClr val="accent1"/>
+              </a:lnRef>
+              <a:fillRef idx="3">
+                <a:schemeClr val="accent1"/>
+              </a:fillRef>
+              <a:effectRef idx="2">
+                <a:schemeClr val="accent1"/>
+              </a:effectRef>
+              <a:fontRef idx="minor">
+                <a:schemeClr val="lt1"/>
+              </a:fontRef>
+            </p:style>
+            <p:txBody>
+              <a:bodyPr rtlCol="0" anchor="ctr"/>
+              <a:lstStyle/>
+              <a:p>
+                <a:pPr algn="ctr"/>
+                <a:r>
+                  <a:rPr lang="en-US" sz="1200" dirty="0" smtClean="0"/>
+                  <a:t>Database</a:t>
+                </a:r>
+                <a:endParaRPr lang="en-US" sz="1200" dirty="0"/>
+              </a:p>
+            </p:txBody>
+          </p:sp>
+          <p:cxnSp>
+            <p:nvCxnSpPr>
+              <p:cNvPr id="25" name="Elbow Connector 24"/>
+              <p:cNvCxnSpPr>
+                <a:stCxn id="24" idx="4"/>
+                <a:endCxn id="26" idx="1"/>
+              </p:cNvCxnSpPr>
+              <p:nvPr/>
+            </p:nvCxnSpPr>
+            <p:spPr>
+              <a:xfrm>
+                <a:off x="5528982" y="3598209"/>
+                <a:ext cx="448235" cy="1168"/>
+              </a:xfrm>
+              <a:prstGeom prst="bentConnector3">
+                <a:avLst>
+                  <a:gd name="adj1" fmla="val 50000"/>
+                </a:avLst>
+              </a:prstGeom>
+              <a:ln>
+                <a:tailEnd type="arrow"/>
+              </a:ln>
+            </p:spPr>
+            <p:style>
+              <a:lnRef idx="1">
+                <a:schemeClr val="accent1"/>
+              </a:lnRef>
+              <a:fillRef idx="3">
+                <a:schemeClr val="accent1"/>
+              </a:fillRef>
+              <a:effectRef idx="2">
+                <a:schemeClr val="accent1"/>
+              </a:effectRef>
+              <a:fontRef idx="minor">
+                <a:schemeClr val="lt1"/>
+              </a:fontRef>
+            </p:style>
+          </p:cxnSp>
+          <p:sp>
+            <p:nvSpPr>
+              <p:cNvPr id="26" name="Rectangle 25"/>
+              <p:cNvSpPr/>
+              <p:nvPr/>
+            </p:nvSpPr>
+            <p:spPr>
+              <a:xfrm>
+                <a:off x="5977218" y="3234018"/>
+                <a:ext cx="1232647" cy="728382"/>
+              </a:xfrm>
+              <a:prstGeom prst="rect">
+                <a:avLst/>
+              </a:prstGeom>
+            </p:spPr>
+            <p:style>
+              <a:lnRef idx="1">
+                <a:schemeClr val="accent1"/>
+              </a:lnRef>
+              <a:fillRef idx="3">
+                <a:schemeClr val="accent1"/>
+              </a:fillRef>
+              <a:effectRef idx="2">
+                <a:schemeClr val="accent1"/>
+              </a:effectRef>
+              <a:fontRef idx="minor">
+                <a:schemeClr val="lt1"/>
+              </a:fontRef>
+            </p:style>
+            <p:txBody>
+              <a:bodyPr rtlCol="0" anchor="ctr"/>
+              <a:lstStyle/>
+              <a:p>
+                <a:pPr algn="ctr"/>
+                <a:r>
+                  <a:rPr lang="en-US" sz="1200" dirty="0" smtClean="0"/>
+                  <a:t>Database</a:t>
+                </a:r>
+              </a:p>
+              <a:p>
+                <a:pPr algn="ctr"/>
+                <a:r>
+                  <a:rPr lang="en-US" sz="1200" dirty="0" smtClean="0"/>
+                  <a:t>Reader</a:t>
+                </a:r>
+              </a:p>
+              <a:p>
+                <a:pPr algn="ctr"/>
+                <a:r>
+                  <a:rPr lang="en-US" sz="1200" dirty="0" smtClean="0"/>
+                  <a:t>Service</a:t>
+                </a:r>
+                <a:endParaRPr lang="en-US" sz="1200" dirty="0"/>
+              </a:p>
+            </p:txBody>
+          </p:sp>
+          <p:cxnSp>
+            <p:nvCxnSpPr>
+              <p:cNvPr id="27" name="Elbow Connector 26"/>
+              <p:cNvCxnSpPr>
+                <a:stCxn id="26" idx="3"/>
+                <a:endCxn id="15" idx="1"/>
+              </p:cNvCxnSpPr>
+              <p:nvPr/>
+            </p:nvCxnSpPr>
+            <p:spPr>
+              <a:xfrm>
+                <a:off x="7209865" y="3598209"/>
+                <a:ext cx="168088" cy="504265"/>
+              </a:xfrm>
+              <a:prstGeom prst="bentConnector3">
+                <a:avLst>
+                  <a:gd name="adj1" fmla="val 50000"/>
+                </a:avLst>
+              </a:prstGeom>
+              <a:ln>
+                <a:tailEnd type="arrow"/>
+              </a:ln>
+            </p:spPr>
+            <p:style>
+              <a:lnRef idx="1">
+                <a:schemeClr val="accent1"/>
+              </a:lnRef>
+              <a:fillRef idx="3">
+                <a:schemeClr val="accent1"/>
+              </a:fillRef>
+              <a:effectRef idx="2">
+                <a:schemeClr val="accent1"/>
+              </a:effectRef>
+              <a:fontRef idx="minor">
+                <a:schemeClr val="lt1"/>
+              </a:fontRef>
+            </p:style>
+          </p:cxnSp>
+          <p:sp>
+            <p:nvSpPr>
+              <p:cNvPr id="28" name="Rectangle 27"/>
+              <p:cNvSpPr/>
+              <p:nvPr/>
+            </p:nvSpPr>
+            <p:spPr>
+              <a:xfrm>
+                <a:off x="7377953" y="5139018"/>
+                <a:ext cx="1232647" cy="728382"/>
+              </a:xfrm>
+              <a:prstGeom prst="rect">
+                <a:avLst/>
+              </a:prstGeom>
+            </p:spPr>
+            <p:style>
+              <a:lnRef idx="1">
+                <a:schemeClr val="accent1"/>
+              </a:lnRef>
+              <a:fillRef idx="3">
+                <a:schemeClr val="accent1"/>
+              </a:fillRef>
+              <a:effectRef idx="2">
+                <a:schemeClr val="accent1"/>
+              </a:effectRef>
+              <a:fontRef idx="minor">
+                <a:schemeClr val="lt1"/>
+              </a:fontRef>
+            </p:style>
+            <p:txBody>
+              <a:bodyPr rtlCol="0" anchor="ctr"/>
+              <a:lstStyle/>
+              <a:p>
+                <a:pPr algn="ctr"/>
+                <a:r>
+                  <a:rPr lang="en-US" sz="1200" dirty="0" smtClean="0"/>
+                  <a:t>IEmail</a:t>
+                </a:r>
+              </a:p>
+              <a:p>
+                <a:pPr algn="ctr"/>
+                <a:r>
+                  <a:rPr lang="en-US" sz="1200" dirty="0" smtClean="0"/>
+                  <a:t>Service</a:t>
+                </a:r>
+                <a:endParaRPr lang="en-US" sz="1200" dirty="0"/>
+              </a:p>
+            </p:txBody>
+          </p:sp>
+          <p:sp>
+            <p:nvSpPr>
+              <p:cNvPr id="29" name="Rectangle 28"/>
+              <p:cNvSpPr/>
+              <p:nvPr/>
+            </p:nvSpPr>
+            <p:spPr>
+              <a:xfrm>
+                <a:off x="5977218" y="5139018"/>
+                <a:ext cx="1232647" cy="728382"/>
+              </a:xfrm>
+              <a:prstGeom prst="rect">
+                <a:avLst/>
+              </a:prstGeom>
+            </p:spPr>
+            <p:style>
+              <a:lnRef idx="1">
+                <a:schemeClr val="accent1"/>
+              </a:lnRef>
+              <a:fillRef idx="3">
+                <a:schemeClr val="accent1"/>
+              </a:fillRef>
+              <a:effectRef idx="2">
+                <a:schemeClr val="accent1"/>
+              </a:effectRef>
+              <a:fontRef idx="minor">
+                <a:schemeClr val="lt1"/>
+              </a:fontRef>
+            </p:style>
+            <p:txBody>
+              <a:bodyPr rtlCol="0" anchor="ctr"/>
+              <a:lstStyle/>
+              <a:p>
+                <a:pPr algn="ctr"/>
+                <a:r>
+                  <a:rPr lang="en-US" sz="1200" dirty="0" smtClean="0"/>
+                  <a:t>EmailService</a:t>
+                </a:r>
+                <a:endParaRPr lang="en-US" sz="1200" dirty="0"/>
+              </a:p>
+            </p:txBody>
+          </p:sp>
+          <p:cxnSp>
+            <p:nvCxnSpPr>
+              <p:cNvPr id="31" name="Elbow Connector 30"/>
+              <p:cNvCxnSpPr>
+                <a:stCxn id="29" idx="3"/>
+                <a:endCxn id="28" idx="1"/>
+              </p:cNvCxnSpPr>
+              <p:nvPr/>
+            </p:nvCxnSpPr>
+            <p:spPr>
+              <a:xfrm>
+                <a:off x="7209865" y="5503209"/>
+                <a:ext cx="168088" cy="1168"/>
+              </a:xfrm>
+              <a:prstGeom prst="bentConnector3">
+                <a:avLst>
+                  <a:gd name="adj1" fmla="val 50000"/>
+                </a:avLst>
+              </a:prstGeom>
+              <a:ln>
+                <a:tailEnd type="arrow"/>
+              </a:ln>
+            </p:spPr>
+            <p:style>
+              <a:lnRef idx="1">
+                <a:schemeClr val="accent1"/>
+              </a:lnRef>
+              <a:fillRef idx="0">
+                <a:schemeClr val="accent1"/>
+              </a:fillRef>
+              <a:effectRef idx="0">
+                <a:schemeClr val="accent1"/>
+              </a:effectRef>
+              <a:fontRef idx="minor">
+                <a:schemeClr val="tx1"/>
+              </a:fontRef>
+            </p:style>
+          </p:cxnSp>
         </p:grpSp>
-        <p:cxnSp>
-          <p:nvCxnSpPr>
-            <p:cNvPr id="11" name="Elbow Connector 10"/>
-            <p:cNvCxnSpPr>
-              <a:stCxn id="13" idx="3"/>
-              <a:endCxn id="12" idx="2"/>
-            </p:cNvCxnSpPr>
-            <p:nvPr/>
-          </p:nvCxnSpPr>
-          <p:spPr>
-            <a:xfrm rot="5400000" flipH="1" flipV="1">
-              <a:off x="4267200" y="3886200"/>
-              <a:ext cx="609600" cy="1588"/>
-            </a:xfrm>
-            <a:prstGeom prst="bentConnector3">
-              <a:avLst>
-                <a:gd name="adj1" fmla="val 50000"/>
-              </a:avLst>
-            </a:prstGeom>
-            <a:ln>
-              <a:tailEnd type="arrow"/>
-            </a:ln>
-          </p:spPr>
-          <p:style>
-            <a:lnRef idx="1">
-              <a:schemeClr val="accent1"/>
-            </a:lnRef>
-            <a:fillRef idx="0">
-              <a:schemeClr val="accent1"/>
-            </a:fillRef>
-            <a:effectRef idx="0">
-              <a:schemeClr val="accent1"/>
-            </a:effectRef>
-            <a:fontRef idx="minor">
-              <a:schemeClr val="tx1"/>
-            </a:fontRef>
-          </p:style>
-        </p:cxnSp>
-      </p:grpSp>
-      <p:grpSp>
-        <p:nvGrpSpPr>
-          <p:cNvPr id="34" name="Group 33"/>
-          <p:cNvGrpSpPr/>
-          <p:nvPr/>
-        </p:nvGrpSpPr>
-        <p:grpSpPr>
-          <a:xfrm>
-            <a:off x="2895600" y="2026024"/>
-            <a:ext cx="5715000" cy="3841376"/>
-            <a:chOff x="2895600" y="2026024"/>
-            <a:chExt cx="5715000" cy="3841376"/>
-          </a:xfrm>
-          <a:scene3d>
-            <a:camera prst="perspectiveAbove"/>
-            <a:lightRig rig="threePt" dir="t"/>
-          </a:scene3d>
-        </p:grpSpPr>
         <p:sp>
           <p:nvSpPr>
-            <p:cNvPr id="50" name="Rectangle 49"/>
-            <p:cNvSpPr/>
+            <p:cNvPr id="39" name="TextBox 38"/>
+            <p:cNvSpPr txBox="1"/>
             <p:nvPr/>
           </p:nvSpPr>
           <p:spPr>
             <a:xfrm>
-              <a:off x="3505200" y="2362200"/>
-              <a:ext cx="3733800" cy="728382"/>
+              <a:off x="3886200" y="5334000"/>
+              <a:ext cx="817724" cy="461665"/>
             </a:xfrm>
             <a:prstGeom prst="rect">
               <a:avLst/>
@@ -12915,966 +13905,113 @@
           </p:spPr>
           <p:style>
             <a:lnRef idx="1">
-              <a:schemeClr val="accent1"/>
+              <a:schemeClr val="accent3"/>
             </a:lnRef>
             <a:fillRef idx="3">
-              <a:schemeClr val="accent1"/>
+              <a:schemeClr val="accent3"/>
             </a:fillRef>
             <a:effectRef idx="2">
-              <a:schemeClr val="accent1"/>
+              <a:schemeClr val="accent3"/>
             </a:effectRef>
             <a:fontRef idx="minor">
               <a:schemeClr val="lt1"/>
             </a:fontRef>
           </p:style>
           <p:txBody>
-            <a:bodyPr rtlCol="0" anchor="ctr"/>
+            <a:bodyPr wrap="none" rtlCol="0">
+              <a:spAutoFit/>
+            </a:bodyPr>
             <a:lstStyle/>
             <a:p>
-              <a:pPr algn="ctr"/>
               <a:r>
-                <a:rPr lang="en-US" sz="1200" dirty="0" err="1" smtClean="0"/>
-                <a:t>EmailProcessingService</a:t>
+                <a:rPr lang="en-US" sz="2400" dirty="0" smtClean="0">
+                  <a:latin typeface="+mn-lt"/>
+                </a:rPr>
+                <a:t>After</a:t>
               </a:r>
-              <a:endParaRPr lang="en-US" sz="1200" dirty="0"/>
             </a:p>
           </p:txBody>
         </p:sp>
-        <p:sp>
-          <p:nvSpPr>
-            <p:cNvPr id="33" name="Down Arrow Callout 32"/>
-            <p:cNvSpPr/>
-            <p:nvPr/>
-          </p:nvSpPr>
-          <p:spPr>
-            <a:xfrm>
-              <a:off x="3505200" y="2026024"/>
-              <a:ext cx="1680882" cy="504265"/>
-            </a:xfrm>
-            <a:prstGeom prst="downArrowCallout">
-              <a:avLst/>
-            </a:prstGeom>
-          </p:spPr>
-          <p:style>
-            <a:lnRef idx="1">
-              <a:schemeClr val="accent1"/>
-            </a:lnRef>
-            <a:fillRef idx="3">
-              <a:schemeClr val="accent1"/>
-            </a:fillRef>
-            <a:effectRef idx="2">
-              <a:schemeClr val="accent1"/>
-            </a:effectRef>
-            <a:fontRef idx="minor">
-              <a:schemeClr val="lt1"/>
-            </a:fontRef>
-          </p:style>
-          <p:txBody>
-            <a:bodyPr rtlCol="0" anchor="ctr"/>
-            <a:lstStyle/>
-            <a:p>
-              <a:pPr algn="ctr"/>
-              <a:r>
-                <a:rPr lang="en-US" sz="1200" dirty="0" err="1" smtClean="0"/>
-                <a:t>IMessageInfo</a:t>
-              </a:r>
-              <a:endParaRPr lang="en-US" sz="1200" dirty="0" smtClean="0"/>
-            </a:p>
-            <a:p>
-              <a:pPr algn="ctr"/>
-              <a:r>
-                <a:rPr lang="en-US" sz="1200" dirty="0" smtClean="0"/>
-                <a:t>Retriever</a:t>
-              </a:r>
-              <a:endParaRPr lang="en-US" sz="1200" dirty="0"/>
-            </a:p>
-          </p:txBody>
-        </p:sp>
-        <p:sp>
-          <p:nvSpPr>
-            <p:cNvPr id="49" name="Down Arrow Callout 48"/>
-            <p:cNvSpPr/>
-            <p:nvPr/>
-          </p:nvSpPr>
-          <p:spPr>
-            <a:xfrm>
-              <a:off x="5558118" y="2026024"/>
-              <a:ext cx="1680882" cy="504265"/>
-            </a:xfrm>
-            <a:prstGeom prst="downArrowCallout">
-              <a:avLst/>
-            </a:prstGeom>
-          </p:spPr>
-          <p:style>
-            <a:lnRef idx="1">
-              <a:schemeClr val="accent1"/>
-            </a:lnRef>
-            <a:fillRef idx="3">
-              <a:schemeClr val="accent1"/>
-            </a:fillRef>
-            <a:effectRef idx="2">
-              <a:schemeClr val="accent1"/>
-            </a:effectRef>
-            <a:fontRef idx="minor">
-              <a:schemeClr val="lt1"/>
-            </a:fontRef>
-          </p:style>
-          <p:txBody>
-            <a:bodyPr rtlCol="0" anchor="ctr"/>
-            <a:lstStyle/>
-            <a:p>
-              <a:pPr algn="ctr"/>
-              <a:r>
-                <a:rPr lang="en-US" sz="1200" dirty="0" err="1" smtClean="0"/>
-                <a:t>IEmailSender</a:t>
-              </a:r>
-              <a:endParaRPr lang="en-US" sz="1200" dirty="0"/>
-            </a:p>
-          </p:txBody>
-        </p:sp>
-        <p:sp>
-          <p:nvSpPr>
-            <p:cNvPr id="15" name="Rectangle 14"/>
-            <p:cNvSpPr/>
-            <p:nvPr/>
-          </p:nvSpPr>
-          <p:spPr>
-            <a:xfrm>
-              <a:off x="7377953" y="3738282"/>
-              <a:ext cx="1232647" cy="728382"/>
-            </a:xfrm>
-            <a:prstGeom prst="rect">
-              <a:avLst/>
-            </a:prstGeom>
-          </p:spPr>
-          <p:style>
-            <a:lnRef idx="1">
-              <a:schemeClr val="accent1"/>
-            </a:lnRef>
-            <a:fillRef idx="3">
-              <a:schemeClr val="accent1"/>
-            </a:fillRef>
-            <a:effectRef idx="2">
-              <a:schemeClr val="accent1"/>
-            </a:effectRef>
-            <a:fontRef idx="minor">
-              <a:schemeClr val="lt1"/>
-            </a:fontRef>
-          </p:style>
-          <p:txBody>
-            <a:bodyPr rtlCol="0" anchor="ctr"/>
-            <a:lstStyle/>
-            <a:p>
-              <a:pPr algn="ctr"/>
-              <a:r>
-                <a:rPr lang="en-US" sz="1200" dirty="0" err="1" smtClean="0"/>
-                <a:t>IMessage</a:t>
-              </a:r>
-              <a:endParaRPr lang="en-US" sz="1200" dirty="0" smtClean="0"/>
-            </a:p>
-            <a:p>
-              <a:pPr algn="ctr"/>
-              <a:r>
-                <a:rPr lang="en-US" sz="1200" dirty="0" smtClean="0"/>
-                <a:t>Info</a:t>
-              </a:r>
-            </a:p>
-            <a:p>
-              <a:pPr algn="ctr"/>
-              <a:r>
-                <a:rPr lang="en-US" sz="1200" dirty="0" smtClean="0"/>
-                <a:t>Retriever</a:t>
-              </a:r>
-              <a:endParaRPr lang="en-US" sz="1200" dirty="0"/>
-            </a:p>
-          </p:txBody>
-        </p:sp>
-        <p:sp>
-          <p:nvSpPr>
-            <p:cNvPr id="16" name="Snip Single Corner Rectangle 15"/>
-            <p:cNvSpPr/>
-            <p:nvPr/>
-          </p:nvSpPr>
-          <p:spPr>
-            <a:xfrm>
-              <a:off x="2895600" y="3290047"/>
-              <a:ext cx="1232647" cy="728382"/>
-            </a:xfrm>
-            <a:prstGeom prst="snip1Rect">
-              <a:avLst/>
-            </a:prstGeom>
-          </p:spPr>
-          <p:style>
-            <a:lnRef idx="1">
-              <a:schemeClr val="accent1"/>
-            </a:lnRef>
-            <a:fillRef idx="3">
-              <a:schemeClr val="accent1"/>
-            </a:fillRef>
-            <a:effectRef idx="2">
-              <a:schemeClr val="accent1"/>
-            </a:effectRef>
-            <a:fontRef idx="minor">
-              <a:schemeClr val="lt1"/>
-            </a:fontRef>
-          </p:style>
-          <p:txBody>
-            <a:bodyPr rtlCol="0" anchor="ctr"/>
-            <a:lstStyle/>
-            <a:p>
-              <a:pPr algn="ctr"/>
-              <a:r>
-                <a:rPr lang="en-US" sz="1200" dirty="0" smtClean="0"/>
-                <a:t>Flat File</a:t>
-              </a:r>
-              <a:endParaRPr lang="en-US" sz="1200" dirty="0"/>
-            </a:p>
-          </p:txBody>
-        </p:sp>
-        <p:sp>
-          <p:nvSpPr>
-            <p:cNvPr id="17" name="Snip Single Corner Rectangle 16"/>
-            <p:cNvSpPr/>
-            <p:nvPr/>
-          </p:nvSpPr>
-          <p:spPr>
-            <a:xfrm>
-              <a:off x="2895600" y="4186518"/>
-              <a:ext cx="1232647" cy="728382"/>
-            </a:xfrm>
-            <a:prstGeom prst="snip1Rect">
-              <a:avLst/>
-            </a:prstGeom>
-          </p:spPr>
-          <p:style>
-            <a:lnRef idx="1">
-              <a:schemeClr val="accent1"/>
-            </a:lnRef>
-            <a:fillRef idx="3">
-              <a:schemeClr val="accent1"/>
-            </a:fillRef>
-            <a:effectRef idx="2">
-              <a:schemeClr val="accent1"/>
-            </a:effectRef>
-            <a:fontRef idx="minor">
-              <a:schemeClr val="lt1"/>
-            </a:fontRef>
-          </p:style>
-          <p:txBody>
-            <a:bodyPr rtlCol="0" anchor="ctr"/>
-            <a:lstStyle/>
-            <a:p>
-              <a:pPr algn="ctr"/>
-              <a:r>
-                <a:rPr lang="en-US" sz="1200" dirty="0" smtClean="0"/>
-                <a:t>XML File</a:t>
-              </a:r>
-              <a:endParaRPr lang="en-US" sz="1200" dirty="0"/>
-            </a:p>
-          </p:txBody>
-        </p:sp>
-        <p:cxnSp>
-          <p:nvCxnSpPr>
-            <p:cNvPr id="18" name="Elbow Connector 17"/>
-            <p:cNvCxnSpPr>
-              <a:stCxn id="16" idx="0"/>
-              <a:endCxn id="20" idx="1"/>
-            </p:cNvCxnSpPr>
-            <p:nvPr/>
-          </p:nvCxnSpPr>
-          <p:spPr>
-            <a:xfrm>
-              <a:off x="4128247" y="3654238"/>
-              <a:ext cx="392206" cy="896471"/>
-            </a:xfrm>
-            <a:prstGeom prst="bentConnector3">
-              <a:avLst>
-                <a:gd name="adj1" fmla="val 50000"/>
-              </a:avLst>
-            </a:prstGeom>
-            <a:ln>
-              <a:tailEnd type="arrow"/>
-            </a:ln>
-          </p:spPr>
-          <p:style>
-            <a:lnRef idx="1">
-              <a:schemeClr val="accent1"/>
-            </a:lnRef>
-            <a:fillRef idx="3">
-              <a:schemeClr val="accent1"/>
-            </a:fillRef>
-            <a:effectRef idx="2">
-              <a:schemeClr val="accent1"/>
-            </a:effectRef>
-            <a:fontRef idx="minor">
-              <a:schemeClr val="lt1"/>
-            </a:fontRef>
-          </p:style>
-        </p:cxnSp>
-        <p:cxnSp>
-          <p:nvCxnSpPr>
-            <p:cNvPr id="19" name="Elbow Connector 18"/>
-            <p:cNvCxnSpPr>
-              <a:stCxn id="17" idx="0"/>
-              <a:endCxn id="20" idx="1"/>
-            </p:cNvCxnSpPr>
-            <p:nvPr/>
-          </p:nvCxnSpPr>
-          <p:spPr>
-            <a:xfrm>
-              <a:off x="4128247" y="4550709"/>
-              <a:ext cx="392206" cy="1168"/>
-            </a:xfrm>
-            <a:prstGeom prst="bentConnector3">
-              <a:avLst>
-                <a:gd name="adj1" fmla="val 50000"/>
-              </a:avLst>
-            </a:prstGeom>
-            <a:ln>
-              <a:tailEnd type="arrow"/>
-            </a:ln>
-          </p:spPr>
-          <p:style>
-            <a:lnRef idx="1">
-              <a:schemeClr val="accent1"/>
-            </a:lnRef>
-            <a:fillRef idx="3">
-              <a:schemeClr val="accent1"/>
-            </a:fillRef>
-            <a:effectRef idx="2">
-              <a:schemeClr val="accent1"/>
-            </a:effectRef>
-            <a:fontRef idx="minor">
-              <a:schemeClr val="lt1"/>
-            </a:fontRef>
-          </p:style>
-        </p:cxnSp>
-        <p:sp>
-          <p:nvSpPr>
-            <p:cNvPr id="20" name="Rectangle 19"/>
-            <p:cNvSpPr/>
-            <p:nvPr/>
-          </p:nvSpPr>
-          <p:spPr>
-            <a:xfrm>
-              <a:off x="4520453" y="4186518"/>
-              <a:ext cx="1232647" cy="728382"/>
-            </a:xfrm>
-            <a:prstGeom prst="rect">
-              <a:avLst/>
-            </a:prstGeom>
-          </p:spPr>
-          <p:style>
-            <a:lnRef idx="1">
-              <a:schemeClr val="accent1"/>
-            </a:lnRef>
-            <a:fillRef idx="3">
-              <a:schemeClr val="accent1"/>
-            </a:fillRef>
-            <a:effectRef idx="2">
-              <a:schemeClr val="accent1"/>
-            </a:effectRef>
-            <a:fontRef idx="minor">
-              <a:schemeClr val="lt1"/>
-            </a:fontRef>
-          </p:style>
-          <p:txBody>
-            <a:bodyPr rtlCol="0" anchor="ctr"/>
-            <a:lstStyle/>
-            <a:p>
-              <a:pPr algn="ctr"/>
-              <a:r>
-                <a:rPr lang="en-US" sz="1200" dirty="0" err="1" smtClean="0"/>
-                <a:t>IFileFormat</a:t>
-              </a:r>
-              <a:r>
-                <a:rPr lang="en-US" sz="1200" dirty="0" smtClean="0"/>
-                <a:t> Reader</a:t>
-              </a:r>
-              <a:endParaRPr lang="en-US" sz="1200" dirty="0"/>
-            </a:p>
-          </p:txBody>
-        </p:sp>
-        <p:cxnSp>
-          <p:nvCxnSpPr>
-            <p:cNvPr id="21" name="Elbow Connector 20"/>
-            <p:cNvCxnSpPr>
-              <a:stCxn id="22" idx="3"/>
-              <a:endCxn id="15" idx="1"/>
-            </p:cNvCxnSpPr>
-            <p:nvPr/>
-          </p:nvCxnSpPr>
-          <p:spPr>
-            <a:xfrm flipV="1">
-              <a:off x="7209865" y="4102474"/>
-              <a:ext cx="168088" cy="448235"/>
-            </a:xfrm>
-            <a:prstGeom prst="bentConnector3">
-              <a:avLst>
-                <a:gd name="adj1" fmla="val 50000"/>
-              </a:avLst>
-            </a:prstGeom>
-            <a:ln>
-              <a:tailEnd type="arrow"/>
-            </a:ln>
-          </p:spPr>
-          <p:style>
-            <a:lnRef idx="1">
-              <a:schemeClr val="accent1"/>
-            </a:lnRef>
-            <a:fillRef idx="3">
-              <a:schemeClr val="accent1"/>
-            </a:fillRef>
-            <a:effectRef idx="2">
-              <a:schemeClr val="accent1"/>
-            </a:effectRef>
-            <a:fontRef idx="minor">
-              <a:schemeClr val="lt1"/>
-            </a:fontRef>
-          </p:style>
-        </p:cxnSp>
-        <p:sp>
-          <p:nvSpPr>
-            <p:cNvPr id="22" name="Rectangle 21"/>
-            <p:cNvSpPr/>
-            <p:nvPr/>
-          </p:nvSpPr>
-          <p:spPr>
-            <a:xfrm>
-              <a:off x="5977218" y="4186518"/>
-              <a:ext cx="1232647" cy="728382"/>
-            </a:xfrm>
-            <a:prstGeom prst="rect">
-              <a:avLst/>
-            </a:prstGeom>
-          </p:spPr>
-          <p:style>
-            <a:lnRef idx="1">
-              <a:schemeClr val="accent1"/>
-            </a:lnRef>
-            <a:fillRef idx="3">
-              <a:schemeClr val="accent1"/>
-            </a:fillRef>
-            <a:effectRef idx="2">
-              <a:schemeClr val="accent1"/>
-            </a:effectRef>
-            <a:fontRef idx="minor">
-              <a:schemeClr val="lt1"/>
-            </a:fontRef>
-          </p:style>
-          <p:txBody>
-            <a:bodyPr rtlCol="0" anchor="ctr"/>
-            <a:lstStyle/>
-            <a:p>
-              <a:pPr algn="ctr"/>
-              <a:r>
-                <a:rPr lang="en-US" sz="1200" dirty="0" err="1" smtClean="0"/>
-                <a:t>FileReader</a:t>
-              </a:r>
-              <a:endParaRPr lang="en-US" sz="1200" dirty="0" smtClean="0"/>
-            </a:p>
-            <a:p>
-              <a:pPr algn="ctr"/>
-              <a:r>
-                <a:rPr lang="en-US" sz="1200" dirty="0" smtClean="0"/>
-                <a:t>Service</a:t>
-              </a:r>
-              <a:endParaRPr lang="en-US" sz="1200" dirty="0"/>
-            </a:p>
-          </p:txBody>
-        </p:sp>
-        <p:cxnSp>
-          <p:nvCxnSpPr>
-            <p:cNvPr id="23" name="Elbow Connector 22"/>
-            <p:cNvCxnSpPr>
-              <a:stCxn id="20" idx="3"/>
-              <a:endCxn id="22" idx="1"/>
-            </p:cNvCxnSpPr>
-            <p:nvPr/>
-          </p:nvCxnSpPr>
-          <p:spPr>
-            <a:xfrm>
-              <a:off x="5753100" y="4550709"/>
-              <a:ext cx="224118" cy="1168"/>
-            </a:xfrm>
-            <a:prstGeom prst="bentConnector3">
-              <a:avLst>
-                <a:gd name="adj1" fmla="val 50000"/>
-              </a:avLst>
-            </a:prstGeom>
-            <a:ln>
-              <a:tailEnd type="arrow"/>
-            </a:ln>
-          </p:spPr>
-          <p:style>
-            <a:lnRef idx="1">
-              <a:schemeClr val="accent1"/>
-            </a:lnRef>
-            <a:fillRef idx="3">
-              <a:schemeClr val="accent1"/>
-            </a:fillRef>
-            <a:effectRef idx="2">
-              <a:schemeClr val="accent1"/>
-            </a:effectRef>
-            <a:fontRef idx="minor">
-              <a:schemeClr val="lt1"/>
-            </a:fontRef>
-          </p:style>
-        </p:cxnSp>
-        <p:sp>
-          <p:nvSpPr>
-            <p:cNvPr id="24" name="Can 23"/>
-            <p:cNvSpPr/>
-            <p:nvPr/>
-          </p:nvSpPr>
-          <p:spPr>
-            <a:xfrm>
-              <a:off x="4632512" y="3234018"/>
-              <a:ext cx="896471" cy="728382"/>
-            </a:xfrm>
-            <a:prstGeom prst="can">
-              <a:avLst/>
-            </a:prstGeom>
-          </p:spPr>
-          <p:style>
-            <a:lnRef idx="1">
-              <a:schemeClr val="accent1"/>
-            </a:lnRef>
-            <a:fillRef idx="3">
-              <a:schemeClr val="accent1"/>
-            </a:fillRef>
-            <a:effectRef idx="2">
-              <a:schemeClr val="accent1"/>
-            </a:effectRef>
-            <a:fontRef idx="minor">
-              <a:schemeClr val="lt1"/>
-            </a:fontRef>
-          </p:style>
-          <p:txBody>
-            <a:bodyPr rtlCol="0" anchor="ctr"/>
-            <a:lstStyle/>
-            <a:p>
-              <a:pPr algn="ctr"/>
-              <a:r>
-                <a:rPr lang="en-US" sz="1200" dirty="0" smtClean="0"/>
-                <a:t>Database</a:t>
-              </a:r>
-              <a:endParaRPr lang="en-US" sz="1200" dirty="0"/>
-            </a:p>
-          </p:txBody>
-        </p:sp>
-        <p:cxnSp>
-          <p:nvCxnSpPr>
-            <p:cNvPr id="25" name="Elbow Connector 24"/>
-            <p:cNvCxnSpPr>
-              <a:stCxn id="24" idx="4"/>
-              <a:endCxn id="26" idx="1"/>
-            </p:cNvCxnSpPr>
-            <p:nvPr/>
-          </p:nvCxnSpPr>
-          <p:spPr>
-            <a:xfrm>
-              <a:off x="5528982" y="3598209"/>
-              <a:ext cx="448235" cy="1168"/>
-            </a:xfrm>
-            <a:prstGeom prst="bentConnector3">
-              <a:avLst>
-                <a:gd name="adj1" fmla="val 50000"/>
-              </a:avLst>
-            </a:prstGeom>
-            <a:ln>
-              <a:tailEnd type="arrow"/>
-            </a:ln>
-          </p:spPr>
-          <p:style>
-            <a:lnRef idx="1">
-              <a:schemeClr val="accent1"/>
-            </a:lnRef>
-            <a:fillRef idx="3">
-              <a:schemeClr val="accent1"/>
-            </a:fillRef>
-            <a:effectRef idx="2">
-              <a:schemeClr val="accent1"/>
-            </a:effectRef>
-            <a:fontRef idx="minor">
-              <a:schemeClr val="lt1"/>
-            </a:fontRef>
-          </p:style>
-        </p:cxnSp>
-        <p:sp>
-          <p:nvSpPr>
-            <p:cNvPr id="26" name="Rectangle 25"/>
-            <p:cNvSpPr/>
-            <p:nvPr/>
-          </p:nvSpPr>
-          <p:spPr>
-            <a:xfrm>
-              <a:off x="5977218" y="3234018"/>
-              <a:ext cx="1232647" cy="728382"/>
-            </a:xfrm>
-            <a:prstGeom prst="rect">
-              <a:avLst/>
-            </a:prstGeom>
-          </p:spPr>
-          <p:style>
-            <a:lnRef idx="1">
-              <a:schemeClr val="accent1"/>
-            </a:lnRef>
-            <a:fillRef idx="3">
-              <a:schemeClr val="accent1"/>
-            </a:fillRef>
-            <a:effectRef idx="2">
-              <a:schemeClr val="accent1"/>
-            </a:effectRef>
-            <a:fontRef idx="minor">
-              <a:schemeClr val="lt1"/>
-            </a:fontRef>
-          </p:style>
-          <p:txBody>
-            <a:bodyPr rtlCol="0" anchor="ctr"/>
-            <a:lstStyle/>
-            <a:p>
-              <a:pPr algn="ctr"/>
-              <a:r>
-                <a:rPr lang="en-US" sz="1200" dirty="0" smtClean="0"/>
-                <a:t>Database</a:t>
-              </a:r>
-            </a:p>
-            <a:p>
-              <a:pPr algn="ctr"/>
-              <a:r>
-                <a:rPr lang="en-US" sz="1200" dirty="0" smtClean="0"/>
-                <a:t>Reader</a:t>
-              </a:r>
-            </a:p>
-            <a:p>
-              <a:pPr algn="ctr"/>
-              <a:r>
-                <a:rPr lang="en-US" sz="1200" dirty="0" smtClean="0"/>
-                <a:t>Service</a:t>
-              </a:r>
-              <a:endParaRPr lang="en-US" sz="1200" dirty="0"/>
-            </a:p>
-          </p:txBody>
-        </p:sp>
-        <p:cxnSp>
-          <p:nvCxnSpPr>
-            <p:cNvPr id="27" name="Elbow Connector 26"/>
-            <p:cNvCxnSpPr>
-              <a:stCxn id="26" idx="3"/>
-              <a:endCxn id="15" idx="1"/>
-            </p:cNvCxnSpPr>
-            <p:nvPr/>
-          </p:nvCxnSpPr>
-          <p:spPr>
-            <a:xfrm>
-              <a:off x="7209865" y="3598209"/>
-              <a:ext cx="168088" cy="504265"/>
-            </a:xfrm>
-            <a:prstGeom prst="bentConnector3">
-              <a:avLst>
-                <a:gd name="adj1" fmla="val 50000"/>
-              </a:avLst>
-            </a:prstGeom>
-            <a:ln>
-              <a:tailEnd type="arrow"/>
-            </a:ln>
-          </p:spPr>
-          <p:style>
-            <a:lnRef idx="1">
-              <a:schemeClr val="accent1"/>
-            </a:lnRef>
-            <a:fillRef idx="3">
-              <a:schemeClr val="accent1"/>
-            </a:fillRef>
-            <a:effectRef idx="2">
-              <a:schemeClr val="accent1"/>
-            </a:effectRef>
-            <a:fontRef idx="minor">
-              <a:schemeClr val="lt1"/>
-            </a:fontRef>
-          </p:style>
-        </p:cxnSp>
-        <p:sp>
-          <p:nvSpPr>
-            <p:cNvPr id="28" name="Rectangle 27"/>
-            <p:cNvSpPr/>
-            <p:nvPr/>
-          </p:nvSpPr>
-          <p:spPr>
-            <a:xfrm>
-              <a:off x="7377953" y="5139018"/>
-              <a:ext cx="1232647" cy="728382"/>
-            </a:xfrm>
-            <a:prstGeom prst="rect">
-              <a:avLst/>
-            </a:prstGeom>
-          </p:spPr>
-          <p:style>
-            <a:lnRef idx="1">
-              <a:schemeClr val="accent1"/>
-            </a:lnRef>
-            <a:fillRef idx="3">
-              <a:schemeClr val="accent1"/>
-            </a:fillRef>
-            <a:effectRef idx="2">
-              <a:schemeClr val="accent1"/>
-            </a:effectRef>
-            <a:fontRef idx="minor">
-              <a:schemeClr val="lt1"/>
-            </a:fontRef>
-          </p:style>
-          <p:txBody>
-            <a:bodyPr rtlCol="0" anchor="ctr"/>
-            <a:lstStyle/>
-            <a:p>
-              <a:pPr algn="ctr"/>
-              <a:r>
-                <a:rPr lang="en-US" sz="1200" dirty="0" err="1" smtClean="0"/>
-                <a:t>IEmail</a:t>
-              </a:r>
-              <a:endParaRPr lang="en-US" sz="1200" dirty="0" smtClean="0"/>
-            </a:p>
-            <a:p>
-              <a:pPr algn="ctr"/>
-              <a:r>
-                <a:rPr lang="en-US" sz="1200" dirty="0" smtClean="0"/>
-                <a:t>Sender</a:t>
-              </a:r>
-              <a:endParaRPr lang="en-US" sz="1200" dirty="0"/>
-            </a:p>
-          </p:txBody>
-        </p:sp>
-        <p:sp>
-          <p:nvSpPr>
-            <p:cNvPr id="29" name="Rectangle 28"/>
-            <p:cNvSpPr/>
-            <p:nvPr/>
-          </p:nvSpPr>
-          <p:spPr>
-            <a:xfrm>
-              <a:off x="5977218" y="5139018"/>
-              <a:ext cx="1232647" cy="728382"/>
-            </a:xfrm>
-            <a:prstGeom prst="rect">
-              <a:avLst/>
-            </a:prstGeom>
-          </p:spPr>
-          <p:style>
-            <a:lnRef idx="1">
-              <a:schemeClr val="accent1"/>
-            </a:lnRef>
-            <a:fillRef idx="3">
-              <a:schemeClr val="accent1"/>
-            </a:fillRef>
-            <a:effectRef idx="2">
-              <a:schemeClr val="accent1"/>
-            </a:effectRef>
-            <a:fontRef idx="minor">
-              <a:schemeClr val="lt1"/>
-            </a:fontRef>
-          </p:style>
-          <p:txBody>
-            <a:bodyPr rtlCol="0" anchor="ctr"/>
-            <a:lstStyle/>
-            <a:p>
-              <a:pPr algn="ctr"/>
-              <a:r>
-                <a:rPr lang="en-US" sz="1200" dirty="0" err="1" smtClean="0"/>
-                <a:t>EmailService</a:t>
-              </a:r>
-              <a:endParaRPr lang="en-US" sz="1200" dirty="0"/>
-            </a:p>
-          </p:txBody>
-        </p:sp>
-        <p:cxnSp>
-          <p:nvCxnSpPr>
-            <p:cNvPr id="31" name="Elbow Connector 30"/>
-            <p:cNvCxnSpPr>
-              <a:stCxn id="29" idx="3"/>
-              <a:endCxn id="28" idx="1"/>
-            </p:cNvCxnSpPr>
-            <p:nvPr/>
-          </p:nvCxnSpPr>
-          <p:spPr>
-            <a:xfrm>
-              <a:off x="7209865" y="5503209"/>
-              <a:ext cx="168088" cy="1168"/>
-            </a:xfrm>
-            <a:prstGeom prst="bentConnector3">
-              <a:avLst>
-                <a:gd name="adj1" fmla="val 50000"/>
-              </a:avLst>
-            </a:prstGeom>
-            <a:ln>
-              <a:tailEnd type="arrow"/>
-            </a:ln>
-          </p:spPr>
-          <p:style>
-            <a:lnRef idx="1">
-              <a:schemeClr val="accent1"/>
-            </a:lnRef>
-            <a:fillRef idx="0">
-              <a:schemeClr val="accent1"/>
-            </a:fillRef>
-            <a:effectRef idx="0">
-              <a:schemeClr val="accent1"/>
-            </a:effectRef>
-            <a:fontRef idx="minor">
-              <a:schemeClr val="tx1"/>
-            </a:fontRef>
-          </p:style>
-        </p:cxnSp>
       </p:grpSp>
-      <p:grpSp>
-        <p:nvGrpSpPr>
-          <p:cNvPr id="35" name="Group 34"/>
-          <p:cNvGrpSpPr/>
+      <p:cxnSp>
+        <p:nvCxnSpPr>
+          <p:cNvPr id="42" name="Straight Connector 41"/>
+          <p:cNvCxnSpPr/>
           <p:nvPr/>
-        </p:nvGrpSpPr>
-        <p:grpSpPr>
+        </p:nvCxnSpPr>
+        <p:spPr>
+          <a:xfrm rot="5400000">
+            <a:off x="380205" y="3886200"/>
+            <a:ext cx="4114800" cy="1588"/>
+          </a:xfrm>
+          <a:prstGeom prst="line">
+            <a:avLst/>
+          </a:prstGeom>
+          <a:ln/>
+        </p:spPr>
+        <p:style>
+          <a:lnRef idx="2">
+            <a:schemeClr val="accent2"/>
+          </a:lnRef>
+          <a:fillRef idx="0">
+            <a:schemeClr val="accent2"/>
+          </a:fillRef>
+          <a:effectRef idx="1">
+            <a:schemeClr val="accent2"/>
+          </a:effectRef>
+          <a:fontRef idx="minor">
+            <a:schemeClr val="tx1"/>
+          </a:fontRef>
+        </p:style>
+      </p:cxnSp>
+      <p:sp>
+        <p:nvSpPr>
+          <p:cNvPr id="35" name="Rectangle 34"/>
+          <p:cNvSpPr/>
+          <p:nvPr/>
+        </p:nvSpPr>
+        <p:spPr>
           <a:xfrm>
-            <a:off x="609600" y="1829594"/>
-            <a:ext cx="4094324" cy="4114800"/>
-            <a:chOff x="609600" y="1829594"/>
-            <a:chExt cx="4094324" cy="4114800"/>
+            <a:off x="2514600" y="6553200"/>
+            <a:ext cx="4114800" cy="228600"/>
           </a:xfrm>
-        </p:grpSpPr>
-        <p:grpSp>
-          <p:nvGrpSpPr>
-            <p:cNvPr id="40" name="Group 39"/>
-            <p:cNvGrpSpPr/>
-            <p:nvPr/>
-          </p:nvGrpSpPr>
-          <p:grpSpPr>
-            <a:xfrm>
-              <a:off x="609600" y="5334000"/>
-              <a:ext cx="4094324" cy="461665"/>
-              <a:chOff x="609600" y="5334000"/>
-              <a:chExt cx="4094324" cy="461665"/>
-            </a:xfrm>
-          </p:grpSpPr>
-          <p:sp>
-            <p:nvSpPr>
-              <p:cNvPr id="38" name="TextBox 37"/>
-              <p:cNvSpPr txBox="1"/>
-              <p:nvPr/>
-            </p:nvSpPr>
-            <p:spPr>
-              <a:xfrm>
-                <a:off x="609600" y="5334000"/>
-                <a:ext cx="1009828" cy="461665"/>
-              </a:xfrm>
-              <a:prstGeom prst="rect">
-                <a:avLst/>
-              </a:prstGeom>
-            </p:spPr>
-            <p:style>
-              <a:lnRef idx="1">
-                <a:schemeClr val="accent2"/>
-              </a:lnRef>
-              <a:fillRef idx="3">
-                <a:schemeClr val="accent2"/>
-              </a:fillRef>
-              <a:effectRef idx="2">
-                <a:schemeClr val="accent2"/>
-              </a:effectRef>
-              <a:fontRef idx="minor">
-                <a:schemeClr val="lt1"/>
-              </a:fontRef>
-            </p:style>
-            <p:txBody>
-              <a:bodyPr wrap="none" rtlCol="0">
-                <a:spAutoFit/>
-              </a:bodyPr>
-              <a:lstStyle/>
-              <a:p>
-                <a:r>
-                  <a:rPr lang="en-US" sz="2400" dirty="0" smtClean="0">
-                    <a:latin typeface="+mn-lt"/>
-                  </a:rPr>
-                  <a:t>Before</a:t>
-                </a:r>
-              </a:p>
-            </p:txBody>
-          </p:sp>
-          <p:sp>
-            <p:nvSpPr>
-              <p:cNvPr id="39" name="TextBox 38"/>
-              <p:cNvSpPr txBox="1"/>
-              <p:nvPr/>
-            </p:nvSpPr>
-            <p:spPr>
-              <a:xfrm>
-                <a:off x="3886200" y="5334000"/>
-                <a:ext cx="817724" cy="461665"/>
-              </a:xfrm>
-              <a:prstGeom prst="rect">
-                <a:avLst/>
-              </a:prstGeom>
-            </p:spPr>
-            <p:style>
-              <a:lnRef idx="1">
-                <a:schemeClr val="accent3"/>
-              </a:lnRef>
-              <a:fillRef idx="3">
-                <a:schemeClr val="accent3"/>
-              </a:fillRef>
-              <a:effectRef idx="2">
-                <a:schemeClr val="accent3"/>
-              </a:effectRef>
-              <a:fontRef idx="minor">
-                <a:schemeClr val="lt1"/>
-              </a:fontRef>
-            </p:style>
-            <p:txBody>
-              <a:bodyPr wrap="none" rtlCol="0">
-                <a:spAutoFit/>
-              </a:bodyPr>
-              <a:lstStyle/>
-              <a:p>
-                <a:r>
-                  <a:rPr lang="en-US" sz="2400" dirty="0" smtClean="0">
-                    <a:latin typeface="+mn-lt"/>
-                  </a:rPr>
-                  <a:t>After</a:t>
-                </a:r>
-              </a:p>
-            </p:txBody>
-          </p:sp>
-        </p:grpSp>
-        <p:cxnSp>
-          <p:nvCxnSpPr>
-            <p:cNvPr id="42" name="Straight Connector 41"/>
-            <p:cNvCxnSpPr/>
-            <p:nvPr/>
-          </p:nvCxnSpPr>
-          <p:spPr>
-            <a:xfrm rot="5400000">
-              <a:off x="380205" y="3886200"/>
-              <a:ext cx="4114800" cy="1588"/>
-            </a:xfrm>
-            <a:prstGeom prst="line">
-              <a:avLst/>
-            </a:prstGeom>
-            <a:ln/>
-          </p:spPr>
-          <p:style>
-            <a:lnRef idx="2">
-              <a:schemeClr val="accent2"/>
-            </a:lnRef>
-            <a:fillRef idx="0">
-              <a:schemeClr val="accent2"/>
-            </a:fillRef>
-            <a:effectRef idx="1">
-              <a:schemeClr val="accent2"/>
-            </a:effectRef>
-            <a:fontRef idx="minor">
-              <a:schemeClr val="tx1"/>
-            </a:fontRef>
-          </p:style>
-        </p:cxnSp>
-      </p:grpSp>
+          <a:prstGeom prst="rect">
+            <a:avLst/>
+          </a:prstGeom>
+          <a:solidFill>
+            <a:schemeClr val="bg1"/>
+          </a:solidFill>
+          <a:ln>
+            <a:solidFill>
+              <a:schemeClr val="bg1"/>
+            </a:solidFill>
+          </a:ln>
+        </p:spPr>
+        <p:style>
+          <a:lnRef idx="2">
+            <a:schemeClr val="accent1">
+              <a:shade val="50000"/>
+            </a:schemeClr>
+          </a:lnRef>
+          <a:fillRef idx="1">
+            <a:schemeClr val="accent1"/>
+          </a:fillRef>
+          <a:effectRef idx="0">
+            <a:schemeClr val="accent1"/>
+          </a:effectRef>
+          <a:fontRef idx="minor">
+            <a:schemeClr val="lt1"/>
+          </a:fontRef>
+        </p:style>
+        <p:txBody>
+          <a:bodyPr rtlCol="0" anchor="ctr"/>
+          <a:lstStyle/>
+          <a:p>
+            <a:pPr algn="ctr"/>
+            <a:endParaRPr lang="en-US"/>
+          </a:p>
+        </p:txBody>
+      </p:sp>
     </p:spTree>
   </p:cSld>
   <p:clrMapOvr>
@@ -13883,7 +14020,7 @@
 </p:sld>
 </file>
 
-<file path=ppt/slides/slide36.xml><?xml version="1.0" encoding="utf-8"?>
+<file path=ppt/slides/slide35.xml><?xml version="1.0" encoding="utf-8"?>
 <p:sld xmlns:a="http://schemas.openxmlformats.org/drawingml/2006/main" xmlns:r="http://schemas.openxmlformats.org/officeDocument/2006/relationships" xmlns:p="http://schemas.openxmlformats.org/presentationml/2006/main">
   <p:cSld>
     <p:spTree>
@@ -14024,7 +14161,7 @@
             <a:p>
               <a:pPr algn="ctr"/>
               <a:r>
-                <a:rPr lang="en-US" sz="1200" dirty="0" err="1" smtClean="0"/>
+                <a:rPr lang="en-US" sz="1200" dirty="0" smtClean="0"/>
                 <a:t>EmailProcessingService</a:t>
               </a:r>
               <a:endParaRPr lang="en-US" sz="1200" dirty="0"/>
@@ -14066,10 +14203,9 @@
             <a:p>
               <a:pPr algn="ctr"/>
               <a:r>
-                <a:rPr lang="en-US" sz="1200" dirty="0" err="1" smtClean="0"/>
+                <a:rPr lang="en-US" sz="1200" dirty="0" smtClean="0"/>
                 <a:t>IMessageInfo</a:t>
               </a:r>
-              <a:endParaRPr lang="en-US" sz="1200" dirty="0" smtClean="0"/>
             </a:p>
             <a:p>
               <a:pPr algn="ctr"/>
@@ -14116,7 +14252,7 @@
             <a:p>
               <a:pPr algn="ctr"/>
               <a:r>
-                <a:rPr lang="en-US" sz="1200" dirty="0" err="1" smtClean="0"/>
+                <a:rPr lang="en-US" sz="1200" dirty="0" smtClean="0"/>
                 <a:t>IEmailSender</a:t>
               </a:r>
               <a:endParaRPr lang="en-US" sz="1200" dirty="0"/>
@@ -14158,10 +14294,9 @@
             <a:p>
               <a:pPr algn="ctr"/>
               <a:r>
-                <a:rPr lang="en-US" sz="1200" dirty="0" err="1" smtClean="0"/>
+                <a:rPr lang="en-US" sz="1200" dirty="0" smtClean="0"/>
                 <a:t>IMessage</a:t>
               </a:r>
-              <a:endParaRPr lang="en-US" sz="1200" dirty="0" smtClean="0"/>
             </a:p>
             <a:p>
               <a:pPr algn="ctr"/>
@@ -14375,12 +14510,8 @@
             <a:p>
               <a:pPr algn="ctr"/>
               <a:r>
-                <a:rPr lang="en-US" sz="1200" dirty="0" err="1" smtClean="0"/>
-                <a:t>IFileFormat</a:t>
-              </a:r>
-              <a:r>
                 <a:rPr lang="en-US" sz="1200" dirty="0" smtClean="0"/>
-                <a:t> Reader</a:t>
+                <a:t>IFileFormat Reader</a:t>
               </a:r>
               <a:endParaRPr lang="en-US" sz="1200" dirty="0"/>
             </a:p>
@@ -14459,10 +14590,9 @@
             <a:p>
               <a:pPr algn="ctr"/>
               <a:r>
-                <a:rPr lang="en-US" sz="1200" dirty="0" err="1" smtClean="0"/>
+                <a:rPr lang="en-US" sz="1200" dirty="0" smtClean="0"/>
                 <a:t>FileReader</a:t>
               </a:r>
-              <a:endParaRPr lang="en-US" sz="1200" dirty="0" smtClean="0"/>
             </a:p>
             <a:p>
               <a:pPr algn="ctr"/>
@@ -14721,16 +14851,15 @@
             <a:p>
               <a:pPr algn="ctr"/>
               <a:r>
-                <a:rPr lang="en-US" sz="1200" dirty="0" err="1" smtClean="0"/>
+                <a:rPr lang="en-US" sz="1200" dirty="0" smtClean="0"/>
                 <a:t>IEmail</a:t>
               </a:r>
-              <a:endParaRPr lang="en-US" sz="1200" dirty="0" smtClean="0"/>
             </a:p>
             <a:p>
               <a:pPr algn="ctr"/>
               <a:r>
                 <a:rPr lang="en-US" sz="1200" dirty="0" smtClean="0"/>
-                <a:t>Sender</a:t>
+                <a:t>Service</a:t>
               </a:r>
               <a:endParaRPr lang="en-US" sz="1200" dirty="0"/>
             </a:p>
@@ -14771,7 +14900,7 @@
             <a:p>
               <a:pPr algn="ctr"/>
               <a:r>
-                <a:rPr lang="en-US" sz="1200" dirty="0" err="1" smtClean="0"/>
+                <a:rPr lang="en-US" sz="1200" dirty="0" smtClean="0"/>
                 <a:t>EmailService</a:t>
               </a:r>
               <a:endParaRPr lang="en-US" sz="1200" dirty="0"/>
@@ -14817,6 +14946,54 @@
           </p:style>
         </p:cxnSp>
       </p:grpSp>
+      <p:sp>
+        <p:nvSpPr>
+          <p:cNvPr id="34" name="Rectangle 33"/>
+          <p:cNvSpPr/>
+          <p:nvPr/>
+        </p:nvSpPr>
+        <p:spPr>
+          <a:xfrm>
+            <a:off x="2514600" y="6553200"/>
+            <a:ext cx="4114800" cy="228600"/>
+          </a:xfrm>
+          <a:prstGeom prst="rect">
+            <a:avLst/>
+          </a:prstGeom>
+          <a:solidFill>
+            <a:schemeClr val="bg1"/>
+          </a:solidFill>
+          <a:ln>
+            <a:solidFill>
+              <a:schemeClr val="bg1"/>
+            </a:solidFill>
+          </a:ln>
+        </p:spPr>
+        <p:style>
+          <a:lnRef idx="2">
+            <a:schemeClr val="accent1">
+              <a:shade val="50000"/>
+            </a:schemeClr>
+          </a:lnRef>
+          <a:fillRef idx="1">
+            <a:schemeClr val="accent1"/>
+          </a:fillRef>
+          <a:effectRef idx="0">
+            <a:schemeClr val="accent1"/>
+          </a:effectRef>
+          <a:fontRef idx="minor">
+            <a:schemeClr val="lt1"/>
+          </a:fontRef>
+        </p:style>
+        <p:txBody>
+          <a:bodyPr rtlCol="0" anchor="ctr"/>
+          <a:lstStyle/>
+          <a:p>
+            <a:pPr algn="ctr"/>
+            <a:endParaRPr lang="en-US"/>
+          </a:p>
+        </p:txBody>
+      </p:sp>
     </p:spTree>
   </p:cSld>
   <p:clrMapOvr>
@@ -14825,7 +15002,7 @@
 </p:sld>
 </file>
 
-<file path=ppt/slides/slide37.xml><?xml version="1.0" encoding="utf-8"?>
+<file path=ppt/slides/slide36.xml><?xml version="1.0" encoding="utf-8"?>
 <p:sld xmlns:a="http://schemas.openxmlformats.org/drawingml/2006/main" xmlns:r="http://schemas.openxmlformats.org/officeDocument/2006/relationships" xmlns:p="http://schemas.openxmlformats.org/presentationml/2006/main">
   <p:cSld>
     <p:spTree>
@@ -14966,7 +15143,7 @@
             <a:p>
               <a:pPr algn="ctr"/>
               <a:r>
-                <a:rPr lang="en-US" sz="1200" dirty="0" err="1" smtClean="0"/>
+                <a:rPr lang="en-US" sz="1200" dirty="0" smtClean="0"/>
                 <a:t>EmailProcessingService</a:t>
               </a:r>
               <a:endParaRPr lang="en-US" sz="1200" dirty="0"/>
@@ -15008,10 +15185,9 @@
             <a:p>
               <a:pPr algn="ctr"/>
               <a:r>
-                <a:rPr lang="en-US" sz="1200" dirty="0" err="1" smtClean="0"/>
+                <a:rPr lang="en-US" sz="1200" dirty="0" smtClean="0"/>
                 <a:t>IMessageInfo</a:t>
               </a:r>
-              <a:endParaRPr lang="en-US" sz="1200" dirty="0" smtClean="0"/>
             </a:p>
             <a:p>
               <a:pPr algn="ctr"/>
@@ -15058,7 +15234,7 @@
             <a:p>
               <a:pPr algn="ctr"/>
               <a:r>
-                <a:rPr lang="en-US" sz="1200" dirty="0" err="1" smtClean="0"/>
+                <a:rPr lang="en-US" sz="1200" dirty="0" smtClean="0"/>
                 <a:t>IEmailSender</a:t>
               </a:r>
               <a:endParaRPr lang="en-US" sz="1200" dirty="0"/>
@@ -15100,10 +15276,9 @@
             <a:p>
               <a:pPr algn="ctr"/>
               <a:r>
-                <a:rPr lang="en-US" sz="1200" dirty="0" err="1" smtClean="0"/>
+                <a:rPr lang="en-US" sz="1200" dirty="0" smtClean="0"/>
                 <a:t>IMessage</a:t>
               </a:r>
-              <a:endParaRPr lang="en-US" sz="1200" dirty="0" smtClean="0"/>
             </a:p>
             <a:p>
               <a:pPr algn="ctr"/>
@@ -15317,12 +15492,8 @@
             <a:p>
               <a:pPr algn="ctr"/>
               <a:r>
-                <a:rPr lang="en-US" sz="1200" dirty="0" err="1" smtClean="0"/>
-                <a:t>IFileFormat</a:t>
-              </a:r>
-              <a:r>
                 <a:rPr lang="en-US" sz="1200" dirty="0" smtClean="0"/>
-                <a:t> Reader</a:t>
+                <a:t>IFileFormat Reader</a:t>
               </a:r>
               <a:endParaRPr lang="en-US" sz="1200" dirty="0"/>
             </a:p>
@@ -15401,10 +15572,9 @@
             <a:p>
               <a:pPr algn="ctr"/>
               <a:r>
-                <a:rPr lang="en-US" sz="1200" dirty="0" err="1" smtClean="0"/>
+                <a:rPr lang="en-US" sz="1200" dirty="0" smtClean="0"/>
                 <a:t>FileReader</a:t>
               </a:r>
-              <a:endParaRPr lang="en-US" sz="1200" dirty="0" smtClean="0"/>
             </a:p>
             <a:p>
               <a:pPr algn="ctr"/>
@@ -15663,16 +15833,15 @@
             <a:p>
               <a:pPr algn="ctr"/>
               <a:r>
-                <a:rPr lang="en-US" sz="1200" dirty="0" err="1" smtClean="0"/>
+                <a:rPr lang="en-US" sz="1200" dirty="0" smtClean="0"/>
                 <a:t>IEmail</a:t>
               </a:r>
-              <a:endParaRPr lang="en-US" sz="1200" dirty="0" smtClean="0"/>
             </a:p>
             <a:p>
               <a:pPr algn="ctr"/>
               <a:r>
                 <a:rPr lang="en-US" sz="1200" dirty="0" smtClean="0"/>
-                <a:t>Sender</a:t>
+                <a:t>Service</a:t>
               </a:r>
               <a:endParaRPr lang="en-US" sz="1200" dirty="0"/>
             </a:p>
@@ -15713,7 +15882,7 @@
             <a:p>
               <a:pPr algn="ctr"/>
               <a:r>
-                <a:rPr lang="en-US" sz="1200" dirty="0" err="1" smtClean="0"/>
+                <a:rPr lang="en-US" sz="1200" dirty="0" smtClean="0"/>
                 <a:t>EmailService</a:t>
               </a:r>
               <a:endParaRPr lang="en-US" sz="1200" dirty="0"/>
@@ -15759,6 +15928,54 @@
           </p:style>
         </p:cxnSp>
       </p:grpSp>
+      <p:sp>
+        <p:nvSpPr>
+          <p:cNvPr id="24" name="Rectangle 23"/>
+          <p:cNvSpPr/>
+          <p:nvPr/>
+        </p:nvSpPr>
+        <p:spPr>
+          <a:xfrm>
+            <a:off x="2514600" y="6553200"/>
+            <a:ext cx="4114800" cy="228600"/>
+          </a:xfrm>
+          <a:prstGeom prst="rect">
+            <a:avLst/>
+          </a:prstGeom>
+          <a:solidFill>
+            <a:schemeClr val="bg1"/>
+          </a:solidFill>
+          <a:ln>
+            <a:solidFill>
+              <a:schemeClr val="bg1"/>
+            </a:solidFill>
+          </a:ln>
+        </p:spPr>
+        <p:style>
+          <a:lnRef idx="2">
+            <a:schemeClr val="accent1">
+              <a:shade val="50000"/>
+            </a:schemeClr>
+          </a:lnRef>
+          <a:fillRef idx="1">
+            <a:schemeClr val="accent1"/>
+          </a:fillRef>
+          <a:effectRef idx="0">
+            <a:schemeClr val="accent1"/>
+          </a:effectRef>
+          <a:fontRef idx="minor">
+            <a:schemeClr val="lt1"/>
+          </a:fontRef>
+        </p:style>
+        <p:txBody>
+          <a:bodyPr rtlCol="0" anchor="ctr"/>
+          <a:lstStyle/>
+          <a:p>
+            <a:pPr algn="ctr"/>
+            <a:endParaRPr lang="en-US"/>
+          </a:p>
+        </p:txBody>
+      </p:sp>
     </p:spTree>
   </p:cSld>
   <p:clrMapOvr>
@@ -15767,7 +15984,7 @@
 </p:sld>
 </file>
 
-<file path=ppt/slides/slide38.xml><?xml version="1.0" encoding="utf-8"?>
+<file path=ppt/slides/slide37.xml><?xml version="1.0" encoding="utf-8"?>
 <p:sld xmlns:a="http://schemas.openxmlformats.org/drawingml/2006/main" xmlns:r="http://schemas.openxmlformats.org/officeDocument/2006/relationships" xmlns:p="http://schemas.openxmlformats.org/presentationml/2006/main">
   <p:cSld>
     <p:spTree>
@@ -15908,7 +16125,7 @@
             <a:p>
               <a:pPr algn="ctr"/>
               <a:r>
-                <a:rPr lang="en-US" sz="1200" dirty="0" err="1" smtClean="0"/>
+                <a:rPr lang="en-US" sz="1200" dirty="0" smtClean="0"/>
                 <a:t>EmailProcessingService</a:t>
               </a:r>
               <a:endParaRPr lang="en-US" sz="1200" dirty="0"/>
@@ -15950,10 +16167,9 @@
             <a:p>
               <a:pPr algn="ctr"/>
               <a:r>
-                <a:rPr lang="en-US" sz="1200" dirty="0" err="1" smtClean="0"/>
+                <a:rPr lang="en-US" sz="1200" dirty="0" smtClean="0"/>
                 <a:t>IMessageInfo</a:t>
               </a:r>
-              <a:endParaRPr lang="en-US" sz="1200" dirty="0" smtClean="0"/>
             </a:p>
             <a:p>
               <a:pPr algn="ctr"/>
@@ -16000,7 +16216,7 @@
             <a:p>
               <a:pPr algn="ctr"/>
               <a:r>
-                <a:rPr lang="en-US" sz="1200" dirty="0" err="1" smtClean="0"/>
+                <a:rPr lang="en-US" sz="1200" dirty="0" smtClean="0"/>
                 <a:t>IEmailSender</a:t>
               </a:r>
               <a:endParaRPr lang="en-US" sz="1200" dirty="0"/>
@@ -16042,10 +16258,9 @@
             <a:p>
               <a:pPr algn="ctr"/>
               <a:r>
-                <a:rPr lang="en-US" sz="1200" dirty="0" err="1" smtClean="0"/>
+                <a:rPr lang="en-US" sz="1200" dirty="0" smtClean="0"/>
                 <a:t>IMessage</a:t>
               </a:r>
-              <a:endParaRPr lang="en-US" sz="1200" dirty="0" smtClean="0"/>
             </a:p>
             <a:p>
               <a:pPr algn="ctr"/>
@@ -16259,12 +16474,8 @@
             <a:p>
               <a:pPr algn="ctr"/>
               <a:r>
-                <a:rPr lang="en-US" sz="1200" dirty="0" err="1" smtClean="0"/>
-                <a:t>IFileFormat</a:t>
-              </a:r>
-              <a:r>
                 <a:rPr lang="en-US" sz="1200" dirty="0" smtClean="0"/>
-                <a:t> Reader</a:t>
+                <a:t>IFileFormat Reader</a:t>
               </a:r>
               <a:endParaRPr lang="en-US" sz="1200" dirty="0"/>
             </a:p>
@@ -16343,10 +16554,9 @@
             <a:p>
               <a:pPr algn="ctr"/>
               <a:r>
-                <a:rPr lang="en-US" sz="1200" dirty="0" err="1" smtClean="0"/>
+                <a:rPr lang="en-US" sz="1200" dirty="0" smtClean="0"/>
                 <a:t>FileReader</a:t>
               </a:r>
-              <a:endParaRPr lang="en-US" sz="1200" dirty="0" smtClean="0"/>
             </a:p>
             <a:p>
               <a:pPr algn="ctr"/>
@@ -16605,10 +16815,9 @@
             <a:p>
               <a:pPr algn="ctr"/>
               <a:r>
-                <a:rPr lang="en-US" sz="1200" dirty="0" err="1" smtClean="0"/>
+                <a:rPr lang="en-US" sz="1200" dirty="0" smtClean="0"/>
                 <a:t>IEmail</a:t>
               </a:r>
-              <a:endParaRPr lang="en-US" sz="1200" dirty="0" smtClean="0"/>
             </a:p>
             <a:p>
               <a:pPr algn="ctr"/>
@@ -16655,7 +16864,7 @@
             <a:p>
               <a:pPr algn="ctr"/>
               <a:r>
-                <a:rPr lang="en-US" sz="1200" dirty="0" err="1" smtClean="0"/>
+                <a:rPr lang="en-US" sz="1200" dirty="0" smtClean="0"/>
                 <a:t>EmailService</a:t>
               </a:r>
               <a:endParaRPr lang="en-US" sz="1200" dirty="0"/>
@@ -16701,6 +16910,54 @@
           </p:style>
         </p:cxnSp>
       </p:grpSp>
+      <p:sp>
+        <p:nvSpPr>
+          <p:cNvPr id="24" name="Rectangle 23"/>
+          <p:cNvSpPr/>
+          <p:nvPr/>
+        </p:nvSpPr>
+        <p:spPr>
+          <a:xfrm>
+            <a:off x="2514600" y="6553200"/>
+            <a:ext cx="4114800" cy="228600"/>
+          </a:xfrm>
+          <a:prstGeom prst="rect">
+            <a:avLst/>
+          </a:prstGeom>
+          <a:solidFill>
+            <a:schemeClr val="bg1"/>
+          </a:solidFill>
+          <a:ln>
+            <a:solidFill>
+              <a:schemeClr val="bg1"/>
+            </a:solidFill>
+          </a:ln>
+        </p:spPr>
+        <p:style>
+          <a:lnRef idx="2">
+            <a:schemeClr val="accent1">
+              <a:shade val="50000"/>
+            </a:schemeClr>
+          </a:lnRef>
+          <a:fillRef idx="1">
+            <a:schemeClr val="accent1"/>
+          </a:fillRef>
+          <a:effectRef idx="0">
+            <a:schemeClr val="accent1"/>
+          </a:effectRef>
+          <a:fontRef idx="minor">
+            <a:schemeClr val="lt1"/>
+          </a:fontRef>
+        </p:style>
+        <p:txBody>
+          <a:bodyPr rtlCol="0" anchor="ctr"/>
+          <a:lstStyle/>
+          <a:p>
+            <a:pPr algn="ctr"/>
+            <a:endParaRPr lang="en-US"/>
+          </a:p>
+        </p:txBody>
+      </p:sp>
     </p:spTree>
   </p:cSld>
   <p:clrMapOvr>
@@ -16709,7 +16966,7 @@
 </p:sld>
 </file>
 
-<file path=ppt/slides/slide39.xml><?xml version="1.0" encoding="utf-8"?>
+<file path=ppt/slides/slide38.xml><?xml version="1.0" encoding="utf-8"?>
 <p:sld xmlns:a="http://schemas.openxmlformats.org/drawingml/2006/main" xmlns:r="http://schemas.openxmlformats.org/officeDocument/2006/relationships" xmlns:p="http://schemas.openxmlformats.org/presentationml/2006/main">
   <p:cSld>
     <p:spTree>
@@ -17254,152 +17511,7 @@
 </p:sld>
 </file>
 
-<file path=ppt/slides/slide4.xml><?xml version="1.0" encoding="utf-8"?>
-<p:sld xmlns:a="http://schemas.openxmlformats.org/drawingml/2006/main" xmlns:r="http://schemas.openxmlformats.org/officeDocument/2006/relationships" xmlns:p="http://schemas.openxmlformats.org/presentationml/2006/main">
-  <p:cSld>
-    <p:spTree>
-      <p:nvGrpSpPr>
-        <p:cNvPr id="1" name=""/>
-        <p:cNvGrpSpPr/>
-        <p:nvPr/>
-      </p:nvGrpSpPr>
-      <p:grpSpPr>
-        <a:xfrm>
-          <a:off x="0" y="0"/>
-          <a:ext cx="0" cy="0"/>
-          <a:chOff x="0" y="0"/>
-          <a:chExt cx="0" cy="0"/>
-        </a:xfrm>
-      </p:grpSpPr>
-      <p:sp>
-        <p:nvSpPr>
-          <p:cNvPr id="3075" name="Text Placeholder 2"/>
-          <p:cNvSpPr>
-            <a:spLocks noGrp="1"/>
-          </p:cNvSpPr>
-          <p:nvPr>
-            <p:ph type="body" sz="quarter" idx="10"/>
-          </p:nvPr>
-        </p:nvSpPr>
-        <p:spPr>
-          <a:xfrm>
-            <a:off x="685800" y="1066800"/>
-            <a:ext cx="8229600" cy="1219200"/>
-          </a:xfrm>
-        </p:spPr>
-        <p:txBody>
-          <a:bodyPr/>
-          <a:lstStyle/>
-          <a:p>
-            <a:pPr eaLnBrk="1" hangingPunct="1">
-              <a:buNone/>
-            </a:pPr>
-            <a:r>
-              <a:rPr lang="en-US" dirty="0" smtClean="0"/>
-              <a:t>Cohesion:</a:t>
-            </a:r>
-          </a:p>
-          <a:p>
-            <a:pPr lvl="1" eaLnBrk="1" hangingPunct="1">
-              <a:buNone/>
-            </a:pPr>
-            <a:r>
-              <a:rPr lang="en-US" sz="2000" dirty="0" smtClean="0"/>
-              <a:t>“A measure of how strongly-related and focused the various responsibilities of a software module are” - </a:t>
-            </a:r>
-            <a:r>
-              <a:rPr lang="en-US" sz="2000" dirty="0" smtClean="0">
-                <a:hlinkClick r:id="rId3"/>
-              </a:rPr>
-              <a:t>Wikipedia</a:t>
-            </a:r>
-            <a:endParaRPr lang="en-US" sz="2000" dirty="0" smtClean="0"/>
-          </a:p>
-        </p:txBody>
-      </p:sp>
-      <p:sp>
-        <p:nvSpPr>
-          <p:cNvPr id="3074" name="Title 1"/>
-          <p:cNvSpPr>
-            <a:spLocks noGrp="1"/>
-          </p:cNvSpPr>
-          <p:nvPr>
-            <p:ph type="title"/>
-          </p:nvPr>
-        </p:nvSpPr>
-        <p:spPr bwMode="auto">
-          <a:noFill/>
-          <a:ln>
-            <a:miter lim="800000"/>
-            <a:headEnd/>
-            <a:tailEnd/>
-          </a:ln>
-        </p:spPr>
-        <p:txBody>
-          <a:bodyPr vert="horz" wrap="square" lIns="91440" tIns="45720" rIns="91440" bIns="45720" numCol="1" anchor="t" anchorCtr="0" compatLnSpc="1">
-            <a:prstTxWarp prst="textNoShape">
-              <a:avLst/>
-            </a:prstTxWarp>
-          </a:bodyPr>
-          <a:lstStyle/>
-          <a:p>
-            <a:pPr eaLnBrk="1" hangingPunct="1"/>
-            <a:r>
-              <a:rPr lang="en-US" dirty="0" smtClean="0"/>
-              <a:t>Object Oriented Principles</a:t>
-            </a:r>
-          </a:p>
-        </p:txBody>
-      </p:sp>
-      <p:pic>
-        <p:nvPicPr>
-          <p:cNvPr id="1026" name="Picture 2"/>
-          <p:cNvPicPr>
-            <a:picLocks noChangeAspect="1" noChangeArrowheads="1"/>
-          </p:cNvPicPr>
-          <p:nvPr/>
-        </p:nvPicPr>
-        <p:blipFill>
-          <a:blip r:embed="rId4"/>
-          <a:srcRect/>
-          <a:stretch>
-            <a:fillRect/>
-          </a:stretch>
-        </p:blipFill>
-        <p:spPr bwMode="auto">
-          <a:xfrm>
-            <a:off x="2428875" y="2762250"/>
-            <a:ext cx="4286250" cy="3333750"/>
-          </a:xfrm>
-          <a:prstGeom prst="rect">
-            <a:avLst/>
-          </a:prstGeom>
-          <a:noFill/>
-          <a:ln w="9525">
-            <a:noFill/>
-            <a:miter lim="800000"/>
-            <a:headEnd/>
-            <a:tailEnd/>
-          </a:ln>
-          <a:effectLst/>
-        </p:spPr>
-      </p:pic>
-    </p:spTree>
-  </p:cSld>
-  <p:clrMapOvr>
-    <a:masterClrMapping/>
-  </p:clrMapOvr>
-  <p:timing>
-    <p:tnLst>
-      <p:par>
-        <p:cTn id="1" dur="indefinite" restart="never" nodeType="tmRoot"/>
-      </p:par>
-    </p:tnLst>
-  </p:timing>
-</p:sld>
-</file>
-
-<file path=ppt/slides/slide40.xml><?xml version="1.0" encoding="utf-8"?>
+<file path=ppt/slides/slide39.xml><?xml version="1.0" encoding="utf-8"?>
 <p:sld xmlns:a="http://schemas.openxmlformats.org/drawingml/2006/main" xmlns:r="http://schemas.openxmlformats.org/officeDocument/2006/relationships" xmlns:p="http://schemas.openxmlformats.org/presentationml/2006/main">
   <p:cSld>
     <p:spTree>
@@ -18241,6 +18353,199 @@
               <a:ea typeface="+mn-ea"/>
               <a:cs typeface="+mn-cs"/>
             </a:endParaRPr>
+          </a:p>
+        </p:txBody>
+      </p:sp>
+    </p:spTree>
+  </p:cSld>
+  <p:clrMapOvr>
+    <a:masterClrMapping/>
+  </p:clrMapOvr>
+  <p:timing>
+    <p:tnLst>
+      <p:par>
+        <p:cTn id="1" dur="indefinite" restart="never" nodeType="tmRoot"/>
+      </p:par>
+    </p:tnLst>
+  </p:timing>
+</p:sld>
+</file>
+
+<file path=ppt/slides/slide4.xml><?xml version="1.0" encoding="utf-8"?>
+<p:sld xmlns:a="http://schemas.openxmlformats.org/drawingml/2006/main" xmlns:r="http://schemas.openxmlformats.org/officeDocument/2006/relationships" xmlns:p="http://schemas.openxmlformats.org/presentationml/2006/main">
+  <p:cSld>
+    <p:spTree>
+      <p:nvGrpSpPr>
+        <p:cNvPr id="1" name=""/>
+        <p:cNvGrpSpPr/>
+        <p:nvPr/>
+      </p:nvGrpSpPr>
+      <p:grpSpPr>
+        <a:xfrm>
+          <a:off x="0" y="0"/>
+          <a:ext cx="0" cy="0"/>
+          <a:chOff x="0" y="0"/>
+          <a:chExt cx="0" cy="0"/>
+        </a:xfrm>
+      </p:grpSpPr>
+      <p:sp>
+        <p:nvSpPr>
+          <p:cNvPr id="3075" name="Text Placeholder 2"/>
+          <p:cNvSpPr>
+            <a:spLocks noGrp="1"/>
+          </p:cNvSpPr>
+          <p:nvPr>
+            <p:ph type="body" sz="quarter" idx="10"/>
+          </p:nvPr>
+        </p:nvSpPr>
+        <p:spPr>
+          <a:xfrm>
+            <a:off x="685800" y="1066800"/>
+            <a:ext cx="8229600" cy="1219200"/>
+          </a:xfrm>
+        </p:spPr>
+        <p:txBody>
+          <a:bodyPr/>
+          <a:lstStyle/>
+          <a:p>
+            <a:pPr eaLnBrk="1" hangingPunct="1">
+              <a:buNone/>
+            </a:pPr>
+            <a:r>
+              <a:rPr lang="en-US" dirty="0" smtClean="0"/>
+              <a:t>Cohesion:</a:t>
+            </a:r>
+          </a:p>
+          <a:p>
+            <a:pPr lvl="1" eaLnBrk="1" hangingPunct="1">
+              <a:buNone/>
+            </a:pPr>
+            <a:r>
+              <a:rPr lang="en-US" sz="2000" dirty="0" smtClean="0"/>
+              <a:t>“A measure of how strongly-related and focused the various responsibilities of a software module are” - </a:t>
+            </a:r>
+            <a:r>
+              <a:rPr lang="en-US" sz="2000" dirty="0" smtClean="0">
+                <a:hlinkClick r:id="rId3"/>
+              </a:rPr>
+              <a:t>Wikipedia</a:t>
+            </a:r>
+            <a:endParaRPr lang="en-US" sz="2000" dirty="0" smtClean="0"/>
+          </a:p>
+        </p:txBody>
+      </p:sp>
+      <p:sp>
+        <p:nvSpPr>
+          <p:cNvPr id="3074" name="Title 1"/>
+          <p:cNvSpPr>
+            <a:spLocks noGrp="1"/>
+          </p:cNvSpPr>
+          <p:nvPr>
+            <p:ph type="title"/>
+          </p:nvPr>
+        </p:nvSpPr>
+        <p:spPr bwMode="auto">
+          <a:noFill/>
+          <a:ln>
+            <a:miter lim="800000"/>
+            <a:headEnd/>
+            <a:tailEnd/>
+          </a:ln>
+        </p:spPr>
+        <p:txBody>
+          <a:bodyPr vert="horz" wrap="square" lIns="91440" tIns="45720" rIns="91440" bIns="45720" numCol="1" anchor="t" anchorCtr="0" compatLnSpc="1">
+            <a:prstTxWarp prst="textNoShape">
+              <a:avLst/>
+            </a:prstTxWarp>
+          </a:bodyPr>
+          <a:lstStyle/>
+          <a:p>
+            <a:pPr eaLnBrk="1" hangingPunct="1"/>
+            <a:r>
+              <a:rPr lang="en-US" dirty="0" smtClean="0"/>
+              <a:t>Object Oriented Principles</a:t>
+            </a:r>
+          </a:p>
+        </p:txBody>
+      </p:sp>
+      <p:pic>
+        <p:nvPicPr>
+          <p:cNvPr id="1026" name="Picture 2"/>
+          <p:cNvPicPr>
+            <a:picLocks noChangeAspect="1" noChangeArrowheads="1"/>
+          </p:cNvPicPr>
+          <p:nvPr/>
+        </p:nvPicPr>
+        <p:blipFill>
+          <a:blip r:embed="rId4"/>
+          <a:srcRect/>
+          <a:stretch>
+            <a:fillRect/>
+          </a:stretch>
+        </p:blipFill>
+        <p:spPr bwMode="auto">
+          <a:xfrm>
+            <a:off x="2428875" y="2762250"/>
+            <a:ext cx="4286250" cy="3333750"/>
+          </a:xfrm>
+          <a:prstGeom prst="rect">
+            <a:avLst/>
+          </a:prstGeom>
+          <a:noFill/>
+          <a:ln w="9525">
+            <a:noFill/>
+            <a:miter lim="800000"/>
+            <a:headEnd/>
+            <a:tailEnd/>
+          </a:ln>
+          <a:effectLst/>
+        </p:spPr>
+      </p:pic>
+      <p:sp>
+        <p:nvSpPr>
+          <p:cNvPr id="5" name="Rectangle 4"/>
+          <p:cNvSpPr/>
+          <p:nvPr/>
+        </p:nvSpPr>
+        <p:spPr>
+          <a:xfrm>
+            <a:off x="2514600" y="6553200"/>
+            <a:ext cx="4114800" cy="228600"/>
+          </a:xfrm>
+          <a:prstGeom prst="rect">
+            <a:avLst/>
+          </a:prstGeom>
+          <a:solidFill>
+            <a:schemeClr val="bg1"/>
+          </a:solidFill>
+          <a:ln>
+            <a:solidFill>
+              <a:schemeClr val="bg1"/>
+            </a:solidFill>
+          </a:ln>
+        </p:spPr>
+        <p:style>
+          <a:lnRef idx="2">
+            <a:schemeClr val="accent1">
+              <a:shade val="50000"/>
+            </a:schemeClr>
+          </a:lnRef>
+          <a:fillRef idx="1">
+            <a:schemeClr val="accent1"/>
+          </a:fillRef>
+          <a:effectRef idx="0">
+            <a:schemeClr val="accent1"/>
+          </a:effectRef>
+          <a:fontRef idx="minor">
+            <a:schemeClr val="lt1"/>
+          </a:fontRef>
+        </p:style>
+        <p:txBody>
+          <a:bodyPr rtlCol="0" anchor="ctr"/>
+          <a:lstStyle/>
+          <a:p>
+            <a:pPr algn="ctr"/>
+            <a:endParaRPr lang="en-US"/>
           </a:p>
         </p:txBody>
       </p:sp>
@@ -19144,6 +19449,54 @@
           </p:style>
         </p:cxnSp>
       </p:grpSp>
+      <p:sp>
+        <p:nvSpPr>
+          <p:cNvPr id="29" name="Rectangle 28"/>
+          <p:cNvSpPr/>
+          <p:nvPr/>
+        </p:nvSpPr>
+        <p:spPr>
+          <a:xfrm>
+            <a:off x="2514600" y="6553200"/>
+            <a:ext cx="4114800" cy="228600"/>
+          </a:xfrm>
+          <a:prstGeom prst="rect">
+            <a:avLst/>
+          </a:prstGeom>
+          <a:solidFill>
+            <a:schemeClr val="bg1"/>
+          </a:solidFill>
+          <a:ln>
+            <a:solidFill>
+              <a:schemeClr val="bg1"/>
+            </a:solidFill>
+          </a:ln>
+        </p:spPr>
+        <p:style>
+          <a:lnRef idx="2">
+            <a:schemeClr val="accent1">
+              <a:shade val="50000"/>
+            </a:schemeClr>
+          </a:lnRef>
+          <a:fillRef idx="1">
+            <a:schemeClr val="accent1"/>
+          </a:fillRef>
+          <a:effectRef idx="0">
+            <a:schemeClr val="accent1"/>
+          </a:effectRef>
+          <a:fontRef idx="minor">
+            <a:schemeClr val="lt1"/>
+          </a:fontRef>
+        </p:style>
+        <p:txBody>
+          <a:bodyPr rtlCol="0" anchor="ctr"/>
+          <a:lstStyle/>
+          <a:p>
+            <a:pPr algn="ctr"/>
+            <a:endParaRPr lang="en-US"/>
+          </a:p>
+        </p:txBody>
+      </p:sp>
     </p:spTree>
   </p:cSld>
   <p:clrMapOvr>
@@ -19384,6 +19737,54 @@
               <a:rPr lang="en-US" dirty="0" smtClean="0"/>
               <a:t>S.O.L.I.D. Principles</a:t>
             </a:r>
+          </a:p>
+        </p:txBody>
+      </p:sp>
+      <p:sp>
+        <p:nvSpPr>
+          <p:cNvPr id="4" name="Rectangle 3"/>
+          <p:cNvSpPr/>
+          <p:nvPr/>
+        </p:nvSpPr>
+        <p:spPr>
+          <a:xfrm>
+            <a:off x="2514600" y="6553200"/>
+            <a:ext cx="4114800" cy="228600"/>
+          </a:xfrm>
+          <a:prstGeom prst="rect">
+            <a:avLst/>
+          </a:prstGeom>
+          <a:solidFill>
+            <a:schemeClr val="bg1"/>
+          </a:solidFill>
+          <a:ln>
+            <a:solidFill>
+              <a:schemeClr val="bg1"/>
+            </a:solidFill>
+          </a:ln>
+        </p:spPr>
+        <p:style>
+          <a:lnRef idx="2">
+            <a:schemeClr val="accent1">
+              <a:shade val="50000"/>
+            </a:schemeClr>
+          </a:lnRef>
+          <a:fillRef idx="1">
+            <a:schemeClr val="accent1"/>
+          </a:fillRef>
+          <a:effectRef idx="0">
+            <a:schemeClr val="accent1"/>
+          </a:effectRef>
+          <a:fontRef idx="minor">
+            <a:schemeClr val="lt1"/>
+          </a:fontRef>
+        </p:style>
+        <p:txBody>
+          <a:bodyPr rtlCol="0" anchor="ctr"/>
+          <a:lstStyle/>
+          <a:p>
+            <a:pPr algn="ctr"/>
+            <a:endParaRPr lang="en-US"/>
           </a:p>
         </p:txBody>
       </p:sp>
@@ -19872,6 +20273,54 @@
           </a:scene3d>
         </p:spPr>
       </p:pic>
+      <p:sp>
+        <p:nvSpPr>
+          <p:cNvPr id="5" name="Rectangle 4"/>
+          <p:cNvSpPr/>
+          <p:nvPr/>
+        </p:nvSpPr>
+        <p:spPr>
+          <a:xfrm>
+            <a:off x="2514600" y="6553200"/>
+            <a:ext cx="4114800" cy="228600"/>
+          </a:xfrm>
+          <a:prstGeom prst="rect">
+            <a:avLst/>
+          </a:prstGeom>
+          <a:solidFill>
+            <a:schemeClr val="bg1"/>
+          </a:solidFill>
+          <a:ln>
+            <a:solidFill>
+              <a:schemeClr val="bg1"/>
+            </a:solidFill>
+          </a:ln>
+        </p:spPr>
+        <p:style>
+          <a:lnRef idx="2">
+            <a:schemeClr val="accent1">
+              <a:shade val="50000"/>
+            </a:schemeClr>
+          </a:lnRef>
+          <a:fillRef idx="1">
+            <a:schemeClr val="accent1"/>
+          </a:fillRef>
+          <a:effectRef idx="0">
+            <a:schemeClr val="accent1"/>
+          </a:effectRef>
+          <a:fontRef idx="minor">
+            <a:schemeClr val="lt1"/>
+          </a:fontRef>
+        </p:style>
+        <p:txBody>
+          <a:bodyPr rtlCol="0" anchor="ctr"/>
+          <a:lstStyle/>
+          <a:p>
+            <a:pPr algn="ctr"/>
+            <a:endParaRPr lang="en-US"/>
+          </a:p>
+        </p:txBody>
+      </p:sp>
     </p:spTree>
   </p:cSld>
   <p:clrMapOvr>

--- a/SOLID Principles - Step By Step Code/SOLID Principles Presentation.pptx
+++ b/SOLID Principles - Step By Step Code/SOLID Principles Presentation.pptx
@@ -5,7 +5,7 @@
     <p:sldMasterId id="2147483960" r:id="rId1"/>
   </p:sldMasterIdLst>
   <p:notesMasterIdLst>
-    <p:notesMasterId r:id="rId38"/>
+    <p:notesMasterId r:id="rId37"/>
   </p:notesMasterIdLst>
   <p:sldIdLst>
     <p:sldId id="332" r:id="rId2"/>
@@ -43,7 +43,6 @@
     <p:sldId id="349" r:id="rId34"/>
     <p:sldId id="350" r:id="rId35"/>
     <p:sldId id="327" r:id="rId36"/>
-    <p:sldId id="328" r:id="rId37"/>
   </p:sldIdLst>
   <p:sldSz cx="9144000" cy="6858000" type="screen4x3"/>
   <p:notesSz cx="6858000" cy="9144000"/>
@@ -1528,36 +1527,6 @@
 </p:sldLayout>
 </file>
 
-<file path=ppt/slideLayouts/slideLayout14.xml><?xml version="1.0" encoding="utf-8"?>
-<p:sldLayout xmlns:a="http://schemas.openxmlformats.org/drawingml/2006/main" xmlns:r="http://schemas.openxmlformats.org/officeDocument/2006/relationships" xmlns:p="http://schemas.openxmlformats.org/presentationml/2006/main" userDrawn="1">
-  <p:cSld name="2_Title and Content">
-    <p:spTree>
-      <p:nvGrpSpPr>
-        <p:cNvPr id="1" name=""/>
-        <p:cNvGrpSpPr/>
-        <p:nvPr/>
-      </p:nvGrpSpPr>
-      <p:grpSpPr>
-        <a:xfrm>
-          <a:off x="0" y="0"/>
-          <a:ext cx="0" cy="0"/>
-          <a:chOff x="0" y="0"/>
-          <a:chExt cx="0" cy="0"/>
-        </a:xfrm>
-      </p:grpSpPr>
-    </p:spTree>
-    <p:extLst>
-      <p:ext uri="{BB962C8B-B14F-4D97-AF65-F5344CB8AC3E}">
-        <p14:creationId xmlns:p14="http://schemas.microsoft.com/office/powerpoint/2010/main" val="778798192"/>
-      </p:ext>
-    </p:extLst>
-  </p:cSld>
-  <p:clrMapOvr>
-    <a:masterClrMapping/>
-  </p:clrMapOvr>
-</p:sldLayout>
-</file>
-
 <file path=ppt/slideLayouts/slideLayout2.xml><?xml version="1.0" encoding="utf-8"?>
 <p:sldLayout xmlns:a="http://schemas.openxmlformats.org/drawingml/2006/main" xmlns:r="http://schemas.openxmlformats.org/officeDocument/2006/relationships" xmlns:p="http://schemas.openxmlformats.org/presentationml/2006/main" type="obj" preserve="1">
   <p:cSld name="Title and Content">
@@ -3929,7 +3898,6 @@
     <p:sldLayoutId id="2147483971" r:id="rId11"/>
     <p:sldLayoutId id="2147483972" r:id="rId12"/>
     <p:sldLayoutId id="2147483973" r:id="rId13"/>
-    <p:sldLayoutId id="2147483974" r:id="rId14"/>
   </p:sldLayoutIdLst>
   <p:hf sldNum="0" hdr="0" ftr="0" dt="0"/>
   <p:txStyles>
@@ -8330,89 +8298,6 @@
               <a:defRPr/>
             </a:pPr>
             <a:endParaRPr lang="en-US"/>
-          </a:p>
-        </p:txBody>
-      </p:sp>
-      <p:sp>
-        <p:nvSpPr>
-          <p:cNvPr id="2054" name="TextBox 16"/>
-          <p:cNvSpPr txBox="1">
-            <a:spLocks noChangeArrowheads="1"/>
-          </p:cNvSpPr>
-          <p:nvPr/>
-        </p:nvSpPr>
-        <p:spPr bwMode="auto">
-          <a:xfrm>
-            <a:off x="2819400" y="6581775"/>
-            <a:ext cx="3429000" cy="276999"/>
-          </a:xfrm>
-          <a:prstGeom prst="rect">
-            <a:avLst/>
-          </a:prstGeom>
-          <a:ln w="12700" cmpd="sng">
-            <a:solidFill>
-              <a:schemeClr val="bg1"/>
-            </a:solidFill>
-            <a:headEnd/>
-            <a:tailEnd/>
-          </a:ln>
-        </p:spPr>
-        <p:style>
-          <a:lnRef idx="2">
-            <a:schemeClr val="accent3">
-              <a:shade val="50000"/>
-            </a:schemeClr>
-          </a:lnRef>
-          <a:fillRef idx="1">
-            <a:schemeClr val="accent3"/>
-          </a:fillRef>
-          <a:effectRef idx="0">
-            <a:schemeClr val="accent3"/>
-          </a:effectRef>
-          <a:fontRef idx="minor">
-            <a:schemeClr val="lt1"/>
-          </a:fontRef>
-        </p:style>
-        <p:txBody>
-          <a:bodyPr>
-            <a:spAutoFit/>
-          </a:bodyPr>
-          <a:lstStyle/>
-          <a:p>
-            <a:pPr algn="ctr"/>
-            <a:r>
-              <a:rPr lang="en-US" sz="1200" dirty="0" smtClean="0">
-                <a:solidFill>
-                  <a:schemeClr val="bg1"/>
-                </a:solidFill>
-                <a:latin typeface="Calibri" pitchFamily="34" charset="0"/>
-              </a:rPr>
-              <a:t>Presentation </a:t>
-            </a:r>
-            <a:r>
-              <a:rPr lang="en-US" sz="1200" dirty="0" smtClean="0">
-                <a:solidFill>
-                  <a:schemeClr val="bg1"/>
-                </a:solidFill>
-                <a:latin typeface="Calibri" pitchFamily="34" charset="0"/>
-              </a:rPr>
-              <a:t>Copyright ©2011 Muted Solutions, </a:t>
-            </a:r>
-            <a:r>
-              <a:rPr lang="en-US" sz="1200" dirty="0" smtClean="0">
-                <a:solidFill>
-                  <a:schemeClr val="bg1"/>
-                </a:solidFill>
-                <a:latin typeface="Calibri" pitchFamily="34" charset="0"/>
-              </a:rPr>
-              <a:t>LLC</a:t>
-            </a:r>
-            <a:endParaRPr lang="en-US" sz="1200" dirty="0">
-              <a:solidFill>
-                <a:schemeClr val="bg1"/>
-              </a:solidFill>
-              <a:latin typeface="Calibri" pitchFamily="34" charset="0"/>
-            </a:endParaRPr>
           </a:p>
         </p:txBody>
       </p:sp>
@@ -18671,13 +18556,13 @@
         </p:nvSpPr>
         <p:spPr>
           <a:xfrm>
-            <a:off x="514350" y="1143000"/>
-            <a:ext cx="8229600" cy="3048000"/>
+            <a:off x="514350" y="1142999"/>
+            <a:ext cx="8229600" cy="3425051"/>
           </a:xfrm>
         </p:spPr>
         <p:txBody>
           <a:bodyPr>
-            <a:normAutofit fontScale="92500" lnSpcReduction="10000"/>
+            <a:noAutofit/>
           </a:bodyPr>
           <a:lstStyle/>
           <a:p>
@@ -18717,17 +18602,17 @@
               <a:t>	</a:t>
             </a:r>
             <a:r>
-              <a:rPr lang="en-US" sz="1900" dirty="0" smtClean="0">
+              <a:rPr lang="en-US" sz="2000" dirty="0" smtClean="0">
                 <a:solidFill>
-                  <a:schemeClr val="bg1"/>
+                  <a:srgbClr val="292934"/>
                 </a:solidFill>
               </a:rPr>
               <a:t>http</a:t>
             </a:r>
             <a:r>
-              <a:rPr lang="en-US" sz="1900" dirty="0" smtClean="0">
+              <a:rPr lang="en-US" sz="2000" dirty="0" smtClean="0">
                 <a:solidFill>
-                  <a:schemeClr val="bg1"/>
+                  <a:srgbClr val="292934"/>
                 </a:solidFill>
               </a:rPr>
               <a:t>://butunclebob.com/ArticleS.UncleBob.PrinciplesOfOod</a:t>
@@ -18740,7 +18625,7 @@
               </a:lnSpc>
               <a:buNone/>
             </a:pPr>
-            <a:endParaRPr lang="en-US" sz="1900" dirty="0" smtClean="0">
+            <a:endParaRPr lang="en-US" sz="2000" dirty="0" smtClean="0">
               <a:solidFill>
                 <a:schemeClr val="bg1"/>
               </a:solidFill>
@@ -18791,7 +18676,7 @@
                   <a:schemeClr val="bg1"/>
                 </a:solidFill>
               </a:rPr>
-              <a:t> SOLID, and Pablo’s </a:t>
+              <a:t> SOLID, SOLID </a:t>
             </a:r>
             <a:r>
               <a:rPr lang="en-US" sz="2000" dirty="0" smtClean="0">
@@ -18799,7 +18684,7 @@
                   <a:schemeClr val="bg1"/>
                 </a:solidFill>
               </a:rPr>
-              <a:t>SOLID E-</a:t>
+              <a:t>E-</a:t>
             </a:r>
             <a:r>
               <a:rPr lang="en-US" sz="2000" dirty="0" smtClean="0">
@@ -18807,7 +18692,7 @@
                   <a:schemeClr val="bg1"/>
                 </a:solidFill>
               </a:rPr>
-              <a:t>Book</a:t>
+              <a:t>Book, and more</a:t>
             </a:r>
           </a:p>
           <a:p>
@@ -18826,26 +18711,14 @@
               <a:t>	</a:t>
             </a:r>
             <a:r>
-              <a:rPr lang="en-US" sz="1900" dirty="0" smtClean="0">
-                <a:solidFill>
-                  <a:schemeClr val="bg1"/>
-                </a:solidFill>
-              </a:rPr>
+              <a:rPr lang="en-US" sz="2000" dirty="0" smtClean="0"/>
               <a:t>http://</a:t>
             </a:r>
             <a:r>
-              <a:rPr lang="en-US" sz="1900" dirty="0" err="1" smtClean="0">
-                <a:solidFill>
-                  <a:schemeClr val="bg1"/>
-                </a:solidFill>
-              </a:rPr>
+              <a:rPr lang="en-US" sz="2000" dirty="0" err="1" smtClean="0"/>
               <a:t>lostechies.com</a:t>
             </a:r>
-            <a:endParaRPr lang="en-US" sz="1900" dirty="0" smtClean="0">
-              <a:solidFill>
-                <a:schemeClr val="bg1"/>
-              </a:solidFill>
-            </a:endParaRPr>
+            <a:endParaRPr lang="en-US" sz="2000" dirty="0" smtClean="0"/>
           </a:p>
           <a:p>
             <a:pPr>
@@ -18854,91 +18727,7 @@
               </a:lnSpc>
               <a:buNone/>
             </a:pPr>
-            <a:endParaRPr lang="en-US" sz="1900" dirty="0">
-              <a:solidFill>
-                <a:schemeClr val="bg1"/>
-              </a:solidFill>
-            </a:endParaRPr>
-          </a:p>
-          <a:p>
-            <a:pPr>
-              <a:lnSpc>
-                <a:spcPct val="80000"/>
-              </a:lnSpc>
-              <a:buNone/>
-            </a:pPr>
-            <a:r>
-              <a:rPr lang="en-US" sz="2000" dirty="0">
-                <a:solidFill>
-                  <a:schemeClr val="bg1"/>
-                </a:solidFill>
-              </a:rPr>
-              <a:t>Agile Principles, Patterns, And Practices In C</a:t>
-            </a:r>
-            <a:r>
-              <a:rPr lang="en-US" sz="2000" dirty="0" smtClean="0">
-                <a:solidFill>
-                  <a:schemeClr val="bg1"/>
-                </a:solidFill>
-              </a:rPr>
-              <a:t>#</a:t>
-            </a:r>
-          </a:p>
-          <a:p>
-            <a:pPr>
-              <a:lnSpc>
-                <a:spcPct val="80000"/>
-              </a:lnSpc>
-              <a:buNone/>
-            </a:pPr>
-            <a:r>
-              <a:rPr lang="en-US" sz="2000" dirty="0">
-                <a:solidFill>
-                  <a:schemeClr val="bg1"/>
-                </a:solidFill>
-              </a:rPr>
-              <a:t>	</a:t>
-            </a:r>
-            <a:r>
-              <a:rPr lang="en-US" sz="1900" dirty="0" smtClean="0">
-                <a:solidFill>
-                  <a:schemeClr val="bg1"/>
-                </a:solidFill>
-              </a:rPr>
-              <a:t>by </a:t>
-            </a:r>
-            <a:r>
-              <a:rPr lang="en-US" sz="1900" dirty="0">
-                <a:solidFill>
-                  <a:schemeClr val="bg1"/>
-                </a:solidFill>
-              </a:rPr>
-              <a:t>Robert (Uncle Bob) Martin and Micah </a:t>
-            </a:r>
-            <a:r>
-              <a:rPr lang="en-US" sz="1900" dirty="0" smtClean="0">
-                <a:solidFill>
-                  <a:schemeClr val="bg1"/>
-                </a:solidFill>
-              </a:rPr>
-              <a:t>Martin</a:t>
-            </a:r>
-            <a:r>
-              <a:rPr lang="en-US" dirty="0" smtClean="0">
-                <a:solidFill>
-                  <a:schemeClr val="bg1"/>
-                </a:solidFill>
-              </a:rPr>
-              <a:t/>
-            </a:r>
-            <a:br>
-              <a:rPr lang="en-US" dirty="0" smtClean="0">
-                <a:solidFill>
-                  <a:schemeClr val="bg1"/>
-                </a:solidFill>
-              </a:rPr>
-            </a:br>
-            <a:endParaRPr lang="en-US" dirty="0">
+            <a:endParaRPr lang="en-US" sz="2000" dirty="0">
               <a:solidFill>
                 <a:schemeClr val="bg1"/>
               </a:solidFill>
@@ -18973,148 +18762,661 @@
               <a:buNone/>
             </a:pPr>
             <a:r>
-              <a:rPr lang="pl-PL" sz="1900" dirty="0">
+              <a:rPr lang="pl-PL" dirty="0">
+                <a:solidFill>
+                  <a:srgbClr val="292934"/>
+                </a:solidFill>
+              </a:rPr>
+              <a:t>http://www.code-magazine.com/article.aspx?quickid=</a:t>
+            </a:r>
+            <a:r>
+              <a:rPr lang="pl-PL" dirty="0" smtClean="0">
+                <a:solidFill>
+                  <a:srgbClr val="292934"/>
+                </a:solidFill>
+              </a:rPr>
+              <a:t>1001061</a:t>
+            </a:r>
+            <a:endParaRPr lang="en-US" dirty="0">
+              <a:solidFill>
+                <a:srgbClr val="292934"/>
+              </a:solidFill>
+            </a:endParaRPr>
+          </a:p>
+          <a:p>
+            <a:pPr>
+              <a:lnSpc>
+                <a:spcPct val="80000"/>
+              </a:lnSpc>
+              <a:buNone/>
+            </a:pPr>
+            <a:endParaRPr lang="en-US" sz="2000" dirty="0" smtClean="0">
+              <a:solidFill>
+                <a:schemeClr val="bg1"/>
+              </a:solidFill>
+            </a:endParaRPr>
+          </a:p>
+          <a:p>
+            <a:pPr>
+              <a:lnSpc>
+                <a:spcPct val="80000"/>
+              </a:lnSpc>
+              <a:buNone/>
+            </a:pPr>
+            <a:r>
+              <a:rPr lang="en-US" sz="2000" dirty="0" smtClean="0">
                 <a:solidFill>
                   <a:schemeClr val="bg1"/>
                 </a:solidFill>
               </a:rPr>
-              <a:t>http://</a:t>
+              <a:t>Agile </a:t>
             </a:r>
             <a:r>
-              <a:rPr lang="pl-PL" sz="1900" dirty="0" err="1">
+              <a:rPr lang="en-US" sz="2000" dirty="0">
                 <a:solidFill>
                   <a:schemeClr val="bg1"/>
                 </a:solidFill>
               </a:rPr>
-              <a:t>www.code-magazine.com</a:t>
+              <a:t>Principles, Patterns, And Practices In C#</a:t>
+            </a:r>
+          </a:p>
+          <a:p>
+            <a:pPr>
+              <a:lnSpc>
+                <a:spcPct val="80000"/>
+              </a:lnSpc>
+              <a:buNone/>
+            </a:pPr>
+            <a:r>
+              <a:rPr lang="en-US" sz="2000" dirty="0">
+                <a:solidFill>
+                  <a:srgbClr val="292934"/>
+                </a:solidFill>
+              </a:rPr>
+              <a:t>	by Robert </a:t>
             </a:r>
             <a:r>
-              <a:rPr lang="pl-PL" sz="1900" dirty="0">
+              <a:rPr lang="en-US" sz="2000" dirty="0" smtClean="0">
+                <a:solidFill>
+                  <a:srgbClr val="292934"/>
+                </a:solidFill>
+              </a:rPr>
+              <a:t>and </a:t>
+            </a:r>
+            <a:r>
+              <a:rPr lang="en-US" sz="2000" dirty="0">
+                <a:solidFill>
+                  <a:srgbClr val="292934"/>
+                </a:solidFill>
+              </a:rPr>
+              <a:t>Micah </a:t>
+            </a:r>
+            <a:r>
+              <a:rPr lang="en-US" sz="2000" dirty="0" smtClean="0">
+                <a:solidFill>
+                  <a:srgbClr val="292934"/>
+                </a:solidFill>
+              </a:rPr>
+              <a:t>Martin, published by Prentice Hall</a:t>
+            </a:r>
+            <a:endParaRPr lang="en-US" sz="2000" dirty="0">
+              <a:solidFill>
+                <a:srgbClr val="292934"/>
+              </a:solidFill>
+            </a:endParaRPr>
+          </a:p>
+        </p:txBody>
+      </p:sp>
+      <p:sp>
+        <p:nvSpPr>
+          <p:cNvPr id="7" name="Rectangle 9"/>
+          <p:cNvSpPr txBox="1">
+            <a:spLocks noChangeArrowheads="1"/>
+          </p:cNvSpPr>
+          <p:nvPr/>
+        </p:nvSpPr>
+        <p:spPr>
+          <a:xfrm>
+            <a:off x="112713" y="4800600"/>
+            <a:ext cx="4427298" cy="1933575"/>
+          </a:xfrm>
+          <a:prstGeom prst="rect">
+            <a:avLst/>
+          </a:prstGeom>
+        </p:spPr>
+        <p:txBody>
+          <a:bodyPr vert="horz" lIns="91440" tIns="45720" rIns="91440" bIns="45720" rtlCol="0">
+            <a:normAutofit/>
+          </a:bodyPr>
+          <a:lstStyle>
+            <a:lvl1pPr marL="182880" indent="-182880" algn="l" defTabSz="914400" rtl="0" eaLnBrk="1" latinLnBrk="0" hangingPunct="1">
+              <a:spcBef>
+                <a:spcPct val="20000"/>
+              </a:spcBef>
+              <a:buClr>
+                <a:schemeClr val="accent1"/>
+              </a:buClr>
+              <a:buSzPct val="85000"/>
+              <a:buFont typeface="Arial" pitchFamily="34" charset="0"/>
+              <a:buChar char="•"/>
+              <a:defRPr sz="2400" kern="1200">
+                <a:solidFill>
+                  <a:schemeClr val="tx1"/>
+                </a:solidFill>
+                <a:latin typeface="+mn-lt"/>
+                <a:ea typeface="+mn-ea"/>
+                <a:cs typeface="+mn-cs"/>
+              </a:defRPr>
+            </a:lvl1pPr>
+            <a:lvl2pPr marL="457200" indent="-182880" algn="l" defTabSz="914400" rtl="0" eaLnBrk="1" latinLnBrk="0" hangingPunct="1">
+              <a:spcBef>
+                <a:spcPct val="20000"/>
+              </a:spcBef>
+              <a:buClr>
+                <a:schemeClr val="accent1"/>
+              </a:buClr>
+              <a:buSzPct val="85000"/>
+              <a:buFont typeface="Arial" pitchFamily="34" charset="0"/>
+              <a:buChar char="•"/>
+              <a:defRPr sz="2000" kern="1200">
+                <a:solidFill>
+                  <a:schemeClr val="tx1"/>
+                </a:solidFill>
+                <a:latin typeface="+mn-lt"/>
+                <a:ea typeface="+mn-ea"/>
+                <a:cs typeface="+mn-cs"/>
+              </a:defRPr>
+            </a:lvl2pPr>
+            <a:lvl3pPr marL="731520" indent="-182880" algn="l" defTabSz="914400" rtl="0" eaLnBrk="1" latinLnBrk="0" hangingPunct="1">
+              <a:spcBef>
+                <a:spcPct val="20000"/>
+              </a:spcBef>
+              <a:buClr>
+                <a:schemeClr val="accent1"/>
+              </a:buClr>
+              <a:buSzPct val="90000"/>
+              <a:buFont typeface="Arial" pitchFamily="34" charset="0"/>
+              <a:buChar char="•"/>
+              <a:defRPr sz="1800" kern="1200">
+                <a:solidFill>
+                  <a:schemeClr val="tx1"/>
+                </a:solidFill>
+                <a:latin typeface="+mn-lt"/>
+                <a:ea typeface="+mn-ea"/>
+                <a:cs typeface="+mn-cs"/>
+              </a:defRPr>
+            </a:lvl3pPr>
+            <a:lvl4pPr marL="1005840" indent="-182880" algn="l" defTabSz="914400" rtl="0" eaLnBrk="1" latinLnBrk="0" hangingPunct="1">
+              <a:spcBef>
+                <a:spcPct val="20000"/>
+              </a:spcBef>
+              <a:buClr>
+                <a:schemeClr val="accent1"/>
+              </a:buClr>
+              <a:buFont typeface="Arial" pitchFamily="34" charset="0"/>
+              <a:buChar char="•"/>
+              <a:defRPr sz="1600" kern="1200">
+                <a:solidFill>
+                  <a:schemeClr val="tx1"/>
+                </a:solidFill>
+                <a:latin typeface="+mn-lt"/>
+                <a:ea typeface="+mn-ea"/>
+                <a:cs typeface="+mn-cs"/>
+              </a:defRPr>
+            </a:lvl4pPr>
+            <a:lvl5pPr marL="1188720" indent="-137160" algn="l" defTabSz="914400" rtl="0" eaLnBrk="1" latinLnBrk="0" hangingPunct="1">
+              <a:spcBef>
+                <a:spcPct val="20000"/>
+              </a:spcBef>
+              <a:buClr>
+                <a:schemeClr val="accent1"/>
+              </a:buClr>
+              <a:buSzPct val="100000"/>
+              <a:buFont typeface="Arial" pitchFamily="34" charset="0"/>
+              <a:buChar char="•"/>
+              <a:defRPr sz="1400" kern="1200" baseline="0">
+                <a:solidFill>
+                  <a:schemeClr val="tx1"/>
+                </a:solidFill>
+                <a:latin typeface="+mn-lt"/>
+                <a:ea typeface="+mn-ea"/>
+                <a:cs typeface="+mn-cs"/>
+              </a:defRPr>
+            </a:lvl5pPr>
+            <a:lvl6pPr marL="1371600" indent="-182880" algn="l" defTabSz="914400" rtl="0" eaLnBrk="1" latinLnBrk="0" hangingPunct="1">
+              <a:spcBef>
+                <a:spcPct val="20000"/>
+              </a:spcBef>
+              <a:buClr>
+                <a:schemeClr val="accent1"/>
+              </a:buClr>
+              <a:buFont typeface="Arial" pitchFamily="34" charset="0"/>
+              <a:buChar char="•"/>
+              <a:defRPr sz="1300" kern="1200">
+                <a:solidFill>
+                  <a:schemeClr val="tx1"/>
+                </a:solidFill>
+                <a:latin typeface="+mn-lt"/>
+                <a:ea typeface="+mn-ea"/>
+                <a:cs typeface="+mn-cs"/>
+              </a:defRPr>
+            </a:lvl6pPr>
+            <a:lvl7pPr marL="1554480" indent="-182880" algn="l" defTabSz="914400" rtl="0" eaLnBrk="1" latinLnBrk="0" hangingPunct="1">
+              <a:spcBef>
+                <a:spcPct val="20000"/>
+              </a:spcBef>
+              <a:buClr>
+                <a:schemeClr val="accent1"/>
+              </a:buClr>
+              <a:buFont typeface="Arial" pitchFamily="34" charset="0"/>
+              <a:buChar char="•"/>
+              <a:defRPr sz="1300" kern="1200">
+                <a:solidFill>
+                  <a:schemeClr val="tx1"/>
+                </a:solidFill>
+                <a:latin typeface="+mn-lt"/>
+                <a:ea typeface="+mn-ea"/>
+                <a:cs typeface="+mn-cs"/>
+              </a:defRPr>
+            </a:lvl7pPr>
+            <a:lvl8pPr marL="1737360" indent="-182880" algn="l" defTabSz="914400" rtl="0" eaLnBrk="1" latinLnBrk="0" hangingPunct="1">
+              <a:spcBef>
+                <a:spcPct val="20000"/>
+              </a:spcBef>
+              <a:buClr>
+                <a:schemeClr val="accent1"/>
+              </a:buClr>
+              <a:buFont typeface="Arial" pitchFamily="34" charset="0"/>
+              <a:buChar char="•"/>
+              <a:defRPr sz="1300" kern="1200">
+                <a:solidFill>
+                  <a:schemeClr val="tx1"/>
+                </a:solidFill>
+                <a:latin typeface="+mn-lt"/>
+                <a:ea typeface="+mn-ea"/>
+                <a:cs typeface="+mn-cs"/>
+              </a:defRPr>
+            </a:lvl8pPr>
+            <a:lvl9pPr marL="1920240" indent="-182880" algn="l" defTabSz="914400" rtl="0" eaLnBrk="1" latinLnBrk="0" hangingPunct="1">
+              <a:spcBef>
+                <a:spcPct val="20000"/>
+              </a:spcBef>
+              <a:buClr>
+                <a:schemeClr val="accent1"/>
+              </a:buClr>
+              <a:buFont typeface="Arial" pitchFamily="34" charset="0"/>
+              <a:buChar char="•"/>
+              <a:defRPr sz="1300" kern="1200">
+                <a:solidFill>
+                  <a:schemeClr val="tx1"/>
+                </a:solidFill>
+                <a:latin typeface="+mn-lt"/>
+                <a:ea typeface="+mn-ea"/>
+                <a:cs typeface="+mn-cs"/>
+              </a:defRPr>
+            </a:lvl9pPr>
+          </a:lstStyle>
+          <a:p>
+            <a:pPr>
+              <a:lnSpc>
+                <a:spcPct val="80000"/>
+              </a:lnSpc>
+              <a:buFont typeface="Arial" charset="0"/>
+              <a:buNone/>
+            </a:pPr>
+            <a:r>
+              <a:rPr lang="en-US" sz="1800" dirty="0" smtClean="0">
                 <a:solidFill>
                   <a:schemeClr val="bg1"/>
                 </a:solidFill>
               </a:rPr>
-              <a:t>/</a:t>
+              <a:t>Derick Bailey  -  Independent Consultant</a:t>
             </a:r>
+          </a:p>
+          <a:p>
+            <a:pPr>
+              <a:lnSpc>
+                <a:spcPct val="80000"/>
+              </a:lnSpc>
+              <a:buFont typeface="Arial" charset="0"/>
+              <a:buNone/>
+            </a:pPr>
             <a:r>
-              <a:rPr lang="pl-PL" sz="1900" dirty="0" err="1">
+              <a:rPr lang="en-US" sz="1800" dirty="0" smtClean="0">
                 <a:solidFill>
                   <a:schemeClr val="bg1"/>
                 </a:solidFill>
               </a:rPr>
-              <a:t>article.aspx?quickid</a:t>
+              <a:t>Muted Solutions, LLC</a:t>
             </a:r>
+          </a:p>
+          <a:p>
+            <a:pPr>
+              <a:lnSpc>
+                <a:spcPct val="80000"/>
+              </a:lnSpc>
+              <a:buFont typeface="Arial" charset="0"/>
+              <a:buNone/>
+            </a:pPr>
+            <a:endParaRPr lang="en-US" sz="1800" dirty="0" smtClean="0">
+              <a:solidFill>
+                <a:schemeClr val="bg1"/>
+              </a:solidFill>
+            </a:endParaRPr>
+          </a:p>
+          <a:p>
+            <a:pPr>
+              <a:lnSpc>
+                <a:spcPct val="80000"/>
+              </a:lnSpc>
+              <a:buFont typeface="Arial" pitchFamily="34" charset="0"/>
+              <a:buNone/>
+            </a:pPr>
             <a:r>
-              <a:rPr lang="pl-PL" sz="1900" dirty="0">
+              <a:rPr lang="en-US" sz="1800" dirty="0" smtClean="0">
                 <a:solidFill>
                   <a:schemeClr val="bg1"/>
                 </a:solidFill>
               </a:rPr>
-              <a:t>=1001061</a:t>
+              <a:t>WWW: </a:t>
             </a:r>
-            <a:endParaRPr lang="en-US" sz="1900" dirty="0" smtClean="0">
+          </a:p>
+          <a:p>
+            <a:pPr>
+              <a:lnSpc>
+                <a:spcPct val="80000"/>
+              </a:lnSpc>
+              <a:buFont typeface="Arial" pitchFamily="34" charset="0"/>
+              <a:buNone/>
+            </a:pPr>
+            <a:r>
+              <a:rPr lang="en-US" sz="1800" dirty="0" smtClean="0">
+                <a:solidFill>
+                  <a:schemeClr val="bg1"/>
+                </a:solidFill>
+              </a:rPr>
+              <a:t>    </a:t>
+            </a:r>
+            <a:r>
+              <a:rPr lang="en-US" sz="1800" dirty="0" err="1" smtClean="0">
+                <a:solidFill>
+                  <a:schemeClr val="bg1"/>
+                </a:solidFill>
+              </a:rPr>
+              <a:t>mutedsolutions.com</a:t>
+            </a:r>
+            <a:endParaRPr lang="en-US" sz="1800" dirty="0" smtClean="0">
               <a:solidFill>
                 <a:schemeClr val="bg1"/>
               </a:solidFill>
             </a:endParaRPr>
           </a:p>
+          <a:p>
+            <a:pPr>
+              <a:lnSpc>
+                <a:spcPct val="80000"/>
+              </a:lnSpc>
+              <a:buFont typeface="Arial" pitchFamily="34" charset="0"/>
+              <a:buNone/>
+            </a:pPr>
+            <a:r>
+              <a:rPr lang="en-US" sz="1800" dirty="0">
+                <a:solidFill>
+                  <a:schemeClr val="bg1"/>
+                </a:solidFill>
+              </a:rPr>
+              <a:t> </a:t>
+            </a:r>
+            <a:r>
+              <a:rPr lang="en-US" sz="1800" dirty="0" smtClean="0">
+                <a:solidFill>
+                  <a:schemeClr val="bg1"/>
+                </a:solidFill>
+              </a:rPr>
+              <a:t>   </a:t>
+            </a:r>
+            <a:r>
+              <a:rPr lang="en-US" sz="1800" dirty="0" err="1" smtClean="0">
+                <a:solidFill>
+                  <a:schemeClr val="bg1"/>
+                </a:solidFill>
+              </a:rPr>
+              <a:t>derickbailey.lostechies.com</a:t>
+            </a:r>
+            <a:endParaRPr lang="en-US" sz="1800" dirty="0" smtClean="0">
+              <a:solidFill>
+                <a:schemeClr val="bg1"/>
+              </a:solidFill>
+            </a:endParaRPr>
+          </a:p>
         </p:txBody>
       </p:sp>
-    </p:spTree>
-    <p:extLst>
-      <p:ext uri="{BB962C8B-B14F-4D97-AF65-F5344CB8AC3E}">
-        <p14:creationId xmlns:p14="http://schemas.microsoft.com/office/powerpoint/2010/main" val="90861013"/>
-      </p:ext>
-    </p:extLst>
-  </p:cSld>
-  <p:clrMapOvr>
-    <a:masterClrMapping/>
-  </p:clrMapOvr>
-  <p:timing>
-    <p:tnLst>
-      <p:par>
-        <p:cTn xmlns:p14="http://schemas.microsoft.com/office/powerpoint/2010/main" id="1" dur="indefinite" restart="never" nodeType="tmRoot"/>
-      </p:par>
-    </p:tnLst>
-  </p:timing>
-</p:sld>
-</file>
-
-<file path=ppt/slides/slide36.xml><?xml version="1.0" encoding="utf-8"?>
-<p:sld xmlns:a="http://schemas.openxmlformats.org/drawingml/2006/main" xmlns:r="http://schemas.openxmlformats.org/officeDocument/2006/relationships" xmlns:p="http://schemas.openxmlformats.org/presentationml/2006/main">
-  <p:cSld>
-    <p:spTree>
-      <p:nvGrpSpPr>
-        <p:cNvPr id="1" name=""/>
-        <p:cNvGrpSpPr/>
-        <p:nvPr/>
-      </p:nvGrpSpPr>
-      <p:grpSpPr>
-        <a:xfrm>
-          <a:off x="0" y="0"/>
-          <a:ext cx="0" cy="0"/>
-          <a:chOff x="0" y="0"/>
-          <a:chExt cx="0" cy="0"/>
-        </a:xfrm>
-      </p:grpSpPr>
       <p:sp>
         <p:nvSpPr>
-          <p:cNvPr id="12" name="Rectangle 11"/>
+          <p:cNvPr id="2" name="Rectangle 1"/>
           <p:cNvSpPr/>
+          <p:nvPr/>
+        </p:nvSpPr>
+        <p:spPr>
+          <a:xfrm>
+            <a:off x="5544690" y="4800600"/>
+            <a:ext cx="3475485" cy="1652760"/>
+          </a:xfrm>
+          <a:prstGeom prst="rect">
+            <a:avLst/>
+          </a:prstGeom>
+        </p:spPr>
+        <p:txBody>
+          <a:bodyPr wrap="square">
+            <a:spAutoFit/>
+          </a:bodyPr>
+          <a:lstStyle/>
+          <a:p>
+            <a:pPr>
+              <a:lnSpc>
+                <a:spcPct val="80000"/>
+              </a:lnSpc>
+              <a:buFont typeface="Arial" charset="0"/>
+              <a:buNone/>
+            </a:pPr>
+            <a:endParaRPr lang="en-US" dirty="0" smtClean="0">
+              <a:solidFill>
+                <a:schemeClr val="bg1"/>
+              </a:solidFill>
+            </a:endParaRPr>
+          </a:p>
+          <a:p>
+            <a:pPr>
+              <a:lnSpc>
+                <a:spcPct val="80000"/>
+              </a:lnSpc>
+              <a:buFont typeface="Arial" charset="0"/>
+              <a:buNone/>
+            </a:pPr>
+            <a:r>
+              <a:rPr lang="en-US" dirty="0" smtClean="0">
+                <a:solidFill>
+                  <a:schemeClr val="bg1"/>
+                </a:solidFill>
+              </a:rPr>
+              <a:t>Email</a:t>
+            </a:r>
+            <a:r>
+              <a:rPr lang="en-US" dirty="0">
+                <a:solidFill>
+                  <a:schemeClr val="bg1"/>
+                </a:solidFill>
+              </a:rPr>
+              <a:t>: </a:t>
+            </a:r>
+            <a:endParaRPr lang="en-US" dirty="0" smtClean="0">
+              <a:solidFill>
+                <a:schemeClr val="bg1"/>
+              </a:solidFill>
+            </a:endParaRPr>
+          </a:p>
+          <a:p>
+            <a:pPr>
+              <a:lnSpc>
+                <a:spcPct val="80000"/>
+              </a:lnSpc>
+              <a:buFont typeface="Arial" charset="0"/>
+              <a:buNone/>
+            </a:pPr>
+            <a:r>
+              <a:rPr lang="en-US" dirty="0" smtClean="0">
+                <a:solidFill>
+                  <a:schemeClr val="bg1"/>
+                </a:solidFill>
+              </a:rPr>
+              <a:t>    derick</a:t>
+            </a:r>
+            <a:r>
+              <a:rPr lang="en-US" dirty="0">
+                <a:solidFill>
+                  <a:schemeClr val="bg1"/>
+                </a:solidFill>
+              </a:rPr>
+              <a:t>@mutedsolutions.com</a:t>
+            </a:r>
+          </a:p>
+          <a:p>
+            <a:pPr>
+              <a:lnSpc>
+                <a:spcPct val="80000"/>
+              </a:lnSpc>
+              <a:buFont typeface="Arial" charset="0"/>
+              <a:buNone/>
+            </a:pPr>
+            <a:r>
+              <a:rPr lang="en-US" dirty="0" smtClean="0">
+                <a:solidFill>
+                  <a:schemeClr val="bg1"/>
+                </a:solidFill>
+              </a:rPr>
+              <a:t>    </a:t>
+            </a:r>
+            <a:r>
+              <a:rPr lang="en-US" dirty="0" err="1" smtClean="0">
+                <a:solidFill>
+                  <a:schemeClr val="bg1"/>
+                </a:solidFill>
+              </a:rPr>
+              <a:t>derick</a:t>
+            </a:r>
+            <a:r>
+              <a:rPr lang="en-US" dirty="0" err="1">
+                <a:solidFill>
+                  <a:schemeClr val="bg1"/>
+                </a:solidFill>
+              </a:rPr>
+              <a:t>@derickbailey.com</a:t>
+            </a:r>
+            <a:endParaRPr lang="en-US" dirty="0">
+              <a:solidFill>
+                <a:schemeClr val="bg1"/>
+              </a:solidFill>
+            </a:endParaRPr>
+          </a:p>
+          <a:p>
+            <a:pPr lvl="1">
+              <a:lnSpc>
+                <a:spcPct val="80000"/>
+              </a:lnSpc>
+              <a:buFont typeface="Arial" charset="0"/>
+              <a:buNone/>
+            </a:pPr>
+            <a:endParaRPr lang="en-US" dirty="0">
+              <a:solidFill>
+                <a:schemeClr val="bg1"/>
+              </a:solidFill>
+            </a:endParaRPr>
+          </a:p>
+          <a:p>
+            <a:pPr>
+              <a:lnSpc>
+                <a:spcPct val="80000"/>
+              </a:lnSpc>
+              <a:buFont typeface="Arial" charset="0"/>
+              <a:buNone/>
+            </a:pPr>
+            <a:r>
+              <a:rPr lang="en-US" dirty="0">
+                <a:solidFill>
+                  <a:schemeClr val="bg1"/>
+                </a:solidFill>
+              </a:rPr>
+              <a:t>Twitter: </a:t>
+            </a:r>
+            <a:endParaRPr lang="en-US" dirty="0" smtClean="0">
+              <a:solidFill>
+                <a:schemeClr val="bg1"/>
+              </a:solidFill>
+            </a:endParaRPr>
+          </a:p>
+          <a:p>
+            <a:pPr>
+              <a:lnSpc>
+                <a:spcPct val="80000"/>
+              </a:lnSpc>
+              <a:buFont typeface="Arial" charset="0"/>
+              <a:buNone/>
+            </a:pPr>
+            <a:r>
+              <a:rPr lang="en-US" dirty="0">
+                <a:solidFill>
+                  <a:schemeClr val="bg1"/>
+                </a:solidFill>
+              </a:rPr>
+              <a:t> </a:t>
+            </a:r>
+            <a:r>
+              <a:rPr lang="en-US" dirty="0" smtClean="0">
+                <a:solidFill>
+                  <a:schemeClr val="bg1"/>
+                </a:solidFill>
+              </a:rPr>
+              <a:t>   @</a:t>
+            </a:r>
+            <a:r>
+              <a:rPr lang="en-US" dirty="0" err="1">
+                <a:solidFill>
+                  <a:schemeClr val="bg1"/>
+                </a:solidFill>
+              </a:rPr>
+              <a:t>derickbailey</a:t>
+            </a:r>
+            <a:endParaRPr lang="en-US" dirty="0">
+              <a:solidFill>
+                <a:schemeClr val="bg1"/>
+              </a:solidFill>
+            </a:endParaRPr>
+          </a:p>
+        </p:txBody>
+      </p:sp>
+      <p:sp>
+        <p:nvSpPr>
+          <p:cNvPr id="9" name="TextBox 16"/>
+          <p:cNvSpPr txBox="1">
+            <a:spLocks noChangeArrowheads="1"/>
+          </p:cNvSpPr>
           <p:nvPr/>
         </p:nvSpPr>
         <p:spPr bwMode="auto">
           <a:xfrm>
-            <a:off x="0" y="0"/>
-            <a:ext cx="9144000" cy="4648200"/>
+            <a:off x="2819400" y="6581775"/>
+            <a:ext cx="3429000" cy="276999"/>
           </a:xfrm>
           <a:prstGeom prst="rect">
             <a:avLst/>
           </a:prstGeom>
-          <a:ln/>
-        </p:spPr>
-        <p:style>
-          <a:lnRef idx="2">
-            <a:schemeClr val="accent4">
-              <a:shade val="50000"/>
-            </a:schemeClr>
-          </a:lnRef>
-          <a:fillRef idx="1">
-            <a:schemeClr val="accent4"/>
-          </a:fillRef>
-          <a:effectRef idx="0">
-            <a:schemeClr val="accent4"/>
-          </a:effectRef>
-          <a:fontRef idx="minor">
-            <a:schemeClr val="lt1"/>
-          </a:fontRef>
-        </p:style>
-        <p:txBody>
-          <a:bodyPr anchor="ctr"/>
-          <a:lstStyle/>
-          <a:p>
-            <a:pPr algn="ctr">
-              <a:defRPr/>
-            </a:pPr>
-            <a:endParaRPr lang="en-US"/>
-          </a:p>
-        </p:txBody>
-      </p:sp>
-      <p:sp>
-        <p:nvSpPr>
-          <p:cNvPr id="13" name="Rectangle 12"/>
-          <p:cNvSpPr/>
-          <p:nvPr/>
-        </p:nvSpPr>
-        <p:spPr bwMode="auto">
-          <a:xfrm>
-            <a:off x="0" y="4724400"/>
-            <a:ext cx="9153525" cy="2133600"/>
-          </a:xfrm>
-          <a:prstGeom prst="rect">
-            <a:avLst/>
-          </a:prstGeom>
-          <a:ln/>
+          <a:ln w="12700" cmpd="sng">
+            <a:solidFill>
+              <a:schemeClr val="bg1"/>
+            </a:solidFill>
+            <a:headEnd/>
+            <a:tailEnd/>
+          </a:ln>
         </p:spPr>
         <p:style>
           <a:lnRef idx="2">
@@ -19133,356 +19435,35 @@
           </a:fontRef>
         </p:style>
         <p:txBody>
-          <a:bodyPr anchor="ctr"/>
+          <a:bodyPr>
+            <a:spAutoFit/>
+          </a:bodyPr>
           <a:lstStyle/>
           <a:p>
-            <a:pPr algn="ctr">
-              <a:defRPr/>
-            </a:pPr>
-            <a:endParaRPr lang="en-US"/>
-          </a:p>
-        </p:txBody>
-      </p:sp>
-      <p:sp>
-        <p:nvSpPr>
-          <p:cNvPr id="16" name="Rectangle 15"/>
-          <p:cNvSpPr/>
-          <p:nvPr/>
-        </p:nvSpPr>
-        <p:spPr bwMode="auto">
-          <a:xfrm>
-            <a:off x="112713" y="4800600"/>
-            <a:ext cx="8907462" cy="1933575"/>
-          </a:xfrm>
-          <a:prstGeom prst="rect">
-            <a:avLst/>
-          </a:prstGeom>
-          <a:noFill/>
-          <a:ln w="12700">
-            <a:solidFill>
-              <a:schemeClr val="bg1"/>
-            </a:solidFill>
-          </a:ln>
-        </p:spPr>
-        <p:style>
-          <a:lnRef idx="2">
-            <a:schemeClr val="accent1">
-              <a:shade val="50000"/>
-            </a:schemeClr>
-          </a:lnRef>
-          <a:fillRef idx="1">
-            <a:schemeClr val="accent1"/>
-          </a:fillRef>
-          <a:effectRef idx="0">
-            <a:schemeClr val="accent1"/>
-          </a:effectRef>
-          <a:fontRef idx="minor">
-            <a:schemeClr val="lt1"/>
-          </a:fontRef>
-        </p:style>
-        <p:txBody>
-          <a:bodyPr anchor="ctr"/>
-          <a:lstStyle/>
-          <a:p>
-            <a:pPr algn="ctr">
-              <a:defRPr/>
-            </a:pPr>
-            <a:endParaRPr lang="en-US"/>
-          </a:p>
-        </p:txBody>
-      </p:sp>
-      <p:sp>
-        <p:nvSpPr>
-          <p:cNvPr id="5127" name="Rectangle 8"/>
-          <p:cNvSpPr>
-            <a:spLocks noGrp="1" noChangeArrowheads="1"/>
-          </p:cNvSpPr>
-          <p:nvPr>
-            <p:ph type="title" idx="4294967295"/>
-          </p:nvPr>
-        </p:nvSpPr>
-        <p:spPr bwMode="auto">
-          <a:xfrm>
-            <a:off x="495300" y="200025"/>
-            <a:ext cx="8343900" cy="919163"/>
-          </a:xfrm>
-          <a:prstGeom prst="rect">
-            <a:avLst/>
-          </a:prstGeom>
-          <a:noFill/>
-          <a:ln>
-            <a:miter lim="800000"/>
-            <a:headEnd/>
-            <a:tailEnd/>
-          </a:ln>
-        </p:spPr>
-        <p:txBody>
-          <a:bodyPr/>
-          <a:lstStyle/>
-          <a:p>
-            <a:pPr eaLnBrk="1" hangingPunct="1"/>
+            <a:pPr algn="ctr"/>
             <a:r>
-              <a:rPr lang="en-US" dirty="0" smtClean="0">
+              <a:rPr lang="en-US" sz="1200" dirty="0" smtClean="0">
                 <a:solidFill>
                   <a:schemeClr val="bg1"/>
                 </a:solidFill>
+                <a:latin typeface="Calibri" pitchFamily="34" charset="0"/>
               </a:rPr>
-              <a:t>About Me… Derick Bailey</a:t>
+              <a:t>Copyright ©2011 Muted Solutions, </a:t>
             </a:r>
-          </a:p>
-        </p:txBody>
-      </p:sp>
-      <p:sp>
-        <p:nvSpPr>
-          <p:cNvPr id="5128" name="Rectangle 9"/>
-          <p:cNvSpPr>
-            <a:spLocks noGrp="1" noChangeArrowheads="1"/>
-          </p:cNvSpPr>
-          <p:nvPr>
-            <p:ph idx="4294967295"/>
-          </p:nvPr>
-        </p:nvSpPr>
-        <p:spPr>
-          <a:xfrm>
-            <a:off x="514350" y="1143000"/>
-            <a:ext cx="8229600" cy="3276600"/>
-          </a:xfrm>
-        </p:spPr>
-        <p:txBody>
-          <a:bodyPr/>
-          <a:lstStyle/>
-          <a:p>
-            <a:pPr eaLnBrk="1" hangingPunct="1">
-              <a:lnSpc>
-                <a:spcPct val="80000"/>
-              </a:lnSpc>
-              <a:buFont typeface="Arial" charset="0"/>
-              <a:buNone/>
-            </a:pPr>
             <a:r>
-              <a:rPr lang="en-US" sz="1800" dirty="0" smtClean="0">
+              <a:rPr lang="en-US" sz="1200" dirty="0" smtClean="0">
                 <a:solidFill>
                   <a:schemeClr val="bg1"/>
                 </a:solidFill>
+                <a:latin typeface="Calibri" pitchFamily="34" charset="0"/>
               </a:rPr>
-              <a:t>Independent Consultant and Chief Ninja @ Muted Solutions, LLC</a:t>
+              <a:t>LLC</a:t>
             </a:r>
-            <a:endParaRPr lang="en-US" sz="1800" dirty="0" smtClean="0">
+            <a:endParaRPr lang="en-US" sz="1200" dirty="0">
               <a:solidFill>
                 <a:schemeClr val="bg1"/>
               </a:solidFill>
-            </a:endParaRPr>
-          </a:p>
-          <a:p>
-            <a:pPr eaLnBrk="1" hangingPunct="1">
-              <a:lnSpc>
-                <a:spcPct val="80000"/>
-              </a:lnSpc>
-              <a:buFont typeface="Arial" charset="0"/>
-              <a:buNone/>
-            </a:pPr>
-            <a:endParaRPr lang="en-US" sz="1800" dirty="0" smtClean="0">
-              <a:solidFill>
-                <a:schemeClr val="bg1"/>
-              </a:solidFill>
-            </a:endParaRPr>
-          </a:p>
-          <a:p>
-            <a:pPr eaLnBrk="1" hangingPunct="1">
-              <a:lnSpc>
-                <a:spcPct val="80000"/>
-              </a:lnSpc>
-              <a:buNone/>
-            </a:pPr>
-            <a:r>
-              <a:rPr lang="en-US" sz="1800" dirty="0" smtClean="0">
-                <a:solidFill>
-                  <a:schemeClr val="bg1"/>
-                </a:solidFill>
-              </a:rPr>
-              <a:t>WWW: </a:t>
-            </a:r>
-            <a:r>
-              <a:rPr lang="en-US" sz="1800" dirty="0" smtClean="0">
-                <a:solidFill>
-                  <a:schemeClr val="bg1"/>
-                </a:solidFill>
-              </a:rPr>
-              <a:t/>
-            </a:r>
-            <a:br>
-              <a:rPr lang="en-US" sz="1800" dirty="0" smtClean="0">
-                <a:solidFill>
-                  <a:schemeClr val="bg1"/>
-                </a:solidFill>
-              </a:rPr>
-            </a:br>
-            <a:r>
-              <a:rPr lang="en-US" sz="1800" dirty="0" err="1" smtClean="0">
-                <a:solidFill>
-                  <a:schemeClr val="bg1"/>
-                </a:solidFill>
-              </a:rPr>
-              <a:t>mutedsolutions</a:t>
-            </a:r>
-            <a:r>
-              <a:rPr lang="en-US" sz="1800" dirty="0" err="1" smtClean="0">
-                <a:solidFill>
-                  <a:schemeClr val="bg1"/>
-                </a:solidFill>
-              </a:rPr>
-              <a:t>.com</a:t>
-            </a:r>
-            <a:r>
-              <a:rPr lang="en-US" sz="1800" dirty="0" smtClean="0">
-                <a:solidFill>
-                  <a:schemeClr val="bg1"/>
-                </a:solidFill>
-              </a:rPr>
-              <a:t/>
-            </a:r>
-            <a:br>
-              <a:rPr lang="en-US" sz="1800" dirty="0" smtClean="0">
-                <a:solidFill>
-                  <a:schemeClr val="bg1"/>
-                </a:solidFill>
-              </a:rPr>
-            </a:br>
-            <a:r>
-              <a:rPr lang="en-US" sz="1800" dirty="0" smtClean="0">
-                <a:solidFill>
-                  <a:schemeClr val="bg1"/>
-                </a:solidFill>
-              </a:rPr>
-              <a:t>derickbailey.lostechies.com</a:t>
-            </a:r>
-          </a:p>
-          <a:p>
-            <a:pPr eaLnBrk="1" hangingPunct="1">
-              <a:lnSpc>
-                <a:spcPct val="80000"/>
-              </a:lnSpc>
-              <a:buFont typeface="Arial" charset="0"/>
-              <a:buNone/>
-            </a:pPr>
-            <a:endParaRPr lang="en-US" sz="1800" dirty="0" smtClean="0">
-              <a:solidFill>
-                <a:schemeClr val="bg1"/>
-              </a:solidFill>
-            </a:endParaRPr>
-          </a:p>
-          <a:p>
-            <a:pPr eaLnBrk="1" hangingPunct="1">
-              <a:lnSpc>
-                <a:spcPct val="80000"/>
-              </a:lnSpc>
-              <a:buFont typeface="Arial" charset="0"/>
-              <a:buNone/>
-            </a:pPr>
-            <a:r>
-              <a:rPr lang="en-US" sz="1800" dirty="0" smtClean="0">
-                <a:solidFill>
-                  <a:schemeClr val="bg1"/>
-                </a:solidFill>
-              </a:rPr>
-              <a:t>Email: </a:t>
-            </a:r>
-            <a:br>
-              <a:rPr lang="en-US" sz="1800" dirty="0" smtClean="0">
-                <a:solidFill>
-                  <a:schemeClr val="bg1"/>
-                </a:solidFill>
-              </a:rPr>
-            </a:br>
-            <a:r>
-              <a:rPr lang="en-US" sz="1800" dirty="0" err="1" smtClean="0">
-                <a:solidFill>
-                  <a:schemeClr val="bg1"/>
-                </a:solidFill>
-              </a:rPr>
-              <a:t>derick@mutedsolutions.com</a:t>
-            </a:r>
-            <a:r>
-              <a:rPr lang="en-US" sz="1800" dirty="0" smtClean="0">
-                <a:solidFill>
-                  <a:schemeClr val="bg1"/>
-                </a:solidFill>
-              </a:rPr>
-              <a:t/>
-            </a:r>
-            <a:br>
-              <a:rPr lang="en-US" sz="1800" dirty="0" smtClean="0">
-                <a:solidFill>
-                  <a:schemeClr val="bg1"/>
-                </a:solidFill>
-              </a:rPr>
-            </a:br>
-            <a:r>
-              <a:rPr lang="en-US" sz="1800" dirty="0" smtClean="0">
-                <a:solidFill>
-                  <a:schemeClr val="bg1"/>
-                </a:solidFill>
-              </a:rPr>
-              <a:t>derick@derickbailey.com</a:t>
-            </a:r>
-          </a:p>
-          <a:p>
-            <a:pPr lvl="1" eaLnBrk="1" hangingPunct="1">
-              <a:lnSpc>
-                <a:spcPct val="80000"/>
-              </a:lnSpc>
-              <a:buFont typeface="Arial" charset="0"/>
-              <a:buNone/>
-            </a:pPr>
-            <a:endParaRPr lang="en-US" sz="1800" dirty="0" smtClean="0">
-              <a:solidFill>
-                <a:schemeClr val="bg1"/>
-              </a:solidFill>
-            </a:endParaRPr>
-          </a:p>
-          <a:p>
-            <a:pPr eaLnBrk="1" hangingPunct="1">
-              <a:lnSpc>
-                <a:spcPct val="80000"/>
-              </a:lnSpc>
-              <a:buFont typeface="Arial" charset="0"/>
-              <a:buNone/>
-            </a:pPr>
-            <a:r>
-              <a:rPr lang="en-US" sz="1800" dirty="0" smtClean="0">
-                <a:solidFill>
-                  <a:schemeClr val="bg1"/>
-                </a:solidFill>
-              </a:rPr>
-              <a:t>Twitter: </a:t>
-            </a:r>
-            <a:br>
-              <a:rPr lang="en-US" sz="1800" dirty="0" smtClean="0">
-                <a:solidFill>
-                  <a:schemeClr val="bg1"/>
-                </a:solidFill>
-              </a:rPr>
-            </a:br>
-            <a:r>
-              <a:rPr lang="en-US" sz="1800" dirty="0" smtClean="0">
-                <a:solidFill>
-                  <a:schemeClr val="bg1"/>
-                </a:solidFill>
-              </a:rPr>
-              <a:t>@</a:t>
-            </a:r>
-            <a:r>
-              <a:rPr lang="en-US" sz="1800" dirty="0" err="1" smtClean="0">
-                <a:solidFill>
-                  <a:schemeClr val="bg1"/>
-                </a:solidFill>
-              </a:rPr>
-              <a:t>derickbailey</a:t>
-            </a:r>
-            <a:endParaRPr lang="en-US" sz="1800" dirty="0" smtClean="0">
-              <a:solidFill>
-                <a:schemeClr val="bg1"/>
-              </a:solidFill>
+              <a:latin typeface="Calibri" pitchFamily="34" charset="0"/>
             </a:endParaRPr>
           </a:p>
         </p:txBody>
@@ -19490,7 +19471,7 @@
     </p:spTree>
     <p:extLst>
       <p:ext uri="{BB962C8B-B14F-4D97-AF65-F5344CB8AC3E}">
-        <p14:creationId xmlns:p14="http://schemas.microsoft.com/office/powerpoint/2010/main" val="3136420757"/>
+        <p14:creationId xmlns:p14="http://schemas.microsoft.com/office/powerpoint/2010/main" val="90861013"/>
       </p:ext>
     </p:extLst>
   </p:cSld>

--- a/SOLID Principles - Step By Step Code/SOLID Principles Presentation.pptx
+++ b/SOLID Principles - Step By Step Code/SOLID Principles Presentation.pptx
@@ -5,44 +5,45 @@
     <p:sldMasterId id="2147483960" r:id="rId1"/>
   </p:sldMasterIdLst>
   <p:notesMasterIdLst>
-    <p:notesMasterId r:id="rId37"/>
+    <p:notesMasterId r:id="rId38"/>
   </p:notesMasterIdLst>
   <p:sldIdLst>
     <p:sldId id="332" r:id="rId2"/>
-    <p:sldId id="258" r:id="rId3"/>
+    <p:sldId id="351" r:id="rId3"/>
     <p:sldId id="259" r:id="rId4"/>
     <p:sldId id="260" r:id="rId5"/>
     <p:sldId id="261" r:id="rId6"/>
-    <p:sldId id="262" r:id="rId7"/>
-    <p:sldId id="263" r:id="rId8"/>
-    <p:sldId id="297" r:id="rId9"/>
-    <p:sldId id="298" r:id="rId10"/>
-    <p:sldId id="329" r:id="rId11"/>
-    <p:sldId id="330" r:id="rId12"/>
-    <p:sldId id="331" r:id="rId13"/>
-    <p:sldId id="302" r:id="rId14"/>
-    <p:sldId id="333" r:id="rId15"/>
-    <p:sldId id="334" r:id="rId16"/>
-    <p:sldId id="306" r:id="rId17"/>
-    <p:sldId id="335" r:id="rId18"/>
-    <p:sldId id="337" r:id="rId19"/>
-    <p:sldId id="338" r:id="rId20"/>
-    <p:sldId id="339" r:id="rId21"/>
-    <p:sldId id="311" r:id="rId22"/>
-    <p:sldId id="340" r:id="rId23"/>
-    <p:sldId id="341" r:id="rId24"/>
-    <p:sldId id="315" r:id="rId25"/>
-    <p:sldId id="342" r:id="rId26"/>
-    <p:sldId id="343" r:id="rId27"/>
-    <p:sldId id="344" r:id="rId28"/>
-    <p:sldId id="345" r:id="rId29"/>
-    <p:sldId id="346" r:id="rId30"/>
-    <p:sldId id="322" r:id="rId31"/>
-    <p:sldId id="347" r:id="rId32"/>
-    <p:sldId id="348" r:id="rId33"/>
-    <p:sldId id="349" r:id="rId34"/>
-    <p:sldId id="350" r:id="rId35"/>
-    <p:sldId id="327" r:id="rId36"/>
+    <p:sldId id="258" r:id="rId7"/>
+    <p:sldId id="262" r:id="rId8"/>
+    <p:sldId id="263" r:id="rId9"/>
+    <p:sldId id="297" r:id="rId10"/>
+    <p:sldId id="298" r:id="rId11"/>
+    <p:sldId id="329" r:id="rId12"/>
+    <p:sldId id="330" r:id="rId13"/>
+    <p:sldId id="331" r:id="rId14"/>
+    <p:sldId id="302" r:id="rId15"/>
+    <p:sldId id="333" r:id="rId16"/>
+    <p:sldId id="334" r:id="rId17"/>
+    <p:sldId id="306" r:id="rId18"/>
+    <p:sldId id="335" r:id="rId19"/>
+    <p:sldId id="337" r:id="rId20"/>
+    <p:sldId id="338" r:id="rId21"/>
+    <p:sldId id="339" r:id="rId22"/>
+    <p:sldId id="311" r:id="rId23"/>
+    <p:sldId id="340" r:id="rId24"/>
+    <p:sldId id="341" r:id="rId25"/>
+    <p:sldId id="315" r:id="rId26"/>
+    <p:sldId id="342" r:id="rId27"/>
+    <p:sldId id="343" r:id="rId28"/>
+    <p:sldId id="344" r:id="rId29"/>
+    <p:sldId id="345" r:id="rId30"/>
+    <p:sldId id="346" r:id="rId31"/>
+    <p:sldId id="322" r:id="rId32"/>
+    <p:sldId id="347" r:id="rId33"/>
+    <p:sldId id="348" r:id="rId34"/>
+    <p:sldId id="349" r:id="rId35"/>
+    <p:sldId id="350" r:id="rId36"/>
+    <p:sldId id="327" r:id="rId37"/>
   </p:sldIdLst>
   <p:sldSz cx="9144000" cy="6858000" type="screen4x3"/>
   <p:notesSz cx="6858000" cy="9144000"/>
@@ -828,7 +829,7 @@
               <a:pPr>
                 <a:defRPr/>
               </a:pPr>
-              <a:t>6</a:t>
+              <a:t>7</a:t>
             </a:fld>
             <a:endParaRPr lang="en-US"/>
           </a:p>
@@ -4266,6 +4267,378 @@
       </p:grpSpPr>
       <p:sp>
         <p:nvSpPr>
+          <p:cNvPr id="4" name="Text Placeholder 2"/>
+          <p:cNvSpPr txBox="1">
+            <a:spLocks/>
+          </p:cNvSpPr>
+          <p:nvPr/>
+        </p:nvSpPr>
+        <p:spPr>
+          <a:xfrm>
+            <a:off x="228600" y="1143000"/>
+            <a:ext cx="8686800" cy="457200"/>
+          </a:xfrm>
+          <a:prstGeom prst="rect">
+            <a:avLst/>
+          </a:prstGeom>
+        </p:spPr>
+        <p:txBody>
+          <a:bodyPr vert="horz" lIns="91440" tIns="45720" rIns="91440" bIns="45720" rtlCol="0" anchor="ctr"/>
+          <a:lstStyle>
+            <a:defPPr>
+              <a:defRPr lang="en-US"/>
+            </a:defPPr>
+            <a:lvl1pPr marL="0" algn="l" defTabSz="914400" rtl="0" eaLnBrk="1" latinLnBrk="0" hangingPunct="1">
+              <a:defRPr sz="1200" kern="1200">
+                <a:solidFill>
+                  <a:srgbClr val="FFFFFF"/>
+                </a:solidFill>
+                <a:latin typeface="+mn-lt"/>
+                <a:ea typeface="+mn-ea"/>
+                <a:cs typeface="+mn-cs"/>
+              </a:defRPr>
+            </a:lvl1pPr>
+            <a:lvl2pPr marL="457200" algn="l" defTabSz="914400" rtl="0" eaLnBrk="1" latinLnBrk="0" hangingPunct="1">
+              <a:defRPr sz="1800" kern="1200">
+                <a:solidFill>
+                  <a:schemeClr val="tx1"/>
+                </a:solidFill>
+                <a:latin typeface="+mn-lt"/>
+                <a:ea typeface="+mn-ea"/>
+                <a:cs typeface="+mn-cs"/>
+              </a:defRPr>
+            </a:lvl2pPr>
+            <a:lvl3pPr marL="914400" algn="l" defTabSz="914400" rtl="0" eaLnBrk="1" latinLnBrk="0" hangingPunct="1">
+              <a:defRPr sz="1800" kern="1200">
+                <a:solidFill>
+                  <a:schemeClr val="tx1"/>
+                </a:solidFill>
+                <a:latin typeface="+mn-lt"/>
+                <a:ea typeface="+mn-ea"/>
+                <a:cs typeface="+mn-cs"/>
+              </a:defRPr>
+            </a:lvl3pPr>
+            <a:lvl4pPr marL="1371600" algn="l" defTabSz="914400" rtl="0" eaLnBrk="1" latinLnBrk="0" hangingPunct="1">
+              <a:defRPr sz="1800" kern="1200">
+                <a:solidFill>
+                  <a:schemeClr val="tx1"/>
+                </a:solidFill>
+                <a:latin typeface="+mn-lt"/>
+                <a:ea typeface="+mn-ea"/>
+                <a:cs typeface="+mn-cs"/>
+              </a:defRPr>
+            </a:lvl4pPr>
+            <a:lvl5pPr marL="1828800" algn="l" defTabSz="914400" rtl="0" eaLnBrk="1" latinLnBrk="0" hangingPunct="1">
+              <a:defRPr sz="1800" kern="1200">
+                <a:solidFill>
+                  <a:schemeClr val="tx1"/>
+                </a:solidFill>
+                <a:latin typeface="+mn-lt"/>
+                <a:ea typeface="+mn-ea"/>
+                <a:cs typeface="+mn-cs"/>
+              </a:defRPr>
+            </a:lvl5pPr>
+            <a:lvl6pPr marL="2286000" algn="l" defTabSz="914400" rtl="0" eaLnBrk="1" latinLnBrk="0" hangingPunct="1">
+              <a:defRPr sz="1800" kern="1200">
+                <a:solidFill>
+                  <a:schemeClr val="tx1"/>
+                </a:solidFill>
+                <a:latin typeface="+mn-lt"/>
+                <a:ea typeface="+mn-ea"/>
+                <a:cs typeface="+mn-cs"/>
+              </a:defRPr>
+            </a:lvl6pPr>
+            <a:lvl7pPr marL="2743200" algn="l" defTabSz="914400" rtl="0" eaLnBrk="1" latinLnBrk="0" hangingPunct="1">
+              <a:defRPr sz="1800" kern="1200">
+                <a:solidFill>
+                  <a:schemeClr val="tx1"/>
+                </a:solidFill>
+                <a:latin typeface="+mn-lt"/>
+                <a:ea typeface="+mn-ea"/>
+                <a:cs typeface="+mn-cs"/>
+              </a:defRPr>
+            </a:lvl7pPr>
+            <a:lvl8pPr marL="3200400" algn="l" defTabSz="914400" rtl="0" eaLnBrk="1" latinLnBrk="0" hangingPunct="1">
+              <a:defRPr sz="1800" kern="1200">
+                <a:solidFill>
+                  <a:schemeClr val="tx1"/>
+                </a:solidFill>
+                <a:latin typeface="+mn-lt"/>
+                <a:ea typeface="+mn-ea"/>
+                <a:cs typeface="+mn-cs"/>
+              </a:defRPr>
+            </a:lvl8pPr>
+            <a:lvl9pPr marL="3657600" algn="l" defTabSz="914400" rtl="0" eaLnBrk="1" latinLnBrk="0" hangingPunct="1">
+              <a:defRPr sz="1800" kern="1200">
+                <a:solidFill>
+                  <a:schemeClr val="tx1"/>
+                </a:solidFill>
+                <a:latin typeface="+mn-lt"/>
+                <a:ea typeface="+mn-ea"/>
+                <a:cs typeface="+mn-cs"/>
+              </a:defRPr>
+            </a:lvl9pPr>
+          </a:lstStyle>
+          <a:p>
+            <a:r>
+              <a:rPr lang="en-US" smtClean="0"/>
+              <a:t>Example App: Read A Flat File And Send An Email</a:t>
+            </a:r>
+          </a:p>
+          <a:p>
+            <a:endParaRPr lang="en-US" smtClean="0"/>
+          </a:p>
+          <a:p>
+            <a:endParaRPr lang="en-US" smtClean="0"/>
+          </a:p>
+          <a:p>
+            <a:endParaRPr lang="en-US" smtClean="0"/>
+          </a:p>
+          <a:p>
+            <a:endParaRPr lang="en-US" dirty="0" smtClean="0"/>
+          </a:p>
+        </p:txBody>
+      </p:sp>
+      <p:grpSp>
+        <p:nvGrpSpPr>
+          <p:cNvPr id="5" name="Group 10"/>
+          <p:cNvGrpSpPr/>
+          <p:nvPr/>
+        </p:nvGrpSpPr>
+        <p:grpSpPr>
+          <a:xfrm>
+            <a:off x="3733800" y="2590800"/>
+            <a:ext cx="1676400" cy="2590800"/>
+            <a:chOff x="3733800" y="2590800"/>
+            <a:chExt cx="1676400" cy="2590800"/>
+          </a:xfrm>
+        </p:grpSpPr>
+        <p:grpSp>
+          <p:nvGrpSpPr>
+            <p:cNvPr id="6" name="Group 7"/>
+            <p:cNvGrpSpPr/>
+            <p:nvPr/>
+          </p:nvGrpSpPr>
+          <p:grpSpPr>
+            <a:xfrm>
+              <a:off x="3733800" y="2590800"/>
+              <a:ext cx="1676400" cy="2590800"/>
+              <a:chOff x="1219200" y="2667000"/>
+              <a:chExt cx="1676400" cy="2590800"/>
+            </a:xfrm>
+          </p:grpSpPr>
+          <p:sp>
+            <p:nvSpPr>
+              <p:cNvPr id="8" name="Rectangle 7"/>
+              <p:cNvSpPr/>
+              <p:nvPr/>
+            </p:nvSpPr>
+            <p:spPr>
+              <a:xfrm>
+                <a:off x="1219200" y="2667000"/>
+                <a:ext cx="1676400" cy="990600"/>
+              </a:xfrm>
+              <a:prstGeom prst="rect">
+                <a:avLst/>
+              </a:prstGeom>
+            </p:spPr>
+            <p:style>
+              <a:lnRef idx="1">
+                <a:schemeClr val="accent1"/>
+              </a:lnRef>
+              <a:fillRef idx="3">
+                <a:schemeClr val="accent1"/>
+              </a:fillRef>
+              <a:effectRef idx="2">
+                <a:schemeClr val="accent1"/>
+              </a:effectRef>
+              <a:fontRef idx="minor">
+                <a:schemeClr val="lt1"/>
+              </a:fontRef>
+            </p:style>
+            <p:txBody>
+              <a:bodyPr rtlCol="0" anchor="ctr"/>
+              <a:lstStyle/>
+              <a:p>
+                <a:pPr algn="ctr"/>
+                <a:r>
+                  <a:rPr lang="en-US" dirty="0" smtClean="0"/>
+                  <a:t>Email Sending App</a:t>
+                </a:r>
+                <a:endParaRPr lang="en-US" dirty="0"/>
+              </a:p>
+            </p:txBody>
+          </p:sp>
+          <p:sp>
+            <p:nvSpPr>
+              <p:cNvPr id="9" name="Snip Single Corner Rectangle 8"/>
+              <p:cNvSpPr/>
+              <p:nvPr/>
+            </p:nvSpPr>
+            <p:spPr>
+              <a:xfrm>
+                <a:off x="1219200" y="4267200"/>
+                <a:ext cx="1676400" cy="990600"/>
+              </a:xfrm>
+              <a:prstGeom prst="snip1Rect">
+                <a:avLst/>
+              </a:prstGeom>
+            </p:spPr>
+            <p:style>
+              <a:lnRef idx="1">
+                <a:schemeClr val="accent1"/>
+              </a:lnRef>
+              <a:fillRef idx="3">
+                <a:schemeClr val="accent1"/>
+              </a:fillRef>
+              <a:effectRef idx="2">
+                <a:schemeClr val="accent1"/>
+              </a:effectRef>
+              <a:fontRef idx="minor">
+                <a:schemeClr val="lt1"/>
+              </a:fontRef>
+            </p:style>
+            <p:txBody>
+              <a:bodyPr rtlCol="0" anchor="ctr"/>
+              <a:lstStyle/>
+              <a:p>
+                <a:pPr algn="ctr"/>
+                <a:r>
+                  <a:rPr lang="en-US" dirty="0" smtClean="0"/>
+                  <a:t>File</a:t>
+                </a:r>
+                <a:endParaRPr lang="en-US" dirty="0"/>
+              </a:p>
+            </p:txBody>
+          </p:sp>
+        </p:grpSp>
+        <p:cxnSp>
+          <p:nvCxnSpPr>
+            <p:cNvPr id="7" name="Elbow Connector 6"/>
+            <p:cNvCxnSpPr>
+              <a:stCxn id="9" idx="3"/>
+              <a:endCxn id="8" idx="2"/>
+            </p:cNvCxnSpPr>
+            <p:nvPr/>
+          </p:nvCxnSpPr>
+          <p:spPr>
+            <a:xfrm rot="5400000" flipH="1" flipV="1">
+              <a:off x="4267200" y="3886200"/>
+              <a:ext cx="609600" cy="1588"/>
+            </a:xfrm>
+            <a:prstGeom prst="bentConnector3">
+              <a:avLst>
+                <a:gd name="adj1" fmla="val 50000"/>
+              </a:avLst>
+            </a:prstGeom>
+            <a:ln>
+              <a:tailEnd type="arrow"/>
+            </a:ln>
+            <a:effectLst/>
+          </p:spPr>
+          <p:style>
+            <a:lnRef idx="1">
+              <a:schemeClr val="accent1"/>
+            </a:lnRef>
+            <a:fillRef idx="3">
+              <a:schemeClr val="accent1"/>
+            </a:fillRef>
+            <a:effectRef idx="2">
+              <a:schemeClr val="accent1"/>
+            </a:effectRef>
+            <a:fontRef idx="minor">
+              <a:schemeClr val="lt1"/>
+            </a:fontRef>
+          </p:style>
+        </p:cxnSp>
+      </p:grpSp>
+      <p:sp>
+        <p:nvSpPr>
+          <p:cNvPr id="11" name="Title 1"/>
+          <p:cNvSpPr txBox="1">
+            <a:spLocks/>
+          </p:cNvSpPr>
+          <p:nvPr/>
+        </p:nvSpPr>
+        <p:spPr bwMode="auto">
+          <a:xfrm>
+            <a:off x="0" y="407987"/>
+            <a:ext cx="9144000" cy="1145321"/>
+          </a:xfrm>
+          <a:prstGeom prst="rect">
+            <a:avLst/>
+          </a:prstGeom>
+          <a:noFill/>
+          <a:ln>
+            <a:miter lim="800000"/>
+            <a:headEnd/>
+            <a:tailEnd/>
+          </a:ln>
+        </p:spPr>
+        <p:txBody>
+          <a:bodyPr vert="horz" wrap="square" lIns="91440" tIns="45720" rIns="91440" bIns="45720" numCol="1" rtlCol="0" anchor="t" anchorCtr="0" compatLnSpc="1">
+            <a:prstTxWarp prst="textNoShape">
+              <a:avLst/>
+            </a:prstTxWarp>
+            <a:noAutofit/>
+          </a:bodyPr>
+          <a:lstStyle>
+            <a:lvl1pPr algn="l" defTabSz="914400" rtl="0" eaLnBrk="1" latinLnBrk="0" hangingPunct="1">
+              <a:spcBef>
+                <a:spcPct val="0"/>
+              </a:spcBef>
+              <a:buNone/>
+              <a:defRPr sz="5400" kern="1200" cap="all" spc="-100" baseline="0">
+                <a:solidFill>
+                  <a:schemeClr val="tx2"/>
+                </a:solidFill>
+                <a:latin typeface="+mj-lt"/>
+                <a:ea typeface="+mj-ea"/>
+                <a:cs typeface="+mj-cs"/>
+              </a:defRPr>
+            </a:lvl1pPr>
+          </a:lstStyle>
+          <a:p>
+            <a:r>
+              <a:rPr lang="en-US" dirty="0" smtClean="0"/>
+              <a:t>Single Responsibility</a:t>
+            </a:r>
+            <a:endParaRPr lang="en-US" dirty="0" smtClean="0"/>
+          </a:p>
+        </p:txBody>
+      </p:sp>
+    </p:spTree>
+    <p:extLst>
+      <p:ext uri="{BB962C8B-B14F-4D97-AF65-F5344CB8AC3E}">
+        <p14:creationId xmlns:p14="http://schemas.microsoft.com/office/powerpoint/2010/main" val="2826215424"/>
+      </p:ext>
+    </p:extLst>
+  </p:cSld>
+  <p:clrMapOvr>
+    <a:masterClrMapping/>
+  </p:clrMapOvr>
+</p:sld>
+</file>
+
+<file path=ppt/slides/slide11.xml><?xml version="1.0" encoding="utf-8"?>
+<p:sld xmlns:a="http://schemas.openxmlformats.org/drawingml/2006/main" xmlns:r="http://schemas.openxmlformats.org/officeDocument/2006/relationships" xmlns:p="http://schemas.openxmlformats.org/presentationml/2006/main">
+  <p:cSld>
+    <p:spTree>
+      <p:nvGrpSpPr>
+        <p:cNvPr id="1" name=""/>
+        <p:cNvGrpSpPr/>
+        <p:nvPr/>
+      </p:nvGrpSpPr>
+      <p:grpSpPr>
+        <a:xfrm>
+          <a:off x="0" y="0"/>
+          <a:ext cx="0" cy="0"/>
+          <a:chOff x="0" y="0"/>
+          <a:chExt cx="0" cy="0"/>
+        </a:xfrm>
+      </p:grpSpPr>
+      <p:sp>
+        <p:nvSpPr>
           <p:cNvPr id="11" name="Title 1"/>
           <p:cNvSpPr txBox="1">
             <a:spLocks/>
@@ -4660,7 +5033,7 @@
 </p:sld>
 </file>
 
-<file path=ppt/slides/slide11.xml><?xml version="1.0" encoding="utf-8"?>
+<file path=ppt/slides/slide12.xml><?xml version="1.0" encoding="utf-8"?>
 <p:sld xmlns:a="http://schemas.openxmlformats.org/drawingml/2006/main" xmlns:r="http://schemas.openxmlformats.org/officeDocument/2006/relationships" xmlns:p="http://schemas.openxmlformats.org/presentationml/2006/main">
   <p:cSld>
     <p:spTree>
@@ -5073,7 +5446,7 @@
 </p:sld>
 </file>
 
-<file path=ppt/slides/slide12.xml><?xml version="1.0" encoding="utf-8"?>
+<file path=ppt/slides/slide13.xml><?xml version="1.0" encoding="utf-8"?>
 <p:sld xmlns:a="http://schemas.openxmlformats.org/drawingml/2006/main" xmlns:r="http://schemas.openxmlformats.org/officeDocument/2006/relationships" xmlns:p="http://schemas.openxmlformats.org/presentationml/2006/main">
   <p:cSld>
     <p:spTree>
@@ -5458,7 +5831,7 @@
 </p:sld>
 </file>
 
-<file path=ppt/slides/slide13.xml><?xml version="1.0" encoding="utf-8"?>
+<file path=ppt/slides/slide14.xml><?xml version="1.0" encoding="utf-8"?>
 <p:sld xmlns:a="http://schemas.openxmlformats.org/drawingml/2006/main" xmlns:r="http://schemas.openxmlformats.org/officeDocument/2006/relationships" xmlns:p="http://schemas.openxmlformats.org/presentationml/2006/main">
   <p:cSld>
     <p:spTree>
@@ -5483,8 +5856,8 @@
         </p:nvSpPr>
         <p:spPr bwMode="auto">
           <a:xfrm>
-            <a:off x="0" y="0"/>
-            <a:ext cx="9144000" cy="4648200"/>
+            <a:off x="0" y="445432"/>
+            <a:ext cx="9144000" cy="4202768"/>
           </a:xfrm>
           <a:prstGeom prst="rect">
             <a:avLst/>
@@ -6030,7 +6403,7 @@
 </p:sld>
 </file>
 
-<file path=ppt/slides/slide14.xml><?xml version="1.0" encoding="utf-8"?>
+<file path=ppt/slides/slide15.xml><?xml version="1.0" encoding="utf-8"?>
 <p:sld xmlns:a="http://schemas.openxmlformats.org/drawingml/2006/main" xmlns:r="http://schemas.openxmlformats.org/officeDocument/2006/relationships" xmlns:p="http://schemas.openxmlformats.org/presentationml/2006/main">
   <p:cSld>
     <p:spTree>
@@ -6093,7 +6466,7 @@
 </p:sld>
 </file>
 
-<file path=ppt/slides/slide15.xml><?xml version="1.0" encoding="utf-8"?>
+<file path=ppt/slides/slide16.xml><?xml version="1.0" encoding="utf-8"?>
 <p:sld xmlns:a="http://schemas.openxmlformats.org/drawingml/2006/main" xmlns:r="http://schemas.openxmlformats.org/officeDocument/2006/relationships" xmlns:p="http://schemas.openxmlformats.org/presentationml/2006/main">
   <p:cSld>
     <p:spTree>
@@ -6613,7 +6986,7 @@
 </p:sld>
 </file>
 
-<file path=ppt/slides/slide16.xml><?xml version="1.0" encoding="utf-8"?>
+<file path=ppt/slides/slide17.xml><?xml version="1.0" encoding="utf-8"?>
 <p:sld xmlns:a="http://schemas.openxmlformats.org/drawingml/2006/main" xmlns:r="http://schemas.openxmlformats.org/officeDocument/2006/relationships" xmlns:p="http://schemas.openxmlformats.org/presentationml/2006/main">
   <p:cSld>
     <p:spTree>
@@ -6638,8 +7011,8 @@
         </p:nvSpPr>
         <p:spPr bwMode="auto">
           <a:xfrm>
-            <a:off x="0" y="0"/>
-            <a:ext cx="9144000" cy="4648200"/>
+            <a:off x="0" y="445432"/>
+            <a:ext cx="9144000" cy="4202768"/>
           </a:xfrm>
           <a:prstGeom prst="rect">
             <a:avLst/>
@@ -6857,16 +7230,7 @@
                 </a:solidFill>
                 <a:latin typeface="+mn-lt"/>
               </a:rPr>
-              <a:t>Derived Classes Must Be Semantically Substitutable For Their Base </a:t>
-            </a:r>
-            <a:r>
-              <a:rPr lang="en-US" sz="1600" dirty="0" smtClean="0">
-                <a:solidFill>
-                  <a:schemeClr val="bg1"/>
-                </a:solidFill>
-                <a:latin typeface="+mn-lt"/>
-              </a:rPr>
-              <a:t>Classes</a:t>
+              <a:t>Sometimes Semantic Arguments Are Worthwhile</a:t>
             </a:r>
             <a:endParaRPr lang="en-US" sz="1600" dirty="0">
               <a:solidFill>
@@ -7184,7 +7548,7 @@
 </p:sld>
 </file>
 
-<file path=ppt/slides/slide17.xml><?xml version="1.0" encoding="utf-8"?>
+<file path=ppt/slides/slide18.xml><?xml version="1.0" encoding="utf-8"?>
 <p:sld xmlns:a="http://schemas.openxmlformats.org/drawingml/2006/main" xmlns:r="http://schemas.openxmlformats.org/officeDocument/2006/relationships" xmlns:p="http://schemas.openxmlformats.org/presentationml/2006/main">
   <p:cSld>
     <p:spTree>
@@ -7247,7 +7611,7 @@
 </p:sld>
 </file>
 
-<file path=ppt/slides/slide18.xml><?xml version="1.0" encoding="utf-8"?>
+<file path=ppt/slides/slide19.xml><?xml version="1.0" encoding="utf-8"?>
 <p:sld xmlns:a="http://schemas.openxmlformats.org/drawingml/2006/main" xmlns:r="http://schemas.openxmlformats.org/officeDocument/2006/relationships" xmlns:p="http://schemas.openxmlformats.org/presentationml/2006/main">
   <p:cSld>
     <p:spTree>
@@ -7469,7 +7833,315 @@
 </p:sld>
 </file>
 
-<file path=ppt/slides/slide19.xml><?xml version="1.0" encoding="utf-8"?>
+<file path=ppt/slides/slide2.xml><?xml version="1.0" encoding="utf-8"?>
+<p:sld xmlns:a="http://schemas.openxmlformats.org/drawingml/2006/main" xmlns:r="http://schemas.openxmlformats.org/officeDocument/2006/relationships" xmlns:p="http://schemas.openxmlformats.org/presentationml/2006/main">
+  <p:cSld>
+    <p:spTree>
+      <p:nvGrpSpPr>
+        <p:cNvPr id="1" name=""/>
+        <p:cNvGrpSpPr/>
+        <p:nvPr/>
+      </p:nvGrpSpPr>
+      <p:grpSpPr>
+        <a:xfrm>
+          <a:off x="0" y="0"/>
+          <a:ext cx="0" cy="0"/>
+          <a:chOff x="0" y="0"/>
+          <a:chExt cx="0" cy="0"/>
+        </a:xfrm>
+      </p:grpSpPr>
+      <p:sp>
+        <p:nvSpPr>
+          <p:cNvPr id="12" name="Rectangle 11"/>
+          <p:cNvSpPr/>
+          <p:nvPr/>
+        </p:nvSpPr>
+        <p:spPr bwMode="auto">
+          <a:xfrm>
+            <a:off x="0" y="445432"/>
+            <a:ext cx="9144000" cy="4202768"/>
+          </a:xfrm>
+          <a:prstGeom prst="rect">
+            <a:avLst/>
+          </a:prstGeom>
+          <a:ln/>
+        </p:spPr>
+        <p:style>
+          <a:lnRef idx="2">
+            <a:schemeClr val="accent4">
+              <a:shade val="50000"/>
+            </a:schemeClr>
+          </a:lnRef>
+          <a:fillRef idx="1">
+            <a:schemeClr val="accent4"/>
+          </a:fillRef>
+          <a:effectRef idx="0">
+            <a:schemeClr val="accent4"/>
+          </a:effectRef>
+          <a:fontRef idx="minor">
+            <a:schemeClr val="lt1"/>
+          </a:fontRef>
+        </p:style>
+        <p:txBody>
+          <a:bodyPr anchor="ctr"/>
+          <a:lstStyle/>
+          <a:p>
+            <a:pPr algn="ctr">
+              <a:defRPr/>
+            </a:pPr>
+            <a:endParaRPr lang="en-US"/>
+          </a:p>
+        </p:txBody>
+      </p:sp>
+      <p:sp>
+        <p:nvSpPr>
+          <p:cNvPr id="13" name="Rectangle 12"/>
+          <p:cNvSpPr/>
+          <p:nvPr/>
+        </p:nvSpPr>
+        <p:spPr bwMode="auto">
+          <a:xfrm>
+            <a:off x="0" y="4724400"/>
+            <a:ext cx="9153525" cy="2133600"/>
+          </a:xfrm>
+          <a:prstGeom prst="rect">
+            <a:avLst/>
+          </a:prstGeom>
+          <a:ln/>
+        </p:spPr>
+        <p:style>
+          <a:lnRef idx="2">
+            <a:schemeClr val="accent3">
+              <a:shade val="50000"/>
+            </a:schemeClr>
+          </a:lnRef>
+          <a:fillRef idx="1">
+            <a:schemeClr val="accent3"/>
+          </a:fillRef>
+          <a:effectRef idx="0">
+            <a:schemeClr val="accent3"/>
+          </a:effectRef>
+          <a:fontRef idx="minor">
+            <a:schemeClr val="lt1"/>
+          </a:fontRef>
+        </p:style>
+        <p:txBody>
+          <a:bodyPr anchor="ctr"/>
+          <a:lstStyle/>
+          <a:p>
+            <a:pPr algn="ctr">
+              <a:defRPr/>
+            </a:pPr>
+            <a:endParaRPr lang="en-US"/>
+          </a:p>
+        </p:txBody>
+      </p:sp>
+      <p:sp>
+        <p:nvSpPr>
+          <p:cNvPr id="15" name="Rectangle 14"/>
+          <p:cNvSpPr/>
+          <p:nvPr/>
+        </p:nvSpPr>
+        <p:spPr bwMode="auto">
+          <a:xfrm>
+            <a:off x="0" y="3239477"/>
+            <a:ext cx="4572000" cy="121138"/>
+          </a:xfrm>
+          <a:prstGeom prst="rect">
+            <a:avLst/>
+          </a:prstGeom>
+          <a:ln/>
+        </p:spPr>
+        <p:style>
+          <a:lnRef idx="2">
+            <a:schemeClr val="dk1">
+              <a:shade val="50000"/>
+            </a:schemeClr>
+          </a:lnRef>
+          <a:fillRef idx="1">
+            <a:schemeClr val="dk1"/>
+          </a:fillRef>
+          <a:effectRef idx="0">
+            <a:schemeClr val="dk1"/>
+          </a:effectRef>
+          <a:fontRef idx="minor">
+            <a:schemeClr val="lt1"/>
+          </a:fontRef>
+        </p:style>
+        <p:txBody>
+          <a:bodyPr anchor="ctr"/>
+          <a:lstStyle/>
+          <a:p>
+            <a:pPr algn="ctr">
+              <a:defRPr/>
+            </a:pPr>
+            <a:endParaRPr lang="en-US"/>
+          </a:p>
+        </p:txBody>
+      </p:sp>
+      <p:sp>
+        <p:nvSpPr>
+          <p:cNvPr id="17" name="Rectangle 16"/>
+          <p:cNvSpPr/>
+          <p:nvPr/>
+        </p:nvSpPr>
+        <p:spPr bwMode="auto">
+          <a:xfrm>
+            <a:off x="112713" y="4800600"/>
+            <a:ext cx="8907462" cy="1933575"/>
+          </a:xfrm>
+          <a:prstGeom prst="rect">
+            <a:avLst/>
+          </a:prstGeom>
+          <a:noFill/>
+          <a:ln w="12700">
+            <a:solidFill>
+              <a:schemeClr val="bg1"/>
+            </a:solidFill>
+          </a:ln>
+        </p:spPr>
+        <p:style>
+          <a:lnRef idx="2">
+            <a:schemeClr val="accent1">
+              <a:shade val="50000"/>
+            </a:schemeClr>
+          </a:lnRef>
+          <a:fillRef idx="1">
+            <a:schemeClr val="accent1"/>
+          </a:fillRef>
+          <a:effectRef idx="0">
+            <a:schemeClr val="accent1"/>
+          </a:effectRef>
+          <a:fontRef idx="minor">
+            <a:schemeClr val="lt1"/>
+          </a:fontRef>
+        </p:style>
+        <p:txBody>
+          <a:bodyPr anchor="ctr"/>
+          <a:lstStyle/>
+          <a:p>
+            <a:pPr algn="ctr">
+              <a:defRPr/>
+            </a:pPr>
+            <a:endParaRPr lang="en-US"/>
+          </a:p>
+        </p:txBody>
+      </p:sp>
+      <p:sp>
+        <p:nvSpPr>
+          <p:cNvPr id="14" name="TextBox 13"/>
+          <p:cNvSpPr txBox="1"/>
+          <p:nvPr/>
+        </p:nvSpPr>
+        <p:spPr>
+          <a:xfrm>
+            <a:off x="381000" y="1295400"/>
+            <a:ext cx="8610600" cy="769938"/>
+          </a:xfrm>
+          <a:prstGeom prst="rect">
+            <a:avLst/>
+          </a:prstGeom>
+          <a:noFill/>
+        </p:spPr>
+        <p:txBody>
+          <a:bodyPr>
+            <a:spAutoFit/>
+          </a:bodyPr>
+          <a:lstStyle/>
+          <a:p>
+            <a:pPr>
+              <a:defRPr/>
+            </a:pPr>
+            <a:r>
+              <a:rPr lang="en-US" sz="4400" spc="60" dirty="0" smtClean="0">
+                <a:solidFill>
+                  <a:schemeClr val="bg1"/>
+                </a:solidFill>
+                <a:latin typeface="Calibri" pitchFamily="34" charset="0"/>
+              </a:rPr>
+              <a:t>Object Oriented Principles</a:t>
+            </a:r>
+            <a:endParaRPr lang="en-US" sz="4400" spc="60" dirty="0">
+              <a:solidFill>
+                <a:schemeClr val="bg1"/>
+              </a:solidFill>
+              <a:latin typeface="Calibri" pitchFamily="34" charset="0"/>
+            </a:endParaRPr>
+          </a:p>
+        </p:txBody>
+      </p:sp>
+      <p:sp>
+        <p:nvSpPr>
+          <p:cNvPr id="19" name="TextBox 18"/>
+          <p:cNvSpPr txBox="1"/>
+          <p:nvPr/>
+        </p:nvSpPr>
+        <p:spPr>
+          <a:xfrm>
+            <a:off x="381000" y="2057400"/>
+            <a:ext cx="7543800" cy="338554"/>
+          </a:xfrm>
+          <a:prstGeom prst="rect">
+            <a:avLst/>
+          </a:prstGeom>
+          <a:noFill/>
+        </p:spPr>
+        <p:txBody>
+          <a:bodyPr wrap="square">
+            <a:spAutoFit/>
+          </a:bodyPr>
+          <a:lstStyle/>
+          <a:p>
+            <a:pPr>
+              <a:defRPr/>
+            </a:pPr>
+            <a:r>
+              <a:rPr lang="en-US" sz="1600" dirty="0" smtClean="0">
+                <a:solidFill>
+                  <a:schemeClr val="bg1"/>
+                </a:solidFill>
+              </a:rPr>
+              <a:t>They’re</a:t>
+            </a:r>
+            <a:r>
+              <a:rPr lang="en-US" sz="1600" dirty="0" smtClean="0">
+                <a:solidFill>
+                  <a:schemeClr val="bg1"/>
+                </a:solidFill>
+                <a:latin typeface="+mn-lt"/>
+              </a:rPr>
+              <a:t> Not Just For Academics And Ivory Tower Architects</a:t>
+            </a:r>
+            <a:endParaRPr lang="en-US" sz="1600" dirty="0">
+              <a:solidFill>
+                <a:schemeClr val="bg1"/>
+              </a:solidFill>
+              <a:latin typeface="+mn-lt"/>
+            </a:endParaRPr>
+          </a:p>
+        </p:txBody>
+      </p:sp>
+    </p:spTree>
+    <p:extLst>
+      <p:ext uri="{BB962C8B-B14F-4D97-AF65-F5344CB8AC3E}">
+        <p14:creationId xmlns:p14="http://schemas.microsoft.com/office/powerpoint/2010/main" val="786468516"/>
+      </p:ext>
+    </p:extLst>
+  </p:cSld>
+  <p:clrMapOvr>
+    <a:masterClrMapping/>
+  </p:clrMapOvr>
+  <p:timing>
+    <p:tnLst>
+      <p:par>
+        <p:cTn xmlns:p14="http://schemas.microsoft.com/office/powerpoint/2010/main" id="1" dur="indefinite" restart="never" nodeType="tmRoot"/>
+      </p:par>
+    </p:tnLst>
+  </p:timing>
+</p:sld>
+</file>
+
+<file path=ppt/slides/slide20.xml><?xml version="1.0" encoding="utf-8"?>
 <p:sld xmlns:a="http://schemas.openxmlformats.org/drawingml/2006/main" xmlns:r="http://schemas.openxmlformats.org/officeDocument/2006/relationships" xmlns:p="http://schemas.openxmlformats.org/presentationml/2006/main">
   <p:cSld>
     <p:spTree>
@@ -8107,382 +8779,7 @@
 </p:sld>
 </file>
 
-<file path=ppt/slides/slide2.xml><?xml version="1.0" encoding="utf-8"?>
-<p:sld xmlns:a="http://schemas.openxmlformats.org/drawingml/2006/main" xmlns:r="http://schemas.openxmlformats.org/officeDocument/2006/relationships" xmlns:p="http://schemas.openxmlformats.org/presentationml/2006/main">
-  <p:cSld>
-    <p:spTree>
-      <p:nvGrpSpPr>
-        <p:cNvPr id="1" name=""/>
-        <p:cNvGrpSpPr/>
-        <p:nvPr/>
-      </p:nvGrpSpPr>
-      <p:grpSpPr>
-        <a:xfrm>
-          <a:off x="0" y="0"/>
-          <a:ext cx="0" cy="0"/>
-          <a:chOff x="0" y="0"/>
-          <a:chExt cx="0" cy="0"/>
-        </a:xfrm>
-      </p:grpSpPr>
-      <p:sp>
-        <p:nvSpPr>
-          <p:cNvPr id="12" name="Rectangle 11"/>
-          <p:cNvSpPr/>
-          <p:nvPr/>
-        </p:nvSpPr>
-        <p:spPr bwMode="auto">
-          <a:xfrm>
-            <a:off x="0" y="0"/>
-            <a:ext cx="9144000" cy="4648200"/>
-          </a:xfrm>
-          <a:prstGeom prst="rect">
-            <a:avLst/>
-          </a:prstGeom>
-          <a:ln/>
-        </p:spPr>
-        <p:style>
-          <a:lnRef idx="2">
-            <a:schemeClr val="accent4">
-              <a:shade val="50000"/>
-            </a:schemeClr>
-          </a:lnRef>
-          <a:fillRef idx="1">
-            <a:schemeClr val="accent4"/>
-          </a:fillRef>
-          <a:effectRef idx="0">
-            <a:schemeClr val="accent4"/>
-          </a:effectRef>
-          <a:fontRef idx="minor">
-            <a:schemeClr val="lt1"/>
-          </a:fontRef>
-        </p:style>
-        <p:txBody>
-          <a:bodyPr anchor="ctr"/>
-          <a:lstStyle/>
-          <a:p>
-            <a:pPr algn="ctr">
-              <a:defRPr/>
-            </a:pPr>
-            <a:endParaRPr lang="en-US"/>
-          </a:p>
-        </p:txBody>
-      </p:sp>
-      <p:sp>
-        <p:nvSpPr>
-          <p:cNvPr id="13" name="Rectangle 12"/>
-          <p:cNvSpPr/>
-          <p:nvPr/>
-        </p:nvSpPr>
-        <p:spPr bwMode="auto">
-          <a:xfrm>
-            <a:off x="0" y="4724400"/>
-            <a:ext cx="9153525" cy="2133600"/>
-          </a:xfrm>
-          <a:prstGeom prst="rect">
-            <a:avLst/>
-          </a:prstGeom>
-          <a:ln/>
-        </p:spPr>
-        <p:style>
-          <a:lnRef idx="2">
-            <a:schemeClr val="accent3">
-              <a:shade val="50000"/>
-            </a:schemeClr>
-          </a:lnRef>
-          <a:fillRef idx="1">
-            <a:schemeClr val="accent3"/>
-          </a:fillRef>
-          <a:effectRef idx="0">
-            <a:schemeClr val="accent3"/>
-          </a:effectRef>
-          <a:fontRef idx="minor">
-            <a:schemeClr val="lt1"/>
-          </a:fontRef>
-        </p:style>
-        <p:txBody>
-          <a:bodyPr anchor="ctr"/>
-          <a:lstStyle/>
-          <a:p>
-            <a:pPr algn="ctr">
-              <a:defRPr/>
-            </a:pPr>
-            <a:endParaRPr lang="en-US"/>
-          </a:p>
-        </p:txBody>
-      </p:sp>
-      <p:sp>
-        <p:nvSpPr>
-          <p:cNvPr id="15" name="Rectangle 14"/>
-          <p:cNvSpPr/>
-          <p:nvPr/>
-        </p:nvSpPr>
-        <p:spPr bwMode="auto">
-          <a:xfrm>
-            <a:off x="0" y="3239477"/>
-            <a:ext cx="4572000" cy="121138"/>
-          </a:xfrm>
-          <a:prstGeom prst="rect">
-            <a:avLst/>
-          </a:prstGeom>
-          <a:ln/>
-        </p:spPr>
-        <p:style>
-          <a:lnRef idx="2">
-            <a:schemeClr val="dk1">
-              <a:shade val="50000"/>
-            </a:schemeClr>
-          </a:lnRef>
-          <a:fillRef idx="1">
-            <a:schemeClr val="dk1"/>
-          </a:fillRef>
-          <a:effectRef idx="0">
-            <a:schemeClr val="dk1"/>
-          </a:effectRef>
-          <a:fontRef idx="minor">
-            <a:schemeClr val="lt1"/>
-          </a:fontRef>
-        </p:style>
-        <p:txBody>
-          <a:bodyPr anchor="ctr"/>
-          <a:lstStyle/>
-          <a:p>
-            <a:pPr algn="ctr">
-              <a:defRPr/>
-            </a:pPr>
-            <a:endParaRPr lang="en-US"/>
-          </a:p>
-        </p:txBody>
-      </p:sp>
-      <p:sp>
-        <p:nvSpPr>
-          <p:cNvPr id="17" name="Rectangle 16"/>
-          <p:cNvSpPr/>
-          <p:nvPr/>
-        </p:nvSpPr>
-        <p:spPr bwMode="auto">
-          <a:xfrm>
-            <a:off x="112713" y="4800600"/>
-            <a:ext cx="8907462" cy="1933575"/>
-          </a:xfrm>
-          <a:prstGeom prst="rect">
-            <a:avLst/>
-          </a:prstGeom>
-          <a:noFill/>
-          <a:ln w="12700">
-            <a:solidFill>
-              <a:schemeClr val="bg1"/>
-            </a:solidFill>
-          </a:ln>
-        </p:spPr>
-        <p:style>
-          <a:lnRef idx="2">
-            <a:schemeClr val="accent1">
-              <a:shade val="50000"/>
-            </a:schemeClr>
-          </a:lnRef>
-          <a:fillRef idx="1">
-            <a:schemeClr val="accent1"/>
-          </a:fillRef>
-          <a:effectRef idx="0">
-            <a:schemeClr val="accent1"/>
-          </a:effectRef>
-          <a:fontRef idx="minor">
-            <a:schemeClr val="lt1"/>
-          </a:fontRef>
-        </p:style>
-        <p:txBody>
-          <a:bodyPr anchor="ctr"/>
-          <a:lstStyle/>
-          <a:p>
-            <a:pPr algn="ctr">
-              <a:defRPr/>
-            </a:pPr>
-            <a:endParaRPr lang="en-US"/>
-          </a:p>
-        </p:txBody>
-      </p:sp>
-      <p:sp>
-        <p:nvSpPr>
-          <p:cNvPr id="14" name="TextBox 13"/>
-          <p:cNvSpPr txBox="1"/>
-          <p:nvPr/>
-        </p:nvSpPr>
-        <p:spPr>
-          <a:xfrm>
-            <a:off x="381000" y="1295400"/>
-            <a:ext cx="8610600" cy="769938"/>
-          </a:xfrm>
-          <a:prstGeom prst="rect">
-            <a:avLst/>
-          </a:prstGeom>
-          <a:noFill/>
-        </p:spPr>
-        <p:txBody>
-          <a:bodyPr>
-            <a:spAutoFit/>
-          </a:bodyPr>
-          <a:lstStyle/>
-          <a:p>
-            <a:pPr>
-              <a:defRPr/>
-            </a:pPr>
-            <a:r>
-              <a:rPr lang="en-US" sz="4400" spc="60" dirty="0" smtClean="0">
-                <a:solidFill>
-                  <a:schemeClr val="bg1"/>
-                </a:solidFill>
-                <a:latin typeface="Calibri" pitchFamily="34" charset="0"/>
-              </a:rPr>
-              <a:t>S.O.L.I.D. </a:t>
-            </a:r>
-            <a:r>
-              <a:rPr lang="en-US" sz="4400" spc="60" dirty="0" smtClean="0">
-                <a:solidFill>
-                  <a:schemeClr val="bg1"/>
-                </a:solidFill>
-                <a:latin typeface="Calibri" pitchFamily="34" charset="0"/>
-              </a:rPr>
-              <a:t>Software </a:t>
-            </a:r>
-            <a:r>
-              <a:rPr lang="en-US" sz="4400" spc="60" dirty="0" smtClean="0">
-                <a:solidFill>
-                  <a:schemeClr val="bg1"/>
-                </a:solidFill>
-                <a:latin typeface="Calibri" pitchFamily="34" charset="0"/>
-              </a:rPr>
-              <a:t>Development</a:t>
-            </a:r>
-            <a:endParaRPr lang="en-US" sz="4400" spc="60" dirty="0">
-              <a:solidFill>
-                <a:schemeClr val="bg1"/>
-              </a:solidFill>
-              <a:latin typeface="Calibri" pitchFamily="34" charset="0"/>
-            </a:endParaRPr>
-          </a:p>
-        </p:txBody>
-      </p:sp>
-      <p:sp>
-        <p:nvSpPr>
-          <p:cNvPr id="19" name="TextBox 18"/>
-          <p:cNvSpPr txBox="1"/>
-          <p:nvPr/>
-        </p:nvSpPr>
-        <p:spPr>
-          <a:xfrm>
-            <a:off x="381000" y="2057400"/>
-            <a:ext cx="7543800" cy="338554"/>
-          </a:xfrm>
-          <a:prstGeom prst="rect">
-            <a:avLst/>
-          </a:prstGeom>
-          <a:noFill/>
-        </p:spPr>
-        <p:txBody>
-          <a:bodyPr wrap="square">
-            <a:spAutoFit/>
-          </a:bodyPr>
-          <a:lstStyle/>
-          <a:p>
-            <a:pPr>
-              <a:defRPr/>
-            </a:pPr>
-            <a:r>
-              <a:rPr lang="en-US" sz="1600" dirty="0" smtClean="0">
-                <a:solidFill>
-                  <a:schemeClr val="bg1"/>
-                </a:solidFill>
-                <a:latin typeface="+mn-lt"/>
-              </a:rPr>
-              <a:t>Achieving Object Oriented Principles, One Step At A Time</a:t>
-            </a:r>
-            <a:endParaRPr lang="en-US" sz="1600" dirty="0">
-              <a:solidFill>
-                <a:schemeClr val="bg1"/>
-              </a:solidFill>
-              <a:latin typeface="+mn-lt"/>
-            </a:endParaRPr>
-          </a:p>
-        </p:txBody>
-      </p:sp>
-      <p:sp>
-        <p:nvSpPr>
-          <p:cNvPr id="10" name="TextBox 9"/>
-          <p:cNvSpPr txBox="1"/>
-          <p:nvPr/>
-        </p:nvSpPr>
-        <p:spPr>
-          <a:xfrm>
-            <a:off x="609600" y="5486400"/>
-            <a:ext cx="5029200" cy="646331"/>
-          </a:xfrm>
-          <a:prstGeom prst="rect">
-            <a:avLst/>
-          </a:prstGeom>
-          <a:noFill/>
-        </p:spPr>
-        <p:txBody>
-          <a:bodyPr wrap="square">
-            <a:spAutoFit/>
-          </a:bodyPr>
-          <a:lstStyle/>
-          <a:p>
-            <a:pPr>
-              <a:defRPr/>
-            </a:pPr>
-            <a:r>
-              <a:rPr lang="en-US" sz="1600" dirty="0" smtClean="0">
-                <a:solidFill>
-                  <a:schemeClr val="bg1"/>
-                </a:solidFill>
-                <a:latin typeface="+mn-lt"/>
-              </a:rPr>
-              <a:t>Presented By:</a:t>
-            </a:r>
-          </a:p>
-          <a:p>
-            <a:pPr>
-              <a:defRPr/>
-            </a:pPr>
-            <a:r>
-              <a:rPr lang="en-US" sz="2000" dirty="0" smtClean="0">
-                <a:solidFill>
-                  <a:schemeClr val="bg1"/>
-                </a:solidFill>
-                <a:latin typeface="+mn-lt"/>
-              </a:rPr>
-              <a:t>Derick Bailey</a:t>
-            </a:r>
-            <a:endParaRPr lang="en-US" sz="2000" dirty="0">
-              <a:solidFill>
-                <a:schemeClr val="bg1"/>
-              </a:solidFill>
-              <a:latin typeface="+mn-lt"/>
-            </a:endParaRPr>
-          </a:p>
-        </p:txBody>
-      </p:sp>
-    </p:spTree>
-    <p:extLst>
-      <p:ext uri="{BB962C8B-B14F-4D97-AF65-F5344CB8AC3E}">
-        <p14:creationId xmlns:p14="http://schemas.microsoft.com/office/powerpoint/2010/main" val="1521738641"/>
-      </p:ext>
-    </p:extLst>
-  </p:cSld>
-  <p:clrMapOvr>
-    <a:masterClrMapping/>
-  </p:clrMapOvr>
-  <p:timing>
-    <p:tnLst>
-      <p:par>
-        <p:cTn xmlns:p14="http://schemas.microsoft.com/office/powerpoint/2010/main" id="1" dur="indefinite" restart="never" nodeType="tmRoot"/>
-      </p:par>
-    </p:tnLst>
-  </p:timing>
-</p:sld>
-</file>
-
-<file path=ppt/slides/slide20.xml><?xml version="1.0" encoding="utf-8"?>
+<file path=ppt/slides/slide21.xml><?xml version="1.0" encoding="utf-8"?>
 <p:sld xmlns:a="http://schemas.openxmlformats.org/drawingml/2006/main" xmlns:r="http://schemas.openxmlformats.org/officeDocument/2006/relationships" xmlns:p="http://schemas.openxmlformats.org/presentationml/2006/main">
   <p:cSld>
     <p:spTree>
@@ -9134,7 +9431,7 @@
 </p:sld>
 </file>
 
-<file path=ppt/slides/slide21.xml><?xml version="1.0" encoding="utf-8"?>
+<file path=ppt/slides/slide22.xml><?xml version="1.0" encoding="utf-8"?>
 <p:sld xmlns:a="http://schemas.openxmlformats.org/drawingml/2006/main" xmlns:r="http://schemas.openxmlformats.org/officeDocument/2006/relationships" xmlns:p="http://schemas.openxmlformats.org/presentationml/2006/main">
   <p:cSld>
     <p:spTree>
@@ -9159,8 +9456,8 @@
         </p:nvSpPr>
         <p:spPr bwMode="auto">
           <a:xfrm>
-            <a:off x="0" y="0"/>
-            <a:ext cx="9144000" cy="4648200"/>
+            <a:off x="0" y="445432"/>
+            <a:ext cx="9144000" cy="4202768"/>
           </a:xfrm>
           <a:prstGeom prst="rect">
             <a:avLst/>
@@ -9686,7 +9983,7 @@
 </p:sld>
 </file>
 
-<file path=ppt/slides/slide22.xml><?xml version="1.0" encoding="utf-8"?>
+<file path=ppt/slides/slide23.xml><?xml version="1.0" encoding="utf-8"?>
 <p:sld xmlns:a="http://schemas.openxmlformats.org/drawingml/2006/main" xmlns:r="http://schemas.openxmlformats.org/officeDocument/2006/relationships" xmlns:p="http://schemas.openxmlformats.org/presentationml/2006/main">
   <p:cSld>
     <p:spTree>
@@ -9749,7 +10046,7 @@
 </p:sld>
 </file>
 
-<file path=ppt/slides/slide23.xml><?xml version="1.0" encoding="utf-8"?>
+<file path=ppt/slides/slide24.xml><?xml version="1.0" encoding="utf-8"?>
 <p:sld xmlns:a="http://schemas.openxmlformats.org/drawingml/2006/main" xmlns:r="http://schemas.openxmlformats.org/officeDocument/2006/relationships" xmlns:p="http://schemas.openxmlformats.org/presentationml/2006/main">
   <p:cSld>
     <p:spTree>
@@ -10409,7 +10706,7 @@
 </p:sld>
 </file>
 
-<file path=ppt/slides/slide24.xml><?xml version="1.0" encoding="utf-8"?>
+<file path=ppt/slides/slide25.xml><?xml version="1.0" encoding="utf-8"?>
 <p:sld xmlns:a="http://schemas.openxmlformats.org/drawingml/2006/main" xmlns:r="http://schemas.openxmlformats.org/officeDocument/2006/relationships" xmlns:p="http://schemas.openxmlformats.org/presentationml/2006/main">
   <p:cSld>
     <p:spTree>
@@ -10434,8 +10731,8 @@
         </p:nvSpPr>
         <p:spPr bwMode="auto">
           <a:xfrm>
-            <a:off x="0" y="0"/>
-            <a:ext cx="9144000" cy="4648200"/>
+            <a:off x="0" y="445432"/>
+            <a:ext cx="9144000" cy="4202768"/>
           </a:xfrm>
           <a:prstGeom prst="rect">
             <a:avLst/>
@@ -10947,7 +11244,7 @@
 </p:sld>
 </file>
 
-<file path=ppt/slides/slide25.xml><?xml version="1.0" encoding="utf-8"?>
+<file path=ppt/slides/slide26.xml><?xml version="1.0" encoding="utf-8"?>
 <p:sld xmlns:a="http://schemas.openxmlformats.org/drawingml/2006/main" xmlns:r="http://schemas.openxmlformats.org/officeDocument/2006/relationships" xmlns:p="http://schemas.openxmlformats.org/presentationml/2006/main">
   <p:cSld>
     <p:spTree>
@@ -11010,7 +11307,7 @@
 </p:sld>
 </file>
 
-<file path=ppt/slides/slide26.xml><?xml version="1.0" encoding="utf-8"?>
+<file path=ppt/slides/slide27.xml><?xml version="1.0" encoding="utf-8"?>
 <p:sld xmlns:a="http://schemas.openxmlformats.org/drawingml/2006/main" xmlns:r="http://schemas.openxmlformats.org/officeDocument/2006/relationships" xmlns:p="http://schemas.openxmlformats.org/presentationml/2006/main">
   <p:cSld>
     <p:spTree>
@@ -11229,7 +11526,7 @@
 </p:sld>
 </file>
 
-<file path=ppt/slides/slide27.xml><?xml version="1.0" encoding="utf-8"?>
+<file path=ppt/slides/slide28.xml><?xml version="1.0" encoding="utf-8"?>
 <p:sld xmlns:a="http://schemas.openxmlformats.org/drawingml/2006/main" xmlns:r="http://schemas.openxmlformats.org/officeDocument/2006/relationships" xmlns:p="http://schemas.openxmlformats.org/presentationml/2006/main">
   <p:cSld>
     <p:spTree>
@@ -11569,7 +11866,7 @@
 </p:sld>
 </file>
 
-<file path=ppt/slides/slide28.xml><?xml version="1.0" encoding="utf-8"?>
+<file path=ppt/slides/slide29.xml><?xml version="1.0" encoding="utf-8"?>
 <p:sld xmlns:a="http://schemas.openxmlformats.org/drawingml/2006/main" xmlns:r="http://schemas.openxmlformats.org/officeDocument/2006/relationships" xmlns:p="http://schemas.openxmlformats.org/presentationml/2006/main">
   <p:cSld>
     <p:spTree>
@@ -11909,7 +12206,1439 @@
 </p:sld>
 </file>
 
-<file path=ppt/slides/slide29.xml><?xml version="1.0" encoding="utf-8"?>
+<file path=ppt/slides/slide3.xml><?xml version="1.0" encoding="utf-8"?>
+<p:sld xmlns:a="http://schemas.openxmlformats.org/drawingml/2006/main" xmlns:r="http://schemas.openxmlformats.org/officeDocument/2006/relationships" xmlns:p="http://schemas.openxmlformats.org/presentationml/2006/main">
+  <p:cSld>
+    <p:spTree>
+      <p:nvGrpSpPr>
+        <p:cNvPr id="1" name=""/>
+        <p:cNvGrpSpPr/>
+        <p:nvPr/>
+      </p:nvGrpSpPr>
+      <p:grpSpPr>
+        <a:xfrm>
+          <a:off x="0" y="0"/>
+          <a:ext cx="0" cy="0"/>
+          <a:chOff x="0" y="0"/>
+          <a:chExt cx="0" cy="0"/>
+        </a:xfrm>
+      </p:grpSpPr>
+      <p:sp>
+        <p:nvSpPr>
+          <p:cNvPr id="3075" name="Text Placeholder 2"/>
+          <p:cNvSpPr>
+            <a:spLocks noGrp="1"/>
+          </p:cNvSpPr>
+          <p:nvPr>
+            <p:ph type="body" sz="quarter" idx="10"/>
+          </p:nvPr>
+        </p:nvSpPr>
+        <p:spPr>
+          <a:xfrm>
+            <a:off x="693615" y="1066799"/>
+            <a:ext cx="7825154" cy="2342663"/>
+          </a:xfrm>
+        </p:spPr>
+        <p:txBody>
+          <a:bodyPr/>
+          <a:lstStyle/>
+          <a:p>
+            <a:pPr eaLnBrk="1" hangingPunct="1">
+              <a:buNone/>
+            </a:pPr>
+            <a:r>
+              <a:rPr lang="en-US" dirty="0" smtClean="0"/>
+              <a:t>Coupling:</a:t>
+            </a:r>
+          </a:p>
+          <a:p>
+            <a:pPr lvl="1" eaLnBrk="1" hangingPunct="1">
+              <a:buNone/>
+            </a:pPr>
+            <a:r>
+              <a:rPr lang="en-US" sz="2000" dirty="0" smtClean="0"/>
+              <a:t>“The degree to which each program module relies on each one of the other modules” – </a:t>
+            </a:r>
+            <a:r>
+              <a:rPr lang="en-US" sz="2000" dirty="0" smtClean="0">
+                <a:hlinkClick r:id="rId3"/>
+              </a:rPr>
+              <a:t>Wikipedia</a:t>
+            </a:r>
+          </a:p>
+        </p:txBody>
+      </p:sp>
+      <p:sp>
+        <p:nvSpPr>
+          <p:cNvPr id="3074" name="Title 1"/>
+          <p:cNvSpPr>
+            <a:spLocks noGrp="1"/>
+          </p:cNvSpPr>
+          <p:nvPr>
+            <p:ph type="title"/>
+          </p:nvPr>
+        </p:nvSpPr>
+        <p:spPr bwMode="auto">
+          <a:xfrm>
+            <a:off x="0" y="407987"/>
+            <a:ext cx="9144000" cy="1145321"/>
+          </a:xfrm>
+          <a:noFill/>
+          <a:ln>
+            <a:miter lim="800000"/>
+            <a:headEnd/>
+            <a:tailEnd/>
+          </a:ln>
+        </p:spPr>
+        <p:txBody>
+          <a:bodyPr vert="horz" wrap="square" lIns="91440" tIns="45720" rIns="91440" bIns="45720" numCol="1" anchor="t" anchorCtr="0" compatLnSpc="1">
+            <a:prstTxWarp prst="textNoShape">
+              <a:avLst/>
+            </a:prstTxWarp>
+          </a:bodyPr>
+          <a:lstStyle/>
+          <a:p>
+            <a:pPr eaLnBrk="1" hangingPunct="1"/>
+            <a:r>
+              <a:rPr lang="en-US" dirty="0" smtClean="0"/>
+              <a:t>Coupling</a:t>
+            </a:r>
+            <a:endParaRPr lang="en-US" dirty="0" smtClean="0"/>
+          </a:p>
+        </p:txBody>
+      </p:sp>
+      <p:grpSp>
+        <p:nvGrpSpPr>
+          <p:cNvPr id="3" name="Group 2"/>
+          <p:cNvGrpSpPr/>
+          <p:nvPr/>
+        </p:nvGrpSpPr>
+        <p:grpSpPr>
+          <a:xfrm>
+            <a:off x="1257300" y="3761154"/>
+            <a:ext cx="6629400" cy="2743200"/>
+            <a:chOff x="1257300" y="3761154"/>
+            <a:chExt cx="6629400" cy="2743200"/>
+          </a:xfrm>
+        </p:grpSpPr>
+        <p:sp>
+          <p:nvSpPr>
+            <p:cNvPr id="5" name="Rectangle 4"/>
+            <p:cNvSpPr/>
+            <p:nvPr/>
+          </p:nvSpPr>
+          <p:spPr>
+            <a:xfrm>
+              <a:off x="2171700" y="3989754"/>
+              <a:ext cx="990600" cy="533400"/>
+            </a:xfrm>
+            <a:prstGeom prst="rect">
+              <a:avLst/>
+            </a:prstGeom>
+          </p:spPr>
+          <p:style>
+            <a:lnRef idx="1">
+              <a:schemeClr val="accent1"/>
+            </a:lnRef>
+            <a:fillRef idx="3">
+              <a:schemeClr val="accent1"/>
+            </a:fillRef>
+            <a:effectRef idx="2">
+              <a:schemeClr val="accent1"/>
+            </a:effectRef>
+            <a:fontRef idx="minor">
+              <a:schemeClr val="lt1"/>
+            </a:fontRef>
+          </p:style>
+          <p:txBody>
+            <a:bodyPr rtlCol="0" anchor="ctr"/>
+            <a:lstStyle/>
+            <a:p>
+              <a:pPr algn="ctr"/>
+              <a:endParaRPr lang="en-US"/>
+            </a:p>
+          </p:txBody>
+        </p:sp>
+        <p:sp>
+          <p:nvSpPr>
+            <p:cNvPr id="6" name="Rectangle 5"/>
+            <p:cNvSpPr/>
+            <p:nvPr/>
+          </p:nvSpPr>
+          <p:spPr>
+            <a:xfrm>
+              <a:off x="3314700" y="5132754"/>
+              <a:ext cx="990600" cy="533400"/>
+            </a:xfrm>
+            <a:prstGeom prst="rect">
+              <a:avLst/>
+            </a:prstGeom>
+          </p:spPr>
+          <p:style>
+            <a:lnRef idx="1">
+              <a:schemeClr val="accent2"/>
+            </a:lnRef>
+            <a:fillRef idx="3">
+              <a:schemeClr val="accent2"/>
+            </a:fillRef>
+            <a:effectRef idx="2">
+              <a:schemeClr val="accent2"/>
+            </a:effectRef>
+            <a:fontRef idx="minor">
+              <a:schemeClr val="lt1"/>
+            </a:fontRef>
+          </p:style>
+          <p:txBody>
+            <a:bodyPr rtlCol="0" anchor="ctr"/>
+            <a:lstStyle/>
+            <a:p>
+              <a:pPr algn="ctr"/>
+              <a:endParaRPr lang="en-US"/>
+            </a:p>
+          </p:txBody>
+        </p:sp>
+        <p:sp>
+          <p:nvSpPr>
+            <p:cNvPr id="7" name="Rectangle 6"/>
+            <p:cNvSpPr/>
+            <p:nvPr/>
+          </p:nvSpPr>
+          <p:spPr>
+            <a:xfrm>
+              <a:off x="3848100" y="3761154"/>
+              <a:ext cx="990600" cy="533400"/>
+            </a:xfrm>
+            <a:prstGeom prst="rect">
+              <a:avLst/>
+            </a:prstGeom>
+          </p:spPr>
+          <p:style>
+            <a:lnRef idx="1">
+              <a:schemeClr val="accent1"/>
+            </a:lnRef>
+            <a:fillRef idx="3">
+              <a:schemeClr val="accent1"/>
+            </a:fillRef>
+            <a:effectRef idx="2">
+              <a:schemeClr val="accent1"/>
+            </a:effectRef>
+            <a:fontRef idx="minor">
+              <a:schemeClr val="lt1"/>
+            </a:fontRef>
+          </p:style>
+          <p:txBody>
+            <a:bodyPr rtlCol="0" anchor="ctr"/>
+            <a:lstStyle/>
+            <a:p>
+              <a:pPr algn="ctr"/>
+              <a:endParaRPr lang="en-US"/>
+            </a:p>
+          </p:txBody>
+        </p:sp>
+        <p:sp>
+          <p:nvSpPr>
+            <p:cNvPr id="8" name="Rectangle 7"/>
+            <p:cNvSpPr/>
+            <p:nvPr/>
+          </p:nvSpPr>
+          <p:spPr>
+            <a:xfrm>
+              <a:off x="2095500" y="5818554"/>
+              <a:ext cx="990600" cy="533400"/>
+            </a:xfrm>
+            <a:prstGeom prst="rect">
+              <a:avLst/>
+            </a:prstGeom>
+          </p:spPr>
+          <p:style>
+            <a:lnRef idx="1">
+              <a:schemeClr val="accent1"/>
+            </a:lnRef>
+            <a:fillRef idx="3">
+              <a:schemeClr val="accent1"/>
+            </a:fillRef>
+            <a:effectRef idx="2">
+              <a:schemeClr val="accent1"/>
+            </a:effectRef>
+            <a:fontRef idx="minor">
+              <a:schemeClr val="lt1"/>
+            </a:fontRef>
+          </p:style>
+          <p:txBody>
+            <a:bodyPr rtlCol="0" anchor="ctr"/>
+            <a:lstStyle/>
+            <a:p>
+              <a:pPr algn="ctr"/>
+              <a:endParaRPr lang="en-US"/>
+            </a:p>
+          </p:txBody>
+        </p:sp>
+        <p:sp>
+          <p:nvSpPr>
+            <p:cNvPr id="9" name="Rectangle 8"/>
+            <p:cNvSpPr/>
+            <p:nvPr/>
+          </p:nvSpPr>
+          <p:spPr>
+            <a:xfrm>
+              <a:off x="4000500" y="5970954"/>
+              <a:ext cx="990600" cy="533400"/>
+            </a:xfrm>
+            <a:prstGeom prst="rect">
+              <a:avLst/>
+            </a:prstGeom>
+          </p:spPr>
+          <p:style>
+            <a:lnRef idx="1">
+              <a:schemeClr val="accent1"/>
+            </a:lnRef>
+            <a:fillRef idx="3">
+              <a:schemeClr val="accent1"/>
+            </a:fillRef>
+            <a:effectRef idx="2">
+              <a:schemeClr val="accent1"/>
+            </a:effectRef>
+            <a:fontRef idx="minor">
+              <a:schemeClr val="lt1"/>
+            </a:fontRef>
+          </p:style>
+          <p:txBody>
+            <a:bodyPr rtlCol="0" anchor="ctr"/>
+            <a:lstStyle/>
+            <a:p>
+              <a:pPr algn="ctr"/>
+              <a:endParaRPr lang="en-US"/>
+            </a:p>
+          </p:txBody>
+        </p:sp>
+        <p:sp>
+          <p:nvSpPr>
+            <p:cNvPr id="10" name="Rectangle 9"/>
+            <p:cNvSpPr/>
+            <p:nvPr/>
+          </p:nvSpPr>
+          <p:spPr>
+            <a:xfrm>
+              <a:off x="4686300" y="4827954"/>
+              <a:ext cx="990600" cy="533400"/>
+            </a:xfrm>
+            <a:prstGeom prst="rect">
+              <a:avLst/>
+            </a:prstGeom>
+          </p:spPr>
+          <p:style>
+            <a:lnRef idx="1">
+              <a:schemeClr val="accent1"/>
+            </a:lnRef>
+            <a:fillRef idx="3">
+              <a:schemeClr val="accent1"/>
+            </a:fillRef>
+            <a:effectRef idx="2">
+              <a:schemeClr val="accent1"/>
+            </a:effectRef>
+            <a:fontRef idx="minor">
+              <a:schemeClr val="lt1"/>
+            </a:fontRef>
+          </p:style>
+          <p:txBody>
+            <a:bodyPr rtlCol="0" anchor="ctr"/>
+            <a:lstStyle/>
+            <a:p>
+              <a:pPr algn="ctr"/>
+              <a:endParaRPr lang="en-US"/>
+            </a:p>
+          </p:txBody>
+        </p:sp>
+        <p:sp>
+          <p:nvSpPr>
+            <p:cNvPr id="11" name="Rectangle 10"/>
+            <p:cNvSpPr/>
+            <p:nvPr/>
+          </p:nvSpPr>
+          <p:spPr>
+            <a:xfrm>
+              <a:off x="5753100" y="3913554"/>
+              <a:ext cx="990600" cy="533400"/>
+            </a:xfrm>
+            <a:prstGeom prst="rect">
+              <a:avLst/>
+            </a:prstGeom>
+          </p:spPr>
+          <p:style>
+            <a:lnRef idx="1">
+              <a:schemeClr val="accent1"/>
+            </a:lnRef>
+            <a:fillRef idx="3">
+              <a:schemeClr val="accent1"/>
+            </a:fillRef>
+            <a:effectRef idx="2">
+              <a:schemeClr val="accent1"/>
+            </a:effectRef>
+            <a:fontRef idx="minor">
+              <a:schemeClr val="lt1"/>
+            </a:fontRef>
+          </p:style>
+          <p:txBody>
+            <a:bodyPr rtlCol="0" anchor="ctr"/>
+            <a:lstStyle/>
+            <a:p>
+              <a:pPr algn="ctr"/>
+              <a:endParaRPr lang="en-US"/>
+            </a:p>
+          </p:txBody>
+        </p:sp>
+        <p:sp>
+          <p:nvSpPr>
+            <p:cNvPr id="12" name="Rectangle 11"/>
+            <p:cNvSpPr/>
+            <p:nvPr/>
+          </p:nvSpPr>
+          <p:spPr>
+            <a:xfrm>
+              <a:off x="1257300" y="4827954"/>
+              <a:ext cx="990600" cy="533400"/>
+            </a:xfrm>
+            <a:prstGeom prst="rect">
+              <a:avLst/>
+            </a:prstGeom>
+          </p:spPr>
+          <p:style>
+            <a:lnRef idx="1">
+              <a:schemeClr val="accent1"/>
+            </a:lnRef>
+            <a:fillRef idx="3">
+              <a:schemeClr val="accent1"/>
+            </a:fillRef>
+            <a:effectRef idx="2">
+              <a:schemeClr val="accent1"/>
+            </a:effectRef>
+            <a:fontRef idx="minor">
+              <a:schemeClr val="lt1"/>
+            </a:fontRef>
+          </p:style>
+          <p:txBody>
+            <a:bodyPr rtlCol="0" anchor="ctr"/>
+            <a:lstStyle/>
+            <a:p>
+              <a:pPr algn="ctr"/>
+              <a:endParaRPr lang="en-US"/>
+            </a:p>
+          </p:txBody>
+        </p:sp>
+        <p:sp>
+          <p:nvSpPr>
+            <p:cNvPr id="13" name="Rectangle 12"/>
+            <p:cNvSpPr/>
+            <p:nvPr/>
+          </p:nvSpPr>
+          <p:spPr>
+            <a:xfrm>
+              <a:off x="5905500" y="5818554"/>
+              <a:ext cx="990600" cy="533400"/>
+            </a:xfrm>
+            <a:prstGeom prst="rect">
+              <a:avLst/>
+            </a:prstGeom>
+          </p:spPr>
+          <p:style>
+            <a:lnRef idx="1">
+              <a:schemeClr val="accent1"/>
+            </a:lnRef>
+            <a:fillRef idx="3">
+              <a:schemeClr val="accent1"/>
+            </a:fillRef>
+            <a:effectRef idx="2">
+              <a:schemeClr val="accent1"/>
+            </a:effectRef>
+            <a:fontRef idx="minor">
+              <a:schemeClr val="lt1"/>
+            </a:fontRef>
+          </p:style>
+          <p:txBody>
+            <a:bodyPr rtlCol="0" anchor="ctr"/>
+            <a:lstStyle/>
+            <a:p>
+              <a:pPr algn="ctr"/>
+              <a:endParaRPr lang="en-US"/>
+            </a:p>
+          </p:txBody>
+        </p:sp>
+        <p:sp>
+          <p:nvSpPr>
+            <p:cNvPr id="14" name="Rectangle 13"/>
+            <p:cNvSpPr/>
+            <p:nvPr/>
+          </p:nvSpPr>
+          <p:spPr>
+            <a:xfrm>
+              <a:off x="6896100" y="4827954"/>
+              <a:ext cx="990600" cy="533400"/>
+            </a:xfrm>
+            <a:prstGeom prst="rect">
+              <a:avLst/>
+            </a:prstGeom>
+          </p:spPr>
+          <p:style>
+            <a:lnRef idx="1">
+              <a:schemeClr val="accent1"/>
+            </a:lnRef>
+            <a:fillRef idx="3">
+              <a:schemeClr val="accent1"/>
+            </a:fillRef>
+            <a:effectRef idx="2">
+              <a:schemeClr val="accent1"/>
+            </a:effectRef>
+            <a:fontRef idx="minor">
+              <a:schemeClr val="lt1"/>
+            </a:fontRef>
+          </p:style>
+          <p:txBody>
+            <a:bodyPr rtlCol="0" anchor="ctr"/>
+            <a:lstStyle/>
+            <a:p>
+              <a:pPr algn="ctr"/>
+              <a:endParaRPr lang="en-US"/>
+            </a:p>
+          </p:txBody>
+        </p:sp>
+        <p:cxnSp>
+          <p:nvCxnSpPr>
+            <p:cNvPr id="15" name="Elbow Connector 14"/>
+            <p:cNvCxnSpPr>
+              <a:stCxn id="5" idx="3"/>
+              <a:endCxn id="6" idx="0"/>
+            </p:cNvCxnSpPr>
+            <p:nvPr/>
+          </p:nvCxnSpPr>
+          <p:spPr>
+            <a:xfrm>
+              <a:off x="3162300" y="4256454"/>
+              <a:ext cx="647700" cy="876300"/>
+            </a:xfrm>
+            <a:prstGeom prst="bentConnector2">
+              <a:avLst/>
+            </a:prstGeom>
+            <a:ln>
+              <a:tailEnd type="arrow"/>
+            </a:ln>
+            <a:effectLst/>
+          </p:spPr>
+          <p:style>
+            <a:lnRef idx="1">
+              <a:schemeClr val="accent1"/>
+            </a:lnRef>
+            <a:fillRef idx="3">
+              <a:schemeClr val="accent1"/>
+            </a:fillRef>
+            <a:effectRef idx="2">
+              <a:schemeClr val="accent1"/>
+            </a:effectRef>
+            <a:fontRef idx="minor">
+              <a:schemeClr val="lt1"/>
+            </a:fontRef>
+          </p:style>
+        </p:cxnSp>
+        <p:cxnSp>
+          <p:nvCxnSpPr>
+            <p:cNvPr id="16" name="Elbow Connector 14"/>
+            <p:cNvCxnSpPr>
+              <a:stCxn id="5" idx="1"/>
+              <a:endCxn id="12" idx="0"/>
+            </p:cNvCxnSpPr>
+            <p:nvPr/>
+          </p:nvCxnSpPr>
+          <p:spPr>
+            <a:xfrm rot="10800000" flipV="1">
+              <a:off x="1752600" y="4256454"/>
+              <a:ext cx="419100" cy="571500"/>
+            </a:xfrm>
+            <a:prstGeom prst="bentConnector2">
+              <a:avLst/>
+            </a:prstGeom>
+            <a:ln>
+              <a:tailEnd type="arrow"/>
+            </a:ln>
+            <a:effectLst/>
+          </p:spPr>
+          <p:style>
+            <a:lnRef idx="1">
+              <a:schemeClr val="accent1"/>
+            </a:lnRef>
+            <a:fillRef idx="3">
+              <a:schemeClr val="accent1"/>
+            </a:fillRef>
+            <a:effectRef idx="2">
+              <a:schemeClr val="accent1"/>
+            </a:effectRef>
+            <a:fontRef idx="minor">
+              <a:schemeClr val="lt1"/>
+            </a:fontRef>
+          </p:style>
+        </p:cxnSp>
+        <p:cxnSp>
+          <p:nvCxnSpPr>
+            <p:cNvPr id="17" name="Elbow Connector 14"/>
+            <p:cNvCxnSpPr>
+              <a:stCxn id="6" idx="1"/>
+              <a:endCxn id="5" idx="2"/>
+            </p:cNvCxnSpPr>
+            <p:nvPr/>
+          </p:nvCxnSpPr>
+          <p:spPr>
+            <a:xfrm rot="10800000">
+              <a:off x="2667000" y="4523154"/>
+              <a:ext cx="647700" cy="876300"/>
+            </a:xfrm>
+            <a:prstGeom prst="bentConnector2">
+              <a:avLst/>
+            </a:prstGeom>
+            <a:ln>
+              <a:tailEnd type="arrow"/>
+            </a:ln>
+            <a:effectLst/>
+          </p:spPr>
+          <p:style>
+            <a:lnRef idx="1">
+              <a:schemeClr val="accent1"/>
+            </a:lnRef>
+            <a:fillRef idx="3">
+              <a:schemeClr val="accent1"/>
+            </a:fillRef>
+            <a:effectRef idx="2">
+              <a:schemeClr val="accent1"/>
+            </a:effectRef>
+            <a:fontRef idx="minor">
+              <a:schemeClr val="lt1"/>
+            </a:fontRef>
+          </p:style>
+        </p:cxnSp>
+        <p:cxnSp>
+          <p:nvCxnSpPr>
+            <p:cNvPr id="18" name="Elbow Connector 14"/>
+            <p:cNvCxnSpPr>
+              <a:stCxn id="7" idx="2"/>
+              <a:endCxn id="6" idx="0"/>
+            </p:cNvCxnSpPr>
+            <p:nvPr/>
+          </p:nvCxnSpPr>
+          <p:spPr>
+            <a:xfrm rot="5400000">
+              <a:off x="3657600" y="4446954"/>
+              <a:ext cx="838200" cy="533400"/>
+            </a:xfrm>
+            <a:prstGeom prst="bentConnector3">
+              <a:avLst>
+                <a:gd name="adj1" fmla="val 50000"/>
+              </a:avLst>
+            </a:prstGeom>
+            <a:ln>
+              <a:tailEnd type="arrow"/>
+            </a:ln>
+            <a:effectLst/>
+          </p:spPr>
+          <p:style>
+            <a:lnRef idx="1">
+              <a:schemeClr val="accent1"/>
+            </a:lnRef>
+            <a:fillRef idx="3">
+              <a:schemeClr val="accent1"/>
+            </a:fillRef>
+            <a:effectRef idx="2">
+              <a:schemeClr val="accent1"/>
+            </a:effectRef>
+            <a:fontRef idx="minor">
+              <a:schemeClr val="lt1"/>
+            </a:fontRef>
+          </p:style>
+        </p:cxnSp>
+        <p:cxnSp>
+          <p:nvCxnSpPr>
+            <p:cNvPr id="19" name="Elbow Connector 14"/>
+            <p:cNvCxnSpPr>
+              <a:stCxn id="10" idx="0"/>
+              <a:endCxn id="7" idx="3"/>
+            </p:cNvCxnSpPr>
+            <p:nvPr/>
+          </p:nvCxnSpPr>
+          <p:spPr>
+            <a:xfrm rot="16200000" flipV="1">
+              <a:off x="4610100" y="4256454"/>
+              <a:ext cx="800100" cy="342900"/>
+            </a:xfrm>
+            <a:prstGeom prst="bentConnector2">
+              <a:avLst/>
+            </a:prstGeom>
+            <a:ln>
+              <a:tailEnd type="arrow"/>
+            </a:ln>
+            <a:effectLst/>
+          </p:spPr>
+          <p:style>
+            <a:lnRef idx="1">
+              <a:schemeClr val="accent1"/>
+            </a:lnRef>
+            <a:fillRef idx="3">
+              <a:schemeClr val="accent1"/>
+            </a:fillRef>
+            <a:effectRef idx="2">
+              <a:schemeClr val="accent1"/>
+            </a:effectRef>
+            <a:fontRef idx="minor">
+              <a:schemeClr val="lt1"/>
+            </a:fontRef>
+          </p:style>
+        </p:cxnSp>
+        <p:cxnSp>
+          <p:nvCxnSpPr>
+            <p:cNvPr id="20" name="Elbow Connector 14"/>
+            <p:cNvCxnSpPr>
+              <a:stCxn id="8" idx="3"/>
+              <a:endCxn id="9" idx="1"/>
+            </p:cNvCxnSpPr>
+            <p:nvPr/>
+          </p:nvCxnSpPr>
+          <p:spPr>
+            <a:xfrm>
+              <a:off x="3086100" y="6085254"/>
+              <a:ext cx="914400" cy="152400"/>
+            </a:xfrm>
+            <a:prstGeom prst="bentConnector3">
+              <a:avLst>
+                <a:gd name="adj1" fmla="val 50000"/>
+              </a:avLst>
+            </a:prstGeom>
+            <a:ln>
+              <a:tailEnd type="arrow"/>
+            </a:ln>
+            <a:effectLst/>
+          </p:spPr>
+          <p:style>
+            <a:lnRef idx="1">
+              <a:schemeClr val="accent1"/>
+            </a:lnRef>
+            <a:fillRef idx="3">
+              <a:schemeClr val="accent1"/>
+            </a:fillRef>
+            <a:effectRef idx="2">
+              <a:schemeClr val="accent1"/>
+            </a:effectRef>
+            <a:fontRef idx="minor">
+              <a:schemeClr val="lt1"/>
+            </a:fontRef>
+          </p:style>
+        </p:cxnSp>
+        <p:cxnSp>
+          <p:nvCxnSpPr>
+            <p:cNvPr id="21" name="Elbow Connector 14"/>
+            <p:cNvCxnSpPr>
+              <a:stCxn id="9" idx="0"/>
+              <a:endCxn id="6" idx="2"/>
+            </p:cNvCxnSpPr>
+            <p:nvPr/>
+          </p:nvCxnSpPr>
+          <p:spPr>
+            <a:xfrm rot="16200000" flipV="1">
+              <a:off x="4000500" y="5475654"/>
+              <a:ext cx="304800" cy="685800"/>
+            </a:xfrm>
+            <a:prstGeom prst="bentConnector3">
+              <a:avLst>
+                <a:gd name="adj1" fmla="val 50000"/>
+              </a:avLst>
+            </a:prstGeom>
+            <a:ln>
+              <a:tailEnd type="arrow"/>
+            </a:ln>
+            <a:effectLst/>
+          </p:spPr>
+          <p:style>
+            <a:lnRef idx="1">
+              <a:schemeClr val="accent1"/>
+            </a:lnRef>
+            <a:fillRef idx="3">
+              <a:schemeClr val="accent1"/>
+            </a:fillRef>
+            <a:effectRef idx="2">
+              <a:schemeClr val="accent1"/>
+            </a:effectRef>
+            <a:fontRef idx="minor">
+              <a:schemeClr val="lt1"/>
+            </a:fontRef>
+          </p:style>
+        </p:cxnSp>
+        <p:cxnSp>
+          <p:nvCxnSpPr>
+            <p:cNvPr id="22" name="Elbow Connector 14"/>
+            <p:cNvCxnSpPr>
+              <a:stCxn id="12" idx="3"/>
+              <a:endCxn id="8" idx="0"/>
+            </p:cNvCxnSpPr>
+            <p:nvPr/>
+          </p:nvCxnSpPr>
+          <p:spPr>
+            <a:xfrm>
+              <a:off x="2247900" y="5094654"/>
+              <a:ext cx="342900" cy="723900"/>
+            </a:xfrm>
+            <a:prstGeom prst="bentConnector2">
+              <a:avLst/>
+            </a:prstGeom>
+            <a:ln>
+              <a:tailEnd type="arrow"/>
+            </a:ln>
+            <a:effectLst/>
+          </p:spPr>
+          <p:style>
+            <a:lnRef idx="1">
+              <a:schemeClr val="accent1"/>
+            </a:lnRef>
+            <a:fillRef idx="3">
+              <a:schemeClr val="accent1"/>
+            </a:fillRef>
+            <a:effectRef idx="2">
+              <a:schemeClr val="accent1"/>
+            </a:effectRef>
+            <a:fontRef idx="minor">
+              <a:schemeClr val="lt1"/>
+            </a:fontRef>
+          </p:style>
+        </p:cxnSp>
+        <p:cxnSp>
+          <p:nvCxnSpPr>
+            <p:cNvPr id="23" name="Elbow Connector 14"/>
+            <p:cNvCxnSpPr>
+              <a:stCxn id="6" idx="1"/>
+              <a:endCxn id="8" idx="0"/>
+            </p:cNvCxnSpPr>
+            <p:nvPr/>
+          </p:nvCxnSpPr>
+          <p:spPr>
+            <a:xfrm rot="10800000" flipV="1">
+              <a:off x="2590800" y="5399454"/>
+              <a:ext cx="723900" cy="419100"/>
+            </a:xfrm>
+            <a:prstGeom prst="bentConnector2">
+              <a:avLst/>
+            </a:prstGeom>
+            <a:ln>
+              <a:tailEnd type="arrow"/>
+            </a:ln>
+            <a:effectLst/>
+          </p:spPr>
+          <p:style>
+            <a:lnRef idx="1">
+              <a:schemeClr val="accent1"/>
+            </a:lnRef>
+            <a:fillRef idx="3">
+              <a:schemeClr val="accent1"/>
+            </a:fillRef>
+            <a:effectRef idx="2">
+              <a:schemeClr val="accent1"/>
+            </a:effectRef>
+            <a:fontRef idx="minor">
+              <a:schemeClr val="lt1"/>
+            </a:fontRef>
+          </p:style>
+        </p:cxnSp>
+        <p:cxnSp>
+          <p:nvCxnSpPr>
+            <p:cNvPr id="24" name="Elbow Connector 14"/>
+            <p:cNvCxnSpPr>
+              <a:stCxn id="10" idx="1"/>
+              <a:endCxn id="6" idx="3"/>
+            </p:cNvCxnSpPr>
+            <p:nvPr/>
+          </p:nvCxnSpPr>
+          <p:spPr>
+            <a:xfrm rot="10800000" flipV="1">
+              <a:off x="4305300" y="5094654"/>
+              <a:ext cx="381000" cy="304800"/>
+            </a:xfrm>
+            <a:prstGeom prst="bentConnector3">
+              <a:avLst>
+                <a:gd name="adj1" fmla="val 50000"/>
+              </a:avLst>
+            </a:prstGeom>
+            <a:ln>
+              <a:tailEnd type="arrow"/>
+            </a:ln>
+            <a:effectLst/>
+          </p:spPr>
+          <p:style>
+            <a:lnRef idx="1">
+              <a:schemeClr val="accent1"/>
+            </a:lnRef>
+            <a:fillRef idx="3">
+              <a:schemeClr val="accent1"/>
+            </a:fillRef>
+            <a:effectRef idx="2">
+              <a:schemeClr val="accent1"/>
+            </a:effectRef>
+            <a:fontRef idx="minor">
+              <a:schemeClr val="lt1"/>
+            </a:fontRef>
+          </p:style>
+        </p:cxnSp>
+        <p:cxnSp>
+          <p:nvCxnSpPr>
+            <p:cNvPr id="25" name="Elbow Connector 14"/>
+            <p:cNvCxnSpPr>
+              <a:stCxn id="10" idx="2"/>
+              <a:endCxn id="9" idx="3"/>
+            </p:cNvCxnSpPr>
+            <p:nvPr/>
+          </p:nvCxnSpPr>
+          <p:spPr>
+            <a:xfrm rot="5400000">
+              <a:off x="4648200" y="5704254"/>
+              <a:ext cx="876300" cy="190500"/>
+            </a:xfrm>
+            <a:prstGeom prst="bentConnector2">
+              <a:avLst/>
+            </a:prstGeom>
+            <a:ln>
+              <a:tailEnd type="arrow"/>
+            </a:ln>
+            <a:effectLst/>
+          </p:spPr>
+          <p:style>
+            <a:lnRef idx="1">
+              <a:schemeClr val="accent1"/>
+            </a:lnRef>
+            <a:fillRef idx="3">
+              <a:schemeClr val="accent1"/>
+            </a:fillRef>
+            <a:effectRef idx="2">
+              <a:schemeClr val="accent1"/>
+            </a:effectRef>
+            <a:fontRef idx="minor">
+              <a:schemeClr val="lt1"/>
+            </a:fontRef>
+          </p:style>
+        </p:cxnSp>
+        <p:cxnSp>
+          <p:nvCxnSpPr>
+            <p:cNvPr id="26" name="Elbow Connector 14"/>
+            <p:cNvCxnSpPr>
+              <a:stCxn id="13" idx="0"/>
+              <a:endCxn id="10" idx="3"/>
+            </p:cNvCxnSpPr>
+            <p:nvPr/>
+          </p:nvCxnSpPr>
+          <p:spPr>
+            <a:xfrm rot="16200000" flipV="1">
+              <a:off x="5676900" y="5094654"/>
+              <a:ext cx="723900" cy="723900"/>
+            </a:xfrm>
+            <a:prstGeom prst="bentConnector2">
+              <a:avLst/>
+            </a:prstGeom>
+            <a:ln>
+              <a:tailEnd type="arrow"/>
+            </a:ln>
+            <a:effectLst/>
+          </p:spPr>
+          <p:style>
+            <a:lnRef idx="1">
+              <a:schemeClr val="accent1"/>
+            </a:lnRef>
+            <a:fillRef idx="3">
+              <a:schemeClr val="accent1"/>
+            </a:fillRef>
+            <a:effectRef idx="2">
+              <a:schemeClr val="accent1"/>
+            </a:effectRef>
+            <a:fontRef idx="minor">
+              <a:schemeClr val="lt1"/>
+            </a:fontRef>
+          </p:style>
+        </p:cxnSp>
+        <p:cxnSp>
+          <p:nvCxnSpPr>
+            <p:cNvPr id="27" name="Elbow Connector 14"/>
+            <p:cNvCxnSpPr>
+              <a:stCxn id="11" idx="2"/>
+              <a:endCxn id="10" idx="3"/>
+            </p:cNvCxnSpPr>
+            <p:nvPr/>
+          </p:nvCxnSpPr>
+          <p:spPr>
+            <a:xfrm rot="5400000">
+              <a:off x="5638800" y="4485054"/>
+              <a:ext cx="647700" cy="571500"/>
+            </a:xfrm>
+            <a:prstGeom prst="bentConnector2">
+              <a:avLst/>
+            </a:prstGeom>
+            <a:ln>
+              <a:tailEnd type="arrow"/>
+            </a:ln>
+            <a:effectLst/>
+          </p:spPr>
+          <p:style>
+            <a:lnRef idx="1">
+              <a:schemeClr val="accent1"/>
+            </a:lnRef>
+            <a:fillRef idx="3">
+              <a:schemeClr val="accent1"/>
+            </a:fillRef>
+            <a:effectRef idx="2">
+              <a:schemeClr val="accent1"/>
+            </a:effectRef>
+            <a:fontRef idx="minor">
+              <a:schemeClr val="lt1"/>
+            </a:fontRef>
+          </p:style>
+        </p:cxnSp>
+        <p:cxnSp>
+          <p:nvCxnSpPr>
+            <p:cNvPr id="28" name="Elbow Connector 14"/>
+            <p:cNvCxnSpPr>
+              <a:stCxn id="14" idx="0"/>
+              <a:endCxn id="11" idx="3"/>
+            </p:cNvCxnSpPr>
+            <p:nvPr/>
+          </p:nvCxnSpPr>
+          <p:spPr>
+            <a:xfrm rot="16200000" flipV="1">
+              <a:off x="6743700" y="4180254"/>
+              <a:ext cx="647700" cy="647700"/>
+            </a:xfrm>
+            <a:prstGeom prst="bentConnector2">
+              <a:avLst/>
+            </a:prstGeom>
+            <a:ln>
+              <a:tailEnd type="arrow"/>
+            </a:ln>
+            <a:effectLst/>
+          </p:spPr>
+          <p:style>
+            <a:lnRef idx="1">
+              <a:schemeClr val="accent1"/>
+            </a:lnRef>
+            <a:fillRef idx="3">
+              <a:schemeClr val="accent1"/>
+            </a:fillRef>
+            <a:effectRef idx="2">
+              <a:schemeClr val="accent1"/>
+            </a:effectRef>
+            <a:fontRef idx="minor">
+              <a:schemeClr val="lt1"/>
+            </a:fontRef>
+          </p:style>
+        </p:cxnSp>
+        <p:cxnSp>
+          <p:nvCxnSpPr>
+            <p:cNvPr id="29" name="Elbow Connector 14"/>
+            <p:cNvCxnSpPr>
+              <a:stCxn id="13" idx="3"/>
+              <a:endCxn id="14" idx="2"/>
+            </p:cNvCxnSpPr>
+            <p:nvPr/>
+          </p:nvCxnSpPr>
+          <p:spPr>
+            <a:xfrm flipV="1">
+              <a:off x="6896100" y="5361354"/>
+              <a:ext cx="495300" cy="723900"/>
+            </a:xfrm>
+            <a:prstGeom prst="bentConnector2">
+              <a:avLst/>
+            </a:prstGeom>
+            <a:ln>
+              <a:tailEnd type="arrow"/>
+            </a:ln>
+            <a:effectLst/>
+          </p:spPr>
+          <p:style>
+            <a:lnRef idx="1">
+              <a:schemeClr val="accent1"/>
+            </a:lnRef>
+            <a:fillRef idx="3">
+              <a:schemeClr val="accent1"/>
+            </a:fillRef>
+            <a:effectRef idx="2">
+              <a:schemeClr val="accent1"/>
+            </a:effectRef>
+            <a:fontRef idx="minor">
+              <a:schemeClr val="lt1"/>
+            </a:fontRef>
+          </p:style>
+        </p:cxnSp>
+        <p:cxnSp>
+          <p:nvCxnSpPr>
+            <p:cNvPr id="30" name="Elbow Connector 14"/>
+            <p:cNvCxnSpPr>
+              <a:stCxn id="14" idx="1"/>
+              <a:endCxn id="10" idx="3"/>
+            </p:cNvCxnSpPr>
+            <p:nvPr/>
+          </p:nvCxnSpPr>
+          <p:spPr>
+            <a:xfrm rot="10800000">
+              <a:off x="5676900" y="5094654"/>
+              <a:ext cx="1219200" cy="1588"/>
+            </a:xfrm>
+            <a:prstGeom prst="bentConnector3">
+              <a:avLst>
+                <a:gd name="adj1" fmla="val 50000"/>
+              </a:avLst>
+            </a:prstGeom>
+            <a:ln>
+              <a:tailEnd type="arrow"/>
+            </a:ln>
+            <a:effectLst/>
+          </p:spPr>
+          <p:style>
+            <a:lnRef idx="1">
+              <a:schemeClr val="accent1"/>
+            </a:lnRef>
+            <a:fillRef idx="3">
+              <a:schemeClr val="accent1"/>
+            </a:fillRef>
+            <a:effectRef idx="2">
+              <a:schemeClr val="accent1"/>
+            </a:effectRef>
+            <a:fontRef idx="minor">
+              <a:schemeClr val="lt1"/>
+            </a:fontRef>
+          </p:style>
+        </p:cxnSp>
+        <p:cxnSp>
+          <p:nvCxnSpPr>
+            <p:cNvPr id="31" name="Elbow Connector 14"/>
+            <p:cNvCxnSpPr>
+              <a:stCxn id="14" idx="0"/>
+              <a:endCxn id="7" idx="0"/>
+            </p:cNvCxnSpPr>
+            <p:nvPr/>
+          </p:nvCxnSpPr>
+          <p:spPr>
+            <a:xfrm rot="16200000" flipV="1">
+              <a:off x="5334000" y="2770554"/>
+              <a:ext cx="1066800" cy="3048000"/>
+            </a:xfrm>
+            <a:prstGeom prst="bentConnector3">
+              <a:avLst>
+                <a:gd name="adj1" fmla="val 121429"/>
+              </a:avLst>
+            </a:prstGeom>
+            <a:ln>
+              <a:tailEnd type="arrow"/>
+            </a:ln>
+            <a:effectLst/>
+          </p:spPr>
+          <p:style>
+            <a:lnRef idx="1">
+              <a:schemeClr val="accent1"/>
+            </a:lnRef>
+            <a:fillRef idx="3">
+              <a:schemeClr val="accent1"/>
+            </a:fillRef>
+            <a:effectRef idx="2">
+              <a:schemeClr val="accent1"/>
+            </a:effectRef>
+            <a:fontRef idx="minor">
+              <a:schemeClr val="lt1"/>
+            </a:fontRef>
+          </p:style>
+        </p:cxnSp>
+        <p:cxnSp>
+          <p:nvCxnSpPr>
+            <p:cNvPr id="32" name="Elbow Connector 14"/>
+            <p:cNvCxnSpPr>
+              <a:stCxn id="9" idx="2"/>
+              <a:endCxn id="12" idx="2"/>
+            </p:cNvCxnSpPr>
+            <p:nvPr/>
+          </p:nvCxnSpPr>
+          <p:spPr>
+            <a:xfrm rot="5400000" flipH="1">
+              <a:off x="2552700" y="4561254"/>
+              <a:ext cx="1143000" cy="2743200"/>
+            </a:xfrm>
+            <a:prstGeom prst="bentConnector3">
+              <a:avLst>
+                <a:gd name="adj1" fmla="val -20000"/>
+              </a:avLst>
+            </a:prstGeom>
+            <a:ln>
+              <a:tailEnd type="arrow"/>
+            </a:ln>
+            <a:effectLst/>
+          </p:spPr>
+          <p:style>
+            <a:lnRef idx="1">
+              <a:schemeClr val="accent1"/>
+            </a:lnRef>
+            <a:fillRef idx="3">
+              <a:schemeClr val="accent1"/>
+            </a:fillRef>
+            <a:effectRef idx="2">
+              <a:schemeClr val="accent1"/>
+            </a:effectRef>
+            <a:fontRef idx="minor">
+              <a:schemeClr val="lt1"/>
+            </a:fontRef>
+          </p:style>
+        </p:cxnSp>
+        <p:cxnSp>
+          <p:nvCxnSpPr>
+            <p:cNvPr id="33" name="Elbow Connector 14"/>
+            <p:cNvCxnSpPr>
+              <a:stCxn id="9" idx="2"/>
+              <a:endCxn id="13" idx="2"/>
+            </p:cNvCxnSpPr>
+            <p:nvPr/>
+          </p:nvCxnSpPr>
+          <p:spPr>
+            <a:xfrm rot="5400000" flipH="1" flipV="1">
+              <a:off x="5372100" y="5475654"/>
+              <a:ext cx="152400" cy="1905000"/>
+            </a:xfrm>
+            <a:prstGeom prst="bentConnector3">
+              <a:avLst>
+                <a:gd name="adj1" fmla="val -150000"/>
+              </a:avLst>
+            </a:prstGeom>
+            <a:ln>
+              <a:tailEnd type="arrow"/>
+            </a:ln>
+            <a:effectLst/>
+          </p:spPr>
+          <p:style>
+            <a:lnRef idx="1">
+              <a:schemeClr val="accent1"/>
+            </a:lnRef>
+            <a:fillRef idx="3">
+              <a:schemeClr val="accent1"/>
+            </a:fillRef>
+            <a:effectRef idx="2">
+              <a:schemeClr val="accent1"/>
+            </a:effectRef>
+            <a:fontRef idx="minor">
+              <a:schemeClr val="lt1"/>
+            </a:fontRef>
+          </p:style>
+        </p:cxnSp>
+        <p:cxnSp>
+          <p:nvCxnSpPr>
+            <p:cNvPr id="34" name="Elbow Connector 14"/>
+            <p:cNvCxnSpPr>
+              <a:stCxn id="13" idx="1"/>
+              <a:endCxn id="9" idx="3"/>
+            </p:cNvCxnSpPr>
+            <p:nvPr/>
+          </p:nvCxnSpPr>
+          <p:spPr>
+            <a:xfrm rot="10800000" flipV="1">
+              <a:off x="4991100" y="6085254"/>
+              <a:ext cx="914400" cy="152400"/>
+            </a:xfrm>
+            <a:prstGeom prst="bentConnector3">
+              <a:avLst>
+                <a:gd name="adj1" fmla="val 50000"/>
+              </a:avLst>
+            </a:prstGeom>
+            <a:ln>
+              <a:tailEnd type="arrow"/>
+            </a:ln>
+            <a:effectLst/>
+          </p:spPr>
+          <p:style>
+            <a:lnRef idx="1">
+              <a:schemeClr val="accent1"/>
+            </a:lnRef>
+            <a:fillRef idx="3">
+              <a:schemeClr val="accent1"/>
+            </a:fillRef>
+            <a:effectRef idx="2">
+              <a:schemeClr val="accent1"/>
+            </a:effectRef>
+            <a:fontRef idx="minor">
+              <a:schemeClr val="lt1"/>
+            </a:fontRef>
+          </p:style>
+        </p:cxnSp>
+        <p:cxnSp>
+          <p:nvCxnSpPr>
+            <p:cNvPr id="35" name="Elbow Connector 14"/>
+            <p:cNvCxnSpPr>
+              <a:stCxn id="14" idx="3"/>
+              <a:endCxn id="13" idx="2"/>
+            </p:cNvCxnSpPr>
+            <p:nvPr/>
+          </p:nvCxnSpPr>
+          <p:spPr>
+            <a:xfrm flipH="1">
+              <a:off x="6400800" y="5094654"/>
+              <a:ext cx="1485900" cy="1257300"/>
+            </a:xfrm>
+            <a:prstGeom prst="bentConnector4">
+              <a:avLst>
+                <a:gd name="adj1" fmla="val -15385"/>
+                <a:gd name="adj2" fmla="val 118182"/>
+              </a:avLst>
+            </a:prstGeom>
+            <a:ln>
+              <a:tailEnd type="arrow"/>
+            </a:ln>
+            <a:effectLst/>
+          </p:spPr>
+          <p:style>
+            <a:lnRef idx="1">
+              <a:schemeClr val="accent1"/>
+            </a:lnRef>
+            <a:fillRef idx="3">
+              <a:schemeClr val="accent1"/>
+            </a:fillRef>
+            <a:effectRef idx="2">
+              <a:schemeClr val="accent1"/>
+            </a:effectRef>
+            <a:fontRef idx="minor">
+              <a:schemeClr val="lt1"/>
+            </a:fontRef>
+          </p:style>
+        </p:cxnSp>
+        <p:cxnSp>
+          <p:nvCxnSpPr>
+            <p:cNvPr id="36" name="Elbow Connector 14"/>
+            <p:cNvCxnSpPr>
+              <a:stCxn id="11" idx="1"/>
+              <a:endCxn id="7" idx="3"/>
+            </p:cNvCxnSpPr>
+            <p:nvPr/>
+          </p:nvCxnSpPr>
+          <p:spPr>
+            <a:xfrm rot="10800000">
+              <a:off x="4838700" y="4027854"/>
+              <a:ext cx="914400" cy="152400"/>
+            </a:xfrm>
+            <a:prstGeom prst="bentConnector3">
+              <a:avLst>
+                <a:gd name="adj1" fmla="val 50000"/>
+              </a:avLst>
+            </a:prstGeom>
+            <a:ln>
+              <a:tailEnd type="arrow"/>
+            </a:ln>
+            <a:effectLst/>
+          </p:spPr>
+          <p:style>
+            <a:lnRef idx="1">
+              <a:schemeClr val="accent1"/>
+            </a:lnRef>
+            <a:fillRef idx="3">
+              <a:schemeClr val="accent1"/>
+            </a:fillRef>
+            <a:effectRef idx="2">
+              <a:schemeClr val="accent1"/>
+            </a:effectRef>
+            <a:fontRef idx="minor">
+              <a:schemeClr val="lt1"/>
+            </a:fontRef>
+          </p:style>
+        </p:cxnSp>
+        <p:cxnSp>
+          <p:nvCxnSpPr>
+            <p:cNvPr id="37" name="Elbow Connector 14"/>
+            <p:cNvCxnSpPr>
+              <a:stCxn id="5" idx="0"/>
+              <a:endCxn id="11" idx="0"/>
+            </p:cNvCxnSpPr>
+            <p:nvPr/>
+          </p:nvCxnSpPr>
+          <p:spPr>
+            <a:xfrm rot="5400000" flipH="1" flipV="1">
+              <a:off x="4419600" y="2160954"/>
+              <a:ext cx="76200" cy="3581400"/>
+            </a:xfrm>
+            <a:prstGeom prst="bentConnector3">
+              <a:avLst>
+                <a:gd name="adj1" fmla="val 481554"/>
+              </a:avLst>
+            </a:prstGeom>
+            <a:ln>
+              <a:tailEnd type="arrow"/>
+            </a:ln>
+            <a:effectLst/>
+          </p:spPr>
+          <p:style>
+            <a:lnRef idx="1">
+              <a:schemeClr val="accent1"/>
+            </a:lnRef>
+            <a:fillRef idx="3">
+              <a:schemeClr val="accent1"/>
+            </a:fillRef>
+            <a:effectRef idx="2">
+              <a:schemeClr val="accent1"/>
+            </a:effectRef>
+            <a:fontRef idx="minor">
+              <a:schemeClr val="lt1"/>
+            </a:fontRef>
+          </p:style>
+        </p:cxnSp>
+        <p:cxnSp>
+          <p:nvCxnSpPr>
+            <p:cNvPr id="38" name="Elbow Connector 14"/>
+            <p:cNvCxnSpPr>
+              <a:stCxn id="7" idx="0"/>
+              <a:endCxn id="12" idx="1"/>
+            </p:cNvCxnSpPr>
+            <p:nvPr/>
+          </p:nvCxnSpPr>
+          <p:spPr>
+            <a:xfrm rot="16200000" flipH="1" flipV="1">
+              <a:off x="2133600" y="2884854"/>
+              <a:ext cx="1333500" cy="3086100"/>
+            </a:xfrm>
+            <a:prstGeom prst="bentConnector4">
+              <a:avLst>
+                <a:gd name="adj1" fmla="val -17143"/>
+                <a:gd name="adj2" fmla="val 107407"/>
+              </a:avLst>
+            </a:prstGeom>
+            <a:ln>
+              <a:tailEnd type="arrow"/>
+            </a:ln>
+            <a:effectLst/>
+          </p:spPr>
+          <p:style>
+            <a:lnRef idx="1">
+              <a:schemeClr val="accent1"/>
+            </a:lnRef>
+            <a:fillRef idx="3">
+              <a:schemeClr val="accent1"/>
+            </a:fillRef>
+            <a:effectRef idx="2">
+              <a:schemeClr val="accent1"/>
+            </a:effectRef>
+            <a:fontRef idx="minor">
+              <a:schemeClr val="lt1"/>
+            </a:fontRef>
+          </p:style>
+        </p:cxnSp>
+      </p:grpSp>
+    </p:spTree>
+    <p:extLst>
+      <p:ext uri="{BB962C8B-B14F-4D97-AF65-F5344CB8AC3E}">
+        <p14:creationId xmlns:p14="http://schemas.microsoft.com/office/powerpoint/2010/main" val="1914949752"/>
+      </p:ext>
+    </p:extLst>
+  </p:cSld>
+  <p:clrMapOvr>
+    <a:masterClrMapping/>
+  </p:clrMapOvr>
+  <p:timing>
+    <p:tnLst>
+      <p:par>
+        <p:cTn xmlns:p14="http://schemas.microsoft.com/office/powerpoint/2010/main" id="1" dur="indefinite" restart="never" nodeType="tmRoot"/>
+      </p:par>
+    </p:tnLst>
+  </p:timing>
+</p:sld>
+</file>
+
+<file path=ppt/slides/slide30.xml><?xml version="1.0" encoding="utf-8"?>
 <p:sld xmlns:a="http://schemas.openxmlformats.org/drawingml/2006/main" xmlns:r="http://schemas.openxmlformats.org/officeDocument/2006/relationships" xmlns:p="http://schemas.openxmlformats.org/presentationml/2006/main">
   <p:cSld>
     <p:spTree>
@@ -12658,1439 +14387,7 @@
 </p:sld>
 </file>
 
-<file path=ppt/slides/slide3.xml><?xml version="1.0" encoding="utf-8"?>
-<p:sld xmlns:a="http://schemas.openxmlformats.org/drawingml/2006/main" xmlns:r="http://schemas.openxmlformats.org/officeDocument/2006/relationships" xmlns:p="http://schemas.openxmlformats.org/presentationml/2006/main">
-  <p:cSld>
-    <p:spTree>
-      <p:nvGrpSpPr>
-        <p:cNvPr id="1" name=""/>
-        <p:cNvGrpSpPr/>
-        <p:nvPr/>
-      </p:nvGrpSpPr>
-      <p:grpSpPr>
-        <a:xfrm>
-          <a:off x="0" y="0"/>
-          <a:ext cx="0" cy="0"/>
-          <a:chOff x="0" y="0"/>
-          <a:chExt cx="0" cy="0"/>
-        </a:xfrm>
-      </p:grpSpPr>
-      <p:sp>
-        <p:nvSpPr>
-          <p:cNvPr id="3075" name="Text Placeholder 2"/>
-          <p:cNvSpPr>
-            <a:spLocks noGrp="1"/>
-          </p:cNvSpPr>
-          <p:nvPr>
-            <p:ph type="body" sz="quarter" idx="10"/>
-          </p:nvPr>
-        </p:nvSpPr>
-        <p:spPr>
-          <a:xfrm>
-            <a:off x="693615" y="1066799"/>
-            <a:ext cx="7825154" cy="2342663"/>
-          </a:xfrm>
-        </p:spPr>
-        <p:txBody>
-          <a:bodyPr/>
-          <a:lstStyle/>
-          <a:p>
-            <a:pPr eaLnBrk="1" hangingPunct="1">
-              <a:buNone/>
-            </a:pPr>
-            <a:r>
-              <a:rPr lang="en-US" dirty="0" smtClean="0"/>
-              <a:t>Coupling:</a:t>
-            </a:r>
-          </a:p>
-          <a:p>
-            <a:pPr lvl="1" eaLnBrk="1" hangingPunct="1">
-              <a:buNone/>
-            </a:pPr>
-            <a:r>
-              <a:rPr lang="en-US" sz="2000" dirty="0" smtClean="0"/>
-              <a:t>“The degree to which each program module relies on each one of the other modules” – </a:t>
-            </a:r>
-            <a:r>
-              <a:rPr lang="en-US" sz="2000" dirty="0" smtClean="0">
-                <a:hlinkClick r:id="rId3"/>
-              </a:rPr>
-              <a:t>Wikipedia</a:t>
-            </a:r>
-          </a:p>
-        </p:txBody>
-      </p:sp>
-      <p:sp>
-        <p:nvSpPr>
-          <p:cNvPr id="3074" name="Title 1"/>
-          <p:cNvSpPr>
-            <a:spLocks noGrp="1"/>
-          </p:cNvSpPr>
-          <p:nvPr>
-            <p:ph type="title"/>
-          </p:nvPr>
-        </p:nvSpPr>
-        <p:spPr bwMode="auto">
-          <a:xfrm>
-            <a:off x="0" y="407987"/>
-            <a:ext cx="9144000" cy="1145321"/>
-          </a:xfrm>
-          <a:noFill/>
-          <a:ln>
-            <a:miter lim="800000"/>
-            <a:headEnd/>
-            <a:tailEnd/>
-          </a:ln>
-        </p:spPr>
-        <p:txBody>
-          <a:bodyPr vert="horz" wrap="square" lIns="91440" tIns="45720" rIns="91440" bIns="45720" numCol="1" anchor="t" anchorCtr="0" compatLnSpc="1">
-            <a:prstTxWarp prst="textNoShape">
-              <a:avLst/>
-            </a:prstTxWarp>
-          </a:bodyPr>
-          <a:lstStyle/>
-          <a:p>
-            <a:pPr eaLnBrk="1" hangingPunct="1"/>
-            <a:r>
-              <a:rPr lang="en-US" dirty="0" smtClean="0"/>
-              <a:t>Coupling</a:t>
-            </a:r>
-            <a:endParaRPr lang="en-US" dirty="0" smtClean="0"/>
-          </a:p>
-        </p:txBody>
-      </p:sp>
-      <p:grpSp>
-        <p:nvGrpSpPr>
-          <p:cNvPr id="3" name="Group 2"/>
-          <p:cNvGrpSpPr/>
-          <p:nvPr/>
-        </p:nvGrpSpPr>
-        <p:grpSpPr>
-          <a:xfrm>
-            <a:off x="1257300" y="3761154"/>
-            <a:ext cx="6629400" cy="2743200"/>
-            <a:chOff x="1257300" y="3761154"/>
-            <a:chExt cx="6629400" cy="2743200"/>
-          </a:xfrm>
-        </p:grpSpPr>
-        <p:sp>
-          <p:nvSpPr>
-            <p:cNvPr id="5" name="Rectangle 4"/>
-            <p:cNvSpPr/>
-            <p:nvPr/>
-          </p:nvSpPr>
-          <p:spPr>
-            <a:xfrm>
-              <a:off x="2171700" y="3989754"/>
-              <a:ext cx="990600" cy="533400"/>
-            </a:xfrm>
-            <a:prstGeom prst="rect">
-              <a:avLst/>
-            </a:prstGeom>
-          </p:spPr>
-          <p:style>
-            <a:lnRef idx="1">
-              <a:schemeClr val="accent1"/>
-            </a:lnRef>
-            <a:fillRef idx="3">
-              <a:schemeClr val="accent1"/>
-            </a:fillRef>
-            <a:effectRef idx="2">
-              <a:schemeClr val="accent1"/>
-            </a:effectRef>
-            <a:fontRef idx="minor">
-              <a:schemeClr val="lt1"/>
-            </a:fontRef>
-          </p:style>
-          <p:txBody>
-            <a:bodyPr rtlCol="0" anchor="ctr"/>
-            <a:lstStyle/>
-            <a:p>
-              <a:pPr algn="ctr"/>
-              <a:endParaRPr lang="en-US"/>
-            </a:p>
-          </p:txBody>
-        </p:sp>
-        <p:sp>
-          <p:nvSpPr>
-            <p:cNvPr id="6" name="Rectangle 5"/>
-            <p:cNvSpPr/>
-            <p:nvPr/>
-          </p:nvSpPr>
-          <p:spPr>
-            <a:xfrm>
-              <a:off x="3314700" y="5132754"/>
-              <a:ext cx="990600" cy="533400"/>
-            </a:xfrm>
-            <a:prstGeom prst="rect">
-              <a:avLst/>
-            </a:prstGeom>
-          </p:spPr>
-          <p:style>
-            <a:lnRef idx="1">
-              <a:schemeClr val="accent2"/>
-            </a:lnRef>
-            <a:fillRef idx="3">
-              <a:schemeClr val="accent2"/>
-            </a:fillRef>
-            <a:effectRef idx="2">
-              <a:schemeClr val="accent2"/>
-            </a:effectRef>
-            <a:fontRef idx="minor">
-              <a:schemeClr val="lt1"/>
-            </a:fontRef>
-          </p:style>
-          <p:txBody>
-            <a:bodyPr rtlCol="0" anchor="ctr"/>
-            <a:lstStyle/>
-            <a:p>
-              <a:pPr algn="ctr"/>
-              <a:endParaRPr lang="en-US"/>
-            </a:p>
-          </p:txBody>
-        </p:sp>
-        <p:sp>
-          <p:nvSpPr>
-            <p:cNvPr id="7" name="Rectangle 6"/>
-            <p:cNvSpPr/>
-            <p:nvPr/>
-          </p:nvSpPr>
-          <p:spPr>
-            <a:xfrm>
-              <a:off x="3848100" y="3761154"/>
-              <a:ext cx="990600" cy="533400"/>
-            </a:xfrm>
-            <a:prstGeom prst="rect">
-              <a:avLst/>
-            </a:prstGeom>
-          </p:spPr>
-          <p:style>
-            <a:lnRef idx="1">
-              <a:schemeClr val="accent1"/>
-            </a:lnRef>
-            <a:fillRef idx="3">
-              <a:schemeClr val="accent1"/>
-            </a:fillRef>
-            <a:effectRef idx="2">
-              <a:schemeClr val="accent1"/>
-            </a:effectRef>
-            <a:fontRef idx="minor">
-              <a:schemeClr val="lt1"/>
-            </a:fontRef>
-          </p:style>
-          <p:txBody>
-            <a:bodyPr rtlCol="0" anchor="ctr"/>
-            <a:lstStyle/>
-            <a:p>
-              <a:pPr algn="ctr"/>
-              <a:endParaRPr lang="en-US"/>
-            </a:p>
-          </p:txBody>
-        </p:sp>
-        <p:sp>
-          <p:nvSpPr>
-            <p:cNvPr id="8" name="Rectangle 7"/>
-            <p:cNvSpPr/>
-            <p:nvPr/>
-          </p:nvSpPr>
-          <p:spPr>
-            <a:xfrm>
-              <a:off x="2095500" y="5818554"/>
-              <a:ext cx="990600" cy="533400"/>
-            </a:xfrm>
-            <a:prstGeom prst="rect">
-              <a:avLst/>
-            </a:prstGeom>
-          </p:spPr>
-          <p:style>
-            <a:lnRef idx="1">
-              <a:schemeClr val="accent1"/>
-            </a:lnRef>
-            <a:fillRef idx="3">
-              <a:schemeClr val="accent1"/>
-            </a:fillRef>
-            <a:effectRef idx="2">
-              <a:schemeClr val="accent1"/>
-            </a:effectRef>
-            <a:fontRef idx="minor">
-              <a:schemeClr val="lt1"/>
-            </a:fontRef>
-          </p:style>
-          <p:txBody>
-            <a:bodyPr rtlCol="0" anchor="ctr"/>
-            <a:lstStyle/>
-            <a:p>
-              <a:pPr algn="ctr"/>
-              <a:endParaRPr lang="en-US"/>
-            </a:p>
-          </p:txBody>
-        </p:sp>
-        <p:sp>
-          <p:nvSpPr>
-            <p:cNvPr id="9" name="Rectangle 8"/>
-            <p:cNvSpPr/>
-            <p:nvPr/>
-          </p:nvSpPr>
-          <p:spPr>
-            <a:xfrm>
-              <a:off x="4000500" y="5970954"/>
-              <a:ext cx="990600" cy="533400"/>
-            </a:xfrm>
-            <a:prstGeom prst="rect">
-              <a:avLst/>
-            </a:prstGeom>
-          </p:spPr>
-          <p:style>
-            <a:lnRef idx="1">
-              <a:schemeClr val="accent1"/>
-            </a:lnRef>
-            <a:fillRef idx="3">
-              <a:schemeClr val="accent1"/>
-            </a:fillRef>
-            <a:effectRef idx="2">
-              <a:schemeClr val="accent1"/>
-            </a:effectRef>
-            <a:fontRef idx="minor">
-              <a:schemeClr val="lt1"/>
-            </a:fontRef>
-          </p:style>
-          <p:txBody>
-            <a:bodyPr rtlCol="0" anchor="ctr"/>
-            <a:lstStyle/>
-            <a:p>
-              <a:pPr algn="ctr"/>
-              <a:endParaRPr lang="en-US"/>
-            </a:p>
-          </p:txBody>
-        </p:sp>
-        <p:sp>
-          <p:nvSpPr>
-            <p:cNvPr id="10" name="Rectangle 9"/>
-            <p:cNvSpPr/>
-            <p:nvPr/>
-          </p:nvSpPr>
-          <p:spPr>
-            <a:xfrm>
-              <a:off x="4686300" y="4827954"/>
-              <a:ext cx="990600" cy="533400"/>
-            </a:xfrm>
-            <a:prstGeom prst="rect">
-              <a:avLst/>
-            </a:prstGeom>
-          </p:spPr>
-          <p:style>
-            <a:lnRef idx="1">
-              <a:schemeClr val="accent1"/>
-            </a:lnRef>
-            <a:fillRef idx="3">
-              <a:schemeClr val="accent1"/>
-            </a:fillRef>
-            <a:effectRef idx="2">
-              <a:schemeClr val="accent1"/>
-            </a:effectRef>
-            <a:fontRef idx="minor">
-              <a:schemeClr val="lt1"/>
-            </a:fontRef>
-          </p:style>
-          <p:txBody>
-            <a:bodyPr rtlCol="0" anchor="ctr"/>
-            <a:lstStyle/>
-            <a:p>
-              <a:pPr algn="ctr"/>
-              <a:endParaRPr lang="en-US"/>
-            </a:p>
-          </p:txBody>
-        </p:sp>
-        <p:sp>
-          <p:nvSpPr>
-            <p:cNvPr id="11" name="Rectangle 10"/>
-            <p:cNvSpPr/>
-            <p:nvPr/>
-          </p:nvSpPr>
-          <p:spPr>
-            <a:xfrm>
-              <a:off x="5753100" y="3913554"/>
-              <a:ext cx="990600" cy="533400"/>
-            </a:xfrm>
-            <a:prstGeom prst="rect">
-              <a:avLst/>
-            </a:prstGeom>
-          </p:spPr>
-          <p:style>
-            <a:lnRef idx="1">
-              <a:schemeClr val="accent1"/>
-            </a:lnRef>
-            <a:fillRef idx="3">
-              <a:schemeClr val="accent1"/>
-            </a:fillRef>
-            <a:effectRef idx="2">
-              <a:schemeClr val="accent1"/>
-            </a:effectRef>
-            <a:fontRef idx="minor">
-              <a:schemeClr val="lt1"/>
-            </a:fontRef>
-          </p:style>
-          <p:txBody>
-            <a:bodyPr rtlCol="0" anchor="ctr"/>
-            <a:lstStyle/>
-            <a:p>
-              <a:pPr algn="ctr"/>
-              <a:endParaRPr lang="en-US"/>
-            </a:p>
-          </p:txBody>
-        </p:sp>
-        <p:sp>
-          <p:nvSpPr>
-            <p:cNvPr id="12" name="Rectangle 11"/>
-            <p:cNvSpPr/>
-            <p:nvPr/>
-          </p:nvSpPr>
-          <p:spPr>
-            <a:xfrm>
-              <a:off x="1257300" y="4827954"/>
-              <a:ext cx="990600" cy="533400"/>
-            </a:xfrm>
-            <a:prstGeom prst="rect">
-              <a:avLst/>
-            </a:prstGeom>
-          </p:spPr>
-          <p:style>
-            <a:lnRef idx="1">
-              <a:schemeClr val="accent1"/>
-            </a:lnRef>
-            <a:fillRef idx="3">
-              <a:schemeClr val="accent1"/>
-            </a:fillRef>
-            <a:effectRef idx="2">
-              <a:schemeClr val="accent1"/>
-            </a:effectRef>
-            <a:fontRef idx="minor">
-              <a:schemeClr val="lt1"/>
-            </a:fontRef>
-          </p:style>
-          <p:txBody>
-            <a:bodyPr rtlCol="0" anchor="ctr"/>
-            <a:lstStyle/>
-            <a:p>
-              <a:pPr algn="ctr"/>
-              <a:endParaRPr lang="en-US"/>
-            </a:p>
-          </p:txBody>
-        </p:sp>
-        <p:sp>
-          <p:nvSpPr>
-            <p:cNvPr id="13" name="Rectangle 12"/>
-            <p:cNvSpPr/>
-            <p:nvPr/>
-          </p:nvSpPr>
-          <p:spPr>
-            <a:xfrm>
-              <a:off x="5905500" y="5818554"/>
-              <a:ext cx="990600" cy="533400"/>
-            </a:xfrm>
-            <a:prstGeom prst="rect">
-              <a:avLst/>
-            </a:prstGeom>
-          </p:spPr>
-          <p:style>
-            <a:lnRef idx="1">
-              <a:schemeClr val="accent1"/>
-            </a:lnRef>
-            <a:fillRef idx="3">
-              <a:schemeClr val="accent1"/>
-            </a:fillRef>
-            <a:effectRef idx="2">
-              <a:schemeClr val="accent1"/>
-            </a:effectRef>
-            <a:fontRef idx="minor">
-              <a:schemeClr val="lt1"/>
-            </a:fontRef>
-          </p:style>
-          <p:txBody>
-            <a:bodyPr rtlCol="0" anchor="ctr"/>
-            <a:lstStyle/>
-            <a:p>
-              <a:pPr algn="ctr"/>
-              <a:endParaRPr lang="en-US"/>
-            </a:p>
-          </p:txBody>
-        </p:sp>
-        <p:sp>
-          <p:nvSpPr>
-            <p:cNvPr id="14" name="Rectangle 13"/>
-            <p:cNvSpPr/>
-            <p:nvPr/>
-          </p:nvSpPr>
-          <p:spPr>
-            <a:xfrm>
-              <a:off x="6896100" y="4827954"/>
-              <a:ext cx="990600" cy="533400"/>
-            </a:xfrm>
-            <a:prstGeom prst="rect">
-              <a:avLst/>
-            </a:prstGeom>
-          </p:spPr>
-          <p:style>
-            <a:lnRef idx="1">
-              <a:schemeClr val="accent1"/>
-            </a:lnRef>
-            <a:fillRef idx="3">
-              <a:schemeClr val="accent1"/>
-            </a:fillRef>
-            <a:effectRef idx="2">
-              <a:schemeClr val="accent1"/>
-            </a:effectRef>
-            <a:fontRef idx="minor">
-              <a:schemeClr val="lt1"/>
-            </a:fontRef>
-          </p:style>
-          <p:txBody>
-            <a:bodyPr rtlCol="0" anchor="ctr"/>
-            <a:lstStyle/>
-            <a:p>
-              <a:pPr algn="ctr"/>
-              <a:endParaRPr lang="en-US"/>
-            </a:p>
-          </p:txBody>
-        </p:sp>
-        <p:cxnSp>
-          <p:nvCxnSpPr>
-            <p:cNvPr id="15" name="Elbow Connector 14"/>
-            <p:cNvCxnSpPr>
-              <a:stCxn id="5" idx="3"/>
-              <a:endCxn id="6" idx="0"/>
-            </p:cNvCxnSpPr>
-            <p:nvPr/>
-          </p:nvCxnSpPr>
-          <p:spPr>
-            <a:xfrm>
-              <a:off x="3162300" y="4256454"/>
-              <a:ext cx="647700" cy="876300"/>
-            </a:xfrm>
-            <a:prstGeom prst="bentConnector2">
-              <a:avLst/>
-            </a:prstGeom>
-            <a:ln>
-              <a:tailEnd type="arrow"/>
-            </a:ln>
-            <a:effectLst/>
-          </p:spPr>
-          <p:style>
-            <a:lnRef idx="1">
-              <a:schemeClr val="accent1"/>
-            </a:lnRef>
-            <a:fillRef idx="3">
-              <a:schemeClr val="accent1"/>
-            </a:fillRef>
-            <a:effectRef idx="2">
-              <a:schemeClr val="accent1"/>
-            </a:effectRef>
-            <a:fontRef idx="minor">
-              <a:schemeClr val="lt1"/>
-            </a:fontRef>
-          </p:style>
-        </p:cxnSp>
-        <p:cxnSp>
-          <p:nvCxnSpPr>
-            <p:cNvPr id="16" name="Elbow Connector 14"/>
-            <p:cNvCxnSpPr>
-              <a:stCxn id="5" idx="1"/>
-              <a:endCxn id="12" idx="0"/>
-            </p:cNvCxnSpPr>
-            <p:nvPr/>
-          </p:nvCxnSpPr>
-          <p:spPr>
-            <a:xfrm rot="10800000" flipV="1">
-              <a:off x="1752600" y="4256454"/>
-              <a:ext cx="419100" cy="571500"/>
-            </a:xfrm>
-            <a:prstGeom prst="bentConnector2">
-              <a:avLst/>
-            </a:prstGeom>
-            <a:ln>
-              <a:tailEnd type="arrow"/>
-            </a:ln>
-            <a:effectLst/>
-          </p:spPr>
-          <p:style>
-            <a:lnRef idx="1">
-              <a:schemeClr val="accent1"/>
-            </a:lnRef>
-            <a:fillRef idx="3">
-              <a:schemeClr val="accent1"/>
-            </a:fillRef>
-            <a:effectRef idx="2">
-              <a:schemeClr val="accent1"/>
-            </a:effectRef>
-            <a:fontRef idx="minor">
-              <a:schemeClr val="lt1"/>
-            </a:fontRef>
-          </p:style>
-        </p:cxnSp>
-        <p:cxnSp>
-          <p:nvCxnSpPr>
-            <p:cNvPr id="17" name="Elbow Connector 14"/>
-            <p:cNvCxnSpPr>
-              <a:stCxn id="6" idx="1"/>
-              <a:endCxn id="5" idx="2"/>
-            </p:cNvCxnSpPr>
-            <p:nvPr/>
-          </p:nvCxnSpPr>
-          <p:spPr>
-            <a:xfrm rot="10800000">
-              <a:off x="2667000" y="4523154"/>
-              <a:ext cx="647700" cy="876300"/>
-            </a:xfrm>
-            <a:prstGeom prst="bentConnector2">
-              <a:avLst/>
-            </a:prstGeom>
-            <a:ln>
-              <a:tailEnd type="arrow"/>
-            </a:ln>
-            <a:effectLst/>
-          </p:spPr>
-          <p:style>
-            <a:lnRef idx="1">
-              <a:schemeClr val="accent1"/>
-            </a:lnRef>
-            <a:fillRef idx="3">
-              <a:schemeClr val="accent1"/>
-            </a:fillRef>
-            <a:effectRef idx="2">
-              <a:schemeClr val="accent1"/>
-            </a:effectRef>
-            <a:fontRef idx="minor">
-              <a:schemeClr val="lt1"/>
-            </a:fontRef>
-          </p:style>
-        </p:cxnSp>
-        <p:cxnSp>
-          <p:nvCxnSpPr>
-            <p:cNvPr id="18" name="Elbow Connector 14"/>
-            <p:cNvCxnSpPr>
-              <a:stCxn id="7" idx="2"/>
-              <a:endCxn id="6" idx="0"/>
-            </p:cNvCxnSpPr>
-            <p:nvPr/>
-          </p:nvCxnSpPr>
-          <p:spPr>
-            <a:xfrm rot="5400000">
-              <a:off x="3657600" y="4446954"/>
-              <a:ext cx="838200" cy="533400"/>
-            </a:xfrm>
-            <a:prstGeom prst="bentConnector3">
-              <a:avLst>
-                <a:gd name="adj1" fmla="val 50000"/>
-              </a:avLst>
-            </a:prstGeom>
-            <a:ln>
-              <a:tailEnd type="arrow"/>
-            </a:ln>
-            <a:effectLst/>
-          </p:spPr>
-          <p:style>
-            <a:lnRef idx="1">
-              <a:schemeClr val="accent1"/>
-            </a:lnRef>
-            <a:fillRef idx="3">
-              <a:schemeClr val="accent1"/>
-            </a:fillRef>
-            <a:effectRef idx="2">
-              <a:schemeClr val="accent1"/>
-            </a:effectRef>
-            <a:fontRef idx="minor">
-              <a:schemeClr val="lt1"/>
-            </a:fontRef>
-          </p:style>
-        </p:cxnSp>
-        <p:cxnSp>
-          <p:nvCxnSpPr>
-            <p:cNvPr id="19" name="Elbow Connector 14"/>
-            <p:cNvCxnSpPr>
-              <a:stCxn id="10" idx="0"/>
-              <a:endCxn id="7" idx="3"/>
-            </p:cNvCxnSpPr>
-            <p:nvPr/>
-          </p:nvCxnSpPr>
-          <p:spPr>
-            <a:xfrm rot="16200000" flipV="1">
-              <a:off x="4610100" y="4256454"/>
-              <a:ext cx="800100" cy="342900"/>
-            </a:xfrm>
-            <a:prstGeom prst="bentConnector2">
-              <a:avLst/>
-            </a:prstGeom>
-            <a:ln>
-              <a:tailEnd type="arrow"/>
-            </a:ln>
-            <a:effectLst/>
-          </p:spPr>
-          <p:style>
-            <a:lnRef idx="1">
-              <a:schemeClr val="accent1"/>
-            </a:lnRef>
-            <a:fillRef idx="3">
-              <a:schemeClr val="accent1"/>
-            </a:fillRef>
-            <a:effectRef idx="2">
-              <a:schemeClr val="accent1"/>
-            </a:effectRef>
-            <a:fontRef idx="minor">
-              <a:schemeClr val="lt1"/>
-            </a:fontRef>
-          </p:style>
-        </p:cxnSp>
-        <p:cxnSp>
-          <p:nvCxnSpPr>
-            <p:cNvPr id="20" name="Elbow Connector 14"/>
-            <p:cNvCxnSpPr>
-              <a:stCxn id="8" idx="3"/>
-              <a:endCxn id="9" idx="1"/>
-            </p:cNvCxnSpPr>
-            <p:nvPr/>
-          </p:nvCxnSpPr>
-          <p:spPr>
-            <a:xfrm>
-              <a:off x="3086100" y="6085254"/>
-              <a:ext cx="914400" cy="152400"/>
-            </a:xfrm>
-            <a:prstGeom prst="bentConnector3">
-              <a:avLst>
-                <a:gd name="adj1" fmla="val 50000"/>
-              </a:avLst>
-            </a:prstGeom>
-            <a:ln>
-              <a:tailEnd type="arrow"/>
-            </a:ln>
-            <a:effectLst/>
-          </p:spPr>
-          <p:style>
-            <a:lnRef idx="1">
-              <a:schemeClr val="accent1"/>
-            </a:lnRef>
-            <a:fillRef idx="3">
-              <a:schemeClr val="accent1"/>
-            </a:fillRef>
-            <a:effectRef idx="2">
-              <a:schemeClr val="accent1"/>
-            </a:effectRef>
-            <a:fontRef idx="minor">
-              <a:schemeClr val="lt1"/>
-            </a:fontRef>
-          </p:style>
-        </p:cxnSp>
-        <p:cxnSp>
-          <p:nvCxnSpPr>
-            <p:cNvPr id="21" name="Elbow Connector 14"/>
-            <p:cNvCxnSpPr>
-              <a:stCxn id="9" idx="0"/>
-              <a:endCxn id="6" idx="2"/>
-            </p:cNvCxnSpPr>
-            <p:nvPr/>
-          </p:nvCxnSpPr>
-          <p:spPr>
-            <a:xfrm rot="16200000" flipV="1">
-              <a:off x="4000500" y="5475654"/>
-              <a:ext cx="304800" cy="685800"/>
-            </a:xfrm>
-            <a:prstGeom prst="bentConnector3">
-              <a:avLst>
-                <a:gd name="adj1" fmla="val 50000"/>
-              </a:avLst>
-            </a:prstGeom>
-            <a:ln>
-              <a:tailEnd type="arrow"/>
-            </a:ln>
-            <a:effectLst/>
-          </p:spPr>
-          <p:style>
-            <a:lnRef idx="1">
-              <a:schemeClr val="accent1"/>
-            </a:lnRef>
-            <a:fillRef idx="3">
-              <a:schemeClr val="accent1"/>
-            </a:fillRef>
-            <a:effectRef idx="2">
-              <a:schemeClr val="accent1"/>
-            </a:effectRef>
-            <a:fontRef idx="minor">
-              <a:schemeClr val="lt1"/>
-            </a:fontRef>
-          </p:style>
-        </p:cxnSp>
-        <p:cxnSp>
-          <p:nvCxnSpPr>
-            <p:cNvPr id="22" name="Elbow Connector 14"/>
-            <p:cNvCxnSpPr>
-              <a:stCxn id="12" idx="3"/>
-              <a:endCxn id="8" idx="0"/>
-            </p:cNvCxnSpPr>
-            <p:nvPr/>
-          </p:nvCxnSpPr>
-          <p:spPr>
-            <a:xfrm>
-              <a:off x="2247900" y="5094654"/>
-              <a:ext cx="342900" cy="723900"/>
-            </a:xfrm>
-            <a:prstGeom prst="bentConnector2">
-              <a:avLst/>
-            </a:prstGeom>
-            <a:ln>
-              <a:tailEnd type="arrow"/>
-            </a:ln>
-            <a:effectLst/>
-          </p:spPr>
-          <p:style>
-            <a:lnRef idx="1">
-              <a:schemeClr val="accent1"/>
-            </a:lnRef>
-            <a:fillRef idx="3">
-              <a:schemeClr val="accent1"/>
-            </a:fillRef>
-            <a:effectRef idx="2">
-              <a:schemeClr val="accent1"/>
-            </a:effectRef>
-            <a:fontRef idx="minor">
-              <a:schemeClr val="lt1"/>
-            </a:fontRef>
-          </p:style>
-        </p:cxnSp>
-        <p:cxnSp>
-          <p:nvCxnSpPr>
-            <p:cNvPr id="23" name="Elbow Connector 14"/>
-            <p:cNvCxnSpPr>
-              <a:stCxn id="6" idx="1"/>
-              <a:endCxn id="8" idx="0"/>
-            </p:cNvCxnSpPr>
-            <p:nvPr/>
-          </p:nvCxnSpPr>
-          <p:spPr>
-            <a:xfrm rot="10800000" flipV="1">
-              <a:off x="2590800" y="5399454"/>
-              <a:ext cx="723900" cy="419100"/>
-            </a:xfrm>
-            <a:prstGeom prst="bentConnector2">
-              <a:avLst/>
-            </a:prstGeom>
-            <a:ln>
-              <a:tailEnd type="arrow"/>
-            </a:ln>
-            <a:effectLst/>
-          </p:spPr>
-          <p:style>
-            <a:lnRef idx="1">
-              <a:schemeClr val="accent1"/>
-            </a:lnRef>
-            <a:fillRef idx="3">
-              <a:schemeClr val="accent1"/>
-            </a:fillRef>
-            <a:effectRef idx="2">
-              <a:schemeClr val="accent1"/>
-            </a:effectRef>
-            <a:fontRef idx="minor">
-              <a:schemeClr val="lt1"/>
-            </a:fontRef>
-          </p:style>
-        </p:cxnSp>
-        <p:cxnSp>
-          <p:nvCxnSpPr>
-            <p:cNvPr id="24" name="Elbow Connector 14"/>
-            <p:cNvCxnSpPr>
-              <a:stCxn id="10" idx="1"/>
-              <a:endCxn id="6" idx="3"/>
-            </p:cNvCxnSpPr>
-            <p:nvPr/>
-          </p:nvCxnSpPr>
-          <p:spPr>
-            <a:xfrm rot="10800000" flipV="1">
-              <a:off x="4305300" y="5094654"/>
-              <a:ext cx="381000" cy="304800"/>
-            </a:xfrm>
-            <a:prstGeom prst="bentConnector3">
-              <a:avLst>
-                <a:gd name="adj1" fmla="val 50000"/>
-              </a:avLst>
-            </a:prstGeom>
-            <a:ln>
-              <a:tailEnd type="arrow"/>
-            </a:ln>
-            <a:effectLst/>
-          </p:spPr>
-          <p:style>
-            <a:lnRef idx="1">
-              <a:schemeClr val="accent1"/>
-            </a:lnRef>
-            <a:fillRef idx="3">
-              <a:schemeClr val="accent1"/>
-            </a:fillRef>
-            <a:effectRef idx="2">
-              <a:schemeClr val="accent1"/>
-            </a:effectRef>
-            <a:fontRef idx="minor">
-              <a:schemeClr val="lt1"/>
-            </a:fontRef>
-          </p:style>
-        </p:cxnSp>
-        <p:cxnSp>
-          <p:nvCxnSpPr>
-            <p:cNvPr id="25" name="Elbow Connector 14"/>
-            <p:cNvCxnSpPr>
-              <a:stCxn id="10" idx="2"/>
-              <a:endCxn id="9" idx="3"/>
-            </p:cNvCxnSpPr>
-            <p:nvPr/>
-          </p:nvCxnSpPr>
-          <p:spPr>
-            <a:xfrm rot="5400000">
-              <a:off x="4648200" y="5704254"/>
-              <a:ext cx="876300" cy="190500"/>
-            </a:xfrm>
-            <a:prstGeom prst="bentConnector2">
-              <a:avLst/>
-            </a:prstGeom>
-            <a:ln>
-              <a:tailEnd type="arrow"/>
-            </a:ln>
-            <a:effectLst/>
-          </p:spPr>
-          <p:style>
-            <a:lnRef idx="1">
-              <a:schemeClr val="accent1"/>
-            </a:lnRef>
-            <a:fillRef idx="3">
-              <a:schemeClr val="accent1"/>
-            </a:fillRef>
-            <a:effectRef idx="2">
-              <a:schemeClr val="accent1"/>
-            </a:effectRef>
-            <a:fontRef idx="minor">
-              <a:schemeClr val="lt1"/>
-            </a:fontRef>
-          </p:style>
-        </p:cxnSp>
-        <p:cxnSp>
-          <p:nvCxnSpPr>
-            <p:cNvPr id="26" name="Elbow Connector 14"/>
-            <p:cNvCxnSpPr>
-              <a:stCxn id="13" idx="0"/>
-              <a:endCxn id="10" idx="3"/>
-            </p:cNvCxnSpPr>
-            <p:nvPr/>
-          </p:nvCxnSpPr>
-          <p:spPr>
-            <a:xfrm rot="16200000" flipV="1">
-              <a:off x="5676900" y="5094654"/>
-              <a:ext cx="723900" cy="723900"/>
-            </a:xfrm>
-            <a:prstGeom prst="bentConnector2">
-              <a:avLst/>
-            </a:prstGeom>
-            <a:ln>
-              <a:tailEnd type="arrow"/>
-            </a:ln>
-            <a:effectLst/>
-          </p:spPr>
-          <p:style>
-            <a:lnRef idx="1">
-              <a:schemeClr val="accent1"/>
-            </a:lnRef>
-            <a:fillRef idx="3">
-              <a:schemeClr val="accent1"/>
-            </a:fillRef>
-            <a:effectRef idx="2">
-              <a:schemeClr val="accent1"/>
-            </a:effectRef>
-            <a:fontRef idx="minor">
-              <a:schemeClr val="lt1"/>
-            </a:fontRef>
-          </p:style>
-        </p:cxnSp>
-        <p:cxnSp>
-          <p:nvCxnSpPr>
-            <p:cNvPr id="27" name="Elbow Connector 14"/>
-            <p:cNvCxnSpPr>
-              <a:stCxn id="11" idx="2"/>
-              <a:endCxn id="10" idx="3"/>
-            </p:cNvCxnSpPr>
-            <p:nvPr/>
-          </p:nvCxnSpPr>
-          <p:spPr>
-            <a:xfrm rot="5400000">
-              <a:off x="5638800" y="4485054"/>
-              <a:ext cx="647700" cy="571500"/>
-            </a:xfrm>
-            <a:prstGeom prst="bentConnector2">
-              <a:avLst/>
-            </a:prstGeom>
-            <a:ln>
-              <a:tailEnd type="arrow"/>
-            </a:ln>
-            <a:effectLst/>
-          </p:spPr>
-          <p:style>
-            <a:lnRef idx="1">
-              <a:schemeClr val="accent1"/>
-            </a:lnRef>
-            <a:fillRef idx="3">
-              <a:schemeClr val="accent1"/>
-            </a:fillRef>
-            <a:effectRef idx="2">
-              <a:schemeClr val="accent1"/>
-            </a:effectRef>
-            <a:fontRef idx="minor">
-              <a:schemeClr val="lt1"/>
-            </a:fontRef>
-          </p:style>
-        </p:cxnSp>
-        <p:cxnSp>
-          <p:nvCxnSpPr>
-            <p:cNvPr id="28" name="Elbow Connector 14"/>
-            <p:cNvCxnSpPr>
-              <a:stCxn id="14" idx="0"/>
-              <a:endCxn id="11" idx="3"/>
-            </p:cNvCxnSpPr>
-            <p:nvPr/>
-          </p:nvCxnSpPr>
-          <p:spPr>
-            <a:xfrm rot="16200000" flipV="1">
-              <a:off x="6743700" y="4180254"/>
-              <a:ext cx="647700" cy="647700"/>
-            </a:xfrm>
-            <a:prstGeom prst="bentConnector2">
-              <a:avLst/>
-            </a:prstGeom>
-            <a:ln>
-              <a:tailEnd type="arrow"/>
-            </a:ln>
-            <a:effectLst/>
-          </p:spPr>
-          <p:style>
-            <a:lnRef idx="1">
-              <a:schemeClr val="accent1"/>
-            </a:lnRef>
-            <a:fillRef idx="3">
-              <a:schemeClr val="accent1"/>
-            </a:fillRef>
-            <a:effectRef idx="2">
-              <a:schemeClr val="accent1"/>
-            </a:effectRef>
-            <a:fontRef idx="minor">
-              <a:schemeClr val="lt1"/>
-            </a:fontRef>
-          </p:style>
-        </p:cxnSp>
-        <p:cxnSp>
-          <p:nvCxnSpPr>
-            <p:cNvPr id="29" name="Elbow Connector 14"/>
-            <p:cNvCxnSpPr>
-              <a:stCxn id="13" idx="3"/>
-              <a:endCxn id="14" idx="2"/>
-            </p:cNvCxnSpPr>
-            <p:nvPr/>
-          </p:nvCxnSpPr>
-          <p:spPr>
-            <a:xfrm flipV="1">
-              <a:off x="6896100" y="5361354"/>
-              <a:ext cx="495300" cy="723900"/>
-            </a:xfrm>
-            <a:prstGeom prst="bentConnector2">
-              <a:avLst/>
-            </a:prstGeom>
-            <a:ln>
-              <a:tailEnd type="arrow"/>
-            </a:ln>
-            <a:effectLst/>
-          </p:spPr>
-          <p:style>
-            <a:lnRef idx="1">
-              <a:schemeClr val="accent1"/>
-            </a:lnRef>
-            <a:fillRef idx="3">
-              <a:schemeClr val="accent1"/>
-            </a:fillRef>
-            <a:effectRef idx="2">
-              <a:schemeClr val="accent1"/>
-            </a:effectRef>
-            <a:fontRef idx="minor">
-              <a:schemeClr val="lt1"/>
-            </a:fontRef>
-          </p:style>
-        </p:cxnSp>
-        <p:cxnSp>
-          <p:nvCxnSpPr>
-            <p:cNvPr id="30" name="Elbow Connector 14"/>
-            <p:cNvCxnSpPr>
-              <a:stCxn id="14" idx="1"/>
-              <a:endCxn id="10" idx="3"/>
-            </p:cNvCxnSpPr>
-            <p:nvPr/>
-          </p:nvCxnSpPr>
-          <p:spPr>
-            <a:xfrm rot="10800000">
-              <a:off x="5676900" y="5094654"/>
-              <a:ext cx="1219200" cy="1588"/>
-            </a:xfrm>
-            <a:prstGeom prst="bentConnector3">
-              <a:avLst>
-                <a:gd name="adj1" fmla="val 50000"/>
-              </a:avLst>
-            </a:prstGeom>
-            <a:ln>
-              <a:tailEnd type="arrow"/>
-            </a:ln>
-            <a:effectLst/>
-          </p:spPr>
-          <p:style>
-            <a:lnRef idx="1">
-              <a:schemeClr val="accent1"/>
-            </a:lnRef>
-            <a:fillRef idx="3">
-              <a:schemeClr val="accent1"/>
-            </a:fillRef>
-            <a:effectRef idx="2">
-              <a:schemeClr val="accent1"/>
-            </a:effectRef>
-            <a:fontRef idx="minor">
-              <a:schemeClr val="lt1"/>
-            </a:fontRef>
-          </p:style>
-        </p:cxnSp>
-        <p:cxnSp>
-          <p:nvCxnSpPr>
-            <p:cNvPr id="31" name="Elbow Connector 14"/>
-            <p:cNvCxnSpPr>
-              <a:stCxn id="14" idx="0"/>
-              <a:endCxn id="7" idx="0"/>
-            </p:cNvCxnSpPr>
-            <p:nvPr/>
-          </p:nvCxnSpPr>
-          <p:spPr>
-            <a:xfrm rot="16200000" flipV="1">
-              <a:off x="5334000" y="2770554"/>
-              <a:ext cx="1066800" cy="3048000"/>
-            </a:xfrm>
-            <a:prstGeom prst="bentConnector3">
-              <a:avLst>
-                <a:gd name="adj1" fmla="val 121429"/>
-              </a:avLst>
-            </a:prstGeom>
-            <a:ln>
-              <a:tailEnd type="arrow"/>
-            </a:ln>
-            <a:effectLst/>
-          </p:spPr>
-          <p:style>
-            <a:lnRef idx="1">
-              <a:schemeClr val="accent1"/>
-            </a:lnRef>
-            <a:fillRef idx="3">
-              <a:schemeClr val="accent1"/>
-            </a:fillRef>
-            <a:effectRef idx="2">
-              <a:schemeClr val="accent1"/>
-            </a:effectRef>
-            <a:fontRef idx="minor">
-              <a:schemeClr val="lt1"/>
-            </a:fontRef>
-          </p:style>
-        </p:cxnSp>
-        <p:cxnSp>
-          <p:nvCxnSpPr>
-            <p:cNvPr id="32" name="Elbow Connector 14"/>
-            <p:cNvCxnSpPr>
-              <a:stCxn id="9" idx="2"/>
-              <a:endCxn id="12" idx="2"/>
-            </p:cNvCxnSpPr>
-            <p:nvPr/>
-          </p:nvCxnSpPr>
-          <p:spPr>
-            <a:xfrm rot="5400000" flipH="1">
-              <a:off x="2552700" y="4561254"/>
-              <a:ext cx="1143000" cy="2743200"/>
-            </a:xfrm>
-            <a:prstGeom prst="bentConnector3">
-              <a:avLst>
-                <a:gd name="adj1" fmla="val -20000"/>
-              </a:avLst>
-            </a:prstGeom>
-            <a:ln>
-              <a:tailEnd type="arrow"/>
-            </a:ln>
-            <a:effectLst/>
-          </p:spPr>
-          <p:style>
-            <a:lnRef idx="1">
-              <a:schemeClr val="accent1"/>
-            </a:lnRef>
-            <a:fillRef idx="3">
-              <a:schemeClr val="accent1"/>
-            </a:fillRef>
-            <a:effectRef idx="2">
-              <a:schemeClr val="accent1"/>
-            </a:effectRef>
-            <a:fontRef idx="minor">
-              <a:schemeClr val="lt1"/>
-            </a:fontRef>
-          </p:style>
-        </p:cxnSp>
-        <p:cxnSp>
-          <p:nvCxnSpPr>
-            <p:cNvPr id="33" name="Elbow Connector 14"/>
-            <p:cNvCxnSpPr>
-              <a:stCxn id="9" idx="2"/>
-              <a:endCxn id="13" idx="2"/>
-            </p:cNvCxnSpPr>
-            <p:nvPr/>
-          </p:nvCxnSpPr>
-          <p:spPr>
-            <a:xfrm rot="5400000" flipH="1" flipV="1">
-              <a:off x="5372100" y="5475654"/>
-              <a:ext cx="152400" cy="1905000"/>
-            </a:xfrm>
-            <a:prstGeom prst="bentConnector3">
-              <a:avLst>
-                <a:gd name="adj1" fmla="val -150000"/>
-              </a:avLst>
-            </a:prstGeom>
-            <a:ln>
-              <a:tailEnd type="arrow"/>
-            </a:ln>
-            <a:effectLst/>
-          </p:spPr>
-          <p:style>
-            <a:lnRef idx="1">
-              <a:schemeClr val="accent1"/>
-            </a:lnRef>
-            <a:fillRef idx="3">
-              <a:schemeClr val="accent1"/>
-            </a:fillRef>
-            <a:effectRef idx="2">
-              <a:schemeClr val="accent1"/>
-            </a:effectRef>
-            <a:fontRef idx="minor">
-              <a:schemeClr val="lt1"/>
-            </a:fontRef>
-          </p:style>
-        </p:cxnSp>
-        <p:cxnSp>
-          <p:nvCxnSpPr>
-            <p:cNvPr id="34" name="Elbow Connector 14"/>
-            <p:cNvCxnSpPr>
-              <a:stCxn id="13" idx="1"/>
-              <a:endCxn id="9" idx="3"/>
-            </p:cNvCxnSpPr>
-            <p:nvPr/>
-          </p:nvCxnSpPr>
-          <p:spPr>
-            <a:xfrm rot="10800000" flipV="1">
-              <a:off x="4991100" y="6085254"/>
-              <a:ext cx="914400" cy="152400"/>
-            </a:xfrm>
-            <a:prstGeom prst="bentConnector3">
-              <a:avLst>
-                <a:gd name="adj1" fmla="val 50000"/>
-              </a:avLst>
-            </a:prstGeom>
-            <a:ln>
-              <a:tailEnd type="arrow"/>
-            </a:ln>
-            <a:effectLst/>
-          </p:spPr>
-          <p:style>
-            <a:lnRef idx="1">
-              <a:schemeClr val="accent1"/>
-            </a:lnRef>
-            <a:fillRef idx="3">
-              <a:schemeClr val="accent1"/>
-            </a:fillRef>
-            <a:effectRef idx="2">
-              <a:schemeClr val="accent1"/>
-            </a:effectRef>
-            <a:fontRef idx="minor">
-              <a:schemeClr val="lt1"/>
-            </a:fontRef>
-          </p:style>
-        </p:cxnSp>
-        <p:cxnSp>
-          <p:nvCxnSpPr>
-            <p:cNvPr id="35" name="Elbow Connector 14"/>
-            <p:cNvCxnSpPr>
-              <a:stCxn id="14" idx="3"/>
-              <a:endCxn id="13" idx="2"/>
-            </p:cNvCxnSpPr>
-            <p:nvPr/>
-          </p:nvCxnSpPr>
-          <p:spPr>
-            <a:xfrm flipH="1">
-              <a:off x="6400800" y="5094654"/>
-              <a:ext cx="1485900" cy="1257300"/>
-            </a:xfrm>
-            <a:prstGeom prst="bentConnector4">
-              <a:avLst>
-                <a:gd name="adj1" fmla="val -15385"/>
-                <a:gd name="adj2" fmla="val 118182"/>
-              </a:avLst>
-            </a:prstGeom>
-            <a:ln>
-              <a:tailEnd type="arrow"/>
-            </a:ln>
-            <a:effectLst/>
-          </p:spPr>
-          <p:style>
-            <a:lnRef idx="1">
-              <a:schemeClr val="accent1"/>
-            </a:lnRef>
-            <a:fillRef idx="3">
-              <a:schemeClr val="accent1"/>
-            </a:fillRef>
-            <a:effectRef idx="2">
-              <a:schemeClr val="accent1"/>
-            </a:effectRef>
-            <a:fontRef idx="minor">
-              <a:schemeClr val="lt1"/>
-            </a:fontRef>
-          </p:style>
-        </p:cxnSp>
-        <p:cxnSp>
-          <p:nvCxnSpPr>
-            <p:cNvPr id="36" name="Elbow Connector 14"/>
-            <p:cNvCxnSpPr>
-              <a:stCxn id="11" idx="1"/>
-              <a:endCxn id="7" idx="3"/>
-            </p:cNvCxnSpPr>
-            <p:nvPr/>
-          </p:nvCxnSpPr>
-          <p:spPr>
-            <a:xfrm rot="10800000">
-              <a:off x="4838700" y="4027854"/>
-              <a:ext cx="914400" cy="152400"/>
-            </a:xfrm>
-            <a:prstGeom prst="bentConnector3">
-              <a:avLst>
-                <a:gd name="adj1" fmla="val 50000"/>
-              </a:avLst>
-            </a:prstGeom>
-            <a:ln>
-              <a:tailEnd type="arrow"/>
-            </a:ln>
-            <a:effectLst/>
-          </p:spPr>
-          <p:style>
-            <a:lnRef idx="1">
-              <a:schemeClr val="accent1"/>
-            </a:lnRef>
-            <a:fillRef idx="3">
-              <a:schemeClr val="accent1"/>
-            </a:fillRef>
-            <a:effectRef idx="2">
-              <a:schemeClr val="accent1"/>
-            </a:effectRef>
-            <a:fontRef idx="minor">
-              <a:schemeClr val="lt1"/>
-            </a:fontRef>
-          </p:style>
-        </p:cxnSp>
-        <p:cxnSp>
-          <p:nvCxnSpPr>
-            <p:cNvPr id="37" name="Elbow Connector 14"/>
-            <p:cNvCxnSpPr>
-              <a:stCxn id="5" idx="0"/>
-              <a:endCxn id="11" idx="0"/>
-            </p:cNvCxnSpPr>
-            <p:nvPr/>
-          </p:nvCxnSpPr>
-          <p:spPr>
-            <a:xfrm rot="5400000" flipH="1" flipV="1">
-              <a:off x="4419600" y="2160954"/>
-              <a:ext cx="76200" cy="3581400"/>
-            </a:xfrm>
-            <a:prstGeom prst="bentConnector3">
-              <a:avLst>
-                <a:gd name="adj1" fmla="val 481554"/>
-              </a:avLst>
-            </a:prstGeom>
-            <a:ln>
-              <a:tailEnd type="arrow"/>
-            </a:ln>
-            <a:effectLst/>
-          </p:spPr>
-          <p:style>
-            <a:lnRef idx="1">
-              <a:schemeClr val="accent1"/>
-            </a:lnRef>
-            <a:fillRef idx="3">
-              <a:schemeClr val="accent1"/>
-            </a:fillRef>
-            <a:effectRef idx="2">
-              <a:schemeClr val="accent1"/>
-            </a:effectRef>
-            <a:fontRef idx="minor">
-              <a:schemeClr val="lt1"/>
-            </a:fontRef>
-          </p:style>
-        </p:cxnSp>
-        <p:cxnSp>
-          <p:nvCxnSpPr>
-            <p:cNvPr id="38" name="Elbow Connector 14"/>
-            <p:cNvCxnSpPr>
-              <a:stCxn id="7" idx="0"/>
-              <a:endCxn id="12" idx="1"/>
-            </p:cNvCxnSpPr>
-            <p:nvPr/>
-          </p:nvCxnSpPr>
-          <p:spPr>
-            <a:xfrm rot="16200000" flipH="1" flipV="1">
-              <a:off x="2133600" y="2884854"/>
-              <a:ext cx="1333500" cy="3086100"/>
-            </a:xfrm>
-            <a:prstGeom prst="bentConnector4">
-              <a:avLst>
-                <a:gd name="adj1" fmla="val -17143"/>
-                <a:gd name="adj2" fmla="val 107407"/>
-              </a:avLst>
-            </a:prstGeom>
-            <a:ln>
-              <a:tailEnd type="arrow"/>
-            </a:ln>
-            <a:effectLst/>
-          </p:spPr>
-          <p:style>
-            <a:lnRef idx="1">
-              <a:schemeClr val="accent1"/>
-            </a:lnRef>
-            <a:fillRef idx="3">
-              <a:schemeClr val="accent1"/>
-            </a:fillRef>
-            <a:effectRef idx="2">
-              <a:schemeClr val="accent1"/>
-            </a:effectRef>
-            <a:fontRef idx="minor">
-              <a:schemeClr val="lt1"/>
-            </a:fontRef>
-          </p:style>
-        </p:cxnSp>
-      </p:grpSp>
-    </p:spTree>
-    <p:extLst>
-      <p:ext uri="{BB962C8B-B14F-4D97-AF65-F5344CB8AC3E}">
-        <p14:creationId xmlns:p14="http://schemas.microsoft.com/office/powerpoint/2010/main" val="1914949752"/>
-      </p:ext>
-    </p:extLst>
-  </p:cSld>
-  <p:clrMapOvr>
-    <a:masterClrMapping/>
-  </p:clrMapOvr>
-  <p:timing>
-    <p:tnLst>
-      <p:par>
-        <p:cTn xmlns:p14="http://schemas.microsoft.com/office/powerpoint/2010/main" id="1" dur="indefinite" restart="never" nodeType="tmRoot"/>
-      </p:par>
-    </p:tnLst>
-  </p:timing>
-</p:sld>
-</file>
-
-<file path=ppt/slides/slide30.xml><?xml version="1.0" encoding="utf-8"?>
+<file path=ppt/slides/slide31.xml><?xml version="1.0" encoding="utf-8"?>
 <p:sld xmlns:a="http://schemas.openxmlformats.org/drawingml/2006/main" xmlns:r="http://schemas.openxmlformats.org/officeDocument/2006/relationships" xmlns:p="http://schemas.openxmlformats.org/presentationml/2006/main">
   <p:cSld>
     <p:spTree>
@@ -14115,8 +14412,8 @@
         </p:nvSpPr>
         <p:spPr bwMode="auto">
           <a:xfrm>
-            <a:off x="0" y="0"/>
-            <a:ext cx="9144000" cy="4648200"/>
+            <a:off x="0" y="445432"/>
+            <a:ext cx="9144000" cy="4202768"/>
           </a:xfrm>
           <a:prstGeom prst="rect">
             <a:avLst/>
@@ -14390,7 +14687,7 @@
 </p:sld>
 </file>
 
-<file path=ppt/slides/slide31.xml><?xml version="1.0" encoding="utf-8"?>
+<file path=ppt/slides/slide32.xml><?xml version="1.0" encoding="utf-8"?>
 <p:sld xmlns:a="http://schemas.openxmlformats.org/drawingml/2006/main" xmlns:r="http://schemas.openxmlformats.org/officeDocument/2006/relationships" xmlns:p="http://schemas.openxmlformats.org/presentationml/2006/main">
   <p:cSld>
     <p:spTree>
@@ -15598,7 +15895,7 @@
 </p:sld>
 </file>
 
-<file path=ppt/slides/slide32.xml><?xml version="1.0" encoding="utf-8"?>
+<file path=ppt/slides/slide33.xml><?xml version="1.0" encoding="utf-8"?>
 <p:sld xmlns:a="http://schemas.openxmlformats.org/drawingml/2006/main" xmlns:r="http://schemas.openxmlformats.org/officeDocument/2006/relationships" xmlns:p="http://schemas.openxmlformats.org/presentationml/2006/main">
   <p:cSld>
     <p:spTree>
@@ -16516,7 +16813,7 @@
 </p:sld>
 </file>
 
-<file path=ppt/slides/slide33.xml><?xml version="1.0" encoding="utf-8"?>
+<file path=ppt/slides/slide34.xml><?xml version="1.0" encoding="utf-8"?>
 <p:sld xmlns:a="http://schemas.openxmlformats.org/drawingml/2006/main" xmlns:r="http://schemas.openxmlformats.org/officeDocument/2006/relationships" xmlns:p="http://schemas.openxmlformats.org/presentationml/2006/main">
   <p:cSld>
     <p:spTree>
@@ -17434,7 +17731,7 @@
 </p:sld>
 </file>
 
-<file path=ppt/slides/slide34.xml><?xml version="1.0" encoding="utf-8"?>
+<file path=ppt/slides/slide35.xml><?xml version="1.0" encoding="utf-8"?>
 <p:sld xmlns:a="http://schemas.openxmlformats.org/drawingml/2006/main" xmlns:r="http://schemas.openxmlformats.org/officeDocument/2006/relationships" xmlns:p="http://schemas.openxmlformats.org/presentationml/2006/main">
   <p:cSld>
     <p:spTree>
@@ -18352,7 +18649,7 @@
 </p:sld>
 </file>
 
-<file path=ppt/slides/slide35.xml><?xml version="1.0" encoding="utf-8"?>
+<file path=ppt/slides/slide36.xml><?xml version="1.0" encoding="utf-8"?>
 <p:sld xmlns:a="http://schemas.openxmlformats.org/drawingml/2006/main" xmlns:r="http://schemas.openxmlformats.org/officeDocument/2006/relationships" xmlns:p="http://schemas.openxmlformats.org/presentationml/2006/main">
   <p:cSld>
     <p:spTree>
@@ -18377,8 +18674,8 @@
         </p:nvSpPr>
         <p:spPr bwMode="auto">
           <a:xfrm>
-            <a:off x="0" y="0"/>
-            <a:ext cx="9144000" cy="4648200"/>
+            <a:off x="0" y="445432"/>
+            <a:ext cx="9144000" cy="4202768"/>
           </a:xfrm>
           <a:prstGeom prst="rect">
             <a:avLst/>
@@ -18515,8 +18812,8 @@
         </p:nvSpPr>
         <p:spPr bwMode="auto">
           <a:xfrm>
-            <a:off x="495300" y="200025"/>
-            <a:ext cx="8420100" cy="919163"/>
+            <a:off x="0" y="445432"/>
+            <a:ext cx="8915400" cy="673756"/>
           </a:xfrm>
           <a:prstGeom prst="rect">
             <a:avLst/>
@@ -18529,12 +18826,14 @@
           </a:ln>
         </p:spPr>
         <p:txBody>
-          <a:bodyPr/>
+          <a:bodyPr>
+            <a:normAutofit/>
+          </a:bodyPr>
           <a:lstStyle/>
           <a:p>
             <a:pPr eaLnBrk="1" hangingPunct="1"/>
             <a:r>
-              <a:rPr lang="en-US" dirty="0" smtClean="0">
+              <a:rPr lang="en-US" sz="3600" dirty="0" smtClean="0">
                 <a:solidFill>
                   <a:schemeClr val="bg1"/>
                 </a:solidFill>
@@ -18877,8 +19176,8 @@
         </p:nvSpPr>
         <p:spPr>
           <a:xfrm>
-            <a:off x="112713" y="4800600"/>
-            <a:ext cx="4427298" cy="1933575"/>
+            <a:off x="112713" y="4885893"/>
+            <a:ext cx="4427298" cy="1781175"/>
           </a:xfrm>
           <a:prstGeom prst="rect">
             <a:avLst/>
@@ -19199,7 +19498,7 @@
         </p:nvSpPr>
         <p:spPr>
           <a:xfrm>
-            <a:off x="5544690" y="4800600"/>
+            <a:off x="5544690" y="4885893"/>
             <a:ext cx="3475485" cy="1652760"/>
           </a:xfrm>
           <a:prstGeom prst="rect">
@@ -19277,7 +19576,15 @@
                   <a:schemeClr val="bg1"/>
                 </a:solidFill>
               </a:rPr>
-              <a:t>@mutedsolutions.com</a:t>
+              <a:t>@</a:t>
+            </a:r>
+            <a:r>
+              <a:rPr lang="en-US" dirty="0" smtClean="0">
+                <a:solidFill>
+                  <a:schemeClr val="bg1"/>
+                </a:solidFill>
+              </a:rPr>
+              <a:t>mutedsolutions.com</a:t>
             </a:r>
           </a:p>
           <a:p>
@@ -19289,12 +19596,20 @@
               <a:buNone/>
             </a:pPr>
             <a:r>
+              <a:rPr lang="en-US" dirty="0">
+                <a:solidFill>
+                  <a:schemeClr val="bg1"/>
+                </a:solidFill>
+              </a:rPr>
+              <a:t> </a:t>
+            </a:r>
+            <a:r>
               <a:rPr lang="en-US" dirty="0" smtClean="0">
                 <a:solidFill>
                   <a:schemeClr val="bg1"/>
                 </a:solidFill>
               </a:rPr>
-              <a:t>    </a:t>
+              <a:t>   </a:t>
             </a:r>
             <a:r>
               <a:rPr lang="en-US" dirty="0" err="1" smtClean="0">
@@ -20649,6 +20964,324 @@
       </p:grpSpPr>
       <p:sp>
         <p:nvSpPr>
+          <p:cNvPr id="12" name="Rectangle 11"/>
+          <p:cNvSpPr/>
+          <p:nvPr/>
+        </p:nvSpPr>
+        <p:spPr bwMode="auto">
+          <a:xfrm>
+            <a:off x="0" y="445432"/>
+            <a:ext cx="9144000" cy="4202768"/>
+          </a:xfrm>
+          <a:prstGeom prst="rect">
+            <a:avLst/>
+          </a:prstGeom>
+          <a:ln/>
+        </p:spPr>
+        <p:style>
+          <a:lnRef idx="2">
+            <a:schemeClr val="accent4">
+              <a:shade val="50000"/>
+            </a:schemeClr>
+          </a:lnRef>
+          <a:fillRef idx="1">
+            <a:schemeClr val="accent4"/>
+          </a:fillRef>
+          <a:effectRef idx="0">
+            <a:schemeClr val="accent4"/>
+          </a:effectRef>
+          <a:fontRef idx="minor">
+            <a:schemeClr val="lt1"/>
+          </a:fontRef>
+        </p:style>
+        <p:txBody>
+          <a:bodyPr anchor="ctr"/>
+          <a:lstStyle/>
+          <a:p>
+            <a:pPr algn="ctr">
+              <a:defRPr/>
+            </a:pPr>
+            <a:endParaRPr lang="en-US"/>
+          </a:p>
+        </p:txBody>
+      </p:sp>
+      <p:sp>
+        <p:nvSpPr>
+          <p:cNvPr id="13" name="Rectangle 12"/>
+          <p:cNvSpPr/>
+          <p:nvPr/>
+        </p:nvSpPr>
+        <p:spPr bwMode="auto">
+          <a:xfrm>
+            <a:off x="0" y="4724400"/>
+            <a:ext cx="9153525" cy="2133600"/>
+          </a:xfrm>
+          <a:prstGeom prst="rect">
+            <a:avLst/>
+          </a:prstGeom>
+          <a:ln/>
+        </p:spPr>
+        <p:style>
+          <a:lnRef idx="2">
+            <a:schemeClr val="accent3">
+              <a:shade val="50000"/>
+            </a:schemeClr>
+          </a:lnRef>
+          <a:fillRef idx="1">
+            <a:schemeClr val="accent3"/>
+          </a:fillRef>
+          <a:effectRef idx="0">
+            <a:schemeClr val="accent3"/>
+          </a:effectRef>
+          <a:fontRef idx="minor">
+            <a:schemeClr val="lt1"/>
+          </a:fontRef>
+        </p:style>
+        <p:txBody>
+          <a:bodyPr anchor="ctr"/>
+          <a:lstStyle/>
+          <a:p>
+            <a:pPr algn="ctr">
+              <a:defRPr/>
+            </a:pPr>
+            <a:endParaRPr lang="en-US"/>
+          </a:p>
+        </p:txBody>
+      </p:sp>
+      <p:sp>
+        <p:nvSpPr>
+          <p:cNvPr id="15" name="Rectangle 14"/>
+          <p:cNvSpPr/>
+          <p:nvPr/>
+        </p:nvSpPr>
+        <p:spPr bwMode="auto">
+          <a:xfrm>
+            <a:off x="0" y="3239477"/>
+            <a:ext cx="4572000" cy="121138"/>
+          </a:xfrm>
+          <a:prstGeom prst="rect">
+            <a:avLst/>
+          </a:prstGeom>
+          <a:ln/>
+        </p:spPr>
+        <p:style>
+          <a:lnRef idx="2">
+            <a:schemeClr val="dk1">
+              <a:shade val="50000"/>
+            </a:schemeClr>
+          </a:lnRef>
+          <a:fillRef idx="1">
+            <a:schemeClr val="dk1"/>
+          </a:fillRef>
+          <a:effectRef idx="0">
+            <a:schemeClr val="dk1"/>
+          </a:effectRef>
+          <a:fontRef idx="minor">
+            <a:schemeClr val="lt1"/>
+          </a:fontRef>
+        </p:style>
+        <p:txBody>
+          <a:bodyPr anchor="ctr"/>
+          <a:lstStyle/>
+          <a:p>
+            <a:pPr algn="ctr">
+              <a:defRPr/>
+            </a:pPr>
+            <a:endParaRPr lang="en-US"/>
+          </a:p>
+        </p:txBody>
+      </p:sp>
+      <p:sp>
+        <p:nvSpPr>
+          <p:cNvPr id="17" name="Rectangle 16"/>
+          <p:cNvSpPr/>
+          <p:nvPr/>
+        </p:nvSpPr>
+        <p:spPr bwMode="auto">
+          <a:xfrm>
+            <a:off x="112713" y="4800600"/>
+            <a:ext cx="8907462" cy="1933575"/>
+          </a:xfrm>
+          <a:prstGeom prst="rect">
+            <a:avLst/>
+          </a:prstGeom>
+          <a:noFill/>
+          <a:ln w="12700">
+            <a:solidFill>
+              <a:schemeClr val="bg1"/>
+            </a:solidFill>
+          </a:ln>
+        </p:spPr>
+        <p:style>
+          <a:lnRef idx="2">
+            <a:schemeClr val="accent1">
+              <a:shade val="50000"/>
+            </a:schemeClr>
+          </a:lnRef>
+          <a:fillRef idx="1">
+            <a:schemeClr val="accent1"/>
+          </a:fillRef>
+          <a:effectRef idx="0">
+            <a:schemeClr val="accent1"/>
+          </a:effectRef>
+          <a:fontRef idx="minor">
+            <a:schemeClr val="lt1"/>
+          </a:fontRef>
+        </p:style>
+        <p:txBody>
+          <a:bodyPr anchor="ctr"/>
+          <a:lstStyle/>
+          <a:p>
+            <a:pPr algn="ctr">
+              <a:defRPr/>
+            </a:pPr>
+            <a:endParaRPr lang="en-US"/>
+          </a:p>
+        </p:txBody>
+      </p:sp>
+      <p:sp>
+        <p:nvSpPr>
+          <p:cNvPr id="14" name="TextBox 13"/>
+          <p:cNvSpPr txBox="1"/>
+          <p:nvPr/>
+        </p:nvSpPr>
+        <p:spPr>
+          <a:xfrm>
+            <a:off x="381000" y="1295400"/>
+            <a:ext cx="8610600" cy="769938"/>
+          </a:xfrm>
+          <a:prstGeom prst="rect">
+            <a:avLst/>
+          </a:prstGeom>
+          <a:noFill/>
+        </p:spPr>
+        <p:txBody>
+          <a:bodyPr>
+            <a:spAutoFit/>
+          </a:bodyPr>
+          <a:lstStyle/>
+          <a:p>
+            <a:pPr>
+              <a:defRPr/>
+            </a:pPr>
+            <a:r>
+              <a:rPr lang="en-US" sz="4400" spc="60" dirty="0" smtClean="0">
+                <a:solidFill>
+                  <a:schemeClr val="bg1"/>
+                </a:solidFill>
+                <a:latin typeface="Calibri" pitchFamily="34" charset="0"/>
+              </a:rPr>
+              <a:t>S.O.L.I.D. </a:t>
+            </a:r>
+            <a:r>
+              <a:rPr lang="en-US" sz="4400" spc="60" dirty="0" smtClean="0">
+                <a:solidFill>
+                  <a:schemeClr val="bg1"/>
+                </a:solidFill>
+                <a:latin typeface="Calibri" pitchFamily="34" charset="0"/>
+              </a:rPr>
+              <a:t>Software </a:t>
+            </a:r>
+            <a:r>
+              <a:rPr lang="en-US" sz="4400" spc="60" dirty="0" smtClean="0">
+                <a:solidFill>
+                  <a:schemeClr val="bg1"/>
+                </a:solidFill>
+                <a:latin typeface="Calibri" pitchFamily="34" charset="0"/>
+              </a:rPr>
+              <a:t>Development</a:t>
+            </a:r>
+            <a:endParaRPr lang="en-US" sz="4400" spc="60" dirty="0">
+              <a:solidFill>
+                <a:schemeClr val="bg1"/>
+              </a:solidFill>
+              <a:latin typeface="Calibri" pitchFamily="34" charset="0"/>
+            </a:endParaRPr>
+          </a:p>
+        </p:txBody>
+      </p:sp>
+      <p:sp>
+        <p:nvSpPr>
+          <p:cNvPr id="19" name="TextBox 18"/>
+          <p:cNvSpPr txBox="1"/>
+          <p:nvPr/>
+        </p:nvSpPr>
+        <p:spPr>
+          <a:xfrm>
+            <a:off x="381000" y="2057400"/>
+            <a:ext cx="7543800" cy="338554"/>
+          </a:xfrm>
+          <a:prstGeom prst="rect">
+            <a:avLst/>
+          </a:prstGeom>
+          <a:noFill/>
+        </p:spPr>
+        <p:txBody>
+          <a:bodyPr wrap="square">
+            <a:spAutoFit/>
+          </a:bodyPr>
+          <a:lstStyle/>
+          <a:p>
+            <a:pPr>
+              <a:defRPr/>
+            </a:pPr>
+            <a:r>
+              <a:rPr lang="en-US" sz="1600" dirty="0" smtClean="0">
+                <a:solidFill>
+                  <a:schemeClr val="bg1"/>
+                </a:solidFill>
+                <a:latin typeface="+mn-lt"/>
+              </a:rPr>
+              <a:t>Achieving Object Oriented Principles, One Step At A Time</a:t>
+            </a:r>
+            <a:endParaRPr lang="en-US" sz="1600" dirty="0">
+              <a:solidFill>
+                <a:schemeClr val="bg1"/>
+              </a:solidFill>
+              <a:latin typeface="+mn-lt"/>
+            </a:endParaRPr>
+          </a:p>
+        </p:txBody>
+      </p:sp>
+    </p:spTree>
+    <p:extLst>
+      <p:ext uri="{BB962C8B-B14F-4D97-AF65-F5344CB8AC3E}">
+        <p14:creationId xmlns:p14="http://schemas.microsoft.com/office/powerpoint/2010/main" val="1521738641"/>
+      </p:ext>
+    </p:extLst>
+  </p:cSld>
+  <p:clrMapOvr>
+    <a:masterClrMapping/>
+  </p:clrMapOvr>
+  <p:timing>
+    <p:tnLst>
+      <p:par>
+        <p:cTn xmlns:p14="http://schemas.microsoft.com/office/powerpoint/2010/main" id="1" dur="indefinite" restart="never" nodeType="tmRoot"/>
+      </p:par>
+    </p:tnLst>
+  </p:timing>
+</p:sld>
+</file>
+
+<file path=ppt/slides/slide7.xml><?xml version="1.0" encoding="utf-8"?>
+<p:sld xmlns:a="http://schemas.openxmlformats.org/drawingml/2006/main" xmlns:r="http://schemas.openxmlformats.org/officeDocument/2006/relationships" xmlns:p="http://schemas.openxmlformats.org/presentationml/2006/main">
+  <p:cSld>
+    <p:spTree>
+      <p:nvGrpSpPr>
+        <p:cNvPr id="1" name=""/>
+        <p:cNvGrpSpPr/>
+        <p:nvPr/>
+      </p:nvGrpSpPr>
+      <p:grpSpPr>
+        <a:xfrm>
+          <a:off x="0" y="0"/>
+          <a:ext cx="0" cy="0"/>
+          <a:chOff x="0" y="0"/>
+          <a:chExt cx="0" cy="0"/>
+        </a:xfrm>
+      </p:grpSpPr>
+      <p:sp>
+        <p:nvSpPr>
           <p:cNvPr id="3075" name="Text Placeholder 2"/>
           <p:cNvSpPr>
             <a:spLocks noGrp="1"/>
@@ -21040,7 +21673,7 @@
 </p:sld>
 </file>
 
-<file path=ppt/slides/slide7.xml><?xml version="1.0" encoding="utf-8"?>
+<file path=ppt/slides/slide8.xml><?xml version="1.0" encoding="utf-8"?>
 <p:sld xmlns:a="http://schemas.openxmlformats.org/drawingml/2006/main" xmlns:r="http://schemas.openxmlformats.org/officeDocument/2006/relationships" xmlns:p="http://schemas.openxmlformats.org/presentationml/2006/main">
   <p:cSld>
     <p:spTree>
@@ -21065,8 +21698,8 @@
         </p:nvSpPr>
         <p:spPr bwMode="auto">
           <a:xfrm>
-            <a:off x="0" y="0"/>
-            <a:ext cx="9144000" cy="4648200"/>
+            <a:off x="0" y="445432"/>
+            <a:ext cx="9144000" cy="4202768"/>
           </a:xfrm>
           <a:prstGeom prst="rect">
             <a:avLst/>
@@ -21309,9 +21942,45 @@
                 </a:solidFill>
                 <a:latin typeface="+mn-lt"/>
               </a:rPr>
-              <a:t>One Responsibility – One Reason To Change</a:t>
+              <a:t>It’s One </a:t>
             </a:r>
-            <a:endParaRPr lang="en-US" sz="1600" dirty="0">
+            <a:r>
+              <a:rPr lang="en-US" sz="1600" dirty="0" smtClean="0">
+                <a:solidFill>
+                  <a:schemeClr val="bg1"/>
+                </a:solidFill>
+                <a:latin typeface="+mn-lt"/>
+              </a:rPr>
+              <a:t>Reason To </a:t>
+            </a:r>
+            <a:r>
+              <a:rPr lang="en-US" sz="1600" i="1" dirty="0" smtClean="0">
+                <a:solidFill>
+                  <a:schemeClr val="bg1"/>
+                </a:solidFill>
+                <a:latin typeface="+mn-lt"/>
+              </a:rPr>
+              <a:t>Change</a:t>
+            </a:r>
+            <a:r>
+              <a:rPr lang="en-US" sz="1600" dirty="0" smtClean="0">
+                <a:solidFill>
+                  <a:schemeClr val="bg1"/>
+                </a:solidFill>
+                <a:latin typeface="+mn-lt"/>
+              </a:rPr>
+              <a:t>, Not </a:t>
+            </a:r>
+            <a:r>
+              <a:rPr lang="en-US" sz="1600" i="1" dirty="0" smtClean="0">
+                <a:solidFill>
+                  <a:schemeClr val="bg1"/>
+                </a:solidFill>
+                <a:latin typeface="+mn-lt"/>
+              </a:rPr>
+              <a:t>Exist</a:t>
+            </a:r>
+            <a:endParaRPr lang="en-US" sz="1600" i="1" dirty="0">
               <a:solidFill>
                 <a:schemeClr val="bg1"/>
               </a:solidFill>
@@ -21562,7 +22231,7 @@
 </p:sld>
 </file>
 
-<file path=ppt/slides/slide8.xml><?xml version="1.0" encoding="utf-8"?>
+<file path=ppt/slides/slide9.xml><?xml version="1.0" encoding="utf-8"?>
 <p:sld xmlns:a="http://schemas.openxmlformats.org/drawingml/2006/main" xmlns:r="http://schemas.openxmlformats.org/officeDocument/2006/relationships" xmlns:p="http://schemas.openxmlformats.org/presentationml/2006/main">
   <p:cSld>
     <p:spTree>
@@ -21616,378 +22285,6 @@
     <p:extLst>
       <p:ext uri="{BB962C8B-B14F-4D97-AF65-F5344CB8AC3E}">
         <p14:creationId xmlns:p14="http://schemas.microsoft.com/office/powerpoint/2010/main" val="1497740173"/>
-      </p:ext>
-    </p:extLst>
-  </p:cSld>
-  <p:clrMapOvr>
-    <a:masterClrMapping/>
-  </p:clrMapOvr>
-</p:sld>
-</file>
-
-<file path=ppt/slides/slide9.xml><?xml version="1.0" encoding="utf-8"?>
-<p:sld xmlns:a="http://schemas.openxmlformats.org/drawingml/2006/main" xmlns:r="http://schemas.openxmlformats.org/officeDocument/2006/relationships" xmlns:p="http://schemas.openxmlformats.org/presentationml/2006/main">
-  <p:cSld>
-    <p:spTree>
-      <p:nvGrpSpPr>
-        <p:cNvPr id="1" name=""/>
-        <p:cNvGrpSpPr/>
-        <p:nvPr/>
-      </p:nvGrpSpPr>
-      <p:grpSpPr>
-        <a:xfrm>
-          <a:off x="0" y="0"/>
-          <a:ext cx="0" cy="0"/>
-          <a:chOff x="0" y="0"/>
-          <a:chExt cx="0" cy="0"/>
-        </a:xfrm>
-      </p:grpSpPr>
-      <p:sp>
-        <p:nvSpPr>
-          <p:cNvPr id="4" name="Text Placeholder 2"/>
-          <p:cNvSpPr txBox="1">
-            <a:spLocks/>
-          </p:cNvSpPr>
-          <p:nvPr/>
-        </p:nvSpPr>
-        <p:spPr>
-          <a:xfrm>
-            <a:off x="228600" y="1143000"/>
-            <a:ext cx="8686800" cy="457200"/>
-          </a:xfrm>
-          <a:prstGeom prst="rect">
-            <a:avLst/>
-          </a:prstGeom>
-        </p:spPr>
-        <p:txBody>
-          <a:bodyPr vert="horz" lIns="91440" tIns="45720" rIns="91440" bIns="45720" rtlCol="0" anchor="ctr"/>
-          <a:lstStyle>
-            <a:defPPr>
-              <a:defRPr lang="en-US"/>
-            </a:defPPr>
-            <a:lvl1pPr marL="0" algn="l" defTabSz="914400" rtl="0" eaLnBrk="1" latinLnBrk="0" hangingPunct="1">
-              <a:defRPr sz="1200" kern="1200">
-                <a:solidFill>
-                  <a:srgbClr val="FFFFFF"/>
-                </a:solidFill>
-                <a:latin typeface="+mn-lt"/>
-                <a:ea typeface="+mn-ea"/>
-                <a:cs typeface="+mn-cs"/>
-              </a:defRPr>
-            </a:lvl1pPr>
-            <a:lvl2pPr marL="457200" algn="l" defTabSz="914400" rtl="0" eaLnBrk="1" latinLnBrk="0" hangingPunct="1">
-              <a:defRPr sz="1800" kern="1200">
-                <a:solidFill>
-                  <a:schemeClr val="tx1"/>
-                </a:solidFill>
-                <a:latin typeface="+mn-lt"/>
-                <a:ea typeface="+mn-ea"/>
-                <a:cs typeface="+mn-cs"/>
-              </a:defRPr>
-            </a:lvl2pPr>
-            <a:lvl3pPr marL="914400" algn="l" defTabSz="914400" rtl="0" eaLnBrk="1" latinLnBrk="0" hangingPunct="1">
-              <a:defRPr sz="1800" kern="1200">
-                <a:solidFill>
-                  <a:schemeClr val="tx1"/>
-                </a:solidFill>
-                <a:latin typeface="+mn-lt"/>
-                <a:ea typeface="+mn-ea"/>
-                <a:cs typeface="+mn-cs"/>
-              </a:defRPr>
-            </a:lvl3pPr>
-            <a:lvl4pPr marL="1371600" algn="l" defTabSz="914400" rtl="0" eaLnBrk="1" latinLnBrk="0" hangingPunct="1">
-              <a:defRPr sz="1800" kern="1200">
-                <a:solidFill>
-                  <a:schemeClr val="tx1"/>
-                </a:solidFill>
-                <a:latin typeface="+mn-lt"/>
-                <a:ea typeface="+mn-ea"/>
-                <a:cs typeface="+mn-cs"/>
-              </a:defRPr>
-            </a:lvl4pPr>
-            <a:lvl5pPr marL="1828800" algn="l" defTabSz="914400" rtl="0" eaLnBrk="1" latinLnBrk="0" hangingPunct="1">
-              <a:defRPr sz="1800" kern="1200">
-                <a:solidFill>
-                  <a:schemeClr val="tx1"/>
-                </a:solidFill>
-                <a:latin typeface="+mn-lt"/>
-                <a:ea typeface="+mn-ea"/>
-                <a:cs typeface="+mn-cs"/>
-              </a:defRPr>
-            </a:lvl5pPr>
-            <a:lvl6pPr marL="2286000" algn="l" defTabSz="914400" rtl="0" eaLnBrk="1" latinLnBrk="0" hangingPunct="1">
-              <a:defRPr sz="1800" kern="1200">
-                <a:solidFill>
-                  <a:schemeClr val="tx1"/>
-                </a:solidFill>
-                <a:latin typeface="+mn-lt"/>
-                <a:ea typeface="+mn-ea"/>
-                <a:cs typeface="+mn-cs"/>
-              </a:defRPr>
-            </a:lvl6pPr>
-            <a:lvl7pPr marL="2743200" algn="l" defTabSz="914400" rtl="0" eaLnBrk="1" latinLnBrk="0" hangingPunct="1">
-              <a:defRPr sz="1800" kern="1200">
-                <a:solidFill>
-                  <a:schemeClr val="tx1"/>
-                </a:solidFill>
-                <a:latin typeface="+mn-lt"/>
-                <a:ea typeface="+mn-ea"/>
-                <a:cs typeface="+mn-cs"/>
-              </a:defRPr>
-            </a:lvl7pPr>
-            <a:lvl8pPr marL="3200400" algn="l" defTabSz="914400" rtl="0" eaLnBrk="1" latinLnBrk="0" hangingPunct="1">
-              <a:defRPr sz="1800" kern="1200">
-                <a:solidFill>
-                  <a:schemeClr val="tx1"/>
-                </a:solidFill>
-                <a:latin typeface="+mn-lt"/>
-                <a:ea typeface="+mn-ea"/>
-                <a:cs typeface="+mn-cs"/>
-              </a:defRPr>
-            </a:lvl8pPr>
-            <a:lvl9pPr marL="3657600" algn="l" defTabSz="914400" rtl="0" eaLnBrk="1" latinLnBrk="0" hangingPunct="1">
-              <a:defRPr sz="1800" kern="1200">
-                <a:solidFill>
-                  <a:schemeClr val="tx1"/>
-                </a:solidFill>
-                <a:latin typeface="+mn-lt"/>
-                <a:ea typeface="+mn-ea"/>
-                <a:cs typeface="+mn-cs"/>
-              </a:defRPr>
-            </a:lvl9pPr>
-          </a:lstStyle>
-          <a:p>
-            <a:r>
-              <a:rPr lang="en-US" smtClean="0"/>
-              <a:t>Example App: Read A Flat File And Send An Email</a:t>
-            </a:r>
-          </a:p>
-          <a:p>
-            <a:endParaRPr lang="en-US" smtClean="0"/>
-          </a:p>
-          <a:p>
-            <a:endParaRPr lang="en-US" smtClean="0"/>
-          </a:p>
-          <a:p>
-            <a:endParaRPr lang="en-US" smtClean="0"/>
-          </a:p>
-          <a:p>
-            <a:endParaRPr lang="en-US" dirty="0" smtClean="0"/>
-          </a:p>
-        </p:txBody>
-      </p:sp>
-      <p:grpSp>
-        <p:nvGrpSpPr>
-          <p:cNvPr id="5" name="Group 10"/>
-          <p:cNvGrpSpPr/>
-          <p:nvPr/>
-        </p:nvGrpSpPr>
-        <p:grpSpPr>
-          <a:xfrm>
-            <a:off x="3733800" y="2590800"/>
-            <a:ext cx="1676400" cy="2590800"/>
-            <a:chOff x="3733800" y="2590800"/>
-            <a:chExt cx="1676400" cy="2590800"/>
-          </a:xfrm>
-        </p:grpSpPr>
-        <p:grpSp>
-          <p:nvGrpSpPr>
-            <p:cNvPr id="6" name="Group 7"/>
-            <p:cNvGrpSpPr/>
-            <p:nvPr/>
-          </p:nvGrpSpPr>
-          <p:grpSpPr>
-            <a:xfrm>
-              <a:off x="3733800" y="2590800"/>
-              <a:ext cx="1676400" cy="2590800"/>
-              <a:chOff x="1219200" y="2667000"/>
-              <a:chExt cx="1676400" cy="2590800"/>
-            </a:xfrm>
-          </p:grpSpPr>
-          <p:sp>
-            <p:nvSpPr>
-              <p:cNvPr id="8" name="Rectangle 7"/>
-              <p:cNvSpPr/>
-              <p:nvPr/>
-            </p:nvSpPr>
-            <p:spPr>
-              <a:xfrm>
-                <a:off x="1219200" y="2667000"/>
-                <a:ext cx="1676400" cy="990600"/>
-              </a:xfrm>
-              <a:prstGeom prst="rect">
-                <a:avLst/>
-              </a:prstGeom>
-            </p:spPr>
-            <p:style>
-              <a:lnRef idx="1">
-                <a:schemeClr val="accent1"/>
-              </a:lnRef>
-              <a:fillRef idx="3">
-                <a:schemeClr val="accent1"/>
-              </a:fillRef>
-              <a:effectRef idx="2">
-                <a:schemeClr val="accent1"/>
-              </a:effectRef>
-              <a:fontRef idx="minor">
-                <a:schemeClr val="lt1"/>
-              </a:fontRef>
-            </p:style>
-            <p:txBody>
-              <a:bodyPr rtlCol="0" anchor="ctr"/>
-              <a:lstStyle/>
-              <a:p>
-                <a:pPr algn="ctr"/>
-                <a:r>
-                  <a:rPr lang="en-US" dirty="0" smtClean="0"/>
-                  <a:t>Email Sending App</a:t>
-                </a:r>
-                <a:endParaRPr lang="en-US" dirty="0"/>
-              </a:p>
-            </p:txBody>
-          </p:sp>
-          <p:sp>
-            <p:nvSpPr>
-              <p:cNvPr id="9" name="Snip Single Corner Rectangle 8"/>
-              <p:cNvSpPr/>
-              <p:nvPr/>
-            </p:nvSpPr>
-            <p:spPr>
-              <a:xfrm>
-                <a:off x="1219200" y="4267200"/>
-                <a:ext cx="1676400" cy="990600"/>
-              </a:xfrm>
-              <a:prstGeom prst="snip1Rect">
-                <a:avLst/>
-              </a:prstGeom>
-            </p:spPr>
-            <p:style>
-              <a:lnRef idx="1">
-                <a:schemeClr val="accent1"/>
-              </a:lnRef>
-              <a:fillRef idx="3">
-                <a:schemeClr val="accent1"/>
-              </a:fillRef>
-              <a:effectRef idx="2">
-                <a:schemeClr val="accent1"/>
-              </a:effectRef>
-              <a:fontRef idx="minor">
-                <a:schemeClr val="lt1"/>
-              </a:fontRef>
-            </p:style>
-            <p:txBody>
-              <a:bodyPr rtlCol="0" anchor="ctr"/>
-              <a:lstStyle/>
-              <a:p>
-                <a:pPr algn="ctr"/>
-                <a:r>
-                  <a:rPr lang="en-US" dirty="0" smtClean="0"/>
-                  <a:t>File</a:t>
-                </a:r>
-                <a:endParaRPr lang="en-US" dirty="0"/>
-              </a:p>
-            </p:txBody>
-          </p:sp>
-        </p:grpSp>
-        <p:cxnSp>
-          <p:nvCxnSpPr>
-            <p:cNvPr id="7" name="Elbow Connector 6"/>
-            <p:cNvCxnSpPr>
-              <a:stCxn id="9" idx="3"/>
-              <a:endCxn id="8" idx="2"/>
-            </p:cNvCxnSpPr>
-            <p:nvPr/>
-          </p:nvCxnSpPr>
-          <p:spPr>
-            <a:xfrm rot="5400000" flipH="1" flipV="1">
-              <a:off x="4267200" y="3886200"/>
-              <a:ext cx="609600" cy="1588"/>
-            </a:xfrm>
-            <a:prstGeom prst="bentConnector3">
-              <a:avLst>
-                <a:gd name="adj1" fmla="val 50000"/>
-              </a:avLst>
-            </a:prstGeom>
-            <a:ln>
-              <a:tailEnd type="arrow"/>
-            </a:ln>
-            <a:effectLst/>
-          </p:spPr>
-          <p:style>
-            <a:lnRef idx="1">
-              <a:schemeClr val="accent1"/>
-            </a:lnRef>
-            <a:fillRef idx="3">
-              <a:schemeClr val="accent1"/>
-            </a:fillRef>
-            <a:effectRef idx="2">
-              <a:schemeClr val="accent1"/>
-            </a:effectRef>
-            <a:fontRef idx="minor">
-              <a:schemeClr val="lt1"/>
-            </a:fontRef>
-          </p:style>
-        </p:cxnSp>
-      </p:grpSp>
-      <p:sp>
-        <p:nvSpPr>
-          <p:cNvPr id="11" name="Title 1"/>
-          <p:cNvSpPr txBox="1">
-            <a:spLocks/>
-          </p:cNvSpPr>
-          <p:nvPr/>
-        </p:nvSpPr>
-        <p:spPr bwMode="auto">
-          <a:xfrm>
-            <a:off x="0" y="407987"/>
-            <a:ext cx="9144000" cy="1145321"/>
-          </a:xfrm>
-          <a:prstGeom prst="rect">
-            <a:avLst/>
-          </a:prstGeom>
-          <a:noFill/>
-          <a:ln>
-            <a:miter lim="800000"/>
-            <a:headEnd/>
-            <a:tailEnd/>
-          </a:ln>
-        </p:spPr>
-        <p:txBody>
-          <a:bodyPr vert="horz" wrap="square" lIns="91440" tIns="45720" rIns="91440" bIns="45720" numCol="1" rtlCol="0" anchor="t" anchorCtr="0" compatLnSpc="1">
-            <a:prstTxWarp prst="textNoShape">
-              <a:avLst/>
-            </a:prstTxWarp>
-            <a:noAutofit/>
-          </a:bodyPr>
-          <a:lstStyle>
-            <a:lvl1pPr algn="l" defTabSz="914400" rtl="0" eaLnBrk="1" latinLnBrk="0" hangingPunct="1">
-              <a:spcBef>
-                <a:spcPct val="0"/>
-              </a:spcBef>
-              <a:buNone/>
-              <a:defRPr sz="5400" kern="1200" cap="all" spc="-100" baseline="0">
-                <a:solidFill>
-                  <a:schemeClr val="tx2"/>
-                </a:solidFill>
-                <a:latin typeface="+mj-lt"/>
-                <a:ea typeface="+mj-ea"/>
-                <a:cs typeface="+mj-cs"/>
-              </a:defRPr>
-            </a:lvl1pPr>
-          </a:lstStyle>
-          <a:p>
-            <a:r>
-              <a:rPr lang="en-US" dirty="0" smtClean="0"/>
-              <a:t>Single Responsibility</a:t>
-            </a:r>
-            <a:endParaRPr lang="en-US" dirty="0" smtClean="0"/>
-          </a:p>
-        </p:txBody>
-      </p:sp>
-    </p:spTree>
-    <p:extLst>
-      <p:ext uri="{BB962C8B-B14F-4D97-AF65-F5344CB8AC3E}">
-        <p14:creationId xmlns:p14="http://schemas.microsoft.com/office/powerpoint/2010/main" val="2826215424"/>
       </p:ext>
     </p:extLst>
   </p:cSld>

--- a/SOLID Principles - Step By Step Code/SOLID Principles Presentation.pptx
+++ b/SOLID Principles - Step By Step Code/SOLID Principles Presentation.pptx
@@ -5,7 +5,7 @@
     <p:sldMasterId id="2147483960" r:id="rId1"/>
   </p:sldMasterIdLst>
   <p:notesMasterIdLst>
-    <p:notesMasterId r:id="rId38"/>
+    <p:notesMasterId r:id="rId37"/>
   </p:notesMasterIdLst>
   <p:sldIdLst>
     <p:sldId id="332" r:id="rId2"/>
@@ -18,32 +18,31 @@
     <p:sldId id="263" r:id="rId9"/>
     <p:sldId id="297" r:id="rId10"/>
     <p:sldId id="298" r:id="rId11"/>
-    <p:sldId id="329" r:id="rId12"/>
-    <p:sldId id="330" r:id="rId13"/>
-    <p:sldId id="331" r:id="rId14"/>
-    <p:sldId id="302" r:id="rId15"/>
-    <p:sldId id="333" r:id="rId16"/>
-    <p:sldId id="334" r:id="rId17"/>
-    <p:sldId id="306" r:id="rId18"/>
-    <p:sldId id="335" r:id="rId19"/>
-    <p:sldId id="337" r:id="rId20"/>
-    <p:sldId id="338" r:id="rId21"/>
-    <p:sldId id="339" r:id="rId22"/>
-    <p:sldId id="311" r:id="rId23"/>
-    <p:sldId id="340" r:id="rId24"/>
-    <p:sldId id="341" r:id="rId25"/>
-    <p:sldId id="315" r:id="rId26"/>
-    <p:sldId id="342" r:id="rId27"/>
-    <p:sldId id="343" r:id="rId28"/>
-    <p:sldId id="344" r:id="rId29"/>
-    <p:sldId id="345" r:id="rId30"/>
-    <p:sldId id="346" r:id="rId31"/>
-    <p:sldId id="322" r:id="rId32"/>
-    <p:sldId id="347" r:id="rId33"/>
-    <p:sldId id="348" r:id="rId34"/>
-    <p:sldId id="349" r:id="rId35"/>
-    <p:sldId id="350" r:id="rId36"/>
-    <p:sldId id="327" r:id="rId37"/>
+    <p:sldId id="330" r:id="rId12"/>
+    <p:sldId id="331" r:id="rId13"/>
+    <p:sldId id="302" r:id="rId14"/>
+    <p:sldId id="333" r:id="rId15"/>
+    <p:sldId id="334" r:id="rId16"/>
+    <p:sldId id="306" r:id="rId17"/>
+    <p:sldId id="335" r:id="rId18"/>
+    <p:sldId id="337" r:id="rId19"/>
+    <p:sldId id="338" r:id="rId20"/>
+    <p:sldId id="339" r:id="rId21"/>
+    <p:sldId id="311" r:id="rId22"/>
+    <p:sldId id="340" r:id="rId23"/>
+    <p:sldId id="341" r:id="rId24"/>
+    <p:sldId id="315" r:id="rId25"/>
+    <p:sldId id="342" r:id="rId26"/>
+    <p:sldId id="343" r:id="rId27"/>
+    <p:sldId id="344" r:id="rId28"/>
+    <p:sldId id="345" r:id="rId29"/>
+    <p:sldId id="346" r:id="rId30"/>
+    <p:sldId id="322" r:id="rId31"/>
+    <p:sldId id="347" r:id="rId32"/>
+    <p:sldId id="348" r:id="rId33"/>
+    <p:sldId id="349" r:id="rId34"/>
+    <p:sldId id="350" r:id="rId35"/>
+    <p:sldId id="327" r:id="rId36"/>
   </p:sldIdLst>
   <p:sldSz cx="9144000" cy="6858000" type="screen4x3"/>
   <p:notesSz cx="6858000" cy="9144000"/>
@@ -227,7 +226,7 @@
           <a:p>
             <a:fld id="{99B71245-A9C6-CE41-AEAD-168A8AA396FB}" type="datetimeFigureOut">
               <a:rPr lang="en-US" smtClean="0"/>
-              <a:t>2/27/11</a:t>
+              <a:t>3/4/11</a:t>
             </a:fld>
             <a:endParaRPr lang="en-US"/>
           </a:p>
@@ -536,11 +535,23 @@
         </p:nvSpPr>
         <p:spPr/>
         <p:txBody>
-          <a:bodyPr>
-            <a:normAutofit/>
-          </a:bodyPr>
+          <a:bodyPr/>
           <a:lstStyle/>
           <a:p>
+            <a:r>
+              <a:rPr lang="en-US" dirty="0" smtClean="0"/>
+              <a:t>OO is about</a:t>
+            </a:r>
+            <a:r>
+              <a:rPr lang="en-US" baseline="0" dirty="0" smtClean="0"/>
+              <a:t> the primary use of code / logic, first. Code re-use is low on the totem pole.</a:t>
+            </a:r>
+          </a:p>
+          <a:p>
+            <a:r>
+              <a:rPr lang="en-US" baseline="0" dirty="0" smtClean="0"/>
+              <a:t>If you can’t correctly use your objects in the app they were built for, for the initial reason they were built, you have zero chance of ever re-using them successfully</a:t>
+            </a:r>
             <a:endParaRPr lang="en-US" dirty="0"/>
           </a:p>
         </p:txBody>
@@ -560,21 +571,324 @@
           <a:bodyPr/>
           <a:lstStyle/>
           <a:p>
-            <a:pPr>
-              <a:defRPr/>
-            </a:pPr>
-            <a:fld id="{1931C8FD-CC35-423B-99F4-64D81D6A80AE}" type="slidenum">
+            <a:fld id="{F40E2418-650B-4841-BB37-E4A946AE1E14}" type="slidenum">
               <a:rPr lang="en-US" smtClean="0"/>
-              <a:pPr>
-                <a:defRPr/>
-              </a:pPr>
-              <a:t>3</a:t>
+              <a:t>2</a:t>
             </a:fld>
             <a:endParaRPr lang="en-US"/>
           </a:p>
         </p:txBody>
       </p:sp>
     </p:spTree>
+    <p:extLst>
+      <p:ext uri="{BB962C8B-B14F-4D97-AF65-F5344CB8AC3E}">
+        <p14:creationId xmlns:p14="http://schemas.microsoft.com/office/powerpoint/2010/main" val="291908423"/>
+      </p:ext>
+    </p:extLst>
+  </p:cSld>
+  <p:clrMapOvr>
+    <a:masterClrMapping/>
+  </p:clrMapOvr>
+</p:notes>
+</file>
+
+<file path=ppt/notesSlides/notesSlide10.xml><?xml version="1.0" encoding="utf-8"?>
+<p:notes xmlns:a="http://schemas.openxmlformats.org/drawingml/2006/main" xmlns:r="http://schemas.openxmlformats.org/officeDocument/2006/relationships" xmlns:p="http://schemas.openxmlformats.org/presentationml/2006/main">
+  <p:cSld>
+    <p:spTree>
+      <p:nvGrpSpPr>
+        <p:cNvPr id="1" name=""/>
+        <p:cNvGrpSpPr/>
+        <p:nvPr/>
+      </p:nvGrpSpPr>
+      <p:grpSpPr>
+        <a:xfrm>
+          <a:off x="0" y="0"/>
+          <a:ext cx="0" cy="0"/>
+          <a:chOff x="0" y="0"/>
+          <a:chExt cx="0" cy="0"/>
+        </a:xfrm>
+      </p:grpSpPr>
+      <p:sp>
+        <p:nvSpPr>
+          <p:cNvPr id="2" name="Slide Image Placeholder 1"/>
+          <p:cNvSpPr>
+            <a:spLocks noGrp="1" noRot="1" noChangeAspect="1"/>
+          </p:cNvSpPr>
+          <p:nvPr>
+            <p:ph type="sldImg"/>
+          </p:nvPr>
+        </p:nvSpPr>
+        <p:spPr/>
+      </p:sp>
+      <p:sp>
+        <p:nvSpPr>
+          <p:cNvPr id="3" name="Notes Placeholder 2"/>
+          <p:cNvSpPr>
+            <a:spLocks noGrp="1"/>
+          </p:cNvSpPr>
+          <p:nvPr>
+            <p:ph type="body" idx="1"/>
+          </p:nvPr>
+        </p:nvSpPr>
+        <p:spPr/>
+        <p:txBody>
+          <a:bodyPr/>
+          <a:lstStyle/>
+          <a:p>
+            <a:r>
+              <a:rPr lang="en-US" dirty="0" smtClean="0"/>
+              <a:t>Factor format reader out to introduce SRP, because multiple formats are needed.</a:t>
+            </a:r>
+          </a:p>
+          <a:p>
+            <a:r>
+              <a:rPr lang="en-US" dirty="0" smtClean="0"/>
+              <a:t>Show code</a:t>
+            </a:r>
+            <a:endParaRPr lang="en-US" dirty="0"/>
+          </a:p>
+        </p:txBody>
+      </p:sp>
+      <p:sp>
+        <p:nvSpPr>
+          <p:cNvPr id="4" name="Slide Number Placeholder 3"/>
+          <p:cNvSpPr>
+            <a:spLocks noGrp="1"/>
+          </p:cNvSpPr>
+          <p:nvPr>
+            <p:ph type="sldNum" sz="quarter" idx="10"/>
+          </p:nvPr>
+        </p:nvSpPr>
+        <p:spPr/>
+        <p:txBody>
+          <a:bodyPr/>
+          <a:lstStyle/>
+          <a:p>
+            <a:fld id="{F40E2418-650B-4841-BB37-E4A946AE1E14}" type="slidenum">
+              <a:rPr lang="en-US" smtClean="0"/>
+              <a:t>12</a:t>
+            </a:fld>
+            <a:endParaRPr lang="en-US"/>
+          </a:p>
+        </p:txBody>
+      </p:sp>
+    </p:spTree>
+    <p:extLst>
+      <p:ext uri="{BB962C8B-B14F-4D97-AF65-F5344CB8AC3E}">
+        <p14:creationId xmlns:p14="http://schemas.microsoft.com/office/powerpoint/2010/main" val="3746772235"/>
+      </p:ext>
+    </p:extLst>
+  </p:cSld>
+  <p:clrMapOvr>
+    <a:masterClrMapping/>
+  </p:clrMapOvr>
+</p:notes>
+</file>
+
+<file path=ppt/notesSlides/notesSlide11.xml><?xml version="1.0" encoding="utf-8"?>
+<p:notes xmlns:a="http://schemas.openxmlformats.org/drawingml/2006/main" xmlns:r="http://schemas.openxmlformats.org/officeDocument/2006/relationships" xmlns:p="http://schemas.openxmlformats.org/presentationml/2006/main">
+  <p:cSld>
+    <p:spTree>
+      <p:nvGrpSpPr>
+        <p:cNvPr id="1" name=""/>
+        <p:cNvGrpSpPr/>
+        <p:nvPr/>
+      </p:nvGrpSpPr>
+      <p:grpSpPr>
+        <a:xfrm>
+          <a:off x="0" y="0"/>
+          <a:ext cx="0" cy="0"/>
+          <a:chOff x="0" y="0"/>
+          <a:chExt cx="0" cy="0"/>
+        </a:xfrm>
+      </p:grpSpPr>
+      <p:sp>
+        <p:nvSpPr>
+          <p:cNvPr id="2" name="Slide Image Placeholder 1"/>
+          <p:cNvSpPr>
+            <a:spLocks noGrp="1" noRot="1" noChangeAspect="1"/>
+          </p:cNvSpPr>
+          <p:nvPr>
+            <p:ph type="sldImg"/>
+          </p:nvPr>
+        </p:nvSpPr>
+        <p:spPr/>
+      </p:sp>
+      <p:sp>
+        <p:nvSpPr>
+          <p:cNvPr id="3" name="Notes Placeholder 2"/>
+          <p:cNvSpPr>
+            <a:spLocks noGrp="1"/>
+          </p:cNvSpPr>
+          <p:nvPr>
+            <p:ph type="body" idx="1"/>
+          </p:nvPr>
+        </p:nvSpPr>
+        <p:spPr/>
+        <p:txBody>
+          <a:bodyPr/>
+          <a:lstStyle/>
+          <a:p>
+            <a:r>
+              <a:rPr lang="en-US" dirty="0" smtClean="0"/>
+              <a:t>Don’t “bend the spoon” (change our code), but bend ourselves…</a:t>
+            </a:r>
+            <a:r>
+              <a:rPr lang="en-US" baseline="0" dirty="0" smtClean="0"/>
+              <a:t> </a:t>
+            </a:r>
+          </a:p>
+          <a:p>
+            <a:r>
+              <a:rPr lang="en-US" baseline="0" dirty="0" smtClean="0"/>
+              <a:t>change the behavior of the code without changing the code</a:t>
+            </a:r>
+            <a:endParaRPr lang="en-US" dirty="0"/>
+          </a:p>
+        </p:txBody>
+      </p:sp>
+      <p:sp>
+        <p:nvSpPr>
+          <p:cNvPr id="4" name="Slide Number Placeholder 3"/>
+          <p:cNvSpPr>
+            <a:spLocks noGrp="1"/>
+          </p:cNvSpPr>
+          <p:nvPr>
+            <p:ph type="sldNum" sz="quarter" idx="10"/>
+          </p:nvPr>
+        </p:nvSpPr>
+        <p:spPr/>
+        <p:txBody>
+          <a:bodyPr/>
+          <a:lstStyle/>
+          <a:p>
+            <a:fld id="{F40E2418-650B-4841-BB37-E4A946AE1E14}" type="slidenum">
+              <a:rPr lang="en-US" smtClean="0"/>
+              <a:t>13</a:t>
+            </a:fld>
+            <a:endParaRPr lang="en-US"/>
+          </a:p>
+        </p:txBody>
+      </p:sp>
+    </p:spTree>
+    <p:extLst>
+      <p:ext uri="{BB962C8B-B14F-4D97-AF65-F5344CB8AC3E}">
+        <p14:creationId xmlns:p14="http://schemas.microsoft.com/office/powerpoint/2010/main" val="2993710434"/>
+      </p:ext>
+    </p:extLst>
+  </p:cSld>
+  <p:clrMapOvr>
+    <a:masterClrMapping/>
+  </p:clrMapOvr>
+</p:notes>
+</file>
+
+<file path=ppt/notesSlides/notesSlide12.xml><?xml version="1.0" encoding="utf-8"?>
+<p:notes xmlns:a="http://schemas.openxmlformats.org/drawingml/2006/main" xmlns:r="http://schemas.openxmlformats.org/officeDocument/2006/relationships" xmlns:p="http://schemas.openxmlformats.org/presentationml/2006/main">
+  <p:cSld>
+    <p:spTree>
+      <p:nvGrpSpPr>
+        <p:cNvPr id="1" name=""/>
+        <p:cNvGrpSpPr/>
+        <p:nvPr/>
+      </p:nvGrpSpPr>
+      <p:grpSpPr>
+        <a:xfrm>
+          <a:off x="0" y="0"/>
+          <a:ext cx="0" cy="0"/>
+          <a:chOff x="0" y="0"/>
+          <a:chExt cx="0" cy="0"/>
+        </a:xfrm>
+      </p:grpSpPr>
+      <p:sp>
+        <p:nvSpPr>
+          <p:cNvPr id="2" name="Slide Image Placeholder 1"/>
+          <p:cNvSpPr>
+            <a:spLocks noGrp="1" noRot="1" noChangeAspect="1"/>
+          </p:cNvSpPr>
+          <p:nvPr>
+            <p:ph type="sldImg"/>
+          </p:nvPr>
+        </p:nvSpPr>
+        <p:spPr/>
+      </p:sp>
+      <p:sp>
+        <p:nvSpPr>
+          <p:cNvPr id="3" name="Notes Placeholder 2"/>
+          <p:cNvSpPr>
+            <a:spLocks noGrp="1"/>
+          </p:cNvSpPr>
+          <p:nvPr>
+            <p:ph type="body" idx="1"/>
+          </p:nvPr>
+        </p:nvSpPr>
+        <p:spPr/>
+        <p:txBody>
+          <a:bodyPr/>
+          <a:lstStyle/>
+          <a:p>
+            <a:r>
+              <a:rPr lang="en-US" dirty="0" smtClean="0"/>
+              <a:t>Introducing an interface: a generalized</a:t>
+            </a:r>
+            <a:r>
+              <a:rPr lang="en-US" baseline="0" dirty="0" smtClean="0"/>
+              <a:t> role</a:t>
+            </a:r>
+          </a:p>
+          <a:p>
+            <a:r>
+              <a:rPr lang="en-US" baseline="0" dirty="0" smtClean="0"/>
+              <a:t>Implementing the interface for each file type reader</a:t>
+            </a:r>
+            <a:r>
+              <a:rPr lang="en-US" baseline="0" smtClean="0"/>
+              <a:t>. </a:t>
+            </a:r>
+          </a:p>
+          <a:p>
+            <a:r>
+              <a:rPr lang="en-US" baseline="0" smtClean="0"/>
+              <a:t>Allows </a:t>
+            </a:r>
+            <a:r>
+              <a:rPr lang="en-US" baseline="0" dirty="0" smtClean="0"/>
+              <a:t>new file types to be added without changing the format reader service</a:t>
+            </a:r>
+            <a:endParaRPr lang="en-US" dirty="0"/>
+          </a:p>
+        </p:txBody>
+      </p:sp>
+      <p:sp>
+        <p:nvSpPr>
+          <p:cNvPr id="4" name="Slide Number Placeholder 3"/>
+          <p:cNvSpPr>
+            <a:spLocks noGrp="1"/>
+          </p:cNvSpPr>
+          <p:nvPr>
+            <p:ph type="sldNum" sz="quarter" idx="10"/>
+          </p:nvPr>
+        </p:nvSpPr>
+        <p:spPr/>
+        <p:txBody>
+          <a:bodyPr/>
+          <a:lstStyle/>
+          <a:p>
+            <a:fld id="{F40E2418-650B-4841-BB37-E4A946AE1E14}" type="slidenum">
+              <a:rPr lang="en-US" smtClean="0"/>
+              <a:t>15</a:t>
+            </a:fld>
+            <a:endParaRPr lang="en-US"/>
+          </a:p>
+        </p:txBody>
+      </p:sp>
+    </p:spTree>
+    <p:extLst>
+      <p:ext uri="{BB962C8B-B14F-4D97-AF65-F5344CB8AC3E}">
+        <p14:creationId xmlns:p14="http://schemas.microsoft.com/office/powerpoint/2010/main" val="1223907020"/>
+      </p:ext>
+    </p:extLst>
   </p:cSld>
   <p:clrMapOvr>
     <a:masterClrMapping/>
@@ -628,6 +942,14 @@
           </a:bodyPr>
           <a:lstStyle/>
           <a:p>
+            <a:r>
+              <a:rPr lang="en-US" dirty="0" smtClean="0"/>
+              <a:t>The spaghetti</a:t>
+            </a:r>
+            <a:r>
+              <a:rPr lang="en-US" baseline="0" dirty="0" smtClean="0"/>
+              <a:t> mess… if I just want the gooey goodness of the meatball, do I have to bring along the noodles that are attached to other meatballs?</a:t>
+            </a:r>
             <a:endParaRPr lang="en-US" dirty="0"/>
           </a:p>
         </p:txBody>
@@ -655,7 +977,7 @@
               <a:pPr>
                 <a:defRPr/>
               </a:pPr>
-              <a:t>4</a:t>
+              <a:t>3</a:t>
             </a:fld>
             <a:endParaRPr lang="en-US"/>
           </a:p>
@@ -715,6 +1037,20 @@
           </a:bodyPr>
           <a:lstStyle/>
           <a:p>
+            <a:r>
+              <a:rPr lang="en-US" dirty="0" smtClean="0"/>
+              <a:t>the</a:t>
+            </a:r>
+            <a:r>
+              <a:rPr lang="en-US" baseline="0" dirty="0" smtClean="0"/>
+              <a:t> whole is greater than the sum of the parts.</a:t>
+            </a:r>
+          </a:p>
+          <a:p>
+            <a:r>
+              <a:rPr lang="en-US" baseline="0" dirty="0" smtClean="0"/>
+              <a:t>A 10,000 line “god” class (all powerful, all knowing) cannot be cohesive, by definition</a:t>
+            </a:r>
             <a:endParaRPr lang="en-US" dirty="0"/>
           </a:p>
         </p:txBody>
@@ -742,7 +1078,7 @@
               <a:pPr>
                 <a:defRPr/>
               </a:pPr>
-              <a:t>5</a:t>
+              <a:t>4</a:t>
             </a:fld>
             <a:endParaRPr lang="en-US"/>
           </a:p>
@@ -802,6 +1138,20 @@
           </a:bodyPr>
           <a:lstStyle/>
           <a:p>
+            <a:r>
+              <a:rPr lang="en-US" dirty="0" smtClean="0"/>
+              <a:t>Information hiding, not just data hiding.</a:t>
+            </a:r>
+          </a:p>
+          <a:p>
+            <a:r>
+              <a:rPr lang="en-US" dirty="0" smtClean="0"/>
+              <a:t>A black box… but with an API</a:t>
+            </a:r>
+            <a:r>
+              <a:rPr lang="en-US" baseline="0" dirty="0" smtClean="0"/>
+              <a:t> to get something in and out.</a:t>
+            </a:r>
             <a:endParaRPr lang="en-US" dirty="0"/>
           </a:p>
         </p:txBody>
@@ -829,6 +1179,181 @@
               <a:pPr>
                 <a:defRPr/>
               </a:pPr>
+              <a:t>5</a:t>
+            </a:fld>
+            <a:endParaRPr lang="en-US"/>
+          </a:p>
+        </p:txBody>
+      </p:sp>
+    </p:spTree>
+  </p:cSld>
+  <p:clrMapOvr>
+    <a:masterClrMapping/>
+  </p:clrMapOvr>
+</p:notes>
+</file>
+
+<file path=ppt/notesSlides/notesSlide5.xml><?xml version="1.0" encoding="utf-8"?>
+<p:notes xmlns:a="http://schemas.openxmlformats.org/drawingml/2006/main" xmlns:r="http://schemas.openxmlformats.org/officeDocument/2006/relationships" xmlns:p="http://schemas.openxmlformats.org/presentationml/2006/main">
+  <p:cSld>
+    <p:spTree>
+      <p:nvGrpSpPr>
+        <p:cNvPr id="1" name=""/>
+        <p:cNvGrpSpPr/>
+        <p:nvPr/>
+      </p:nvGrpSpPr>
+      <p:grpSpPr>
+        <a:xfrm>
+          <a:off x="0" y="0"/>
+          <a:ext cx="0" cy="0"/>
+          <a:chOff x="0" y="0"/>
+          <a:chExt cx="0" cy="0"/>
+        </a:xfrm>
+      </p:grpSpPr>
+      <p:sp>
+        <p:nvSpPr>
+          <p:cNvPr id="2" name="Slide Image Placeholder 1"/>
+          <p:cNvSpPr>
+            <a:spLocks noGrp="1" noRot="1" noChangeAspect="1"/>
+          </p:cNvSpPr>
+          <p:nvPr>
+            <p:ph type="sldImg"/>
+          </p:nvPr>
+        </p:nvSpPr>
+        <p:spPr/>
+      </p:sp>
+      <p:sp>
+        <p:nvSpPr>
+          <p:cNvPr id="3" name="Notes Placeholder 2"/>
+          <p:cNvSpPr>
+            <a:spLocks noGrp="1"/>
+          </p:cNvSpPr>
+          <p:nvPr>
+            <p:ph type="body" idx="1"/>
+          </p:nvPr>
+        </p:nvSpPr>
+        <p:spPr/>
+        <p:txBody>
+          <a:bodyPr/>
+          <a:lstStyle/>
+          <a:p>
+            <a:r>
+              <a:rPr lang="en-US" dirty="0" smtClean="0"/>
+              <a:t>SOLID helps us get to the lofty goals of the OO principles</a:t>
+            </a:r>
+            <a:endParaRPr lang="en-US" dirty="0"/>
+          </a:p>
+        </p:txBody>
+      </p:sp>
+      <p:sp>
+        <p:nvSpPr>
+          <p:cNvPr id="4" name="Slide Number Placeholder 3"/>
+          <p:cNvSpPr>
+            <a:spLocks noGrp="1"/>
+          </p:cNvSpPr>
+          <p:nvPr>
+            <p:ph type="sldNum" sz="quarter" idx="10"/>
+          </p:nvPr>
+        </p:nvSpPr>
+        <p:spPr/>
+        <p:txBody>
+          <a:bodyPr/>
+          <a:lstStyle/>
+          <a:p>
+            <a:fld id="{F40E2418-650B-4841-BB37-E4A946AE1E14}" type="slidenum">
+              <a:rPr lang="en-US" smtClean="0"/>
+              <a:t>6</a:t>
+            </a:fld>
+            <a:endParaRPr lang="en-US"/>
+          </a:p>
+        </p:txBody>
+      </p:sp>
+    </p:spTree>
+    <p:extLst>
+      <p:ext uri="{BB962C8B-B14F-4D97-AF65-F5344CB8AC3E}">
+        <p14:creationId xmlns:p14="http://schemas.microsoft.com/office/powerpoint/2010/main" val="3796092921"/>
+      </p:ext>
+    </p:extLst>
+  </p:cSld>
+  <p:clrMapOvr>
+    <a:masterClrMapping/>
+  </p:clrMapOvr>
+</p:notes>
+</file>
+
+<file path=ppt/notesSlides/notesSlide6.xml><?xml version="1.0" encoding="utf-8"?>
+<p:notes xmlns:a="http://schemas.openxmlformats.org/drawingml/2006/main" xmlns:r="http://schemas.openxmlformats.org/officeDocument/2006/relationships" xmlns:p="http://schemas.openxmlformats.org/presentationml/2006/main">
+  <p:cSld>
+    <p:spTree>
+      <p:nvGrpSpPr>
+        <p:cNvPr id="1" name=""/>
+        <p:cNvGrpSpPr/>
+        <p:nvPr/>
+      </p:nvGrpSpPr>
+      <p:grpSpPr>
+        <a:xfrm>
+          <a:off x="0" y="0"/>
+          <a:ext cx="0" cy="0"/>
+          <a:chOff x="0" y="0"/>
+          <a:chExt cx="0" cy="0"/>
+        </a:xfrm>
+      </p:grpSpPr>
+      <p:sp>
+        <p:nvSpPr>
+          <p:cNvPr id="2" name="Slide Image Placeholder 1"/>
+          <p:cNvSpPr>
+            <a:spLocks noGrp="1" noRot="1" noChangeAspect="1"/>
+          </p:cNvSpPr>
+          <p:nvPr>
+            <p:ph type="sldImg"/>
+          </p:nvPr>
+        </p:nvSpPr>
+        <p:spPr/>
+      </p:sp>
+      <p:sp>
+        <p:nvSpPr>
+          <p:cNvPr id="3" name="Notes Placeholder 2"/>
+          <p:cNvSpPr>
+            <a:spLocks noGrp="1"/>
+          </p:cNvSpPr>
+          <p:nvPr>
+            <p:ph type="body" idx="1"/>
+          </p:nvPr>
+        </p:nvSpPr>
+        <p:spPr/>
+        <p:txBody>
+          <a:bodyPr>
+            <a:normAutofit/>
+          </a:bodyPr>
+          <a:lstStyle/>
+          <a:p>
+            <a:endParaRPr lang="en-US" dirty="0"/>
+          </a:p>
+        </p:txBody>
+      </p:sp>
+      <p:sp>
+        <p:nvSpPr>
+          <p:cNvPr id="4" name="Slide Number Placeholder 3"/>
+          <p:cNvSpPr>
+            <a:spLocks noGrp="1"/>
+          </p:cNvSpPr>
+          <p:nvPr>
+            <p:ph type="sldNum" sz="quarter" idx="10"/>
+          </p:nvPr>
+        </p:nvSpPr>
+        <p:spPr/>
+        <p:txBody>
+          <a:bodyPr/>
+          <a:lstStyle/>
+          <a:p>
+            <a:pPr>
+              <a:defRPr/>
+            </a:pPr>
+            <a:fld id="{1931C8FD-CC35-423B-99F4-64D81D6A80AE}" type="slidenum">
+              <a:rPr lang="en-US" smtClean="0"/>
+              <a:pPr>
+                <a:defRPr/>
+              </a:pPr>
               <a:t>7</a:t>
             </a:fld>
             <a:endParaRPr lang="en-US"/>
@@ -836,6 +1361,316 @@
         </p:txBody>
       </p:sp>
     </p:spTree>
+  </p:cSld>
+  <p:clrMapOvr>
+    <a:masterClrMapping/>
+  </p:clrMapOvr>
+</p:notes>
+</file>
+
+<file path=ppt/notesSlides/notesSlide7.xml><?xml version="1.0" encoding="utf-8"?>
+<p:notes xmlns:a="http://schemas.openxmlformats.org/drawingml/2006/main" xmlns:r="http://schemas.openxmlformats.org/officeDocument/2006/relationships" xmlns:p="http://schemas.openxmlformats.org/presentationml/2006/main">
+  <p:cSld>
+    <p:spTree>
+      <p:nvGrpSpPr>
+        <p:cNvPr id="1" name=""/>
+        <p:cNvGrpSpPr/>
+        <p:nvPr/>
+      </p:nvGrpSpPr>
+      <p:grpSpPr>
+        <a:xfrm>
+          <a:off x="0" y="0"/>
+          <a:ext cx="0" cy="0"/>
+          <a:chOff x="0" y="0"/>
+          <a:chExt cx="0" cy="0"/>
+        </a:xfrm>
+      </p:grpSpPr>
+      <p:sp>
+        <p:nvSpPr>
+          <p:cNvPr id="2" name="Slide Image Placeholder 1"/>
+          <p:cNvSpPr>
+            <a:spLocks noGrp="1" noRot="1" noChangeAspect="1"/>
+          </p:cNvSpPr>
+          <p:nvPr>
+            <p:ph type="sldImg"/>
+          </p:nvPr>
+        </p:nvSpPr>
+        <p:spPr/>
+      </p:sp>
+      <p:sp>
+        <p:nvSpPr>
+          <p:cNvPr id="3" name="Notes Placeholder 2"/>
+          <p:cNvSpPr>
+            <a:spLocks noGrp="1"/>
+          </p:cNvSpPr>
+          <p:nvPr>
+            <p:ph type="body" idx="1"/>
+          </p:nvPr>
+        </p:nvSpPr>
+        <p:spPr/>
+        <p:txBody>
+          <a:bodyPr/>
+          <a:lstStyle/>
+          <a:p>
+            <a:r>
+              <a:rPr lang="en-US" dirty="0" smtClean="0"/>
+              <a:t>It</a:t>
+            </a:r>
+            <a:r>
+              <a:rPr lang="en-US" baseline="0" dirty="0" smtClean="0"/>
+              <a:t>s </a:t>
+            </a:r>
+            <a:r>
+              <a:rPr lang="en-US" dirty="0" smtClean="0"/>
+              <a:t>one reason to _change_</a:t>
+            </a:r>
+            <a:r>
+              <a:rPr lang="en-US" baseline="0" dirty="0" smtClean="0"/>
+              <a:t> not one reason to exist.</a:t>
+            </a:r>
+          </a:p>
+          <a:p>
+            <a:r>
+              <a:rPr lang="en-US" baseline="0" dirty="0" smtClean="0"/>
+              <a:t>What does that mean? Why is that perspective important?</a:t>
+            </a:r>
+            <a:endParaRPr lang="en-US" dirty="0"/>
+          </a:p>
+        </p:txBody>
+      </p:sp>
+      <p:sp>
+        <p:nvSpPr>
+          <p:cNvPr id="4" name="Slide Number Placeholder 3"/>
+          <p:cNvSpPr>
+            <a:spLocks noGrp="1"/>
+          </p:cNvSpPr>
+          <p:nvPr>
+            <p:ph type="sldNum" sz="quarter" idx="10"/>
+          </p:nvPr>
+        </p:nvSpPr>
+        <p:spPr/>
+        <p:txBody>
+          <a:bodyPr/>
+          <a:lstStyle/>
+          <a:p>
+            <a:fld id="{F40E2418-650B-4841-BB37-E4A946AE1E14}" type="slidenum">
+              <a:rPr lang="en-US" smtClean="0"/>
+              <a:t>8</a:t>
+            </a:fld>
+            <a:endParaRPr lang="en-US"/>
+          </a:p>
+        </p:txBody>
+      </p:sp>
+    </p:spTree>
+    <p:extLst>
+      <p:ext uri="{BB962C8B-B14F-4D97-AF65-F5344CB8AC3E}">
+        <p14:creationId xmlns:p14="http://schemas.microsoft.com/office/powerpoint/2010/main" val="2893943351"/>
+      </p:ext>
+    </p:extLst>
+  </p:cSld>
+  <p:clrMapOvr>
+    <a:masterClrMapping/>
+  </p:clrMapOvr>
+</p:notes>
+</file>
+
+<file path=ppt/notesSlides/notesSlide8.xml><?xml version="1.0" encoding="utf-8"?>
+<p:notes xmlns:a="http://schemas.openxmlformats.org/drawingml/2006/main" xmlns:r="http://schemas.openxmlformats.org/officeDocument/2006/relationships" xmlns:p="http://schemas.openxmlformats.org/presentationml/2006/main">
+  <p:cSld>
+    <p:spTree>
+      <p:nvGrpSpPr>
+        <p:cNvPr id="1" name=""/>
+        <p:cNvGrpSpPr/>
+        <p:nvPr/>
+      </p:nvGrpSpPr>
+      <p:grpSpPr>
+        <a:xfrm>
+          <a:off x="0" y="0"/>
+          <a:ext cx="0" cy="0"/>
+          <a:chOff x="0" y="0"/>
+          <a:chExt cx="0" cy="0"/>
+        </a:xfrm>
+      </p:grpSpPr>
+      <p:sp>
+        <p:nvSpPr>
+          <p:cNvPr id="2" name="Slide Image Placeholder 1"/>
+          <p:cNvSpPr>
+            <a:spLocks noGrp="1" noRot="1" noChangeAspect="1"/>
+          </p:cNvSpPr>
+          <p:nvPr>
+            <p:ph type="sldImg"/>
+          </p:nvPr>
+        </p:nvSpPr>
+        <p:spPr/>
+      </p:sp>
+      <p:sp>
+        <p:nvSpPr>
+          <p:cNvPr id="3" name="Notes Placeholder 2"/>
+          <p:cNvSpPr>
+            <a:spLocks noGrp="1"/>
+          </p:cNvSpPr>
+          <p:nvPr>
+            <p:ph type="body" idx="1"/>
+          </p:nvPr>
+        </p:nvSpPr>
+        <p:spPr/>
+        <p:txBody>
+          <a:bodyPr/>
+          <a:lstStyle/>
+          <a:p>
+            <a:r>
+              <a:rPr lang="en-US" dirty="0" smtClean="0"/>
+              <a:t>Basic requirements of the app: read a file, send an email.</a:t>
+            </a:r>
+          </a:p>
+          <a:p>
+            <a:r>
+              <a:rPr lang="en-US" dirty="0" smtClean="0"/>
+              <a:t>Show the super simple demo app code</a:t>
+            </a:r>
+          </a:p>
+          <a:p>
+            <a:r>
+              <a:rPr lang="en-US" dirty="0" smtClean="0"/>
+              <a:t>Ask how many responsibilities are found in there?</a:t>
+            </a:r>
+            <a:endParaRPr lang="en-US" dirty="0"/>
+          </a:p>
+        </p:txBody>
+      </p:sp>
+      <p:sp>
+        <p:nvSpPr>
+          <p:cNvPr id="4" name="Slide Number Placeholder 3"/>
+          <p:cNvSpPr>
+            <a:spLocks noGrp="1"/>
+          </p:cNvSpPr>
+          <p:nvPr>
+            <p:ph type="sldNum" sz="quarter" idx="10"/>
+          </p:nvPr>
+        </p:nvSpPr>
+        <p:spPr/>
+        <p:txBody>
+          <a:bodyPr/>
+          <a:lstStyle/>
+          <a:p>
+            <a:fld id="{F40E2418-650B-4841-BB37-E4A946AE1E14}" type="slidenum">
+              <a:rPr lang="en-US" smtClean="0"/>
+              <a:t>10</a:t>
+            </a:fld>
+            <a:endParaRPr lang="en-US"/>
+          </a:p>
+        </p:txBody>
+      </p:sp>
+    </p:spTree>
+    <p:extLst>
+      <p:ext uri="{BB962C8B-B14F-4D97-AF65-F5344CB8AC3E}">
+        <p14:creationId xmlns:p14="http://schemas.microsoft.com/office/powerpoint/2010/main" val="3368939896"/>
+      </p:ext>
+    </p:extLst>
+  </p:cSld>
+  <p:clrMapOvr>
+    <a:masterClrMapping/>
+  </p:clrMapOvr>
+</p:notes>
+</file>
+
+<file path=ppt/notesSlides/notesSlide9.xml><?xml version="1.0" encoding="utf-8"?>
+<p:notes xmlns:a="http://schemas.openxmlformats.org/drawingml/2006/main" xmlns:r="http://schemas.openxmlformats.org/officeDocument/2006/relationships" xmlns:p="http://schemas.openxmlformats.org/presentationml/2006/main">
+  <p:cSld>
+    <p:spTree>
+      <p:nvGrpSpPr>
+        <p:cNvPr id="1" name=""/>
+        <p:cNvGrpSpPr/>
+        <p:nvPr/>
+      </p:nvGrpSpPr>
+      <p:grpSpPr>
+        <a:xfrm>
+          <a:off x="0" y="0"/>
+          <a:ext cx="0" cy="0"/>
+          <a:chOff x="0" y="0"/>
+          <a:chExt cx="0" cy="0"/>
+        </a:xfrm>
+      </p:grpSpPr>
+      <p:sp>
+        <p:nvSpPr>
+          <p:cNvPr id="2" name="Slide Image Placeholder 1"/>
+          <p:cNvSpPr>
+            <a:spLocks noGrp="1" noRot="1" noChangeAspect="1"/>
+          </p:cNvSpPr>
+          <p:nvPr>
+            <p:ph type="sldImg"/>
+          </p:nvPr>
+        </p:nvSpPr>
+        <p:spPr/>
+      </p:sp>
+      <p:sp>
+        <p:nvSpPr>
+          <p:cNvPr id="3" name="Notes Placeholder 2"/>
+          <p:cNvSpPr>
+            <a:spLocks noGrp="1"/>
+          </p:cNvSpPr>
+          <p:nvPr>
+            <p:ph type="body" idx="1"/>
+          </p:nvPr>
+        </p:nvSpPr>
+        <p:spPr/>
+        <p:txBody>
+          <a:bodyPr/>
+          <a:lstStyle/>
+          <a:p>
+            <a:r>
+              <a:rPr lang="en-US" dirty="0" smtClean="0"/>
+              <a:t>New</a:t>
+            </a:r>
+            <a:r>
+              <a:rPr lang="en-US" baseline="0" dirty="0" smtClean="0"/>
+              <a:t> requirement: flat file or xml file</a:t>
+            </a:r>
+          </a:p>
+          <a:p>
+            <a:r>
+              <a:rPr lang="en-US" baseline="0" dirty="0" smtClean="0"/>
+              <a:t>Factor email sender out, to introduce single responsibility </a:t>
+            </a:r>
+          </a:p>
+          <a:p>
+            <a:r>
+              <a:rPr lang="en-US" baseline="0" dirty="0" smtClean="0"/>
+              <a:t>Show code</a:t>
+            </a:r>
+            <a:endParaRPr lang="en-US" dirty="0"/>
+          </a:p>
+        </p:txBody>
+      </p:sp>
+      <p:sp>
+        <p:nvSpPr>
+          <p:cNvPr id="4" name="Slide Number Placeholder 3"/>
+          <p:cNvSpPr>
+            <a:spLocks noGrp="1"/>
+          </p:cNvSpPr>
+          <p:nvPr>
+            <p:ph type="sldNum" sz="quarter" idx="10"/>
+          </p:nvPr>
+        </p:nvSpPr>
+        <p:spPr/>
+        <p:txBody>
+          <a:bodyPr/>
+          <a:lstStyle/>
+          <a:p>
+            <a:fld id="{F40E2418-650B-4841-BB37-E4A946AE1E14}" type="slidenum">
+              <a:rPr lang="en-US" smtClean="0"/>
+              <a:t>11</a:t>
+            </a:fld>
+            <a:endParaRPr lang="en-US"/>
+          </a:p>
+        </p:txBody>
+      </p:sp>
+    </p:spTree>
+    <p:extLst>
+      <p:ext uri="{BB962C8B-B14F-4D97-AF65-F5344CB8AC3E}">
+        <p14:creationId xmlns:p14="http://schemas.microsoft.com/office/powerpoint/2010/main" val="2015530667"/>
+      </p:ext>
+    </p:extLst>
   </p:cSld>
   <p:clrMapOvr>
     <a:masterClrMapping/>
@@ -1031,7 +1866,7 @@
           <a:p>
             <a:fld id="{C8A432C8-69A7-458B-9684-2BFA64B31948}" type="datetime2">
               <a:rPr lang="en-US" smtClean="0"/>
-              <a:t>Sunday, February 27, 2011</a:t>
+              <a:t>Friday, March 4, 2011</a:t>
             </a:fld>
             <a:endParaRPr lang="en-US"/>
           </a:p>
@@ -1233,7 +2068,7 @@
           <a:p>
             <a:fld id="{8CC057FC-95B6-4D89-AFDA-ABA33EE921E5}" type="datetime2">
               <a:rPr lang="en-US" smtClean="0"/>
-              <a:t>Sunday, February 27, 2011</a:t>
+              <a:t>Friday, March 4, 2011</a:t>
             </a:fld>
             <a:endParaRPr lang="en-US"/>
           </a:p>
@@ -1410,7 +2245,7 @@
           <a:p>
             <a:fld id="{EC4549AC-EB31-477F-92A9-B1988E232878}" type="datetime2">
               <a:rPr lang="en-US" smtClean="0"/>
-              <a:t>Sunday, February 27, 2011</a:t>
+              <a:t>Friday, March 4, 2011</a:t>
             </a:fld>
             <a:endParaRPr lang="en-US"/>
           </a:p>
@@ -1637,7 +2472,7 @@
           <a:p>
             <a:fld id="{6396A3A3-94A6-4E5B-AF39-173ACA3E61CC}" type="datetime2">
               <a:rPr lang="en-US" smtClean="0"/>
-              <a:t>Sunday, February 27, 2011</a:t>
+              <a:t>Friday, March 4, 2011</a:t>
             </a:fld>
             <a:endParaRPr lang="en-US"/>
           </a:p>
@@ -1887,7 +2722,7 @@
           <a:p>
             <a:fld id="{9933D019-A32C-4EAD-B8E6-DBDA699692FD}" type="datetime2">
               <a:rPr lang="en-US" smtClean="0"/>
-              <a:t>Sunday, February 27, 2011</a:t>
+              <a:t>Friday, March 4, 2011</a:t>
             </a:fld>
             <a:endParaRPr lang="en-US"/>
           </a:p>
@@ -2207,7 +3042,7 @@
           <a:p>
             <a:fld id="{CCEBA98F-560C-4997-81C4-81D4D9187EAB}" type="datetime2">
               <a:rPr lang="en-US" smtClean="0"/>
-              <a:t>Sunday, February 27, 2011</a:t>
+              <a:t>Friday, March 4, 2011</a:t>
             </a:fld>
             <a:endParaRPr lang="en-US"/>
           </a:p>
@@ -2675,7 +3510,7 @@
           <a:p>
             <a:fld id="{150972B2-CA5C-437D-87D0-8081271A9E4B}" type="datetime2">
               <a:rPr lang="en-US" smtClean="0"/>
-              <a:t>Sunday, February 27, 2011</a:t>
+              <a:t>Friday, March 4, 2011</a:t>
             </a:fld>
             <a:endParaRPr lang="en-US"/>
           </a:p>
@@ -2825,7 +3660,7 @@
           <a:p>
             <a:fld id="{79CD4847-11EF-4466-A8AD-85CDB7B49118}" type="datetime2">
               <a:rPr lang="en-US" smtClean="0"/>
-              <a:t>Sunday, February 27, 2011</a:t>
+              <a:t>Friday, March 4, 2011</a:t>
             </a:fld>
             <a:endParaRPr lang="en-US"/>
           </a:p>
@@ -2917,7 +3752,7 @@
           <a:p>
             <a:fld id="{F168457A-3AB9-4880-8A0C-9F8524491207}" type="datetime2">
               <a:rPr lang="en-US" smtClean="0"/>
-              <a:t>Sunday, February 27, 2011</a:t>
+              <a:t>Friday, March 4, 2011</a:t>
             </a:fld>
             <a:endParaRPr lang="en-US"/>
           </a:p>
@@ -3193,7 +4028,7 @@
           <a:p>
             <a:fld id="{3FE976D3-5B7F-4300-ABED-C91F1B2AE209}" type="datetime2">
               <a:rPr lang="en-US" smtClean="0"/>
-              <a:t>Sunday, February 27, 2011</a:t>
+              <a:t>Friday, March 4, 2011</a:t>
             </a:fld>
             <a:endParaRPr lang="en-US"/>
           </a:p>
@@ -3500,7 +4335,7 @@
           <a:p>
             <a:fld id="{EBDC1E59-17DD-41CE-97CA-624A472382D4}" type="datetime2">
               <a:rPr lang="en-US" smtClean="0"/>
-              <a:t>Sunday, February 27, 2011</a:t>
+              <a:t>Friday, March 4, 2011</a:t>
             </a:fld>
             <a:endParaRPr lang="en-US"/>
           </a:p>
@@ -3800,7 +4635,7 @@
           <a:p>
             <a:fld id="{A80CB818-7379-467D-8E76-EF9D9074A26C}" type="datetime2">
               <a:rPr lang="en-US" smtClean="0"/>
-              <a:t>Sunday, February 27, 2011</a:t>
+              <a:t>Friday, March 4, 2011</a:t>
             </a:fld>
             <a:endParaRPr lang="en-US" dirty="0"/>
           </a:p>
@@ -4245,6 +5080,13 @@
   <p:clrMapOvr>
     <a:masterClrMapping/>
   </p:clrMapOvr>
+  <p:timing>
+    <p:tnLst>
+      <p:par>
+        <p:cTn xmlns:p14="http://schemas.microsoft.com/office/powerpoint/2010/main" id="1" dur="indefinite" restart="never" nodeType="tmRoot"/>
+      </p:par>
+    </p:tnLst>
+  </p:timing>
 </p:sld>
 </file>
 
@@ -4603,7 +5445,6 @@
               <a:rPr lang="en-US" dirty="0" smtClean="0"/>
               <a:t>Single Responsibility</a:t>
             </a:r>
-            <a:endParaRPr lang="en-US" dirty="0" smtClean="0"/>
           </a:p>
         </p:txBody>
       </p:sp>
@@ -4617,6 +5458,13 @@
   <p:clrMapOvr>
     <a:masterClrMapping/>
   </p:clrMapOvr>
+  <p:timing>
+    <p:tnLst>
+      <p:par>
+        <p:cTn xmlns:p14="http://schemas.microsoft.com/office/powerpoint/2010/main" id="1" dur="indefinite" restart="never" nodeType="tmRoot"/>
+      </p:par>
+    </p:tnLst>
+  </p:timing>
 </p:sld>
 </file>
 
@@ -4688,7 +5536,6 @@
               <a:rPr lang="en-US" dirty="0" smtClean="0"/>
               <a:t>Single Responsibility</a:t>
             </a:r>
-            <a:endParaRPr lang="en-US" dirty="0" smtClean="0"/>
           </a:p>
         </p:txBody>
       </p:sp>
@@ -5023,13 +5870,20 @@
     </p:spTree>
     <p:extLst>
       <p:ext uri="{BB962C8B-B14F-4D97-AF65-F5344CB8AC3E}">
-        <p14:creationId xmlns:p14="http://schemas.microsoft.com/office/powerpoint/2010/main" val="2977480037"/>
+        <p14:creationId xmlns:p14="http://schemas.microsoft.com/office/powerpoint/2010/main" val="1646056309"/>
       </p:ext>
     </p:extLst>
   </p:cSld>
   <p:clrMapOvr>
     <a:masterClrMapping/>
   </p:clrMapOvr>
+  <p:timing>
+    <p:tnLst>
+      <p:par>
+        <p:cTn xmlns:p14="http://schemas.microsoft.com/office/powerpoint/2010/main" id="1" dur="indefinite" restart="never" nodeType="tmRoot"/>
+      </p:par>
+    </p:tnLst>
+  </p:timing>
 </p:sld>
 </file>
 
@@ -5101,420 +5955,6 @@
               <a:rPr lang="en-US" dirty="0" smtClean="0"/>
               <a:t>Single Responsibility</a:t>
             </a:r>
-            <a:endParaRPr lang="en-US" dirty="0" smtClean="0"/>
-          </a:p>
-        </p:txBody>
-      </p:sp>
-      <p:grpSp>
-        <p:nvGrpSpPr>
-          <p:cNvPr id="19" name="Group 18"/>
-          <p:cNvGrpSpPr/>
-          <p:nvPr/>
-        </p:nvGrpSpPr>
-        <p:grpSpPr>
-          <a:xfrm>
-            <a:off x="2743200" y="2121069"/>
-            <a:ext cx="3657600" cy="3810000"/>
-            <a:chOff x="3962400" y="2286000"/>
-            <a:chExt cx="3657600" cy="3810000"/>
-          </a:xfrm>
-        </p:grpSpPr>
-        <p:sp>
-          <p:nvSpPr>
-            <p:cNvPr id="12" name="Rectangle 11"/>
-            <p:cNvSpPr/>
-            <p:nvPr/>
-          </p:nvSpPr>
-          <p:spPr>
-            <a:xfrm>
-              <a:off x="4953000" y="3505200"/>
-              <a:ext cx="1676400" cy="990600"/>
-            </a:xfrm>
-            <a:prstGeom prst="rect">
-              <a:avLst/>
-            </a:prstGeom>
-            <a:scene3d>
-              <a:camera prst="orthographicFront"/>
-              <a:lightRig rig="threePt" dir="t"/>
-            </a:scene3d>
-          </p:spPr>
-          <p:style>
-            <a:lnRef idx="1">
-              <a:schemeClr val="accent2"/>
-            </a:lnRef>
-            <a:fillRef idx="3">
-              <a:schemeClr val="accent2"/>
-            </a:fillRef>
-            <a:effectRef idx="2">
-              <a:schemeClr val="accent2"/>
-            </a:effectRef>
-            <a:fontRef idx="minor">
-              <a:schemeClr val="lt1"/>
-            </a:fontRef>
-          </p:style>
-          <p:txBody>
-            <a:bodyPr rtlCol="0" anchor="ctr"/>
-            <a:lstStyle/>
-            <a:p>
-              <a:pPr algn="ctr"/>
-              <a:r>
-                <a:rPr lang="en-US" dirty="0" smtClean="0"/>
-                <a:t>Email Sender</a:t>
-              </a:r>
-              <a:endParaRPr lang="en-US" dirty="0"/>
-            </a:p>
-          </p:txBody>
-        </p:sp>
-        <p:sp>
-          <p:nvSpPr>
-            <p:cNvPr id="13" name="Snip Single Corner Rectangle 12"/>
-            <p:cNvSpPr/>
-            <p:nvPr/>
-          </p:nvSpPr>
-          <p:spPr>
-            <a:xfrm>
-              <a:off x="3962400" y="5105400"/>
-              <a:ext cx="1676400" cy="990600"/>
-            </a:xfrm>
-            <a:prstGeom prst="snip1Rect">
-              <a:avLst/>
-            </a:prstGeom>
-            <a:scene3d>
-              <a:camera prst="orthographicFront"/>
-              <a:lightRig rig="threePt" dir="t"/>
-            </a:scene3d>
-          </p:spPr>
-          <p:style>
-            <a:lnRef idx="1">
-              <a:schemeClr val="accent1"/>
-            </a:lnRef>
-            <a:fillRef idx="3">
-              <a:schemeClr val="accent1"/>
-            </a:fillRef>
-            <a:effectRef idx="2">
-              <a:schemeClr val="accent1"/>
-            </a:effectRef>
-            <a:fontRef idx="minor">
-              <a:schemeClr val="lt1"/>
-            </a:fontRef>
-          </p:style>
-          <p:txBody>
-            <a:bodyPr rtlCol="0" anchor="ctr"/>
-            <a:lstStyle/>
-            <a:p>
-              <a:pPr algn="ctr"/>
-              <a:r>
-                <a:rPr lang="en-US" dirty="0" smtClean="0"/>
-                <a:t>Flat File</a:t>
-              </a:r>
-              <a:endParaRPr lang="en-US" dirty="0"/>
-            </a:p>
-          </p:txBody>
-        </p:sp>
-        <p:sp>
-          <p:nvSpPr>
-            <p:cNvPr id="14" name="Snip Single Corner Rectangle 13"/>
-            <p:cNvSpPr/>
-            <p:nvPr/>
-          </p:nvSpPr>
-          <p:spPr>
-            <a:xfrm>
-              <a:off x="5943600" y="5105400"/>
-              <a:ext cx="1676400" cy="990600"/>
-            </a:xfrm>
-            <a:prstGeom prst="snip1Rect">
-              <a:avLst/>
-            </a:prstGeom>
-            <a:scene3d>
-              <a:camera prst="orthographicFront"/>
-              <a:lightRig rig="threePt" dir="t"/>
-            </a:scene3d>
-          </p:spPr>
-          <p:style>
-            <a:lnRef idx="1">
-              <a:schemeClr val="accent2"/>
-            </a:lnRef>
-            <a:fillRef idx="3">
-              <a:schemeClr val="accent2"/>
-            </a:fillRef>
-            <a:effectRef idx="2">
-              <a:schemeClr val="accent2"/>
-            </a:effectRef>
-            <a:fontRef idx="minor">
-              <a:schemeClr val="lt1"/>
-            </a:fontRef>
-          </p:style>
-          <p:txBody>
-            <a:bodyPr rtlCol="0" anchor="ctr"/>
-            <a:lstStyle/>
-            <a:p>
-              <a:pPr algn="ctr"/>
-              <a:r>
-                <a:rPr lang="en-US" dirty="0" smtClean="0"/>
-                <a:t>XML File</a:t>
-              </a:r>
-              <a:endParaRPr lang="en-US" dirty="0"/>
-            </a:p>
-          </p:txBody>
-        </p:sp>
-        <p:cxnSp>
-          <p:nvCxnSpPr>
-            <p:cNvPr id="15" name="Elbow Connector 14"/>
-            <p:cNvCxnSpPr>
-              <a:stCxn id="13" idx="3"/>
-              <a:endCxn id="12" idx="2"/>
-            </p:cNvCxnSpPr>
-            <p:nvPr/>
-          </p:nvCxnSpPr>
-          <p:spPr>
-            <a:xfrm rot="5400000" flipH="1" flipV="1">
-              <a:off x="4991100" y="4305300"/>
-              <a:ext cx="609600" cy="990600"/>
-            </a:xfrm>
-            <a:prstGeom prst="bentConnector3">
-              <a:avLst>
-                <a:gd name="adj1" fmla="val 50000"/>
-              </a:avLst>
-            </a:prstGeom>
-            <a:ln>
-              <a:tailEnd type="arrow"/>
-            </a:ln>
-            <a:effectLst/>
-            <a:scene3d>
-              <a:camera prst="orthographicFront"/>
-              <a:lightRig rig="threePt" dir="t"/>
-            </a:scene3d>
-          </p:spPr>
-          <p:style>
-            <a:lnRef idx="1">
-              <a:schemeClr val="accent1"/>
-            </a:lnRef>
-            <a:fillRef idx="3">
-              <a:schemeClr val="accent1"/>
-            </a:fillRef>
-            <a:effectRef idx="2">
-              <a:schemeClr val="accent1"/>
-            </a:effectRef>
-            <a:fontRef idx="minor">
-              <a:schemeClr val="lt1"/>
-            </a:fontRef>
-          </p:style>
-        </p:cxnSp>
-        <p:cxnSp>
-          <p:nvCxnSpPr>
-            <p:cNvPr id="16" name="Elbow Connector 15"/>
-            <p:cNvCxnSpPr>
-              <a:stCxn id="14" idx="3"/>
-              <a:endCxn id="12" idx="2"/>
-            </p:cNvCxnSpPr>
-            <p:nvPr/>
-          </p:nvCxnSpPr>
-          <p:spPr>
-            <a:xfrm rot="16200000" flipV="1">
-              <a:off x="5981700" y="4305300"/>
-              <a:ext cx="609600" cy="990600"/>
-            </a:xfrm>
-            <a:prstGeom prst="bentConnector3">
-              <a:avLst>
-                <a:gd name="adj1" fmla="val 50000"/>
-              </a:avLst>
-            </a:prstGeom>
-            <a:ln>
-              <a:tailEnd type="arrow"/>
-            </a:ln>
-            <a:effectLst/>
-            <a:scene3d>
-              <a:camera prst="orthographicFront"/>
-              <a:lightRig rig="threePt" dir="t"/>
-            </a:scene3d>
-          </p:spPr>
-          <p:style>
-            <a:lnRef idx="1">
-              <a:schemeClr val="accent1"/>
-            </a:lnRef>
-            <a:fillRef idx="3">
-              <a:schemeClr val="accent1"/>
-            </a:fillRef>
-            <a:effectRef idx="2">
-              <a:schemeClr val="accent1"/>
-            </a:effectRef>
-            <a:fontRef idx="minor">
-              <a:schemeClr val="lt1"/>
-            </a:fontRef>
-          </p:style>
-        </p:cxnSp>
-        <p:sp>
-          <p:nvSpPr>
-            <p:cNvPr id="17" name="Rectangle 16"/>
-            <p:cNvSpPr/>
-            <p:nvPr/>
-          </p:nvSpPr>
-          <p:spPr>
-            <a:xfrm>
-              <a:off x="4953000" y="2286000"/>
-              <a:ext cx="1676400" cy="990600"/>
-            </a:xfrm>
-            <a:prstGeom prst="rect">
-              <a:avLst/>
-            </a:prstGeom>
-            <a:scene3d>
-              <a:camera prst="orthographicFront"/>
-              <a:lightRig rig="threePt" dir="t"/>
-            </a:scene3d>
-          </p:spPr>
-          <p:style>
-            <a:lnRef idx="1">
-              <a:schemeClr val="accent1"/>
-            </a:lnRef>
-            <a:fillRef idx="3">
-              <a:schemeClr val="accent1"/>
-            </a:fillRef>
-            <a:effectRef idx="2">
-              <a:schemeClr val="accent1"/>
-            </a:effectRef>
-            <a:fontRef idx="minor">
-              <a:schemeClr val="lt1"/>
-            </a:fontRef>
-          </p:style>
-          <p:txBody>
-            <a:bodyPr rtlCol="0" anchor="ctr"/>
-            <a:lstStyle/>
-            <a:p>
-              <a:pPr algn="ctr"/>
-              <a:r>
-                <a:rPr lang="en-US" dirty="0" smtClean="0"/>
-                <a:t>Email Sending App</a:t>
-              </a:r>
-              <a:endParaRPr lang="en-US" dirty="0"/>
-            </a:p>
-          </p:txBody>
-        </p:sp>
-        <p:cxnSp>
-          <p:nvCxnSpPr>
-            <p:cNvPr id="18" name="Elbow Connector 17"/>
-            <p:cNvCxnSpPr>
-              <a:stCxn id="12" idx="0"/>
-              <a:endCxn id="17" idx="2"/>
-            </p:cNvCxnSpPr>
-            <p:nvPr/>
-          </p:nvCxnSpPr>
-          <p:spPr>
-            <a:xfrm rot="5400000" flipH="1" flipV="1">
-              <a:off x="5676900" y="3390900"/>
-              <a:ext cx="228600" cy="1588"/>
-            </a:xfrm>
-            <a:prstGeom prst="bentConnector3">
-              <a:avLst>
-                <a:gd name="adj1" fmla="val 50000"/>
-              </a:avLst>
-            </a:prstGeom>
-            <a:ln>
-              <a:tailEnd type="arrow"/>
-            </a:ln>
-            <a:effectLst/>
-            <a:scene3d>
-              <a:camera prst="orthographicFront"/>
-              <a:lightRig rig="threePt" dir="t"/>
-            </a:scene3d>
-          </p:spPr>
-          <p:style>
-            <a:lnRef idx="1">
-              <a:schemeClr val="accent1"/>
-            </a:lnRef>
-            <a:fillRef idx="3">
-              <a:schemeClr val="accent1"/>
-            </a:fillRef>
-            <a:effectRef idx="2">
-              <a:schemeClr val="accent1"/>
-            </a:effectRef>
-            <a:fontRef idx="minor">
-              <a:schemeClr val="lt1"/>
-            </a:fontRef>
-          </p:style>
-        </p:cxnSp>
-      </p:grpSp>
-    </p:spTree>
-    <p:extLst>
-      <p:ext uri="{BB962C8B-B14F-4D97-AF65-F5344CB8AC3E}">
-        <p14:creationId xmlns:p14="http://schemas.microsoft.com/office/powerpoint/2010/main" val="1646056309"/>
-      </p:ext>
-    </p:extLst>
-  </p:cSld>
-  <p:clrMapOvr>
-    <a:masterClrMapping/>
-  </p:clrMapOvr>
-</p:sld>
-</file>
-
-<file path=ppt/slides/slide13.xml><?xml version="1.0" encoding="utf-8"?>
-<p:sld xmlns:a="http://schemas.openxmlformats.org/drawingml/2006/main" xmlns:r="http://schemas.openxmlformats.org/officeDocument/2006/relationships" xmlns:p="http://schemas.openxmlformats.org/presentationml/2006/main">
-  <p:cSld>
-    <p:spTree>
-      <p:nvGrpSpPr>
-        <p:cNvPr id="1" name=""/>
-        <p:cNvGrpSpPr/>
-        <p:nvPr/>
-      </p:nvGrpSpPr>
-      <p:grpSpPr>
-        <a:xfrm>
-          <a:off x="0" y="0"/>
-          <a:ext cx="0" cy="0"/>
-          <a:chOff x="0" y="0"/>
-          <a:chExt cx="0" cy="0"/>
-        </a:xfrm>
-      </p:grpSpPr>
-      <p:sp>
-        <p:nvSpPr>
-          <p:cNvPr id="11" name="Title 1"/>
-          <p:cNvSpPr txBox="1">
-            <a:spLocks/>
-          </p:cNvSpPr>
-          <p:nvPr/>
-        </p:nvSpPr>
-        <p:spPr bwMode="auto">
-          <a:xfrm>
-            <a:off x="0" y="407987"/>
-            <a:ext cx="9144000" cy="1145321"/>
-          </a:xfrm>
-          <a:prstGeom prst="rect">
-            <a:avLst/>
-          </a:prstGeom>
-          <a:noFill/>
-          <a:ln>
-            <a:miter lim="800000"/>
-            <a:headEnd/>
-            <a:tailEnd/>
-          </a:ln>
-        </p:spPr>
-        <p:txBody>
-          <a:bodyPr vert="horz" wrap="square" lIns="91440" tIns="45720" rIns="91440" bIns="45720" numCol="1" rtlCol="0" anchor="t" anchorCtr="0" compatLnSpc="1">
-            <a:prstTxWarp prst="textNoShape">
-              <a:avLst/>
-            </a:prstTxWarp>
-            <a:noAutofit/>
-          </a:bodyPr>
-          <a:lstStyle>
-            <a:lvl1pPr algn="l" defTabSz="914400" rtl="0" eaLnBrk="1" latinLnBrk="0" hangingPunct="1">
-              <a:spcBef>
-                <a:spcPct val="0"/>
-              </a:spcBef>
-              <a:buNone/>
-              <a:defRPr sz="5400" kern="1200" cap="all" spc="-100" baseline="0">
-                <a:solidFill>
-                  <a:schemeClr val="tx2"/>
-                </a:solidFill>
-                <a:latin typeface="+mj-lt"/>
-                <a:ea typeface="+mj-ea"/>
-                <a:cs typeface="+mj-cs"/>
-              </a:defRPr>
-            </a:lvl1pPr>
-          </a:lstStyle>
-          <a:p>
-            <a:r>
-              <a:rPr lang="en-US" dirty="0" smtClean="0"/>
-              <a:t>Single Responsibility</a:t>
-            </a:r>
-            <a:endParaRPr lang="en-US" dirty="0" smtClean="0"/>
           </a:p>
         </p:txBody>
       </p:sp>
@@ -5828,10 +6268,17 @@
   <p:clrMapOvr>
     <a:masterClrMapping/>
   </p:clrMapOvr>
+  <p:timing>
+    <p:tnLst>
+      <p:par>
+        <p:cTn xmlns:p14="http://schemas.microsoft.com/office/powerpoint/2010/main" id="1" dur="indefinite" restart="never" nodeType="tmRoot"/>
+      </p:par>
+    </p:tnLst>
+  </p:timing>
 </p:sld>
 </file>
 
-<file path=ppt/slides/slide14.xml><?xml version="1.0" encoding="utf-8"?>
+<file path=ppt/slides/slide13.xml><?xml version="1.0" encoding="utf-8"?>
 <p:sld xmlns:a="http://schemas.openxmlformats.org/drawingml/2006/main" xmlns:r="http://schemas.openxmlformats.org/officeDocument/2006/relationships" xmlns:p="http://schemas.openxmlformats.org/presentationml/2006/main">
   <p:cSld>
     <p:spTree>
@@ -6100,7 +6547,7 @@
                 </a:solidFill>
                 <a:latin typeface="+mn-lt"/>
               </a:rPr>
-              <a:t>Change The Behavior Without Changing The Existing Code</a:t>
+              <a:t>There is no spoon</a:t>
             </a:r>
             <a:endParaRPr lang="en-US" sz="1600" dirty="0">
               <a:solidFill>
@@ -6375,11 +6822,6 @@
               </a:rPr>
               <a:t>- Robert C. Martin</a:t>
             </a:r>
-            <a:endParaRPr lang="en-US" dirty="0" smtClean="0">
-              <a:solidFill>
-                <a:schemeClr val="bg1"/>
-              </a:solidFill>
-            </a:endParaRPr>
           </a:p>
         </p:txBody>
       </p:sp>
@@ -6403,7 +6845,7 @@
 </p:sld>
 </file>
 
-<file path=ppt/slides/slide15.xml><?xml version="1.0" encoding="utf-8"?>
+<file path=ppt/slides/slide14.xml><?xml version="1.0" encoding="utf-8"?>
 <p:sld xmlns:a="http://schemas.openxmlformats.org/drawingml/2006/main" xmlns:r="http://schemas.openxmlformats.org/officeDocument/2006/relationships" xmlns:p="http://schemas.openxmlformats.org/presentationml/2006/main">
   <p:cSld>
     <p:spTree>
@@ -6463,10 +6905,17 @@
   <p:clrMapOvr>
     <a:masterClrMapping/>
   </p:clrMapOvr>
+  <p:timing>
+    <p:tnLst>
+      <p:par>
+        <p:cTn xmlns:p14="http://schemas.microsoft.com/office/powerpoint/2010/main" id="1" dur="indefinite" restart="never" nodeType="tmRoot"/>
+      </p:par>
+    </p:tnLst>
+  </p:timing>
 </p:sld>
 </file>
 
-<file path=ppt/slides/slide16.xml><?xml version="1.0" encoding="utf-8"?>
+<file path=ppt/slides/slide15.xml><?xml version="1.0" encoding="utf-8"?>
 <p:sld xmlns:a="http://schemas.openxmlformats.org/drawingml/2006/main" xmlns:r="http://schemas.openxmlformats.org/officeDocument/2006/relationships" xmlns:p="http://schemas.openxmlformats.org/presentationml/2006/main">
   <p:cSld>
     <p:spTree>
@@ -6983,10 +7432,17 @@
   <p:clrMapOvr>
     <a:masterClrMapping/>
   </p:clrMapOvr>
+  <p:timing>
+    <p:tnLst>
+      <p:par>
+        <p:cTn xmlns:p14="http://schemas.microsoft.com/office/powerpoint/2010/main" id="1" dur="indefinite" restart="never" nodeType="tmRoot"/>
+      </p:par>
+    </p:tnLst>
+  </p:timing>
 </p:sld>
 </file>
 
-<file path=ppt/slides/slide17.xml><?xml version="1.0" encoding="utf-8"?>
+<file path=ppt/slides/slide16.xml><?xml version="1.0" encoding="utf-8"?>
 <p:sld xmlns:a="http://schemas.openxmlformats.org/drawingml/2006/main" xmlns:r="http://schemas.openxmlformats.org/officeDocument/2006/relationships" xmlns:p="http://schemas.openxmlformats.org/presentationml/2006/main">
   <p:cSld>
     <p:spTree>
@@ -7548,7 +8004,7 @@
 </p:sld>
 </file>
 
-<file path=ppt/slides/slide18.xml><?xml version="1.0" encoding="utf-8"?>
+<file path=ppt/slides/slide17.xml><?xml version="1.0" encoding="utf-8"?>
 <p:sld xmlns:a="http://schemas.openxmlformats.org/drawingml/2006/main" xmlns:r="http://schemas.openxmlformats.org/officeDocument/2006/relationships" xmlns:p="http://schemas.openxmlformats.org/presentationml/2006/main">
   <p:cSld>
     <p:spTree>
@@ -7611,7 +8067,7 @@
 </p:sld>
 </file>
 
-<file path=ppt/slides/slide19.xml><?xml version="1.0" encoding="utf-8"?>
+<file path=ppt/slides/slide18.xml><?xml version="1.0" encoding="utf-8"?>
 <p:sld xmlns:a="http://schemas.openxmlformats.org/drawingml/2006/main" xmlns:r="http://schemas.openxmlformats.org/officeDocument/2006/relationships" xmlns:p="http://schemas.openxmlformats.org/presentationml/2006/main">
   <p:cSld>
     <p:spTree>
@@ -7833,315 +8289,7 @@
 </p:sld>
 </file>
 
-<file path=ppt/slides/slide2.xml><?xml version="1.0" encoding="utf-8"?>
-<p:sld xmlns:a="http://schemas.openxmlformats.org/drawingml/2006/main" xmlns:r="http://schemas.openxmlformats.org/officeDocument/2006/relationships" xmlns:p="http://schemas.openxmlformats.org/presentationml/2006/main">
-  <p:cSld>
-    <p:spTree>
-      <p:nvGrpSpPr>
-        <p:cNvPr id="1" name=""/>
-        <p:cNvGrpSpPr/>
-        <p:nvPr/>
-      </p:nvGrpSpPr>
-      <p:grpSpPr>
-        <a:xfrm>
-          <a:off x="0" y="0"/>
-          <a:ext cx="0" cy="0"/>
-          <a:chOff x="0" y="0"/>
-          <a:chExt cx="0" cy="0"/>
-        </a:xfrm>
-      </p:grpSpPr>
-      <p:sp>
-        <p:nvSpPr>
-          <p:cNvPr id="12" name="Rectangle 11"/>
-          <p:cNvSpPr/>
-          <p:nvPr/>
-        </p:nvSpPr>
-        <p:spPr bwMode="auto">
-          <a:xfrm>
-            <a:off x="0" y="445432"/>
-            <a:ext cx="9144000" cy="4202768"/>
-          </a:xfrm>
-          <a:prstGeom prst="rect">
-            <a:avLst/>
-          </a:prstGeom>
-          <a:ln/>
-        </p:spPr>
-        <p:style>
-          <a:lnRef idx="2">
-            <a:schemeClr val="accent4">
-              <a:shade val="50000"/>
-            </a:schemeClr>
-          </a:lnRef>
-          <a:fillRef idx="1">
-            <a:schemeClr val="accent4"/>
-          </a:fillRef>
-          <a:effectRef idx="0">
-            <a:schemeClr val="accent4"/>
-          </a:effectRef>
-          <a:fontRef idx="minor">
-            <a:schemeClr val="lt1"/>
-          </a:fontRef>
-        </p:style>
-        <p:txBody>
-          <a:bodyPr anchor="ctr"/>
-          <a:lstStyle/>
-          <a:p>
-            <a:pPr algn="ctr">
-              <a:defRPr/>
-            </a:pPr>
-            <a:endParaRPr lang="en-US"/>
-          </a:p>
-        </p:txBody>
-      </p:sp>
-      <p:sp>
-        <p:nvSpPr>
-          <p:cNvPr id="13" name="Rectangle 12"/>
-          <p:cNvSpPr/>
-          <p:nvPr/>
-        </p:nvSpPr>
-        <p:spPr bwMode="auto">
-          <a:xfrm>
-            <a:off x="0" y="4724400"/>
-            <a:ext cx="9153525" cy="2133600"/>
-          </a:xfrm>
-          <a:prstGeom prst="rect">
-            <a:avLst/>
-          </a:prstGeom>
-          <a:ln/>
-        </p:spPr>
-        <p:style>
-          <a:lnRef idx="2">
-            <a:schemeClr val="accent3">
-              <a:shade val="50000"/>
-            </a:schemeClr>
-          </a:lnRef>
-          <a:fillRef idx="1">
-            <a:schemeClr val="accent3"/>
-          </a:fillRef>
-          <a:effectRef idx="0">
-            <a:schemeClr val="accent3"/>
-          </a:effectRef>
-          <a:fontRef idx="minor">
-            <a:schemeClr val="lt1"/>
-          </a:fontRef>
-        </p:style>
-        <p:txBody>
-          <a:bodyPr anchor="ctr"/>
-          <a:lstStyle/>
-          <a:p>
-            <a:pPr algn="ctr">
-              <a:defRPr/>
-            </a:pPr>
-            <a:endParaRPr lang="en-US"/>
-          </a:p>
-        </p:txBody>
-      </p:sp>
-      <p:sp>
-        <p:nvSpPr>
-          <p:cNvPr id="15" name="Rectangle 14"/>
-          <p:cNvSpPr/>
-          <p:nvPr/>
-        </p:nvSpPr>
-        <p:spPr bwMode="auto">
-          <a:xfrm>
-            <a:off x="0" y="3239477"/>
-            <a:ext cx="4572000" cy="121138"/>
-          </a:xfrm>
-          <a:prstGeom prst="rect">
-            <a:avLst/>
-          </a:prstGeom>
-          <a:ln/>
-        </p:spPr>
-        <p:style>
-          <a:lnRef idx="2">
-            <a:schemeClr val="dk1">
-              <a:shade val="50000"/>
-            </a:schemeClr>
-          </a:lnRef>
-          <a:fillRef idx="1">
-            <a:schemeClr val="dk1"/>
-          </a:fillRef>
-          <a:effectRef idx="0">
-            <a:schemeClr val="dk1"/>
-          </a:effectRef>
-          <a:fontRef idx="minor">
-            <a:schemeClr val="lt1"/>
-          </a:fontRef>
-        </p:style>
-        <p:txBody>
-          <a:bodyPr anchor="ctr"/>
-          <a:lstStyle/>
-          <a:p>
-            <a:pPr algn="ctr">
-              <a:defRPr/>
-            </a:pPr>
-            <a:endParaRPr lang="en-US"/>
-          </a:p>
-        </p:txBody>
-      </p:sp>
-      <p:sp>
-        <p:nvSpPr>
-          <p:cNvPr id="17" name="Rectangle 16"/>
-          <p:cNvSpPr/>
-          <p:nvPr/>
-        </p:nvSpPr>
-        <p:spPr bwMode="auto">
-          <a:xfrm>
-            <a:off x="112713" y="4800600"/>
-            <a:ext cx="8907462" cy="1933575"/>
-          </a:xfrm>
-          <a:prstGeom prst="rect">
-            <a:avLst/>
-          </a:prstGeom>
-          <a:noFill/>
-          <a:ln w="12700">
-            <a:solidFill>
-              <a:schemeClr val="bg1"/>
-            </a:solidFill>
-          </a:ln>
-        </p:spPr>
-        <p:style>
-          <a:lnRef idx="2">
-            <a:schemeClr val="accent1">
-              <a:shade val="50000"/>
-            </a:schemeClr>
-          </a:lnRef>
-          <a:fillRef idx="1">
-            <a:schemeClr val="accent1"/>
-          </a:fillRef>
-          <a:effectRef idx="0">
-            <a:schemeClr val="accent1"/>
-          </a:effectRef>
-          <a:fontRef idx="minor">
-            <a:schemeClr val="lt1"/>
-          </a:fontRef>
-        </p:style>
-        <p:txBody>
-          <a:bodyPr anchor="ctr"/>
-          <a:lstStyle/>
-          <a:p>
-            <a:pPr algn="ctr">
-              <a:defRPr/>
-            </a:pPr>
-            <a:endParaRPr lang="en-US"/>
-          </a:p>
-        </p:txBody>
-      </p:sp>
-      <p:sp>
-        <p:nvSpPr>
-          <p:cNvPr id="14" name="TextBox 13"/>
-          <p:cNvSpPr txBox="1"/>
-          <p:nvPr/>
-        </p:nvSpPr>
-        <p:spPr>
-          <a:xfrm>
-            <a:off x="381000" y="1295400"/>
-            <a:ext cx="8610600" cy="769938"/>
-          </a:xfrm>
-          <a:prstGeom prst="rect">
-            <a:avLst/>
-          </a:prstGeom>
-          <a:noFill/>
-        </p:spPr>
-        <p:txBody>
-          <a:bodyPr>
-            <a:spAutoFit/>
-          </a:bodyPr>
-          <a:lstStyle/>
-          <a:p>
-            <a:pPr>
-              <a:defRPr/>
-            </a:pPr>
-            <a:r>
-              <a:rPr lang="en-US" sz="4400" spc="60" dirty="0" smtClean="0">
-                <a:solidFill>
-                  <a:schemeClr val="bg1"/>
-                </a:solidFill>
-                <a:latin typeface="Calibri" pitchFamily="34" charset="0"/>
-              </a:rPr>
-              <a:t>Object Oriented Principles</a:t>
-            </a:r>
-            <a:endParaRPr lang="en-US" sz="4400" spc="60" dirty="0">
-              <a:solidFill>
-                <a:schemeClr val="bg1"/>
-              </a:solidFill>
-              <a:latin typeface="Calibri" pitchFamily="34" charset="0"/>
-            </a:endParaRPr>
-          </a:p>
-        </p:txBody>
-      </p:sp>
-      <p:sp>
-        <p:nvSpPr>
-          <p:cNvPr id="19" name="TextBox 18"/>
-          <p:cNvSpPr txBox="1"/>
-          <p:nvPr/>
-        </p:nvSpPr>
-        <p:spPr>
-          <a:xfrm>
-            <a:off x="381000" y="2057400"/>
-            <a:ext cx="7543800" cy="338554"/>
-          </a:xfrm>
-          <a:prstGeom prst="rect">
-            <a:avLst/>
-          </a:prstGeom>
-          <a:noFill/>
-        </p:spPr>
-        <p:txBody>
-          <a:bodyPr wrap="square">
-            <a:spAutoFit/>
-          </a:bodyPr>
-          <a:lstStyle/>
-          <a:p>
-            <a:pPr>
-              <a:defRPr/>
-            </a:pPr>
-            <a:r>
-              <a:rPr lang="en-US" sz="1600" dirty="0" smtClean="0">
-                <a:solidFill>
-                  <a:schemeClr val="bg1"/>
-                </a:solidFill>
-              </a:rPr>
-              <a:t>They’re</a:t>
-            </a:r>
-            <a:r>
-              <a:rPr lang="en-US" sz="1600" dirty="0" smtClean="0">
-                <a:solidFill>
-                  <a:schemeClr val="bg1"/>
-                </a:solidFill>
-                <a:latin typeface="+mn-lt"/>
-              </a:rPr>
-              <a:t> Not Just For Academics And Ivory Tower Architects</a:t>
-            </a:r>
-            <a:endParaRPr lang="en-US" sz="1600" dirty="0">
-              <a:solidFill>
-                <a:schemeClr val="bg1"/>
-              </a:solidFill>
-              <a:latin typeface="+mn-lt"/>
-            </a:endParaRPr>
-          </a:p>
-        </p:txBody>
-      </p:sp>
-    </p:spTree>
-    <p:extLst>
-      <p:ext uri="{BB962C8B-B14F-4D97-AF65-F5344CB8AC3E}">
-        <p14:creationId xmlns:p14="http://schemas.microsoft.com/office/powerpoint/2010/main" val="786468516"/>
-      </p:ext>
-    </p:extLst>
-  </p:cSld>
-  <p:clrMapOvr>
-    <a:masterClrMapping/>
-  </p:clrMapOvr>
-  <p:timing>
-    <p:tnLst>
-      <p:par>
-        <p:cTn xmlns:p14="http://schemas.microsoft.com/office/powerpoint/2010/main" id="1" dur="indefinite" restart="never" nodeType="tmRoot"/>
-      </p:par>
-    </p:tnLst>
-  </p:timing>
-</p:sld>
-</file>
-
-<file path=ppt/slides/slide20.xml><?xml version="1.0" encoding="utf-8"?>
+<file path=ppt/slides/slide19.xml><?xml version="1.0" encoding="utf-8"?>
 <p:sld xmlns:a="http://schemas.openxmlformats.org/drawingml/2006/main" xmlns:r="http://schemas.openxmlformats.org/officeDocument/2006/relationships" xmlns:p="http://schemas.openxmlformats.org/presentationml/2006/main">
   <p:cSld>
     <p:spTree>
@@ -8779,7 +8927,315 @@
 </p:sld>
 </file>
 
-<file path=ppt/slides/slide21.xml><?xml version="1.0" encoding="utf-8"?>
+<file path=ppt/slides/slide2.xml><?xml version="1.0" encoding="utf-8"?>
+<p:sld xmlns:a="http://schemas.openxmlformats.org/drawingml/2006/main" xmlns:r="http://schemas.openxmlformats.org/officeDocument/2006/relationships" xmlns:p="http://schemas.openxmlformats.org/presentationml/2006/main">
+  <p:cSld>
+    <p:spTree>
+      <p:nvGrpSpPr>
+        <p:cNvPr id="1" name=""/>
+        <p:cNvGrpSpPr/>
+        <p:nvPr/>
+      </p:nvGrpSpPr>
+      <p:grpSpPr>
+        <a:xfrm>
+          <a:off x="0" y="0"/>
+          <a:ext cx="0" cy="0"/>
+          <a:chOff x="0" y="0"/>
+          <a:chExt cx="0" cy="0"/>
+        </a:xfrm>
+      </p:grpSpPr>
+      <p:sp>
+        <p:nvSpPr>
+          <p:cNvPr id="12" name="Rectangle 11"/>
+          <p:cNvSpPr/>
+          <p:nvPr/>
+        </p:nvSpPr>
+        <p:spPr bwMode="auto">
+          <a:xfrm>
+            <a:off x="0" y="445432"/>
+            <a:ext cx="9144000" cy="4202768"/>
+          </a:xfrm>
+          <a:prstGeom prst="rect">
+            <a:avLst/>
+          </a:prstGeom>
+          <a:ln/>
+        </p:spPr>
+        <p:style>
+          <a:lnRef idx="2">
+            <a:schemeClr val="accent4">
+              <a:shade val="50000"/>
+            </a:schemeClr>
+          </a:lnRef>
+          <a:fillRef idx="1">
+            <a:schemeClr val="accent4"/>
+          </a:fillRef>
+          <a:effectRef idx="0">
+            <a:schemeClr val="accent4"/>
+          </a:effectRef>
+          <a:fontRef idx="minor">
+            <a:schemeClr val="lt1"/>
+          </a:fontRef>
+        </p:style>
+        <p:txBody>
+          <a:bodyPr anchor="ctr"/>
+          <a:lstStyle/>
+          <a:p>
+            <a:pPr algn="ctr">
+              <a:defRPr/>
+            </a:pPr>
+            <a:endParaRPr lang="en-US"/>
+          </a:p>
+        </p:txBody>
+      </p:sp>
+      <p:sp>
+        <p:nvSpPr>
+          <p:cNvPr id="13" name="Rectangle 12"/>
+          <p:cNvSpPr/>
+          <p:nvPr/>
+        </p:nvSpPr>
+        <p:spPr bwMode="auto">
+          <a:xfrm>
+            <a:off x="0" y="4724400"/>
+            <a:ext cx="9153525" cy="2133600"/>
+          </a:xfrm>
+          <a:prstGeom prst="rect">
+            <a:avLst/>
+          </a:prstGeom>
+          <a:ln/>
+        </p:spPr>
+        <p:style>
+          <a:lnRef idx="2">
+            <a:schemeClr val="accent3">
+              <a:shade val="50000"/>
+            </a:schemeClr>
+          </a:lnRef>
+          <a:fillRef idx="1">
+            <a:schemeClr val="accent3"/>
+          </a:fillRef>
+          <a:effectRef idx="0">
+            <a:schemeClr val="accent3"/>
+          </a:effectRef>
+          <a:fontRef idx="minor">
+            <a:schemeClr val="lt1"/>
+          </a:fontRef>
+        </p:style>
+        <p:txBody>
+          <a:bodyPr anchor="ctr"/>
+          <a:lstStyle/>
+          <a:p>
+            <a:pPr algn="ctr">
+              <a:defRPr/>
+            </a:pPr>
+            <a:endParaRPr lang="en-US"/>
+          </a:p>
+        </p:txBody>
+      </p:sp>
+      <p:sp>
+        <p:nvSpPr>
+          <p:cNvPr id="15" name="Rectangle 14"/>
+          <p:cNvSpPr/>
+          <p:nvPr/>
+        </p:nvSpPr>
+        <p:spPr bwMode="auto">
+          <a:xfrm>
+            <a:off x="0" y="3239477"/>
+            <a:ext cx="4572000" cy="121138"/>
+          </a:xfrm>
+          <a:prstGeom prst="rect">
+            <a:avLst/>
+          </a:prstGeom>
+          <a:ln/>
+        </p:spPr>
+        <p:style>
+          <a:lnRef idx="2">
+            <a:schemeClr val="dk1">
+              <a:shade val="50000"/>
+            </a:schemeClr>
+          </a:lnRef>
+          <a:fillRef idx="1">
+            <a:schemeClr val="dk1"/>
+          </a:fillRef>
+          <a:effectRef idx="0">
+            <a:schemeClr val="dk1"/>
+          </a:effectRef>
+          <a:fontRef idx="minor">
+            <a:schemeClr val="lt1"/>
+          </a:fontRef>
+        </p:style>
+        <p:txBody>
+          <a:bodyPr anchor="ctr"/>
+          <a:lstStyle/>
+          <a:p>
+            <a:pPr algn="ctr">
+              <a:defRPr/>
+            </a:pPr>
+            <a:endParaRPr lang="en-US"/>
+          </a:p>
+        </p:txBody>
+      </p:sp>
+      <p:sp>
+        <p:nvSpPr>
+          <p:cNvPr id="17" name="Rectangle 16"/>
+          <p:cNvSpPr/>
+          <p:nvPr/>
+        </p:nvSpPr>
+        <p:spPr bwMode="auto">
+          <a:xfrm>
+            <a:off x="112713" y="4800600"/>
+            <a:ext cx="8907462" cy="1933575"/>
+          </a:xfrm>
+          <a:prstGeom prst="rect">
+            <a:avLst/>
+          </a:prstGeom>
+          <a:noFill/>
+          <a:ln w="12700">
+            <a:solidFill>
+              <a:schemeClr val="bg1"/>
+            </a:solidFill>
+          </a:ln>
+        </p:spPr>
+        <p:style>
+          <a:lnRef idx="2">
+            <a:schemeClr val="accent1">
+              <a:shade val="50000"/>
+            </a:schemeClr>
+          </a:lnRef>
+          <a:fillRef idx="1">
+            <a:schemeClr val="accent1"/>
+          </a:fillRef>
+          <a:effectRef idx="0">
+            <a:schemeClr val="accent1"/>
+          </a:effectRef>
+          <a:fontRef idx="minor">
+            <a:schemeClr val="lt1"/>
+          </a:fontRef>
+        </p:style>
+        <p:txBody>
+          <a:bodyPr anchor="ctr"/>
+          <a:lstStyle/>
+          <a:p>
+            <a:pPr algn="ctr">
+              <a:defRPr/>
+            </a:pPr>
+            <a:endParaRPr lang="en-US"/>
+          </a:p>
+        </p:txBody>
+      </p:sp>
+      <p:sp>
+        <p:nvSpPr>
+          <p:cNvPr id="14" name="TextBox 13"/>
+          <p:cNvSpPr txBox="1"/>
+          <p:nvPr/>
+        </p:nvSpPr>
+        <p:spPr>
+          <a:xfrm>
+            <a:off x="381000" y="1295400"/>
+            <a:ext cx="8610600" cy="769938"/>
+          </a:xfrm>
+          <a:prstGeom prst="rect">
+            <a:avLst/>
+          </a:prstGeom>
+          <a:noFill/>
+        </p:spPr>
+        <p:txBody>
+          <a:bodyPr>
+            <a:spAutoFit/>
+          </a:bodyPr>
+          <a:lstStyle/>
+          <a:p>
+            <a:pPr>
+              <a:defRPr/>
+            </a:pPr>
+            <a:r>
+              <a:rPr lang="en-US" sz="4400" spc="60" dirty="0" smtClean="0">
+                <a:solidFill>
+                  <a:schemeClr val="bg1"/>
+                </a:solidFill>
+                <a:latin typeface="Calibri" pitchFamily="34" charset="0"/>
+              </a:rPr>
+              <a:t>Object Oriented Principles</a:t>
+            </a:r>
+            <a:endParaRPr lang="en-US" sz="4400" spc="60" dirty="0">
+              <a:solidFill>
+                <a:schemeClr val="bg1"/>
+              </a:solidFill>
+              <a:latin typeface="Calibri" pitchFamily="34" charset="0"/>
+            </a:endParaRPr>
+          </a:p>
+        </p:txBody>
+      </p:sp>
+      <p:sp>
+        <p:nvSpPr>
+          <p:cNvPr id="19" name="TextBox 18"/>
+          <p:cNvSpPr txBox="1"/>
+          <p:nvPr/>
+        </p:nvSpPr>
+        <p:spPr>
+          <a:xfrm>
+            <a:off x="381000" y="2057400"/>
+            <a:ext cx="7543800" cy="338554"/>
+          </a:xfrm>
+          <a:prstGeom prst="rect">
+            <a:avLst/>
+          </a:prstGeom>
+          <a:noFill/>
+        </p:spPr>
+        <p:txBody>
+          <a:bodyPr wrap="square">
+            <a:spAutoFit/>
+          </a:bodyPr>
+          <a:lstStyle/>
+          <a:p>
+            <a:pPr>
+              <a:defRPr/>
+            </a:pPr>
+            <a:r>
+              <a:rPr lang="en-US" sz="1600" dirty="0" smtClean="0">
+                <a:solidFill>
+                  <a:schemeClr val="bg1"/>
+                </a:solidFill>
+              </a:rPr>
+              <a:t>They’re</a:t>
+            </a:r>
+            <a:r>
+              <a:rPr lang="en-US" sz="1600" dirty="0" smtClean="0">
+                <a:solidFill>
+                  <a:schemeClr val="bg1"/>
+                </a:solidFill>
+                <a:latin typeface="+mn-lt"/>
+              </a:rPr>
+              <a:t> Not Just For Academics And Ivory Tower Architects</a:t>
+            </a:r>
+            <a:endParaRPr lang="en-US" sz="1600" dirty="0">
+              <a:solidFill>
+                <a:schemeClr val="bg1"/>
+              </a:solidFill>
+              <a:latin typeface="+mn-lt"/>
+            </a:endParaRPr>
+          </a:p>
+        </p:txBody>
+      </p:sp>
+    </p:spTree>
+    <p:extLst>
+      <p:ext uri="{BB962C8B-B14F-4D97-AF65-F5344CB8AC3E}">
+        <p14:creationId xmlns:p14="http://schemas.microsoft.com/office/powerpoint/2010/main" val="786468516"/>
+      </p:ext>
+    </p:extLst>
+  </p:cSld>
+  <p:clrMapOvr>
+    <a:masterClrMapping/>
+  </p:clrMapOvr>
+  <p:timing>
+    <p:tnLst>
+      <p:par>
+        <p:cTn xmlns:p14="http://schemas.microsoft.com/office/powerpoint/2010/main" id="1" dur="indefinite" restart="never" nodeType="tmRoot"/>
+      </p:par>
+    </p:tnLst>
+  </p:timing>
+</p:sld>
+</file>
+
+<file path=ppt/slides/slide20.xml><?xml version="1.0" encoding="utf-8"?>
 <p:sld xmlns:a="http://schemas.openxmlformats.org/drawingml/2006/main" xmlns:r="http://schemas.openxmlformats.org/officeDocument/2006/relationships" xmlns:p="http://schemas.openxmlformats.org/presentationml/2006/main">
   <p:cSld>
     <p:spTree>
@@ -9431,7 +9887,7 @@
 </p:sld>
 </file>
 
-<file path=ppt/slides/slide22.xml><?xml version="1.0" encoding="utf-8"?>
+<file path=ppt/slides/slide21.xml><?xml version="1.0" encoding="utf-8"?>
 <p:sld xmlns:a="http://schemas.openxmlformats.org/drawingml/2006/main" xmlns:r="http://schemas.openxmlformats.org/officeDocument/2006/relationships" xmlns:p="http://schemas.openxmlformats.org/presentationml/2006/main">
   <p:cSld>
     <p:spTree>
@@ -9983,7 +10439,7 @@
 </p:sld>
 </file>
 
-<file path=ppt/slides/slide23.xml><?xml version="1.0" encoding="utf-8"?>
+<file path=ppt/slides/slide22.xml><?xml version="1.0" encoding="utf-8"?>
 <p:sld xmlns:a="http://schemas.openxmlformats.org/drawingml/2006/main" xmlns:r="http://schemas.openxmlformats.org/officeDocument/2006/relationships" xmlns:p="http://schemas.openxmlformats.org/presentationml/2006/main">
   <p:cSld>
     <p:spTree>
@@ -10046,7 +10502,7 @@
 </p:sld>
 </file>
 
-<file path=ppt/slides/slide24.xml><?xml version="1.0" encoding="utf-8"?>
+<file path=ppt/slides/slide23.xml><?xml version="1.0" encoding="utf-8"?>
 <p:sld xmlns:a="http://schemas.openxmlformats.org/drawingml/2006/main" xmlns:r="http://schemas.openxmlformats.org/officeDocument/2006/relationships" xmlns:p="http://schemas.openxmlformats.org/presentationml/2006/main">
   <p:cSld>
     <p:spTree>
@@ -10706,7 +11162,7 @@
 </p:sld>
 </file>
 
-<file path=ppt/slides/slide25.xml><?xml version="1.0" encoding="utf-8"?>
+<file path=ppt/slides/slide24.xml><?xml version="1.0" encoding="utf-8"?>
 <p:sld xmlns:a="http://schemas.openxmlformats.org/drawingml/2006/main" xmlns:r="http://schemas.openxmlformats.org/officeDocument/2006/relationships" xmlns:p="http://schemas.openxmlformats.org/presentationml/2006/main">
   <p:cSld>
     <p:spTree>
@@ -11216,11 +11672,6 @@
               </a:rPr>
               <a:t>	- Robert Martin</a:t>
             </a:r>
-            <a:endParaRPr lang="en-US" sz="2000" dirty="0" smtClean="0">
-              <a:solidFill>
-                <a:srgbClr val="FFFFFF"/>
-              </a:solidFill>
-            </a:endParaRPr>
           </a:p>
         </p:txBody>
       </p:sp>
@@ -11244,7 +11695,7 @@
 </p:sld>
 </file>
 
-<file path=ppt/slides/slide26.xml><?xml version="1.0" encoding="utf-8"?>
+<file path=ppt/slides/slide25.xml><?xml version="1.0" encoding="utf-8"?>
 <p:sld xmlns:a="http://schemas.openxmlformats.org/drawingml/2006/main" xmlns:r="http://schemas.openxmlformats.org/officeDocument/2006/relationships" xmlns:p="http://schemas.openxmlformats.org/presentationml/2006/main">
   <p:cSld>
     <p:spTree>
@@ -11307,7 +11758,7 @@
 </p:sld>
 </file>
 
-<file path=ppt/slides/slide27.xml><?xml version="1.0" encoding="utf-8"?>
+<file path=ppt/slides/slide26.xml><?xml version="1.0" encoding="utf-8"?>
 <p:sld xmlns:a="http://schemas.openxmlformats.org/drawingml/2006/main" xmlns:r="http://schemas.openxmlformats.org/officeDocument/2006/relationships" xmlns:p="http://schemas.openxmlformats.org/presentationml/2006/main">
   <p:cSld>
     <p:spTree>
@@ -11526,7 +11977,7 @@
 </p:sld>
 </file>
 
-<file path=ppt/slides/slide28.xml><?xml version="1.0" encoding="utf-8"?>
+<file path=ppt/slides/slide27.xml><?xml version="1.0" encoding="utf-8"?>
 <p:sld xmlns:a="http://schemas.openxmlformats.org/drawingml/2006/main" xmlns:r="http://schemas.openxmlformats.org/officeDocument/2006/relationships" xmlns:p="http://schemas.openxmlformats.org/presentationml/2006/main">
   <p:cSld>
     <p:spTree>
@@ -11866,7 +12317,7 @@
 </p:sld>
 </file>
 
-<file path=ppt/slides/slide29.xml><?xml version="1.0" encoding="utf-8"?>
+<file path=ppt/slides/slide28.xml><?xml version="1.0" encoding="utf-8"?>
 <p:sld xmlns:a="http://schemas.openxmlformats.org/drawingml/2006/main" xmlns:r="http://schemas.openxmlformats.org/officeDocument/2006/relationships" xmlns:p="http://schemas.openxmlformats.org/presentationml/2006/main">
   <p:cSld>
     <p:spTree>
@@ -12206,1439 +12657,7 @@
 </p:sld>
 </file>
 
-<file path=ppt/slides/slide3.xml><?xml version="1.0" encoding="utf-8"?>
-<p:sld xmlns:a="http://schemas.openxmlformats.org/drawingml/2006/main" xmlns:r="http://schemas.openxmlformats.org/officeDocument/2006/relationships" xmlns:p="http://schemas.openxmlformats.org/presentationml/2006/main">
-  <p:cSld>
-    <p:spTree>
-      <p:nvGrpSpPr>
-        <p:cNvPr id="1" name=""/>
-        <p:cNvGrpSpPr/>
-        <p:nvPr/>
-      </p:nvGrpSpPr>
-      <p:grpSpPr>
-        <a:xfrm>
-          <a:off x="0" y="0"/>
-          <a:ext cx="0" cy="0"/>
-          <a:chOff x="0" y="0"/>
-          <a:chExt cx="0" cy="0"/>
-        </a:xfrm>
-      </p:grpSpPr>
-      <p:sp>
-        <p:nvSpPr>
-          <p:cNvPr id="3075" name="Text Placeholder 2"/>
-          <p:cNvSpPr>
-            <a:spLocks noGrp="1"/>
-          </p:cNvSpPr>
-          <p:nvPr>
-            <p:ph type="body" sz="quarter" idx="10"/>
-          </p:nvPr>
-        </p:nvSpPr>
-        <p:spPr>
-          <a:xfrm>
-            <a:off x="693615" y="1066799"/>
-            <a:ext cx="7825154" cy="2342663"/>
-          </a:xfrm>
-        </p:spPr>
-        <p:txBody>
-          <a:bodyPr/>
-          <a:lstStyle/>
-          <a:p>
-            <a:pPr eaLnBrk="1" hangingPunct="1">
-              <a:buNone/>
-            </a:pPr>
-            <a:r>
-              <a:rPr lang="en-US" dirty="0" smtClean="0"/>
-              <a:t>Coupling:</a:t>
-            </a:r>
-          </a:p>
-          <a:p>
-            <a:pPr lvl="1" eaLnBrk="1" hangingPunct="1">
-              <a:buNone/>
-            </a:pPr>
-            <a:r>
-              <a:rPr lang="en-US" sz="2000" dirty="0" smtClean="0"/>
-              <a:t>“The degree to which each program module relies on each one of the other modules” – </a:t>
-            </a:r>
-            <a:r>
-              <a:rPr lang="en-US" sz="2000" dirty="0" smtClean="0">
-                <a:hlinkClick r:id="rId3"/>
-              </a:rPr>
-              <a:t>Wikipedia</a:t>
-            </a:r>
-          </a:p>
-        </p:txBody>
-      </p:sp>
-      <p:sp>
-        <p:nvSpPr>
-          <p:cNvPr id="3074" name="Title 1"/>
-          <p:cNvSpPr>
-            <a:spLocks noGrp="1"/>
-          </p:cNvSpPr>
-          <p:nvPr>
-            <p:ph type="title"/>
-          </p:nvPr>
-        </p:nvSpPr>
-        <p:spPr bwMode="auto">
-          <a:xfrm>
-            <a:off x="0" y="407987"/>
-            <a:ext cx="9144000" cy="1145321"/>
-          </a:xfrm>
-          <a:noFill/>
-          <a:ln>
-            <a:miter lim="800000"/>
-            <a:headEnd/>
-            <a:tailEnd/>
-          </a:ln>
-        </p:spPr>
-        <p:txBody>
-          <a:bodyPr vert="horz" wrap="square" lIns="91440" tIns="45720" rIns="91440" bIns="45720" numCol="1" anchor="t" anchorCtr="0" compatLnSpc="1">
-            <a:prstTxWarp prst="textNoShape">
-              <a:avLst/>
-            </a:prstTxWarp>
-          </a:bodyPr>
-          <a:lstStyle/>
-          <a:p>
-            <a:pPr eaLnBrk="1" hangingPunct="1"/>
-            <a:r>
-              <a:rPr lang="en-US" dirty="0" smtClean="0"/>
-              <a:t>Coupling</a:t>
-            </a:r>
-            <a:endParaRPr lang="en-US" dirty="0" smtClean="0"/>
-          </a:p>
-        </p:txBody>
-      </p:sp>
-      <p:grpSp>
-        <p:nvGrpSpPr>
-          <p:cNvPr id="3" name="Group 2"/>
-          <p:cNvGrpSpPr/>
-          <p:nvPr/>
-        </p:nvGrpSpPr>
-        <p:grpSpPr>
-          <a:xfrm>
-            <a:off x="1257300" y="3761154"/>
-            <a:ext cx="6629400" cy="2743200"/>
-            <a:chOff x="1257300" y="3761154"/>
-            <a:chExt cx="6629400" cy="2743200"/>
-          </a:xfrm>
-        </p:grpSpPr>
-        <p:sp>
-          <p:nvSpPr>
-            <p:cNvPr id="5" name="Rectangle 4"/>
-            <p:cNvSpPr/>
-            <p:nvPr/>
-          </p:nvSpPr>
-          <p:spPr>
-            <a:xfrm>
-              <a:off x="2171700" y="3989754"/>
-              <a:ext cx="990600" cy="533400"/>
-            </a:xfrm>
-            <a:prstGeom prst="rect">
-              <a:avLst/>
-            </a:prstGeom>
-          </p:spPr>
-          <p:style>
-            <a:lnRef idx="1">
-              <a:schemeClr val="accent1"/>
-            </a:lnRef>
-            <a:fillRef idx="3">
-              <a:schemeClr val="accent1"/>
-            </a:fillRef>
-            <a:effectRef idx="2">
-              <a:schemeClr val="accent1"/>
-            </a:effectRef>
-            <a:fontRef idx="minor">
-              <a:schemeClr val="lt1"/>
-            </a:fontRef>
-          </p:style>
-          <p:txBody>
-            <a:bodyPr rtlCol="0" anchor="ctr"/>
-            <a:lstStyle/>
-            <a:p>
-              <a:pPr algn="ctr"/>
-              <a:endParaRPr lang="en-US"/>
-            </a:p>
-          </p:txBody>
-        </p:sp>
-        <p:sp>
-          <p:nvSpPr>
-            <p:cNvPr id="6" name="Rectangle 5"/>
-            <p:cNvSpPr/>
-            <p:nvPr/>
-          </p:nvSpPr>
-          <p:spPr>
-            <a:xfrm>
-              <a:off x="3314700" y="5132754"/>
-              <a:ext cx="990600" cy="533400"/>
-            </a:xfrm>
-            <a:prstGeom prst="rect">
-              <a:avLst/>
-            </a:prstGeom>
-          </p:spPr>
-          <p:style>
-            <a:lnRef idx="1">
-              <a:schemeClr val="accent2"/>
-            </a:lnRef>
-            <a:fillRef idx="3">
-              <a:schemeClr val="accent2"/>
-            </a:fillRef>
-            <a:effectRef idx="2">
-              <a:schemeClr val="accent2"/>
-            </a:effectRef>
-            <a:fontRef idx="minor">
-              <a:schemeClr val="lt1"/>
-            </a:fontRef>
-          </p:style>
-          <p:txBody>
-            <a:bodyPr rtlCol="0" anchor="ctr"/>
-            <a:lstStyle/>
-            <a:p>
-              <a:pPr algn="ctr"/>
-              <a:endParaRPr lang="en-US"/>
-            </a:p>
-          </p:txBody>
-        </p:sp>
-        <p:sp>
-          <p:nvSpPr>
-            <p:cNvPr id="7" name="Rectangle 6"/>
-            <p:cNvSpPr/>
-            <p:nvPr/>
-          </p:nvSpPr>
-          <p:spPr>
-            <a:xfrm>
-              <a:off x="3848100" y="3761154"/>
-              <a:ext cx="990600" cy="533400"/>
-            </a:xfrm>
-            <a:prstGeom prst="rect">
-              <a:avLst/>
-            </a:prstGeom>
-          </p:spPr>
-          <p:style>
-            <a:lnRef idx="1">
-              <a:schemeClr val="accent1"/>
-            </a:lnRef>
-            <a:fillRef idx="3">
-              <a:schemeClr val="accent1"/>
-            </a:fillRef>
-            <a:effectRef idx="2">
-              <a:schemeClr val="accent1"/>
-            </a:effectRef>
-            <a:fontRef idx="minor">
-              <a:schemeClr val="lt1"/>
-            </a:fontRef>
-          </p:style>
-          <p:txBody>
-            <a:bodyPr rtlCol="0" anchor="ctr"/>
-            <a:lstStyle/>
-            <a:p>
-              <a:pPr algn="ctr"/>
-              <a:endParaRPr lang="en-US"/>
-            </a:p>
-          </p:txBody>
-        </p:sp>
-        <p:sp>
-          <p:nvSpPr>
-            <p:cNvPr id="8" name="Rectangle 7"/>
-            <p:cNvSpPr/>
-            <p:nvPr/>
-          </p:nvSpPr>
-          <p:spPr>
-            <a:xfrm>
-              <a:off x="2095500" y="5818554"/>
-              <a:ext cx="990600" cy="533400"/>
-            </a:xfrm>
-            <a:prstGeom prst="rect">
-              <a:avLst/>
-            </a:prstGeom>
-          </p:spPr>
-          <p:style>
-            <a:lnRef idx="1">
-              <a:schemeClr val="accent1"/>
-            </a:lnRef>
-            <a:fillRef idx="3">
-              <a:schemeClr val="accent1"/>
-            </a:fillRef>
-            <a:effectRef idx="2">
-              <a:schemeClr val="accent1"/>
-            </a:effectRef>
-            <a:fontRef idx="minor">
-              <a:schemeClr val="lt1"/>
-            </a:fontRef>
-          </p:style>
-          <p:txBody>
-            <a:bodyPr rtlCol="0" anchor="ctr"/>
-            <a:lstStyle/>
-            <a:p>
-              <a:pPr algn="ctr"/>
-              <a:endParaRPr lang="en-US"/>
-            </a:p>
-          </p:txBody>
-        </p:sp>
-        <p:sp>
-          <p:nvSpPr>
-            <p:cNvPr id="9" name="Rectangle 8"/>
-            <p:cNvSpPr/>
-            <p:nvPr/>
-          </p:nvSpPr>
-          <p:spPr>
-            <a:xfrm>
-              <a:off x="4000500" y="5970954"/>
-              <a:ext cx="990600" cy="533400"/>
-            </a:xfrm>
-            <a:prstGeom prst="rect">
-              <a:avLst/>
-            </a:prstGeom>
-          </p:spPr>
-          <p:style>
-            <a:lnRef idx="1">
-              <a:schemeClr val="accent1"/>
-            </a:lnRef>
-            <a:fillRef idx="3">
-              <a:schemeClr val="accent1"/>
-            </a:fillRef>
-            <a:effectRef idx="2">
-              <a:schemeClr val="accent1"/>
-            </a:effectRef>
-            <a:fontRef idx="minor">
-              <a:schemeClr val="lt1"/>
-            </a:fontRef>
-          </p:style>
-          <p:txBody>
-            <a:bodyPr rtlCol="0" anchor="ctr"/>
-            <a:lstStyle/>
-            <a:p>
-              <a:pPr algn="ctr"/>
-              <a:endParaRPr lang="en-US"/>
-            </a:p>
-          </p:txBody>
-        </p:sp>
-        <p:sp>
-          <p:nvSpPr>
-            <p:cNvPr id="10" name="Rectangle 9"/>
-            <p:cNvSpPr/>
-            <p:nvPr/>
-          </p:nvSpPr>
-          <p:spPr>
-            <a:xfrm>
-              <a:off x="4686300" y="4827954"/>
-              <a:ext cx="990600" cy="533400"/>
-            </a:xfrm>
-            <a:prstGeom prst="rect">
-              <a:avLst/>
-            </a:prstGeom>
-          </p:spPr>
-          <p:style>
-            <a:lnRef idx="1">
-              <a:schemeClr val="accent1"/>
-            </a:lnRef>
-            <a:fillRef idx="3">
-              <a:schemeClr val="accent1"/>
-            </a:fillRef>
-            <a:effectRef idx="2">
-              <a:schemeClr val="accent1"/>
-            </a:effectRef>
-            <a:fontRef idx="minor">
-              <a:schemeClr val="lt1"/>
-            </a:fontRef>
-          </p:style>
-          <p:txBody>
-            <a:bodyPr rtlCol="0" anchor="ctr"/>
-            <a:lstStyle/>
-            <a:p>
-              <a:pPr algn="ctr"/>
-              <a:endParaRPr lang="en-US"/>
-            </a:p>
-          </p:txBody>
-        </p:sp>
-        <p:sp>
-          <p:nvSpPr>
-            <p:cNvPr id="11" name="Rectangle 10"/>
-            <p:cNvSpPr/>
-            <p:nvPr/>
-          </p:nvSpPr>
-          <p:spPr>
-            <a:xfrm>
-              <a:off x="5753100" y="3913554"/>
-              <a:ext cx="990600" cy="533400"/>
-            </a:xfrm>
-            <a:prstGeom prst="rect">
-              <a:avLst/>
-            </a:prstGeom>
-          </p:spPr>
-          <p:style>
-            <a:lnRef idx="1">
-              <a:schemeClr val="accent1"/>
-            </a:lnRef>
-            <a:fillRef idx="3">
-              <a:schemeClr val="accent1"/>
-            </a:fillRef>
-            <a:effectRef idx="2">
-              <a:schemeClr val="accent1"/>
-            </a:effectRef>
-            <a:fontRef idx="minor">
-              <a:schemeClr val="lt1"/>
-            </a:fontRef>
-          </p:style>
-          <p:txBody>
-            <a:bodyPr rtlCol="0" anchor="ctr"/>
-            <a:lstStyle/>
-            <a:p>
-              <a:pPr algn="ctr"/>
-              <a:endParaRPr lang="en-US"/>
-            </a:p>
-          </p:txBody>
-        </p:sp>
-        <p:sp>
-          <p:nvSpPr>
-            <p:cNvPr id="12" name="Rectangle 11"/>
-            <p:cNvSpPr/>
-            <p:nvPr/>
-          </p:nvSpPr>
-          <p:spPr>
-            <a:xfrm>
-              <a:off x="1257300" y="4827954"/>
-              <a:ext cx="990600" cy="533400"/>
-            </a:xfrm>
-            <a:prstGeom prst="rect">
-              <a:avLst/>
-            </a:prstGeom>
-          </p:spPr>
-          <p:style>
-            <a:lnRef idx="1">
-              <a:schemeClr val="accent1"/>
-            </a:lnRef>
-            <a:fillRef idx="3">
-              <a:schemeClr val="accent1"/>
-            </a:fillRef>
-            <a:effectRef idx="2">
-              <a:schemeClr val="accent1"/>
-            </a:effectRef>
-            <a:fontRef idx="minor">
-              <a:schemeClr val="lt1"/>
-            </a:fontRef>
-          </p:style>
-          <p:txBody>
-            <a:bodyPr rtlCol="0" anchor="ctr"/>
-            <a:lstStyle/>
-            <a:p>
-              <a:pPr algn="ctr"/>
-              <a:endParaRPr lang="en-US"/>
-            </a:p>
-          </p:txBody>
-        </p:sp>
-        <p:sp>
-          <p:nvSpPr>
-            <p:cNvPr id="13" name="Rectangle 12"/>
-            <p:cNvSpPr/>
-            <p:nvPr/>
-          </p:nvSpPr>
-          <p:spPr>
-            <a:xfrm>
-              <a:off x="5905500" y="5818554"/>
-              <a:ext cx="990600" cy="533400"/>
-            </a:xfrm>
-            <a:prstGeom prst="rect">
-              <a:avLst/>
-            </a:prstGeom>
-          </p:spPr>
-          <p:style>
-            <a:lnRef idx="1">
-              <a:schemeClr val="accent1"/>
-            </a:lnRef>
-            <a:fillRef idx="3">
-              <a:schemeClr val="accent1"/>
-            </a:fillRef>
-            <a:effectRef idx="2">
-              <a:schemeClr val="accent1"/>
-            </a:effectRef>
-            <a:fontRef idx="minor">
-              <a:schemeClr val="lt1"/>
-            </a:fontRef>
-          </p:style>
-          <p:txBody>
-            <a:bodyPr rtlCol="0" anchor="ctr"/>
-            <a:lstStyle/>
-            <a:p>
-              <a:pPr algn="ctr"/>
-              <a:endParaRPr lang="en-US"/>
-            </a:p>
-          </p:txBody>
-        </p:sp>
-        <p:sp>
-          <p:nvSpPr>
-            <p:cNvPr id="14" name="Rectangle 13"/>
-            <p:cNvSpPr/>
-            <p:nvPr/>
-          </p:nvSpPr>
-          <p:spPr>
-            <a:xfrm>
-              <a:off x="6896100" y="4827954"/>
-              <a:ext cx="990600" cy="533400"/>
-            </a:xfrm>
-            <a:prstGeom prst="rect">
-              <a:avLst/>
-            </a:prstGeom>
-          </p:spPr>
-          <p:style>
-            <a:lnRef idx="1">
-              <a:schemeClr val="accent1"/>
-            </a:lnRef>
-            <a:fillRef idx="3">
-              <a:schemeClr val="accent1"/>
-            </a:fillRef>
-            <a:effectRef idx="2">
-              <a:schemeClr val="accent1"/>
-            </a:effectRef>
-            <a:fontRef idx="minor">
-              <a:schemeClr val="lt1"/>
-            </a:fontRef>
-          </p:style>
-          <p:txBody>
-            <a:bodyPr rtlCol="0" anchor="ctr"/>
-            <a:lstStyle/>
-            <a:p>
-              <a:pPr algn="ctr"/>
-              <a:endParaRPr lang="en-US"/>
-            </a:p>
-          </p:txBody>
-        </p:sp>
-        <p:cxnSp>
-          <p:nvCxnSpPr>
-            <p:cNvPr id="15" name="Elbow Connector 14"/>
-            <p:cNvCxnSpPr>
-              <a:stCxn id="5" idx="3"/>
-              <a:endCxn id="6" idx="0"/>
-            </p:cNvCxnSpPr>
-            <p:nvPr/>
-          </p:nvCxnSpPr>
-          <p:spPr>
-            <a:xfrm>
-              <a:off x="3162300" y="4256454"/>
-              <a:ext cx="647700" cy="876300"/>
-            </a:xfrm>
-            <a:prstGeom prst="bentConnector2">
-              <a:avLst/>
-            </a:prstGeom>
-            <a:ln>
-              <a:tailEnd type="arrow"/>
-            </a:ln>
-            <a:effectLst/>
-          </p:spPr>
-          <p:style>
-            <a:lnRef idx="1">
-              <a:schemeClr val="accent1"/>
-            </a:lnRef>
-            <a:fillRef idx="3">
-              <a:schemeClr val="accent1"/>
-            </a:fillRef>
-            <a:effectRef idx="2">
-              <a:schemeClr val="accent1"/>
-            </a:effectRef>
-            <a:fontRef idx="minor">
-              <a:schemeClr val="lt1"/>
-            </a:fontRef>
-          </p:style>
-        </p:cxnSp>
-        <p:cxnSp>
-          <p:nvCxnSpPr>
-            <p:cNvPr id="16" name="Elbow Connector 14"/>
-            <p:cNvCxnSpPr>
-              <a:stCxn id="5" idx="1"/>
-              <a:endCxn id="12" idx="0"/>
-            </p:cNvCxnSpPr>
-            <p:nvPr/>
-          </p:nvCxnSpPr>
-          <p:spPr>
-            <a:xfrm rot="10800000" flipV="1">
-              <a:off x="1752600" y="4256454"/>
-              <a:ext cx="419100" cy="571500"/>
-            </a:xfrm>
-            <a:prstGeom prst="bentConnector2">
-              <a:avLst/>
-            </a:prstGeom>
-            <a:ln>
-              <a:tailEnd type="arrow"/>
-            </a:ln>
-            <a:effectLst/>
-          </p:spPr>
-          <p:style>
-            <a:lnRef idx="1">
-              <a:schemeClr val="accent1"/>
-            </a:lnRef>
-            <a:fillRef idx="3">
-              <a:schemeClr val="accent1"/>
-            </a:fillRef>
-            <a:effectRef idx="2">
-              <a:schemeClr val="accent1"/>
-            </a:effectRef>
-            <a:fontRef idx="minor">
-              <a:schemeClr val="lt1"/>
-            </a:fontRef>
-          </p:style>
-        </p:cxnSp>
-        <p:cxnSp>
-          <p:nvCxnSpPr>
-            <p:cNvPr id="17" name="Elbow Connector 14"/>
-            <p:cNvCxnSpPr>
-              <a:stCxn id="6" idx="1"/>
-              <a:endCxn id="5" idx="2"/>
-            </p:cNvCxnSpPr>
-            <p:nvPr/>
-          </p:nvCxnSpPr>
-          <p:spPr>
-            <a:xfrm rot="10800000">
-              <a:off x="2667000" y="4523154"/>
-              <a:ext cx="647700" cy="876300"/>
-            </a:xfrm>
-            <a:prstGeom prst="bentConnector2">
-              <a:avLst/>
-            </a:prstGeom>
-            <a:ln>
-              <a:tailEnd type="arrow"/>
-            </a:ln>
-            <a:effectLst/>
-          </p:spPr>
-          <p:style>
-            <a:lnRef idx="1">
-              <a:schemeClr val="accent1"/>
-            </a:lnRef>
-            <a:fillRef idx="3">
-              <a:schemeClr val="accent1"/>
-            </a:fillRef>
-            <a:effectRef idx="2">
-              <a:schemeClr val="accent1"/>
-            </a:effectRef>
-            <a:fontRef idx="minor">
-              <a:schemeClr val="lt1"/>
-            </a:fontRef>
-          </p:style>
-        </p:cxnSp>
-        <p:cxnSp>
-          <p:nvCxnSpPr>
-            <p:cNvPr id="18" name="Elbow Connector 14"/>
-            <p:cNvCxnSpPr>
-              <a:stCxn id="7" idx="2"/>
-              <a:endCxn id="6" idx="0"/>
-            </p:cNvCxnSpPr>
-            <p:nvPr/>
-          </p:nvCxnSpPr>
-          <p:spPr>
-            <a:xfrm rot="5400000">
-              <a:off x="3657600" y="4446954"/>
-              <a:ext cx="838200" cy="533400"/>
-            </a:xfrm>
-            <a:prstGeom prst="bentConnector3">
-              <a:avLst>
-                <a:gd name="adj1" fmla="val 50000"/>
-              </a:avLst>
-            </a:prstGeom>
-            <a:ln>
-              <a:tailEnd type="arrow"/>
-            </a:ln>
-            <a:effectLst/>
-          </p:spPr>
-          <p:style>
-            <a:lnRef idx="1">
-              <a:schemeClr val="accent1"/>
-            </a:lnRef>
-            <a:fillRef idx="3">
-              <a:schemeClr val="accent1"/>
-            </a:fillRef>
-            <a:effectRef idx="2">
-              <a:schemeClr val="accent1"/>
-            </a:effectRef>
-            <a:fontRef idx="minor">
-              <a:schemeClr val="lt1"/>
-            </a:fontRef>
-          </p:style>
-        </p:cxnSp>
-        <p:cxnSp>
-          <p:nvCxnSpPr>
-            <p:cNvPr id="19" name="Elbow Connector 14"/>
-            <p:cNvCxnSpPr>
-              <a:stCxn id="10" idx="0"/>
-              <a:endCxn id="7" idx="3"/>
-            </p:cNvCxnSpPr>
-            <p:nvPr/>
-          </p:nvCxnSpPr>
-          <p:spPr>
-            <a:xfrm rot="16200000" flipV="1">
-              <a:off x="4610100" y="4256454"/>
-              <a:ext cx="800100" cy="342900"/>
-            </a:xfrm>
-            <a:prstGeom prst="bentConnector2">
-              <a:avLst/>
-            </a:prstGeom>
-            <a:ln>
-              <a:tailEnd type="arrow"/>
-            </a:ln>
-            <a:effectLst/>
-          </p:spPr>
-          <p:style>
-            <a:lnRef idx="1">
-              <a:schemeClr val="accent1"/>
-            </a:lnRef>
-            <a:fillRef idx="3">
-              <a:schemeClr val="accent1"/>
-            </a:fillRef>
-            <a:effectRef idx="2">
-              <a:schemeClr val="accent1"/>
-            </a:effectRef>
-            <a:fontRef idx="minor">
-              <a:schemeClr val="lt1"/>
-            </a:fontRef>
-          </p:style>
-        </p:cxnSp>
-        <p:cxnSp>
-          <p:nvCxnSpPr>
-            <p:cNvPr id="20" name="Elbow Connector 14"/>
-            <p:cNvCxnSpPr>
-              <a:stCxn id="8" idx="3"/>
-              <a:endCxn id="9" idx="1"/>
-            </p:cNvCxnSpPr>
-            <p:nvPr/>
-          </p:nvCxnSpPr>
-          <p:spPr>
-            <a:xfrm>
-              <a:off x="3086100" y="6085254"/>
-              <a:ext cx="914400" cy="152400"/>
-            </a:xfrm>
-            <a:prstGeom prst="bentConnector3">
-              <a:avLst>
-                <a:gd name="adj1" fmla="val 50000"/>
-              </a:avLst>
-            </a:prstGeom>
-            <a:ln>
-              <a:tailEnd type="arrow"/>
-            </a:ln>
-            <a:effectLst/>
-          </p:spPr>
-          <p:style>
-            <a:lnRef idx="1">
-              <a:schemeClr val="accent1"/>
-            </a:lnRef>
-            <a:fillRef idx="3">
-              <a:schemeClr val="accent1"/>
-            </a:fillRef>
-            <a:effectRef idx="2">
-              <a:schemeClr val="accent1"/>
-            </a:effectRef>
-            <a:fontRef idx="minor">
-              <a:schemeClr val="lt1"/>
-            </a:fontRef>
-          </p:style>
-        </p:cxnSp>
-        <p:cxnSp>
-          <p:nvCxnSpPr>
-            <p:cNvPr id="21" name="Elbow Connector 14"/>
-            <p:cNvCxnSpPr>
-              <a:stCxn id="9" idx="0"/>
-              <a:endCxn id="6" idx="2"/>
-            </p:cNvCxnSpPr>
-            <p:nvPr/>
-          </p:nvCxnSpPr>
-          <p:spPr>
-            <a:xfrm rot="16200000" flipV="1">
-              <a:off x="4000500" y="5475654"/>
-              <a:ext cx="304800" cy="685800"/>
-            </a:xfrm>
-            <a:prstGeom prst="bentConnector3">
-              <a:avLst>
-                <a:gd name="adj1" fmla="val 50000"/>
-              </a:avLst>
-            </a:prstGeom>
-            <a:ln>
-              <a:tailEnd type="arrow"/>
-            </a:ln>
-            <a:effectLst/>
-          </p:spPr>
-          <p:style>
-            <a:lnRef idx="1">
-              <a:schemeClr val="accent1"/>
-            </a:lnRef>
-            <a:fillRef idx="3">
-              <a:schemeClr val="accent1"/>
-            </a:fillRef>
-            <a:effectRef idx="2">
-              <a:schemeClr val="accent1"/>
-            </a:effectRef>
-            <a:fontRef idx="minor">
-              <a:schemeClr val="lt1"/>
-            </a:fontRef>
-          </p:style>
-        </p:cxnSp>
-        <p:cxnSp>
-          <p:nvCxnSpPr>
-            <p:cNvPr id="22" name="Elbow Connector 14"/>
-            <p:cNvCxnSpPr>
-              <a:stCxn id="12" idx="3"/>
-              <a:endCxn id="8" idx="0"/>
-            </p:cNvCxnSpPr>
-            <p:nvPr/>
-          </p:nvCxnSpPr>
-          <p:spPr>
-            <a:xfrm>
-              <a:off x="2247900" y="5094654"/>
-              <a:ext cx="342900" cy="723900"/>
-            </a:xfrm>
-            <a:prstGeom prst="bentConnector2">
-              <a:avLst/>
-            </a:prstGeom>
-            <a:ln>
-              <a:tailEnd type="arrow"/>
-            </a:ln>
-            <a:effectLst/>
-          </p:spPr>
-          <p:style>
-            <a:lnRef idx="1">
-              <a:schemeClr val="accent1"/>
-            </a:lnRef>
-            <a:fillRef idx="3">
-              <a:schemeClr val="accent1"/>
-            </a:fillRef>
-            <a:effectRef idx="2">
-              <a:schemeClr val="accent1"/>
-            </a:effectRef>
-            <a:fontRef idx="minor">
-              <a:schemeClr val="lt1"/>
-            </a:fontRef>
-          </p:style>
-        </p:cxnSp>
-        <p:cxnSp>
-          <p:nvCxnSpPr>
-            <p:cNvPr id="23" name="Elbow Connector 14"/>
-            <p:cNvCxnSpPr>
-              <a:stCxn id="6" idx="1"/>
-              <a:endCxn id="8" idx="0"/>
-            </p:cNvCxnSpPr>
-            <p:nvPr/>
-          </p:nvCxnSpPr>
-          <p:spPr>
-            <a:xfrm rot="10800000" flipV="1">
-              <a:off x="2590800" y="5399454"/>
-              <a:ext cx="723900" cy="419100"/>
-            </a:xfrm>
-            <a:prstGeom prst="bentConnector2">
-              <a:avLst/>
-            </a:prstGeom>
-            <a:ln>
-              <a:tailEnd type="arrow"/>
-            </a:ln>
-            <a:effectLst/>
-          </p:spPr>
-          <p:style>
-            <a:lnRef idx="1">
-              <a:schemeClr val="accent1"/>
-            </a:lnRef>
-            <a:fillRef idx="3">
-              <a:schemeClr val="accent1"/>
-            </a:fillRef>
-            <a:effectRef idx="2">
-              <a:schemeClr val="accent1"/>
-            </a:effectRef>
-            <a:fontRef idx="minor">
-              <a:schemeClr val="lt1"/>
-            </a:fontRef>
-          </p:style>
-        </p:cxnSp>
-        <p:cxnSp>
-          <p:nvCxnSpPr>
-            <p:cNvPr id="24" name="Elbow Connector 14"/>
-            <p:cNvCxnSpPr>
-              <a:stCxn id="10" idx="1"/>
-              <a:endCxn id="6" idx="3"/>
-            </p:cNvCxnSpPr>
-            <p:nvPr/>
-          </p:nvCxnSpPr>
-          <p:spPr>
-            <a:xfrm rot="10800000" flipV="1">
-              <a:off x="4305300" y="5094654"/>
-              <a:ext cx="381000" cy="304800"/>
-            </a:xfrm>
-            <a:prstGeom prst="bentConnector3">
-              <a:avLst>
-                <a:gd name="adj1" fmla="val 50000"/>
-              </a:avLst>
-            </a:prstGeom>
-            <a:ln>
-              <a:tailEnd type="arrow"/>
-            </a:ln>
-            <a:effectLst/>
-          </p:spPr>
-          <p:style>
-            <a:lnRef idx="1">
-              <a:schemeClr val="accent1"/>
-            </a:lnRef>
-            <a:fillRef idx="3">
-              <a:schemeClr val="accent1"/>
-            </a:fillRef>
-            <a:effectRef idx="2">
-              <a:schemeClr val="accent1"/>
-            </a:effectRef>
-            <a:fontRef idx="minor">
-              <a:schemeClr val="lt1"/>
-            </a:fontRef>
-          </p:style>
-        </p:cxnSp>
-        <p:cxnSp>
-          <p:nvCxnSpPr>
-            <p:cNvPr id="25" name="Elbow Connector 14"/>
-            <p:cNvCxnSpPr>
-              <a:stCxn id="10" idx="2"/>
-              <a:endCxn id="9" idx="3"/>
-            </p:cNvCxnSpPr>
-            <p:nvPr/>
-          </p:nvCxnSpPr>
-          <p:spPr>
-            <a:xfrm rot="5400000">
-              <a:off x="4648200" y="5704254"/>
-              <a:ext cx="876300" cy="190500"/>
-            </a:xfrm>
-            <a:prstGeom prst="bentConnector2">
-              <a:avLst/>
-            </a:prstGeom>
-            <a:ln>
-              <a:tailEnd type="arrow"/>
-            </a:ln>
-            <a:effectLst/>
-          </p:spPr>
-          <p:style>
-            <a:lnRef idx="1">
-              <a:schemeClr val="accent1"/>
-            </a:lnRef>
-            <a:fillRef idx="3">
-              <a:schemeClr val="accent1"/>
-            </a:fillRef>
-            <a:effectRef idx="2">
-              <a:schemeClr val="accent1"/>
-            </a:effectRef>
-            <a:fontRef idx="minor">
-              <a:schemeClr val="lt1"/>
-            </a:fontRef>
-          </p:style>
-        </p:cxnSp>
-        <p:cxnSp>
-          <p:nvCxnSpPr>
-            <p:cNvPr id="26" name="Elbow Connector 14"/>
-            <p:cNvCxnSpPr>
-              <a:stCxn id="13" idx="0"/>
-              <a:endCxn id="10" idx="3"/>
-            </p:cNvCxnSpPr>
-            <p:nvPr/>
-          </p:nvCxnSpPr>
-          <p:spPr>
-            <a:xfrm rot="16200000" flipV="1">
-              <a:off x="5676900" y="5094654"/>
-              <a:ext cx="723900" cy="723900"/>
-            </a:xfrm>
-            <a:prstGeom prst="bentConnector2">
-              <a:avLst/>
-            </a:prstGeom>
-            <a:ln>
-              <a:tailEnd type="arrow"/>
-            </a:ln>
-            <a:effectLst/>
-          </p:spPr>
-          <p:style>
-            <a:lnRef idx="1">
-              <a:schemeClr val="accent1"/>
-            </a:lnRef>
-            <a:fillRef idx="3">
-              <a:schemeClr val="accent1"/>
-            </a:fillRef>
-            <a:effectRef idx="2">
-              <a:schemeClr val="accent1"/>
-            </a:effectRef>
-            <a:fontRef idx="minor">
-              <a:schemeClr val="lt1"/>
-            </a:fontRef>
-          </p:style>
-        </p:cxnSp>
-        <p:cxnSp>
-          <p:nvCxnSpPr>
-            <p:cNvPr id="27" name="Elbow Connector 14"/>
-            <p:cNvCxnSpPr>
-              <a:stCxn id="11" idx="2"/>
-              <a:endCxn id="10" idx="3"/>
-            </p:cNvCxnSpPr>
-            <p:nvPr/>
-          </p:nvCxnSpPr>
-          <p:spPr>
-            <a:xfrm rot="5400000">
-              <a:off x="5638800" y="4485054"/>
-              <a:ext cx="647700" cy="571500"/>
-            </a:xfrm>
-            <a:prstGeom prst="bentConnector2">
-              <a:avLst/>
-            </a:prstGeom>
-            <a:ln>
-              <a:tailEnd type="arrow"/>
-            </a:ln>
-            <a:effectLst/>
-          </p:spPr>
-          <p:style>
-            <a:lnRef idx="1">
-              <a:schemeClr val="accent1"/>
-            </a:lnRef>
-            <a:fillRef idx="3">
-              <a:schemeClr val="accent1"/>
-            </a:fillRef>
-            <a:effectRef idx="2">
-              <a:schemeClr val="accent1"/>
-            </a:effectRef>
-            <a:fontRef idx="minor">
-              <a:schemeClr val="lt1"/>
-            </a:fontRef>
-          </p:style>
-        </p:cxnSp>
-        <p:cxnSp>
-          <p:nvCxnSpPr>
-            <p:cNvPr id="28" name="Elbow Connector 14"/>
-            <p:cNvCxnSpPr>
-              <a:stCxn id="14" idx="0"/>
-              <a:endCxn id="11" idx="3"/>
-            </p:cNvCxnSpPr>
-            <p:nvPr/>
-          </p:nvCxnSpPr>
-          <p:spPr>
-            <a:xfrm rot="16200000" flipV="1">
-              <a:off x="6743700" y="4180254"/>
-              <a:ext cx="647700" cy="647700"/>
-            </a:xfrm>
-            <a:prstGeom prst="bentConnector2">
-              <a:avLst/>
-            </a:prstGeom>
-            <a:ln>
-              <a:tailEnd type="arrow"/>
-            </a:ln>
-            <a:effectLst/>
-          </p:spPr>
-          <p:style>
-            <a:lnRef idx="1">
-              <a:schemeClr val="accent1"/>
-            </a:lnRef>
-            <a:fillRef idx="3">
-              <a:schemeClr val="accent1"/>
-            </a:fillRef>
-            <a:effectRef idx="2">
-              <a:schemeClr val="accent1"/>
-            </a:effectRef>
-            <a:fontRef idx="minor">
-              <a:schemeClr val="lt1"/>
-            </a:fontRef>
-          </p:style>
-        </p:cxnSp>
-        <p:cxnSp>
-          <p:nvCxnSpPr>
-            <p:cNvPr id="29" name="Elbow Connector 14"/>
-            <p:cNvCxnSpPr>
-              <a:stCxn id="13" idx="3"/>
-              <a:endCxn id="14" idx="2"/>
-            </p:cNvCxnSpPr>
-            <p:nvPr/>
-          </p:nvCxnSpPr>
-          <p:spPr>
-            <a:xfrm flipV="1">
-              <a:off x="6896100" y="5361354"/>
-              <a:ext cx="495300" cy="723900"/>
-            </a:xfrm>
-            <a:prstGeom prst="bentConnector2">
-              <a:avLst/>
-            </a:prstGeom>
-            <a:ln>
-              <a:tailEnd type="arrow"/>
-            </a:ln>
-            <a:effectLst/>
-          </p:spPr>
-          <p:style>
-            <a:lnRef idx="1">
-              <a:schemeClr val="accent1"/>
-            </a:lnRef>
-            <a:fillRef idx="3">
-              <a:schemeClr val="accent1"/>
-            </a:fillRef>
-            <a:effectRef idx="2">
-              <a:schemeClr val="accent1"/>
-            </a:effectRef>
-            <a:fontRef idx="minor">
-              <a:schemeClr val="lt1"/>
-            </a:fontRef>
-          </p:style>
-        </p:cxnSp>
-        <p:cxnSp>
-          <p:nvCxnSpPr>
-            <p:cNvPr id="30" name="Elbow Connector 14"/>
-            <p:cNvCxnSpPr>
-              <a:stCxn id="14" idx="1"/>
-              <a:endCxn id="10" idx="3"/>
-            </p:cNvCxnSpPr>
-            <p:nvPr/>
-          </p:nvCxnSpPr>
-          <p:spPr>
-            <a:xfrm rot="10800000">
-              <a:off x="5676900" y="5094654"/>
-              <a:ext cx="1219200" cy="1588"/>
-            </a:xfrm>
-            <a:prstGeom prst="bentConnector3">
-              <a:avLst>
-                <a:gd name="adj1" fmla="val 50000"/>
-              </a:avLst>
-            </a:prstGeom>
-            <a:ln>
-              <a:tailEnd type="arrow"/>
-            </a:ln>
-            <a:effectLst/>
-          </p:spPr>
-          <p:style>
-            <a:lnRef idx="1">
-              <a:schemeClr val="accent1"/>
-            </a:lnRef>
-            <a:fillRef idx="3">
-              <a:schemeClr val="accent1"/>
-            </a:fillRef>
-            <a:effectRef idx="2">
-              <a:schemeClr val="accent1"/>
-            </a:effectRef>
-            <a:fontRef idx="minor">
-              <a:schemeClr val="lt1"/>
-            </a:fontRef>
-          </p:style>
-        </p:cxnSp>
-        <p:cxnSp>
-          <p:nvCxnSpPr>
-            <p:cNvPr id="31" name="Elbow Connector 14"/>
-            <p:cNvCxnSpPr>
-              <a:stCxn id="14" idx="0"/>
-              <a:endCxn id="7" idx="0"/>
-            </p:cNvCxnSpPr>
-            <p:nvPr/>
-          </p:nvCxnSpPr>
-          <p:spPr>
-            <a:xfrm rot="16200000" flipV="1">
-              <a:off x="5334000" y="2770554"/>
-              <a:ext cx="1066800" cy="3048000"/>
-            </a:xfrm>
-            <a:prstGeom prst="bentConnector3">
-              <a:avLst>
-                <a:gd name="adj1" fmla="val 121429"/>
-              </a:avLst>
-            </a:prstGeom>
-            <a:ln>
-              <a:tailEnd type="arrow"/>
-            </a:ln>
-            <a:effectLst/>
-          </p:spPr>
-          <p:style>
-            <a:lnRef idx="1">
-              <a:schemeClr val="accent1"/>
-            </a:lnRef>
-            <a:fillRef idx="3">
-              <a:schemeClr val="accent1"/>
-            </a:fillRef>
-            <a:effectRef idx="2">
-              <a:schemeClr val="accent1"/>
-            </a:effectRef>
-            <a:fontRef idx="minor">
-              <a:schemeClr val="lt1"/>
-            </a:fontRef>
-          </p:style>
-        </p:cxnSp>
-        <p:cxnSp>
-          <p:nvCxnSpPr>
-            <p:cNvPr id="32" name="Elbow Connector 14"/>
-            <p:cNvCxnSpPr>
-              <a:stCxn id="9" idx="2"/>
-              <a:endCxn id="12" idx="2"/>
-            </p:cNvCxnSpPr>
-            <p:nvPr/>
-          </p:nvCxnSpPr>
-          <p:spPr>
-            <a:xfrm rot="5400000" flipH="1">
-              <a:off x="2552700" y="4561254"/>
-              <a:ext cx="1143000" cy="2743200"/>
-            </a:xfrm>
-            <a:prstGeom prst="bentConnector3">
-              <a:avLst>
-                <a:gd name="adj1" fmla="val -20000"/>
-              </a:avLst>
-            </a:prstGeom>
-            <a:ln>
-              <a:tailEnd type="arrow"/>
-            </a:ln>
-            <a:effectLst/>
-          </p:spPr>
-          <p:style>
-            <a:lnRef idx="1">
-              <a:schemeClr val="accent1"/>
-            </a:lnRef>
-            <a:fillRef idx="3">
-              <a:schemeClr val="accent1"/>
-            </a:fillRef>
-            <a:effectRef idx="2">
-              <a:schemeClr val="accent1"/>
-            </a:effectRef>
-            <a:fontRef idx="minor">
-              <a:schemeClr val="lt1"/>
-            </a:fontRef>
-          </p:style>
-        </p:cxnSp>
-        <p:cxnSp>
-          <p:nvCxnSpPr>
-            <p:cNvPr id="33" name="Elbow Connector 14"/>
-            <p:cNvCxnSpPr>
-              <a:stCxn id="9" idx="2"/>
-              <a:endCxn id="13" idx="2"/>
-            </p:cNvCxnSpPr>
-            <p:nvPr/>
-          </p:nvCxnSpPr>
-          <p:spPr>
-            <a:xfrm rot="5400000" flipH="1" flipV="1">
-              <a:off x="5372100" y="5475654"/>
-              <a:ext cx="152400" cy="1905000"/>
-            </a:xfrm>
-            <a:prstGeom prst="bentConnector3">
-              <a:avLst>
-                <a:gd name="adj1" fmla="val -150000"/>
-              </a:avLst>
-            </a:prstGeom>
-            <a:ln>
-              <a:tailEnd type="arrow"/>
-            </a:ln>
-            <a:effectLst/>
-          </p:spPr>
-          <p:style>
-            <a:lnRef idx="1">
-              <a:schemeClr val="accent1"/>
-            </a:lnRef>
-            <a:fillRef idx="3">
-              <a:schemeClr val="accent1"/>
-            </a:fillRef>
-            <a:effectRef idx="2">
-              <a:schemeClr val="accent1"/>
-            </a:effectRef>
-            <a:fontRef idx="minor">
-              <a:schemeClr val="lt1"/>
-            </a:fontRef>
-          </p:style>
-        </p:cxnSp>
-        <p:cxnSp>
-          <p:nvCxnSpPr>
-            <p:cNvPr id="34" name="Elbow Connector 14"/>
-            <p:cNvCxnSpPr>
-              <a:stCxn id="13" idx="1"/>
-              <a:endCxn id="9" idx="3"/>
-            </p:cNvCxnSpPr>
-            <p:nvPr/>
-          </p:nvCxnSpPr>
-          <p:spPr>
-            <a:xfrm rot="10800000" flipV="1">
-              <a:off x="4991100" y="6085254"/>
-              <a:ext cx="914400" cy="152400"/>
-            </a:xfrm>
-            <a:prstGeom prst="bentConnector3">
-              <a:avLst>
-                <a:gd name="adj1" fmla="val 50000"/>
-              </a:avLst>
-            </a:prstGeom>
-            <a:ln>
-              <a:tailEnd type="arrow"/>
-            </a:ln>
-            <a:effectLst/>
-          </p:spPr>
-          <p:style>
-            <a:lnRef idx="1">
-              <a:schemeClr val="accent1"/>
-            </a:lnRef>
-            <a:fillRef idx="3">
-              <a:schemeClr val="accent1"/>
-            </a:fillRef>
-            <a:effectRef idx="2">
-              <a:schemeClr val="accent1"/>
-            </a:effectRef>
-            <a:fontRef idx="minor">
-              <a:schemeClr val="lt1"/>
-            </a:fontRef>
-          </p:style>
-        </p:cxnSp>
-        <p:cxnSp>
-          <p:nvCxnSpPr>
-            <p:cNvPr id="35" name="Elbow Connector 14"/>
-            <p:cNvCxnSpPr>
-              <a:stCxn id="14" idx="3"/>
-              <a:endCxn id="13" idx="2"/>
-            </p:cNvCxnSpPr>
-            <p:nvPr/>
-          </p:nvCxnSpPr>
-          <p:spPr>
-            <a:xfrm flipH="1">
-              <a:off x="6400800" y="5094654"/>
-              <a:ext cx="1485900" cy="1257300"/>
-            </a:xfrm>
-            <a:prstGeom prst="bentConnector4">
-              <a:avLst>
-                <a:gd name="adj1" fmla="val -15385"/>
-                <a:gd name="adj2" fmla="val 118182"/>
-              </a:avLst>
-            </a:prstGeom>
-            <a:ln>
-              <a:tailEnd type="arrow"/>
-            </a:ln>
-            <a:effectLst/>
-          </p:spPr>
-          <p:style>
-            <a:lnRef idx="1">
-              <a:schemeClr val="accent1"/>
-            </a:lnRef>
-            <a:fillRef idx="3">
-              <a:schemeClr val="accent1"/>
-            </a:fillRef>
-            <a:effectRef idx="2">
-              <a:schemeClr val="accent1"/>
-            </a:effectRef>
-            <a:fontRef idx="minor">
-              <a:schemeClr val="lt1"/>
-            </a:fontRef>
-          </p:style>
-        </p:cxnSp>
-        <p:cxnSp>
-          <p:nvCxnSpPr>
-            <p:cNvPr id="36" name="Elbow Connector 14"/>
-            <p:cNvCxnSpPr>
-              <a:stCxn id="11" idx="1"/>
-              <a:endCxn id="7" idx="3"/>
-            </p:cNvCxnSpPr>
-            <p:nvPr/>
-          </p:nvCxnSpPr>
-          <p:spPr>
-            <a:xfrm rot="10800000">
-              <a:off x="4838700" y="4027854"/>
-              <a:ext cx="914400" cy="152400"/>
-            </a:xfrm>
-            <a:prstGeom prst="bentConnector3">
-              <a:avLst>
-                <a:gd name="adj1" fmla="val 50000"/>
-              </a:avLst>
-            </a:prstGeom>
-            <a:ln>
-              <a:tailEnd type="arrow"/>
-            </a:ln>
-            <a:effectLst/>
-          </p:spPr>
-          <p:style>
-            <a:lnRef idx="1">
-              <a:schemeClr val="accent1"/>
-            </a:lnRef>
-            <a:fillRef idx="3">
-              <a:schemeClr val="accent1"/>
-            </a:fillRef>
-            <a:effectRef idx="2">
-              <a:schemeClr val="accent1"/>
-            </a:effectRef>
-            <a:fontRef idx="minor">
-              <a:schemeClr val="lt1"/>
-            </a:fontRef>
-          </p:style>
-        </p:cxnSp>
-        <p:cxnSp>
-          <p:nvCxnSpPr>
-            <p:cNvPr id="37" name="Elbow Connector 14"/>
-            <p:cNvCxnSpPr>
-              <a:stCxn id="5" idx="0"/>
-              <a:endCxn id="11" idx="0"/>
-            </p:cNvCxnSpPr>
-            <p:nvPr/>
-          </p:nvCxnSpPr>
-          <p:spPr>
-            <a:xfrm rot="5400000" flipH="1" flipV="1">
-              <a:off x="4419600" y="2160954"/>
-              <a:ext cx="76200" cy="3581400"/>
-            </a:xfrm>
-            <a:prstGeom prst="bentConnector3">
-              <a:avLst>
-                <a:gd name="adj1" fmla="val 481554"/>
-              </a:avLst>
-            </a:prstGeom>
-            <a:ln>
-              <a:tailEnd type="arrow"/>
-            </a:ln>
-            <a:effectLst/>
-          </p:spPr>
-          <p:style>
-            <a:lnRef idx="1">
-              <a:schemeClr val="accent1"/>
-            </a:lnRef>
-            <a:fillRef idx="3">
-              <a:schemeClr val="accent1"/>
-            </a:fillRef>
-            <a:effectRef idx="2">
-              <a:schemeClr val="accent1"/>
-            </a:effectRef>
-            <a:fontRef idx="minor">
-              <a:schemeClr val="lt1"/>
-            </a:fontRef>
-          </p:style>
-        </p:cxnSp>
-        <p:cxnSp>
-          <p:nvCxnSpPr>
-            <p:cNvPr id="38" name="Elbow Connector 14"/>
-            <p:cNvCxnSpPr>
-              <a:stCxn id="7" idx="0"/>
-              <a:endCxn id="12" idx="1"/>
-            </p:cNvCxnSpPr>
-            <p:nvPr/>
-          </p:nvCxnSpPr>
-          <p:spPr>
-            <a:xfrm rot="16200000" flipH="1" flipV="1">
-              <a:off x="2133600" y="2884854"/>
-              <a:ext cx="1333500" cy="3086100"/>
-            </a:xfrm>
-            <a:prstGeom prst="bentConnector4">
-              <a:avLst>
-                <a:gd name="adj1" fmla="val -17143"/>
-                <a:gd name="adj2" fmla="val 107407"/>
-              </a:avLst>
-            </a:prstGeom>
-            <a:ln>
-              <a:tailEnd type="arrow"/>
-            </a:ln>
-            <a:effectLst/>
-          </p:spPr>
-          <p:style>
-            <a:lnRef idx="1">
-              <a:schemeClr val="accent1"/>
-            </a:lnRef>
-            <a:fillRef idx="3">
-              <a:schemeClr val="accent1"/>
-            </a:fillRef>
-            <a:effectRef idx="2">
-              <a:schemeClr val="accent1"/>
-            </a:effectRef>
-            <a:fontRef idx="minor">
-              <a:schemeClr val="lt1"/>
-            </a:fontRef>
-          </p:style>
-        </p:cxnSp>
-      </p:grpSp>
-    </p:spTree>
-    <p:extLst>
-      <p:ext uri="{BB962C8B-B14F-4D97-AF65-F5344CB8AC3E}">
-        <p14:creationId xmlns:p14="http://schemas.microsoft.com/office/powerpoint/2010/main" val="1914949752"/>
-      </p:ext>
-    </p:extLst>
-  </p:cSld>
-  <p:clrMapOvr>
-    <a:masterClrMapping/>
-  </p:clrMapOvr>
-  <p:timing>
-    <p:tnLst>
-      <p:par>
-        <p:cTn xmlns:p14="http://schemas.microsoft.com/office/powerpoint/2010/main" id="1" dur="indefinite" restart="never" nodeType="tmRoot"/>
-      </p:par>
-    </p:tnLst>
-  </p:timing>
-</p:sld>
-</file>
-
-<file path=ppt/slides/slide30.xml><?xml version="1.0" encoding="utf-8"?>
+<file path=ppt/slides/slide29.xml><?xml version="1.0" encoding="utf-8"?>
 <p:sld xmlns:a="http://schemas.openxmlformats.org/drawingml/2006/main" xmlns:r="http://schemas.openxmlformats.org/officeDocument/2006/relationships" xmlns:p="http://schemas.openxmlformats.org/presentationml/2006/main">
   <p:cSld>
     <p:spTree>
@@ -14387,7 +13406,197 @@
 </p:sld>
 </file>
 
-<file path=ppt/slides/slide31.xml><?xml version="1.0" encoding="utf-8"?>
+<file path=ppt/slides/slide3.xml><?xml version="1.0" encoding="utf-8"?>
+<p:sld xmlns:a="http://schemas.openxmlformats.org/drawingml/2006/main" xmlns:r="http://schemas.openxmlformats.org/officeDocument/2006/relationships" xmlns:p="http://schemas.openxmlformats.org/presentationml/2006/main">
+  <p:cSld>
+    <p:spTree>
+      <p:nvGrpSpPr>
+        <p:cNvPr id="1" name=""/>
+        <p:cNvGrpSpPr/>
+        <p:nvPr/>
+      </p:nvGrpSpPr>
+      <p:grpSpPr>
+        <a:xfrm>
+          <a:off x="0" y="0"/>
+          <a:ext cx="0" cy="0"/>
+          <a:chOff x="0" y="0"/>
+          <a:chExt cx="0" cy="0"/>
+        </a:xfrm>
+      </p:grpSpPr>
+      <p:sp>
+        <p:nvSpPr>
+          <p:cNvPr id="3075" name="Text Placeholder 2"/>
+          <p:cNvSpPr>
+            <a:spLocks noGrp="1"/>
+          </p:cNvSpPr>
+          <p:nvPr>
+            <p:ph type="body" sz="quarter" idx="10"/>
+          </p:nvPr>
+        </p:nvSpPr>
+        <p:spPr>
+          <a:xfrm>
+            <a:off x="693615" y="1066799"/>
+            <a:ext cx="7825154" cy="2342663"/>
+          </a:xfrm>
+        </p:spPr>
+        <p:txBody>
+          <a:bodyPr/>
+          <a:lstStyle/>
+          <a:p>
+            <a:pPr eaLnBrk="1" hangingPunct="1">
+              <a:buNone/>
+            </a:pPr>
+            <a:r>
+              <a:rPr lang="en-US" dirty="0" smtClean="0"/>
+              <a:t>Coupling:</a:t>
+            </a:r>
+          </a:p>
+          <a:p>
+            <a:pPr lvl="1" eaLnBrk="1" hangingPunct="1">
+              <a:buNone/>
+            </a:pPr>
+            <a:r>
+              <a:rPr lang="en-US" sz="2000" dirty="0" smtClean="0"/>
+              <a:t>“The degree to which each program module relies on each one of the other modules” – </a:t>
+            </a:r>
+            <a:r>
+              <a:rPr lang="en-US" sz="2000" dirty="0" smtClean="0">
+                <a:hlinkClick r:id="rId3"/>
+              </a:rPr>
+              <a:t>Wikipedia</a:t>
+            </a:r>
+          </a:p>
+        </p:txBody>
+      </p:sp>
+      <p:sp>
+        <p:nvSpPr>
+          <p:cNvPr id="3074" name="Title 1"/>
+          <p:cNvSpPr>
+            <a:spLocks noGrp="1"/>
+          </p:cNvSpPr>
+          <p:nvPr>
+            <p:ph type="title"/>
+          </p:nvPr>
+        </p:nvSpPr>
+        <p:spPr bwMode="auto">
+          <a:xfrm>
+            <a:off x="0" y="407987"/>
+            <a:ext cx="9144000" cy="1145321"/>
+          </a:xfrm>
+          <a:noFill/>
+          <a:ln>
+            <a:miter lim="800000"/>
+            <a:headEnd/>
+            <a:tailEnd/>
+          </a:ln>
+        </p:spPr>
+        <p:txBody>
+          <a:bodyPr vert="horz" wrap="square" lIns="91440" tIns="45720" rIns="91440" bIns="45720" numCol="1" anchor="t" anchorCtr="0" compatLnSpc="1">
+            <a:prstTxWarp prst="textNoShape">
+              <a:avLst/>
+            </a:prstTxWarp>
+          </a:bodyPr>
+          <a:lstStyle/>
+          <a:p>
+            <a:pPr eaLnBrk="1" hangingPunct="1"/>
+            <a:r>
+              <a:rPr lang="en-US" dirty="0" smtClean="0"/>
+              <a:t>Coupling</a:t>
+            </a:r>
+          </a:p>
+        </p:txBody>
+      </p:sp>
+      <p:pic>
+        <p:nvPicPr>
+          <p:cNvPr id="2" name="Picture 1"/>
+          <p:cNvPicPr>
+            <a:picLocks noChangeAspect="1"/>
+          </p:cNvPicPr>
+          <p:nvPr/>
+        </p:nvPicPr>
+        <p:blipFill>
+          <a:blip r:embed="rId4"/>
+          <a:stretch>
+            <a:fillRect/>
+          </a:stretch>
+        </p:blipFill>
+        <p:spPr>
+          <a:xfrm>
+            <a:off x="1891398" y="3494834"/>
+            <a:ext cx="5361204" cy="3199498"/>
+          </a:xfrm>
+          <a:prstGeom prst="rect">
+            <a:avLst/>
+          </a:prstGeom>
+        </p:spPr>
+      </p:pic>
+      <p:sp>
+        <p:nvSpPr>
+          <p:cNvPr id="4" name="TextBox 3"/>
+          <p:cNvSpPr txBox="1"/>
+          <p:nvPr/>
+        </p:nvSpPr>
+        <p:spPr>
+          <a:xfrm>
+            <a:off x="2543240" y="6664814"/>
+            <a:ext cx="4057521" cy="215444"/>
+          </a:xfrm>
+          <a:prstGeom prst="rect">
+            <a:avLst/>
+          </a:prstGeom>
+          <a:noFill/>
+        </p:spPr>
+        <p:txBody>
+          <a:bodyPr wrap="none" rtlCol="0">
+            <a:spAutoFit/>
+          </a:bodyPr>
+          <a:lstStyle/>
+          <a:p>
+            <a:r>
+              <a:rPr lang="en-US" sz="800" dirty="0" smtClean="0"/>
+              <a:t>Photo Source: </a:t>
+            </a:r>
+            <a:r>
+              <a:rPr lang="pl-PL" sz="800" dirty="0">
+                <a:hlinkClick r:id="rId5"/>
+              </a:rPr>
+              <a:t>http://www.flickr.com/photos/su-lin/2268003292/sizes/l/in/photostream</a:t>
+            </a:r>
+            <a:r>
+              <a:rPr lang="pl-PL" sz="800" dirty="0" smtClean="0">
+                <a:hlinkClick r:id="rId5"/>
+              </a:rPr>
+              <a:t>/</a:t>
+            </a:r>
+            <a:r>
+              <a:rPr lang="pl-PL" sz="800" dirty="0" smtClean="0"/>
+              <a:t> </a:t>
+            </a:r>
+            <a:endParaRPr lang="en-US" sz="800" dirty="0"/>
+          </a:p>
+        </p:txBody>
+      </p:sp>
+    </p:spTree>
+    <p:extLst>
+      <p:ext uri="{BB962C8B-B14F-4D97-AF65-F5344CB8AC3E}">
+        <p14:creationId xmlns:p14="http://schemas.microsoft.com/office/powerpoint/2010/main" val="1914949752"/>
+      </p:ext>
+    </p:extLst>
+  </p:cSld>
+  <p:clrMapOvr>
+    <a:masterClrMapping/>
+  </p:clrMapOvr>
+  <p:timing>
+    <p:tnLst>
+      <p:par>
+        <p:cTn xmlns:p14="http://schemas.microsoft.com/office/powerpoint/2010/main" id="1" dur="indefinite" restart="never" nodeType="tmRoot"/>
+      </p:par>
+    </p:tnLst>
+  </p:timing>
+</p:sld>
+</file>
+
+<file path=ppt/slides/slide30.xml><?xml version="1.0" encoding="utf-8"?>
 <p:sld xmlns:a="http://schemas.openxmlformats.org/drawingml/2006/main" xmlns:r="http://schemas.openxmlformats.org/officeDocument/2006/relationships" xmlns:p="http://schemas.openxmlformats.org/presentationml/2006/main">
   <p:cSld>
     <p:spTree>
@@ -14687,7 +13896,7 @@
 </p:sld>
 </file>
 
-<file path=ppt/slides/slide32.xml><?xml version="1.0" encoding="utf-8"?>
+<file path=ppt/slides/slide31.xml><?xml version="1.0" encoding="utf-8"?>
 <p:sld xmlns:a="http://schemas.openxmlformats.org/drawingml/2006/main" xmlns:r="http://schemas.openxmlformats.org/officeDocument/2006/relationships" xmlns:p="http://schemas.openxmlformats.org/presentationml/2006/main">
   <p:cSld>
     <p:spTree>
@@ -15895,7 +15104,7 @@
 </p:sld>
 </file>
 
-<file path=ppt/slides/slide33.xml><?xml version="1.0" encoding="utf-8"?>
+<file path=ppt/slides/slide32.xml><?xml version="1.0" encoding="utf-8"?>
 <p:sld xmlns:a="http://schemas.openxmlformats.org/drawingml/2006/main" xmlns:r="http://schemas.openxmlformats.org/officeDocument/2006/relationships" xmlns:p="http://schemas.openxmlformats.org/presentationml/2006/main">
   <p:cSld>
     <p:spTree>
@@ -16813,7 +16022,7 @@
 </p:sld>
 </file>
 
-<file path=ppt/slides/slide34.xml><?xml version="1.0" encoding="utf-8"?>
+<file path=ppt/slides/slide33.xml><?xml version="1.0" encoding="utf-8"?>
 <p:sld xmlns:a="http://schemas.openxmlformats.org/drawingml/2006/main" xmlns:r="http://schemas.openxmlformats.org/officeDocument/2006/relationships" xmlns:p="http://schemas.openxmlformats.org/presentationml/2006/main">
   <p:cSld>
     <p:spTree>
@@ -17731,7 +16940,7 @@
 </p:sld>
 </file>
 
-<file path=ppt/slides/slide35.xml><?xml version="1.0" encoding="utf-8"?>
+<file path=ppt/slides/slide34.xml><?xml version="1.0" encoding="utf-8"?>
 <p:sld xmlns:a="http://schemas.openxmlformats.org/drawingml/2006/main" xmlns:r="http://schemas.openxmlformats.org/officeDocument/2006/relationships" xmlns:p="http://schemas.openxmlformats.org/presentationml/2006/main">
   <p:cSld>
     <p:spTree>
@@ -18649,7 +17858,7 @@
 </p:sld>
 </file>
 
-<file path=ppt/slides/slide36.xml><?xml version="1.0" encoding="utf-8"?>
+<file path=ppt/slides/slide35.xml><?xml version="1.0" encoding="utf-8"?>
 <p:sld xmlns:a="http://schemas.openxmlformats.org/drawingml/2006/main" xmlns:r="http://schemas.openxmlformats.org/officeDocument/2006/relationships" xmlns:p="http://schemas.openxmlformats.org/presentationml/2006/main">
   <p:cSld>
     <p:spTree>
@@ -18879,11 +18088,6 @@
               </a:rPr>
               <a:t>Uncle Bob’s Principle Of Object Oriented Development: </a:t>
             </a:r>
-            <a:endParaRPr lang="en-US" sz="2000" dirty="0" smtClean="0">
-              <a:solidFill>
-                <a:schemeClr val="bg1"/>
-              </a:solidFill>
-            </a:endParaRPr>
           </a:p>
           <a:p>
             <a:pPr eaLnBrk="1" hangingPunct="1">
@@ -18906,15 +18110,7 @@
                   <a:srgbClr val="292934"/>
                 </a:solidFill>
               </a:rPr>
-              <a:t>http</a:t>
-            </a:r>
-            <a:r>
-              <a:rPr lang="en-US" sz="2000" dirty="0" smtClean="0">
-                <a:solidFill>
-                  <a:srgbClr val="292934"/>
-                </a:solidFill>
-              </a:rPr>
-              <a:t>://butunclebob.com/ArticleS.UncleBob.PrinciplesOfOod</a:t>
+              <a:t>http://butunclebob.com/ArticleS.UncleBob.PrinciplesOfOod</a:t>
             </a:r>
           </a:p>
           <a:p>
@@ -18943,15 +18139,7 @@
                   <a:schemeClr val="bg1"/>
                 </a:solidFill>
               </a:rPr>
-              <a:t>Pablo’s Topic Of The </a:t>
-            </a:r>
-            <a:r>
-              <a:rPr lang="en-US" sz="2000" dirty="0" smtClean="0">
-                <a:solidFill>
-                  <a:schemeClr val="bg1"/>
-                </a:solidFill>
-              </a:rPr>
-              <a:t>Month</a:t>
+              <a:t>Pablo’s Topic Of The Month</a:t>
             </a:r>
             <a:r>
               <a:rPr lang="en-US" sz="2000" dirty="0">
@@ -18967,31 +18155,7 @@
                   <a:schemeClr val="bg1"/>
                 </a:solidFill>
               </a:rPr>
-              <a:t>on</a:t>
-            </a:r>
-            <a:r>
-              <a:rPr lang="en-US" sz="2000" dirty="0" smtClean="0">
-                <a:solidFill>
-                  <a:schemeClr val="bg1"/>
-                </a:solidFill>
-              </a:rPr>
-              <a:t> SOLID, SOLID </a:t>
-            </a:r>
-            <a:r>
-              <a:rPr lang="en-US" sz="2000" dirty="0" smtClean="0">
-                <a:solidFill>
-                  <a:schemeClr val="bg1"/>
-                </a:solidFill>
-              </a:rPr>
-              <a:t>E-</a:t>
-            </a:r>
-            <a:r>
-              <a:rPr lang="en-US" sz="2000" dirty="0" smtClean="0">
-                <a:solidFill>
-                  <a:schemeClr val="bg1"/>
-                </a:solidFill>
-              </a:rPr>
-              <a:t>Book, and more</a:t>
+              <a:t>on SOLID, SOLID E-Book, and more</a:t>
             </a:r>
           </a:p>
           <a:p>
@@ -19763,16 +18927,7 @@
                 </a:solidFill>
                 <a:latin typeface="Calibri" pitchFamily="34" charset="0"/>
               </a:rPr>
-              <a:t>Copyright ©2011 Muted Solutions, </a:t>
-            </a:r>
-            <a:r>
-              <a:rPr lang="en-US" sz="1200" dirty="0" smtClean="0">
-                <a:solidFill>
-                  <a:schemeClr val="bg1"/>
-                </a:solidFill>
-                <a:latin typeface="Calibri" pitchFamily="34" charset="0"/>
-              </a:rPr>
-              <a:t>LLC</a:t>
+              <a:t>Copyright ©2011 Muted Solutions, LLC</a:t>
             </a:r>
             <a:endParaRPr lang="en-US" sz="1200" dirty="0">
               <a:solidFill>
@@ -19998,7 +19153,6 @@
               <a:rPr lang="en-US" dirty="0" smtClean="0"/>
               <a:t>Cohesion</a:t>
             </a:r>
-            <a:endParaRPr lang="en-US" dirty="0" smtClean="0"/>
           </a:p>
         </p:txBody>
       </p:sp>
@@ -20093,783 +19247,6 @@
           </a:p>
         </p:txBody>
       </p:sp>
-      <p:grpSp>
-        <p:nvGrpSpPr>
-          <p:cNvPr id="53" name="Group 52"/>
-          <p:cNvGrpSpPr/>
-          <p:nvPr/>
-        </p:nvGrpSpPr>
-        <p:grpSpPr>
-          <a:xfrm>
-            <a:off x="1333500" y="3516739"/>
-            <a:ext cx="6400800" cy="3276600"/>
-            <a:chOff x="609600" y="2667000"/>
-            <a:chExt cx="6400800" cy="3276600"/>
-          </a:xfrm>
-          <a:effectLst/>
-        </p:grpSpPr>
-        <p:grpSp>
-          <p:nvGrpSpPr>
-            <p:cNvPr id="24" name="Group 23"/>
-            <p:cNvGrpSpPr/>
-            <p:nvPr/>
-          </p:nvGrpSpPr>
-          <p:grpSpPr>
-            <a:xfrm>
-              <a:off x="2514600" y="3886200"/>
-              <a:ext cx="2514600" cy="2057400"/>
-              <a:chOff x="3429000" y="3352800"/>
-              <a:chExt cx="2514600" cy="2057400"/>
-            </a:xfrm>
-          </p:grpSpPr>
-          <p:grpSp>
-            <p:nvGrpSpPr>
-              <p:cNvPr id="23" name="Group 22"/>
-              <p:cNvGrpSpPr/>
-              <p:nvPr/>
-            </p:nvGrpSpPr>
-            <p:grpSpPr>
-              <a:xfrm>
-                <a:off x="3429000" y="3352800"/>
-                <a:ext cx="2514600" cy="2057400"/>
-                <a:chOff x="3429000" y="3352800"/>
-                <a:chExt cx="2514600" cy="2057400"/>
-              </a:xfrm>
-            </p:grpSpPr>
-            <p:grpSp>
-              <p:nvGrpSpPr>
-                <p:cNvPr id="10" name="Group 9"/>
-                <p:cNvGrpSpPr/>
-                <p:nvPr/>
-              </p:nvGrpSpPr>
-              <p:grpSpPr>
-                <a:xfrm>
-                  <a:off x="3429000" y="3352800"/>
-                  <a:ext cx="2514600" cy="2057400"/>
-                  <a:chOff x="2286000" y="3505200"/>
-                  <a:chExt cx="2514600" cy="2057400"/>
-                </a:xfrm>
-              </p:grpSpPr>
-              <p:sp>
-                <p:nvSpPr>
-                  <p:cNvPr id="4" name="Frame 3"/>
-                  <p:cNvSpPr/>
-                  <p:nvPr/>
-                </p:nvSpPr>
-                <p:spPr>
-                  <a:xfrm>
-                    <a:off x="2286000" y="3505200"/>
-                    <a:ext cx="2514600" cy="2057400"/>
-                  </a:xfrm>
-                  <a:prstGeom prst="frame">
-                    <a:avLst/>
-                  </a:prstGeom>
-                </p:spPr>
-                <p:style>
-                  <a:lnRef idx="1">
-                    <a:schemeClr val="accent2"/>
-                  </a:lnRef>
-                  <a:fillRef idx="3">
-                    <a:schemeClr val="accent2"/>
-                  </a:fillRef>
-                  <a:effectRef idx="2">
-                    <a:schemeClr val="accent2"/>
-                  </a:effectRef>
-                  <a:fontRef idx="minor">
-                    <a:schemeClr val="lt1"/>
-                  </a:fontRef>
-                </p:style>
-                <p:txBody>
-                  <a:bodyPr rtlCol="0" anchor="ctr"/>
-                  <a:lstStyle/>
-                  <a:p>
-                    <a:pPr algn="ctr"/>
-                    <a:endParaRPr lang="en-US">
-                      <a:solidFill>
-                        <a:schemeClr val="tx1"/>
-                      </a:solidFill>
-                    </a:endParaRPr>
-                  </a:p>
-                </p:txBody>
-              </p:sp>
-              <p:sp>
-                <p:nvSpPr>
-                  <p:cNvPr id="5" name="Rectangle 4"/>
-                  <p:cNvSpPr/>
-                  <p:nvPr/>
-                </p:nvSpPr>
-                <p:spPr>
-                  <a:xfrm>
-                    <a:off x="2743200" y="3962400"/>
-                    <a:ext cx="685800" cy="457200"/>
-                  </a:xfrm>
-                  <a:prstGeom prst="rect">
-                    <a:avLst/>
-                  </a:prstGeom>
-                </p:spPr>
-                <p:style>
-                  <a:lnRef idx="2">
-                    <a:schemeClr val="dk1">
-                      <a:shade val="50000"/>
-                    </a:schemeClr>
-                  </a:lnRef>
-                  <a:fillRef idx="1">
-                    <a:schemeClr val="dk1"/>
-                  </a:fillRef>
-                  <a:effectRef idx="0">
-                    <a:schemeClr val="dk1"/>
-                  </a:effectRef>
-                  <a:fontRef idx="minor">
-                    <a:schemeClr val="lt1"/>
-                  </a:fontRef>
-                </p:style>
-                <p:txBody>
-                  <a:bodyPr rtlCol="0" anchor="ctr"/>
-                  <a:lstStyle/>
-                  <a:p>
-                    <a:pPr algn="ctr"/>
-                    <a:endParaRPr lang="en-US"/>
-                  </a:p>
-                </p:txBody>
-              </p:sp>
-              <p:sp>
-                <p:nvSpPr>
-                  <p:cNvPr id="6" name="Rectangle 5"/>
-                  <p:cNvSpPr/>
-                  <p:nvPr/>
-                </p:nvSpPr>
-                <p:spPr>
-                  <a:xfrm>
-                    <a:off x="3657600" y="3962400"/>
-                    <a:ext cx="685800" cy="457200"/>
-                  </a:xfrm>
-                  <a:prstGeom prst="rect">
-                    <a:avLst/>
-                  </a:prstGeom>
-                </p:spPr>
-                <p:style>
-                  <a:lnRef idx="2">
-                    <a:schemeClr val="dk1">
-                      <a:shade val="50000"/>
-                    </a:schemeClr>
-                  </a:lnRef>
-                  <a:fillRef idx="1">
-                    <a:schemeClr val="dk1"/>
-                  </a:fillRef>
-                  <a:effectRef idx="0">
-                    <a:schemeClr val="dk1"/>
-                  </a:effectRef>
-                  <a:fontRef idx="minor">
-                    <a:schemeClr val="lt1"/>
-                  </a:fontRef>
-                </p:style>
-                <p:txBody>
-                  <a:bodyPr rtlCol="0" anchor="ctr"/>
-                  <a:lstStyle/>
-                  <a:p>
-                    <a:pPr algn="ctr"/>
-                    <a:endParaRPr lang="en-US"/>
-                  </a:p>
-                </p:txBody>
-              </p:sp>
-              <p:sp>
-                <p:nvSpPr>
-                  <p:cNvPr id="7" name="Rectangle 6"/>
-                  <p:cNvSpPr/>
-                  <p:nvPr/>
-                </p:nvSpPr>
-                <p:spPr>
-                  <a:xfrm>
-                    <a:off x="2743200" y="4648200"/>
-                    <a:ext cx="685800" cy="457200"/>
-                  </a:xfrm>
-                  <a:prstGeom prst="rect">
-                    <a:avLst/>
-                  </a:prstGeom>
-                </p:spPr>
-                <p:style>
-                  <a:lnRef idx="2">
-                    <a:schemeClr val="dk1">
-                      <a:shade val="50000"/>
-                    </a:schemeClr>
-                  </a:lnRef>
-                  <a:fillRef idx="1">
-                    <a:schemeClr val="dk1"/>
-                  </a:fillRef>
-                  <a:effectRef idx="0">
-                    <a:schemeClr val="dk1"/>
-                  </a:effectRef>
-                  <a:fontRef idx="minor">
-                    <a:schemeClr val="lt1"/>
-                  </a:fontRef>
-                </p:style>
-                <p:txBody>
-                  <a:bodyPr rtlCol="0" anchor="ctr"/>
-                  <a:lstStyle/>
-                  <a:p>
-                    <a:pPr algn="ctr"/>
-                    <a:endParaRPr lang="en-US"/>
-                  </a:p>
-                </p:txBody>
-              </p:sp>
-              <p:sp>
-                <p:nvSpPr>
-                  <p:cNvPr id="8" name="Rectangle 7"/>
-                  <p:cNvSpPr/>
-                  <p:nvPr/>
-                </p:nvSpPr>
-                <p:spPr>
-                  <a:xfrm>
-                    <a:off x="3657600" y="4648200"/>
-                    <a:ext cx="685800" cy="457200"/>
-                  </a:xfrm>
-                  <a:prstGeom prst="rect">
-                    <a:avLst/>
-                  </a:prstGeom>
-                </p:spPr>
-                <p:style>
-                  <a:lnRef idx="2">
-                    <a:schemeClr val="dk1">
-                      <a:shade val="50000"/>
-                    </a:schemeClr>
-                  </a:lnRef>
-                  <a:fillRef idx="1">
-                    <a:schemeClr val="dk1"/>
-                  </a:fillRef>
-                  <a:effectRef idx="0">
-                    <a:schemeClr val="dk1"/>
-                  </a:effectRef>
-                  <a:fontRef idx="minor">
-                    <a:schemeClr val="lt1"/>
-                  </a:fontRef>
-                </p:style>
-                <p:txBody>
-                  <a:bodyPr rtlCol="0" anchor="ctr"/>
-                  <a:lstStyle/>
-                  <a:p>
-                    <a:pPr algn="ctr"/>
-                    <a:endParaRPr lang="en-US"/>
-                  </a:p>
-                </p:txBody>
-              </p:sp>
-            </p:grpSp>
-            <p:cxnSp>
-              <p:nvCxnSpPr>
-                <p:cNvPr id="15" name="Straight Arrow Connector 14"/>
-                <p:cNvCxnSpPr>
-                  <a:stCxn id="5" idx="3"/>
-                  <a:endCxn id="6" idx="1"/>
-                </p:cNvCxnSpPr>
-                <p:nvPr/>
-              </p:nvCxnSpPr>
-              <p:spPr>
-                <a:xfrm>
-                  <a:off x="4572000" y="4038600"/>
-                  <a:ext cx="228600" cy="1588"/>
-                </a:xfrm>
-                <a:prstGeom prst="straightConnector1">
-                  <a:avLst/>
-                </a:prstGeom>
-                <a:ln>
-                  <a:tailEnd type="arrow"/>
-                </a:ln>
-              </p:spPr>
-              <p:style>
-                <a:lnRef idx="1">
-                  <a:schemeClr val="dk1"/>
-                </a:lnRef>
-                <a:fillRef idx="0">
-                  <a:schemeClr val="dk1"/>
-                </a:fillRef>
-                <a:effectRef idx="0">
-                  <a:schemeClr val="dk1"/>
-                </a:effectRef>
-                <a:fontRef idx="minor">
-                  <a:schemeClr val="tx1"/>
-                </a:fontRef>
-              </p:style>
-            </p:cxnSp>
-            <p:cxnSp>
-              <p:nvCxnSpPr>
-                <p:cNvPr id="17" name="Straight Arrow Connector 16"/>
-                <p:cNvCxnSpPr>
-                  <a:stCxn id="5" idx="2"/>
-                  <a:endCxn id="7" idx="0"/>
-                </p:cNvCxnSpPr>
-                <p:nvPr/>
-              </p:nvCxnSpPr>
-              <p:spPr>
-                <a:xfrm rot="5400000">
-                  <a:off x="4114800" y="4381500"/>
-                  <a:ext cx="228600" cy="1588"/>
-                </a:xfrm>
-                <a:prstGeom prst="straightConnector1">
-                  <a:avLst/>
-                </a:prstGeom>
-                <a:ln>
-                  <a:tailEnd type="arrow"/>
-                </a:ln>
-              </p:spPr>
-              <p:style>
-                <a:lnRef idx="1">
-                  <a:schemeClr val="dk1"/>
-                </a:lnRef>
-                <a:fillRef idx="0">
-                  <a:schemeClr val="dk1"/>
-                </a:fillRef>
-                <a:effectRef idx="0">
-                  <a:schemeClr val="dk1"/>
-                </a:effectRef>
-                <a:fontRef idx="minor">
-                  <a:schemeClr val="tx1"/>
-                </a:fontRef>
-              </p:style>
-            </p:cxnSp>
-            <p:cxnSp>
-              <p:nvCxnSpPr>
-                <p:cNvPr id="19" name="Straight Arrow Connector 18"/>
-                <p:cNvCxnSpPr>
-                  <a:stCxn id="7" idx="3"/>
-                  <a:endCxn id="8" idx="1"/>
-                </p:cNvCxnSpPr>
-                <p:nvPr/>
-              </p:nvCxnSpPr>
-              <p:spPr>
-                <a:xfrm>
-                  <a:off x="4572000" y="4724400"/>
-                  <a:ext cx="228600" cy="1588"/>
-                </a:xfrm>
-                <a:prstGeom prst="straightConnector1">
-                  <a:avLst/>
-                </a:prstGeom>
-                <a:ln>
-                  <a:tailEnd type="arrow"/>
-                </a:ln>
-              </p:spPr>
-              <p:style>
-                <a:lnRef idx="1">
-                  <a:schemeClr val="dk1"/>
-                </a:lnRef>
-                <a:fillRef idx="0">
-                  <a:schemeClr val="dk1"/>
-                </a:fillRef>
-                <a:effectRef idx="0">
-                  <a:schemeClr val="dk1"/>
-                </a:effectRef>
-                <a:fontRef idx="minor">
-                  <a:schemeClr val="tx1"/>
-                </a:fontRef>
-              </p:style>
-            </p:cxnSp>
-            <p:cxnSp>
-              <p:nvCxnSpPr>
-                <p:cNvPr id="21" name="Straight Arrow Connector 20"/>
-                <p:cNvCxnSpPr/>
-                <p:nvPr/>
-              </p:nvCxnSpPr>
-              <p:spPr>
-                <a:xfrm rot="16200000" flipV="1">
-                  <a:off x="4572000" y="4267200"/>
-                  <a:ext cx="228600" cy="228600"/>
-                </a:xfrm>
-                <a:prstGeom prst="straightConnector1">
-                  <a:avLst/>
-                </a:prstGeom>
-                <a:ln>
-                  <a:tailEnd type="arrow"/>
-                </a:ln>
-              </p:spPr>
-              <p:style>
-                <a:lnRef idx="1">
-                  <a:schemeClr val="dk1"/>
-                </a:lnRef>
-                <a:fillRef idx="0">
-                  <a:schemeClr val="dk1"/>
-                </a:fillRef>
-                <a:effectRef idx="0">
-                  <a:schemeClr val="dk1"/>
-                </a:effectRef>
-                <a:fontRef idx="minor">
-                  <a:schemeClr val="tx1"/>
-                </a:fontRef>
-              </p:style>
-            </p:cxnSp>
-          </p:grpSp>
-          <p:sp>
-            <p:nvSpPr>
-              <p:cNvPr id="12" name="TextBox 11"/>
-              <p:cNvSpPr txBox="1"/>
-              <p:nvPr/>
-            </p:nvSpPr>
-            <p:spPr>
-              <a:xfrm>
-                <a:off x="3733800" y="3657600"/>
-                <a:ext cx="1905000" cy="1446550"/>
-              </a:xfrm>
-              <a:prstGeom prst="rect">
-                <a:avLst/>
-              </a:prstGeom>
-              <a:gradFill>
-                <a:gsLst>
-                  <a:gs pos="100000">
-                    <a:schemeClr val="accent1">
-                      <a:tint val="50000"/>
-                      <a:satMod val="300000"/>
-                      <a:alpha val="50000"/>
-                    </a:schemeClr>
-                  </a:gs>
-                  <a:gs pos="35000">
-                    <a:schemeClr val="accent1">
-                      <a:tint val="37000"/>
-                      <a:satMod val="300000"/>
-                    </a:schemeClr>
-                  </a:gs>
-                  <a:gs pos="100000">
-                    <a:schemeClr val="accent1">
-                      <a:tint val="15000"/>
-                      <a:satMod val="350000"/>
-                    </a:schemeClr>
-                  </a:gs>
-                </a:gsLst>
-              </a:gradFill>
-            </p:spPr>
-            <p:style>
-              <a:lnRef idx="1">
-                <a:schemeClr val="accent1"/>
-              </a:lnRef>
-              <a:fillRef idx="2">
-                <a:schemeClr val="accent1"/>
-              </a:fillRef>
-              <a:effectRef idx="1">
-                <a:schemeClr val="accent1"/>
-              </a:effectRef>
-              <a:fontRef idx="minor">
-                <a:schemeClr val="dk1"/>
-              </a:fontRef>
-            </p:style>
-            <p:txBody>
-              <a:bodyPr wrap="square" rtlCol="0">
-                <a:spAutoFit/>
-              </a:bodyPr>
-              <a:lstStyle/>
-              <a:p>
-                <a:pPr algn="ctr"/>
-                <a:r>
-                  <a:rPr lang="en-US" sz="8800" dirty="0" smtClean="0">
-                    <a:solidFill>
-                      <a:schemeClr val="tx1"/>
-                    </a:solidFill>
-                    <a:latin typeface="Arial" pitchFamily="34" charset="0"/>
-                    <a:cs typeface="Arial" pitchFamily="34" charset="0"/>
-                  </a:rPr>
-                  <a:t>?</a:t>
-                </a:r>
-              </a:p>
-            </p:txBody>
-          </p:sp>
-        </p:grpSp>
-        <p:sp>
-          <p:nvSpPr>
-            <p:cNvPr id="25" name="Rectangle 24"/>
-            <p:cNvSpPr/>
-            <p:nvPr/>
-          </p:nvSpPr>
-          <p:spPr>
-            <a:xfrm>
-              <a:off x="609600" y="3886200"/>
-              <a:ext cx="1447800" cy="762000"/>
-            </a:xfrm>
-            <a:prstGeom prst="rect">
-              <a:avLst/>
-            </a:prstGeom>
-          </p:spPr>
-          <p:style>
-            <a:lnRef idx="1">
-              <a:schemeClr val="accent1"/>
-            </a:lnRef>
-            <a:fillRef idx="3">
-              <a:schemeClr val="accent1"/>
-            </a:fillRef>
-            <a:effectRef idx="2">
-              <a:schemeClr val="accent1"/>
-            </a:effectRef>
-            <a:fontRef idx="minor">
-              <a:schemeClr val="lt1"/>
-            </a:fontRef>
-          </p:style>
-          <p:txBody>
-            <a:bodyPr rtlCol="0" anchor="ctr"/>
-            <a:lstStyle/>
-            <a:p>
-              <a:pPr algn="ctr"/>
-              <a:endParaRPr lang="en-US"/>
-            </a:p>
-          </p:txBody>
-        </p:sp>
-        <p:sp>
-          <p:nvSpPr>
-            <p:cNvPr id="26" name="Rectangle 25"/>
-            <p:cNvSpPr/>
-            <p:nvPr/>
-          </p:nvSpPr>
-          <p:spPr>
-            <a:xfrm>
-              <a:off x="5562600" y="3886200"/>
-              <a:ext cx="1447800" cy="762000"/>
-            </a:xfrm>
-            <a:prstGeom prst="rect">
-              <a:avLst/>
-            </a:prstGeom>
-          </p:spPr>
-          <p:style>
-            <a:lnRef idx="1">
-              <a:schemeClr val="accent1"/>
-            </a:lnRef>
-            <a:fillRef idx="3">
-              <a:schemeClr val="accent1"/>
-            </a:fillRef>
-            <a:effectRef idx="2">
-              <a:schemeClr val="accent1"/>
-            </a:effectRef>
-            <a:fontRef idx="minor">
-              <a:schemeClr val="lt1"/>
-            </a:fontRef>
-          </p:style>
-          <p:txBody>
-            <a:bodyPr rtlCol="0" anchor="ctr"/>
-            <a:lstStyle/>
-            <a:p>
-              <a:pPr algn="ctr"/>
-              <a:endParaRPr lang="en-US"/>
-            </a:p>
-          </p:txBody>
-        </p:sp>
-        <p:sp>
-          <p:nvSpPr>
-            <p:cNvPr id="27" name="Rectangle 26"/>
-            <p:cNvSpPr/>
-            <p:nvPr/>
-          </p:nvSpPr>
-          <p:spPr>
-            <a:xfrm>
-              <a:off x="3962400" y="2667000"/>
-              <a:ext cx="1447800" cy="762000"/>
-            </a:xfrm>
-            <a:prstGeom prst="rect">
-              <a:avLst/>
-            </a:prstGeom>
-          </p:spPr>
-          <p:style>
-            <a:lnRef idx="1">
-              <a:schemeClr val="accent1"/>
-            </a:lnRef>
-            <a:fillRef idx="3">
-              <a:schemeClr val="accent1"/>
-            </a:fillRef>
-            <a:effectRef idx="2">
-              <a:schemeClr val="accent1"/>
-            </a:effectRef>
-            <a:fontRef idx="minor">
-              <a:schemeClr val="lt1"/>
-            </a:fontRef>
-          </p:style>
-          <p:txBody>
-            <a:bodyPr rtlCol="0" anchor="ctr"/>
-            <a:lstStyle/>
-            <a:p>
-              <a:pPr algn="ctr"/>
-              <a:endParaRPr lang="en-US"/>
-            </a:p>
-          </p:txBody>
-        </p:sp>
-        <p:sp>
-          <p:nvSpPr>
-            <p:cNvPr id="28" name="Rectangle 27"/>
-            <p:cNvSpPr/>
-            <p:nvPr/>
-          </p:nvSpPr>
-          <p:spPr>
-            <a:xfrm>
-              <a:off x="2133600" y="2667000"/>
-              <a:ext cx="1447800" cy="762000"/>
-            </a:xfrm>
-            <a:prstGeom prst="rect">
-              <a:avLst/>
-            </a:prstGeom>
-          </p:spPr>
-          <p:style>
-            <a:lnRef idx="1">
-              <a:schemeClr val="accent1"/>
-            </a:lnRef>
-            <a:fillRef idx="3">
-              <a:schemeClr val="accent1"/>
-            </a:fillRef>
-            <a:effectRef idx="2">
-              <a:schemeClr val="accent1"/>
-            </a:effectRef>
-            <a:fontRef idx="minor">
-              <a:schemeClr val="lt1"/>
-            </a:fontRef>
-          </p:style>
-          <p:txBody>
-            <a:bodyPr rtlCol="0" anchor="ctr"/>
-            <a:lstStyle/>
-            <a:p>
-              <a:pPr algn="ctr"/>
-              <a:endParaRPr lang="en-US"/>
-            </a:p>
-          </p:txBody>
-        </p:sp>
-        <p:cxnSp>
-          <p:nvCxnSpPr>
-            <p:cNvPr id="37" name="Elbow Connector 36"/>
-            <p:cNvCxnSpPr>
-              <a:stCxn id="27" idx="2"/>
-            </p:cNvCxnSpPr>
-            <p:nvPr/>
-          </p:nvCxnSpPr>
-          <p:spPr>
-            <a:xfrm rot="5400000">
-              <a:off x="4000500" y="3200400"/>
-              <a:ext cx="457200" cy="914400"/>
-            </a:xfrm>
-            <a:prstGeom prst="bentConnector3">
-              <a:avLst>
-                <a:gd name="adj1" fmla="val 50000"/>
-              </a:avLst>
-            </a:prstGeom>
-            <a:ln>
-              <a:tailEnd type="arrow"/>
-            </a:ln>
-          </p:spPr>
-          <p:style>
-            <a:lnRef idx="1">
-              <a:schemeClr val="accent1"/>
-            </a:lnRef>
-            <a:fillRef idx="0">
-              <a:schemeClr val="accent1"/>
-            </a:fillRef>
-            <a:effectRef idx="0">
-              <a:schemeClr val="accent1"/>
-            </a:effectRef>
-            <a:fontRef idx="minor">
-              <a:schemeClr val="tx1"/>
-            </a:fontRef>
-          </p:style>
-        </p:cxnSp>
-        <p:cxnSp>
-          <p:nvCxnSpPr>
-            <p:cNvPr id="39" name="Shape 38"/>
-            <p:cNvCxnSpPr>
-              <a:stCxn id="28" idx="2"/>
-            </p:cNvCxnSpPr>
-            <p:nvPr/>
-          </p:nvCxnSpPr>
-          <p:spPr>
-            <a:xfrm rot="16200000" flipH="1">
-              <a:off x="3086100" y="3200400"/>
-              <a:ext cx="457200" cy="914400"/>
-            </a:xfrm>
-            <a:prstGeom prst="bentConnector3">
-              <a:avLst>
-                <a:gd name="adj1" fmla="val 50000"/>
-              </a:avLst>
-            </a:prstGeom>
-            <a:ln>
-              <a:tailEnd type="arrow"/>
-            </a:ln>
-          </p:spPr>
-          <p:style>
-            <a:lnRef idx="1">
-              <a:schemeClr val="accent1"/>
-            </a:lnRef>
-            <a:fillRef idx="0">
-              <a:schemeClr val="accent1"/>
-            </a:fillRef>
-            <a:effectRef idx="0">
-              <a:schemeClr val="accent1"/>
-            </a:effectRef>
-            <a:fontRef idx="minor">
-              <a:schemeClr val="tx1"/>
-            </a:fontRef>
-          </p:style>
-        </p:cxnSp>
-        <p:cxnSp>
-          <p:nvCxnSpPr>
-            <p:cNvPr id="47" name="Elbow Connector 46"/>
-            <p:cNvCxnSpPr>
-              <a:stCxn id="25" idx="3"/>
-            </p:cNvCxnSpPr>
-            <p:nvPr/>
-          </p:nvCxnSpPr>
-          <p:spPr>
-            <a:xfrm>
-              <a:off x="2057400" y="4267200"/>
-              <a:ext cx="457200" cy="571500"/>
-            </a:xfrm>
-            <a:prstGeom prst="bentConnector3">
-              <a:avLst>
-                <a:gd name="adj1" fmla="val 50000"/>
-              </a:avLst>
-            </a:prstGeom>
-            <a:ln>
-              <a:tailEnd type="arrow"/>
-            </a:ln>
-          </p:spPr>
-          <p:style>
-            <a:lnRef idx="1">
-              <a:schemeClr val="accent1"/>
-            </a:lnRef>
-            <a:fillRef idx="0">
-              <a:schemeClr val="accent1"/>
-            </a:fillRef>
-            <a:effectRef idx="0">
-              <a:schemeClr val="accent1"/>
-            </a:effectRef>
-            <a:fontRef idx="minor">
-              <a:schemeClr val="tx1"/>
-            </a:fontRef>
-          </p:style>
-        </p:cxnSp>
-        <p:cxnSp>
-          <p:nvCxnSpPr>
-            <p:cNvPr id="49" name="Elbow Connector 48"/>
-            <p:cNvCxnSpPr>
-              <a:stCxn id="26" idx="1"/>
-              <a:endCxn id="4" idx="3"/>
-            </p:cNvCxnSpPr>
-            <p:nvPr/>
-          </p:nvCxnSpPr>
-          <p:spPr>
-            <a:xfrm rot="10800000" flipV="1">
-              <a:off x="5029200" y="4267200"/>
-              <a:ext cx="533400" cy="647700"/>
-            </a:xfrm>
-            <a:prstGeom prst="bentConnector3">
-              <a:avLst>
-                <a:gd name="adj1" fmla="val 50000"/>
-              </a:avLst>
-            </a:prstGeom>
-            <a:ln>
-              <a:tailEnd type="arrow"/>
-            </a:ln>
-          </p:spPr>
-          <p:style>
-            <a:lnRef idx="1">
-              <a:schemeClr val="accent1"/>
-            </a:lnRef>
-            <a:fillRef idx="0">
-              <a:schemeClr val="accent1"/>
-            </a:fillRef>
-            <a:effectRef idx="0">
-              <a:schemeClr val="accent1"/>
-            </a:effectRef>
-            <a:fontRef idx="minor">
-              <a:schemeClr val="tx1"/>
-            </a:fontRef>
-          </p:style>
-        </p:cxnSp>
-      </p:grpSp>
       <p:sp>
         <p:nvSpPr>
           <p:cNvPr id="30" name="Title 1"/>
@@ -20921,7 +19298,76 @@
               <a:rPr lang="en-US" dirty="0" smtClean="0"/>
               <a:t>encapsulation</a:t>
             </a:r>
-            <a:endParaRPr lang="en-US" dirty="0" smtClean="0"/>
+          </a:p>
+        </p:txBody>
+      </p:sp>
+      <p:pic>
+        <p:nvPicPr>
+          <p:cNvPr id="2" name="Picture 1"/>
+          <p:cNvPicPr>
+            <a:picLocks noChangeAspect="1"/>
+          </p:cNvPicPr>
+          <p:nvPr/>
+        </p:nvPicPr>
+        <p:blipFill>
+          <a:blip r:embed="rId4"/>
+          <a:stretch>
+            <a:fillRect/>
+          </a:stretch>
+        </p:blipFill>
+        <p:spPr>
+          <a:xfrm>
+            <a:off x="850614" y="3524371"/>
+            <a:ext cx="7442772" cy="3102995"/>
+          </a:xfrm>
+          <a:prstGeom prst="rect">
+            <a:avLst/>
+          </a:prstGeom>
+        </p:spPr>
+      </p:pic>
+      <p:sp>
+        <p:nvSpPr>
+          <p:cNvPr id="3" name="TextBox 2"/>
+          <p:cNvSpPr txBox="1"/>
+          <p:nvPr/>
+        </p:nvSpPr>
+        <p:spPr>
+          <a:xfrm>
+            <a:off x="2382939" y="6617223"/>
+            <a:ext cx="4378122" cy="215444"/>
+          </a:xfrm>
+          <a:prstGeom prst="rect">
+            <a:avLst/>
+          </a:prstGeom>
+          <a:noFill/>
+        </p:spPr>
+        <p:txBody>
+          <a:bodyPr wrap="none" rtlCol="0">
+            <a:spAutoFit/>
+          </a:bodyPr>
+          <a:lstStyle/>
+          <a:p>
+            <a:r>
+              <a:rPr lang="en-US" sz="800" dirty="0" smtClean="0"/>
+              <a:t>Photo Source: </a:t>
+            </a:r>
+            <a:r>
+              <a:rPr lang="pl-PL" sz="800" dirty="0">
+                <a:hlinkClick r:id="rId5"/>
+              </a:rPr>
+              <a:t>http://www.flickr.com/photos/adamcrowe/4299996507/sizes/o/in/photostream</a:t>
+            </a:r>
+            <a:r>
+              <a:rPr lang="pl-PL" sz="800" dirty="0" smtClean="0">
+                <a:hlinkClick r:id="rId5"/>
+              </a:rPr>
+              <a:t>/</a:t>
+            </a:r>
+            <a:r>
+              <a:rPr lang="pl-PL" sz="800" dirty="0" smtClean="0"/>
+              <a:t> </a:t>
+            </a:r>
+            <a:endParaRPr lang="en-US" sz="800" dirty="0"/>
           </a:p>
         </p:txBody>
       </p:sp>
@@ -21171,25 +19617,7 @@
                 </a:solidFill>
                 <a:latin typeface="Calibri" pitchFamily="34" charset="0"/>
               </a:rPr>
-              <a:t>S.O.L.I.D. </a:t>
-            </a:r>
-            <a:r>
-              <a:rPr lang="en-US" sz="4400" spc="60" dirty="0" smtClean="0">
-                <a:solidFill>
-                  <a:schemeClr val="bg1"/>
-                </a:solidFill>
-                <a:latin typeface="Calibri" pitchFamily="34" charset="0"/>
-              </a:rPr>
-              <a:t>Software </a:t>
-            </a:r>
-            <a:r>
-              <a:rPr lang="en-US" sz="4400" spc="60" dirty="0" smtClean="0">
-                <a:solidFill>
-                  <a:schemeClr val="bg1"/>
-                </a:solidFill>
-                <a:latin typeface="Calibri" pitchFamily="34" charset="0"/>
-              </a:rPr>
-              <a:t>Development</a:t>
+              <a:t>S.O.L.I.D. Software Development</a:t>
             </a:r>
             <a:endParaRPr lang="en-US" sz="4400" spc="60" dirty="0">
               <a:solidFill>
@@ -21604,7 +20032,6 @@
               <a:rPr lang="en-US" dirty="0" smtClean="0"/>
               <a:t>SOLID Principles</a:t>
             </a:r>
-            <a:endParaRPr lang="en-US" dirty="0" smtClean="0"/>
           </a:p>
         </p:txBody>
       </p:sp>
@@ -21940,45 +20367,8 @@
                 <a:solidFill>
                   <a:schemeClr val="bg1"/>
                 </a:solidFill>
-                <a:latin typeface="+mn-lt"/>
               </a:rPr>
-              <a:t>It’s One </a:t>
-            </a:r>
-            <a:r>
-              <a:rPr lang="en-US" sz="1600" dirty="0" smtClean="0">
-                <a:solidFill>
-                  <a:schemeClr val="bg1"/>
-                </a:solidFill>
-                <a:latin typeface="+mn-lt"/>
-              </a:rPr>
-              <a:t>Reason To </a:t>
-            </a:r>
-            <a:r>
-              <a:rPr lang="en-US" sz="1600" i="1" dirty="0" smtClean="0">
-                <a:solidFill>
-                  <a:schemeClr val="bg1"/>
-                </a:solidFill>
-                <a:latin typeface="+mn-lt"/>
-              </a:rPr>
-              <a:t>Change</a:t>
-            </a:r>
-            <a:r>
-              <a:rPr lang="en-US" sz="1600" dirty="0" smtClean="0">
-                <a:solidFill>
-                  <a:schemeClr val="bg1"/>
-                </a:solidFill>
-                <a:latin typeface="+mn-lt"/>
-              </a:rPr>
-              <a:t>, Not </a:t>
-            </a:r>
-            <a:r>
-              <a:rPr lang="en-US" sz="1600" i="1" dirty="0" smtClean="0">
-                <a:solidFill>
-                  <a:schemeClr val="bg1"/>
-                </a:solidFill>
-                <a:latin typeface="+mn-lt"/>
-              </a:rPr>
-              <a:t>Exist</a:t>
+              <a:t>There can be only one</a:t>
             </a:r>
             <a:endParaRPr lang="en-US" sz="1600" i="1" dirty="0">
               <a:solidFill>
@@ -22203,11 +20593,6 @@
               </a:rPr>
               <a:t>- Robert C. Martin</a:t>
             </a:r>
-            <a:endParaRPr lang="en-US" dirty="0" smtClean="0">
-              <a:solidFill>
-                <a:schemeClr val="bg1"/>
-              </a:solidFill>
-            </a:endParaRPr>
           </a:p>
         </p:txBody>
       </p:sp>
@@ -22291,6 +20676,13 @@
   <p:clrMapOvr>
     <a:masterClrMapping/>
   </p:clrMapOvr>
+  <p:timing>
+    <p:tnLst>
+      <p:par>
+        <p:cTn xmlns:p14="http://schemas.microsoft.com/office/powerpoint/2010/main" id="1" dur="indefinite" restart="never" nodeType="tmRoot"/>
+      </p:par>
+    </p:tnLst>
+  </p:timing>
 </p:sld>
 </file>
 

--- a/SOLID Principles - Step By Step Code/SOLID Principles Presentation.pptx
+++ b/SOLID Principles - Step By Step Code/SOLID Principles Presentation.pptx
@@ -840,21 +840,19 @@
           <a:p>
             <a:r>
               <a:rPr lang="en-US" baseline="0" dirty="0" smtClean="0"/>
-              <a:t>Implementing the interface for each file type reader</a:t>
-            </a:r>
-            <a:r>
-              <a:rPr lang="en-US" baseline="0" smtClean="0"/>
-              <a:t>. </a:t>
-            </a:r>
-          </a:p>
-          <a:p>
-            <a:r>
-              <a:rPr lang="en-US" baseline="0" smtClean="0"/>
-              <a:t>Allows </a:t>
-            </a:r>
+              <a:t>Implementing the interface for each file type reader. </a:t>
+            </a:r>
+          </a:p>
+          <a:p>
             <a:r>
               <a:rPr lang="en-US" baseline="0" dirty="0" smtClean="0"/>
-              <a:t>new file types to be added without changing the format reader service</a:t>
+              <a:t>Allows new file types to be added without changing the format reader service</a:t>
+            </a:r>
+          </a:p>
+          <a:p>
+            <a:r>
+              <a:rPr lang="en-US" baseline="0" dirty="0" smtClean="0"/>
+              <a:t>Show the code</a:t>
             </a:r>
             <a:endParaRPr lang="en-US" dirty="0"/>
           </a:p>
@@ -887,6 +885,683 @@
     <p:extLst>
       <p:ext uri="{BB962C8B-B14F-4D97-AF65-F5344CB8AC3E}">
         <p14:creationId xmlns:p14="http://schemas.microsoft.com/office/powerpoint/2010/main" val="1223907020"/>
+      </p:ext>
+    </p:extLst>
+  </p:cSld>
+  <p:clrMapOvr>
+    <a:masterClrMapping/>
+  </p:clrMapOvr>
+</p:notes>
+</file>
+
+<file path=ppt/notesSlides/notesSlide13.xml><?xml version="1.0" encoding="utf-8"?>
+<p:notes xmlns:a="http://schemas.openxmlformats.org/drawingml/2006/main" xmlns:r="http://schemas.openxmlformats.org/officeDocument/2006/relationships" xmlns:p="http://schemas.openxmlformats.org/presentationml/2006/main">
+  <p:cSld>
+    <p:spTree>
+      <p:nvGrpSpPr>
+        <p:cNvPr id="1" name=""/>
+        <p:cNvGrpSpPr/>
+        <p:nvPr/>
+      </p:nvGrpSpPr>
+      <p:grpSpPr>
+        <a:xfrm>
+          <a:off x="0" y="0"/>
+          <a:ext cx="0" cy="0"/>
+          <a:chOff x="0" y="0"/>
+          <a:chExt cx="0" cy="0"/>
+        </a:xfrm>
+      </p:grpSpPr>
+      <p:sp>
+        <p:nvSpPr>
+          <p:cNvPr id="2" name="Slide Image Placeholder 1"/>
+          <p:cNvSpPr>
+            <a:spLocks noGrp="1" noRot="1" noChangeAspect="1"/>
+          </p:cNvSpPr>
+          <p:nvPr>
+            <p:ph type="sldImg"/>
+          </p:nvPr>
+        </p:nvSpPr>
+        <p:spPr/>
+      </p:sp>
+      <p:sp>
+        <p:nvSpPr>
+          <p:cNvPr id="3" name="Notes Placeholder 2"/>
+          <p:cNvSpPr>
+            <a:spLocks noGrp="1"/>
+          </p:cNvSpPr>
+          <p:nvPr>
+            <p:ph type="body" idx="1"/>
+          </p:nvPr>
+        </p:nvSpPr>
+        <p:spPr/>
+        <p:txBody>
+          <a:bodyPr/>
+          <a:lstStyle/>
+          <a:p>
+            <a:r>
+              <a:rPr lang="en-US" dirty="0" smtClean="0"/>
+              <a:t>It’s about not violating</a:t>
+            </a:r>
+            <a:r>
+              <a:rPr lang="en-US" baseline="0" dirty="0" smtClean="0"/>
+              <a:t> the semantics of the API you are replacing</a:t>
+            </a:r>
+            <a:endParaRPr lang="en-US" dirty="0"/>
+          </a:p>
+        </p:txBody>
+      </p:sp>
+      <p:sp>
+        <p:nvSpPr>
+          <p:cNvPr id="4" name="Slide Number Placeholder 3"/>
+          <p:cNvSpPr>
+            <a:spLocks noGrp="1"/>
+          </p:cNvSpPr>
+          <p:nvPr>
+            <p:ph type="sldNum" sz="quarter" idx="10"/>
+          </p:nvPr>
+        </p:nvSpPr>
+        <p:spPr/>
+        <p:txBody>
+          <a:bodyPr/>
+          <a:lstStyle/>
+          <a:p>
+            <a:fld id="{F40E2418-650B-4841-BB37-E4A946AE1E14}" type="slidenum">
+              <a:rPr lang="en-US" smtClean="0"/>
+              <a:t>16</a:t>
+            </a:fld>
+            <a:endParaRPr lang="en-US"/>
+          </a:p>
+        </p:txBody>
+      </p:sp>
+    </p:spTree>
+    <p:extLst>
+      <p:ext uri="{BB962C8B-B14F-4D97-AF65-F5344CB8AC3E}">
+        <p14:creationId xmlns:p14="http://schemas.microsoft.com/office/powerpoint/2010/main" val="1169825615"/>
+      </p:ext>
+    </p:extLst>
+  </p:cSld>
+  <p:clrMapOvr>
+    <a:masterClrMapping/>
+  </p:clrMapOvr>
+</p:notes>
+</file>
+
+<file path=ppt/notesSlides/notesSlide14.xml><?xml version="1.0" encoding="utf-8"?>
+<p:notes xmlns:a="http://schemas.openxmlformats.org/drawingml/2006/main" xmlns:r="http://schemas.openxmlformats.org/officeDocument/2006/relationships" xmlns:p="http://schemas.openxmlformats.org/presentationml/2006/main">
+  <p:cSld>
+    <p:spTree>
+      <p:nvGrpSpPr>
+        <p:cNvPr id="1" name=""/>
+        <p:cNvGrpSpPr/>
+        <p:nvPr/>
+      </p:nvGrpSpPr>
+      <p:grpSpPr>
+        <a:xfrm>
+          <a:off x="0" y="0"/>
+          <a:ext cx="0" cy="0"/>
+          <a:chOff x="0" y="0"/>
+          <a:chExt cx="0" cy="0"/>
+        </a:xfrm>
+      </p:grpSpPr>
+      <p:sp>
+        <p:nvSpPr>
+          <p:cNvPr id="2" name="Slide Image Placeholder 1"/>
+          <p:cNvSpPr>
+            <a:spLocks noGrp="1" noRot="1" noChangeAspect="1"/>
+          </p:cNvSpPr>
+          <p:nvPr>
+            <p:ph type="sldImg"/>
+          </p:nvPr>
+        </p:nvSpPr>
+        <p:spPr/>
+      </p:sp>
+      <p:sp>
+        <p:nvSpPr>
+          <p:cNvPr id="3" name="Notes Placeholder 2"/>
+          <p:cNvSpPr>
+            <a:spLocks noGrp="1"/>
+          </p:cNvSpPr>
+          <p:nvPr>
+            <p:ph type="body" idx="1"/>
+          </p:nvPr>
+        </p:nvSpPr>
+        <p:spPr/>
+        <p:txBody>
+          <a:bodyPr/>
+          <a:lstStyle/>
+          <a:p>
+            <a:r>
+              <a:rPr lang="en-US" dirty="0" smtClean="0"/>
+              <a:t>Sometimes an abstraction looks good on the surface, but fails in the implementation</a:t>
+            </a:r>
+            <a:endParaRPr lang="en-US" dirty="0"/>
+          </a:p>
+        </p:txBody>
+      </p:sp>
+      <p:sp>
+        <p:nvSpPr>
+          <p:cNvPr id="4" name="Slide Number Placeholder 3"/>
+          <p:cNvSpPr>
+            <a:spLocks noGrp="1"/>
+          </p:cNvSpPr>
+          <p:nvPr>
+            <p:ph type="sldNum" sz="quarter" idx="10"/>
+          </p:nvPr>
+        </p:nvSpPr>
+        <p:spPr/>
+        <p:txBody>
+          <a:bodyPr/>
+          <a:lstStyle/>
+          <a:p>
+            <a:fld id="{F40E2418-650B-4841-BB37-E4A946AE1E14}" type="slidenum">
+              <a:rPr lang="en-US" smtClean="0"/>
+              <a:t>17</a:t>
+            </a:fld>
+            <a:endParaRPr lang="en-US"/>
+          </a:p>
+        </p:txBody>
+      </p:sp>
+    </p:spTree>
+    <p:extLst>
+      <p:ext uri="{BB962C8B-B14F-4D97-AF65-F5344CB8AC3E}">
+        <p14:creationId xmlns:p14="http://schemas.microsoft.com/office/powerpoint/2010/main" val="843093771"/>
+      </p:ext>
+    </p:extLst>
+  </p:cSld>
+  <p:clrMapOvr>
+    <a:masterClrMapping/>
+  </p:clrMapOvr>
+</p:notes>
+</file>
+
+<file path=ppt/notesSlides/notesSlide15.xml><?xml version="1.0" encoding="utf-8"?>
+<p:notes xmlns:a="http://schemas.openxmlformats.org/drawingml/2006/main" xmlns:r="http://schemas.openxmlformats.org/officeDocument/2006/relationships" xmlns:p="http://schemas.openxmlformats.org/presentationml/2006/main">
+  <p:cSld>
+    <p:spTree>
+      <p:nvGrpSpPr>
+        <p:cNvPr id="1" name=""/>
+        <p:cNvGrpSpPr/>
+        <p:nvPr/>
+      </p:nvGrpSpPr>
+      <p:grpSpPr>
+        <a:xfrm>
+          <a:off x="0" y="0"/>
+          <a:ext cx="0" cy="0"/>
+          <a:chOff x="0" y="0"/>
+          <a:chExt cx="0" cy="0"/>
+        </a:xfrm>
+      </p:grpSpPr>
+      <p:sp>
+        <p:nvSpPr>
+          <p:cNvPr id="2" name="Slide Image Placeholder 1"/>
+          <p:cNvSpPr>
+            <a:spLocks noGrp="1" noRot="1" noChangeAspect="1"/>
+          </p:cNvSpPr>
+          <p:nvPr>
+            <p:ph type="sldImg"/>
+          </p:nvPr>
+        </p:nvSpPr>
+        <p:spPr/>
+      </p:sp>
+      <p:sp>
+        <p:nvSpPr>
+          <p:cNvPr id="3" name="Notes Placeholder 2"/>
+          <p:cNvSpPr>
+            <a:spLocks noGrp="1"/>
+          </p:cNvSpPr>
+          <p:nvPr>
+            <p:ph type="body" idx="1"/>
+          </p:nvPr>
+        </p:nvSpPr>
+        <p:spPr/>
+        <p:txBody>
+          <a:bodyPr/>
+          <a:lstStyle/>
+          <a:p>
+            <a:r>
+              <a:rPr lang="en-US" dirty="0" smtClean="0"/>
+              <a:t>Show the code</a:t>
+            </a:r>
+            <a:endParaRPr lang="en-US" dirty="0"/>
+          </a:p>
+        </p:txBody>
+      </p:sp>
+      <p:sp>
+        <p:nvSpPr>
+          <p:cNvPr id="4" name="Slide Number Placeholder 3"/>
+          <p:cNvSpPr>
+            <a:spLocks noGrp="1"/>
+          </p:cNvSpPr>
+          <p:nvPr>
+            <p:ph type="sldNum" sz="quarter" idx="10"/>
+          </p:nvPr>
+        </p:nvSpPr>
+        <p:spPr/>
+        <p:txBody>
+          <a:bodyPr/>
+          <a:lstStyle/>
+          <a:p>
+            <a:fld id="{F40E2418-650B-4841-BB37-E4A946AE1E14}" type="slidenum">
+              <a:rPr lang="en-US" smtClean="0"/>
+              <a:t>18</a:t>
+            </a:fld>
+            <a:endParaRPr lang="en-US"/>
+          </a:p>
+        </p:txBody>
+      </p:sp>
+    </p:spTree>
+    <p:extLst>
+      <p:ext uri="{BB962C8B-B14F-4D97-AF65-F5344CB8AC3E}">
+        <p14:creationId xmlns:p14="http://schemas.microsoft.com/office/powerpoint/2010/main" val="2182102122"/>
+      </p:ext>
+    </p:extLst>
+  </p:cSld>
+  <p:clrMapOvr>
+    <a:masterClrMapping/>
+  </p:clrMapOvr>
+</p:notes>
+</file>
+
+<file path=ppt/notesSlides/notesSlide16.xml><?xml version="1.0" encoding="utf-8"?>
+<p:notes xmlns:a="http://schemas.openxmlformats.org/drawingml/2006/main" xmlns:r="http://schemas.openxmlformats.org/officeDocument/2006/relationships" xmlns:p="http://schemas.openxmlformats.org/presentationml/2006/main">
+  <p:cSld>
+    <p:spTree>
+      <p:nvGrpSpPr>
+        <p:cNvPr id="1" name=""/>
+        <p:cNvGrpSpPr/>
+        <p:nvPr/>
+      </p:nvGrpSpPr>
+      <p:grpSpPr>
+        <a:xfrm>
+          <a:off x="0" y="0"/>
+          <a:ext cx="0" cy="0"/>
+          <a:chOff x="0" y="0"/>
+          <a:chExt cx="0" cy="0"/>
+        </a:xfrm>
+      </p:grpSpPr>
+      <p:sp>
+        <p:nvSpPr>
+          <p:cNvPr id="2" name="Slide Image Placeholder 1"/>
+          <p:cNvSpPr>
+            <a:spLocks noGrp="1" noRot="1" noChangeAspect="1"/>
+          </p:cNvSpPr>
+          <p:nvPr>
+            <p:ph type="sldImg"/>
+          </p:nvPr>
+        </p:nvSpPr>
+        <p:spPr/>
+      </p:sp>
+      <p:sp>
+        <p:nvSpPr>
+          <p:cNvPr id="3" name="Notes Placeholder 2"/>
+          <p:cNvSpPr>
+            <a:spLocks noGrp="1"/>
+          </p:cNvSpPr>
+          <p:nvPr>
+            <p:ph type="body" idx="1"/>
+          </p:nvPr>
+        </p:nvSpPr>
+        <p:spPr/>
+        <p:txBody>
+          <a:bodyPr/>
+          <a:lstStyle/>
+          <a:p>
+            <a:r>
+              <a:rPr lang="en-US" dirty="0" smtClean="0"/>
+              <a:t>A database reader </a:t>
+            </a:r>
+            <a:r>
+              <a:rPr lang="en-US" dirty="0" err="1" smtClean="0"/>
+              <a:t>vs</a:t>
+            </a:r>
+            <a:r>
+              <a:rPr lang="en-US" dirty="0" smtClean="0"/>
+              <a:t> a file reader, and using a switch</a:t>
+            </a:r>
+            <a:r>
+              <a:rPr lang="en-US" baseline="0" dirty="0" smtClean="0"/>
+              <a:t> on the type to call or not call specific things</a:t>
+            </a:r>
+            <a:endParaRPr lang="en-US" dirty="0"/>
+          </a:p>
+        </p:txBody>
+      </p:sp>
+      <p:sp>
+        <p:nvSpPr>
+          <p:cNvPr id="4" name="Slide Number Placeholder 3"/>
+          <p:cNvSpPr>
+            <a:spLocks noGrp="1"/>
+          </p:cNvSpPr>
+          <p:nvPr>
+            <p:ph type="sldNum" sz="quarter" idx="10"/>
+          </p:nvPr>
+        </p:nvSpPr>
+        <p:spPr/>
+        <p:txBody>
+          <a:bodyPr/>
+          <a:lstStyle/>
+          <a:p>
+            <a:fld id="{F40E2418-650B-4841-BB37-E4A946AE1E14}" type="slidenum">
+              <a:rPr lang="en-US" smtClean="0"/>
+              <a:t>19</a:t>
+            </a:fld>
+            <a:endParaRPr lang="en-US"/>
+          </a:p>
+        </p:txBody>
+      </p:sp>
+    </p:spTree>
+    <p:extLst>
+      <p:ext uri="{BB962C8B-B14F-4D97-AF65-F5344CB8AC3E}">
+        <p14:creationId xmlns:p14="http://schemas.microsoft.com/office/powerpoint/2010/main" val="3771918083"/>
+      </p:ext>
+    </p:extLst>
+  </p:cSld>
+  <p:clrMapOvr>
+    <a:masterClrMapping/>
+  </p:clrMapOvr>
+</p:notes>
+</file>
+
+<file path=ppt/notesSlides/notesSlide17.xml><?xml version="1.0" encoding="utf-8"?>
+<p:notes xmlns:a="http://schemas.openxmlformats.org/drawingml/2006/main" xmlns:r="http://schemas.openxmlformats.org/officeDocument/2006/relationships" xmlns:p="http://schemas.openxmlformats.org/presentationml/2006/main">
+  <p:cSld>
+    <p:spTree>
+      <p:nvGrpSpPr>
+        <p:cNvPr id="1" name=""/>
+        <p:cNvGrpSpPr/>
+        <p:nvPr/>
+      </p:nvGrpSpPr>
+      <p:grpSpPr>
+        <a:xfrm>
+          <a:off x="0" y="0"/>
+          <a:ext cx="0" cy="0"/>
+          <a:chOff x="0" y="0"/>
+          <a:chExt cx="0" cy="0"/>
+        </a:xfrm>
+      </p:grpSpPr>
+      <p:sp>
+        <p:nvSpPr>
+          <p:cNvPr id="2" name="Slide Image Placeholder 1"/>
+          <p:cNvSpPr>
+            <a:spLocks noGrp="1" noRot="1" noChangeAspect="1"/>
+          </p:cNvSpPr>
+          <p:nvPr>
+            <p:ph type="sldImg"/>
+          </p:nvPr>
+        </p:nvSpPr>
+        <p:spPr/>
+      </p:sp>
+      <p:sp>
+        <p:nvSpPr>
+          <p:cNvPr id="3" name="Notes Placeholder 2"/>
+          <p:cNvSpPr>
+            <a:spLocks noGrp="1"/>
+          </p:cNvSpPr>
+          <p:nvPr>
+            <p:ph type="body" idx="1"/>
+          </p:nvPr>
+        </p:nvSpPr>
+        <p:spPr/>
+        <p:txBody>
+          <a:bodyPr/>
+          <a:lstStyle/>
+          <a:p>
+            <a:r>
+              <a:rPr lang="en-US" dirty="0" smtClean="0"/>
+              <a:t>Correction the violation by</a:t>
+            </a:r>
+            <a:r>
+              <a:rPr lang="en-US" baseline="0" dirty="0" smtClean="0"/>
+              <a:t> not sharing an abstraction. Keep the database and file readers separate for now</a:t>
+            </a:r>
+          </a:p>
+          <a:p>
+            <a:r>
+              <a:rPr lang="en-US" baseline="0" dirty="0" smtClean="0"/>
+              <a:t>Show the code</a:t>
+            </a:r>
+          </a:p>
+          <a:p>
+            <a:r>
+              <a:rPr lang="en-US" baseline="0" dirty="0" smtClean="0"/>
+              <a:t>(note: Purposely not introducing a shared abstraction between them at this point. That comes later.)</a:t>
+            </a:r>
+            <a:endParaRPr lang="en-US" dirty="0"/>
+          </a:p>
+        </p:txBody>
+      </p:sp>
+      <p:sp>
+        <p:nvSpPr>
+          <p:cNvPr id="4" name="Slide Number Placeholder 3"/>
+          <p:cNvSpPr>
+            <a:spLocks noGrp="1"/>
+          </p:cNvSpPr>
+          <p:nvPr>
+            <p:ph type="sldNum" sz="quarter" idx="10"/>
+          </p:nvPr>
+        </p:nvSpPr>
+        <p:spPr/>
+        <p:txBody>
+          <a:bodyPr/>
+          <a:lstStyle/>
+          <a:p>
+            <a:fld id="{F40E2418-650B-4841-BB37-E4A946AE1E14}" type="slidenum">
+              <a:rPr lang="en-US" smtClean="0"/>
+              <a:t>20</a:t>
+            </a:fld>
+            <a:endParaRPr lang="en-US"/>
+          </a:p>
+        </p:txBody>
+      </p:sp>
+    </p:spTree>
+    <p:extLst>
+      <p:ext uri="{BB962C8B-B14F-4D97-AF65-F5344CB8AC3E}">
+        <p14:creationId xmlns:p14="http://schemas.microsoft.com/office/powerpoint/2010/main" val="1027247655"/>
+      </p:ext>
+    </p:extLst>
+  </p:cSld>
+  <p:clrMapOvr>
+    <a:masterClrMapping/>
+  </p:clrMapOvr>
+</p:notes>
+</file>
+
+<file path=ppt/notesSlides/notesSlide18.xml><?xml version="1.0" encoding="utf-8"?>
+<p:notes xmlns:a="http://schemas.openxmlformats.org/drawingml/2006/main" xmlns:r="http://schemas.openxmlformats.org/officeDocument/2006/relationships" xmlns:p="http://schemas.openxmlformats.org/presentationml/2006/main">
+  <p:cSld>
+    <p:spTree>
+      <p:nvGrpSpPr>
+        <p:cNvPr id="1" name=""/>
+        <p:cNvGrpSpPr/>
+        <p:nvPr/>
+      </p:nvGrpSpPr>
+      <p:grpSpPr>
+        <a:xfrm>
+          <a:off x="0" y="0"/>
+          <a:ext cx="0" cy="0"/>
+          <a:chOff x="0" y="0"/>
+          <a:chExt cx="0" cy="0"/>
+        </a:xfrm>
+      </p:grpSpPr>
+      <p:sp>
+        <p:nvSpPr>
+          <p:cNvPr id="2" name="Slide Image Placeholder 1"/>
+          <p:cNvSpPr>
+            <a:spLocks noGrp="1" noRot="1" noChangeAspect="1"/>
+          </p:cNvSpPr>
+          <p:nvPr>
+            <p:ph type="sldImg"/>
+          </p:nvPr>
+        </p:nvSpPr>
+        <p:spPr/>
+      </p:sp>
+      <p:sp>
+        <p:nvSpPr>
+          <p:cNvPr id="3" name="Notes Placeholder 2"/>
+          <p:cNvSpPr>
+            <a:spLocks noGrp="1"/>
+          </p:cNvSpPr>
+          <p:nvPr>
+            <p:ph type="body" idx="1"/>
+          </p:nvPr>
+        </p:nvSpPr>
+        <p:spPr/>
+        <p:txBody>
+          <a:bodyPr/>
+          <a:lstStyle/>
+          <a:p>
+            <a:r>
+              <a:rPr lang="en-US" dirty="0" smtClean="0"/>
+              <a:t>Protocols and role specific interfaces</a:t>
+            </a:r>
+          </a:p>
+          <a:p>
+            <a:r>
+              <a:rPr lang="en-US" dirty="0" smtClean="0"/>
+              <a:t>Limiting the API that a client must see or know</a:t>
+            </a:r>
+            <a:r>
+              <a:rPr lang="en-US" baseline="0" dirty="0" smtClean="0"/>
+              <a:t> about</a:t>
+            </a:r>
+          </a:p>
+          <a:p>
+            <a:endParaRPr lang="en-US" dirty="0"/>
+          </a:p>
+        </p:txBody>
+      </p:sp>
+      <p:sp>
+        <p:nvSpPr>
+          <p:cNvPr id="4" name="Slide Number Placeholder 3"/>
+          <p:cNvSpPr>
+            <a:spLocks noGrp="1"/>
+          </p:cNvSpPr>
+          <p:nvPr>
+            <p:ph type="sldNum" sz="quarter" idx="10"/>
+          </p:nvPr>
+        </p:nvSpPr>
+        <p:spPr/>
+        <p:txBody>
+          <a:bodyPr/>
+          <a:lstStyle/>
+          <a:p>
+            <a:fld id="{F40E2418-650B-4841-BB37-E4A946AE1E14}" type="slidenum">
+              <a:rPr lang="en-US" smtClean="0"/>
+              <a:t>21</a:t>
+            </a:fld>
+            <a:endParaRPr lang="en-US"/>
+          </a:p>
+        </p:txBody>
+      </p:sp>
+    </p:spTree>
+    <p:extLst>
+      <p:ext uri="{BB962C8B-B14F-4D97-AF65-F5344CB8AC3E}">
+        <p14:creationId xmlns:p14="http://schemas.microsoft.com/office/powerpoint/2010/main" val="3649804727"/>
+      </p:ext>
+    </p:extLst>
+  </p:cSld>
+  <p:clrMapOvr>
+    <a:masterClrMapping/>
+  </p:clrMapOvr>
+</p:notes>
+</file>
+
+<file path=ppt/notesSlides/notesSlide19.xml><?xml version="1.0" encoding="utf-8"?>
+<p:notes xmlns:a="http://schemas.openxmlformats.org/drawingml/2006/main" xmlns:r="http://schemas.openxmlformats.org/officeDocument/2006/relationships" xmlns:p="http://schemas.openxmlformats.org/presentationml/2006/main">
+  <p:cSld>
+    <p:spTree>
+      <p:nvGrpSpPr>
+        <p:cNvPr id="1" name=""/>
+        <p:cNvGrpSpPr/>
+        <p:nvPr/>
+      </p:nvGrpSpPr>
+      <p:grpSpPr>
+        <a:xfrm>
+          <a:off x="0" y="0"/>
+          <a:ext cx="0" cy="0"/>
+          <a:chOff x="0" y="0"/>
+          <a:chExt cx="0" cy="0"/>
+        </a:xfrm>
+      </p:grpSpPr>
+      <p:sp>
+        <p:nvSpPr>
+          <p:cNvPr id="2" name="Slide Image Placeholder 1"/>
+          <p:cNvSpPr>
+            <a:spLocks noGrp="1" noRot="1" noChangeAspect="1"/>
+          </p:cNvSpPr>
+          <p:nvPr>
+            <p:ph type="sldImg"/>
+          </p:nvPr>
+        </p:nvSpPr>
+        <p:spPr/>
+      </p:sp>
+      <p:sp>
+        <p:nvSpPr>
+          <p:cNvPr id="3" name="Notes Placeholder 2"/>
+          <p:cNvSpPr>
+            <a:spLocks noGrp="1"/>
+          </p:cNvSpPr>
+          <p:nvPr>
+            <p:ph type="body" idx="1"/>
+          </p:nvPr>
+        </p:nvSpPr>
+        <p:spPr/>
+        <p:txBody>
+          <a:bodyPr/>
+          <a:lstStyle/>
+          <a:p>
+            <a:r>
+              <a:rPr lang="en-US" dirty="0" smtClean="0"/>
+              <a:t>The email sender has too many responsibilities and it has an</a:t>
+            </a:r>
+            <a:r>
+              <a:rPr lang="en-US" baseline="0" dirty="0" smtClean="0"/>
+              <a:t> API that’s too fat</a:t>
+            </a:r>
+          </a:p>
+          <a:p>
+            <a:r>
+              <a:rPr lang="en-US" baseline="0" dirty="0" smtClean="0"/>
+              <a:t>Split it up</a:t>
+            </a:r>
+            <a:endParaRPr lang="en-US" dirty="0" smtClean="0"/>
+          </a:p>
+          <a:p>
+            <a:r>
+              <a:rPr lang="en-US" dirty="0" smtClean="0"/>
+              <a:t>Show the code</a:t>
+            </a:r>
+            <a:endParaRPr lang="en-US" dirty="0"/>
+          </a:p>
+        </p:txBody>
+      </p:sp>
+      <p:sp>
+        <p:nvSpPr>
+          <p:cNvPr id="4" name="Slide Number Placeholder 3"/>
+          <p:cNvSpPr>
+            <a:spLocks noGrp="1"/>
+          </p:cNvSpPr>
+          <p:nvPr>
+            <p:ph type="sldNum" sz="quarter" idx="10"/>
+          </p:nvPr>
+        </p:nvSpPr>
+        <p:spPr/>
+        <p:txBody>
+          <a:bodyPr/>
+          <a:lstStyle/>
+          <a:p>
+            <a:fld id="{F40E2418-650B-4841-BB37-E4A946AE1E14}" type="slidenum">
+              <a:rPr lang="en-US" smtClean="0"/>
+              <a:t>23</a:t>
+            </a:fld>
+            <a:endParaRPr lang="en-US"/>
+          </a:p>
+        </p:txBody>
+      </p:sp>
+    </p:spTree>
+    <p:extLst>
+      <p:ext uri="{BB962C8B-B14F-4D97-AF65-F5344CB8AC3E}">
+        <p14:creationId xmlns:p14="http://schemas.microsoft.com/office/powerpoint/2010/main" val="146354079"/>
       </p:ext>
     </p:extLst>
   </p:cSld>
@@ -984,6 +1659,1038 @@
         </p:txBody>
       </p:sp>
     </p:spTree>
+  </p:cSld>
+  <p:clrMapOvr>
+    <a:masterClrMapping/>
+  </p:clrMapOvr>
+</p:notes>
+</file>
+
+<file path=ppt/notesSlides/notesSlide20.xml><?xml version="1.0" encoding="utf-8"?>
+<p:notes xmlns:a="http://schemas.openxmlformats.org/drawingml/2006/main" xmlns:r="http://schemas.openxmlformats.org/officeDocument/2006/relationships" xmlns:p="http://schemas.openxmlformats.org/presentationml/2006/main">
+  <p:cSld>
+    <p:spTree>
+      <p:nvGrpSpPr>
+        <p:cNvPr id="1" name=""/>
+        <p:cNvGrpSpPr/>
+        <p:nvPr/>
+      </p:nvGrpSpPr>
+      <p:grpSpPr>
+        <a:xfrm>
+          <a:off x="0" y="0"/>
+          <a:ext cx="0" cy="0"/>
+          <a:chOff x="0" y="0"/>
+          <a:chExt cx="0" cy="0"/>
+        </a:xfrm>
+      </p:grpSpPr>
+      <p:sp>
+        <p:nvSpPr>
+          <p:cNvPr id="2" name="Slide Image Placeholder 1"/>
+          <p:cNvSpPr>
+            <a:spLocks noGrp="1" noRot="1" noChangeAspect="1"/>
+          </p:cNvSpPr>
+          <p:nvPr>
+            <p:ph type="sldImg"/>
+          </p:nvPr>
+        </p:nvSpPr>
+        <p:spPr/>
+      </p:sp>
+      <p:sp>
+        <p:nvSpPr>
+          <p:cNvPr id="3" name="Notes Placeholder 2"/>
+          <p:cNvSpPr>
+            <a:spLocks noGrp="1"/>
+          </p:cNvSpPr>
+          <p:nvPr>
+            <p:ph type="body" idx="1"/>
+          </p:nvPr>
+        </p:nvSpPr>
+        <p:spPr/>
+        <p:txBody>
+          <a:bodyPr/>
+          <a:lstStyle/>
+          <a:p>
+            <a:endParaRPr lang="en-US" dirty="0"/>
+          </a:p>
+        </p:txBody>
+      </p:sp>
+      <p:sp>
+        <p:nvSpPr>
+          <p:cNvPr id="4" name="Slide Number Placeholder 3"/>
+          <p:cNvSpPr>
+            <a:spLocks noGrp="1"/>
+          </p:cNvSpPr>
+          <p:nvPr>
+            <p:ph type="sldNum" sz="quarter" idx="10"/>
+          </p:nvPr>
+        </p:nvSpPr>
+        <p:spPr/>
+        <p:txBody>
+          <a:bodyPr/>
+          <a:lstStyle/>
+          <a:p>
+            <a:fld id="{F40E2418-650B-4841-BB37-E4A946AE1E14}" type="slidenum">
+              <a:rPr lang="en-US" smtClean="0"/>
+              <a:t>24</a:t>
+            </a:fld>
+            <a:endParaRPr lang="en-US"/>
+          </a:p>
+        </p:txBody>
+      </p:sp>
+    </p:spTree>
+    <p:extLst>
+      <p:ext uri="{BB962C8B-B14F-4D97-AF65-F5344CB8AC3E}">
+        <p14:creationId xmlns:p14="http://schemas.microsoft.com/office/powerpoint/2010/main" val="1967907707"/>
+      </p:ext>
+    </p:extLst>
+  </p:cSld>
+  <p:clrMapOvr>
+    <a:masterClrMapping/>
+  </p:clrMapOvr>
+</p:notes>
+</file>
+
+<file path=ppt/notesSlides/notesSlide21.xml><?xml version="1.0" encoding="utf-8"?>
+<p:notes xmlns:a="http://schemas.openxmlformats.org/drawingml/2006/main" xmlns:r="http://schemas.openxmlformats.org/officeDocument/2006/relationships" xmlns:p="http://schemas.openxmlformats.org/presentationml/2006/main">
+  <p:cSld>
+    <p:spTree>
+      <p:nvGrpSpPr>
+        <p:cNvPr id="1" name=""/>
+        <p:cNvGrpSpPr/>
+        <p:nvPr/>
+      </p:nvGrpSpPr>
+      <p:grpSpPr>
+        <a:xfrm>
+          <a:off x="0" y="0"/>
+          <a:ext cx="0" cy="0"/>
+          <a:chOff x="0" y="0"/>
+          <a:chExt cx="0" cy="0"/>
+        </a:xfrm>
+      </p:grpSpPr>
+      <p:sp>
+        <p:nvSpPr>
+          <p:cNvPr id="2" name="Slide Image Placeholder 1"/>
+          <p:cNvSpPr>
+            <a:spLocks noGrp="1" noRot="1" noChangeAspect="1"/>
+          </p:cNvSpPr>
+          <p:nvPr>
+            <p:ph type="sldImg"/>
+          </p:nvPr>
+        </p:nvSpPr>
+        <p:spPr/>
+      </p:sp>
+      <p:sp>
+        <p:nvSpPr>
+          <p:cNvPr id="3" name="Notes Placeholder 2"/>
+          <p:cNvSpPr>
+            <a:spLocks noGrp="1"/>
+          </p:cNvSpPr>
+          <p:nvPr>
+            <p:ph type="body" idx="1"/>
+          </p:nvPr>
+        </p:nvSpPr>
+        <p:spPr/>
+        <p:txBody>
+          <a:bodyPr/>
+          <a:lstStyle/>
+          <a:p>
+            <a:r>
+              <a:rPr lang="en-US" dirty="0" smtClean="0"/>
+              <a:t>You can’t write a system</a:t>
+            </a:r>
+            <a:r>
+              <a:rPr lang="en-US" baseline="0" dirty="0" smtClean="0"/>
+              <a:t> without dependencies</a:t>
+            </a:r>
+            <a:endParaRPr lang="en-US" dirty="0"/>
+          </a:p>
+        </p:txBody>
+      </p:sp>
+      <p:sp>
+        <p:nvSpPr>
+          <p:cNvPr id="4" name="Slide Number Placeholder 3"/>
+          <p:cNvSpPr>
+            <a:spLocks noGrp="1"/>
+          </p:cNvSpPr>
+          <p:nvPr>
+            <p:ph type="sldNum" sz="quarter" idx="10"/>
+          </p:nvPr>
+        </p:nvSpPr>
+        <p:spPr/>
+        <p:txBody>
+          <a:bodyPr/>
+          <a:lstStyle/>
+          <a:p>
+            <a:fld id="{F40E2418-650B-4841-BB37-E4A946AE1E14}" type="slidenum">
+              <a:rPr lang="en-US" smtClean="0"/>
+              <a:t>26</a:t>
+            </a:fld>
+            <a:endParaRPr lang="en-US"/>
+          </a:p>
+        </p:txBody>
+      </p:sp>
+    </p:spTree>
+    <p:extLst>
+      <p:ext uri="{BB962C8B-B14F-4D97-AF65-F5344CB8AC3E}">
+        <p14:creationId xmlns:p14="http://schemas.microsoft.com/office/powerpoint/2010/main" val="2181752935"/>
+      </p:ext>
+    </p:extLst>
+  </p:cSld>
+  <p:clrMapOvr>
+    <a:masterClrMapping/>
+  </p:clrMapOvr>
+</p:notes>
+</file>
+
+<file path=ppt/notesSlides/notesSlide22.xml><?xml version="1.0" encoding="utf-8"?>
+<p:notes xmlns:a="http://schemas.openxmlformats.org/drawingml/2006/main" xmlns:r="http://schemas.openxmlformats.org/officeDocument/2006/relationships" xmlns:p="http://schemas.openxmlformats.org/presentationml/2006/main">
+  <p:cSld>
+    <p:spTree>
+      <p:nvGrpSpPr>
+        <p:cNvPr id="1" name=""/>
+        <p:cNvGrpSpPr/>
+        <p:nvPr/>
+      </p:nvGrpSpPr>
+      <p:grpSpPr>
+        <a:xfrm>
+          <a:off x="0" y="0"/>
+          <a:ext cx="0" cy="0"/>
+          <a:chOff x="0" y="0"/>
+          <a:chExt cx="0" cy="0"/>
+        </a:xfrm>
+      </p:grpSpPr>
+      <p:sp>
+        <p:nvSpPr>
+          <p:cNvPr id="2" name="Slide Image Placeholder 1"/>
+          <p:cNvSpPr>
+            <a:spLocks noGrp="1" noRot="1" noChangeAspect="1"/>
+          </p:cNvSpPr>
+          <p:nvPr>
+            <p:ph type="sldImg"/>
+          </p:nvPr>
+        </p:nvSpPr>
+        <p:spPr/>
+      </p:sp>
+      <p:sp>
+        <p:nvSpPr>
+          <p:cNvPr id="3" name="Notes Placeholder 2"/>
+          <p:cNvSpPr>
+            <a:spLocks noGrp="1"/>
+          </p:cNvSpPr>
+          <p:nvPr>
+            <p:ph type="body" idx="1"/>
+          </p:nvPr>
+        </p:nvSpPr>
+        <p:spPr/>
+        <p:txBody>
+          <a:bodyPr/>
+          <a:lstStyle/>
+          <a:p>
+            <a:r>
+              <a:rPr lang="en-US" dirty="0" smtClean="0"/>
+              <a:t>A header interface is not inversion, it’s only abstraction</a:t>
+            </a:r>
+            <a:endParaRPr lang="en-US" dirty="0"/>
+          </a:p>
+        </p:txBody>
+      </p:sp>
+      <p:sp>
+        <p:nvSpPr>
+          <p:cNvPr id="4" name="Slide Number Placeholder 3"/>
+          <p:cNvSpPr>
+            <a:spLocks noGrp="1"/>
+          </p:cNvSpPr>
+          <p:nvPr>
+            <p:ph type="sldNum" sz="quarter" idx="10"/>
+          </p:nvPr>
+        </p:nvSpPr>
+        <p:spPr/>
+        <p:txBody>
+          <a:bodyPr/>
+          <a:lstStyle/>
+          <a:p>
+            <a:fld id="{F40E2418-650B-4841-BB37-E4A946AE1E14}" type="slidenum">
+              <a:rPr lang="en-US" smtClean="0"/>
+              <a:t>27</a:t>
+            </a:fld>
+            <a:endParaRPr lang="en-US"/>
+          </a:p>
+        </p:txBody>
+      </p:sp>
+    </p:spTree>
+    <p:extLst>
+      <p:ext uri="{BB962C8B-B14F-4D97-AF65-F5344CB8AC3E}">
+        <p14:creationId xmlns:p14="http://schemas.microsoft.com/office/powerpoint/2010/main" val="2394943152"/>
+      </p:ext>
+    </p:extLst>
+  </p:cSld>
+  <p:clrMapOvr>
+    <a:masterClrMapping/>
+  </p:clrMapOvr>
+</p:notes>
+</file>
+
+<file path=ppt/notesSlides/notesSlide23.xml><?xml version="1.0" encoding="utf-8"?>
+<p:notes xmlns:a="http://schemas.openxmlformats.org/drawingml/2006/main" xmlns:r="http://schemas.openxmlformats.org/officeDocument/2006/relationships" xmlns:p="http://schemas.openxmlformats.org/presentationml/2006/main">
+  <p:cSld>
+    <p:spTree>
+      <p:nvGrpSpPr>
+        <p:cNvPr id="1" name=""/>
+        <p:cNvGrpSpPr/>
+        <p:nvPr/>
+      </p:nvGrpSpPr>
+      <p:grpSpPr>
+        <a:xfrm>
+          <a:off x="0" y="0"/>
+          <a:ext cx="0" cy="0"/>
+          <a:chOff x="0" y="0"/>
+          <a:chExt cx="0" cy="0"/>
+        </a:xfrm>
+      </p:grpSpPr>
+      <p:sp>
+        <p:nvSpPr>
+          <p:cNvPr id="2" name="Slide Image Placeholder 1"/>
+          <p:cNvSpPr>
+            <a:spLocks noGrp="1" noRot="1" noChangeAspect="1"/>
+          </p:cNvSpPr>
+          <p:nvPr>
+            <p:ph type="sldImg"/>
+          </p:nvPr>
+        </p:nvSpPr>
+        <p:spPr/>
+      </p:sp>
+      <p:sp>
+        <p:nvSpPr>
+          <p:cNvPr id="3" name="Notes Placeholder 2"/>
+          <p:cNvSpPr>
+            <a:spLocks noGrp="1"/>
+          </p:cNvSpPr>
+          <p:nvPr>
+            <p:ph type="body" idx="1"/>
+          </p:nvPr>
+        </p:nvSpPr>
+        <p:spPr/>
+        <p:txBody>
+          <a:bodyPr/>
+          <a:lstStyle/>
+          <a:p>
+            <a:r>
+              <a:rPr lang="en-US" dirty="0" smtClean="0"/>
+              <a:t>It’s about the owner of the interface, not just having an interface</a:t>
+            </a:r>
+          </a:p>
+          <a:p>
+            <a:r>
+              <a:rPr lang="en-US" dirty="0" smtClean="0"/>
+              <a:t>Role</a:t>
+            </a:r>
+            <a:r>
+              <a:rPr lang="en-US" baseline="0" dirty="0" smtClean="0"/>
+              <a:t> specific interfaces provide what the client needs, </a:t>
+            </a:r>
+            <a:endParaRPr lang="en-US" dirty="0"/>
+          </a:p>
+        </p:txBody>
+      </p:sp>
+      <p:sp>
+        <p:nvSpPr>
+          <p:cNvPr id="4" name="Slide Number Placeholder 3"/>
+          <p:cNvSpPr>
+            <a:spLocks noGrp="1"/>
+          </p:cNvSpPr>
+          <p:nvPr>
+            <p:ph type="sldNum" sz="quarter" idx="10"/>
+          </p:nvPr>
+        </p:nvSpPr>
+        <p:spPr/>
+        <p:txBody>
+          <a:bodyPr/>
+          <a:lstStyle/>
+          <a:p>
+            <a:fld id="{F40E2418-650B-4841-BB37-E4A946AE1E14}" type="slidenum">
+              <a:rPr lang="en-US" smtClean="0"/>
+              <a:t>28</a:t>
+            </a:fld>
+            <a:endParaRPr lang="en-US"/>
+          </a:p>
+        </p:txBody>
+      </p:sp>
+    </p:spTree>
+    <p:extLst>
+      <p:ext uri="{BB962C8B-B14F-4D97-AF65-F5344CB8AC3E}">
+        <p14:creationId xmlns:p14="http://schemas.microsoft.com/office/powerpoint/2010/main" val="3924171373"/>
+      </p:ext>
+    </p:extLst>
+  </p:cSld>
+  <p:clrMapOvr>
+    <a:masterClrMapping/>
+  </p:clrMapOvr>
+</p:notes>
+</file>
+
+<file path=ppt/notesSlides/notesSlide24.xml><?xml version="1.0" encoding="utf-8"?>
+<p:notes xmlns:a="http://schemas.openxmlformats.org/drawingml/2006/main" xmlns:r="http://schemas.openxmlformats.org/officeDocument/2006/relationships" xmlns:p="http://schemas.openxmlformats.org/presentationml/2006/main">
+  <p:cSld>
+    <p:spTree>
+      <p:nvGrpSpPr>
+        <p:cNvPr id="1" name=""/>
+        <p:cNvGrpSpPr/>
+        <p:nvPr/>
+      </p:nvGrpSpPr>
+      <p:grpSpPr>
+        <a:xfrm>
+          <a:off x="0" y="0"/>
+          <a:ext cx="0" cy="0"/>
+          <a:chOff x="0" y="0"/>
+          <a:chExt cx="0" cy="0"/>
+        </a:xfrm>
+      </p:grpSpPr>
+      <p:sp>
+        <p:nvSpPr>
+          <p:cNvPr id="2" name="Slide Image Placeholder 1"/>
+          <p:cNvSpPr>
+            <a:spLocks noGrp="1" noRot="1" noChangeAspect="1"/>
+          </p:cNvSpPr>
+          <p:nvPr>
+            <p:ph type="sldImg"/>
+          </p:nvPr>
+        </p:nvSpPr>
+        <p:spPr/>
+      </p:sp>
+      <p:sp>
+        <p:nvSpPr>
+          <p:cNvPr id="3" name="Notes Placeholder 2"/>
+          <p:cNvSpPr>
+            <a:spLocks noGrp="1"/>
+          </p:cNvSpPr>
+          <p:nvPr>
+            <p:ph type="body" idx="1"/>
+          </p:nvPr>
+        </p:nvSpPr>
+        <p:spPr/>
+        <p:txBody>
+          <a:bodyPr/>
+          <a:lstStyle/>
+          <a:p>
+            <a:r>
+              <a:rPr lang="en-US" dirty="0" smtClean="0"/>
+              <a:t>Introducing the </a:t>
+            </a:r>
+            <a:r>
+              <a:rPr lang="en-US" dirty="0" err="1" smtClean="0"/>
+              <a:t>imessageinforetriever</a:t>
+            </a:r>
+            <a:r>
+              <a:rPr lang="en-US" dirty="0" smtClean="0"/>
+              <a:t> as an abstraction between the different reader types</a:t>
+            </a:r>
+          </a:p>
+          <a:p>
+            <a:r>
+              <a:rPr lang="en-US" dirty="0" smtClean="0"/>
+              <a:t>The interface is owned by the processing service</a:t>
+            </a:r>
+          </a:p>
+          <a:p>
+            <a:r>
+              <a:rPr lang="en-US" dirty="0" smtClean="0"/>
+              <a:t>The implementations change to meet the needs of the processing</a:t>
+            </a:r>
+            <a:r>
+              <a:rPr lang="en-US" baseline="0" dirty="0" smtClean="0"/>
+              <a:t> service, not the other way around</a:t>
+            </a:r>
+          </a:p>
+          <a:p>
+            <a:r>
+              <a:rPr lang="en-US" baseline="0" dirty="0" smtClean="0"/>
+              <a:t>Show the code</a:t>
+            </a:r>
+            <a:endParaRPr lang="en-US" dirty="0"/>
+          </a:p>
+        </p:txBody>
+      </p:sp>
+      <p:sp>
+        <p:nvSpPr>
+          <p:cNvPr id="4" name="Slide Number Placeholder 3"/>
+          <p:cNvSpPr>
+            <a:spLocks noGrp="1"/>
+          </p:cNvSpPr>
+          <p:nvPr>
+            <p:ph type="sldNum" sz="quarter" idx="10"/>
+          </p:nvPr>
+        </p:nvSpPr>
+        <p:spPr/>
+        <p:txBody>
+          <a:bodyPr/>
+          <a:lstStyle/>
+          <a:p>
+            <a:fld id="{F40E2418-650B-4841-BB37-E4A946AE1E14}" type="slidenum">
+              <a:rPr lang="en-US" smtClean="0"/>
+              <a:t>29</a:t>
+            </a:fld>
+            <a:endParaRPr lang="en-US"/>
+          </a:p>
+        </p:txBody>
+      </p:sp>
+    </p:spTree>
+    <p:extLst>
+      <p:ext uri="{BB962C8B-B14F-4D97-AF65-F5344CB8AC3E}">
+        <p14:creationId xmlns:p14="http://schemas.microsoft.com/office/powerpoint/2010/main" val="3881710387"/>
+      </p:ext>
+    </p:extLst>
+  </p:cSld>
+  <p:clrMapOvr>
+    <a:masterClrMapping/>
+  </p:clrMapOvr>
+</p:notes>
+</file>
+
+<file path=ppt/notesSlides/notesSlide25.xml><?xml version="1.0" encoding="utf-8"?>
+<p:notes xmlns:a="http://schemas.openxmlformats.org/drawingml/2006/main" xmlns:r="http://schemas.openxmlformats.org/officeDocument/2006/relationships" xmlns:p="http://schemas.openxmlformats.org/presentationml/2006/main">
+  <p:cSld>
+    <p:spTree>
+      <p:nvGrpSpPr>
+        <p:cNvPr id="1" name=""/>
+        <p:cNvGrpSpPr/>
+        <p:nvPr/>
+      </p:nvGrpSpPr>
+      <p:grpSpPr>
+        <a:xfrm>
+          <a:off x="0" y="0"/>
+          <a:ext cx="0" cy="0"/>
+          <a:chOff x="0" y="0"/>
+          <a:chExt cx="0" cy="0"/>
+        </a:xfrm>
+      </p:grpSpPr>
+      <p:sp>
+        <p:nvSpPr>
+          <p:cNvPr id="2" name="Slide Image Placeholder 1"/>
+          <p:cNvSpPr>
+            <a:spLocks noGrp="1" noRot="1" noChangeAspect="1"/>
+          </p:cNvSpPr>
+          <p:nvPr>
+            <p:ph type="sldImg"/>
+          </p:nvPr>
+        </p:nvSpPr>
+        <p:spPr/>
+      </p:sp>
+      <p:sp>
+        <p:nvSpPr>
+          <p:cNvPr id="3" name="Notes Placeholder 2"/>
+          <p:cNvSpPr>
+            <a:spLocks noGrp="1"/>
+          </p:cNvSpPr>
+          <p:nvPr>
+            <p:ph type="body" idx="1"/>
+          </p:nvPr>
+        </p:nvSpPr>
+        <p:spPr/>
+        <p:txBody>
+          <a:bodyPr/>
+          <a:lstStyle/>
+          <a:p>
+            <a:r>
+              <a:rPr lang="en-US" dirty="0" smtClean="0"/>
+              <a:t>As we added functionality, we introduced</a:t>
+            </a:r>
+            <a:r>
+              <a:rPr lang="en-US" baseline="0" dirty="0" smtClean="0"/>
+              <a:t> principles and patterns that make it easier to continue adding functionality later</a:t>
+            </a:r>
+          </a:p>
+          <a:p>
+            <a:r>
+              <a:rPr lang="en-US" baseline="0" dirty="0" smtClean="0"/>
+              <a:t>We blew up the object graph from 2 things that did everything to 12 things</a:t>
+            </a:r>
+          </a:p>
+          <a:p>
+            <a:r>
+              <a:rPr lang="en-US" baseline="0" dirty="0" smtClean="0"/>
+              <a:t>But why?</a:t>
+            </a:r>
+            <a:endParaRPr lang="en-US" dirty="0"/>
+          </a:p>
+        </p:txBody>
+      </p:sp>
+      <p:sp>
+        <p:nvSpPr>
+          <p:cNvPr id="4" name="Slide Number Placeholder 3"/>
+          <p:cNvSpPr>
+            <a:spLocks noGrp="1"/>
+          </p:cNvSpPr>
+          <p:nvPr>
+            <p:ph type="sldNum" sz="quarter" idx="10"/>
+          </p:nvPr>
+        </p:nvSpPr>
+        <p:spPr/>
+        <p:txBody>
+          <a:bodyPr/>
+          <a:lstStyle/>
+          <a:p>
+            <a:fld id="{F40E2418-650B-4841-BB37-E4A946AE1E14}" type="slidenum">
+              <a:rPr lang="en-US" smtClean="0"/>
+              <a:t>31</a:t>
+            </a:fld>
+            <a:endParaRPr lang="en-US"/>
+          </a:p>
+        </p:txBody>
+      </p:sp>
+    </p:spTree>
+    <p:extLst>
+      <p:ext uri="{BB962C8B-B14F-4D97-AF65-F5344CB8AC3E}">
+        <p14:creationId xmlns:p14="http://schemas.microsoft.com/office/powerpoint/2010/main" val="3584186449"/>
+      </p:ext>
+    </p:extLst>
+  </p:cSld>
+  <p:clrMapOvr>
+    <a:masterClrMapping/>
+  </p:clrMapOvr>
+</p:notes>
+</file>
+
+<file path=ppt/notesSlides/notesSlide26.xml><?xml version="1.0" encoding="utf-8"?>
+<p:notes xmlns:a="http://schemas.openxmlformats.org/drawingml/2006/main" xmlns:r="http://schemas.openxmlformats.org/officeDocument/2006/relationships" xmlns:p="http://schemas.openxmlformats.org/presentationml/2006/main">
+  <p:cSld>
+    <p:spTree>
+      <p:nvGrpSpPr>
+        <p:cNvPr id="1" name=""/>
+        <p:cNvGrpSpPr/>
+        <p:nvPr/>
+      </p:nvGrpSpPr>
+      <p:grpSpPr>
+        <a:xfrm>
+          <a:off x="0" y="0"/>
+          <a:ext cx="0" cy="0"/>
+          <a:chOff x="0" y="0"/>
+          <a:chExt cx="0" cy="0"/>
+        </a:xfrm>
+      </p:grpSpPr>
+      <p:sp>
+        <p:nvSpPr>
+          <p:cNvPr id="2" name="Slide Image Placeholder 1"/>
+          <p:cNvSpPr>
+            <a:spLocks noGrp="1" noRot="1" noChangeAspect="1"/>
+          </p:cNvSpPr>
+          <p:nvPr>
+            <p:ph type="sldImg"/>
+          </p:nvPr>
+        </p:nvSpPr>
+        <p:spPr/>
+      </p:sp>
+      <p:sp>
+        <p:nvSpPr>
+          <p:cNvPr id="3" name="Notes Placeholder 2"/>
+          <p:cNvSpPr>
+            <a:spLocks noGrp="1"/>
+          </p:cNvSpPr>
+          <p:nvPr>
+            <p:ph type="body" idx="1"/>
+          </p:nvPr>
+        </p:nvSpPr>
+        <p:spPr/>
+        <p:txBody>
+          <a:bodyPr/>
+          <a:lstStyle/>
+          <a:p>
+            <a:r>
+              <a:rPr lang="en-US" dirty="0" smtClean="0"/>
+              <a:t>SRP, OCP,</a:t>
+            </a:r>
+            <a:r>
+              <a:rPr lang="en-US" baseline="0" dirty="0" smtClean="0"/>
+              <a:t> ISP, LSP</a:t>
+            </a:r>
+            <a:endParaRPr lang="en-US" dirty="0" smtClean="0"/>
+          </a:p>
+          <a:p>
+            <a:r>
+              <a:rPr lang="en-US" dirty="0" smtClean="0"/>
+              <a:t>Our system is decoupled. </a:t>
+            </a:r>
+          </a:p>
+          <a:p>
+            <a:r>
+              <a:rPr lang="en-US" dirty="0" smtClean="0"/>
+              <a:t>Can pull pieces out and replace them</a:t>
+            </a:r>
+            <a:endParaRPr lang="en-US" baseline="0" dirty="0" smtClean="0"/>
+          </a:p>
+          <a:p>
+            <a:r>
+              <a:rPr lang="en-US" baseline="0" dirty="0" smtClean="0"/>
+              <a:t>Each piece can change easily</a:t>
+            </a:r>
+          </a:p>
+          <a:p>
+            <a:r>
+              <a:rPr lang="en-US" baseline="0" dirty="0" smtClean="0"/>
+              <a:t>Add new functionality easily</a:t>
+            </a:r>
+          </a:p>
+        </p:txBody>
+      </p:sp>
+      <p:sp>
+        <p:nvSpPr>
+          <p:cNvPr id="4" name="Slide Number Placeholder 3"/>
+          <p:cNvSpPr>
+            <a:spLocks noGrp="1"/>
+          </p:cNvSpPr>
+          <p:nvPr>
+            <p:ph type="sldNum" sz="quarter" idx="10"/>
+          </p:nvPr>
+        </p:nvSpPr>
+        <p:spPr/>
+        <p:txBody>
+          <a:bodyPr/>
+          <a:lstStyle/>
+          <a:p>
+            <a:fld id="{F40E2418-650B-4841-BB37-E4A946AE1E14}" type="slidenum">
+              <a:rPr lang="en-US" smtClean="0"/>
+              <a:t>32</a:t>
+            </a:fld>
+            <a:endParaRPr lang="en-US"/>
+          </a:p>
+        </p:txBody>
+      </p:sp>
+    </p:spTree>
+    <p:extLst>
+      <p:ext uri="{BB962C8B-B14F-4D97-AF65-F5344CB8AC3E}">
+        <p14:creationId xmlns:p14="http://schemas.microsoft.com/office/powerpoint/2010/main" val="3069212070"/>
+      </p:ext>
+    </p:extLst>
+  </p:cSld>
+  <p:clrMapOvr>
+    <a:masterClrMapping/>
+  </p:clrMapOvr>
+</p:notes>
+</file>
+
+<file path=ppt/notesSlides/notesSlide27.xml><?xml version="1.0" encoding="utf-8"?>
+<p:notes xmlns:a="http://schemas.openxmlformats.org/drawingml/2006/main" xmlns:r="http://schemas.openxmlformats.org/officeDocument/2006/relationships" xmlns:p="http://schemas.openxmlformats.org/presentationml/2006/main">
+  <p:cSld>
+    <p:spTree>
+      <p:nvGrpSpPr>
+        <p:cNvPr id="1" name=""/>
+        <p:cNvGrpSpPr/>
+        <p:nvPr/>
+      </p:nvGrpSpPr>
+      <p:grpSpPr>
+        <a:xfrm>
+          <a:off x="0" y="0"/>
+          <a:ext cx="0" cy="0"/>
+          <a:chOff x="0" y="0"/>
+          <a:chExt cx="0" cy="0"/>
+        </a:xfrm>
+      </p:grpSpPr>
+      <p:sp>
+        <p:nvSpPr>
+          <p:cNvPr id="2" name="Slide Image Placeholder 1"/>
+          <p:cNvSpPr>
+            <a:spLocks noGrp="1" noRot="1" noChangeAspect="1"/>
+          </p:cNvSpPr>
+          <p:nvPr>
+            <p:ph type="sldImg"/>
+          </p:nvPr>
+        </p:nvSpPr>
+        <p:spPr/>
+      </p:sp>
+      <p:sp>
+        <p:nvSpPr>
+          <p:cNvPr id="3" name="Notes Placeholder 2"/>
+          <p:cNvSpPr>
+            <a:spLocks noGrp="1"/>
+          </p:cNvSpPr>
+          <p:nvPr>
+            <p:ph type="body" idx="1"/>
+          </p:nvPr>
+        </p:nvSpPr>
+        <p:spPr/>
+        <p:txBody>
+          <a:bodyPr/>
+          <a:lstStyle/>
+          <a:p>
+            <a:r>
+              <a:rPr lang="en-US" dirty="0" smtClean="0"/>
+              <a:t>DIP,</a:t>
+            </a:r>
+            <a:r>
+              <a:rPr lang="en-US" baseline="0" dirty="0" smtClean="0"/>
+              <a:t> SRP, LSP</a:t>
+            </a:r>
+            <a:endParaRPr lang="en-US" dirty="0" smtClean="0"/>
+          </a:p>
+          <a:p>
+            <a:r>
+              <a:rPr lang="en-US" dirty="0" smtClean="0"/>
+              <a:t>The app as a whole does more than the</a:t>
+            </a:r>
+            <a:r>
+              <a:rPr lang="en-US" baseline="0" dirty="0" smtClean="0"/>
+              <a:t> individual parts</a:t>
+            </a:r>
+          </a:p>
+          <a:p>
+            <a:r>
+              <a:rPr lang="en-US" baseline="0" dirty="0" smtClean="0"/>
+              <a:t>All the parts work well by themselves, but they work better when coordinated together</a:t>
+            </a:r>
+          </a:p>
+          <a:p>
+            <a:pPr marL="0" marR="0" indent="0" algn="l" defTabSz="457200" rtl="0" eaLnBrk="1" fontAlgn="auto" latinLnBrk="0" hangingPunct="1">
+              <a:lnSpc>
+                <a:spcPct val="100000"/>
+              </a:lnSpc>
+              <a:spcBef>
+                <a:spcPts val="0"/>
+              </a:spcBef>
+              <a:spcAft>
+                <a:spcPts val="0"/>
+              </a:spcAft>
+              <a:buClrTx/>
+              <a:buSzTx/>
+              <a:buFontTx/>
+              <a:buNone/>
+              <a:tabLst/>
+              <a:defRPr/>
+            </a:pPr>
+            <a:r>
+              <a:rPr lang="en-US" baseline="0" dirty="0" smtClean="0"/>
+              <a:t>code re-use is low on the totem pole? good OO architecture and high cohesion means we are more likely to be able to re-use, without making re-use a goal</a:t>
+            </a:r>
+            <a:endParaRPr lang="en-US" dirty="0"/>
+          </a:p>
+        </p:txBody>
+      </p:sp>
+      <p:sp>
+        <p:nvSpPr>
+          <p:cNvPr id="4" name="Slide Number Placeholder 3"/>
+          <p:cNvSpPr>
+            <a:spLocks noGrp="1"/>
+          </p:cNvSpPr>
+          <p:nvPr>
+            <p:ph type="sldNum" sz="quarter" idx="10"/>
+          </p:nvPr>
+        </p:nvSpPr>
+        <p:spPr/>
+        <p:txBody>
+          <a:bodyPr/>
+          <a:lstStyle/>
+          <a:p>
+            <a:fld id="{F40E2418-650B-4841-BB37-E4A946AE1E14}" type="slidenum">
+              <a:rPr lang="en-US" smtClean="0"/>
+              <a:t>33</a:t>
+            </a:fld>
+            <a:endParaRPr lang="en-US"/>
+          </a:p>
+        </p:txBody>
+      </p:sp>
+    </p:spTree>
+    <p:extLst>
+      <p:ext uri="{BB962C8B-B14F-4D97-AF65-F5344CB8AC3E}">
+        <p14:creationId xmlns:p14="http://schemas.microsoft.com/office/powerpoint/2010/main" val="2004575123"/>
+      </p:ext>
+    </p:extLst>
+  </p:cSld>
+  <p:clrMapOvr>
+    <a:masterClrMapping/>
+  </p:clrMapOvr>
+</p:notes>
+</file>
+
+<file path=ppt/notesSlides/notesSlide28.xml><?xml version="1.0" encoding="utf-8"?>
+<p:notes xmlns:a="http://schemas.openxmlformats.org/drawingml/2006/main" xmlns:r="http://schemas.openxmlformats.org/officeDocument/2006/relationships" xmlns:p="http://schemas.openxmlformats.org/presentationml/2006/main">
+  <p:cSld>
+    <p:spTree>
+      <p:nvGrpSpPr>
+        <p:cNvPr id="1" name=""/>
+        <p:cNvGrpSpPr/>
+        <p:nvPr/>
+      </p:nvGrpSpPr>
+      <p:grpSpPr>
+        <a:xfrm>
+          <a:off x="0" y="0"/>
+          <a:ext cx="0" cy="0"/>
+          <a:chOff x="0" y="0"/>
+          <a:chExt cx="0" cy="0"/>
+        </a:xfrm>
+      </p:grpSpPr>
+      <p:sp>
+        <p:nvSpPr>
+          <p:cNvPr id="2" name="Slide Image Placeholder 1"/>
+          <p:cNvSpPr>
+            <a:spLocks noGrp="1" noRot="1" noChangeAspect="1"/>
+          </p:cNvSpPr>
+          <p:nvPr>
+            <p:ph type="sldImg"/>
+          </p:nvPr>
+        </p:nvSpPr>
+        <p:spPr/>
+      </p:sp>
+      <p:sp>
+        <p:nvSpPr>
+          <p:cNvPr id="3" name="Notes Placeholder 2"/>
+          <p:cNvSpPr>
+            <a:spLocks noGrp="1"/>
+          </p:cNvSpPr>
+          <p:nvPr>
+            <p:ph type="body" idx="1"/>
+          </p:nvPr>
+        </p:nvSpPr>
+        <p:spPr/>
+        <p:txBody>
+          <a:bodyPr/>
+          <a:lstStyle/>
+          <a:p>
+            <a:r>
+              <a:rPr lang="en-US" dirty="0" smtClean="0"/>
+              <a:t>SRP, ISP, OCP</a:t>
+            </a:r>
+          </a:p>
+          <a:p>
+            <a:r>
+              <a:rPr lang="en-US" dirty="0" smtClean="0"/>
+              <a:t>With each part of the app well encapsulated, we have no duplication</a:t>
+            </a:r>
+          </a:p>
+          <a:p>
+            <a:r>
+              <a:rPr lang="en-US" dirty="0" smtClean="0"/>
+              <a:t>We</a:t>
+            </a:r>
+            <a:r>
+              <a:rPr lang="en-US" baseline="0" dirty="0" smtClean="0"/>
+              <a:t> can segment the parts of the app for a number of reasons: testing, giving responsibility to certain developers, </a:t>
+            </a:r>
+            <a:r>
+              <a:rPr lang="en-US" baseline="0" dirty="0" err="1" smtClean="0"/>
+              <a:t>etc</a:t>
+            </a:r>
+            <a:endParaRPr lang="en-US" baseline="0" dirty="0" smtClean="0"/>
+          </a:p>
+          <a:p>
+            <a:r>
+              <a:rPr lang="en-US" baseline="0" dirty="0" smtClean="0"/>
+              <a:t>We can change parts of the app and it’s behavior without touching the rest of the app</a:t>
+            </a:r>
+            <a:endParaRPr lang="en-US" dirty="0"/>
+          </a:p>
+        </p:txBody>
+      </p:sp>
+      <p:sp>
+        <p:nvSpPr>
+          <p:cNvPr id="4" name="Slide Number Placeholder 3"/>
+          <p:cNvSpPr>
+            <a:spLocks noGrp="1"/>
+          </p:cNvSpPr>
+          <p:nvPr>
+            <p:ph type="sldNum" sz="quarter" idx="10"/>
+          </p:nvPr>
+        </p:nvSpPr>
+        <p:spPr/>
+        <p:txBody>
+          <a:bodyPr/>
+          <a:lstStyle/>
+          <a:p>
+            <a:fld id="{F40E2418-650B-4841-BB37-E4A946AE1E14}" type="slidenum">
+              <a:rPr lang="en-US" smtClean="0"/>
+              <a:t>34</a:t>
+            </a:fld>
+            <a:endParaRPr lang="en-US"/>
+          </a:p>
+        </p:txBody>
+      </p:sp>
+    </p:spTree>
+    <p:extLst>
+      <p:ext uri="{BB962C8B-B14F-4D97-AF65-F5344CB8AC3E}">
+        <p14:creationId xmlns:p14="http://schemas.microsoft.com/office/powerpoint/2010/main" val="2417160626"/>
+      </p:ext>
+    </p:extLst>
+  </p:cSld>
+  <p:clrMapOvr>
+    <a:masterClrMapping/>
+  </p:clrMapOvr>
+</p:notes>
+</file>
+
+<file path=ppt/notesSlides/notesSlide29.xml><?xml version="1.0" encoding="utf-8"?>
+<p:notes xmlns:a="http://schemas.openxmlformats.org/drawingml/2006/main" xmlns:r="http://schemas.openxmlformats.org/officeDocument/2006/relationships" xmlns:p="http://schemas.openxmlformats.org/presentationml/2006/main">
+  <p:cSld>
+    <p:spTree>
+      <p:nvGrpSpPr>
+        <p:cNvPr id="1" name=""/>
+        <p:cNvGrpSpPr/>
+        <p:nvPr/>
+      </p:nvGrpSpPr>
+      <p:grpSpPr>
+        <a:xfrm>
+          <a:off x="0" y="0"/>
+          <a:ext cx="0" cy="0"/>
+          <a:chOff x="0" y="0"/>
+          <a:chExt cx="0" cy="0"/>
+        </a:xfrm>
+      </p:grpSpPr>
+      <p:sp>
+        <p:nvSpPr>
+          <p:cNvPr id="2" name="Slide Image Placeholder 1"/>
+          <p:cNvSpPr>
+            <a:spLocks noGrp="1" noRot="1" noChangeAspect="1"/>
+          </p:cNvSpPr>
+          <p:nvPr>
+            <p:ph type="sldImg"/>
+          </p:nvPr>
+        </p:nvSpPr>
+        <p:spPr/>
+      </p:sp>
+      <p:sp>
+        <p:nvSpPr>
+          <p:cNvPr id="3" name="Notes Placeholder 2"/>
+          <p:cNvSpPr>
+            <a:spLocks noGrp="1"/>
+          </p:cNvSpPr>
+          <p:nvPr>
+            <p:ph type="body" idx="1"/>
+          </p:nvPr>
+        </p:nvSpPr>
+        <p:spPr/>
+        <p:txBody>
+          <a:bodyPr/>
+          <a:lstStyle/>
+          <a:p>
+            <a:endParaRPr lang="en-US" dirty="0"/>
+          </a:p>
+        </p:txBody>
+      </p:sp>
+      <p:sp>
+        <p:nvSpPr>
+          <p:cNvPr id="4" name="Slide Number Placeholder 3"/>
+          <p:cNvSpPr>
+            <a:spLocks noGrp="1"/>
+          </p:cNvSpPr>
+          <p:nvPr>
+            <p:ph type="sldNum" sz="quarter" idx="10"/>
+          </p:nvPr>
+        </p:nvSpPr>
+        <p:spPr/>
+        <p:txBody>
+          <a:bodyPr/>
+          <a:lstStyle/>
+          <a:p>
+            <a:fld id="{F40E2418-650B-4841-BB37-E4A946AE1E14}" type="slidenum">
+              <a:rPr lang="en-US" smtClean="0"/>
+              <a:t>35</a:t>
+            </a:fld>
+            <a:endParaRPr lang="en-US"/>
+          </a:p>
+        </p:txBody>
+      </p:sp>
+    </p:spTree>
+    <p:extLst>
+      <p:ext uri="{BB962C8B-B14F-4D97-AF65-F5344CB8AC3E}">
+        <p14:creationId xmlns:p14="http://schemas.microsoft.com/office/powerpoint/2010/main" val="3446598172"/>
+      </p:ext>
+    </p:extLst>
   </p:cSld>
   <p:clrMapOvr>
     <a:masterClrMapping/>
@@ -8030,7 +9737,7 @@
           <p:nvPr/>
         </p:nvPicPr>
         <p:blipFill>
-          <a:blip r:embed="rId2"/>
+          <a:blip r:embed="rId3"/>
           <a:srcRect/>
           <a:stretch>
             <a:fillRect/>
@@ -10156,7 +11863,7 @@
                 </a:solidFill>
                 <a:latin typeface="+mn-lt"/>
               </a:rPr>
-              <a:t>Role Specific Interfaces</a:t>
+              <a:t>C3P0 is a protocol droid</a:t>
             </a:r>
             <a:endParaRPr lang="en-US" sz="1600" dirty="0">
               <a:solidFill>
@@ -11429,16 +13136,9 @@
                 <a:solidFill>
                   <a:schemeClr val="bg1"/>
                 </a:solidFill>
-                <a:latin typeface="+mn-lt"/>
               </a:rPr>
-              <a:t>Depend On Abstractions, Not Concrete Details And Implementations</a:t>
-            </a:r>
-            <a:endParaRPr lang="en-US" sz="1600" dirty="0">
-              <a:solidFill>
-                <a:schemeClr val="bg1"/>
-              </a:solidFill>
-              <a:latin typeface="+mn-lt"/>
-            </a:endParaRPr>
+              <a:t>I wear a lot of hats</a:t>
+            </a:r>
           </a:p>
         </p:txBody>
       </p:sp>
@@ -15101,6 +16801,13 @@
   <p:clrMapOvr>
     <a:masterClrMapping/>
   </p:clrMapOvr>
+  <p:timing>
+    <p:tnLst>
+      <p:par>
+        <p:cTn xmlns:p14="http://schemas.microsoft.com/office/powerpoint/2010/main" id="1" dur="indefinite" restart="never" nodeType="tmRoot"/>
+      </p:par>
+    </p:tnLst>
+  </p:timing>
 </p:sld>
 </file>
 
@@ -16019,6 +17726,13 @@
   <p:clrMapOvr>
     <a:masterClrMapping/>
   </p:clrMapOvr>
+  <p:timing>
+    <p:tnLst>
+      <p:par>
+        <p:cTn xmlns:p14="http://schemas.microsoft.com/office/powerpoint/2010/main" id="1" dur="indefinite" restart="never" nodeType="tmRoot"/>
+      </p:par>
+    </p:tnLst>
+  </p:timing>
 </p:sld>
 </file>
 
@@ -16937,6 +18651,13 @@
   <p:clrMapOvr>
     <a:masterClrMapping/>
   </p:clrMapOvr>
+  <p:timing>
+    <p:tnLst>
+      <p:par>
+        <p:cTn xmlns:p14="http://schemas.microsoft.com/office/powerpoint/2010/main" id="1" dur="indefinite" restart="never" nodeType="tmRoot"/>
+      </p:par>
+    </p:tnLst>
+  </p:timing>
 </p:sld>
 </file>
 
@@ -17855,6 +19576,13 @@
   <p:clrMapOvr>
     <a:masterClrMapping/>
   </p:clrMapOvr>
+  <p:timing>
+    <p:tnLst>
+      <p:par>
+        <p:cTn xmlns:p14="http://schemas.microsoft.com/office/powerpoint/2010/main" id="1" dur="indefinite" restart="never" nodeType="tmRoot"/>
+      </p:par>
+    </p:tnLst>
+  </p:timing>
 </p:sld>
 </file>
 

--- a/SOLID Principles - Step By Step Code/SOLID Principles Presentation.pptx
+++ b/SOLID Principles - Step By Step Code/SOLID Principles Presentation.pptx
@@ -540,6 +540,17 @@
           <a:p>
             <a:r>
               <a:rPr lang="en-US" dirty="0" smtClean="0"/>
+              <a:t>OO is not about objects, directly. It’s about</a:t>
+            </a:r>
+            <a:r>
+              <a:rPr lang="en-US" baseline="0" dirty="0" smtClean="0"/>
+              <a:t> solving problems through models</a:t>
+            </a:r>
+            <a:endParaRPr lang="en-US" dirty="0" smtClean="0"/>
+          </a:p>
+          <a:p>
+            <a:r>
+              <a:rPr lang="en-US" dirty="0" smtClean="0"/>
               <a:t>OO is about</a:t>
             </a:r>
             <a:r>
@@ -552,7 +563,6 @@
               <a:rPr lang="en-US" baseline="0" dirty="0" smtClean="0"/>
               <a:t>If you can’t correctly use your objects in the app they were built for, for the initial reason they were built, you have zero chance of ever re-using them successfully</a:t>
             </a:r>
-            <a:endParaRPr lang="en-US" dirty="0"/>
           </a:p>
         </p:txBody>
       </p:sp>
@@ -2948,6 +2958,33 @@
               <a:rPr lang="en-US" dirty="0" smtClean="0"/>
               <a:t>SOLID helps us get to the lofty goals of the OO principles</a:t>
             </a:r>
+          </a:p>
+          <a:p>
+            <a:r>
+              <a:rPr lang="en-US" dirty="0" smtClean="0"/>
+              <a:t>They give us a way to manage the dependencies in our app, which helps</a:t>
+            </a:r>
+            <a:r>
+              <a:rPr lang="en-US" baseline="0" dirty="0" smtClean="0"/>
+              <a:t> us create good </a:t>
+            </a:r>
+            <a:r>
+              <a:rPr lang="en-US" baseline="0" smtClean="0"/>
+              <a:t>OO software</a:t>
+            </a:r>
+            <a:endParaRPr lang="en-US" smtClean="0"/>
+          </a:p>
+          <a:p>
+            <a:r>
+              <a:rPr lang="en-US" dirty="0" smtClean="0"/>
+              <a:t>But these are just principles, not laws. They have a context</a:t>
+            </a:r>
+            <a:r>
+              <a:rPr lang="en-US" baseline="0" dirty="0" smtClean="0"/>
+              <a:t> in which they apply, and there are times when they are not needed or they are applied differently</a:t>
+            </a:r>
+          </a:p>
+          <a:p>
             <a:endParaRPr lang="en-US" dirty="0"/>
           </a:p>
         </p:txBody>
